--- a/Presentations/Open Repositories 2016/Statistics/SweeneySarahORstatistics33x46.pptx
+++ b/Presentations/Open Repositories 2016/Statistics/SweeneySarahORstatistics33x46.pptx
@@ -391,11 +391,11 @@
           <c:showBubbleSize val="0"/>
         </c:dLbls>
         <c:smooth val="0"/>
-        <c:axId val="-2143763280"/>
-        <c:axId val="2127002336"/>
+        <c:axId val="2092212432"/>
+        <c:axId val="-2118842336"/>
       </c:lineChart>
       <c:catAx>
-        <c:axId val="-2143763280"/>
+        <c:axId val="2092212432"/>
         <c:scaling>
           <c:orientation val="minMax"/>
         </c:scaling>
@@ -438,7 +438,7 @@
             <a:endParaRPr lang="en-US"/>
           </a:p>
         </c:txPr>
-        <c:crossAx val="2127002336"/>
+        <c:crossAx val="-2118842336"/>
         <c:crosses val="autoZero"/>
         <c:auto val="1"/>
         <c:lblAlgn val="ctr"/>
@@ -446,7 +446,7 @@
         <c:noMultiLvlLbl val="0"/>
       </c:catAx>
       <c:valAx>
-        <c:axId val="2127002336"/>
+        <c:axId val="-2118842336"/>
         <c:scaling>
           <c:orientation val="minMax"/>
         </c:scaling>
@@ -496,7 +496,7 @@
             <a:endParaRPr lang="en-US"/>
           </a:p>
         </c:txPr>
-        <c:crossAx val="-2143763280"/>
+        <c:crossAx val="2092212432"/>
         <c:crosses val="autoZero"/>
         <c:crossBetween val="between"/>
       </c:valAx>
@@ -3663,7 +3663,7 @@
           <a:p>
             <a:fld id="{180E51A3-104B-B744-9E20-3025749670C7}" type="datetimeFigureOut">
               <a:rPr lang="en-US" smtClean="0"/>
-              <a:t>5/19/16</a:t>
+              <a:t>5/20/16</a:t>
             </a:fld>
             <a:endParaRPr lang="en-US"/>
           </a:p>
@@ -3833,7 +3833,7 @@
           <a:p>
             <a:fld id="{180E51A3-104B-B744-9E20-3025749670C7}" type="datetimeFigureOut">
               <a:rPr lang="en-US" smtClean="0"/>
-              <a:t>5/19/16</a:t>
+              <a:t>5/20/16</a:t>
             </a:fld>
             <a:endParaRPr lang="en-US"/>
           </a:p>
@@ -4013,7 +4013,7 @@
           <a:p>
             <a:fld id="{180E51A3-104B-B744-9E20-3025749670C7}" type="datetimeFigureOut">
               <a:rPr lang="en-US" smtClean="0"/>
-              <a:t>5/19/16</a:t>
+              <a:t>5/20/16</a:t>
             </a:fld>
             <a:endParaRPr lang="en-US"/>
           </a:p>
@@ -4183,7 +4183,7 @@
           <a:p>
             <a:fld id="{180E51A3-104B-B744-9E20-3025749670C7}" type="datetimeFigureOut">
               <a:rPr lang="en-US" smtClean="0"/>
-              <a:t>5/19/16</a:t>
+              <a:t>5/20/16</a:t>
             </a:fld>
             <a:endParaRPr lang="en-US"/>
           </a:p>
@@ -4427,7 +4427,7 @@
           <a:p>
             <a:fld id="{180E51A3-104B-B744-9E20-3025749670C7}" type="datetimeFigureOut">
               <a:rPr lang="en-US" smtClean="0"/>
-              <a:t>5/19/16</a:t>
+              <a:t>5/20/16</a:t>
             </a:fld>
             <a:endParaRPr lang="en-US"/>
           </a:p>
@@ -4659,7 +4659,7 @@
           <a:p>
             <a:fld id="{180E51A3-104B-B744-9E20-3025749670C7}" type="datetimeFigureOut">
               <a:rPr lang="en-US" smtClean="0"/>
-              <a:t>5/19/16</a:t>
+              <a:t>5/20/16</a:t>
             </a:fld>
             <a:endParaRPr lang="en-US"/>
           </a:p>
@@ -5026,7 +5026,7 @@
           <a:p>
             <a:fld id="{180E51A3-104B-B744-9E20-3025749670C7}" type="datetimeFigureOut">
               <a:rPr lang="en-US" smtClean="0"/>
-              <a:t>5/19/16</a:t>
+              <a:t>5/20/16</a:t>
             </a:fld>
             <a:endParaRPr lang="en-US"/>
           </a:p>
@@ -5144,7 +5144,7 @@
           <a:p>
             <a:fld id="{180E51A3-104B-B744-9E20-3025749670C7}" type="datetimeFigureOut">
               <a:rPr lang="en-US" smtClean="0"/>
-              <a:t>5/19/16</a:t>
+              <a:t>5/20/16</a:t>
             </a:fld>
             <a:endParaRPr lang="en-US"/>
           </a:p>
@@ -5239,7 +5239,7 @@
           <a:p>
             <a:fld id="{180E51A3-104B-B744-9E20-3025749670C7}" type="datetimeFigureOut">
               <a:rPr lang="en-US" smtClean="0"/>
-              <a:t>5/19/16</a:t>
+              <a:t>5/20/16</a:t>
             </a:fld>
             <a:endParaRPr lang="en-US"/>
           </a:p>
@@ -5516,7 +5516,7 @@
           <a:p>
             <a:fld id="{180E51A3-104B-B744-9E20-3025749670C7}" type="datetimeFigureOut">
               <a:rPr lang="en-US" smtClean="0"/>
-              <a:t>5/19/16</a:t>
+              <a:t>5/20/16</a:t>
             </a:fld>
             <a:endParaRPr lang="en-US"/>
           </a:p>
@@ -5773,7 +5773,7 @@
           <a:p>
             <a:fld id="{180E51A3-104B-B744-9E20-3025749670C7}" type="datetimeFigureOut">
               <a:rPr lang="en-US" smtClean="0"/>
-              <a:t>5/19/16</a:t>
+              <a:t>5/20/16</a:t>
             </a:fld>
             <a:endParaRPr lang="en-US"/>
           </a:p>
@@ -5986,7 +5986,7 @@
           <a:p>
             <a:fld id="{180E51A3-104B-B744-9E20-3025749670C7}" type="datetimeFigureOut">
               <a:rPr lang="en-US" smtClean="0"/>
-              <a:t>5/19/16</a:t>
+              <a:t>5/20/16</a:t>
             </a:fld>
             <a:endParaRPr lang="en-US"/>
           </a:p>
@@ -6434,7 +6434,7 @@
             <a:r>
               <a:rPr lang="en-US" sz="3800" dirty="0" smtClean="0">
                 <a:solidFill>
-                  <a:srgbClr val="254061"/>
+                  <a:srgbClr val="2C3E50"/>
                 </a:solidFill>
                 <a:latin typeface="Gotham Medium"/>
                 <a:cs typeface="Gotham Medium"/>
@@ -6442,6 +6442,9 @@
               <a:t>Learn More</a:t>
             </a:r>
             <a:endParaRPr lang="en-US" sz="3800" dirty="0" smtClean="0">
+              <a:solidFill>
+                <a:srgbClr val="2C3E50"/>
+              </a:solidFill>
               <a:latin typeface="Gotham Book"/>
               <a:cs typeface="Gotham Book"/>
             </a:endParaRPr>
@@ -7100,9 +7103,7 @@
             <a:r>
               <a:rPr lang="en-US" sz="3800" dirty="0">
                 <a:solidFill>
-                  <a:schemeClr val="accent1">
-                    <a:lumMod val="50000"/>
-                  </a:schemeClr>
+                  <a:srgbClr val="2C3E50"/>
                 </a:solidFill>
                 <a:latin typeface="Gotham Medium"/>
                 <a:cs typeface="Gotham Medium"/>
@@ -7198,9 +7199,7 @@
             <a:r>
               <a:rPr lang="en-US" sz="3800" dirty="0" smtClean="0">
                 <a:solidFill>
-                  <a:schemeClr val="accent1">
-                    <a:lumMod val="50000"/>
-                  </a:schemeClr>
+                  <a:srgbClr val="2C3E50"/>
                 </a:solidFill>
                 <a:latin typeface="Gotham Medium"/>
                 <a:cs typeface="Gotham Medium"/>
@@ -7209,9 +7208,7 @@
             </a:r>
             <a:endParaRPr lang="en-US" sz="3800" dirty="0">
               <a:solidFill>
-                <a:schemeClr val="accent1">
-                  <a:lumMod val="50000"/>
-                </a:schemeClr>
+                <a:srgbClr val="2C3E50"/>
               </a:solidFill>
               <a:latin typeface="Gotham Medium"/>
               <a:cs typeface="Gotham Medium"/>
@@ -7274,26 +7271,15 @@
               </a:lnSpc>
             </a:pPr>
             <a:r>
-              <a:rPr lang="en-US" sz="3800" smtClean="0">
+              <a:rPr lang="en-US" sz="3800" dirty="0" smtClean="0">
                 <a:solidFill>
-                  <a:schemeClr val="accent1">
-                    <a:lumMod val="50000"/>
-                  </a:schemeClr>
+                  <a:srgbClr val="2C3E50"/>
                 </a:solidFill>
                 <a:latin typeface="Gotham Medium"/>
                 <a:cs typeface="Gotham Medium"/>
               </a:rPr>
               <a:t>Conclusion</a:t>
             </a:r>
-            <a:endParaRPr lang="en-US" sz="3800" dirty="0" smtClean="0">
-              <a:solidFill>
-                <a:schemeClr val="accent1">
-                  <a:lumMod val="50000"/>
-                </a:schemeClr>
-              </a:solidFill>
-              <a:latin typeface="Gotham Medium"/>
-              <a:cs typeface="Gotham Medium"/>
-            </a:endParaRPr>
           </a:p>
           <a:p>
             <a:pPr algn="just">
@@ -7356,14 +7342,7 @@
                 <a:latin typeface="Helvetica"/>
                 <a:cs typeface="Helvetica"/>
               </a:rPr>
-              <a:t>*</a:t>
-            </a:r>
-            <a:r>
-              <a:rPr lang="en-US" sz="2300" dirty="0" smtClean="0">
-                <a:latin typeface="Helvetica"/>
-                <a:cs typeface="Helvetica"/>
-              </a:rPr>
-              <a:t>archive*</a:t>
+              <a:t>*archive*</a:t>
             </a:r>
             <a:endParaRPr lang="en-US" sz="2300" dirty="0">
               <a:latin typeface="Helvetica"/>
@@ -7381,14 +7360,7 @@
                 <a:latin typeface="Helvetica"/>
                 <a:cs typeface="Helvetica"/>
               </a:rPr>
-              <a:t>*</a:t>
-            </a:r>
-            <a:r>
-              <a:rPr lang="en-US" sz="2300" dirty="0" smtClean="0">
-                <a:latin typeface="Helvetica"/>
-                <a:cs typeface="Helvetica"/>
-              </a:rPr>
-              <a:t>bot*</a:t>
+              <a:t>*bot*</a:t>
             </a:r>
             <a:endParaRPr lang="en-US" sz="2300" dirty="0">
               <a:latin typeface="Helvetica"/>
@@ -7406,14 +7378,7 @@
                 <a:latin typeface="Helvetica"/>
                 <a:cs typeface="Helvetica"/>
               </a:rPr>
-              <a:t>*</a:t>
-            </a:r>
-            <a:r>
-              <a:rPr lang="en-US" sz="2300" dirty="0" smtClean="0">
-                <a:latin typeface="Helvetica"/>
-                <a:cs typeface="Helvetica"/>
-              </a:rPr>
-              <a:t>crawl*</a:t>
+              <a:t>*crawl*</a:t>
             </a:r>
             <a:endParaRPr lang="en-US" sz="2300" dirty="0">
               <a:latin typeface="Helvetica"/>
@@ -7431,14 +7396,7 @@
                 <a:latin typeface="Helvetica"/>
                 <a:cs typeface="Helvetica"/>
               </a:rPr>
-              <a:t>*</a:t>
-            </a:r>
-            <a:r>
-              <a:rPr lang="en-US" sz="2300" dirty="0" smtClean="0">
-                <a:latin typeface="Helvetica"/>
-                <a:cs typeface="Helvetica"/>
-              </a:rPr>
-              <a:t>curl*</a:t>
+              <a:t>*curl*</a:t>
             </a:r>
             <a:endParaRPr lang="en-US" sz="2300" dirty="0">
               <a:latin typeface="Helvetica"/>
@@ -7456,19 +7414,8 @@
                 <a:latin typeface="Helvetica"/>
                 <a:cs typeface="Helvetica"/>
               </a:rPr>
-              <a:t>*</a:t>
+              <a:t>*java*</a:t>
             </a:r>
-            <a:r>
-              <a:rPr lang="en-US" sz="2300" dirty="0" smtClean="0">
-                <a:latin typeface="Helvetica"/>
-                <a:cs typeface="Helvetica"/>
-              </a:rPr>
-              <a:t>java*</a:t>
-            </a:r>
-            <a:endParaRPr lang="en-US" sz="2300" dirty="0" smtClean="0">
-              <a:latin typeface="Helvetica"/>
-              <a:cs typeface="Helvetica"/>
-            </a:endParaRPr>
           </a:p>
         </p:txBody>
       </p:sp>
@@ -8599,25 +8546,7 @@
                           <a:ea typeface="Helvetica" charset="0"/>
                           <a:cs typeface="Helvetica" charset="0"/>
                         </a:rPr>
-                        <a:t>Entity </a:t>
-                      </a:r>
-                      <a:r>
-                        <a:rPr lang="en-US" sz="2000" u="none" strike="noStrike" kern="1200" dirty="0" smtClean="0">
-                          <a:effectLst/>
-                          <a:latin typeface="Helvetica" charset="0"/>
-                          <a:ea typeface="Helvetica" charset="0"/>
-                          <a:cs typeface="Helvetica" charset="0"/>
-                        </a:rPr>
-                        <a:t>that triggered </a:t>
-                      </a:r>
-                      <a:r>
-                        <a:rPr lang="en-US" sz="2000" u="none" strike="noStrike" kern="1200" dirty="0" smtClean="0">
-                          <a:effectLst/>
-                          <a:latin typeface="Helvetica" charset="0"/>
-                          <a:ea typeface="Helvetica" charset="0"/>
-                          <a:cs typeface="Helvetica" charset="0"/>
-                        </a:rPr>
-                        <a:t>the impression</a:t>
+                        <a:t>Entity that triggered the impression</a:t>
                       </a:r>
                       <a:endParaRPr lang="en-US" sz="2000" dirty="0">
                         <a:solidFill>
@@ -9319,7 +9248,7 @@
               </a:lnSpc>
             </a:pPr>
             <a:r>
-              <a:rPr lang="en-US" sz="3800" dirty="0" smtClean="0">
+              <a:rPr lang="en-US" sz="3600" dirty="0" smtClean="0">
                 <a:solidFill>
                   <a:srgbClr val="2C3E50"/>
                 </a:solidFill>
@@ -9328,7 +9257,7 @@
               </a:rPr>
               <a:t>Filtering</a:t>
             </a:r>
-            <a:endParaRPr lang="en-US" sz="3800" dirty="0">
+            <a:endParaRPr lang="en-US" sz="3600" dirty="0">
               <a:solidFill>
                 <a:srgbClr val="2C3E50"/>
               </a:solidFill>
@@ -9353,11 +9282,7 @@
           <a:p>
             <a:r>
               <a:rPr lang="en-US" sz="2400" dirty="0" smtClean="0"/>
-              <a:t>When the impressions table is processed, the user agent value is compared against the known bots list. If a user agent matches a known bot, the impression’s public value is set to </a:t>
-            </a:r>
-            <a:r>
-              <a:rPr lang="en-US" sz="2400" dirty="0" smtClean="0"/>
-              <a:t>"false" and filtered out of the statistics that are displayed to users in the interface. </a:t>
+              <a:t>When the impressions table is processed, the user agent value is compared against the known bots list. If a user agent matches a known bot, the impression’s public value is set to "false" and filtered out of the statistics that are displayed to users in the interface. </a:t>
             </a:r>
             <a:endParaRPr lang="en-US" sz="2300" dirty="0">
               <a:latin typeface="Helvetica" charset="0"/>
@@ -9404,19 +9329,8 @@
                 <a:latin typeface="Helvetica"/>
                 <a:cs typeface="Helvetica"/>
               </a:rPr>
-              <a:t>*</a:t>
+              <a:t>*lynx*</a:t>
             </a:r>
-            <a:r>
-              <a:rPr lang="en-US" sz="2300" dirty="0" smtClean="0">
-                <a:latin typeface="Helvetica"/>
-                <a:cs typeface="Helvetica"/>
-              </a:rPr>
-              <a:t>lynx*</a:t>
-            </a:r>
-            <a:endParaRPr lang="en-US" sz="2300" dirty="0" smtClean="0">
-              <a:latin typeface="Helvetica"/>
-              <a:cs typeface="Helvetica"/>
-            </a:endParaRPr>
           </a:p>
           <a:p>
             <a:pPr>
@@ -9445,10 +9359,6 @@
               </a:rPr>
               <a:t>*</a:t>
             </a:r>
-            <a:endParaRPr lang="en-US" sz="2300" dirty="0" smtClean="0">
-              <a:latin typeface="Helvetica"/>
-              <a:cs typeface="Helvetica"/>
-            </a:endParaRPr>
           </a:p>
           <a:p>
             <a:pPr>
@@ -9461,19 +9371,8 @@
                 <a:latin typeface="Helvetica"/>
                 <a:cs typeface="Helvetica"/>
               </a:rPr>
-              <a:t>*</a:t>
+              <a:t>*scrape*</a:t>
             </a:r>
-            <a:r>
-              <a:rPr lang="en-US" sz="2300" dirty="0" smtClean="0">
-                <a:latin typeface="Helvetica"/>
-                <a:cs typeface="Helvetica"/>
-              </a:rPr>
-              <a:t>scrape*</a:t>
-            </a:r>
-            <a:endParaRPr lang="en-US" sz="2300" dirty="0" smtClean="0">
-              <a:latin typeface="Helvetica"/>
-              <a:cs typeface="Helvetica"/>
-            </a:endParaRPr>
           </a:p>
           <a:p>
             <a:pPr>
@@ -9502,10 +9401,6 @@
               </a:rPr>
               <a:t>*</a:t>
             </a:r>
-            <a:endParaRPr lang="en-US" sz="2300" dirty="0" smtClean="0">
-              <a:latin typeface="Helvetica"/>
-              <a:cs typeface="Helvetica"/>
-            </a:endParaRPr>
           </a:p>
           <a:p>
             <a:pPr>
@@ -9518,19 +9413,8 @@
                 <a:latin typeface="Helvetica"/>
                 <a:cs typeface="Helvetica"/>
               </a:rPr>
-              <a:t>*</a:t>
+              <a:t>*slurp*</a:t>
             </a:r>
-            <a:r>
-              <a:rPr lang="en-US" sz="2300" dirty="0" smtClean="0">
-                <a:latin typeface="Helvetica"/>
-                <a:cs typeface="Helvetica"/>
-              </a:rPr>
-              <a:t>slurp*</a:t>
-            </a:r>
-            <a:endParaRPr lang="en-US" sz="2300" dirty="0" smtClean="0">
-              <a:latin typeface="Helvetica"/>
-              <a:cs typeface="Helvetica"/>
-            </a:endParaRPr>
           </a:p>
           <a:p>
             <a:pPr>
@@ -9543,14 +9427,7 @@
                 <a:latin typeface="Helvetica"/>
                 <a:cs typeface="Helvetica"/>
               </a:rPr>
-              <a:t>*</a:t>
-            </a:r>
-            <a:r>
-              <a:rPr lang="en-US" sz="2300" dirty="0" smtClean="0">
-                <a:latin typeface="Helvetica"/>
-                <a:cs typeface="Helvetica"/>
-              </a:rPr>
-              <a:t>spider*</a:t>
+              <a:t>*spider*</a:t>
             </a:r>
             <a:endParaRPr lang="en-US" sz="2300" dirty="0">
               <a:latin typeface="Helvetica"/>
@@ -9592,22 +9469,18 @@
               </a:lnSpc>
             </a:pPr>
             <a:r>
-              <a:rPr lang="en-US" sz="3800" dirty="0" smtClean="0">
+              <a:rPr lang="en-US" sz="3600" dirty="0" smtClean="0">
                 <a:solidFill>
-                  <a:schemeClr val="accent1">
-                    <a:lumMod val="50000"/>
-                  </a:schemeClr>
+                  <a:srgbClr val="2C3E50"/>
                 </a:solidFill>
                 <a:latin typeface="Gotham Medium"/>
                 <a:cs typeface="Gotham Medium"/>
               </a:rPr>
               <a:t>Blocked Agents</a:t>
             </a:r>
-            <a:endParaRPr lang="en-US" sz="3800" dirty="0">
+            <a:endParaRPr lang="en-US" sz="3600" dirty="0">
               <a:solidFill>
-                <a:schemeClr val="accent1">
-                  <a:lumMod val="50000"/>
-                </a:schemeClr>
+                <a:srgbClr val="2C3E50"/>
               </a:solidFill>
               <a:latin typeface="Gotham Medium"/>
               <a:cs typeface="Gotham Medium"/>
@@ -9648,22 +9521,18 @@
               </a:lnSpc>
             </a:pPr>
             <a:r>
-              <a:rPr lang="en-US" sz="3800" dirty="0" smtClean="0">
+              <a:rPr lang="en-US" sz="3600" dirty="0" smtClean="0">
                 <a:solidFill>
-                  <a:schemeClr val="accent1">
-                    <a:lumMod val="50000"/>
-                  </a:schemeClr>
+                  <a:srgbClr val="2C3E50"/>
                 </a:solidFill>
                 <a:latin typeface="Gotham Medium"/>
                 <a:cs typeface="Gotham Medium"/>
               </a:rPr>
               <a:t>Stored Values</a:t>
             </a:r>
-            <a:endParaRPr lang="en-US" sz="3800" dirty="0">
+            <a:endParaRPr lang="en-US" sz="3600" dirty="0">
               <a:solidFill>
-                <a:schemeClr val="accent1">
-                  <a:lumMod val="50000"/>
-                </a:schemeClr>
+                <a:srgbClr val="2C3E50"/>
               </a:solidFill>
               <a:latin typeface="Gotham Medium"/>
               <a:cs typeface="Gotham Medium"/>
@@ -9727,8 +9596,8 @@
         </p:nvSpPr>
         <p:spPr>
           <a:xfrm rot="16200000">
-            <a:off x="-5234801" y="19726324"/>
-            <a:ext cx="28346401" cy="457200"/>
+            <a:off x="-9136625" y="23628148"/>
+            <a:ext cx="36150050" cy="457200"/>
           </a:xfrm>
           <a:prstGeom prst="rect">
             <a:avLst/>
@@ -9800,7 +9669,7 @@
               </a:lnSpc>
             </a:pPr>
             <a:r>
-              <a:rPr lang="en-US" sz="3800" dirty="0" smtClean="0">
+              <a:rPr lang="en-US" sz="3600" dirty="0" smtClean="0">
                 <a:solidFill>
                   <a:srgbClr val="2C3E50"/>
                 </a:solidFill>
@@ -9809,7 +9678,7 @@
               </a:rPr>
               <a:t>Frequency</a:t>
             </a:r>
-            <a:endParaRPr lang="en-US" sz="3800" dirty="0">
+            <a:endParaRPr lang="en-US" sz="3600" dirty="0">
               <a:solidFill>
                 <a:srgbClr val="2C3E50"/>
               </a:solidFill>
@@ -9852,7 +9721,7 @@
         </p:nvSpPr>
         <p:spPr>
           <a:xfrm>
-            <a:off x="9187543" y="19085828"/>
+            <a:off x="9231086" y="17039314"/>
             <a:ext cx="20073257" cy="1689611"/>
           </a:xfrm>
           <a:prstGeom prst="rect">
@@ -9929,8 +9798,8 @@
         </p:nvSpPr>
         <p:spPr>
           <a:xfrm rot="10800000">
-            <a:off x="943996" y="13301645"/>
-            <a:ext cx="28346401" cy="457200"/>
+            <a:off x="9143999" y="13301645"/>
+            <a:ext cx="20146397" cy="544984"/>
           </a:xfrm>
           <a:prstGeom prst="rect">
             <a:avLst/>
@@ -9978,13 +9847,13 @@
           <p:nvPr>
             <p:extLst>
               <p:ext uri="{D42A27DB-BD31-4B8C-83A1-F6EECF244321}">
-                <p14:modId xmlns:p14="http://schemas.microsoft.com/office/powerpoint/2010/main" val="176555999"/>
+                <p14:modId xmlns:p14="http://schemas.microsoft.com/office/powerpoint/2010/main" val="734740371"/>
               </p:ext>
             </p:extLst>
           </p:nvPr>
         </p:nvGraphicFramePr>
         <p:xfrm>
-          <a:off x="9202382" y="17046705"/>
+          <a:off x="9245925" y="19764693"/>
           <a:ext cx="20134211" cy="1747520"/>
         </p:xfrm>
         <a:graphic>
@@ -13983,7 +13852,7 @@
         </p:nvSpPr>
         <p:spPr>
           <a:xfrm rot="10800000">
-            <a:off x="9079107" y="18828657"/>
+            <a:off x="9079107" y="19481800"/>
             <a:ext cx="20363688" cy="228600"/>
           </a:xfrm>
           <a:prstGeom prst="rect">
@@ -14104,22 +13973,18 @@
               </a:lnSpc>
             </a:pPr>
             <a:r>
-              <a:rPr lang="en-US" sz="3800" dirty="0" smtClean="0">
+              <a:rPr lang="en-US" sz="3600" dirty="0" smtClean="0">
                 <a:solidFill>
-                  <a:schemeClr val="accent1">
-                    <a:lumMod val="50000"/>
-                  </a:schemeClr>
+                  <a:srgbClr val="2C3E50"/>
                 </a:solidFill>
                 <a:latin typeface="Gotham Medium"/>
                 <a:cs typeface="Gotham Medium"/>
               </a:rPr>
               <a:t>Statistic 1</a:t>
             </a:r>
-            <a:endParaRPr lang="en-US" sz="3800" dirty="0">
+            <a:endParaRPr lang="en-US" sz="3600" dirty="0">
               <a:solidFill>
-                <a:schemeClr val="accent1">
-                  <a:lumMod val="50000"/>
-                </a:schemeClr>
+                <a:srgbClr val="2C3E50"/>
               </a:solidFill>
               <a:latin typeface="Gotham Medium"/>
               <a:cs typeface="Gotham Medium"/>
@@ -14143,15 +14008,7 @@
                 <a:ea typeface="Helvetica" charset="0"/>
                 <a:cs typeface="Helvetica" charset="0"/>
               </a:rPr>
-              <a:t>Regardless of the collection method, statistics gathered about repository usage are utilized by content owners to measure the use and </a:t>
-            </a:r>
-            <a:r>
-              <a:rPr lang="en-US" sz="2300" dirty="0" smtClean="0">
-                <a:latin typeface="Helvetica" charset="0"/>
-                <a:ea typeface="Helvetica" charset="0"/>
-                <a:cs typeface="Helvetica" charset="0"/>
-              </a:rPr>
-              <a:t>impact.</a:t>
+              <a:t>Regardless of the collection method, statistics gathered about repository usage are utilized by content owners to measure the use and impact.</a:t>
             </a:r>
             <a:endParaRPr lang="en-US" sz="2300" dirty="0">
               <a:latin typeface="Helvetica" charset="0"/>
@@ -14238,22 +14095,18 @@
               </a:lnSpc>
             </a:pPr>
             <a:r>
-              <a:rPr lang="en-US" sz="3800" dirty="0">
+              <a:rPr lang="en-US" sz="3600" dirty="0">
                 <a:solidFill>
-                  <a:schemeClr val="accent1">
-                    <a:lumMod val="50000"/>
-                  </a:schemeClr>
+                  <a:srgbClr val="2C3E50"/>
                 </a:solidFill>
                 <a:latin typeface="Gotham Medium"/>
                 <a:cs typeface="Gotham Medium"/>
               </a:rPr>
               <a:t>Statistic 2</a:t>
             </a:r>
-            <a:endParaRPr lang="en-US" sz="3800" dirty="0" smtClean="0">
+            <a:endParaRPr lang="en-US" sz="3600" dirty="0" smtClean="0">
               <a:solidFill>
-                <a:schemeClr val="accent1">
-                  <a:lumMod val="50000"/>
-                </a:schemeClr>
+                <a:srgbClr val="2C3E50"/>
               </a:solidFill>
               <a:latin typeface="Gotham Medium"/>
               <a:cs typeface="Gotham Medium"/>
@@ -14277,23 +14130,7 @@
                 <a:ea typeface="Helvetica" charset="0"/>
                 <a:cs typeface="Helvetica" charset="0"/>
               </a:rPr>
-              <a:t>Regardless </a:t>
-            </a:r>
-            <a:r>
-              <a:rPr lang="en-US" sz="2300" dirty="0" smtClean="0">
-                <a:latin typeface="Helvetica" charset="0"/>
-                <a:ea typeface="Helvetica" charset="0"/>
-                <a:cs typeface="Helvetica" charset="0"/>
-              </a:rPr>
-              <a:t>of the collection method, statistics gathered about repository usage are utilized by content owners to measure the use and </a:t>
-            </a:r>
-            <a:r>
-              <a:rPr lang="en-US" sz="2300" dirty="0" smtClean="0">
-                <a:latin typeface="Helvetica" charset="0"/>
-                <a:ea typeface="Helvetica" charset="0"/>
-                <a:cs typeface="Helvetica" charset="0"/>
-              </a:rPr>
-              <a:t>impact.</a:t>
+              <a:t>Regardless of the collection method, statistics gathered about repository usage are utilized by content owners to measure the use and impact.</a:t>
             </a:r>
             <a:endParaRPr lang="en-US" sz="2300" dirty="0">
               <a:latin typeface="Helvetica" charset="0"/>
@@ -14358,11 +14195,9 @@
               </a:lnSpc>
             </a:pPr>
             <a:r>
-              <a:rPr lang="en-US" sz="3800">
+              <a:rPr lang="en-US" sz="3600" dirty="0">
                 <a:solidFill>
-                  <a:schemeClr val="accent1">
-                    <a:lumMod val="50000"/>
-                  </a:schemeClr>
+                  <a:srgbClr val="2C3E50"/>
                 </a:solidFill>
                 <a:latin typeface="Gotham Medium"/>
                 <a:cs typeface="Gotham Medium"/>
@@ -14370,11 +14205,9 @@
               <a:t>Statistic </a:t>
             </a:r>
             <a:r>
-              <a:rPr lang="en-US" sz="3800" smtClean="0">
+              <a:rPr lang="en-US" sz="3600" dirty="0" smtClean="0">
                 <a:solidFill>
-                  <a:schemeClr val="accent1">
-                    <a:lumMod val="50000"/>
-                  </a:schemeClr>
+                  <a:srgbClr val="2C3E50"/>
                 </a:solidFill>
                 <a:latin typeface="Gotham Medium"/>
                 <a:cs typeface="Gotham Medium"/>
@@ -14400,23 +14233,7 @@
                 <a:ea typeface="Helvetica" charset="0"/>
                 <a:cs typeface="Helvetica" charset="0"/>
               </a:rPr>
-              <a:t>Regardless </a:t>
-            </a:r>
-            <a:r>
-              <a:rPr lang="en-US" sz="2300" dirty="0" smtClean="0">
-                <a:latin typeface="Helvetica" charset="0"/>
-                <a:ea typeface="Helvetica" charset="0"/>
-                <a:cs typeface="Helvetica" charset="0"/>
-              </a:rPr>
-              <a:t>of the collection method, statistics gathered about repository usage are utilized by content owners to measure the use and </a:t>
-            </a:r>
-            <a:r>
-              <a:rPr lang="en-US" sz="2300" dirty="0" smtClean="0">
-                <a:latin typeface="Helvetica" charset="0"/>
-                <a:ea typeface="Helvetica" charset="0"/>
-                <a:cs typeface="Helvetica" charset="0"/>
-              </a:rPr>
-              <a:t>impact.</a:t>
+              <a:t>Regardless of the collection method, statistics gathered about repository usage are utilized by content owners to measure the use and impact.</a:t>
             </a:r>
             <a:endParaRPr lang="en-US" sz="2300" dirty="0">
               <a:latin typeface="Helvetica" charset="0"/>
@@ -14448,6 +14265,194 @@
           </a:graphicData>
         </a:graphic>
       </p:graphicFrame>
+      <p:sp>
+        <p:nvSpPr>
+          <p:cNvPr id="42" name="Rectangle 41"/>
+          <p:cNvSpPr/>
+          <p:nvPr/>
+        </p:nvSpPr>
+        <p:spPr>
+          <a:xfrm>
+            <a:off x="9192985" y="5829300"/>
+            <a:ext cx="20111358" cy="10629900"/>
+          </a:xfrm>
+          <a:prstGeom prst="rect">
+            <a:avLst/>
+          </a:prstGeom>
+          <a:noFill/>
+          <a:ln w="12700">
+            <a:solidFill>
+              <a:srgbClr val="FFFF00"/>
+            </a:solidFill>
+            <a:prstDash val="dash"/>
+          </a:ln>
+        </p:spPr>
+        <p:style>
+          <a:lnRef idx="2">
+            <a:schemeClr val="accent1">
+              <a:shade val="50000"/>
+            </a:schemeClr>
+          </a:lnRef>
+          <a:fillRef idx="1">
+            <a:schemeClr val="accent1"/>
+          </a:fillRef>
+          <a:effectRef idx="0">
+            <a:schemeClr val="accent1"/>
+          </a:effectRef>
+          <a:fontRef idx="minor">
+            <a:schemeClr val="lt1"/>
+          </a:fontRef>
+        </p:style>
+        <p:txBody>
+          <a:bodyPr rtlCol="0" anchor="ctr"/>
+          <a:lstStyle/>
+          <a:p>
+            <a:pPr algn="ctr"/>
+            <a:endParaRPr lang="en-US"/>
+          </a:p>
+        </p:txBody>
+      </p:sp>
+      <p:sp>
+        <p:nvSpPr>
+          <p:cNvPr id="43" name="Rectangle 42"/>
+          <p:cNvSpPr/>
+          <p:nvPr/>
+        </p:nvSpPr>
+        <p:spPr>
+          <a:xfrm>
+            <a:off x="985156" y="5894613"/>
+            <a:ext cx="7679873" cy="35993615"/>
+          </a:xfrm>
+          <a:prstGeom prst="rect">
+            <a:avLst/>
+          </a:prstGeom>
+          <a:noFill/>
+          <a:ln w="12700">
+            <a:solidFill>
+              <a:srgbClr val="FFFF00"/>
+            </a:solidFill>
+            <a:prstDash val="dash"/>
+          </a:ln>
+        </p:spPr>
+        <p:style>
+          <a:lnRef idx="2">
+            <a:schemeClr val="accent1">
+              <a:shade val="50000"/>
+            </a:schemeClr>
+          </a:lnRef>
+          <a:fillRef idx="1">
+            <a:schemeClr val="accent1"/>
+          </a:fillRef>
+          <a:effectRef idx="0">
+            <a:schemeClr val="accent1"/>
+          </a:effectRef>
+          <a:fontRef idx="minor">
+            <a:schemeClr val="lt1"/>
+          </a:fontRef>
+        </p:style>
+        <p:txBody>
+          <a:bodyPr rtlCol="0" anchor="ctr"/>
+          <a:lstStyle/>
+          <a:p>
+            <a:pPr algn="ctr"/>
+            <a:endParaRPr lang="en-US"/>
+          </a:p>
+        </p:txBody>
+      </p:sp>
+      <p:sp>
+        <p:nvSpPr>
+          <p:cNvPr id="48" name="Rectangle 47"/>
+          <p:cNvSpPr/>
+          <p:nvPr/>
+        </p:nvSpPr>
+        <p:spPr>
+          <a:xfrm>
+            <a:off x="9171214" y="16998042"/>
+            <a:ext cx="20046043" cy="12393388"/>
+          </a:xfrm>
+          <a:prstGeom prst="rect">
+            <a:avLst/>
+          </a:prstGeom>
+          <a:noFill/>
+          <a:ln w="12700">
+            <a:solidFill>
+              <a:srgbClr val="FFFF00"/>
+            </a:solidFill>
+            <a:prstDash val="dash"/>
+          </a:ln>
+        </p:spPr>
+        <p:style>
+          <a:lnRef idx="2">
+            <a:schemeClr val="accent1">
+              <a:shade val="50000"/>
+            </a:schemeClr>
+          </a:lnRef>
+          <a:fillRef idx="1">
+            <a:schemeClr val="accent1"/>
+          </a:fillRef>
+          <a:effectRef idx="0">
+            <a:schemeClr val="accent1"/>
+          </a:effectRef>
+          <a:fontRef idx="minor">
+            <a:schemeClr val="lt1"/>
+          </a:fontRef>
+        </p:style>
+        <p:txBody>
+          <a:bodyPr rtlCol="0" anchor="ctr"/>
+          <a:lstStyle/>
+          <a:p>
+            <a:pPr algn="ctr"/>
+            <a:endParaRPr lang="en-US"/>
+          </a:p>
+        </p:txBody>
+      </p:sp>
+      <p:sp>
+        <p:nvSpPr>
+          <p:cNvPr id="49" name="Rectangle 48"/>
+          <p:cNvSpPr/>
+          <p:nvPr/>
+        </p:nvSpPr>
+        <p:spPr>
+          <a:xfrm>
+            <a:off x="9127670" y="30088113"/>
+            <a:ext cx="20111358" cy="9514115"/>
+          </a:xfrm>
+          <a:prstGeom prst="rect">
+            <a:avLst/>
+          </a:prstGeom>
+          <a:noFill/>
+          <a:ln w="12700">
+            <a:solidFill>
+              <a:srgbClr val="FFFF00"/>
+            </a:solidFill>
+            <a:prstDash val="dash"/>
+          </a:ln>
+        </p:spPr>
+        <p:style>
+          <a:lnRef idx="2">
+            <a:schemeClr val="accent1">
+              <a:shade val="50000"/>
+            </a:schemeClr>
+          </a:lnRef>
+          <a:fillRef idx="1">
+            <a:schemeClr val="accent1"/>
+          </a:fillRef>
+          <a:effectRef idx="0">
+            <a:schemeClr val="accent1"/>
+          </a:effectRef>
+          <a:fontRef idx="minor">
+            <a:schemeClr val="lt1"/>
+          </a:fontRef>
+        </p:style>
+        <p:txBody>
+          <a:bodyPr rtlCol="0" anchor="ctr"/>
+          <a:lstStyle/>
+          <a:p>
+            <a:pPr algn="ctr"/>
+            <a:endParaRPr lang="en-US"/>
+          </a:p>
+        </p:txBody>
+      </p:sp>
     </p:spTree>
     <p:extLst>
       <p:ext uri="{BB962C8B-B14F-4D97-AF65-F5344CB8AC3E}">

--- a/Presentations/Open Repositories 2016/Statistics/SweeneySarahORstatistics33x46.pptx
+++ b/Presentations/Open Repositories 2016/Statistics/SweeneySarahORstatistics33x46.pptx
@@ -108,12 +108,12 @@
   <p:extLst>
     <p:ext uri="{EFAFB233-063F-42B5-8137-9DF3F51BA10A}">
       <p15:sldGuideLst xmlns:p15="http://schemas.microsoft.com/office/powerpoint/2012/main">
-        <p15:guide id="1" orient="horz" pos="13551" userDrawn="1">
+        <p15:guide id="1" orient="horz" pos="4935" userDrawn="1">
           <p15:clr>
             <a:srgbClr val="A4A3A4"/>
           </p15:clr>
         </p15:guide>
-        <p15:guide id="2" pos="2861" userDrawn="1">
+        <p15:guide id="2" pos="12173" userDrawn="1">
           <p15:clr>
             <a:srgbClr val="A4A3A4"/>
           </p15:clr>
@@ -139,6 +139,43 @@
   </mc:AlternateContent>
   <c:chart>
     <c:title>
+      <c:tx>
+        <c:rich>
+          <a:bodyPr rot="0" spcFirstLastPara="1" vertOverflow="ellipsis" vert="horz" wrap="square" anchor="ctr" anchorCtr="1"/>
+          <a:lstStyle/>
+          <a:p>
+            <a:pPr>
+              <a:defRPr sz="3200" b="1" i="0" u="none" strike="noStrike" kern="1200" spc="0" baseline="0">
+                <a:solidFill>
+                  <a:srgbClr val="2C3E50"/>
+                </a:solidFill>
+                <a:latin typeface="Helvetica" charset="0"/>
+                <a:ea typeface="Helvetica" charset="0"/>
+                <a:cs typeface="Helvetica" charset="0"/>
+              </a:defRPr>
+            </a:pPr>
+            <a:r>
+              <a:rPr lang="en-US" sz="3200" b="1" dirty="0" smtClean="0">
+                <a:solidFill>
+                  <a:srgbClr val="2C3E50"/>
+                </a:solidFill>
+                <a:latin typeface="Helvetica" charset="0"/>
+                <a:ea typeface="Helvetica" charset="0"/>
+                <a:cs typeface="Helvetica" charset="0"/>
+              </a:rPr>
+              <a:t>File Views</a:t>
+            </a:r>
+            <a:endParaRPr lang="en-US" sz="3200" b="1" dirty="0">
+              <a:solidFill>
+                <a:srgbClr val="2C3E50"/>
+              </a:solidFill>
+              <a:latin typeface="Helvetica" charset="0"/>
+              <a:ea typeface="Helvetica" charset="0"/>
+              <a:cs typeface="Helvetica" charset="0"/>
+            </a:endParaRPr>
+          </a:p>
+        </c:rich>
+      </c:tx>
       <c:layout/>
       <c:overlay val="0"/>
       <c:spPr>
@@ -153,16 +190,13 @@
         <a:lstStyle/>
         <a:p>
           <a:pPr>
-            <a:defRPr sz="1862" b="0" i="0" u="none" strike="noStrike" kern="1200" spc="0" baseline="0">
+            <a:defRPr sz="3200" b="1" i="0" u="none" strike="noStrike" kern="1200" spc="0" baseline="0">
               <a:solidFill>
-                <a:schemeClr val="tx1">
-                  <a:lumMod val="65000"/>
-                  <a:lumOff val="35000"/>
-                </a:schemeClr>
+                <a:srgbClr val="2C3E50"/>
               </a:solidFill>
-              <a:latin typeface="+mn-lt"/>
-              <a:ea typeface="+mn-ea"/>
-              <a:cs typeface="+mn-cs"/>
+              <a:latin typeface="Helvetica" charset="0"/>
+              <a:ea typeface="Helvetica" charset="0"/>
+              <a:cs typeface="Helvetica" charset="0"/>
             </a:defRPr>
           </a:pPr>
           <a:endParaRPr lang="en-US"/>
@@ -172,9 +206,8 @@
     <c:autoTitleDeleted val="0"/>
     <c:plotArea>
       <c:layout/>
-      <c:lineChart>
-        <c:grouping val="standard"/>
-        <c:varyColors val="0"/>
+      <c:pieChart>
+        <c:varyColors val="1"/>
         <c:ser>
           <c:idx val="0"/>
           <c:order val="0"/>
@@ -184,39 +217,88 @@
               <c:strCache>
                 <c:ptCount val="1"/>
                 <c:pt idx="0">
-                  <c:v>Series 1</c:v>
+                  <c:v>Views</c:v>
                 </c:pt>
               </c:strCache>
             </c:strRef>
           </c:tx>
           <c:spPr>
-            <a:ln w="28575" cap="rnd">
+            <a:ln>
               <a:solidFill>
-                <a:schemeClr val="accent1"/>
+                <a:srgbClr val="ECF0F1"/>
               </a:solidFill>
-              <a:round/>
             </a:ln>
-            <a:effectLst/>
           </c:spPr>
-          <c:marker>
-            <c:symbol val="none"/>
-          </c:marker>
+          <c:dPt>
+            <c:idx val="0"/>
+            <c:bubble3D val="0"/>
+            <c:spPr>
+              <a:solidFill>
+                <a:srgbClr val="998FB8"/>
+              </a:solidFill>
+              <a:ln w="19050">
+                <a:solidFill>
+                  <a:srgbClr val="ECF0F1"/>
+                </a:solidFill>
+              </a:ln>
+              <a:effectLst/>
+            </c:spPr>
+          </c:dPt>
+          <c:dPt>
+            <c:idx val="1"/>
+            <c:bubble3D val="0"/>
+            <c:spPr>
+              <a:solidFill>
+                <a:srgbClr val="A15265"/>
+              </a:solidFill>
+              <a:ln w="19050">
+                <a:solidFill>
+                  <a:srgbClr val="ECF0F1"/>
+                </a:solidFill>
+              </a:ln>
+              <a:effectLst/>
+            </c:spPr>
+          </c:dPt>
+          <c:dPt>
+            <c:idx val="2"/>
+            <c:bubble3D val="0"/>
+            <c:spPr>
+              <a:solidFill>
+                <a:schemeClr val="accent3"/>
+              </a:solidFill>
+              <a:ln w="19050">
+                <a:solidFill>
+                  <a:srgbClr val="ECF0F1"/>
+                </a:solidFill>
+              </a:ln>
+              <a:effectLst/>
+            </c:spPr>
+          </c:dPt>
+          <c:dPt>
+            <c:idx val="3"/>
+            <c:bubble3D val="0"/>
+            <c:spPr>
+              <a:solidFill>
+                <a:schemeClr val="accent4"/>
+              </a:solidFill>
+              <a:ln w="19050">
+                <a:solidFill>
+                  <a:srgbClr val="ECF0F1"/>
+                </a:solidFill>
+              </a:ln>
+              <a:effectLst/>
+            </c:spPr>
+          </c:dPt>
           <c:cat>
             <c:strRef>
               <c:f>Sheet1!$A$2:$A$5</c:f>
               <c:strCache>
-                <c:ptCount val="4"/>
+                <c:ptCount val="2"/>
                 <c:pt idx="0">
-                  <c:v>Category 1</c:v>
+                  <c:v>Humans</c:v>
                 </c:pt>
                 <c:pt idx="1">
-                  <c:v>Category 2</c:v>
-                </c:pt>
-                <c:pt idx="2">
-                  <c:v>Category 3</c:v>
-                </c:pt>
-                <c:pt idx="3">
-                  <c:v>Category 4</c:v>
+                  <c:v>Bots</c:v>
                 </c:pt>
               </c:strCache>
             </c:strRef>
@@ -228,159 +310,14 @@
                 <c:formatCode>General</c:formatCode>
                 <c:ptCount val="4"/>
                 <c:pt idx="0">
-                  <c:v>4.3</c:v>
+                  <c:v>11601.0</c:v>
                 </c:pt>
                 <c:pt idx="1">
-                  <c:v>2.5</c:v>
-                </c:pt>
-                <c:pt idx="2">
-                  <c:v>3.5</c:v>
-                </c:pt>
-                <c:pt idx="3">
-                  <c:v>4.5</c:v>
+                  <c:v>134120.0</c:v>
                 </c:pt>
               </c:numCache>
             </c:numRef>
           </c:val>
-          <c:smooth val="0"/>
-        </c:ser>
-        <c:ser>
-          <c:idx val="1"/>
-          <c:order val="1"/>
-          <c:tx>
-            <c:strRef>
-              <c:f>Sheet1!$C$1</c:f>
-              <c:strCache>
-                <c:ptCount val="1"/>
-                <c:pt idx="0">
-                  <c:v>Series 2</c:v>
-                </c:pt>
-              </c:strCache>
-            </c:strRef>
-          </c:tx>
-          <c:spPr>
-            <a:ln w="28575" cap="rnd">
-              <a:solidFill>
-                <a:schemeClr val="accent2"/>
-              </a:solidFill>
-              <a:round/>
-            </a:ln>
-            <a:effectLst/>
-          </c:spPr>
-          <c:marker>
-            <c:symbol val="none"/>
-          </c:marker>
-          <c:cat>
-            <c:strRef>
-              <c:f>Sheet1!$A$2:$A$5</c:f>
-              <c:strCache>
-                <c:ptCount val="4"/>
-                <c:pt idx="0">
-                  <c:v>Category 1</c:v>
-                </c:pt>
-                <c:pt idx="1">
-                  <c:v>Category 2</c:v>
-                </c:pt>
-                <c:pt idx="2">
-                  <c:v>Category 3</c:v>
-                </c:pt>
-                <c:pt idx="3">
-                  <c:v>Category 4</c:v>
-                </c:pt>
-              </c:strCache>
-            </c:strRef>
-          </c:cat>
-          <c:val>
-            <c:numRef>
-              <c:f>Sheet1!$C$2:$C$5</c:f>
-              <c:numCache>
-                <c:formatCode>General</c:formatCode>
-                <c:ptCount val="4"/>
-                <c:pt idx="0">
-                  <c:v>2.4</c:v>
-                </c:pt>
-                <c:pt idx="1">
-                  <c:v>4.4</c:v>
-                </c:pt>
-                <c:pt idx="2">
-                  <c:v>1.8</c:v>
-                </c:pt>
-                <c:pt idx="3">
-                  <c:v>2.8</c:v>
-                </c:pt>
-              </c:numCache>
-            </c:numRef>
-          </c:val>
-          <c:smooth val="0"/>
-        </c:ser>
-        <c:ser>
-          <c:idx val="2"/>
-          <c:order val="2"/>
-          <c:tx>
-            <c:strRef>
-              <c:f>Sheet1!$D$1</c:f>
-              <c:strCache>
-                <c:ptCount val="1"/>
-                <c:pt idx="0">
-                  <c:v>Series 3</c:v>
-                </c:pt>
-              </c:strCache>
-            </c:strRef>
-          </c:tx>
-          <c:spPr>
-            <a:ln w="28575" cap="rnd">
-              <a:solidFill>
-                <a:schemeClr val="accent3"/>
-              </a:solidFill>
-              <a:round/>
-            </a:ln>
-            <a:effectLst/>
-          </c:spPr>
-          <c:marker>
-            <c:symbol val="none"/>
-          </c:marker>
-          <c:cat>
-            <c:strRef>
-              <c:f>Sheet1!$A$2:$A$5</c:f>
-              <c:strCache>
-                <c:ptCount val="4"/>
-                <c:pt idx="0">
-                  <c:v>Category 1</c:v>
-                </c:pt>
-                <c:pt idx="1">
-                  <c:v>Category 2</c:v>
-                </c:pt>
-                <c:pt idx="2">
-                  <c:v>Category 3</c:v>
-                </c:pt>
-                <c:pt idx="3">
-                  <c:v>Category 4</c:v>
-                </c:pt>
-              </c:strCache>
-            </c:strRef>
-          </c:cat>
-          <c:val>
-            <c:numRef>
-              <c:f>Sheet1!$D$2:$D$5</c:f>
-              <c:numCache>
-                <c:formatCode>General</c:formatCode>
-                <c:ptCount val="4"/>
-                <c:pt idx="0">
-                  <c:v>2.0</c:v>
-                </c:pt>
-                <c:pt idx="1">
-                  <c:v>2.0</c:v>
-                </c:pt>
-                <c:pt idx="2">
-                  <c:v>3.0</c:v>
-                </c:pt>
-                <c:pt idx="3">
-                  <c:v>5.0</c:v>
-                </c:pt>
-              </c:numCache>
-            </c:numRef>
-          </c:val>
-          <c:smooth val="0"/>
         </c:ser>
         <c:dLbls>
           <c:showLegendKey val="0"/>
@@ -389,117 +326,10 @@
           <c:showSerName val="0"/>
           <c:showPercent val="0"/>
           <c:showBubbleSize val="0"/>
+          <c:showLeaderLines val="1"/>
         </c:dLbls>
-        <c:smooth val="0"/>
-        <c:axId val="2092212432"/>
-        <c:axId val="-2118842336"/>
-      </c:lineChart>
-      <c:catAx>
-        <c:axId val="2092212432"/>
-        <c:scaling>
-          <c:orientation val="minMax"/>
-        </c:scaling>
-        <c:delete val="0"/>
-        <c:axPos val="b"/>
-        <c:numFmt formatCode="General" sourceLinked="1"/>
-        <c:majorTickMark val="none"/>
-        <c:minorTickMark val="none"/>
-        <c:tickLblPos val="nextTo"/>
-        <c:spPr>
-          <a:noFill/>
-          <a:ln w="9525" cap="flat" cmpd="sng" algn="ctr">
-            <a:solidFill>
-              <a:schemeClr val="tx1">
-                <a:lumMod val="15000"/>
-                <a:lumOff val="85000"/>
-              </a:schemeClr>
-            </a:solidFill>
-            <a:round/>
-          </a:ln>
-          <a:effectLst/>
-        </c:spPr>
-        <c:txPr>
-          <a:bodyPr rot="-60000000" spcFirstLastPara="1" vertOverflow="ellipsis" vert="horz" wrap="square" anchor="ctr" anchorCtr="1"/>
-          <a:lstStyle/>
-          <a:p>
-            <a:pPr>
-              <a:defRPr sz="1197" b="0" i="0" u="none" strike="noStrike" kern="1200" baseline="0">
-                <a:solidFill>
-                  <a:schemeClr val="tx1">
-                    <a:lumMod val="65000"/>
-                    <a:lumOff val="35000"/>
-                  </a:schemeClr>
-                </a:solidFill>
-                <a:latin typeface="+mn-lt"/>
-                <a:ea typeface="+mn-ea"/>
-                <a:cs typeface="+mn-cs"/>
-              </a:defRPr>
-            </a:pPr>
-            <a:endParaRPr lang="en-US"/>
-          </a:p>
-        </c:txPr>
-        <c:crossAx val="-2118842336"/>
-        <c:crosses val="autoZero"/>
-        <c:auto val="1"/>
-        <c:lblAlgn val="ctr"/>
-        <c:lblOffset val="100"/>
-        <c:noMultiLvlLbl val="0"/>
-      </c:catAx>
-      <c:valAx>
-        <c:axId val="-2118842336"/>
-        <c:scaling>
-          <c:orientation val="minMax"/>
-        </c:scaling>
-        <c:delete val="0"/>
-        <c:axPos val="l"/>
-        <c:majorGridlines>
-          <c:spPr>
-            <a:ln w="9525" cap="flat" cmpd="sng" algn="ctr">
-              <a:solidFill>
-                <a:schemeClr val="tx1">
-                  <a:lumMod val="15000"/>
-                  <a:lumOff val="85000"/>
-                </a:schemeClr>
-              </a:solidFill>
-              <a:round/>
-            </a:ln>
-            <a:effectLst/>
-          </c:spPr>
-        </c:majorGridlines>
-        <c:majorTickMark val="none"/>
-        <c:minorTickMark val="none"/>
-        <c:tickLblPos val="nextTo"/>
-        <c:spPr>
-          <a:noFill/>
-          <a:ln>
-            <a:noFill/>
-          </a:ln>
-          <a:effectLst/>
-        </c:spPr>
-        <c:txPr>
-          <a:bodyPr rot="-60000000" spcFirstLastPara="1" vertOverflow="ellipsis" vert="horz" wrap="square" anchor="ctr" anchorCtr="1"/>
-          <a:lstStyle/>
-          <a:p>
-            <a:pPr>
-              <a:defRPr sz="1197" b="0" i="0" u="none" strike="noStrike" kern="1200" baseline="0">
-                <a:solidFill>
-                  <a:schemeClr val="tx1">
-                    <a:lumMod val="65000"/>
-                    <a:lumOff val="35000"/>
-                  </a:schemeClr>
-                </a:solidFill>
-                <a:latin typeface="+mn-lt"/>
-                <a:ea typeface="+mn-ea"/>
-                <a:cs typeface="+mn-cs"/>
-              </a:defRPr>
-            </a:pPr>
-            <a:endParaRPr lang="en-US"/>
-          </a:p>
-        </c:txPr>
-        <c:crossAx val="2092212432"/>
-        <c:crosses val="autoZero"/>
-        <c:crossBetween val="between"/>
-      </c:valAx>
+        <c:firstSliceAng val="0"/>
+      </c:pieChart>
       <c:spPr>
         <a:noFill/>
         <a:ln>
@@ -508,38 +338,6 @@
         <a:effectLst/>
       </c:spPr>
     </c:plotArea>
-    <c:legend>
-      <c:legendPos val="b"/>
-      <c:layout/>
-      <c:overlay val="0"/>
-      <c:spPr>
-        <a:noFill/>
-        <a:ln>
-          <a:noFill/>
-        </a:ln>
-        <a:effectLst/>
-      </c:spPr>
-      <c:txPr>
-        <a:bodyPr rot="0" spcFirstLastPara="1" vertOverflow="ellipsis" vert="horz" wrap="square" anchor="ctr" anchorCtr="1"/>
-        <a:lstStyle/>
-        <a:p>
-          <a:pPr>
-            <a:defRPr sz="1197" b="0" i="0" u="none" strike="noStrike" kern="1200" baseline="0">
-              <a:solidFill>
-                <a:schemeClr val="tx1">
-                  <a:lumMod val="65000"/>
-                  <a:lumOff val="35000"/>
-                </a:schemeClr>
-              </a:solidFill>
-              <a:latin typeface="+mn-lt"/>
-              <a:ea typeface="+mn-ea"/>
-              <a:cs typeface="+mn-cs"/>
-            </a:defRPr>
-          </a:pPr>
-          <a:endParaRPr lang="en-US"/>
-        </a:p>
-      </c:txPr>
-    </c:legend>
     <c:plotVisOnly val="1"/>
     <c:dispBlanksAs val="gap"/>
     <c:showDLblsOverMax val="0"/>
@@ -1299,6 +1097,491 @@
 </c:chartSpace>
 </file>
 
+<file path=ppt/charts/chart5.xml><?xml version="1.0" encoding="utf-8"?>
+<c:chartSpace xmlns:c="http://schemas.openxmlformats.org/drawingml/2006/chart" xmlns:a="http://schemas.openxmlformats.org/drawingml/2006/main" xmlns:r="http://schemas.openxmlformats.org/officeDocument/2006/relationships">
+  <c:date1904 val="0"/>
+  <c:lang val="en-US"/>
+  <c:roundedCorners val="0"/>
+  <mc:AlternateContent xmlns:mc="http://schemas.openxmlformats.org/markup-compatibility/2006">
+    <mc:Choice xmlns:c14="http://schemas.microsoft.com/office/drawing/2007/8/2/chart" Requires="c14">
+      <c14:style val="102"/>
+    </mc:Choice>
+    <mc:Fallback>
+      <c:style val="2"/>
+    </mc:Fallback>
+  </mc:AlternateContent>
+  <c:chart>
+    <c:title>
+      <c:tx>
+        <c:rich>
+          <a:bodyPr rot="0" spcFirstLastPara="1" vertOverflow="ellipsis" vert="horz" wrap="square" anchor="ctr" anchorCtr="1"/>
+          <a:lstStyle/>
+          <a:p>
+            <a:pPr>
+              <a:defRPr sz="3200" b="1" i="0" u="none" strike="noStrike" kern="1200" spc="0" baseline="0">
+                <a:solidFill>
+                  <a:srgbClr val="2C3E50"/>
+                </a:solidFill>
+                <a:latin typeface="Helvetica" charset="0"/>
+                <a:ea typeface="Helvetica" charset="0"/>
+                <a:cs typeface="Helvetica" charset="0"/>
+              </a:defRPr>
+            </a:pPr>
+            <a:r>
+              <a:rPr lang="en-US" sz="3200" b="1" dirty="0" smtClean="0">
+                <a:solidFill>
+                  <a:srgbClr val="2C3E50"/>
+                </a:solidFill>
+                <a:latin typeface="Helvetica" charset="0"/>
+                <a:ea typeface="Helvetica" charset="0"/>
+                <a:cs typeface="Helvetica" charset="0"/>
+              </a:rPr>
+              <a:t>File Downloads</a:t>
+            </a:r>
+            <a:endParaRPr lang="en-US" sz="3200" b="1" dirty="0">
+              <a:solidFill>
+                <a:srgbClr val="2C3E50"/>
+              </a:solidFill>
+              <a:latin typeface="Helvetica" charset="0"/>
+              <a:ea typeface="Helvetica" charset="0"/>
+              <a:cs typeface="Helvetica" charset="0"/>
+            </a:endParaRPr>
+          </a:p>
+        </c:rich>
+      </c:tx>
+      <c:layout/>
+      <c:overlay val="0"/>
+      <c:spPr>
+        <a:noFill/>
+        <a:ln>
+          <a:noFill/>
+        </a:ln>
+        <a:effectLst/>
+      </c:spPr>
+      <c:txPr>
+        <a:bodyPr rot="0" spcFirstLastPara="1" vertOverflow="ellipsis" vert="horz" wrap="square" anchor="ctr" anchorCtr="1"/>
+        <a:lstStyle/>
+        <a:p>
+          <a:pPr>
+            <a:defRPr sz="3200" b="1" i="0" u="none" strike="noStrike" kern="1200" spc="0" baseline="0">
+              <a:solidFill>
+                <a:srgbClr val="2C3E50"/>
+              </a:solidFill>
+              <a:latin typeface="Helvetica" charset="0"/>
+              <a:ea typeface="Helvetica" charset="0"/>
+              <a:cs typeface="Helvetica" charset="0"/>
+            </a:defRPr>
+          </a:pPr>
+          <a:endParaRPr lang="en-US"/>
+        </a:p>
+      </c:txPr>
+    </c:title>
+    <c:autoTitleDeleted val="0"/>
+    <c:plotArea>
+      <c:layout/>
+      <c:pieChart>
+        <c:varyColors val="1"/>
+        <c:ser>
+          <c:idx val="0"/>
+          <c:order val="0"/>
+          <c:tx>
+            <c:strRef>
+              <c:f>Sheet1!$B$1</c:f>
+              <c:strCache>
+                <c:ptCount val="1"/>
+                <c:pt idx="0">
+                  <c:v>Downloads</c:v>
+                </c:pt>
+              </c:strCache>
+            </c:strRef>
+          </c:tx>
+          <c:spPr>
+            <a:ln>
+              <a:solidFill>
+                <a:srgbClr val="ECF0F1"/>
+              </a:solidFill>
+            </a:ln>
+          </c:spPr>
+          <c:dPt>
+            <c:idx val="0"/>
+            <c:bubble3D val="0"/>
+            <c:spPr>
+              <a:solidFill>
+                <a:srgbClr val="998FB8"/>
+              </a:solidFill>
+              <a:ln w="19050">
+                <a:solidFill>
+                  <a:srgbClr val="ECF0F1"/>
+                </a:solidFill>
+              </a:ln>
+              <a:effectLst/>
+            </c:spPr>
+          </c:dPt>
+          <c:dPt>
+            <c:idx val="1"/>
+            <c:bubble3D val="0"/>
+            <c:spPr>
+              <a:solidFill>
+                <a:srgbClr val="A15265"/>
+              </a:solidFill>
+              <a:ln w="19050">
+                <a:solidFill>
+                  <a:srgbClr val="ECF0F1"/>
+                </a:solidFill>
+              </a:ln>
+              <a:effectLst/>
+            </c:spPr>
+          </c:dPt>
+          <c:dPt>
+            <c:idx val="2"/>
+            <c:bubble3D val="0"/>
+            <c:spPr>
+              <a:solidFill>
+                <a:schemeClr val="accent3"/>
+              </a:solidFill>
+              <a:ln w="19050">
+                <a:solidFill>
+                  <a:srgbClr val="ECF0F1"/>
+                </a:solidFill>
+              </a:ln>
+              <a:effectLst/>
+            </c:spPr>
+          </c:dPt>
+          <c:dPt>
+            <c:idx val="3"/>
+            <c:bubble3D val="0"/>
+            <c:spPr>
+              <a:solidFill>
+                <a:schemeClr val="accent4"/>
+              </a:solidFill>
+              <a:ln w="19050">
+                <a:solidFill>
+                  <a:srgbClr val="ECF0F1"/>
+                </a:solidFill>
+              </a:ln>
+              <a:effectLst/>
+            </c:spPr>
+          </c:dPt>
+          <c:cat>
+            <c:strRef>
+              <c:f>Sheet1!$A$2:$A$5</c:f>
+              <c:strCache>
+                <c:ptCount val="2"/>
+                <c:pt idx="0">
+                  <c:v>Humans</c:v>
+                </c:pt>
+                <c:pt idx="1">
+                  <c:v>Bots</c:v>
+                </c:pt>
+              </c:strCache>
+            </c:strRef>
+          </c:cat>
+          <c:val>
+            <c:numRef>
+              <c:f>Sheet1!$B$2:$B$5</c:f>
+              <c:numCache>
+                <c:formatCode>General</c:formatCode>
+                <c:ptCount val="4"/>
+                <c:pt idx="0">
+                  <c:v>14053.0</c:v>
+                </c:pt>
+                <c:pt idx="1">
+                  <c:v>34634.0</c:v>
+                </c:pt>
+              </c:numCache>
+            </c:numRef>
+          </c:val>
+        </c:ser>
+        <c:dLbls>
+          <c:showLegendKey val="0"/>
+          <c:showVal val="0"/>
+          <c:showCatName val="0"/>
+          <c:showSerName val="0"/>
+          <c:showPercent val="0"/>
+          <c:showBubbleSize val="0"/>
+          <c:showLeaderLines val="1"/>
+        </c:dLbls>
+        <c:firstSliceAng val="0"/>
+      </c:pieChart>
+      <c:spPr>
+        <a:noFill/>
+        <a:ln>
+          <a:noFill/>
+        </a:ln>
+        <a:effectLst/>
+      </c:spPr>
+    </c:plotArea>
+    <c:plotVisOnly val="1"/>
+    <c:dispBlanksAs val="gap"/>
+    <c:showDLblsOverMax val="0"/>
+  </c:chart>
+  <c:spPr>
+    <a:noFill/>
+    <a:ln>
+      <a:noFill/>
+    </a:ln>
+    <a:effectLst/>
+  </c:spPr>
+  <c:txPr>
+    <a:bodyPr/>
+    <a:lstStyle/>
+    <a:p>
+      <a:pPr>
+        <a:defRPr/>
+      </a:pPr>
+      <a:endParaRPr lang="en-US"/>
+    </a:p>
+  </c:txPr>
+  <c:externalData r:id="rId3">
+    <c:autoUpdate val="0"/>
+  </c:externalData>
+</c:chartSpace>
+</file>
+
+<file path=ppt/charts/chart6.xml><?xml version="1.0" encoding="utf-8"?>
+<c:chartSpace xmlns:c="http://schemas.openxmlformats.org/drawingml/2006/chart" xmlns:a="http://schemas.openxmlformats.org/drawingml/2006/main" xmlns:r="http://schemas.openxmlformats.org/officeDocument/2006/relationships">
+  <c:date1904 val="0"/>
+  <c:lang val="en-US"/>
+  <c:roundedCorners val="0"/>
+  <mc:AlternateContent xmlns:mc="http://schemas.openxmlformats.org/markup-compatibility/2006">
+    <mc:Choice xmlns:c14="http://schemas.microsoft.com/office/drawing/2007/8/2/chart" Requires="c14">
+      <c14:style val="102"/>
+    </mc:Choice>
+    <mc:Fallback>
+      <c:style val="2"/>
+    </mc:Fallback>
+  </mc:AlternateContent>
+  <c:chart>
+    <c:title>
+      <c:tx>
+        <c:rich>
+          <a:bodyPr rot="0" spcFirstLastPara="1" vertOverflow="ellipsis" vert="horz" wrap="square" anchor="ctr" anchorCtr="1"/>
+          <a:lstStyle/>
+          <a:p>
+            <a:pPr>
+              <a:defRPr sz="3200" b="1" i="0" u="none" strike="noStrike" kern="1200" spc="0" baseline="0">
+                <a:solidFill>
+                  <a:srgbClr val="2C3E50"/>
+                </a:solidFill>
+                <a:latin typeface="Helvetica" charset="0"/>
+                <a:ea typeface="Helvetica" charset="0"/>
+                <a:cs typeface="Helvetica" charset="0"/>
+              </a:defRPr>
+            </a:pPr>
+            <a:r>
+              <a:rPr lang="en-US" sz="3200" b="1" dirty="0" smtClean="0">
+                <a:solidFill>
+                  <a:srgbClr val="2C3E50"/>
+                </a:solidFill>
+                <a:latin typeface="Helvetica" charset="0"/>
+                <a:ea typeface="Helvetica" charset="0"/>
+                <a:cs typeface="Helvetica" charset="0"/>
+              </a:rPr>
+              <a:t>File </a:t>
+            </a:r>
+            <a:r>
+              <a:rPr lang="en-US" sz="3200" b="1" dirty="0" smtClean="0">
+                <a:solidFill>
+                  <a:srgbClr val="2C3E50"/>
+                </a:solidFill>
+                <a:latin typeface="Helvetica" charset="0"/>
+                <a:ea typeface="Helvetica" charset="0"/>
+                <a:cs typeface="Helvetica" charset="0"/>
+              </a:rPr>
+              <a:t>Streams</a:t>
+            </a:r>
+          </a:p>
+        </c:rich>
+      </c:tx>
+      <c:layout/>
+      <c:overlay val="0"/>
+      <c:spPr>
+        <a:noFill/>
+        <a:ln>
+          <a:noFill/>
+        </a:ln>
+        <a:effectLst/>
+      </c:spPr>
+      <c:txPr>
+        <a:bodyPr rot="0" spcFirstLastPara="1" vertOverflow="ellipsis" vert="horz" wrap="square" anchor="ctr" anchorCtr="1"/>
+        <a:lstStyle/>
+        <a:p>
+          <a:pPr>
+            <a:defRPr sz="3200" b="1" i="0" u="none" strike="noStrike" kern="1200" spc="0" baseline="0">
+              <a:solidFill>
+                <a:srgbClr val="2C3E50"/>
+              </a:solidFill>
+              <a:latin typeface="Helvetica" charset="0"/>
+              <a:ea typeface="Helvetica" charset="0"/>
+              <a:cs typeface="Helvetica" charset="0"/>
+            </a:defRPr>
+          </a:pPr>
+          <a:endParaRPr lang="en-US"/>
+        </a:p>
+      </c:txPr>
+    </c:title>
+    <c:autoTitleDeleted val="0"/>
+    <c:plotArea>
+      <c:layout/>
+      <c:pieChart>
+        <c:varyColors val="1"/>
+        <c:ser>
+          <c:idx val="0"/>
+          <c:order val="0"/>
+          <c:tx>
+            <c:strRef>
+              <c:f>Sheet1!$B$1</c:f>
+              <c:strCache>
+                <c:ptCount val="1"/>
+                <c:pt idx="0">
+                  <c:v>Streams</c:v>
+                </c:pt>
+              </c:strCache>
+            </c:strRef>
+          </c:tx>
+          <c:spPr>
+            <a:ln>
+              <a:solidFill>
+                <a:srgbClr val="ECF0F1"/>
+              </a:solidFill>
+            </a:ln>
+          </c:spPr>
+          <c:dPt>
+            <c:idx val="0"/>
+            <c:bubble3D val="0"/>
+            <c:spPr>
+              <a:solidFill>
+                <a:srgbClr val="998FB8"/>
+              </a:solidFill>
+              <a:ln w="19050">
+                <a:solidFill>
+                  <a:srgbClr val="ECF0F1"/>
+                </a:solidFill>
+              </a:ln>
+              <a:effectLst/>
+            </c:spPr>
+          </c:dPt>
+          <c:dPt>
+            <c:idx val="1"/>
+            <c:bubble3D val="0"/>
+            <c:spPr>
+              <a:solidFill>
+                <a:srgbClr val="A15265"/>
+              </a:solidFill>
+              <a:ln w="19050">
+                <a:solidFill>
+                  <a:srgbClr val="ECF0F1"/>
+                </a:solidFill>
+              </a:ln>
+              <a:effectLst/>
+            </c:spPr>
+          </c:dPt>
+          <c:dPt>
+            <c:idx val="2"/>
+            <c:bubble3D val="0"/>
+            <c:spPr>
+              <a:solidFill>
+                <a:schemeClr val="accent3"/>
+              </a:solidFill>
+              <a:ln w="19050">
+                <a:solidFill>
+                  <a:srgbClr val="ECF0F1"/>
+                </a:solidFill>
+              </a:ln>
+              <a:effectLst/>
+            </c:spPr>
+          </c:dPt>
+          <c:dPt>
+            <c:idx val="3"/>
+            <c:bubble3D val="0"/>
+            <c:spPr>
+              <a:solidFill>
+                <a:schemeClr val="accent4"/>
+              </a:solidFill>
+              <a:ln w="19050">
+                <a:solidFill>
+                  <a:srgbClr val="ECF0F1"/>
+                </a:solidFill>
+              </a:ln>
+              <a:effectLst/>
+            </c:spPr>
+          </c:dPt>
+          <c:cat>
+            <c:strRef>
+              <c:f>Sheet1!$A$2:$A$5</c:f>
+              <c:strCache>
+                <c:ptCount val="2"/>
+                <c:pt idx="0">
+                  <c:v>Humans</c:v>
+                </c:pt>
+                <c:pt idx="1">
+                  <c:v>Bots</c:v>
+                </c:pt>
+              </c:strCache>
+            </c:strRef>
+          </c:cat>
+          <c:val>
+            <c:numRef>
+              <c:f>Sheet1!$B$2:$B$5</c:f>
+              <c:numCache>
+                <c:formatCode>General</c:formatCode>
+                <c:ptCount val="4"/>
+                <c:pt idx="0">
+                  <c:v>344.0</c:v>
+                </c:pt>
+                <c:pt idx="1">
+                  <c:v>498.0</c:v>
+                </c:pt>
+              </c:numCache>
+            </c:numRef>
+          </c:val>
+        </c:ser>
+        <c:dLbls>
+          <c:showLegendKey val="0"/>
+          <c:showVal val="0"/>
+          <c:showCatName val="0"/>
+          <c:showSerName val="0"/>
+          <c:showPercent val="0"/>
+          <c:showBubbleSize val="0"/>
+          <c:showLeaderLines val="1"/>
+        </c:dLbls>
+        <c:firstSliceAng val="0"/>
+      </c:pieChart>
+      <c:spPr>
+        <a:noFill/>
+        <a:ln>
+          <a:noFill/>
+        </a:ln>
+        <a:effectLst/>
+      </c:spPr>
+    </c:plotArea>
+    <c:plotVisOnly val="1"/>
+    <c:dispBlanksAs val="gap"/>
+    <c:showDLblsOverMax val="0"/>
+  </c:chart>
+  <c:spPr>
+    <a:noFill/>
+    <a:ln>
+      <a:noFill/>
+    </a:ln>
+    <a:effectLst/>
+  </c:spPr>
+  <c:txPr>
+    <a:bodyPr/>
+    <a:lstStyle/>
+    <a:p>
+      <a:pPr>
+        <a:defRPr/>
+      </a:pPr>
+      <a:endParaRPr lang="en-US"/>
+    </a:p>
+  </c:txPr>
+  <c:externalData r:id="rId3">
+    <c:autoUpdate val="0"/>
+  </c:externalData>
+</c:chartSpace>
+</file>
+
 <file path=ppt/charts/colors1.xml><?xml version="1.0" encoding="utf-8"?>
 <cs:colorStyle xmlns:cs="http://schemas.microsoft.com/office/drawing/2012/chartStyle" xmlns:a="http://schemas.openxmlformats.org/drawingml/2006/main" meth="cycle" id="10">
   <a:schemeClr val="accent1"/>
@@ -1459,8 +1742,88 @@
 </cs:colorStyle>
 </file>
 
+<file path=ppt/charts/colors5.xml><?xml version="1.0" encoding="utf-8"?>
+<cs:colorStyle xmlns:cs="http://schemas.microsoft.com/office/drawing/2012/chartStyle" xmlns:a="http://schemas.openxmlformats.org/drawingml/2006/main" meth="cycle" id="10">
+  <a:schemeClr val="accent1"/>
+  <a:schemeClr val="accent2"/>
+  <a:schemeClr val="accent3"/>
+  <a:schemeClr val="accent4"/>
+  <a:schemeClr val="accent5"/>
+  <a:schemeClr val="accent6"/>
+  <cs:variation/>
+  <cs:variation>
+    <a:lumMod val="60000"/>
+  </cs:variation>
+  <cs:variation>
+    <a:lumMod val="80000"/>
+    <a:lumOff val="20000"/>
+  </cs:variation>
+  <cs:variation>
+    <a:lumMod val="80000"/>
+  </cs:variation>
+  <cs:variation>
+    <a:lumMod val="60000"/>
+    <a:lumOff val="40000"/>
+  </cs:variation>
+  <cs:variation>
+    <a:lumMod val="50000"/>
+  </cs:variation>
+  <cs:variation>
+    <a:lumMod val="70000"/>
+    <a:lumOff val="30000"/>
+  </cs:variation>
+  <cs:variation>
+    <a:lumMod val="70000"/>
+  </cs:variation>
+  <cs:variation>
+    <a:lumMod val="50000"/>
+    <a:lumOff val="50000"/>
+  </cs:variation>
+</cs:colorStyle>
+</file>
+
+<file path=ppt/charts/colors6.xml><?xml version="1.0" encoding="utf-8"?>
+<cs:colorStyle xmlns:cs="http://schemas.microsoft.com/office/drawing/2012/chartStyle" xmlns:a="http://schemas.openxmlformats.org/drawingml/2006/main" meth="cycle" id="10">
+  <a:schemeClr val="accent1"/>
+  <a:schemeClr val="accent2"/>
+  <a:schemeClr val="accent3"/>
+  <a:schemeClr val="accent4"/>
+  <a:schemeClr val="accent5"/>
+  <a:schemeClr val="accent6"/>
+  <cs:variation/>
+  <cs:variation>
+    <a:lumMod val="60000"/>
+  </cs:variation>
+  <cs:variation>
+    <a:lumMod val="80000"/>
+    <a:lumOff val="20000"/>
+  </cs:variation>
+  <cs:variation>
+    <a:lumMod val="80000"/>
+  </cs:variation>
+  <cs:variation>
+    <a:lumMod val="60000"/>
+    <a:lumOff val="40000"/>
+  </cs:variation>
+  <cs:variation>
+    <a:lumMod val="50000"/>
+  </cs:variation>
+  <cs:variation>
+    <a:lumMod val="70000"/>
+    <a:lumOff val="30000"/>
+  </cs:variation>
+  <cs:variation>
+    <a:lumMod val="70000"/>
+  </cs:variation>
+  <cs:variation>
+    <a:lumMod val="50000"/>
+    <a:lumOff val="50000"/>
+  </cs:variation>
+</cs:colorStyle>
+</file>
+
 <file path=ppt/charts/style1.xml><?xml version="1.0" encoding="utf-8"?>
-<cs:chartStyle xmlns:cs="http://schemas.microsoft.com/office/drawing/2012/chartStyle" xmlns:a="http://schemas.openxmlformats.org/drawingml/2006/main" id="227">
+<cs:chartStyle xmlns:cs="http://schemas.microsoft.com/office/drawing/2012/chartStyle" xmlns:a="http://schemas.openxmlformats.org/drawingml/2006/main" id="251">
   <cs:axisTitle>
     <cs:lnRef idx="0"/>
     <cs:fillRef idx="0"/>
@@ -1517,7 +1880,7 @@
         <a:round/>
       </a:ln>
     </cs:spPr>
-    <cs:defRPr sz="1330" kern="1200"/>
+    <cs:defRPr sz="1197" kern="1200"/>
   </cs:chartArea>
   <cs:dataLabel>
     <cs:lnRef idx="0"/>
@@ -1569,9 +1932,11 @@
       <a:schemeClr val="tx1"/>
     </cs:fontRef>
     <cs:spPr>
-      <a:solidFill>
-        <a:schemeClr val="phClr"/>
-      </a:solidFill>
+      <a:ln w="19050">
+        <a:solidFill>
+          <a:schemeClr val="lt1"/>
+        </a:solidFill>
+      </a:ln>
     </cs:spPr>
   </cs:dataPoint>
   <cs:dataPoint3D>
@@ -1584,16 +1949,18 @@
       <a:schemeClr val="tx1"/>
     </cs:fontRef>
     <cs:spPr>
-      <a:solidFill>
-        <a:schemeClr val="phClr"/>
-      </a:solidFill>
+      <a:ln w="25400">
+        <a:solidFill>
+          <a:schemeClr val="lt1"/>
+        </a:solidFill>
+      </a:ln>
     </cs:spPr>
   </cs:dataPoint3D>
   <cs:dataPointLine>
     <cs:lnRef idx="0">
       <cs:styleClr val="auto"/>
     </cs:lnRef>
-    <cs:fillRef idx="1"/>
+    <cs:fillRef idx="0"/>
     <cs:effectRef idx="0"/>
     <cs:fontRef idx="minor">
       <a:schemeClr val="tx1"/>
@@ -1619,9 +1986,6 @@
       <a:schemeClr val="tx1"/>
     </cs:fontRef>
     <cs:spPr>
-      <a:solidFill>
-        <a:schemeClr val="phClr"/>
-      </a:solidFill>
       <a:ln w="9525">
         <a:solidFill>
           <a:schemeClr val="phClr"/>
@@ -1634,7 +1998,7 @@
     <cs:lnRef idx="0">
       <cs:styleClr val="auto"/>
     </cs:lnRef>
-    <cs:fillRef idx="1"/>
+    <cs:fillRef idx="0"/>
     <cs:effectRef idx="0"/>
     <cs:fontRef idx="minor">
       <a:schemeClr val="tx1"/>
@@ -1677,22 +2041,23 @@
     <cs:fillRef idx="0"/>
     <cs:effectRef idx="0"/>
     <cs:fontRef idx="minor">
-      <a:schemeClr val="dk1"/>
+      <a:schemeClr val="tx1"/>
     </cs:fontRef>
     <cs:spPr>
       <a:solidFill>
         <a:schemeClr val="dk1">
-          <a:lumMod val="65000"/>
-          <a:lumOff val="35000"/>
+          <a:lumMod val="75000"/>
+          <a:lumOff val="25000"/>
         </a:schemeClr>
       </a:solidFill>
-      <a:ln w="9525">
+      <a:ln w="9525" cap="flat" cmpd="sng" algn="ctr">
         <a:solidFill>
           <a:schemeClr val="tx1">
             <a:lumMod val="65000"/>
             <a:lumOff val="35000"/>
           </a:schemeClr>
         </a:solidFill>
+        <a:round/>
       </a:ln>
     </cs:spPr>
   </cs:downBar>
@@ -1797,8 +2162,8 @@
       <a:ln w="9525" cap="flat" cmpd="sng" algn="ctr">
         <a:solidFill>
           <a:schemeClr val="tx1">
-            <a:lumMod val="75000"/>
-            <a:lumOff val="25000"/>
+            <a:lumMod val="50000"/>
+            <a:lumOff val="50000"/>
           </a:schemeClr>
         </a:solidFill>
         <a:round/>
@@ -1930,19 +2295,20 @@
     <cs:fillRef idx="0"/>
     <cs:effectRef idx="0"/>
     <cs:fontRef idx="minor">
-      <a:schemeClr val="dk1"/>
+      <a:schemeClr val="tx1"/>
     </cs:fontRef>
     <cs:spPr>
       <a:solidFill>
         <a:schemeClr val="lt1"/>
       </a:solidFill>
-      <a:ln w="9525">
+      <a:ln w="9525" cap="flat" cmpd="sng" algn="ctr">
         <a:solidFill>
           <a:schemeClr val="tx1">
-            <a:lumMod val="15000"/>
-            <a:lumOff val="85000"/>
+            <a:lumMod val="65000"/>
+            <a:lumOff val="35000"/>
           </a:schemeClr>
         </a:solidFill>
+        <a:round/>
       </a:ln>
     </cs:spPr>
   </cs:upBar>
@@ -3014,6 +3380,1044 @@
 </file>
 
 <file path=ppt/charts/style4.xml><?xml version="1.0" encoding="utf-8"?>
+<cs:chartStyle xmlns:cs="http://schemas.microsoft.com/office/drawing/2012/chartStyle" xmlns:a="http://schemas.openxmlformats.org/drawingml/2006/main" id="251">
+  <cs:axisTitle>
+    <cs:lnRef idx="0"/>
+    <cs:fillRef idx="0"/>
+    <cs:effectRef idx="0"/>
+    <cs:fontRef idx="minor">
+      <a:schemeClr val="tx1">
+        <a:lumMod val="65000"/>
+        <a:lumOff val="35000"/>
+      </a:schemeClr>
+    </cs:fontRef>
+    <cs:defRPr sz="1330" kern="1200"/>
+  </cs:axisTitle>
+  <cs:categoryAxis>
+    <cs:lnRef idx="0"/>
+    <cs:fillRef idx="0"/>
+    <cs:effectRef idx="0"/>
+    <cs:fontRef idx="minor">
+      <a:schemeClr val="tx1">
+        <a:lumMod val="65000"/>
+        <a:lumOff val="35000"/>
+      </a:schemeClr>
+    </cs:fontRef>
+    <cs:spPr>
+      <a:ln w="9525" cap="flat" cmpd="sng" algn="ctr">
+        <a:solidFill>
+          <a:schemeClr val="tx1">
+            <a:lumMod val="15000"/>
+            <a:lumOff val="85000"/>
+          </a:schemeClr>
+        </a:solidFill>
+        <a:round/>
+      </a:ln>
+    </cs:spPr>
+    <cs:defRPr sz="1197" kern="1200"/>
+  </cs:categoryAxis>
+  <cs:chartArea mods="allowNoFillOverride allowNoLineOverride">
+    <cs:lnRef idx="0"/>
+    <cs:fillRef idx="0"/>
+    <cs:effectRef idx="0"/>
+    <cs:fontRef idx="minor">
+      <a:schemeClr val="tx1"/>
+    </cs:fontRef>
+    <cs:spPr>
+      <a:solidFill>
+        <a:schemeClr val="bg1"/>
+      </a:solidFill>
+      <a:ln w="9525" cap="flat" cmpd="sng" algn="ctr">
+        <a:solidFill>
+          <a:schemeClr val="tx1">
+            <a:lumMod val="15000"/>
+            <a:lumOff val="85000"/>
+          </a:schemeClr>
+        </a:solidFill>
+        <a:round/>
+      </a:ln>
+    </cs:spPr>
+    <cs:defRPr sz="1197" kern="1200"/>
+  </cs:chartArea>
+  <cs:dataLabel>
+    <cs:lnRef idx="0"/>
+    <cs:fillRef idx="0"/>
+    <cs:effectRef idx="0"/>
+    <cs:fontRef idx="minor">
+      <a:schemeClr val="tx1">
+        <a:lumMod val="75000"/>
+        <a:lumOff val="25000"/>
+      </a:schemeClr>
+    </cs:fontRef>
+    <cs:defRPr sz="1197" kern="1200"/>
+  </cs:dataLabel>
+  <cs:dataLabelCallout>
+    <cs:lnRef idx="0"/>
+    <cs:fillRef idx="0"/>
+    <cs:effectRef idx="0"/>
+    <cs:fontRef idx="minor">
+      <a:schemeClr val="dk1">
+        <a:lumMod val="65000"/>
+        <a:lumOff val="35000"/>
+      </a:schemeClr>
+    </cs:fontRef>
+    <cs:spPr>
+      <a:solidFill>
+        <a:schemeClr val="lt1"/>
+      </a:solidFill>
+      <a:ln>
+        <a:solidFill>
+          <a:schemeClr val="dk1">
+            <a:lumMod val="25000"/>
+            <a:lumOff val="75000"/>
+          </a:schemeClr>
+        </a:solidFill>
+      </a:ln>
+    </cs:spPr>
+    <cs:defRPr sz="1197" kern="1200"/>
+    <cs:bodyPr rot="0" spcFirstLastPara="1" vertOverflow="clip" horzOverflow="clip" vert="horz" wrap="square" lIns="36576" tIns="18288" rIns="36576" bIns="18288" anchor="ctr" anchorCtr="1">
+      <a:spAutoFit/>
+    </cs:bodyPr>
+  </cs:dataLabelCallout>
+  <cs:dataPoint>
+    <cs:lnRef idx="0"/>
+    <cs:fillRef idx="1">
+      <cs:styleClr val="auto"/>
+    </cs:fillRef>
+    <cs:effectRef idx="0"/>
+    <cs:fontRef idx="minor">
+      <a:schemeClr val="tx1"/>
+    </cs:fontRef>
+    <cs:spPr>
+      <a:ln w="19050">
+        <a:solidFill>
+          <a:schemeClr val="lt1"/>
+        </a:solidFill>
+      </a:ln>
+    </cs:spPr>
+  </cs:dataPoint>
+  <cs:dataPoint3D>
+    <cs:lnRef idx="0"/>
+    <cs:fillRef idx="1">
+      <cs:styleClr val="auto"/>
+    </cs:fillRef>
+    <cs:effectRef idx="0"/>
+    <cs:fontRef idx="minor">
+      <a:schemeClr val="tx1"/>
+    </cs:fontRef>
+    <cs:spPr>
+      <a:ln w="25400">
+        <a:solidFill>
+          <a:schemeClr val="lt1"/>
+        </a:solidFill>
+      </a:ln>
+    </cs:spPr>
+  </cs:dataPoint3D>
+  <cs:dataPointLine>
+    <cs:lnRef idx="0">
+      <cs:styleClr val="auto"/>
+    </cs:lnRef>
+    <cs:fillRef idx="0"/>
+    <cs:effectRef idx="0"/>
+    <cs:fontRef idx="minor">
+      <a:schemeClr val="tx1"/>
+    </cs:fontRef>
+    <cs:spPr>
+      <a:ln w="28575" cap="rnd">
+        <a:solidFill>
+          <a:schemeClr val="phClr"/>
+        </a:solidFill>
+        <a:round/>
+      </a:ln>
+    </cs:spPr>
+  </cs:dataPointLine>
+  <cs:dataPointMarker>
+    <cs:lnRef idx="0">
+      <cs:styleClr val="auto"/>
+    </cs:lnRef>
+    <cs:fillRef idx="1">
+      <cs:styleClr val="auto"/>
+    </cs:fillRef>
+    <cs:effectRef idx="0"/>
+    <cs:fontRef idx="minor">
+      <a:schemeClr val="tx1"/>
+    </cs:fontRef>
+    <cs:spPr>
+      <a:ln w="9525">
+        <a:solidFill>
+          <a:schemeClr val="phClr"/>
+        </a:solidFill>
+      </a:ln>
+    </cs:spPr>
+  </cs:dataPointMarker>
+  <cs:dataPointMarkerLayout symbol="circle" size="5"/>
+  <cs:dataPointWireframe>
+    <cs:lnRef idx="0">
+      <cs:styleClr val="auto"/>
+    </cs:lnRef>
+    <cs:fillRef idx="0"/>
+    <cs:effectRef idx="0"/>
+    <cs:fontRef idx="minor">
+      <a:schemeClr val="tx1"/>
+    </cs:fontRef>
+    <cs:spPr>
+      <a:ln w="9525" cap="rnd">
+        <a:solidFill>
+          <a:schemeClr val="phClr"/>
+        </a:solidFill>
+        <a:round/>
+      </a:ln>
+    </cs:spPr>
+  </cs:dataPointWireframe>
+  <cs:dataTable>
+    <cs:lnRef idx="0"/>
+    <cs:fillRef idx="0"/>
+    <cs:effectRef idx="0"/>
+    <cs:fontRef idx="minor">
+      <a:schemeClr val="tx1">
+        <a:lumMod val="65000"/>
+        <a:lumOff val="35000"/>
+      </a:schemeClr>
+    </cs:fontRef>
+    <cs:spPr>
+      <a:noFill/>
+      <a:ln w="9525" cap="flat" cmpd="sng" algn="ctr">
+        <a:solidFill>
+          <a:schemeClr val="tx1">
+            <a:lumMod val="15000"/>
+            <a:lumOff val="85000"/>
+          </a:schemeClr>
+        </a:solidFill>
+        <a:round/>
+      </a:ln>
+    </cs:spPr>
+    <cs:defRPr sz="1197" kern="1200"/>
+  </cs:dataTable>
+  <cs:downBar>
+    <cs:lnRef idx="0"/>
+    <cs:fillRef idx="0"/>
+    <cs:effectRef idx="0"/>
+    <cs:fontRef idx="minor">
+      <a:schemeClr val="tx1"/>
+    </cs:fontRef>
+    <cs:spPr>
+      <a:solidFill>
+        <a:schemeClr val="dk1">
+          <a:lumMod val="75000"/>
+          <a:lumOff val="25000"/>
+        </a:schemeClr>
+      </a:solidFill>
+      <a:ln w="9525" cap="flat" cmpd="sng" algn="ctr">
+        <a:solidFill>
+          <a:schemeClr val="tx1">
+            <a:lumMod val="65000"/>
+            <a:lumOff val="35000"/>
+          </a:schemeClr>
+        </a:solidFill>
+        <a:round/>
+      </a:ln>
+    </cs:spPr>
+  </cs:downBar>
+  <cs:dropLine>
+    <cs:lnRef idx="0"/>
+    <cs:fillRef idx="0"/>
+    <cs:effectRef idx="0"/>
+    <cs:fontRef idx="minor">
+      <a:schemeClr val="tx1"/>
+    </cs:fontRef>
+    <cs:spPr>
+      <a:ln w="9525" cap="flat" cmpd="sng" algn="ctr">
+        <a:solidFill>
+          <a:schemeClr val="tx1">
+            <a:lumMod val="35000"/>
+            <a:lumOff val="65000"/>
+          </a:schemeClr>
+        </a:solidFill>
+        <a:round/>
+      </a:ln>
+    </cs:spPr>
+  </cs:dropLine>
+  <cs:errorBar>
+    <cs:lnRef idx="0"/>
+    <cs:fillRef idx="0"/>
+    <cs:effectRef idx="0"/>
+    <cs:fontRef idx="minor">
+      <a:schemeClr val="tx1"/>
+    </cs:fontRef>
+    <cs:spPr>
+      <a:ln w="9525" cap="flat" cmpd="sng" algn="ctr">
+        <a:solidFill>
+          <a:schemeClr val="tx1">
+            <a:lumMod val="65000"/>
+            <a:lumOff val="35000"/>
+          </a:schemeClr>
+        </a:solidFill>
+        <a:round/>
+      </a:ln>
+    </cs:spPr>
+  </cs:errorBar>
+  <cs:floor>
+    <cs:lnRef idx="0"/>
+    <cs:fillRef idx="0"/>
+    <cs:effectRef idx="0"/>
+    <cs:fontRef idx="minor">
+      <a:schemeClr val="tx1"/>
+    </cs:fontRef>
+    <cs:spPr>
+      <a:noFill/>
+      <a:ln>
+        <a:noFill/>
+      </a:ln>
+    </cs:spPr>
+  </cs:floor>
+  <cs:gridlineMajor>
+    <cs:lnRef idx="0"/>
+    <cs:fillRef idx="0"/>
+    <cs:effectRef idx="0"/>
+    <cs:fontRef idx="minor">
+      <a:schemeClr val="tx1"/>
+    </cs:fontRef>
+    <cs:spPr>
+      <a:ln w="9525" cap="flat" cmpd="sng" algn="ctr">
+        <a:solidFill>
+          <a:schemeClr val="tx1">
+            <a:lumMod val="15000"/>
+            <a:lumOff val="85000"/>
+          </a:schemeClr>
+        </a:solidFill>
+        <a:round/>
+      </a:ln>
+    </cs:spPr>
+  </cs:gridlineMajor>
+  <cs:gridlineMinor>
+    <cs:lnRef idx="0"/>
+    <cs:fillRef idx="0"/>
+    <cs:effectRef idx="0"/>
+    <cs:fontRef idx="minor">
+      <a:schemeClr val="tx1"/>
+    </cs:fontRef>
+    <cs:spPr>
+      <a:ln w="9525" cap="flat" cmpd="sng" algn="ctr">
+        <a:solidFill>
+          <a:schemeClr val="tx1">
+            <a:lumMod val="5000"/>
+            <a:lumOff val="95000"/>
+          </a:schemeClr>
+        </a:solidFill>
+        <a:round/>
+      </a:ln>
+    </cs:spPr>
+  </cs:gridlineMinor>
+  <cs:hiLoLine>
+    <cs:lnRef idx="0"/>
+    <cs:fillRef idx="0"/>
+    <cs:effectRef idx="0"/>
+    <cs:fontRef idx="minor">
+      <a:schemeClr val="tx1"/>
+    </cs:fontRef>
+    <cs:spPr>
+      <a:ln w="9525" cap="flat" cmpd="sng" algn="ctr">
+        <a:solidFill>
+          <a:schemeClr val="tx1">
+            <a:lumMod val="50000"/>
+            <a:lumOff val="50000"/>
+          </a:schemeClr>
+        </a:solidFill>
+        <a:round/>
+      </a:ln>
+    </cs:spPr>
+  </cs:hiLoLine>
+  <cs:leaderLine>
+    <cs:lnRef idx="0"/>
+    <cs:fillRef idx="0"/>
+    <cs:effectRef idx="0"/>
+    <cs:fontRef idx="minor">
+      <a:schemeClr val="tx1"/>
+    </cs:fontRef>
+    <cs:spPr>
+      <a:ln w="9525" cap="flat" cmpd="sng" algn="ctr">
+        <a:solidFill>
+          <a:schemeClr val="tx1">
+            <a:lumMod val="35000"/>
+            <a:lumOff val="65000"/>
+          </a:schemeClr>
+        </a:solidFill>
+        <a:round/>
+      </a:ln>
+    </cs:spPr>
+  </cs:leaderLine>
+  <cs:legend>
+    <cs:lnRef idx="0"/>
+    <cs:fillRef idx="0"/>
+    <cs:effectRef idx="0"/>
+    <cs:fontRef idx="minor">
+      <a:schemeClr val="tx1">
+        <a:lumMod val="65000"/>
+        <a:lumOff val="35000"/>
+      </a:schemeClr>
+    </cs:fontRef>
+    <cs:defRPr sz="1197" kern="1200"/>
+  </cs:legend>
+  <cs:plotArea mods="allowNoFillOverride allowNoLineOverride">
+    <cs:lnRef idx="0"/>
+    <cs:fillRef idx="0"/>
+    <cs:effectRef idx="0"/>
+    <cs:fontRef idx="minor">
+      <a:schemeClr val="tx1"/>
+    </cs:fontRef>
+  </cs:plotArea>
+  <cs:plotArea3D mods="allowNoFillOverride allowNoLineOverride">
+    <cs:lnRef idx="0"/>
+    <cs:fillRef idx="0"/>
+    <cs:effectRef idx="0"/>
+    <cs:fontRef idx="minor">
+      <a:schemeClr val="tx1"/>
+    </cs:fontRef>
+  </cs:plotArea3D>
+  <cs:seriesAxis>
+    <cs:lnRef idx="0"/>
+    <cs:fillRef idx="0"/>
+    <cs:effectRef idx="0"/>
+    <cs:fontRef idx="minor">
+      <a:schemeClr val="tx1">
+        <a:lumMod val="65000"/>
+        <a:lumOff val="35000"/>
+      </a:schemeClr>
+    </cs:fontRef>
+    <cs:defRPr sz="1197" kern="1200"/>
+  </cs:seriesAxis>
+  <cs:seriesLine>
+    <cs:lnRef idx="0"/>
+    <cs:fillRef idx="0"/>
+    <cs:effectRef idx="0"/>
+    <cs:fontRef idx="minor">
+      <a:schemeClr val="tx1"/>
+    </cs:fontRef>
+    <cs:spPr>
+      <a:ln w="9525" cap="flat" cmpd="sng" algn="ctr">
+        <a:solidFill>
+          <a:schemeClr val="tx1">
+            <a:lumMod val="35000"/>
+            <a:lumOff val="65000"/>
+          </a:schemeClr>
+        </a:solidFill>
+        <a:round/>
+      </a:ln>
+    </cs:spPr>
+  </cs:seriesLine>
+  <cs:title>
+    <cs:lnRef idx="0"/>
+    <cs:fillRef idx="0"/>
+    <cs:effectRef idx="0"/>
+    <cs:fontRef idx="minor">
+      <a:schemeClr val="tx1">
+        <a:lumMod val="65000"/>
+        <a:lumOff val="35000"/>
+      </a:schemeClr>
+    </cs:fontRef>
+    <cs:defRPr sz="1862" b="0" kern="1200" spc="0" baseline="0"/>
+  </cs:title>
+  <cs:trendline>
+    <cs:lnRef idx="0">
+      <cs:styleClr val="auto"/>
+    </cs:lnRef>
+    <cs:fillRef idx="0"/>
+    <cs:effectRef idx="0"/>
+    <cs:fontRef idx="minor">
+      <a:schemeClr val="tx1"/>
+    </cs:fontRef>
+    <cs:spPr>
+      <a:ln w="19050" cap="rnd">
+        <a:solidFill>
+          <a:schemeClr val="phClr"/>
+        </a:solidFill>
+        <a:prstDash val="sysDot"/>
+      </a:ln>
+    </cs:spPr>
+  </cs:trendline>
+  <cs:trendlineLabel>
+    <cs:lnRef idx="0"/>
+    <cs:fillRef idx="0"/>
+    <cs:effectRef idx="0"/>
+    <cs:fontRef idx="minor">
+      <a:schemeClr val="tx1">
+        <a:lumMod val="65000"/>
+        <a:lumOff val="35000"/>
+      </a:schemeClr>
+    </cs:fontRef>
+    <cs:defRPr sz="1197" kern="1200"/>
+  </cs:trendlineLabel>
+  <cs:upBar>
+    <cs:lnRef idx="0"/>
+    <cs:fillRef idx="0"/>
+    <cs:effectRef idx="0"/>
+    <cs:fontRef idx="minor">
+      <a:schemeClr val="tx1"/>
+    </cs:fontRef>
+    <cs:spPr>
+      <a:solidFill>
+        <a:schemeClr val="lt1"/>
+      </a:solidFill>
+      <a:ln w="9525" cap="flat" cmpd="sng" algn="ctr">
+        <a:solidFill>
+          <a:schemeClr val="tx1">
+            <a:lumMod val="65000"/>
+            <a:lumOff val="35000"/>
+          </a:schemeClr>
+        </a:solidFill>
+        <a:round/>
+      </a:ln>
+    </cs:spPr>
+  </cs:upBar>
+  <cs:valueAxis>
+    <cs:lnRef idx="0"/>
+    <cs:fillRef idx="0"/>
+    <cs:effectRef idx="0"/>
+    <cs:fontRef idx="minor">
+      <a:schemeClr val="tx1">
+        <a:lumMod val="65000"/>
+        <a:lumOff val="35000"/>
+      </a:schemeClr>
+    </cs:fontRef>
+    <cs:defRPr sz="1197" kern="1200"/>
+  </cs:valueAxis>
+  <cs:wall>
+    <cs:lnRef idx="0"/>
+    <cs:fillRef idx="0"/>
+    <cs:effectRef idx="0"/>
+    <cs:fontRef idx="minor">
+      <a:schemeClr val="tx1"/>
+    </cs:fontRef>
+    <cs:spPr>
+      <a:noFill/>
+      <a:ln>
+        <a:noFill/>
+      </a:ln>
+    </cs:spPr>
+  </cs:wall>
+</cs:chartStyle>
+</file>
+
+<file path=ppt/charts/style5.xml><?xml version="1.0" encoding="utf-8"?>
+<cs:chartStyle xmlns:cs="http://schemas.microsoft.com/office/drawing/2012/chartStyle" xmlns:a="http://schemas.openxmlformats.org/drawingml/2006/main" id="251">
+  <cs:axisTitle>
+    <cs:lnRef idx="0"/>
+    <cs:fillRef idx="0"/>
+    <cs:effectRef idx="0"/>
+    <cs:fontRef idx="minor">
+      <a:schemeClr val="tx1">
+        <a:lumMod val="65000"/>
+        <a:lumOff val="35000"/>
+      </a:schemeClr>
+    </cs:fontRef>
+    <cs:defRPr sz="1330" kern="1200"/>
+  </cs:axisTitle>
+  <cs:categoryAxis>
+    <cs:lnRef idx="0"/>
+    <cs:fillRef idx="0"/>
+    <cs:effectRef idx="0"/>
+    <cs:fontRef idx="minor">
+      <a:schemeClr val="tx1">
+        <a:lumMod val="65000"/>
+        <a:lumOff val="35000"/>
+      </a:schemeClr>
+    </cs:fontRef>
+    <cs:spPr>
+      <a:ln w="9525" cap="flat" cmpd="sng" algn="ctr">
+        <a:solidFill>
+          <a:schemeClr val="tx1">
+            <a:lumMod val="15000"/>
+            <a:lumOff val="85000"/>
+          </a:schemeClr>
+        </a:solidFill>
+        <a:round/>
+      </a:ln>
+    </cs:spPr>
+    <cs:defRPr sz="1197" kern="1200"/>
+  </cs:categoryAxis>
+  <cs:chartArea mods="allowNoFillOverride allowNoLineOverride">
+    <cs:lnRef idx="0"/>
+    <cs:fillRef idx="0"/>
+    <cs:effectRef idx="0"/>
+    <cs:fontRef idx="minor">
+      <a:schemeClr val="tx1"/>
+    </cs:fontRef>
+    <cs:spPr>
+      <a:solidFill>
+        <a:schemeClr val="bg1"/>
+      </a:solidFill>
+      <a:ln w="9525" cap="flat" cmpd="sng" algn="ctr">
+        <a:solidFill>
+          <a:schemeClr val="tx1">
+            <a:lumMod val="15000"/>
+            <a:lumOff val="85000"/>
+          </a:schemeClr>
+        </a:solidFill>
+        <a:round/>
+      </a:ln>
+    </cs:spPr>
+    <cs:defRPr sz="1197" kern="1200"/>
+  </cs:chartArea>
+  <cs:dataLabel>
+    <cs:lnRef idx="0"/>
+    <cs:fillRef idx="0"/>
+    <cs:effectRef idx="0"/>
+    <cs:fontRef idx="minor">
+      <a:schemeClr val="tx1">
+        <a:lumMod val="75000"/>
+        <a:lumOff val="25000"/>
+      </a:schemeClr>
+    </cs:fontRef>
+    <cs:defRPr sz="1197" kern="1200"/>
+  </cs:dataLabel>
+  <cs:dataLabelCallout>
+    <cs:lnRef idx="0"/>
+    <cs:fillRef idx="0"/>
+    <cs:effectRef idx="0"/>
+    <cs:fontRef idx="minor">
+      <a:schemeClr val="dk1">
+        <a:lumMod val="65000"/>
+        <a:lumOff val="35000"/>
+      </a:schemeClr>
+    </cs:fontRef>
+    <cs:spPr>
+      <a:solidFill>
+        <a:schemeClr val="lt1"/>
+      </a:solidFill>
+      <a:ln>
+        <a:solidFill>
+          <a:schemeClr val="dk1">
+            <a:lumMod val="25000"/>
+            <a:lumOff val="75000"/>
+          </a:schemeClr>
+        </a:solidFill>
+      </a:ln>
+    </cs:spPr>
+    <cs:defRPr sz="1197" kern="1200"/>
+    <cs:bodyPr rot="0" spcFirstLastPara="1" vertOverflow="clip" horzOverflow="clip" vert="horz" wrap="square" lIns="36576" tIns="18288" rIns="36576" bIns="18288" anchor="ctr" anchorCtr="1">
+      <a:spAutoFit/>
+    </cs:bodyPr>
+  </cs:dataLabelCallout>
+  <cs:dataPoint>
+    <cs:lnRef idx="0"/>
+    <cs:fillRef idx="1">
+      <cs:styleClr val="auto"/>
+    </cs:fillRef>
+    <cs:effectRef idx="0"/>
+    <cs:fontRef idx="minor">
+      <a:schemeClr val="tx1"/>
+    </cs:fontRef>
+    <cs:spPr>
+      <a:ln w="19050">
+        <a:solidFill>
+          <a:schemeClr val="lt1"/>
+        </a:solidFill>
+      </a:ln>
+    </cs:spPr>
+  </cs:dataPoint>
+  <cs:dataPoint3D>
+    <cs:lnRef idx="0"/>
+    <cs:fillRef idx="1">
+      <cs:styleClr val="auto"/>
+    </cs:fillRef>
+    <cs:effectRef idx="0"/>
+    <cs:fontRef idx="minor">
+      <a:schemeClr val="tx1"/>
+    </cs:fontRef>
+    <cs:spPr>
+      <a:ln w="25400">
+        <a:solidFill>
+          <a:schemeClr val="lt1"/>
+        </a:solidFill>
+      </a:ln>
+    </cs:spPr>
+  </cs:dataPoint3D>
+  <cs:dataPointLine>
+    <cs:lnRef idx="0">
+      <cs:styleClr val="auto"/>
+    </cs:lnRef>
+    <cs:fillRef idx="0"/>
+    <cs:effectRef idx="0"/>
+    <cs:fontRef idx="minor">
+      <a:schemeClr val="tx1"/>
+    </cs:fontRef>
+    <cs:spPr>
+      <a:ln w="28575" cap="rnd">
+        <a:solidFill>
+          <a:schemeClr val="phClr"/>
+        </a:solidFill>
+        <a:round/>
+      </a:ln>
+    </cs:spPr>
+  </cs:dataPointLine>
+  <cs:dataPointMarker>
+    <cs:lnRef idx="0">
+      <cs:styleClr val="auto"/>
+    </cs:lnRef>
+    <cs:fillRef idx="1">
+      <cs:styleClr val="auto"/>
+    </cs:fillRef>
+    <cs:effectRef idx="0"/>
+    <cs:fontRef idx="minor">
+      <a:schemeClr val="tx1"/>
+    </cs:fontRef>
+    <cs:spPr>
+      <a:ln w="9525">
+        <a:solidFill>
+          <a:schemeClr val="phClr"/>
+        </a:solidFill>
+      </a:ln>
+    </cs:spPr>
+  </cs:dataPointMarker>
+  <cs:dataPointMarkerLayout symbol="circle" size="5"/>
+  <cs:dataPointWireframe>
+    <cs:lnRef idx="0">
+      <cs:styleClr val="auto"/>
+    </cs:lnRef>
+    <cs:fillRef idx="0"/>
+    <cs:effectRef idx="0"/>
+    <cs:fontRef idx="minor">
+      <a:schemeClr val="tx1"/>
+    </cs:fontRef>
+    <cs:spPr>
+      <a:ln w="9525" cap="rnd">
+        <a:solidFill>
+          <a:schemeClr val="phClr"/>
+        </a:solidFill>
+        <a:round/>
+      </a:ln>
+    </cs:spPr>
+  </cs:dataPointWireframe>
+  <cs:dataTable>
+    <cs:lnRef idx="0"/>
+    <cs:fillRef idx="0"/>
+    <cs:effectRef idx="0"/>
+    <cs:fontRef idx="minor">
+      <a:schemeClr val="tx1">
+        <a:lumMod val="65000"/>
+        <a:lumOff val="35000"/>
+      </a:schemeClr>
+    </cs:fontRef>
+    <cs:spPr>
+      <a:noFill/>
+      <a:ln w="9525" cap="flat" cmpd="sng" algn="ctr">
+        <a:solidFill>
+          <a:schemeClr val="tx1">
+            <a:lumMod val="15000"/>
+            <a:lumOff val="85000"/>
+          </a:schemeClr>
+        </a:solidFill>
+        <a:round/>
+      </a:ln>
+    </cs:spPr>
+    <cs:defRPr sz="1197" kern="1200"/>
+  </cs:dataTable>
+  <cs:downBar>
+    <cs:lnRef idx="0"/>
+    <cs:fillRef idx="0"/>
+    <cs:effectRef idx="0"/>
+    <cs:fontRef idx="minor">
+      <a:schemeClr val="tx1"/>
+    </cs:fontRef>
+    <cs:spPr>
+      <a:solidFill>
+        <a:schemeClr val="dk1">
+          <a:lumMod val="75000"/>
+          <a:lumOff val="25000"/>
+        </a:schemeClr>
+      </a:solidFill>
+      <a:ln w="9525" cap="flat" cmpd="sng" algn="ctr">
+        <a:solidFill>
+          <a:schemeClr val="tx1">
+            <a:lumMod val="65000"/>
+            <a:lumOff val="35000"/>
+          </a:schemeClr>
+        </a:solidFill>
+        <a:round/>
+      </a:ln>
+    </cs:spPr>
+  </cs:downBar>
+  <cs:dropLine>
+    <cs:lnRef idx="0"/>
+    <cs:fillRef idx="0"/>
+    <cs:effectRef idx="0"/>
+    <cs:fontRef idx="minor">
+      <a:schemeClr val="tx1"/>
+    </cs:fontRef>
+    <cs:spPr>
+      <a:ln w="9525" cap="flat" cmpd="sng" algn="ctr">
+        <a:solidFill>
+          <a:schemeClr val="tx1">
+            <a:lumMod val="35000"/>
+            <a:lumOff val="65000"/>
+          </a:schemeClr>
+        </a:solidFill>
+        <a:round/>
+      </a:ln>
+    </cs:spPr>
+  </cs:dropLine>
+  <cs:errorBar>
+    <cs:lnRef idx="0"/>
+    <cs:fillRef idx="0"/>
+    <cs:effectRef idx="0"/>
+    <cs:fontRef idx="minor">
+      <a:schemeClr val="tx1"/>
+    </cs:fontRef>
+    <cs:spPr>
+      <a:ln w="9525" cap="flat" cmpd="sng" algn="ctr">
+        <a:solidFill>
+          <a:schemeClr val="tx1">
+            <a:lumMod val="65000"/>
+            <a:lumOff val="35000"/>
+          </a:schemeClr>
+        </a:solidFill>
+        <a:round/>
+      </a:ln>
+    </cs:spPr>
+  </cs:errorBar>
+  <cs:floor>
+    <cs:lnRef idx="0"/>
+    <cs:fillRef idx="0"/>
+    <cs:effectRef idx="0"/>
+    <cs:fontRef idx="minor">
+      <a:schemeClr val="tx1"/>
+    </cs:fontRef>
+    <cs:spPr>
+      <a:noFill/>
+      <a:ln>
+        <a:noFill/>
+      </a:ln>
+    </cs:spPr>
+  </cs:floor>
+  <cs:gridlineMajor>
+    <cs:lnRef idx="0"/>
+    <cs:fillRef idx="0"/>
+    <cs:effectRef idx="0"/>
+    <cs:fontRef idx="minor">
+      <a:schemeClr val="tx1"/>
+    </cs:fontRef>
+    <cs:spPr>
+      <a:ln w="9525" cap="flat" cmpd="sng" algn="ctr">
+        <a:solidFill>
+          <a:schemeClr val="tx1">
+            <a:lumMod val="15000"/>
+            <a:lumOff val="85000"/>
+          </a:schemeClr>
+        </a:solidFill>
+        <a:round/>
+      </a:ln>
+    </cs:spPr>
+  </cs:gridlineMajor>
+  <cs:gridlineMinor>
+    <cs:lnRef idx="0"/>
+    <cs:fillRef idx="0"/>
+    <cs:effectRef idx="0"/>
+    <cs:fontRef idx="minor">
+      <a:schemeClr val="tx1"/>
+    </cs:fontRef>
+    <cs:spPr>
+      <a:ln w="9525" cap="flat" cmpd="sng" algn="ctr">
+        <a:solidFill>
+          <a:schemeClr val="tx1">
+            <a:lumMod val="5000"/>
+            <a:lumOff val="95000"/>
+          </a:schemeClr>
+        </a:solidFill>
+        <a:round/>
+      </a:ln>
+    </cs:spPr>
+  </cs:gridlineMinor>
+  <cs:hiLoLine>
+    <cs:lnRef idx="0"/>
+    <cs:fillRef idx="0"/>
+    <cs:effectRef idx="0"/>
+    <cs:fontRef idx="minor">
+      <a:schemeClr val="tx1"/>
+    </cs:fontRef>
+    <cs:spPr>
+      <a:ln w="9525" cap="flat" cmpd="sng" algn="ctr">
+        <a:solidFill>
+          <a:schemeClr val="tx1">
+            <a:lumMod val="50000"/>
+            <a:lumOff val="50000"/>
+          </a:schemeClr>
+        </a:solidFill>
+        <a:round/>
+      </a:ln>
+    </cs:spPr>
+  </cs:hiLoLine>
+  <cs:leaderLine>
+    <cs:lnRef idx="0"/>
+    <cs:fillRef idx="0"/>
+    <cs:effectRef idx="0"/>
+    <cs:fontRef idx="minor">
+      <a:schemeClr val="tx1"/>
+    </cs:fontRef>
+    <cs:spPr>
+      <a:ln w="9525" cap="flat" cmpd="sng" algn="ctr">
+        <a:solidFill>
+          <a:schemeClr val="tx1">
+            <a:lumMod val="35000"/>
+            <a:lumOff val="65000"/>
+          </a:schemeClr>
+        </a:solidFill>
+        <a:round/>
+      </a:ln>
+    </cs:spPr>
+  </cs:leaderLine>
+  <cs:legend>
+    <cs:lnRef idx="0"/>
+    <cs:fillRef idx="0"/>
+    <cs:effectRef idx="0"/>
+    <cs:fontRef idx="minor">
+      <a:schemeClr val="tx1">
+        <a:lumMod val="65000"/>
+        <a:lumOff val="35000"/>
+      </a:schemeClr>
+    </cs:fontRef>
+    <cs:defRPr sz="1197" kern="1200"/>
+  </cs:legend>
+  <cs:plotArea mods="allowNoFillOverride allowNoLineOverride">
+    <cs:lnRef idx="0"/>
+    <cs:fillRef idx="0"/>
+    <cs:effectRef idx="0"/>
+    <cs:fontRef idx="minor">
+      <a:schemeClr val="tx1"/>
+    </cs:fontRef>
+  </cs:plotArea>
+  <cs:plotArea3D mods="allowNoFillOverride allowNoLineOverride">
+    <cs:lnRef idx="0"/>
+    <cs:fillRef idx="0"/>
+    <cs:effectRef idx="0"/>
+    <cs:fontRef idx="minor">
+      <a:schemeClr val="tx1"/>
+    </cs:fontRef>
+  </cs:plotArea3D>
+  <cs:seriesAxis>
+    <cs:lnRef idx="0"/>
+    <cs:fillRef idx="0"/>
+    <cs:effectRef idx="0"/>
+    <cs:fontRef idx="minor">
+      <a:schemeClr val="tx1">
+        <a:lumMod val="65000"/>
+        <a:lumOff val="35000"/>
+      </a:schemeClr>
+    </cs:fontRef>
+    <cs:defRPr sz="1197" kern="1200"/>
+  </cs:seriesAxis>
+  <cs:seriesLine>
+    <cs:lnRef idx="0"/>
+    <cs:fillRef idx="0"/>
+    <cs:effectRef idx="0"/>
+    <cs:fontRef idx="minor">
+      <a:schemeClr val="tx1"/>
+    </cs:fontRef>
+    <cs:spPr>
+      <a:ln w="9525" cap="flat" cmpd="sng" algn="ctr">
+        <a:solidFill>
+          <a:schemeClr val="tx1">
+            <a:lumMod val="35000"/>
+            <a:lumOff val="65000"/>
+          </a:schemeClr>
+        </a:solidFill>
+        <a:round/>
+      </a:ln>
+    </cs:spPr>
+  </cs:seriesLine>
+  <cs:title>
+    <cs:lnRef idx="0"/>
+    <cs:fillRef idx="0"/>
+    <cs:effectRef idx="0"/>
+    <cs:fontRef idx="minor">
+      <a:schemeClr val="tx1">
+        <a:lumMod val="65000"/>
+        <a:lumOff val="35000"/>
+      </a:schemeClr>
+    </cs:fontRef>
+    <cs:defRPr sz="1862" b="0" kern="1200" spc="0" baseline="0"/>
+  </cs:title>
+  <cs:trendline>
+    <cs:lnRef idx="0">
+      <cs:styleClr val="auto"/>
+    </cs:lnRef>
+    <cs:fillRef idx="0"/>
+    <cs:effectRef idx="0"/>
+    <cs:fontRef idx="minor">
+      <a:schemeClr val="tx1"/>
+    </cs:fontRef>
+    <cs:spPr>
+      <a:ln w="19050" cap="rnd">
+        <a:solidFill>
+          <a:schemeClr val="phClr"/>
+        </a:solidFill>
+        <a:prstDash val="sysDot"/>
+      </a:ln>
+    </cs:spPr>
+  </cs:trendline>
+  <cs:trendlineLabel>
+    <cs:lnRef idx="0"/>
+    <cs:fillRef idx="0"/>
+    <cs:effectRef idx="0"/>
+    <cs:fontRef idx="minor">
+      <a:schemeClr val="tx1">
+        <a:lumMod val="65000"/>
+        <a:lumOff val="35000"/>
+      </a:schemeClr>
+    </cs:fontRef>
+    <cs:defRPr sz="1197" kern="1200"/>
+  </cs:trendlineLabel>
+  <cs:upBar>
+    <cs:lnRef idx="0"/>
+    <cs:fillRef idx="0"/>
+    <cs:effectRef idx="0"/>
+    <cs:fontRef idx="minor">
+      <a:schemeClr val="tx1"/>
+    </cs:fontRef>
+    <cs:spPr>
+      <a:solidFill>
+        <a:schemeClr val="lt1"/>
+      </a:solidFill>
+      <a:ln w="9525" cap="flat" cmpd="sng" algn="ctr">
+        <a:solidFill>
+          <a:schemeClr val="tx1">
+            <a:lumMod val="65000"/>
+            <a:lumOff val="35000"/>
+          </a:schemeClr>
+        </a:solidFill>
+        <a:round/>
+      </a:ln>
+    </cs:spPr>
+  </cs:upBar>
+  <cs:valueAxis>
+    <cs:lnRef idx="0"/>
+    <cs:fillRef idx="0"/>
+    <cs:effectRef idx="0"/>
+    <cs:fontRef idx="minor">
+      <a:schemeClr val="tx1">
+        <a:lumMod val="65000"/>
+        <a:lumOff val="35000"/>
+      </a:schemeClr>
+    </cs:fontRef>
+    <cs:defRPr sz="1197" kern="1200"/>
+  </cs:valueAxis>
+  <cs:wall>
+    <cs:lnRef idx="0"/>
+    <cs:fillRef idx="0"/>
+    <cs:effectRef idx="0"/>
+    <cs:fontRef idx="minor">
+      <a:schemeClr val="tx1"/>
+    </cs:fontRef>
+    <cs:spPr>
+      <a:noFill/>
+      <a:ln>
+        <a:noFill/>
+      </a:ln>
+    </cs:spPr>
+  </cs:wall>
+</cs:chartStyle>
+</file>
+
+<file path=ppt/charts/style6.xml><?xml version="1.0" encoding="utf-8"?>
 <cs:chartStyle xmlns:cs="http://schemas.microsoft.com/office/drawing/2012/chartStyle" xmlns:a="http://schemas.openxmlformats.org/drawingml/2006/main" id="251">
   <cs:axisTitle>
     <cs:lnRef idx="0"/>
@@ -3663,7 +5067,7 @@
           <a:p>
             <a:fld id="{180E51A3-104B-B744-9E20-3025749670C7}" type="datetimeFigureOut">
               <a:rPr lang="en-US" smtClean="0"/>
-              <a:t>5/20/16</a:t>
+              <a:t>5/22/16</a:t>
             </a:fld>
             <a:endParaRPr lang="en-US"/>
           </a:p>
@@ -3833,7 +5237,7 @@
           <a:p>
             <a:fld id="{180E51A3-104B-B744-9E20-3025749670C7}" type="datetimeFigureOut">
               <a:rPr lang="en-US" smtClean="0"/>
-              <a:t>5/20/16</a:t>
+              <a:t>5/22/16</a:t>
             </a:fld>
             <a:endParaRPr lang="en-US"/>
           </a:p>
@@ -4013,7 +5417,7 @@
           <a:p>
             <a:fld id="{180E51A3-104B-B744-9E20-3025749670C7}" type="datetimeFigureOut">
               <a:rPr lang="en-US" smtClean="0"/>
-              <a:t>5/20/16</a:t>
+              <a:t>5/22/16</a:t>
             </a:fld>
             <a:endParaRPr lang="en-US"/>
           </a:p>
@@ -4183,7 +5587,7 @@
           <a:p>
             <a:fld id="{180E51A3-104B-B744-9E20-3025749670C7}" type="datetimeFigureOut">
               <a:rPr lang="en-US" smtClean="0"/>
-              <a:t>5/20/16</a:t>
+              <a:t>5/22/16</a:t>
             </a:fld>
             <a:endParaRPr lang="en-US"/>
           </a:p>
@@ -4427,7 +5831,7 @@
           <a:p>
             <a:fld id="{180E51A3-104B-B744-9E20-3025749670C7}" type="datetimeFigureOut">
               <a:rPr lang="en-US" smtClean="0"/>
-              <a:t>5/20/16</a:t>
+              <a:t>5/22/16</a:t>
             </a:fld>
             <a:endParaRPr lang="en-US"/>
           </a:p>
@@ -4659,7 +6063,7 @@
           <a:p>
             <a:fld id="{180E51A3-104B-B744-9E20-3025749670C7}" type="datetimeFigureOut">
               <a:rPr lang="en-US" smtClean="0"/>
-              <a:t>5/20/16</a:t>
+              <a:t>5/22/16</a:t>
             </a:fld>
             <a:endParaRPr lang="en-US"/>
           </a:p>
@@ -5026,7 +6430,7 @@
           <a:p>
             <a:fld id="{180E51A3-104B-B744-9E20-3025749670C7}" type="datetimeFigureOut">
               <a:rPr lang="en-US" smtClean="0"/>
-              <a:t>5/20/16</a:t>
+              <a:t>5/22/16</a:t>
             </a:fld>
             <a:endParaRPr lang="en-US"/>
           </a:p>
@@ -5144,7 +6548,7 @@
           <a:p>
             <a:fld id="{180E51A3-104B-B744-9E20-3025749670C7}" type="datetimeFigureOut">
               <a:rPr lang="en-US" smtClean="0"/>
-              <a:t>5/20/16</a:t>
+              <a:t>5/22/16</a:t>
             </a:fld>
             <a:endParaRPr lang="en-US"/>
           </a:p>
@@ -5239,7 +6643,7 @@
           <a:p>
             <a:fld id="{180E51A3-104B-B744-9E20-3025749670C7}" type="datetimeFigureOut">
               <a:rPr lang="en-US" smtClean="0"/>
-              <a:t>5/20/16</a:t>
+              <a:t>5/22/16</a:t>
             </a:fld>
             <a:endParaRPr lang="en-US"/>
           </a:p>
@@ -5516,7 +6920,7 @@
           <a:p>
             <a:fld id="{180E51A3-104B-B744-9E20-3025749670C7}" type="datetimeFigureOut">
               <a:rPr lang="en-US" smtClean="0"/>
-              <a:t>5/20/16</a:t>
+              <a:t>5/22/16</a:t>
             </a:fld>
             <a:endParaRPr lang="en-US"/>
           </a:p>
@@ -5773,7 +7177,7 @@
           <a:p>
             <a:fld id="{180E51A3-104B-B744-9E20-3025749670C7}" type="datetimeFigureOut">
               <a:rPr lang="en-US" smtClean="0"/>
-              <a:t>5/20/16</a:t>
+              <a:t>5/22/16</a:t>
             </a:fld>
             <a:endParaRPr lang="en-US"/>
           </a:p>
@@ -5986,7 +7390,7 @@
           <a:p>
             <a:fld id="{180E51A3-104B-B744-9E20-3025749670C7}" type="datetimeFigureOut">
               <a:rPr lang="en-US" smtClean="0"/>
-              <a:t>5/20/16</a:t>
+              <a:t>5/22/16</a:t>
             </a:fld>
             <a:endParaRPr lang="en-US"/>
           </a:p>
@@ -6399,6 +7803,28 @@
           <a:chExt cx="0" cy="0"/>
         </a:xfrm>
       </p:grpSpPr>
+      <p:graphicFrame>
+        <p:nvGraphicFramePr>
+          <p:cNvPr id="16" name="Chart 15"/>
+          <p:cNvGraphicFramePr/>
+          <p:nvPr>
+            <p:extLst>
+              <p:ext uri="{D42A27DB-BD31-4B8C-83A1-F6EECF244321}">
+                <p14:modId xmlns:p14="http://schemas.microsoft.com/office/powerpoint/2010/main" val="1605698979"/>
+              </p:ext>
+            </p:extLst>
+          </p:nvPr>
+        </p:nvGraphicFramePr>
+        <p:xfrm>
+          <a:off x="10551705" y="7029276"/>
+          <a:ext cx="6124196" cy="6074228"/>
+        </p:xfrm>
+        <a:graphic>
+          <a:graphicData uri="http://schemas.openxmlformats.org/drawingml/2006/chart">
+            <c:chart xmlns:c="http://schemas.openxmlformats.org/drawingml/2006/chart" xmlns:r="http://schemas.openxmlformats.org/officeDocument/2006/relationships" r:id="rId2"/>
+          </a:graphicData>
+        </a:graphic>
+      </p:graphicFrame>
       <p:sp>
         <p:nvSpPr>
           <p:cNvPr id="4" name="TextBox 3"/>
@@ -6803,7 +8229,7 @@
           <p:nvPr/>
         </p:nvPicPr>
         <p:blipFill rotWithShape="1">
-          <a:blip r:embed="rId2">
+          <a:blip r:embed="rId3">
             <a:extLst>
               <a:ext uri="{28A0092B-C50C-407E-A947-70E740481C1C}">
                 <a14:useLocalDpi xmlns:a14="http://schemas.microsoft.com/office/drawing/2010/main" val="0"/>
@@ -9847,7 +11273,7 @@
           <p:nvPr>
             <p:extLst>
               <p:ext uri="{D42A27DB-BD31-4B8C-83A1-F6EECF244321}">
-                <p14:modId xmlns:p14="http://schemas.microsoft.com/office/powerpoint/2010/main" val="734740371"/>
+                <p14:modId xmlns:p14="http://schemas.microsoft.com/office/powerpoint/2010/main" val="2104084939"/>
               </p:ext>
             </p:extLst>
           </p:nvPr>
@@ -9884,79 +11310,20 @@
                     <a:p>
                       <a:pPr algn="ctr" fontAlgn="b"/>
                       <a:r>
-                        <a:rPr lang="en-US" sz="2000" b="1" i="0" u="none" strike="noStrike" dirty="0">
+                        <a:rPr lang="en-US" sz="2000" b="1" i="0" u="none" strike="noStrike" dirty="0" smtClean="0">
                           <a:solidFill>
-                            <a:srgbClr val="000000"/>
+                            <a:srgbClr val="2C3E50"/>
                           </a:solidFill>
                           <a:effectLst/>
                           <a:latin typeface="Helvetica" charset="0"/>
                           <a:ea typeface="Helvetica" charset="0"/>
                           <a:cs typeface="Helvetica" charset="0"/>
                         </a:rPr>
-                        <a:t>id</a:t>
+                        <a:t>ID</a:t>
                       </a:r>
-                    </a:p>
-                  </a:txBody>
-                  <a:tcPr marL="12700" marR="12700" marT="12700" marB="0" anchor="ctr">
-                    <a:lnL w="12700" cap="flat" cmpd="sng" algn="ctr">
-                      <a:solidFill>
-                        <a:schemeClr val="tx1"/>
-                      </a:solidFill>
-                      <a:prstDash val="solid"/>
-                      <a:round/>
-                      <a:headEnd type="none" w="med" len="med"/>
-                      <a:tailEnd type="none" w="med" len="med"/>
-                    </a:lnL>
-                    <a:lnR w="12700" cap="flat" cmpd="sng" algn="ctr">
-                      <a:solidFill>
-                        <a:schemeClr val="tx1"/>
-                      </a:solidFill>
-                      <a:prstDash val="solid"/>
-                      <a:round/>
-                      <a:headEnd type="none" w="med" len="med"/>
-                      <a:tailEnd type="none" w="med" len="med"/>
-                    </a:lnR>
-                    <a:lnT w="12700" cap="flat" cmpd="sng" algn="ctr">
-                      <a:solidFill>
-                        <a:schemeClr val="tx1"/>
-                      </a:solidFill>
-                      <a:prstDash val="solid"/>
-                      <a:round/>
-                      <a:headEnd type="none" w="med" len="med"/>
-                      <a:tailEnd type="none" w="med" len="med"/>
-                    </a:lnT>
-                    <a:lnB w="12700" cap="flat" cmpd="sng" algn="ctr">
-                      <a:solidFill>
-                        <a:schemeClr val="tx1"/>
-                      </a:solidFill>
-                      <a:prstDash val="solid"/>
-                      <a:round/>
-                      <a:headEnd type="none" w="med" len="med"/>
-                      <a:tailEnd type="none" w="med" len="med"/>
-                    </a:lnB>
-                  </a:tcPr>
-                </a:tc>
-                <a:tc>
-                  <a:txBody>
-                    <a:bodyPr/>
-                    <a:lstStyle/>
-                    <a:p>
-                      <a:pPr algn="ctr" fontAlgn="b"/>
-                      <a:r>
-                        <a:rPr lang="en-US" sz="2000" b="0" i="0" u="none" strike="noStrike" dirty="0" err="1">
-                          <a:solidFill>
-                            <a:srgbClr val="000000"/>
-                          </a:solidFill>
-                          <a:effectLst/>
-                          <a:latin typeface="Helvetica" charset="0"/>
-                          <a:ea typeface="Helvetica" charset="0"/>
-                          <a:cs typeface="Helvetica" charset="0"/>
-                        </a:rPr>
-                        <a:t>pid</a:t>
-                      </a:r>
-                      <a:endParaRPr lang="en-US" sz="2000" b="0" i="0" u="none" strike="noStrike" dirty="0">
+                      <a:endParaRPr lang="en-US" sz="2000" b="1" i="0" u="none" strike="noStrike" dirty="0">
                         <a:solidFill>
-                          <a:srgbClr val="000000"/>
+                          <a:srgbClr val="2C3E50"/>
                         </a:solidFill>
                         <a:effectLst/>
                         <a:latin typeface="Helvetica" charset="0"/>
@@ -10002,6 +11369,9 @@
                       <a:headEnd type="none" w="med" len="med"/>
                       <a:tailEnd type="none" w="med" len="med"/>
                     </a:lnB>
+                    <a:solidFill>
+                      <a:srgbClr val="998FB8"/>
+                    </a:solidFill>
                   </a:tcPr>
                 </a:tc>
                 <a:tc>
@@ -10011,20 +11381,20 @@
                     <a:p>
                       <a:pPr algn="ctr" fontAlgn="b"/>
                       <a:r>
-                        <a:rPr lang="en-US" sz="2000" b="0" i="0" u="none" strike="noStrike" dirty="0" err="1">
+                        <a:rPr lang="en-US" sz="2000" b="1" i="0" u="none" strike="noStrike" dirty="0" smtClean="0">
                           <a:solidFill>
-                            <a:srgbClr val="000000"/>
+                            <a:srgbClr val="2C3E50"/>
                           </a:solidFill>
                           <a:effectLst/>
                           <a:latin typeface="Helvetica" charset="0"/>
                           <a:ea typeface="Helvetica" charset="0"/>
                           <a:cs typeface="Helvetica" charset="0"/>
                         </a:rPr>
-                        <a:t>session_id</a:t>
+                        <a:t>PID</a:t>
                       </a:r>
-                      <a:endParaRPr lang="en-US" sz="2000" b="0" i="0" u="none" strike="noStrike" dirty="0">
+                      <a:endParaRPr lang="en-US" sz="2000" b="1" i="0" u="none" strike="noStrike" dirty="0">
                         <a:solidFill>
-                          <a:srgbClr val="000000"/>
+                          <a:srgbClr val="2C3E50"/>
                         </a:solidFill>
                         <a:effectLst/>
                         <a:latin typeface="Helvetica" charset="0"/>
@@ -10070,6 +11440,9 @@
                       <a:headEnd type="none" w="med" len="med"/>
                       <a:tailEnd type="none" w="med" len="med"/>
                     </a:lnB>
+                    <a:solidFill>
+                      <a:srgbClr val="998FB8"/>
+                    </a:solidFill>
                   </a:tcPr>
                 </a:tc>
                 <a:tc>
@@ -10079,9 +11452,80 @@
                     <a:p>
                       <a:pPr algn="ctr" fontAlgn="b"/>
                       <a:r>
-                        <a:rPr lang="en-US" sz="2000" b="0" i="0" u="none" strike="noStrike" dirty="0">
+                        <a:rPr lang="en-US" sz="2000" b="1" i="0" u="none" strike="noStrike" dirty="0" err="1">
                           <a:solidFill>
-                            <a:srgbClr val="000000"/>
+                            <a:srgbClr val="2C3E50"/>
+                          </a:solidFill>
+                          <a:effectLst/>
+                          <a:latin typeface="Helvetica" charset="0"/>
+                          <a:ea typeface="Helvetica" charset="0"/>
+                          <a:cs typeface="Helvetica" charset="0"/>
+                        </a:rPr>
+                        <a:t>session_id</a:t>
+                      </a:r>
+                      <a:endParaRPr lang="en-US" sz="2000" b="1" i="0" u="none" strike="noStrike" dirty="0">
+                        <a:solidFill>
+                          <a:srgbClr val="2C3E50"/>
+                        </a:solidFill>
+                        <a:effectLst/>
+                        <a:latin typeface="Helvetica" charset="0"/>
+                        <a:ea typeface="Helvetica" charset="0"/>
+                        <a:cs typeface="Helvetica" charset="0"/>
+                      </a:endParaRPr>
+                    </a:p>
+                  </a:txBody>
+                  <a:tcPr marL="12700" marR="12700" marT="12700" marB="0" anchor="ctr">
+                    <a:lnL w="12700" cap="flat" cmpd="sng" algn="ctr">
+                      <a:solidFill>
+                        <a:schemeClr val="tx1"/>
+                      </a:solidFill>
+                      <a:prstDash val="solid"/>
+                      <a:round/>
+                      <a:headEnd type="none" w="med" len="med"/>
+                      <a:tailEnd type="none" w="med" len="med"/>
+                    </a:lnL>
+                    <a:lnR w="12700" cap="flat" cmpd="sng" algn="ctr">
+                      <a:solidFill>
+                        <a:schemeClr val="tx1"/>
+                      </a:solidFill>
+                      <a:prstDash val="solid"/>
+                      <a:round/>
+                      <a:headEnd type="none" w="med" len="med"/>
+                      <a:tailEnd type="none" w="med" len="med"/>
+                    </a:lnR>
+                    <a:lnT w="12700" cap="flat" cmpd="sng" algn="ctr">
+                      <a:solidFill>
+                        <a:schemeClr val="tx1"/>
+                      </a:solidFill>
+                      <a:prstDash val="solid"/>
+                      <a:round/>
+                      <a:headEnd type="none" w="med" len="med"/>
+                      <a:tailEnd type="none" w="med" len="med"/>
+                    </a:lnT>
+                    <a:lnB w="12700" cap="flat" cmpd="sng" algn="ctr">
+                      <a:solidFill>
+                        <a:schemeClr val="tx1"/>
+                      </a:solidFill>
+                      <a:prstDash val="solid"/>
+                      <a:round/>
+                      <a:headEnd type="none" w="med" len="med"/>
+                      <a:tailEnd type="none" w="med" len="med"/>
+                    </a:lnB>
+                    <a:solidFill>
+                      <a:srgbClr val="998FB8"/>
+                    </a:solidFill>
+                  </a:tcPr>
+                </a:tc>
+                <a:tc>
+                  <a:txBody>
+                    <a:bodyPr/>
+                    <a:lstStyle/>
+                    <a:p>
+                      <a:pPr algn="ctr" fontAlgn="b"/>
+                      <a:r>
+                        <a:rPr lang="en-US" sz="2000" b="1" i="0" u="none" strike="noStrike" dirty="0">
+                          <a:solidFill>
+                            <a:srgbClr val="2C3E50"/>
                           </a:solidFill>
                           <a:effectLst/>
                           <a:latin typeface="Helvetica" charset="0"/>
@@ -10129,6 +11573,9 @@
                       <a:headEnd type="none" w="med" len="med"/>
                       <a:tailEnd type="none" w="med" len="med"/>
                     </a:lnB>
+                    <a:solidFill>
+                      <a:srgbClr val="998FB8"/>
+                    </a:solidFill>
                   </a:tcPr>
                 </a:tc>
                 <a:tc>
@@ -10138,9 +11585,9 @@
                     <a:p>
                       <a:pPr algn="ctr" fontAlgn="b"/>
                       <a:r>
-                        <a:rPr lang="en-US" sz="2000" b="0" i="0" u="none" strike="noStrike" dirty="0" err="1">
+                        <a:rPr lang="en-US" sz="2000" b="1" i="0" u="none" strike="noStrike" dirty="0" err="1">
                           <a:solidFill>
-                            <a:srgbClr val="000000"/>
+                            <a:srgbClr val="2C3E50"/>
                           </a:solidFill>
                           <a:effectLst/>
                           <a:latin typeface="Helvetica" charset="0"/>
@@ -10149,9 +11596,9 @@
                         </a:rPr>
                         <a:t>ip_address</a:t>
                       </a:r>
-                      <a:endParaRPr lang="en-US" sz="2000" b="0" i="0" u="none" strike="noStrike" dirty="0">
+                      <a:endParaRPr lang="en-US" sz="2000" b="1" i="0" u="none" strike="noStrike" dirty="0">
                         <a:solidFill>
-                          <a:srgbClr val="000000"/>
+                          <a:srgbClr val="2C3E50"/>
                         </a:solidFill>
                         <a:effectLst/>
                         <a:latin typeface="Helvetica" charset="0"/>
@@ -10197,6 +11644,9 @@
                       <a:headEnd type="none" w="med" len="med"/>
                       <a:tailEnd type="none" w="med" len="med"/>
                     </a:lnB>
+                    <a:solidFill>
+                      <a:srgbClr val="998FB8"/>
+                    </a:solidFill>
                   </a:tcPr>
                 </a:tc>
                 <a:tc>
@@ -10208,7 +11658,7 @@
                       <a:r>
                         <a:rPr lang="en-US" sz="2000" b="1" i="0" u="none" strike="noStrike" dirty="0">
                           <a:solidFill>
-                            <a:srgbClr val="000000"/>
+                            <a:srgbClr val="2C3E50"/>
                           </a:solidFill>
                           <a:effectLst/>
                           <a:latin typeface="Helvetica" charset="0"/>
@@ -10256,6 +11706,9 @@
                       <a:headEnd type="none" w="med" len="med"/>
                       <a:tailEnd type="none" w="med" len="med"/>
                     </a:lnB>
+                    <a:solidFill>
+                      <a:srgbClr val="998FB8"/>
+                    </a:solidFill>
                   </a:tcPr>
                 </a:tc>
                 <a:tc>
@@ -10267,7 +11720,7 @@
                       <a:r>
                         <a:rPr lang="en-US" sz="2000" b="1" i="0" u="none" strike="noStrike" dirty="0">
                           <a:solidFill>
-                            <a:srgbClr val="000000"/>
+                            <a:srgbClr val="2C3E50"/>
                           </a:solidFill>
                           <a:effectLst/>
                           <a:latin typeface="Helvetica" charset="0"/>
@@ -10315,6 +11768,9 @@
                       <a:headEnd type="none" w="med" len="med"/>
                       <a:tailEnd type="none" w="med" len="med"/>
                     </a:lnB>
+                    <a:solidFill>
+                      <a:srgbClr val="998FB8"/>
+                    </a:solidFill>
                   </a:tcPr>
                 </a:tc>
                 <a:tc>
@@ -10326,7 +11782,7 @@
                       <a:r>
                         <a:rPr lang="en-US" sz="2000" b="1" i="0" u="none" strike="noStrike" dirty="0" err="1">
                           <a:solidFill>
-                            <a:srgbClr val="000000"/>
+                            <a:srgbClr val="2C3E50"/>
                           </a:solidFill>
                           <a:effectLst/>
                           <a:latin typeface="Helvetica" charset="0"/>
@@ -10337,7 +11793,7 @@
                       </a:r>
                       <a:endParaRPr lang="en-US" sz="2000" b="1" i="0" u="none" strike="noStrike" dirty="0">
                         <a:solidFill>
-                          <a:srgbClr val="000000"/>
+                          <a:srgbClr val="2C3E50"/>
                         </a:solidFill>
                         <a:effectLst/>
                         <a:latin typeface="Helvetica" charset="0"/>
@@ -10383,6 +11839,9 @@
                       <a:headEnd type="none" w="med" len="med"/>
                       <a:tailEnd type="none" w="med" len="med"/>
                     </a:lnB>
+                    <a:solidFill>
+                      <a:srgbClr val="998FB8"/>
+                    </a:solidFill>
                   </a:tcPr>
                 </a:tc>
                 <a:tc>
@@ -10394,7 +11853,7 @@
                       <a:r>
                         <a:rPr lang="en-US" sz="2000" b="1" i="0" u="none" strike="noStrike" dirty="0">
                           <a:solidFill>
-                            <a:srgbClr val="000000"/>
+                            <a:srgbClr val="2C3E50"/>
                           </a:solidFill>
                           <a:effectLst/>
                           <a:latin typeface="Helvetica" charset="0"/>
@@ -10442,6 +11901,9 @@
                       <a:headEnd type="none" w="med" len="med"/>
                       <a:tailEnd type="none" w="med" len="med"/>
                     </a:lnB>
+                    <a:solidFill>
+                      <a:srgbClr val="998FB8"/>
+                    </a:solidFill>
                   </a:tcPr>
                 </a:tc>
                 <a:tc>
@@ -10453,7 +11915,7 @@
                       <a:r>
                         <a:rPr lang="en-US" sz="2000" b="1" i="0" u="none" strike="noStrike" dirty="0" err="1">
                           <a:solidFill>
-                            <a:srgbClr val="000000"/>
+                            <a:srgbClr val="2C3E50"/>
                           </a:solidFill>
                           <a:effectLst/>
                           <a:latin typeface="Helvetica" charset="0"/>
@@ -10464,7 +11926,7 @@
                       </a:r>
                       <a:endParaRPr lang="en-US" sz="2000" b="1" i="0" u="none" strike="noStrike" dirty="0">
                         <a:solidFill>
-                          <a:srgbClr val="000000"/>
+                          <a:srgbClr val="2C3E50"/>
                         </a:solidFill>
                         <a:effectLst/>
                         <a:latin typeface="Helvetica" charset="0"/>
@@ -10510,6 +11972,9 @@
                       <a:headEnd type="none" w="med" len="med"/>
                       <a:tailEnd type="none" w="med" len="med"/>
                     </a:lnB>
+                    <a:solidFill>
+                      <a:srgbClr val="998FB8"/>
+                    </a:solidFill>
                   </a:tcPr>
                 </a:tc>
                 <a:tc>
@@ -10521,7 +11986,7 @@
                       <a:r>
                         <a:rPr lang="en-US" sz="2000" b="1" i="0" u="none" strike="noStrike" dirty="0">
                           <a:solidFill>
-                            <a:srgbClr val="000000"/>
+                            <a:srgbClr val="2C3E50"/>
                           </a:solidFill>
                           <a:effectLst/>
                           <a:latin typeface="Helvetica" charset="0"/>
@@ -10569,6 +12034,9 @@
                       <a:headEnd type="none" w="med" len="med"/>
                       <a:tailEnd type="none" w="med" len="med"/>
                     </a:lnB>
+                    <a:solidFill>
+                      <a:srgbClr val="998FB8"/>
+                    </a:solidFill>
                   </a:tcPr>
                 </a:tc>
                 <a:tc>
@@ -10580,7 +12048,7 @@
                       <a:r>
                         <a:rPr lang="en-US" sz="2000" b="1" i="0" u="none" strike="noStrike" dirty="0">
                           <a:solidFill>
-                            <a:srgbClr val="000000"/>
+                            <a:srgbClr val="2C3E50"/>
                           </a:solidFill>
                           <a:effectLst/>
                           <a:latin typeface="Helvetica" charset="0"/>
@@ -10628,6 +12096,9 @@
                       <a:headEnd type="none" w="med" len="med"/>
                       <a:tailEnd type="none" w="med" len="med"/>
                     </a:lnB>
+                    <a:solidFill>
+                      <a:srgbClr val="998FB8"/>
+                    </a:solidFill>
                   </a:tcPr>
                 </a:tc>
               </a:tr>
@@ -10689,6 +12160,9 @@
                       <a:headEnd type="none" w="med" len="med"/>
                       <a:tailEnd type="none" w="med" len="med"/>
                     </a:lnB>
+                    <a:solidFill>
+                      <a:srgbClr val="ECF0F1"/>
+                    </a:solidFill>
                   </a:tcPr>
                 </a:tc>
                 <a:tc>
@@ -10748,6 +12222,9 @@
                       <a:headEnd type="none" w="med" len="med"/>
                       <a:tailEnd type="none" w="med" len="med"/>
                     </a:lnB>
+                    <a:solidFill>
+                      <a:srgbClr val="ECF0F1"/>
+                    </a:solidFill>
                   </a:tcPr>
                 </a:tc>
                 <a:tc>
@@ -10828,6 +12305,9 @@
                       <a:headEnd type="none" w="med" len="med"/>
                       <a:tailEnd type="none" w="med" len="med"/>
                     </a:lnB>
+                    <a:solidFill>
+                      <a:srgbClr val="ECF0F1"/>
+                    </a:solidFill>
                   </a:tcPr>
                 </a:tc>
                 <a:tc>
@@ -10887,6 +12367,9 @@
                       <a:headEnd type="none" w="med" len="med"/>
                       <a:tailEnd type="none" w="med" len="med"/>
                     </a:lnB>
+                    <a:solidFill>
+                      <a:srgbClr val="ECF0F1"/>
+                    </a:solidFill>
                   </a:tcPr>
                 </a:tc>
                 <a:tc>
@@ -10967,6 +12450,9 @@
                       <a:headEnd type="none" w="med" len="med"/>
                       <a:tailEnd type="none" w="med" len="med"/>
                     </a:lnB>
+                    <a:solidFill>
+                      <a:srgbClr val="ECF0F1"/>
+                    </a:solidFill>
                   </a:tcPr>
                 </a:tc>
                 <a:tc>
@@ -11026,6 +12512,9 @@
                       <a:headEnd type="none" w="med" len="med"/>
                       <a:tailEnd type="none" w="med" len="med"/>
                     </a:lnB>
+                    <a:solidFill>
+                      <a:srgbClr val="ECF0F1"/>
+                    </a:solidFill>
                   </a:tcPr>
                 </a:tc>
                 <a:tc>
@@ -11085,6 +12574,9 @@
                       <a:headEnd type="none" w="med" len="med"/>
                       <a:tailEnd type="none" w="med" len="med"/>
                     </a:lnB>
+                    <a:solidFill>
+                      <a:srgbClr val="ECF0F1"/>
+                    </a:solidFill>
                   </a:tcPr>
                 </a:tc>
                 <a:tc>
@@ -11177,6 +12669,9 @@
                       <a:headEnd type="none" w="med" len="med"/>
                       <a:tailEnd type="none" w="med" len="med"/>
                     </a:lnB>
+                    <a:solidFill>
+                      <a:srgbClr val="ECF0F1"/>
+                    </a:solidFill>
                   </a:tcPr>
                 </a:tc>
                 <a:tc>
@@ -11236,6 +12731,9 @@
                       <a:headEnd type="none" w="med" len="med"/>
                       <a:tailEnd type="none" w="med" len="med"/>
                     </a:lnB>
+                    <a:solidFill>
+                      <a:srgbClr val="ECF0F1"/>
+                    </a:solidFill>
                   </a:tcPr>
                 </a:tc>
                 <a:tc>
@@ -11295,6 +12793,9 @@
                       <a:headEnd type="none" w="med" len="med"/>
                       <a:tailEnd type="none" w="med" len="med"/>
                     </a:lnB>
+                    <a:solidFill>
+                      <a:srgbClr val="ECF0F1"/>
+                    </a:solidFill>
                   </a:tcPr>
                 </a:tc>
                 <a:tc>
@@ -11354,6 +12855,9 @@
                       <a:headEnd type="none" w="med" len="med"/>
                       <a:tailEnd type="none" w="med" len="med"/>
                     </a:lnB>
+                    <a:solidFill>
+                      <a:srgbClr val="ECF0F1"/>
+                    </a:solidFill>
                   </a:tcPr>
                 </a:tc>
                 <a:tc>
@@ -11413,6 +12917,9 @@
                       <a:headEnd type="none" w="med" len="med"/>
                       <a:tailEnd type="none" w="med" len="med"/>
                     </a:lnB>
+                    <a:solidFill>
+                      <a:srgbClr val="ECF0F1"/>
+                    </a:solidFill>
                   </a:tcPr>
                 </a:tc>
               </a:tr>
@@ -11424,7 +12931,7 @@
                     <a:p>
                       <a:pPr algn="l" fontAlgn="b"/>
                       <a:r>
-                        <a:rPr lang="is-IS" sz="2000" b="0" i="0" u="none" strike="noStrike">
+                        <a:rPr lang="is-IS" sz="2000" b="0" i="0" u="none" strike="noStrike" dirty="0">
                           <a:solidFill>
                             <a:srgbClr val="000000"/>
                           </a:solidFill>
@@ -11474,6 +12981,9 @@
                       <a:headEnd type="none" w="med" len="med"/>
                       <a:tailEnd type="none" w="med" len="med"/>
                     </a:lnB>
+                    <a:solidFill>
+                      <a:srgbClr val="ECF0F1"/>
+                    </a:solidFill>
                   </a:tcPr>
                 </a:tc>
                 <a:tc>
@@ -11533,6 +13043,9 @@
                       <a:headEnd type="none" w="med" len="med"/>
                       <a:tailEnd type="none" w="med" len="med"/>
                     </a:lnB>
+                    <a:solidFill>
+                      <a:srgbClr val="ECF0F1"/>
+                    </a:solidFill>
                   </a:tcPr>
                 </a:tc>
                 <a:tc>
@@ -11613,6 +13126,9 @@
                       <a:headEnd type="none" w="med" len="med"/>
                       <a:tailEnd type="none" w="med" len="med"/>
                     </a:lnB>
+                    <a:solidFill>
+                      <a:srgbClr val="ECF0F1"/>
+                    </a:solidFill>
                   </a:tcPr>
                 </a:tc>
                 <a:tc>
@@ -11672,6 +13188,9 @@
                       <a:headEnd type="none" w="med" len="med"/>
                       <a:tailEnd type="none" w="med" len="med"/>
                     </a:lnB>
+                    <a:solidFill>
+                      <a:srgbClr val="ECF0F1"/>
+                    </a:solidFill>
                   </a:tcPr>
                 </a:tc>
                 <a:tc>
@@ -11752,6 +13271,9 @@
                       <a:headEnd type="none" w="med" len="med"/>
                       <a:tailEnd type="none" w="med" len="med"/>
                     </a:lnB>
+                    <a:solidFill>
+                      <a:srgbClr val="ECF0F1"/>
+                    </a:solidFill>
                   </a:tcPr>
                 </a:tc>
                 <a:tc>
@@ -11811,6 +13333,9 @@
                       <a:headEnd type="none" w="med" len="med"/>
                       <a:tailEnd type="none" w="med" len="med"/>
                     </a:lnB>
+                    <a:solidFill>
+                      <a:srgbClr val="ECF0F1"/>
+                    </a:solidFill>
                   </a:tcPr>
                 </a:tc>
                 <a:tc>
@@ -11870,6 +13395,9 @@
                       <a:headEnd type="none" w="med" len="med"/>
                       <a:tailEnd type="none" w="med" len="med"/>
                     </a:lnB>
+                    <a:solidFill>
+                      <a:srgbClr val="ECF0F1"/>
+                    </a:solidFill>
                   </a:tcPr>
                 </a:tc>
                 <a:tc>
@@ -11974,6 +13502,9 @@
                       <a:headEnd type="none" w="med" len="med"/>
                       <a:tailEnd type="none" w="med" len="med"/>
                     </a:lnB>
+                    <a:solidFill>
+                      <a:srgbClr val="ECF0F1"/>
+                    </a:solidFill>
                   </a:tcPr>
                 </a:tc>
                 <a:tc>
@@ -12033,6 +13564,9 @@
                       <a:headEnd type="none" w="med" len="med"/>
                       <a:tailEnd type="none" w="med" len="med"/>
                     </a:lnB>
+                    <a:solidFill>
+                      <a:srgbClr val="ECF0F1"/>
+                    </a:solidFill>
                   </a:tcPr>
                 </a:tc>
                 <a:tc>
@@ -12092,6 +13626,9 @@
                       <a:headEnd type="none" w="med" len="med"/>
                       <a:tailEnd type="none" w="med" len="med"/>
                     </a:lnB>
+                    <a:solidFill>
+                      <a:srgbClr val="ECF0F1"/>
+                    </a:solidFill>
                   </a:tcPr>
                 </a:tc>
                 <a:tc>
@@ -12151,6 +13688,9 @@
                       <a:headEnd type="none" w="med" len="med"/>
                       <a:tailEnd type="none" w="med" len="med"/>
                     </a:lnB>
+                    <a:solidFill>
+                      <a:srgbClr val="ECF0F1"/>
+                    </a:solidFill>
                   </a:tcPr>
                 </a:tc>
                 <a:tc>
@@ -12210,6 +13750,9 @@
                       <a:headEnd type="none" w="med" len="med"/>
                       <a:tailEnd type="none" w="med" len="med"/>
                     </a:lnB>
+                    <a:solidFill>
+                      <a:srgbClr val="ECF0F1"/>
+                    </a:solidFill>
                   </a:tcPr>
                 </a:tc>
               </a:tr>
@@ -12221,7 +13764,7 @@
                     <a:p>
                       <a:pPr algn="l" fontAlgn="b"/>
                       <a:r>
-                        <a:rPr lang="is-IS" sz="2000" b="0" i="0" u="none" strike="noStrike">
+                        <a:rPr lang="is-IS" sz="2000" b="0" i="0" u="none" strike="noStrike" dirty="0">
                           <a:solidFill>
                             <a:srgbClr val="000000"/>
                           </a:solidFill>
@@ -12271,6 +13814,9 @@
                       <a:headEnd type="none" w="med" len="med"/>
                       <a:tailEnd type="none" w="med" len="med"/>
                     </a:lnB>
+                    <a:solidFill>
+                      <a:srgbClr val="ECF0F1"/>
+                    </a:solidFill>
                   </a:tcPr>
                 </a:tc>
                 <a:tc>
@@ -12330,6 +13876,9 @@
                       <a:headEnd type="none" w="med" len="med"/>
                       <a:tailEnd type="none" w="med" len="med"/>
                     </a:lnB>
+                    <a:solidFill>
+                      <a:srgbClr val="ECF0F1"/>
+                    </a:solidFill>
                   </a:tcPr>
                 </a:tc>
                 <a:tc>
@@ -12410,6 +13959,9 @@
                       <a:headEnd type="none" w="med" len="med"/>
                       <a:tailEnd type="none" w="med" len="med"/>
                     </a:lnB>
+                    <a:solidFill>
+                      <a:srgbClr val="ECF0F1"/>
+                    </a:solidFill>
                   </a:tcPr>
                 </a:tc>
                 <a:tc>
@@ -12469,6 +14021,9 @@
                       <a:headEnd type="none" w="med" len="med"/>
                       <a:tailEnd type="none" w="med" len="med"/>
                     </a:lnB>
+                    <a:solidFill>
+                      <a:srgbClr val="ECF0F1"/>
+                    </a:solidFill>
                   </a:tcPr>
                 </a:tc>
                 <a:tc>
@@ -12549,6 +14104,9 @@
                       <a:headEnd type="none" w="med" len="med"/>
                       <a:tailEnd type="none" w="med" len="med"/>
                     </a:lnB>
+                    <a:solidFill>
+                      <a:srgbClr val="ECF0F1"/>
+                    </a:solidFill>
                   </a:tcPr>
                 </a:tc>
                 <a:tc>
@@ -12608,6 +14166,9 @@
                       <a:headEnd type="none" w="med" len="med"/>
                       <a:tailEnd type="none" w="med" len="med"/>
                     </a:lnB>
+                    <a:solidFill>
+                      <a:srgbClr val="ECF0F1"/>
+                    </a:solidFill>
                   </a:tcPr>
                 </a:tc>
                 <a:tc>
@@ -12667,6 +14228,9 @@
                       <a:headEnd type="none" w="med" len="med"/>
                       <a:tailEnd type="none" w="med" len="med"/>
                     </a:lnB>
+                    <a:solidFill>
+                      <a:srgbClr val="ECF0F1"/>
+                    </a:solidFill>
                   </a:tcPr>
                 </a:tc>
                 <a:tc>
@@ -12771,6 +14335,9 @@
                       <a:headEnd type="none" w="med" len="med"/>
                       <a:tailEnd type="none" w="med" len="med"/>
                     </a:lnB>
+                    <a:solidFill>
+                      <a:srgbClr val="ECF0F1"/>
+                    </a:solidFill>
                   </a:tcPr>
                 </a:tc>
                 <a:tc>
@@ -12830,6 +14397,9 @@
                       <a:headEnd type="none" w="med" len="med"/>
                       <a:tailEnd type="none" w="med" len="med"/>
                     </a:lnB>
+                    <a:solidFill>
+                      <a:srgbClr val="ECF0F1"/>
+                    </a:solidFill>
                   </a:tcPr>
                 </a:tc>
                 <a:tc>
@@ -12889,6 +14459,9 @@
                       <a:headEnd type="none" w="med" len="med"/>
                       <a:tailEnd type="none" w="med" len="med"/>
                     </a:lnB>
+                    <a:solidFill>
+                      <a:srgbClr val="ECF0F1"/>
+                    </a:solidFill>
                   </a:tcPr>
                 </a:tc>
                 <a:tc>
@@ -12948,6 +14521,9 @@
                       <a:headEnd type="none" w="med" len="med"/>
                       <a:tailEnd type="none" w="med" len="med"/>
                     </a:lnB>
+                    <a:solidFill>
+                      <a:srgbClr val="ECF0F1"/>
+                    </a:solidFill>
                   </a:tcPr>
                 </a:tc>
                 <a:tc>
@@ -13007,6 +14583,9 @@
                       <a:headEnd type="none" w="med" len="med"/>
                       <a:tailEnd type="none" w="med" len="med"/>
                     </a:lnB>
+                    <a:solidFill>
+                      <a:srgbClr val="ECF0F1"/>
+                    </a:solidFill>
                   </a:tcPr>
                 </a:tc>
               </a:tr>
@@ -13068,6 +14647,9 @@
                       <a:headEnd type="none" w="med" len="med"/>
                       <a:tailEnd type="none" w="med" len="med"/>
                     </a:lnB>
+                    <a:solidFill>
+                      <a:srgbClr val="ECF0F1"/>
+                    </a:solidFill>
                   </a:tcPr>
                 </a:tc>
                 <a:tc>
@@ -13127,6 +14709,9 @@
                       <a:headEnd type="none" w="med" len="med"/>
                       <a:tailEnd type="none" w="med" len="med"/>
                     </a:lnB>
+                    <a:solidFill>
+                      <a:srgbClr val="ECF0F1"/>
+                    </a:solidFill>
                   </a:tcPr>
                 </a:tc>
                 <a:tc>
@@ -13207,6 +14792,9 @@
                       <a:headEnd type="none" w="med" len="med"/>
                       <a:tailEnd type="none" w="med" len="med"/>
                     </a:lnB>
+                    <a:solidFill>
+                      <a:srgbClr val="ECF0F1"/>
+                    </a:solidFill>
                   </a:tcPr>
                 </a:tc>
                 <a:tc>
@@ -13266,6 +14854,9 @@
                       <a:headEnd type="none" w="med" len="med"/>
                       <a:tailEnd type="none" w="med" len="med"/>
                     </a:lnB>
+                    <a:solidFill>
+                      <a:srgbClr val="ECF0F1"/>
+                    </a:solidFill>
                   </a:tcPr>
                 </a:tc>
                 <a:tc>
@@ -13346,6 +14937,9 @@
                       <a:headEnd type="none" w="med" len="med"/>
                       <a:tailEnd type="none" w="med" len="med"/>
                     </a:lnB>
+                    <a:solidFill>
+                      <a:srgbClr val="ECF0F1"/>
+                    </a:solidFill>
                   </a:tcPr>
                 </a:tc>
                 <a:tc>
@@ -13438,6 +15032,9 @@
                       <a:headEnd type="none" w="med" len="med"/>
                       <a:tailEnd type="none" w="med" len="med"/>
                     </a:lnB>
+                    <a:solidFill>
+                      <a:srgbClr val="ECF0F1"/>
+                    </a:solidFill>
                   </a:tcPr>
                 </a:tc>
                 <a:tc>
@@ -13497,6 +15094,9 @@
                       <a:headEnd type="none" w="med" len="med"/>
                       <a:tailEnd type="none" w="med" len="med"/>
                     </a:lnB>
+                    <a:solidFill>
+                      <a:srgbClr val="ECF0F1"/>
+                    </a:solidFill>
                   </a:tcPr>
                 </a:tc>
                 <a:tc>
@@ -13601,6 +15201,9 @@
                       <a:headEnd type="none" w="med" len="med"/>
                       <a:tailEnd type="none" w="med" len="med"/>
                     </a:lnB>
+                    <a:solidFill>
+                      <a:srgbClr val="ECF0F1"/>
+                    </a:solidFill>
                   </a:tcPr>
                 </a:tc>
                 <a:tc>
@@ -13660,6 +15263,9 @@
                       <a:headEnd type="none" w="med" len="med"/>
                       <a:tailEnd type="none" w="med" len="med"/>
                     </a:lnB>
+                    <a:solidFill>
+                      <a:srgbClr val="ECF0F1"/>
+                    </a:solidFill>
                   </a:tcPr>
                 </a:tc>
                 <a:tc>
@@ -13719,6 +15325,9 @@
                       <a:headEnd type="none" w="med" len="med"/>
                       <a:tailEnd type="none" w="med" len="med"/>
                     </a:lnB>
+                    <a:solidFill>
+                      <a:srgbClr val="ECF0F1"/>
+                    </a:solidFill>
                   </a:tcPr>
                 </a:tc>
                 <a:tc>
@@ -13778,6 +15387,9 @@
                       <a:headEnd type="none" w="med" len="med"/>
                       <a:tailEnd type="none" w="med" len="med"/>
                     </a:lnB>
+                    <a:solidFill>
+                      <a:srgbClr val="ECF0F1"/>
+                    </a:solidFill>
                   </a:tcPr>
                 </a:tc>
                 <a:tc>
@@ -13837,6 +15449,9 @@
                       <a:headEnd type="none" w="med" len="med"/>
                       <a:tailEnd type="none" w="med" len="med"/>
                     </a:lnB>
+                    <a:solidFill>
+                      <a:srgbClr val="ECF0F1"/>
+                    </a:solidFill>
                   </a:tcPr>
                 </a:tc>
               </a:tr>
@@ -14018,28 +15633,6 @@
           </a:p>
         </p:txBody>
       </p:sp>
-      <p:graphicFrame>
-        <p:nvGraphicFramePr>
-          <p:cNvPr id="3" name="Chart 2"/>
-          <p:cNvGraphicFramePr/>
-          <p:nvPr>
-            <p:extLst>
-              <p:ext uri="{D42A27DB-BD31-4B8C-83A1-F6EECF244321}">
-                <p14:modId xmlns:p14="http://schemas.microsoft.com/office/powerpoint/2010/main" val="60579811"/>
-              </p:ext>
-            </p:extLst>
-          </p:nvPr>
-        </p:nvGraphicFramePr>
-        <p:xfrm>
-          <a:off x="9872625" y="7184572"/>
-          <a:ext cx="18930975" cy="5529944"/>
-        </p:xfrm>
-        <a:graphic>
-          <a:graphicData uri="http://schemas.openxmlformats.org/drawingml/2006/chart">
-            <c:chart xmlns:c="http://schemas.openxmlformats.org/drawingml/2006/chart" xmlns:r="http://schemas.openxmlformats.org/officeDocument/2006/relationships" r:id="rId3"/>
-          </a:graphicData>
-        </a:graphic>
-      </p:graphicFrame>
       <p:graphicFrame>
         <p:nvGraphicFramePr>
           <p:cNvPr id="13" name="Chart 12"/>
@@ -14453,6 +16046,258 @@
           </a:p>
         </p:txBody>
       </p:sp>
+      <p:sp>
+        <p:nvSpPr>
+          <p:cNvPr id="50" name="TextBox 49"/>
+          <p:cNvSpPr txBox="1"/>
+          <p:nvPr/>
+        </p:nvSpPr>
+        <p:spPr>
+          <a:xfrm>
+            <a:off x="14020801" y="5781886"/>
+            <a:ext cx="10689771" cy="858614"/>
+          </a:xfrm>
+          <a:prstGeom prst="rect">
+            <a:avLst/>
+          </a:prstGeom>
+          <a:noFill/>
+          <a:ln w="28575" cmpd="sng">
+            <a:solidFill>
+              <a:schemeClr val="tx1"/>
+            </a:solidFill>
+          </a:ln>
+        </p:spPr>
+        <p:txBody>
+          <a:bodyPr wrap="square" lIns="329104" tIns="164551" rIns="329104" bIns="164551" rtlCol="0">
+            <a:spAutoFit/>
+          </a:bodyPr>
+          <a:lstStyle/>
+          <a:p>
+            <a:pPr>
+              <a:lnSpc>
+                <a:spcPct val="90000"/>
+              </a:lnSpc>
+            </a:pPr>
+            <a:r>
+              <a:rPr lang="en-US" sz="3800" dirty="0" smtClean="0">
+                <a:solidFill>
+                  <a:srgbClr val="2C3E50"/>
+                </a:solidFill>
+                <a:latin typeface="Gotham Medium"/>
+                <a:cs typeface="Gotham Medium"/>
+              </a:rPr>
+              <a:t>April 2016 DRS Activity: Humans vs. Bots</a:t>
+            </a:r>
+            <a:endParaRPr lang="en-US" sz="3800" dirty="0">
+              <a:solidFill>
+                <a:srgbClr val="2C3E50"/>
+              </a:solidFill>
+              <a:latin typeface="Gotham Medium"/>
+              <a:cs typeface="Gotham Medium"/>
+            </a:endParaRPr>
+          </a:p>
+        </p:txBody>
+      </p:sp>
+      <p:sp>
+        <p:nvSpPr>
+          <p:cNvPr id="17" name="TextBox 16"/>
+          <p:cNvSpPr txBox="1"/>
+          <p:nvPr/>
+        </p:nvSpPr>
+        <p:spPr>
+          <a:xfrm>
+            <a:off x="10646001" y="7411232"/>
+            <a:ext cx="1464356" cy="523220"/>
+          </a:xfrm>
+          <a:prstGeom prst="rect">
+            <a:avLst/>
+          </a:prstGeom>
+          <a:noFill/>
+        </p:spPr>
+        <p:txBody>
+          <a:bodyPr wrap="square" rtlCol="0">
+            <a:spAutoFit/>
+          </a:bodyPr>
+          <a:lstStyle/>
+          <a:p>
+            <a:r>
+              <a:rPr lang="en-US" sz="2800" dirty="0" smtClean="0"/>
+              <a:t>Humans</a:t>
+            </a:r>
+            <a:endParaRPr lang="en-US" sz="2800" dirty="0"/>
+          </a:p>
+        </p:txBody>
+      </p:sp>
+      <p:sp>
+        <p:nvSpPr>
+          <p:cNvPr id="18" name="Rectangle 17"/>
+          <p:cNvSpPr/>
+          <p:nvPr/>
+        </p:nvSpPr>
+        <p:spPr>
+          <a:xfrm>
+            <a:off x="10296751" y="7498543"/>
+            <a:ext cx="365760" cy="365760"/>
+          </a:xfrm>
+          <a:prstGeom prst="rect">
+            <a:avLst/>
+          </a:prstGeom>
+          <a:solidFill>
+            <a:srgbClr val="998FB8"/>
+          </a:solidFill>
+          <a:ln>
+            <a:solidFill>
+              <a:schemeClr val="bg1"/>
+            </a:solidFill>
+          </a:ln>
+        </p:spPr>
+        <p:style>
+          <a:lnRef idx="2">
+            <a:schemeClr val="accent1">
+              <a:shade val="50000"/>
+            </a:schemeClr>
+          </a:lnRef>
+          <a:fillRef idx="1">
+            <a:schemeClr val="accent1"/>
+          </a:fillRef>
+          <a:effectRef idx="0">
+            <a:schemeClr val="accent1"/>
+          </a:effectRef>
+          <a:fontRef idx="minor">
+            <a:schemeClr val="lt1"/>
+          </a:fontRef>
+        </p:style>
+        <p:txBody>
+          <a:bodyPr rtlCol="0" anchor="ctr"/>
+          <a:lstStyle/>
+          <a:p>
+            <a:pPr algn="ctr"/>
+            <a:endParaRPr lang="en-US"/>
+          </a:p>
+        </p:txBody>
+      </p:sp>
+      <p:sp>
+        <p:nvSpPr>
+          <p:cNvPr id="53" name="TextBox 52"/>
+          <p:cNvSpPr txBox="1"/>
+          <p:nvPr/>
+        </p:nvSpPr>
+        <p:spPr>
+          <a:xfrm>
+            <a:off x="10684781" y="6831395"/>
+            <a:ext cx="1042987" cy="523220"/>
+          </a:xfrm>
+          <a:prstGeom prst="rect">
+            <a:avLst/>
+          </a:prstGeom>
+          <a:noFill/>
+        </p:spPr>
+        <p:txBody>
+          <a:bodyPr wrap="square" rtlCol="0">
+            <a:spAutoFit/>
+          </a:bodyPr>
+          <a:lstStyle/>
+          <a:p>
+            <a:r>
+              <a:rPr lang="en-US" sz="2800" dirty="0" smtClean="0"/>
+              <a:t>Bots</a:t>
+            </a:r>
+            <a:endParaRPr lang="en-US" sz="2800" dirty="0"/>
+          </a:p>
+        </p:txBody>
+      </p:sp>
+      <p:sp>
+        <p:nvSpPr>
+          <p:cNvPr id="54" name="Rectangle 53"/>
+          <p:cNvSpPr/>
+          <p:nvPr/>
+        </p:nvSpPr>
+        <p:spPr>
+          <a:xfrm>
+            <a:off x="10317387" y="6911450"/>
+            <a:ext cx="365760" cy="365760"/>
+          </a:xfrm>
+          <a:prstGeom prst="rect">
+            <a:avLst/>
+          </a:prstGeom>
+          <a:solidFill>
+            <a:srgbClr val="2C3E50"/>
+          </a:solidFill>
+          <a:ln>
+            <a:solidFill>
+              <a:schemeClr val="bg1"/>
+            </a:solidFill>
+          </a:ln>
+        </p:spPr>
+        <p:style>
+          <a:lnRef idx="2">
+            <a:schemeClr val="accent1">
+              <a:shade val="50000"/>
+            </a:schemeClr>
+          </a:lnRef>
+          <a:fillRef idx="1">
+            <a:schemeClr val="accent1"/>
+          </a:fillRef>
+          <a:effectRef idx="0">
+            <a:schemeClr val="accent1"/>
+          </a:effectRef>
+          <a:fontRef idx="minor">
+            <a:schemeClr val="lt1"/>
+          </a:fontRef>
+        </p:style>
+        <p:txBody>
+          <a:bodyPr rtlCol="0" anchor="ctr"/>
+          <a:lstStyle/>
+          <a:p>
+            <a:pPr algn="ctr"/>
+            <a:endParaRPr lang="en-US"/>
+          </a:p>
+        </p:txBody>
+      </p:sp>
+      <p:graphicFrame>
+        <p:nvGraphicFramePr>
+          <p:cNvPr id="24" name="Chart 23"/>
+          <p:cNvGraphicFramePr/>
+          <p:nvPr>
+            <p:extLst>
+              <p:ext uri="{D42A27DB-BD31-4B8C-83A1-F6EECF244321}">
+                <p14:modId xmlns:p14="http://schemas.microsoft.com/office/powerpoint/2010/main" val="1081071765"/>
+              </p:ext>
+            </p:extLst>
+          </p:nvPr>
+        </p:nvGraphicFramePr>
+        <p:xfrm>
+          <a:off x="15010682" y="7034212"/>
+          <a:ext cx="8627911" cy="6019800"/>
+        </p:xfrm>
+        <a:graphic>
+          <a:graphicData uri="http://schemas.openxmlformats.org/drawingml/2006/chart">
+            <c:chart xmlns:c="http://schemas.openxmlformats.org/drawingml/2006/chart" xmlns:r="http://schemas.openxmlformats.org/officeDocument/2006/relationships" r:id="rId7"/>
+          </a:graphicData>
+        </a:graphic>
+      </p:graphicFrame>
+      <p:graphicFrame>
+        <p:nvGraphicFramePr>
+          <p:cNvPr id="56" name="Chart 55"/>
+          <p:cNvGraphicFramePr/>
+          <p:nvPr>
+            <p:extLst>
+              <p:ext uri="{D42A27DB-BD31-4B8C-83A1-F6EECF244321}">
+                <p14:modId xmlns:p14="http://schemas.microsoft.com/office/powerpoint/2010/main" val="57278762"/>
+              </p:ext>
+            </p:extLst>
+          </p:nvPr>
+        </p:nvGraphicFramePr>
+        <p:xfrm>
+          <a:off x="21107736" y="7037632"/>
+          <a:ext cx="8627911" cy="6019800"/>
+        </p:xfrm>
+        <a:graphic>
+          <a:graphicData uri="http://schemas.openxmlformats.org/drawingml/2006/chart">
+            <c:chart xmlns:c="http://schemas.openxmlformats.org/drawingml/2006/chart" xmlns:r="http://schemas.openxmlformats.org/officeDocument/2006/relationships" r:id="rId8"/>
+          </a:graphicData>
+        </a:graphic>
+      </p:graphicFrame>
     </p:spTree>
     <p:extLst>
       <p:ext uri="{BB962C8B-B14F-4D97-AF65-F5344CB8AC3E}">

--- a/Presentations/Open Repositories 2016/Statistics/SweeneySarahORstatistics33x46.pptx
+++ b/Presentations/Open Repositories 2016/Statistics/SweeneySarahORstatistics33x46.pptx
@@ -868,250 +868,6 @@
   </mc:AlternateContent>
   <c:chart>
     <c:title>
-      <c:layout/>
-      <c:overlay val="0"/>
-      <c:spPr>
-        <a:noFill/>
-        <a:ln>
-          <a:noFill/>
-        </a:ln>
-        <a:effectLst/>
-      </c:spPr>
-      <c:txPr>
-        <a:bodyPr rot="0" spcFirstLastPara="1" vertOverflow="ellipsis" vert="horz" wrap="square" anchor="ctr" anchorCtr="1"/>
-        <a:lstStyle/>
-        <a:p>
-          <a:pPr>
-            <a:defRPr sz="1862" b="0" i="0" u="none" strike="noStrike" kern="1200" spc="0" baseline="0">
-              <a:solidFill>
-                <a:schemeClr val="tx1">
-                  <a:lumMod val="65000"/>
-                  <a:lumOff val="35000"/>
-                </a:schemeClr>
-              </a:solidFill>
-              <a:latin typeface="+mn-lt"/>
-              <a:ea typeface="+mn-ea"/>
-              <a:cs typeface="+mn-cs"/>
-            </a:defRPr>
-          </a:pPr>
-          <a:endParaRPr lang="en-US"/>
-        </a:p>
-      </c:txPr>
-    </c:title>
-    <c:autoTitleDeleted val="0"/>
-    <c:plotArea>
-      <c:layout/>
-      <c:pieChart>
-        <c:varyColors val="1"/>
-        <c:ser>
-          <c:idx val="0"/>
-          <c:order val="0"/>
-          <c:tx>
-            <c:strRef>
-              <c:f>Sheet1!$B$1</c:f>
-              <c:strCache>
-                <c:ptCount val="1"/>
-                <c:pt idx="0">
-                  <c:v>Sales</c:v>
-                </c:pt>
-              </c:strCache>
-            </c:strRef>
-          </c:tx>
-          <c:dPt>
-            <c:idx val="0"/>
-            <c:bubble3D val="0"/>
-            <c:spPr>
-              <a:solidFill>
-                <a:schemeClr val="accent1"/>
-              </a:solidFill>
-              <a:ln w="19050">
-                <a:solidFill>
-                  <a:schemeClr val="lt1"/>
-                </a:solidFill>
-              </a:ln>
-              <a:effectLst/>
-            </c:spPr>
-          </c:dPt>
-          <c:dPt>
-            <c:idx val="1"/>
-            <c:bubble3D val="0"/>
-            <c:spPr>
-              <a:solidFill>
-                <a:schemeClr val="accent2"/>
-              </a:solidFill>
-              <a:ln w="19050">
-                <a:solidFill>
-                  <a:schemeClr val="lt1"/>
-                </a:solidFill>
-              </a:ln>
-              <a:effectLst/>
-            </c:spPr>
-          </c:dPt>
-          <c:dPt>
-            <c:idx val="2"/>
-            <c:bubble3D val="0"/>
-            <c:spPr>
-              <a:solidFill>
-                <a:schemeClr val="accent3"/>
-              </a:solidFill>
-              <a:ln w="19050">
-                <a:solidFill>
-                  <a:schemeClr val="lt1"/>
-                </a:solidFill>
-              </a:ln>
-              <a:effectLst/>
-            </c:spPr>
-          </c:dPt>
-          <c:dPt>
-            <c:idx val="3"/>
-            <c:bubble3D val="0"/>
-            <c:spPr>
-              <a:solidFill>
-                <a:schemeClr val="accent4"/>
-              </a:solidFill>
-              <a:ln w="19050">
-                <a:solidFill>
-                  <a:schemeClr val="lt1"/>
-                </a:solidFill>
-              </a:ln>
-              <a:effectLst/>
-            </c:spPr>
-          </c:dPt>
-          <c:cat>
-            <c:strRef>
-              <c:f>Sheet1!$A$2:$A$5</c:f>
-              <c:strCache>
-                <c:ptCount val="4"/>
-                <c:pt idx="0">
-                  <c:v>1st Qtr</c:v>
-                </c:pt>
-                <c:pt idx="1">
-                  <c:v>2nd Qtr</c:v>
-                </c:pt>
-                <c:pt idx="2">
-                  <c:v>3rd Qtr</c:v>
-                </c:pt>
-                <c:pt idx="3">
-                  <c:v>4th Qtr</c:v>
-                </c:pt>
-              </c:strCache>
-            </c:strRef>
-          </c:cat>
-          <c:val>
-            <c:numRef>
-              <c:f>Sheet1!$B$2:$B$5</c:f>
-              <c:numCache>
-                <c:formatCode>General</c:formatCode>
-                <c:ptCount val="4"/>
-                <c:pt idx="0">
-                  <c:v>8.2</c:v>
-                </c:pt>
-                <c:pt idx="1">
-                  <c:v>3.2</c:v>
-                </c:pt>
-                <c:pt idx="2">
-                  <c:v>1.4</c:v>
-                </c:pt>
-                <c:pt idx="3">
-                  <c:v>1.2</c:v>
-                </c:pt>
-              </c:numCache>
-            </c:numRef>
-          </c:val>
-        </c:ser>
-        <c:dLbls>
-          <c:showLegendKey val="0"/>
-          <c:showVal val="0"/>
-          <c:showCatName val="0"/>
-          <c:showSerName val="0"/>
-          <c:showPercent val="0"/>
-          <c:showBubbleSize val="0"/>
-          <c:showLeaderLines val="1"/>
-        </c:dLbls>
-        <c:firstSliceAng val="0"/>
-      </c:pieChart>
-      <c:spPr>
-        <a:noFill/>
-        <a:ln>
-          <a:noFill/>
-        </a:ln>
-        <a:effectLst/>
-      </c:spPr>
-    </c:plotArea>
-    <c:legend>
-      <c:legendPos val="b"/>
-      <c:layout/>
-      <c:overlay val="0"/>
-      <c:spPr>
-        <a:noFill/>
-        <a:ln>
-          <a:noFill/>
-        </a:ln>
-        <a:effectLst/>
-      </c:spPr>
-      <c:txPr>
-        <a:bodyPr rot="0" spcFirstLastPara="1" vertOverflow="ellipsis" vert="horz" wrap="square" anchor="ctr" anchorCtr="1"/>
-        <a:lstStyle/>
-        <a:p>
-          <a:pPr>
-            <a:defRPr sz="1197" b="0" i="0" u="none" strike="noStrike" kern="1200" baseline="0">
-              <a:solidFill>
-                <a:schemeClr val="tx1">
-                  <a:lumMod val="65000"/>
-                  <a:lumOff val="35000"/>
-                </a:schemeClr>
-              </a:solidFill>
-              <a:latin typeface="+mn-lt"/>
-              <a:ea typeface="+mn-ea"/>
-              <a:cs typeface="+mn-cs"/>
-            </a:defRPr>
-          </a:pPr>
-          <a:endParaRPr lang="en-US"/>
-        </a:p>
-      </c:txPr>
-    </c:legend>
-    <c:plotVisOnly val="1"/>
-    <c:dispBlanksAs val="gap"/>
-    <c:showDLblsOverMax val="0"/>
-  </c:chart>
-  <c:spPr>
-    <a:noFill/>
-    <a:ln>
-      <a:noFill/>
-    </a:ln>
-    <a:effectLst/>
-  </c:spPr>
-  <c:txPr>
-    <a:bodyPr/>
-    <a:lstStyle/>
-    <a:p>
-      <a:pPr>
-        <a:defRPr/>
-      </a:pPr>
-      <a:endParaRPr lang="en-US"/>
-    </a:p>
-  </c:txPr>
-  <c:externalData r:id="rId3">
-    <c:autoUpdate val="0"/>
-  </c:externalData>
-</c:chartSpace>
-</file>
-
-<file path=ppt/charts/chart5.xml><?xml version="1.0" encoding="utf-8"?>
-<c:chartSpace xmlns:c="http://schemas.openxmlformats.org/drawingml/2006/chart" xmlns:a="http://schemas.openxmlformats.org/drawingml/2006/main" xmlns:r="http://schemas.openxmlformats.org/officeDocument/2006/relationships">
-  <c:date1904 val="0"/>
-  <c:lang val="en-US"/>
-  <c:roundedCorners val="0"/>
-  <mc:AlternateContent xmlns:mc="http://schemas.openxmlformats.org/markup-compatibility/2006">
-    <mc:Choice xmlns:c14="http://schemas.microsoft.com/office/drawing/2007/8/2/chart" Requires="c14">
-      <c14:style val="102"/>
-    </mc:Choice>
-    <mc:Fallback>
-      <c:style val="2"/>
-    </mc:Fallback>
-  </mc:AlternateContent>
-  <c:chart>
-    <c:title>
       <c:tx>
         <c:rich>
           <a:bodyPr rot="0" spcFirstLastPara="1" vertOverflow="ellipsis" vert="horz" wrap="square" anchor="ctr" anchorCtr="1"/>
@@ -1338,7 +1094,7 @@
 </c:chartSpace>
 </file>
 
-<file path=ppt/charts/chart6.xml><?xml version="1.0" encoding="utf-8"?>
+<file path=ppt/charts/chart5.xml><?xml version="1.0" encoding="utf-8"?>
 <c:chartSpace xmlns:c="http://schemas.openxmlformats.org/drawingml/2006/chart" xmlns:a="http://schemas.openxmlformats.org/drawingml/2006/main" xmlns:r="http://schemas.openxmlformats.org/officeDocument/2006/relationships">
   <c:date1904 val="0"/>
   <c:lang val="en-US"/>
@@ -1377,18 +1133,7 @@
                 <a:ea typeface="Helvetica" charset="0"/>
                 <a:cs typeface="Helvetica" charset="0"/>
               </a:rPr>
-              <a:t>File </a:t>
-            </a:r>
-            <a:r>
-              <a:rPr lang="en-US" sz="3200" b="1" dirty="0" smtClean="0">
-                <a:solidFill>
-                  <a:srgbClr val="2C3E50"/>
-                </a:solidFill>
-                <a:latin typeface="Helvetica" charset="0"/>
-                <a:ea typeface="Helvetica" charset="0"/>
-                <a:cs typeface="Helvetica" charset="0"/>
-              </a:rPr>
-              <a:t>Streams</a:t>
+              <a:t>File Streams</a:t>
             </a:r>
           </a:p>
         </c:rich>
@@ -1555,6 +1300,221 @@
         <a:effectLst/>
       </c:spPr>
     </c:plotArea>
+    <c:plotVisOnly val="1"/>
+    <c:dispBlanksAs val="gap"/>
+    <c:showDLblsOverMax val="0"/>
+  </c:chart>
+  <c:spPr>
+    <a:noFill/>
+    <a:ln>
+      <a:noFill/>
+    </a:ln>
+    <a:effectLst/>
+  </c:spPr>
+  <c:txPr>
+    <a:bodyPr/>
+    <a:lstStyle/>
+    <a:p>
+      <a:pPr>
+        <a:defRPr/>
+      </a:pPr>
+      <a:endParaRPr lang="en-US"/>
+    </a:p>
+  </c:txPr>
+  <c:externalData r:id="rId3">
+    <c:autoUpdate val="0"/>
+  </c:externalData>
+</c:chartSpace>
+</file>
+
+<file path=ppt/charts/chart6.xml><?xml version="1.0" encoding="utf-8"?>
+<c:chartSpace xmlns:c="http://schemas.openxmlformats.org/drawingml/2006/chart" xmlns:a="http://schemas.openxmlformats.org/drawingml/2006/main" xmlns:r="http://schemas.openxmlformats.org/officeDocument/2006/relationships">
+  <c:date1904 val="0"/>
+  <c:lang val="en-US"/>
+  <c:roundedCorners val="0"/>
+  <mc:AlternateContent xmlns:mc="http://schemas.openxmlformats.org/markup-compatibility/2006">
+    <mc:Choice xmlns:c14="http://schemas.microsoft.com/office/drawing/2007/8/2/chart" Requires="c14">
+      <c14:style val="102"/>
+    </mc:Choice>
+    <mc:Fallback>
+      <c:style val="2"/>
+    </mc:Fallback>
+  </mc:AlternateContent>
+  <c:chart>
+    <c:autoTitleDeleted val="1"/>
+    <c:plotArea>
+      <c:layout/>
+      <c:pieChart>
+        <c:varyColors val="1"/>
+        <c:ser>
+          <c:idx val="0"/>
+          <c:order val="0"/>
+          <c:tx>
+            <c:strRef>
+              <c:f>Sheet1!$B$1</c:f>
+              <c:strCache>
+                <c:ptCount val="1"/>
+                <c:pt idx="0">
+                  <c:v>Referrers</c:v>
+                </c:pt>
+              </c:strCache>
+            </c:strRef>
+          </c:tx>
+          <c:dPt>
+            <c:idx val="0"/>
+            <c:bubble3D val="0"/>
+            <c:spPr>
+              <a:solidFill>
+                <a:schemeClr val="accent2"/>
+              </a:solidFill>
+              <a:ln w="19050">
+                <a:solidFill>
+                  <a:schemeClr val="lt1"/>
+                </a:solidFill>
+              </a:ln>
+              <a:effectLst/>
+            </c:spPr>
+          </c:dPt>
+          <c:dPt>
+            <c:idx val="1"/>
+            <c:bubble3D val="0"/>
+            <c:spPr>
+              <a:solidFill>
+                <a:schemeClr val="accent4"/>
+              </a:solidFill>
+              <a:ln w="19050">
+                <a:solidFill>
+                  <a:schemeClr val="lt1"/>
+                </a:solidFill>
+              </a:ln>
+              <a:effectLst/>
+            </c:spPr>
+          </c:dPt>
+          <c:dPt>
+            <c:idx val="2"/>
+            <c:bubble3D val="0"/>
+            <c:spPr>
+              <a:solidFill>
+                <a:schemeClr val="accent6"/>
+              </a:solidFill>
+              <a:ln w="19050">
+                <a:solidFill>
+                  <a:schemeClr val="lt1"/>
+                </a:solidFill>
+              </a:ln>
+              <a:effectLst/>
+            </c:spPr>
+          </c:dPt>
+          <c:dPt>
+            <c:idx val="3"/>
+            <c:bubble3D val="0"/>
+            <c:spPr>
+              <a:solidFill>
+                <a:schemeClr val="accent2">
+                  <a:lumMod val="60000"/>
+                </a:schemeClr>
+              </a:solidFill>
+              <a:ln w="19050">
+                <a:solidFill>
+                  <a:schemeClr val="lt1"/>
+                </a:solidFill>
+              </a:ln>
+              <a:effectLst/>
+            </c:spPr>
+          </c:dPt>
+          <c:cat>
+            <c:strRef>
+              <c:f>Sheet1!$A$2:$A$5</c:f>
+              <c:strCache>
+                <c:ptCount val="4"/>
+                <c:pt idx="0">
+                  <c:v>DRS Search and Browse</c:v>
+                </c:pt>
+                <c:pt idx="1">
+                  <c:v>Direct URL</c:v>
+                </c:pt>
+                <c:pt idx="2">
+                  <c:v>Google</c:v>
+                </c:pt>
+                <c:pt idx="3">
+                  <c:v>Other</c:v>
+                </c:pt>
+              </c:strCache>
+            </c:strRef>
+          </c:cat>
+          <c:val>
+            <c:numRef>
+              <c:f>Sheet1!$B$2:$B$5</c:f>
+              <c:numCache>
+                <c:formatCode>_(* #,##0_);_(* \(#,##0\);_(* "-"??_);_(@_)</c:formatCode>
+                <c:ptCount val="4"/>
+                <c:pt idx="0">
+                  <c:v>57699.0</c:v>
+                </c:pt>
+                <c:pt idx="1">
+                  <c:v>23240.0</c:v>
+                </c:pt>
+                <c:pt idx="2">
+                  <c:v>16179.0</c:v>
+                </c:pt>
+                <c:pt idx="3">
+                  <c:v>5978.0</c:v>
+                </c:pt>
+              </c:numCache>
+            </c:numRef>
+          </c:val>
+        </c:ser>
+        <c:dLbls>
+          <c:showLegendKey val="0"/>
+          <c:showVal val="0"/>
+          <c:showCatName val="0"/>
+          <c:showSerName val="0"/>
+          <c:showPercent val="0"/>
+          <c:showBubbleSize val="0"/>
+          <c:showLeaderLines val="1"/>
+        </c:dLbls>
+        <c:firstSliceAng val="0"/>
+      </c:pieChart>
+      <c:spPr>
+        <a:noFill/>
+        <a:ln>
+          <a:noFill/>
+        </a:ln>
+        <a:effectLst/>
+      </c:spPr>
+    </c:plotArea>
+    <c:legend>
+      <c:legendPos val="b"/>
+      <c:layout/>
+      <c:overlay val="0"/>
+      <c:spPr>
+        <a:noFill/>
+        <a:ln>
+          <a:noFill/>
+        </a:ln>
+        <a:effectLst/>
+      </c:spPr>
+      <c:txPr>
+        <a:bodyPr rot="0" spcFirstLastPara="1" vertOverflow="ellipsis" vert="horz" wrap="square" anchor="ctr" anchorCtr="1"/>
+        <a:lstStyle/>
+        <a:p>
+          <a:pPr>
+            <a:defRPr sz="2800" b="0" i="0" u="none" strike="noStrike" kern="1200" baseline="0">
+              <a:solidFill>
+                <a:schemeClr val="tx1">
+                  <a:lumMod val="65000"/>
+                  <a:lumOff val="35000"/>
+                </a:schemeClr>
+              </a:solidFill>
+              <a:latin typeface="Helvetica" charset="0"/>
+              <a:ea typeface="Helvetica" charset="0"/>
+              <a:cs typeface="Helvetica" charset="0"/>
+            </a:defRPr>
+          </a:pPr>
+          <a:endParaRPr lang="en-US"/>
+        </a:p>
+      </c:txPr>
+    </c:legend>
     <c:plotVisOnly val="1"/>
     <c:dispBlanksAs val="gap"/>
     <c:showDLblsOverMax val="0"/>
@@ -1783,12 +1743,9 @@
 </file>
 
 <file path=ppt/charts/colors6.xml><?xml version="1.0" encoding="utf-8"?>
-<cs:colorStyle xmlns:cs="http://schemas.microsoft.com/office/drawing/2012/chartStyle" xmlns:a="http://schemas.openxmlformats.org/drawingml/2006/main" meth="cycle" id="10">
-  <a:schemeClr val="accent1"/>
+<cs:colorStyle xmlns:cs="http://schemas.microsoft.com/office/drawing/2012/chartStyle" xmlns:a="http://schemas.openxmlformats.org/drawingml/2006/main" meth="cycle" id="12">
   <a:schemeClr val="accent2"/>
-  <a:schemeClr val="accent3"/>
   <a:schemeClr val="accent4"/>
-  <a:schemeClr val="accent5"/>
   <a:schemeClr val="accent6"/>
   <cs:variation/>
   <cs:variation>
@@ -15564,7 +15521,7 @@
         <p:spPr>
           <a:xfrm>
             <a:off x="984297" y="13800222"/>
-            <a:ext cx="7749673" cy="2012776"/>
+            <a:ext cx="7749673" cy="1631133"/>
           </a:xfrm>
           <a:prstGeom prst="rect">
             <a:avLst/>
@@ -15595,7 +15552,7 @@
                 <a:latin typeface="Gotham Medium"/>
                 <a:cs typeface="Gotham Medium"/>
               </a:rPr>
-              <a:t>Statistic 1</a:t>
+              <a:t>Top Five Referrers</a:t>
             </a:r>
             <a:endParaRPr lang="en-US" sz="3600" dirty="0">
               <a:solidFill>
@@ -15623,7 +15580,17 @@
                 <a:ea typeface="Helvetica" charset="0"/>
                 <a:cs typeface="Helvetica" charset="0"/>
               </a:rPr>
-              <a:t>Regardless of the collection method, statistics gathered about repository usage are utilized by content owners to measure the use and impact.</a:t>
+              <a:t>May 2015-May 2016</a:t>
+            </a:r>
+          </a:p>
+          <a:p>
+            <a:r>
+              <a:rPr lang="en-US" sz="2300" dirty="0" smtClean="0">
+                <a:latin typeface="Helvetica" charset="0"/>
+                <a:ea typeface="Helvetica" charset="0"/>
+                <a:cs typeface="Helvetica" charset="0"/>
+              </a:rPr>
+              <a:t>Based on files views</a:t>
             </a:r>
             <a:endParaRPr lang="en-US" sz="2300" dirty="0">
               <a:latin typeface="Helvetica" charset="0"/>
@@ -15633,28 +15600,6 @@
           </a:p>
         </p:txBody>
       </p:sp>
-      <p:graphicFrame>
-        <p:nvGraphicFramePr>
-          <p:cNvPr id="13" name="Chart 12"/>
-          <p:cNvGraphicFramePr/>
-          <p:nvPr>
-            <p:extLst>
-              <p:ext uri="{D42A27DB-BD31-4B8C-83A1-F6EECF244321}">
-                <p14:modId xmlns:p14="http://schemas.microsoft.com/office/powerpoint/2010/main" val="796626758"/>
-              </p:ext>
-            </p:extLst>
-          </p:nvPr>
-        </p:nvGraphicFramePr>
-        <p:xfrm>
-          <a:off x="793940" y="15977342"/>
-          <a:ext cx="7495795" cy="6621400"/>
-        </p:xfrm>
-        <a:graphic>
-          <a:graphicData uri="http://schemas.openxmlformats.org/drawingml/2006/chart">
-            <c:chart xmlns:c="http://schemas.openxmlformats.org/drawingml/2006/chart" xmlns:r="http://schemas.openxmlformats.org/officeDocument/2006/relationships" r:id="rId4"/>
-          </a:graphicData>
-        </a:graphic>
-      </p:graphicFrame>
       <p:sp>
         <p:nvSpPr>
           <p:cNvPr id="44" name="TextBox 43"/>
@@ -15663,7 +15608,7 @@
         </p:nvSpPr>
         <p:spPr>
           <a:xfrm>
-            <a:off x="999509" y="23512258"/>
+            <a:off x="999509" y="23969456"/>
             <a:ext cx="7749673" cy="2012776"/>
           </a:xfrm>
           <a:prstGeom prst="rect">
@@ -15751,7 +15696,7 @@
         </p:xfrm>
         <a:graphic>
           <a:graphicData uri="http://schemas.openxmlformats.org/drawingml/2006/chart">
-            <c:chart xmlns:c="http://schemas.openxmlformats.org/drawingml/2006/chart" xmlns:r="http://schemas.openxmlformats.org/officeDocument/2006/relationships" r:id="rId5"/>
+            <c:chart xmlns:c="http://schemas.openxmlformats.org/drawingml/2006/chart" xmlns:r="http://schemas.openxmlformats.org/officeDocument/2006/relationships" r:id="rId4"/>
           </a:graphicData>
         </a:graphic>
       </p:graphicFrame>
@@ -15854,7 +15799,7 @@
         </p:xfrm>
         <a:graphic>
           <a:graphicData uri="http://schemas.openxmlformats.org/drawingml/2006/chart">
-            <c:chart xmlns:c="http://schemas.openxmlformats.org/drawingml/2006/chart" xmlns:r="http://schemas.openxmlformats.org/officeDocument/2006/relationships" r:id="rId6"/>
+            <c:chart xmlns:c="http://schemas.openxmlformats.org/drawingml/2006/chart" xmlns:r="http://schemas.openxmlformats.org/officeDocument/2006/relationships" r:id="rId5"/>
           </a:graphicData>
         </a:graphic>
       </p:graphicFrame>
@@ -16221,7 +16166,7 @@
             <a:avLst/>
           </a:prstGeom>
           <a:solidFill>
-            <a:srgbClr val="2C3E50"/>
+            <a:srgbClr val="A15265"/>
           </a:solidFill>
           <a:ln>
             <a:solidFill>
@@ -16272,7 +16217,7 @@
         </p:xfrm>
         <a:graphic>
           <a:graphicData uri="http://schemas.openxmlformats.org/drawingml/2006/chart">
-            <c:chart xmlns:c="http://schemas.openxmlformats.org/drawingml/2006/chart" xmlns:r="http://schemas.openxmlformats.org/officeDocument/2006/relationships" r:id="rId7"/>
+            <c:chart xmlns:c="http://schemas.openxmlformats.org/drawingml/2006/chart" xmlns:r="http://schemas.openxmlformats.org/officeDocument/2006/relationships" r:id="rId6"/>
           </a:graphicData>
         </a:graphic>
       </p:graphicFrame>
@@ -16291,6 +16236,28 @@
         <p:xfrm>
           <a:off x="21107736" y="7037632"/>
           <a:ext cx="8627911" cy="6019800"/>
+        </p:xfrm>
+        <a:graphic>
+          <a:graphicData uri="http://schemas.openxmlformats.org/drawingml/2006/chart">
+            <c:chart xmlns:c="http://schemas.openxmlformats.org/drawingml/2006/chart" xmlns:r="http://schemas.openxmlformats.org/officeDocument/2006/relationships" r:id="rId7"/>
+          </a:graphicData>
+        </a:graphic>
+      </p:graphicFrame>
+      <p:graphicFrame>
+        <p:nvGraphicFramePr>
+          <p:cNvPr id="25" name="Chart 24"/>
+          <p:cNvGraphicFramePr/>
+          <p:nvPr>
+            <p:extLst>
+              <p:ext uri="{D42A27DB-BD31-4B8C-83A1-F6EECF244321}">
+                <p14:modId xmlns:p14="http://schemas.microsoft.com/office/powerpoint/2010/main" val="318932324"/>
+              </p:ext>
+            </p:extLst>
+          </p:nvPr>
+        </p:nvGraphicFramePr>
+        <p:xfrm>
+          <a:off x="783772" y="15781399"/>
+          <a:ext cx="7670498" cy="8156286"/>
         </p:xfrm>
         <a:graphic>
           <a:graphicData uri="http://schemas.openxmlformats.org/drawingml/2006/chart">

--- a/Presentations/Open Repositories 2016/Statistics/SweeneySarahORstatistics33x46.pptx
+++ b/Presentations/Open Repositories 2016/Statistics/SweeneySarahORstatistics33x46.pptx
@@ -4,6 +4,9 @@
   <p:sldMasterIdLst>
     <p:sldMasterId id="2147483660" r:id="rId1"/>
   </p:sldMasterIdLst>
+  <p:notesMasterIdLst>
+    <p:notesMasterId r:id="rId4"/>
+  </p:notesMasterIdLst>
   <p:sldIdLst>
     <p:sldId id="256" r:id="rId2"/>
     <p:sldId id="257" r:id="rId3"/>
@@ -624,250 +627,6 @@
   </mc:AlternateContent>
   <c:chart>
     <c:title>
-      <c:layout/>
-      <c:overlay val="0"/>
-      <c:spPr>
-        <a:noFill/>
-        <a:ln>
-          <a:noFill/>
-        </a:ln>
-        <a:effectLst/>
-      </c:spPr>
-      <c:txPr>
-        <a:bodyPr rot="0" spcFirstLastPara="1" vertOverflow="ellipsis" vert="horz" wrap="square" anchor="ctr" anchorCtr="1"/>
-        <a:lstStyle/>
-        <a:p>
-          <a:pPr>
-            <a:defRPr sz="1862" b="0" i="0" u="none" strike="noStrike" kern="1200" spc="0" baseline="0">
-              <a:solidFill>
-                <a:schemeClr val="tx1">
-                  <a:lumMod val="65000"/>
-                  <a:lumOff val="35000"/>
-                </a:schemeClr>
-              </a:solidFill>
-              <a:latin typeface="+mn-lt"/>
-              <a:ea typeface="+mn-ea"/>
-              <a:cs typeface="+mn-cs"/>
-            </a:defRPr>
-          </a:pPr>
-          <a:endParaRPr lang="en-US"/>
-        </a:p>
-      </c:txPr>
-    </c:title>
-    <c:autoTitleDeleted val="0"/>
-    <c:plotArea>
-      <c:layout/>
-      <c:pieChart>
-        <c:varyColors val="1"/>
-        <c:ser>
-          <c:idx val="0"/>
-          <c:order val="0"/>
-          <c:tx>
-            <c:strRef>
-              <c:f>Sheet1!$B$1</c:f>
-              <c:strCache>
-                <c:ptCount val="1"/>
-                <c:pt idx="0">
-                  <c:v>Sales</c:v>
-                </c:pt>
-              </c:strCache>
-            </c:strRef>
-          </c:tx>
-          <c:dPt>
-            <c:idx val="0"/>
-            <c:bubble3D val="0"/>
-            <c:spPr>
-              <a:solidFill>
-                <a:schemeClr val="accent1"/>
-              </a:solidFill>
-              <a:ln w="19050">
-                <a:solidFill>
-                  <a:schemeClr val="lt1"/>
-                </a:solidFill>
-              </a:ln>
-              <a:effectLst/>
-            </c:spPr>
-          </c:dPt>
-          <c:dPt>
-            <c:idx val="1"/>
-            <c:bubble3D val="0"/>
-            <c:spPr>
-              <a:solidFill>
-                <a:schemeClr val="accent2"/>
-              </a:solidFill>
-              <a:ln w="19050">
-                <a:solidFill>
-                  <a:schemeClr val="lt1"/>
-                </a:solidFill>
-              </a:ln>
-              <a:effectLst/>
-            </c:spPr>
-          </c:dPt>
-          <c:dPt>
-            <c:idx val="2"/>
-            <c:bubble3D val="0"/>
-            <c:spPr>
-              <a:solidFill>
-                <a:schemeClr val="accent3"/>
-              </a:solidFill>
-              <a:ln w="19050">
-                <a:solidFill>
-                  <a:schemeClr val="lt1"/>
-                </a:solidFill>
-              </a:ln>
-              <a:effectLst/>
-            </c:spPr>
-          </c:dPt>
-          <c:dPt>
-            <c:idx val="3"/>
-            <c:bubble3D val="0"/>
-            <c:spPr>
-              <a:solidFill>
-                <a:schemeClr val="accent4"/>
-              </a:solidFill>
-              <a:ln w="19050">
-                <a:solidFill>
-                  <a:schemeClr val="lt1"/>
-                </a:solidFill>
-              </a:ln>
-              <a:effectLst/>
-            </c:spPr>
-          </c:dPt>
-          <c:cat>
-            <c:strRef>
-              <c:f>Sheet1!$A$2:$A$5</c:f>
-              <c:strCache>
-                <c:ptCount val="4"/>
-                <c:pt idx="0">
-                  <c:v>1st Qtr</c:v>
-                </c:pt>
-                <c:pt idx="1">
-                  <c:v>2nd Qtr</c:v>
-                </c:pt>
-                <c:pt idx="2">
-                  <c:v>3rd Qtr</c:v>
-                </c:pt>
-                <c:pt idx="3">
-                  <c:v>4th Qtr</c:v>
-                </c:pt>
-              </c:strCache>
-            </c:strRef>
-          </c:cat>
-          <c:val>
-            <c:numRef>
-              <c:f>Sheet1!$B$2:$B$5</c:f>
-              <c:numCache>
-                <c:formatCode>General</c:formatCode>
-                <c:ptCount val="4"/>
-                <c:pt idx="0">
-                  <c:v>8.2</c:v>
-                </c:pt>
-                <c:pt idx="1">
-                  <c:v>3.2</c:v>
-                </c:pt>
-                <c:pt idx="2">
-                  <c:v>1.4</c:v>
-                </c:pt>
-                <c:pt idx="3">
-                  <c:v>1.2</c:v>
-                </c:pt>
-              </c:numCache>
-            </c:numRef>
-          </c:val>
-        </c:ser>
-        <c:dLbls>
-          <c:showLegendKey val="0"/>
-          <c:showVal val="0"/>
-          <c:showCatName val="0"/>
-          <c:showSerName val="0"/>
-          <c:showPercent val="0"/>
-          <c:showBubbleSize val="0"/>
-          <c:showLeaderLines val="1"/>
-        </c:dLbls>
-        <c:firstSliceAng val="0"/>
-      </c:pieChart>
-      <c:spPr>
-        <a:noFill/>
-        <a:ln>
-          <a:noFill/>
-        </a:ln>
-        <a:effectLst/>
-      </c:spPr>
-    </c:plotArea>
-    <c:legend>
-      <c:legendPos val="b"/>
-      <c:layout/>
-      <c:overlay val="0"/>
-      <c:spPr>
-        <a:noFill/>
-        <a:ln>
-          <a:noFill/>
-        </a:ln>
-        <a:effectLst/>
-      </c:spPr>
-      <c:txPr>
-        <a:bodyPr rot="0" spcFirstLastPara="1" vertOverflow="ellipsis" vert="horz" wrap="square" anchor="ctr" anchorCtr="1"/>
-        <a:lstStyle/>
-        <a:p>
-          <a:pPr>
-            <a:defRPr sz="1197" b="0" i="0" u="none" strike="noStrike" kern="1200" baseline="0">
-              <a:solidFill>
-                <a:schemeClr val="tx1">
-                  <a:lumMod val="65000"/>
-                  <a:lumOff val="35000"/>
-                </a:schemeClr>
-              </a:solidFill>
-              <a:latin typeface="+mn-lt"/>
-              <a:ea typeface="+mn-ea"/>
-              <a:cs typeface="+mn-cs"/>
-            </a:defRPr>
-          </a:pPr>
-          <a:endParaRPr lang="en-US"/>
-        </a:p>
-      </c:txPr>
-    </c:legend>
-    <c:plotVisOnly val="1"/>
-    <c:dispBlanksAs val="gap"/>
-    <c:showDLblsOverMax val="0"/>
-  </c:chart>
-  <c:spPr>
-    <a:noFill/>
-    <a:ln>
-      <a:noFill/>
-    </a:ln>
-    <a:effectLst/>
-  </c:spPr>
-  <c:txPr>
-    <a:bodyPr/>
-    <a:lstStyle/>
-    <a:p>
-      <a:pPr>
-        <a:defRPr/>
-      </a:pPr>
-      <a:endParaRPr lang="en-US"/>
-    </a:p>
-  </c:txPr>
-  <c:externalData r:id="rId3">
-    <c:autoUpdate val="0"/>
-  </c:externalData>
-</c:chartSpace>
-</file>
-
-<file path=ppt/charts/chart4.xml><?xml version="1.0" encoding="utf-8"?>
-<c:chartSpace xmlns:c="http://schemas.openxmlformats.org/drawingml/2006/chart" xmlns:a="http://schemas.openxmlformats.org/drawingml/2006/main" xmlns:r="http://schemas.openxmlformats.org/officeDocument/2006/relationships">
-  <c:date1904 val="0"/>
-  <c:lang val="en-US"/>
-  <c:roundedCorners val="0"/>
-  <mc:AlternateContent xmlns:mc="http://schemas.openxmlformats.org/markup-compatibility/2006">
-    <mc:Choice xmlns:c14="http://schemas.microsoft.com/office/drawing/2007/8/2/chart" Requires="c14">
-      <c14:style val="102"/>
-    </mc:Choice>
-    <mc:Fallback>
-      <c:style val="2"/>
-    </mc:Fallback>
-  </mc:AlternateContent>
-  <c:chart>
-    <c:title>
       <c:tx>
         <c:rich>
           <a:bodyPr rot="0" spcFirstLastPara="1" vertOverflow="ellipsis" vert="horz" wrap="square" anchor="ctr" anchorCtr="1"/>
@@ -1094,7 +853,7 @@
 </c:chartSpace>
 </file>
 
-<file path=ppt/charts/chart5.xml><?xml version="1.0" encoding="utf-8"?>
+<file path=ppt/charts/chart4.xml><?xml version="1.0" encoding="utf-8"?>
 <c:chartSpace xmlns:c="http://schemas.openxmlformats.org/drawingml/2006/chart" xmlns:a="http://schemas.openxmlformats.org/drawingml/2006/main" xmlns:r="http://schemas.openxmlformats.org/officeDocument/2006/relationships">
   <c:date1904 val="0"/>
   <c:lang val="en-US"/>
@@ -1327,7 +1086,7 @@
 </c:chartSpace>
 </file>
 
-<file path=ppt/charts/chart6.xml><?xml version="1.0" encoding="utf-8"?>
+<file path=ppt/charts/chart5.xml><?xml version="1.0" encoding="utf-8"?>
 <c:chartSpace xmlns:c="http://schemas.openxmlformats.org/drawingml/2006/chart" xmlns:a="http://schemas.openxmlformats.org/drawingml/2006/main" xmlns:r="http://schemas.openxmlformats.org/officeDocument/2006/relationships">
   <c:date1904 val="0"/>
   <c:lang val="en-US"/>
@@ -1703,46 +1462,6 @@
 </file>
 
 <file path=ppt/charts/colors5.xml><?xml version="1.0" encoding="utf-8"?>
-<cs:colorStyle xmlns:cs="http://schemas.microsoft.com/office/drawing/2012/chartStyle" xmlns:a="http://schemas.openxmlformats.org/drawingml/2006/main" meth="cycle" id="10">
-  <a:schemeClr val="accent1"/>
-  <a:schemeClr val="accent2"/>
-  <a:schemeClr val="accent3"/>
-  <a:schemeClr val="accent4"/>
-  <a:schemeClr val="accent5"/>
-  <a:schemeClr val="accent6"/>
-  <cs:variation/>
-  <cs:variation>
-    <a:lumMod val="60000"/>
-  </cs:variation>
-  <cs:variation>
-    <a:lumMod val="80000"/>
-    <a:lumOff val="20000"/>
-  </cs:variation>
-  <cs:variation>
-    <a:lumMod val="80000"/>
-  </cs:variation>
-  <cs:variation>
-    <a:lumMod val="60000"/>
-    <a:lumOff val="40000"/>
-  </cs:variation>
-  <cs:variation>
-    <a:lumMod val="50000"/>
-  </cs:variation>
-  <cs:variation>
-    <a:lumMod val="70000"/>
-    <a:lumOff val="30000"/>
-  </cs:variation>
-  <cs:variation>
-    <a:lumMod val="70000"/>
-  </cs:variation>
-  <cs:variation>
-    <a:lumMod val="50000"/>
-    <a:lumOff val="50000"/>
-  </cs:variation>
-</cs:colorStyle>
-</file>
-
-<file path=ppt/charts/colors6.xml><?xml version="1.0" encoding="utf-8"?>
 <cs:colorStyle xmlns:cs="http://schemas.microsoft.com/office/drawing/2012/chartStyle" xmlns:a="http://schemas.openxmlformats.org/drawingml/2006/main" meth="cycle" id="12">
   <a:schemeClr val="accent2"/>
   <a:schemeClr val="accent4"/>
@@ -4374,523 +4093,438 @@
 </cs:chartStyle>
 </file>
 
-<file path=ppt/charts/style6.xml><?xml version="1.0" encoding="utf-8"?>
-<cs:chartStyle xmlns:cs="http://schemas.microsoft.com/office/drawing/2012/chartStyle" xmlns:a="http://schemas.openxmlformats.org/drawingml/2006/main" id="251">
-  <cs:axisTitle>
-    <cs:lnRef idx="0"/>
-    <cs:fillRef idx="0"/>
-    <cs:effectRef idx="0"/>
-    <cs:fontRef idx="minor">
-      <a:schemeClr val="tx1">
-        <a:lumMod val="65000"/>
-        <a:lumOff val="35000"/>
-      </a:schemeClr>
-    </cs:fontRef>
-    <cs:defRPr sz="1330" kern="1200"/>
-  </cs:axisTitle>
-  <cs:categoryAxis>
-    <cs:lnRef idx="0"/>
-    <cs:fillRef idx="0"/>
-    <cs:effectRef idx="0"/>
-    <cs:fontRef idx="minor">
-      <a:schemeClr val="tx1">
-        <a:lumMod val="65000"/>
-        <a:lumOff val="35000"/>
-      </a:schemeClr>
-    </cs:fontRef>
-    <cs:spPr>
-      <a:ln w="9525" cap="flat" cmpd="sng" algn="ctr">
+<file path=ppt/notesMasters/notesMaster1.xml><?xml version="1.0" encoding="utf-8"?>
+<p:notesMaster xmlns:a="http://schemas.openxmlformats.org/drawingml/2006/main" xmlns:r="http://schemas.openxmlformats.org/officeDocument/2006/relationships" xmlns:p="http://schemas.openxmlformats.org/presentationml/2006/main">
+  <p:cSld>
+    <p:bg>
+      <p:bgRef idx="1001">
+        <a:schemeClr val="bg1"/>
+      </p:bgRef>
+    </p:bg>
+    <p:spTree>
+      <p:nvGrpSpPr>
+        <p:cNvPr id="1" name=""/>
+        <p:cNvGrpSpPr/>
+        <p:nvPr/>
+      </p:nvGrpSpPr>
+      <p:grpSpPr>
+        <a:xfrm>
+          <a:off x="0" y="0"/>
+          <a:ext cx="0" cy="0"/>
+          <a:chOff x="0" y="0"/>
+          <a:chExt cx="0" cy="0"/>
+        </a:xfrm>
+      </p:grpSpPr>
+      <p:sp>
+        <p:nvSpPr>
+          <p:cNvPr id="2" name="Header Placeholder 1"/>
+          <p:cNvSpPr>
+            <a:spLocks noGrp="1"/>
+          </p:cNvSpPr>
+          <p:nvPr>
+            <p:ph type="hdr" sz="quarter"/>
+          </p:nvPr>
+        </p:nvSpPr>
+        <p:spPr>
+          <a:xfrm>
+            <a:off x="0" y="0"/>
+            <a:ext cx="2971800" cy="458788"/>
+          </a:xfrm>
+          <a:prstGeom prst="rect">
+            <a:avLst/>
+          </a:prstGeom>
+        </p:spPr>
+        <p:txBody>
+          <a:bodyPr vert="horz" lIns="91440" tIns="45720" rIns="91440" bIns="45720" rtlCol="0"/>
+          <a:lstStyle>
+            <a:lvl1pPr algn="l">
+              <a:defRPr sz="1200"/>
+            </a:lvl1pPr>
+          </a:lstStyle>
+          <a:p>
+            <a:endParaRPr lang="en-US"/>
+          </a:p>
+        </p:txBody>
+      </p:sp>
+      <p:sp>
+        <p:nvSpPr>
+          <p:cNvPr id="3" name="Date Placeholder 2"/>
+          <p:cNvSpPr>
+            <a:spLocks noGrp="1"/>
+          </p:cNvSpPr>
+          <p:nvPr>
+            <p:ph type="dt" idx="1"/>
+          </p:nvPr>
+        </p:nvSpPr>
+        <p:spPr>
+          <a:xfrm>
+            <a:off x="3884613" y="0"/>
+            <a:ext cx="2971800" cy="458788"/>
+          </a:xfrm>
+          <a:prstGeom prst="rect">
+            <a:avLst/>
+          </a:prstGeom>
+        </p:spPr>
+        <p:txBody>
+          <a:bodyPr vert="horz" lIns="91440" tIns="45720" rIns="91440" bIns="45720" rtlCol="0"/>
+          <a:lstStyle>
+            <a:lvl1pPr algn="r">
+              <a:defRPr sz="1200"/>
+            </a:lvl1pPr>
+          </a:lstStyle>
+          <a:p>
+            <a:fld id="{7F7A6B22-0AC0-E647-B4AB-610E8EE21CF0}" type="datetimeFigureOut">
+              <a:rPr lang="en-US" smtClean="0"/>
+              <a:t>5/22/16</a:t>
+            </a:fld>
+            <a:endParaRPr lang="en-US"/>
+          </a:p>
+        </p:txBody>
+      </p:sp>
+      <p:sp>
+        <p:nvSpPr>
+          <p:cNvPr id="4" name="Slide Image Placeholder 3"/>
+          <p:cNvSpPr>
+            <a:spLocks noGrp="1" noRot="1" noChangeAspect="1"/>
+          </p:cNvSpPr>
+          <p:nvPr>
+            <p:ph type="sldImg" idx="2"/>
+          </p:nvPr>
+        </p:nvSpPr>
+        <p:spPr>
+          <a:xfrm>
+            <a:off x="2338388" y="1143000"/>
+            <a:ext cx="2181225" cy="3086100"/>
+          </a:xfrm>
+          <a:prstGeom prst="rect">
+            <a:avLst/>
+          </a:prstGeom>
+          <a:noFill/>
+          <a:ln w="12700">
+            <a:solidFill>
+              <a:prstClr val="black"/>
+            </a:solidFill>
+          </a:ln>
+        </p:spPr>
+        <p:txBody>
+          <a:bodyPr vert="horz" lIns="91440" tIns="45720" rIns="91440" bIns="45720" rtlCol="0" anchor="ctr"/>
+          <a:lstStyle/>
+          <a:p>
+            <a:endParaRPr lang="en-US"/>
+          </a:p>
+        </p:txBody>
+      </p:sp>
+      <p:sp>
+        <p:nvSpPr>
+          <p:cNvPr id="5" name="Notes Placeholder 4"/>
+          <p:cNvSpPr>
+            <a:spLocks noGrp="1"/>
+          </p:cNvSpPr>
+          <p:nvPr>
+            <p:ph type="body" sz="quarter" idx="3"/>
+          </p:nvPr>
+        </p:nvSpPr>
+        <p:spPr>
+          <a:xfrm>
+            <a:off x="685800" y="4400550"/>
+            <a:ext cx="5486400" cy="3600450"/>
+          </a:xfrm>
+          <a:prstGeom prst="rect">
+            <a:avLst/>
+          </a:prstGeom>
+        </p:spPr>
+        <p:txBody>
+          <a:bodyPr vert="horz" lIns="91440" tIns="45720" rIns="91440" bIns="45720" rtlCol="0"/>
+          <a:lstStyle/>
+          <a:p>
+            <a:pPr lvl="0"/>
+            <a:r>
+              <a:rPr lang="en-US" smtClean="0"/>
+              <a:t>Click to edit Master text styles</a:t>
+            </a:r>
+          </a:p>
+          <a:p>
+            <a:pPr lvl="1"/>
+            <a:r>
+              <a:rPr lang="en-US" smtClean="0"/>
+              <a:t>Second level</a:t>
+            </a:r>
+          </a:p>
+          <a:p>
+            <a:pPr lvl="2"/>
+            <a:r>
+              <a:rPr lang="en-US" smtClean="0"/>
+              <a:t>Third level</a:t>
+            </a:r>
+          </a:p>
+          <a:p>
+            <a:pPr lvl="3"/>
+            <a:r>
+              <a:rPr lang="en-US" smtClean="0"/>
+              <a:t>Fourth level</a:t>
+            </a:r>
+          </a:p>
+          <a:p>
+            <a:pPr lvl="4"/>
+            <a:r>
+              <a:rPr lang="en-US" smtClean="0"/>
+              <a:t>Fifth level</a:t>
+            </a:r>
+            <a:endParaRPr lang="en-US"/>
+          </a:p>
+        </p:txBody>
+      </p:sp>
+      <p:sp>
+        <p:nvSpPr>
+          <p:cNvPr id="6" name="Footer Placeholder 5"/>
+          <p:cNvSpPr>
+            <a:spLocks noGrp="1"/>
+          </p:cNvSpPr>
+          <p:nvPr>
+            <p:ph type="ftr" sz="quarter" idx="4"/>
+          </p:nvPr>
+        </p:nvSpPr>
+        <p:spPr>
+          <a:xfrm>
+            <a:off x="0" y="8685213"/>
+            <a:ext cx="2971800" cy="458787"/>
+          </a:xfrm>
+          <a:prstGeom prst="rect">
+            <a:avLst/>
+          </a:prstGeom>
+        </p:spPr>
+        <p:txBody>
+          <a:bodyPr vert="horz" lIns="91440" tIns="45720" rIns="91440" bIns="45720" rtlCol="0" anchor="b"/>
+          <a:lstStyle>
+            <a:lvl1pPr algn="l">
+              <a:defRPr sz="1200"/>
+            </a:lvl1pPr>
+          </a:lstStyle>
+          <a:p>
+            <a:endParaRPr lang="en-US"/>
+          </a:p>
+        </p:txBody>
+      </p:sp>
+      <p:sp>
+        <p:nvSpPr>
+          <p:cNvPr id="7" name="Slide Number Placeholder 6"/>
+          <p:cNvSpPr>
+            <a:spLocks noGrp="1"/>
+          </p:cNvSpPr>
+          <p:nvPr>
+            <p:ph type="sldNum" sz="quarter" idx="5"/>
+          </p:nvPr>
+        </p:nvSpPr>
+        <p:spPr>
+          <a:xfrm>
+            <a:off x="3884613" y="8685213"/>
+            <a:ext cx="2971800" cy="458787"/>
+          </a:xfrm>
+          <a:prstGeom prst="rect">
+            <a:avLst/>
+          </a:prstGeom>
+        </p:spPr>
+        <p:txBody>
+          <a:bodyPr vert="horz" lIns="91440" tIns="45720" rIns="91440" bIns="45720" rtlCol="0" anchor="b"/>
+          <a:lstStyle>
+            <a:lvl1pPr algn="r">
+              <a:defRPr sz="1200"/>
+            </a:lvl1pPr>
+          </a:lstStyle>
+          <a:p>
+            <a:fld id="{6A022B30-946F-2349-960C-96E93C564FDA}" type="slidenum">
+              <a:rPr lang="en-US" smtClean="0"/>
+              <a:t>‹#›</a:t>
+            </a:fld>
+            <a:endParaRPr lang="en-US"/>
+          </a:p>
+        </p:txBody>
+      </p:sp>
+    </p:spTree>
+    <p:extLst>
+      <p:ext uri="{BB962C8B-B14F-4D97-AF65-F5344CB8AC3E}">
+        <p14:creationId xmlns:p14="http://schemas.microsoft.com/office/powerpoint/2010/main" val="741070283"/>
+      </p:ext>
+    </p:extLst>
+  </p:cSld>
+  <p:clrMap bg1="lt1" tx1="dk1" bg2="lt2" tx2="dk2" accent1="accent1" accent2="accent2" accent3="accent3" accent4="accent4" accent5="accent5" accent6="accent6" hlink="hlink" folHlink="folHlink"/>
+  <p:notesStyle>
+    <a:lvl1pPr marL="0" algn="l" defTabSz="914400" rtl="0" eaLnBrk="1" latinLnBrk="0" hangingPunct="1">
+      <a:defRPr sz="1200" kern="1200">
         <a:solidFill>
-          <a:schemeClr val="tx1">
-            <a:lumMod val="15000"/>
-            <a:lumOff val="85000"/>
-          </a:schemeClr>
+          <a:schemeClr val="tx1"/>
         </a:solidFill>
-        <a:round/>
-      </a:ln>
-    </cs:spPr>
-    <cs:defRPr sz="1197" kern="1200"/>
-  </cs:categoryAxis>
-  <cs:chartArea mods="allowNoFillOverride allowNoLineOverride">
-    <cs:lnRef idx="0"/>
-    <cs:fillRef idx="0"/>
-    <cs:effectRef idx="0"/>
-    <cs:fontRef idx="minor">
-      <a:schemeClr val="tx1"/>
-    </cs:fontRef>
-    <cs:spPr>
-      <a:solidFill>
-        <a:schemeClr val="bg1"/>
-      </a:solidFill>
-      <a:ln w="9525" cap="flat" cmpd="sng" algn="ctr">
+        <a:latin typeface="+mn-lt"/>
+        <a:ea typeface="+mn-ea"/>
+        <a:cs typeface="+mn-cs"/>
+      </a:defRPr>
+    </a:lvl1pPr>
+    <a:lvl2pPr marL="457200" algn="l" defTabSz="914400" rtl="0" eaLnBrk="1" latinLnBrk="0" hangingPunct="1">
+      <a:defRPr sz="1200" kern="1200">
         <a:solidFill>
-          <a:schemeClr val="tx1">
-            <a:lumMod val="15000"/>
-            <a:lumOff val="85000"/>
-          </a:schemeClr>
+          <a:schemeClr val="tx1"/>
         </a:solidFill>
-        <a:round/>
-      </a:ln>
-    </cs:spPr>
-    <cs:defRPr sz="1197" kern="1200"/>
-  </cs:chartArea>
-  <cs:dataLabel>
-    <cs:lnRef idx="0"/>
-    <cs:fillRef idx="0"/>
-    <cs:effectRef idx="0"/>
-    <cs:fontRef idx="minor">
-      <a:schemeClr val="tx1">
-        <a:lumMod val="75000"/>
-        <a:lumOff val="25000"/>
-      </a:schemeClr>
-    </cs:fontRef>
-    <cs:defRPr sz="1197" kern="1200"/>
-  </cs:dataLabel>
-  <cs:dataLabelCallout>
-    <cs:lnRef idx="0"/>
-    <cs:fillRef idx="0"/>
-    <cs:effectRef idx="0"/>
-    <cs:fontRef idx="minor">
-      <a:schemeClr val="dk1">
-        <a:lumMod val="65000"/>
-        <a:lumOff val="35000"/>
-      </a:schemeClr>
-    </cs:fontRef>
-    <cs:spPr>
-      <a:solidFill>
-        <a:schemeClr val="lt1"/>
-      </a:solidFill>
-      <a:ln>
+        <a:latin typeface="+mn-lt"/>
+        <a:ea typeface="+mn-ea"/>
+        <a:cs typeface="+mn-cs"/>
+      </a:defRPr>
+    </a:lvl2pPr>
+    <a:lvl3pPr marL="914400" algn="l" defTabSz="914400" rtl="0" eaLnBrk="1" latinLnBrk="0" hangingPunct="1">
+      <a:defRPr sz="1200" kern="1200">
         <a:solidFill>
-          <a:schemeClr val="dk1">
-            <a:lumMod val="25000"/>
-            <a:lumOff val="75000"/>
-          </a:schemeClr>
+          <a:schemeClr val="tx1"/>
         </a:solidFill>
-      </a:ln>
-    </cs:spPr>
-    <cs:defRPr sz="1197" kern="1200"/>
-    <cs:bodyPr rot="0" spcFirstLastPara="1" vertOverflow="clip" horzOverflow="clip" vert="horz" wrap="square" lIns="36576" tIns="18288" rIns="36576" bIns="18288" anchor="ctr" anchorCtr="1">
-      <a:spAutoFit/>
-    </cs:bodyPr>
-  </cs:dataLabelCallout>
-  <cs:dataPoint>
-    <cs:lnRef idx="0"/>
-    <cs:fillRef idx="1">
-      <cs:styleClr val="auto"/>
-    </cs:fillRef>
-    <cs:effectRef idx="0"/>
-    <cs:fontRef idx="minor">
-      <a:schemeClr val="tx1"/>
-    </cs:fontRef>
-    <cs:spPr>
-      <a:ln w="19050">
+        <a:latin typeface="+mn-lt"/>
+        <a:ea typeface="+mn-ea"/>
+        <a:cs typeface="+mn-cs"/>
+      </a:defRPr>
+    </a:lvl3pPr>
+    <a:lvl4pPr marL="1371600" algn="l" defTabSz="914400" rtl="0" eaLnBrk="1" latinLnBrk="0" hangingPunct="1">
+      <a:defRPr sz="1200" kern="1200">
         <a:solidFill>
-          <a:schemeClr val="lt1"/>
+          <a:schemeClr val="tx1"/>
         </a:solidFill>
-      </a:ln>
-    </cs:spPr>
-  </cs:dataPoint>
-  <cs:dataPoint3D>
-    <cs:lnRef idx="0"/>
-    <cs:fillRef idx="1">
-      <cs:styleClr val="auto"/>
-    </cs:fillRef>
-    <cs:effectRef idx="0"/>
-    <cs:fontRef idx="minor">
-      <a:schemeClr val="tx1"/>
-    </cs:fontRef>
-    <cs:spPr>
-      <a:ln w="25400">
+        <a:latin typeface="+mn-lt"/>
+        <a:ea typeface="+mn-ea"/>
+        <a:cs typeface="+mn-cs"/>
+      </a:defRPr>
+    </a:lvl4pPr>
+    <a:lvl5pPr marL="1828800" algn="l" defTabSz="914400" rtl="0" eaLnBrk="1" latinLnBrk="0" hangingPunct="1">
+      <a:defRPr sz="1200" kern="1200">
         <a:solidFill>
-          <a:schemeClr val="lt1"/>
+          <a:schemeClr val="tx1"/>
         </a:solidFill>
-      </a:ln>
-    </cs:spPr>
-  </cs:dataPoint3D>
-  <cs:dataPointLine>
-    <cs:lnRef idx="0">
-      <cs:styleClr val="auto"/>
-    </cs:lnRef>
-    <cs:fillRef idx="0"/>
-    <cs:effectRef idx="0"/>
-    <cs:fontRef idx="minor">
-      <a:schemeClr val="tx1"/>
-    </cs:fontRef>
-    <cs:spPr>
-      <a:ln w="28575" cap="rnd">
+        <a:latin typeface="+mn-lt"/>
+        <a:ea typeface="+mn-ea"/>
+        <a:cs typeface="+mn-cs"/>
+      </a:defRPr>
+    </a:lvl5pPr>
+    <a:lvl6pPr marL="2286000" algn="l" defTabSz="914400" rtl="0" eaLnBrk="1" latinLnBrk="0" hangingPunct="1">
+      <a:defRPr sz="1200" kern="1200">
         <a:solidFill>
-          <a:schemeClr val="phClr"/>
+          <a:schemeClr val="tx1"/>
         </a:solidFill>
-        <a:round/>
-      </a:ln>
-    </cs:spPr>
-  </cs:dataPointLine>
-  <cs:dataPointMarker>
-    <cs:lnRef idx="0">
-      <cs:styleClr val="auto"/>
-    </cs:lnRef>
-    <cs:fillRef idx="1">
-      <cs:styleClr val="auto"/>
-    </cs:fillRef>
-    <cs:effectRef idx="0"/>
-    <cs:fontRef idx="minor">
-      <a:schemeClr val="tx1"/>
-    </cs:fontRef>
-    <cs:spPr>
-      <a:ln w="9525">
+        <a:latin typeface="+mn-lt"/>
+        <a:ea typeface="+mn-ea"/>
+        <a:cs typeface="+mn-cs"/>
+      </a:defRPr>
+    </a:lvl6pPr>
+    <a:lvl7pPr marL="2743200" algn="l" defTabSz="914400" rtl="0" eaLnBrk="1" latinLnBrk="0" hangingPunct="1">
+      <a:defRPr sz="1200" kern="1200">
         <a:solidFill>
-          <a:schemeClr val="phClr"/>
+          <a:schemeClr val="tx1"/>
         </a:solidFill>
-      </a:ln>
-    </cs:spPr>
-  </cs:dataPointMarker>
-  <cs:dataPointMarkerLayout symbol="circle" size="5"/>
-  <cs:dataPointWireframe>
-    <cs:lnRef idx="0">
-      <cs:styleClr val="auto"/>
-    </cs:lnRef>
-    <cs:fillRef idx="0"/>
-    <cs:effectRef idx="0"/>
-    <cs:fontRef idx="minor">
-      <a:schemeClr val="tx1"/>
-    </cs:fontRef>
-    <cs:spPr>
-      <a:ln w="9525" cap="rnd">
+        <a:latin typeface="+mn-lt"/>
+        <a:ea typeface="+mn-ea"/>
+        <a:cs typeface="+mn-cs"/>
+      </a:defRPr>
+    </a:lvl7pPr>
+    <a:lvl8pPr marL="3200400" algn="l" defTabSz="914400" rtl="0" eaLnBrk="1" latinLnBrk="0" hangingPunct="1">
+      <a:defRPr sz="1200" kern="1200">
         <a:solidFill>
-          <a:schemeClr val="phClr"/>
+          <a:schemeClr val="tx1"/>
         </a:solidFill>
-        <a:round/>
-      </a:ln>
-    </cs:spPr>
-  </cs:dataPointWireframe>
-  <cs:dataTable>
-    <cs:lnRef idx="0"/>
-    <cs:fillRef idx="0"/>
-    <cs:effectRef idx="0"/>
-    <cs:fontRef idx="minor">
-      <a:schemeClr val="tx1">
-        <a:lumMod val="65000"/>
-        <a:lumOff val="35000"/>
-      </a:schemeClr>
-    </cs:fontRef>
-    <cs:spPr>
-      <a:noFill/>
-      <a:ln w="9525" cap="flat" cmpd="sng" algn="ctr">
+        <a:latin typeface="+mn-lt"/>
+        <a:ea typeface="+mn-ea"/>
+        <a:cs typeface="+mn-cs"/>
+      </a:defRPr>
+    </a:lvl8pPr>
+    <a:lvl9pPr marL="3657600" algn="l" defTabSz="914400" rtl="0" eaLnBrk="1" latinLnBrk="0" hangingPunct="1">
+      <a:defRPr sz="1200" kern="1200">
         <a:solidFill>
-          <a:schemeClr val="tx1">
-            <a:lumMod val="15000"/>
-            <a:lumOff val="85000"/>
-          </a:schemeClr>
+          <a:schemeClr val="tx1"/>
         </a:solidFill>
-        <a:round/>
-      </a:ln>
-    </cs:spPr>
-    <cs:defRPr sz="1197" kern="1200"/>
-  </cs:dataTable>
-  <cs:downBar>
-    <cs:lnRef idx="0"/>
-    <cs:fillRef idx="0"/>
-    <cs:effectRef idx="0"/>
-    <cs:fontRef idx="minor">
-      <a:schemeClr val="tx1"/>
-    </cs:fontRef>
-    <cs:spPr>
-      <a:solidFill>
-        <a:schemeClr val="dk1">
-          <a:lumMod val="75000"/>
-          <a:lumOff val="25000"/>
-        </a:schemeClr>
-      </a:solidFill>
-      <a:ln w="9525" cap="flat" cmpd="sng" algn="ctr">
-        <a:solidFill>
-          <a:schemeClr val="tx1">
-            <a:lumMod val="65000"/>
-            <a:lumOff val="35000"/>
-          </a:schemeClr>
-        </a:solidFill>
-        <a:round/>
-      </a:ln>
-    </cs:spPr>
-  </cs:downBar>
-  <cs:dropLine>
-    <cs:lnRef idx="0"/>
-    <cs:fillRef idx="0"/>
-    <cs:effectRef idx="0"/>
-    <cs:fontRef idx="minor">
-      <a:schemeClr val="tx1"/>
-    </cs:fontRef>
-    <cs:spPr>
-      <a:ln w="9525" cap="flat" cmpd="sng" algn="ctr">
-        <a:solidFill>
-          <a:schemeClr val="tx1">
-            <a:lumMod val="35000"/>
-            <a:lumOff val="65000"/>
-          </a:schemeClr>
-        </a:solidFill>
-        <a:round/>
-      </a:ln>
-    </cs:spPr>
-  </cs:dropLine>
-  <cs:errorBar>
-    <cs:lnRef idx="0"/>
-    <cs:fillRef idx="0"/>
-    <cs:effectRef idx="0"/>
-    <cs:fontRef idx="minor">
-      <a:schemeClr val="tx1"/>
-    </cs:fontRef>
-    <cs:spPr>
-      <a:ln w="9525" cap="flat" cmpd="sng" algn="ctr">
-        <a:solidFill>
-          <a:schemeClr val="tx1">
-            <a:lumMod val="65000"/>
-            <a:lumOff val="35000"/>
-          </a:schemeClr>
-        </a:solidFill>
-        <a:round/>
-      </a:ln>
-    </cs:spPr>
-  </cs:errorBar>
-  <cs:floor>
-    <cs:lnRef idx="0"/>
-    <cs:fillRef idx="0"/>
-    <cs:effectRef idx="0"/>
-    <cs:fontRef idx="minor">
-      <a:schemeClr val="tx1"/>
-    </cs:fontRef>
-    <cs:spPr>
-      <a:noFill/>
-      <a:ln>
-        <a:noFill/>
-      </a:ln>
-    </cs:spPr>
-  </cs:floor>
-  <cs:gridlineMajor>
-    <cs:lnRef idx="0"/>
-    <cs:fillRef idx="0"/>
-    <cs:effectRef idx="0"/>
-    <cs:fontRef idx="minor">
-      <a:schemeClr val="tx1"/>
-    </cs:fontRef>
-    <cs:spPr>
-      <a:ln w="9525" cap="flat" cmpd="sng" algn="ctr">
-        <a:solidFill>
-          <a:schemeClr val="tx1">
-            <a:lumMod val="15000"/>
-            <a:lumOff val="85000"/>
-          </a:schemeClr>
-        </a:solidFill>
-        <a:round/>
-      </a:ln>
-    </cs:spPr>
-  </cs:gridlineMajor>
-  <cs:gridlineMinor>
-    <cs:lnRef idx="0"/>
-    <cs:fillRef idx="0"/>
-    <cs:effectRef idx="0"/>
-    <cs:fontRef idx="minor">
-      <a:schemeClr val="tx1"/>
-    </cs:fontRef>
-    <cs:spPr>
-      <a:ln w="9525" cap="flat" cmpd="sng" algn="ctr">
-        <a:solidFill>
-          <a:schemeClr val="tx1">
-            <a:lumMod val="5000"/>
-            <a:lumOff val="95000"/>
-          </a:schemeClr>
-        </a:solidFill>
-        <a:round/>
-      </a:ln>
-    </cs:spPr>
-  </cs:gridlineMinor>
-  <cs:hiLoLine>
-    <cs:lnRef idx="0"/>
-    <cs:fillRef idx="0"/>
-    <cs:effectRef idx="0"/>
-    <cs:fontRef idx="minor">
-      <a:schemeClr val="tx1"/>
-    </cs:fontRef>
-    <cs:spPr>
-      <a:ln w="9525" cap="flat" cmpd="sng" algn="ctr">
-        <a:solidFill>
-          <a:schemeClr val="tx1">
-            <a:lumMod val="50000"/>
-            <a:lumOff val="50000"/>
-          </a:schemeClr>
-        </a:solidFill>
-        <a:round/>
-      </a:ln>
-    </cs:spPr>
-  </cs:hiLoLine>
-  <cs:leaderLine>
-    <cs:lnRef idx="0"/>
-    <cs:fillRef idx="0"/>
-    <cs:effectRef idx="0"/>
-    <cs:fontRef idx="minor">
-      <a:schemeClr val="tx1"/>
-    </cs:fontRef>
-    <cs:spPr>
-      <a:ln w="9525" cap="flat" cmpd="sng" algn="ctr">
-        <a:solidFill>
-          <a:schemeClr val="tx1">
-            <a:lumMod val="35000"/>
-            <a:lumOff val="65000"/>
-          </a:schemeClr>
-        </a:solidFill>
-        <a:round/>
-      </a:ln>
-    </cs:spPr>
-  </cs:leaderLine>
-  <cs:legend>
-    <cs:lnRef idx="0"/>
-    <cs:fillRef idx="0"/>
-    <cs:effectRef idx="0"/>
-    <cs:fontRef idx="minor">
-      <a:schemeClr val="tx1">
-        <a:lumMod val="65000"/>
-        <a:lumOff val="35000"/>
-      </a:schemeClr>
-    </cs:fontRef>
-    <cs:defRPr sz="1197" kern="1200"/>
-  </cs:legend>
-  <cs:plotArea mods="allowNoFillOverride allowNoLineOverride">
-    <cs:lnRef idx="0"/>
-    <cs:fillRef idx="0"/>
-    <cs:effectRef idx="0"/>
-    <cs:fontRef idx="minor">
-      <a:schemeClr val="tx1"/>
-    </cs:fontRef>
-  </cs:plotArea>
-  <cs:plotArea3D mods="allowNoFillOverride allowNoLineOverride">
-    <cs:lnRef idx="0"/>
-    <cs:fillRef idx="0"/>
-    <cs:effectRef idx="0"/>
-    <cs:fontRef idx="minor">
-      <a:schemeClr val="tx1"/>
-    </cs:fontRef>
-  </cs:plotArea3D>
-  <cs:seriesAxis>
-    <cs:lnRef idx="0"/>
-    <cs:fillRef idx="0"/>
-    <cs:effectRef idx="0"/>
-    <cs:fontRef idx="minor">
-      <a:schemeClr val="tx1">
-        <a:lumMod val="65000"/>
-        <a:lumOff val="35000"/>
-      </a:schemeClr>
-    </cs:fontRef>
-    <cs:defRPr sz="1197" kern="1200"/>
-  </cs:seriesAxis>
-  <cs:seriesLine>
-    <cs:lnRef idx="0"/>
-    <cs:fillRef idx="0"/>
-    <cs:effectRef idx="0"/>
-    <cs:fontRef idx="minor">
-      <a:schemeClr val="tx1"/>
-    </cs:fontRef>
-    <cs:spPr>
-      <a:ln w="9525" cap="flat" cmpd="sng" algn="ctr">
-        <a:solidFill>
-          <a:schemeClr val="tx1">
-            <a:lumMod val="35000"/>
-            <a:lumOff val="65000"/>
-          </a:schemeClr>
-        </a:solidFill>
-        <a:round/>
-      </a:ln>
-    </cs:spPr>
-  </cs:seriesLine>
-  <cs:title>
-    <cs:lnRef idx="0"/>
-    <cs:fillRef idx="0"/>
-    <cs:effectRef idx="0"/>
-    <cs:fontRef idx="minor">
-      <a:schemeClr val="tx1">
-        <a:lumMod val="65000"/>
-        <a:lumOff val="35000"/>
-      </a:schemeClr>
-    </cs:fontRef>
-    <cs:defRPr sz="1862" b="0" kern="1200" spc="0" baseline="0"/>
-  </cs:title>
-  <cs:trendline>
-    <cs:lnRef idx="0">
-      <cs:styleClr val="auto"/>
-    </cs:lnRef>
-    <cs:fillRef idx="0"/>
-    <cs:effectRef idx="0"/>
-    <cs:fontRef idx="minor">
-      <a:schemeClr val="tx1"/>
-    </cs:fontRef>
-    <cs:spPr>
-      <a:ln w="19050" cap="rnd">
-        <a:solidFill>
-          <a:schemeClr val="phClr"/>
-        </a:solidFill>
-        <a:prstDash val="sysDot"/>
-      </a:ln>
-    </cs:spPr>
-  </cs:trendline>
-  <cs:trendlineLabel>
-    <cs:lnRef idx="0"/>
-    <cs:fillRef idx="0"/>
-    <cs:effectRef idx="0"/>
-    <cs:fontRef idx="minor">
-      <a:schemeClr val="tx1">
-        <a:lumMod val="65000"/>
-        <a:lumOff val="35000"/>
-      </a:schemeClr>
-    </cs:fontRef>
-    <cs:defRPr sz="1197" kern="1200"/>
-  </cs:trendlineLabel>
-  <cs:upBar>
-    <cs:lnRef idx="0"/>
-    <cs:fillRef idx="0"/>
-    <cs:effectRef idx="0"/>
-    <cs:fontRef idx="minor">
-      <a:schemeClr val="tx1"/>
-    </cs:fontRef>
-    <cs:spPr>
-      <a:solidFill>
-        <a:schemeClr val="lt1"/>
-      </a:solidFill>
-      <a:ln w="9525" cap="flat" cmpd="sng" algn="ctr">
-        <a:solidFill>
-          <a:schemeClr val="tx1">
-            <a:lumMod val="65000"/>
-            <a:lumOff val="35000"/>
-          </a:schemeClr>
-        </a:solidFill>
-        <a:round/>
-      </a:ln>
-    </cs:spPr>
-  </cs:upBar>
-  <cs:valueAxis>
-    <cs:lnRef idx="0"/>
-    <cs:fillRef idx="0"/>
-    <cs:effectRef idx="0"/>
-    <cs:fontRef idx="minor">
-      <a:schemeClr val="tx1">
-        <a:lumMod val="65000"/>
-        <a:lumOff val="35000"/>
-      </a:schemeClr>
-    </cs:fontRef>
-    <cs:defRPr sz="1197" kern="1200"/>
-  </cs:valueAxis>
-  <cs:wall>
-    <cs:lnRef idx="0"/>
-    <cs:fillRef idx="0"/>
-    <cs:effectRef idx="0"/>
-    <cs:fontRef idx="minor">
-      <a:schemeClr val="tx1"/>
-    </cs:fontRef>
-    <cs:spPr>
-      <a:noFill/>
-      <a:ln>
-        <a:noFill/>
-      </a:ln>
-    </cs:spPr>
-  </cs:wall>
-</cs:chartStyle>
+        <a:latin typeface="+mn-lt"/>
+        <a:ea typeface="+mn-ea"/>
+        <a:cs typeface="+mn-cs"/>
+      </a:defRPr>
+    </a:lvl9pPr>
+  </p:notesStyle>
+</p:notesMaster>
+</file>
+
+<file path=ppt/notesSlides/notesSlide1.xml><?xml version="1.0" encoding="utf-8"?>
+<p:notes xmlns:a="http://schemas.openxmlformats.org/drawingml/2006/main" xmlns:r="http://schemas.openxmlformats.org/officeDocument/2006/relationships" xmlns:p="http://schemas.openxmlformats.org/presentationml/2006/main">
+  <p:cSld>
+    <p:spTree>
+      <p:nvGrpSpPr>
+        <p:cNvPr id="1" name=""/>
+        <p:cNvGrpSpPr/>
+        <p:nvPr/>
+      </p:nvGrpSpPr>
+      <p:grpSpPr>
+        <a:xfrm>
+          <a:off x="0" y="0"/>
+          <a:ext cx="0" cy="0"/>
+          <a:chOff x="0" y="0"/>
+          <a:chExt cx="0" cy="0"/>
+        </a:xfrm>
+      </p:grpSpPr>
+      <p:sp>
+        <p:nvSpPr>
+          <p:cNvPr id="2" name="Slide Image Placeholder 1"/>
+          <p:cNvSpPr>
+            <a:spLocks noGrp="1" noRot="1" noChangeAspect="1"/>
+          </p:cNvSpPr>
+          <p:nvPr>
+            <p:ph type="sldImg"/>
+          </p:nvPr>
+        </p:nvSpPr>
+        <p:spPr/>
+      </p:sp>
+      <p:sp>
+        <p:nvSpPr>
+          <p:cNvPr id="3" name="Notes Placeholder 2"/>
+          <p:cNvSpPr>
+            <a:spLocks noGrp="1"/>
+          </p:cNvSpPr>
+          <p:nvPr>
+            <p:ph type="body" idx="1"/>
+          </p:nvPr>
+        </p:nvSpPr>
+        <p:spPr/>
+        <p:txBody>
+          <a:bodyPr/>
+          <a:lstStyle/>
+          <a:p>
+            <a:endParaRPr lang="en-US" dirty="0"/>
+          </a:p>
+        </p:txBody>
+      </p:sp>
+      <p:sp>
+        <p:nvSpPr>
+          <p:cNvPr id="4" name="Slide Number Placeholder 3"/>
+          <p:cNvSpPr>
+            <a:spLocks noGrp="1"/>
+          </p:cNvSpPr>
+          <p:nvPr>
+            <p:ph type="sldNum" sz="quarter" idx="10"/>
+          </p:nvPr>
+        </p:nvSpPr>
+        <p:spPr/>
+        <p:txBody>
+          <a:bodyPr/>
+          <a:lstStyle/>
+          <a:p>
+            <a:fld id="{6A022B30-946F-2349-960C-96E93C564FDA}" type="slidenum">
+              <a:rPr lang="en-US" smtClean="0"/>
+              <a:t>1</a:t>
+            </a:fld>
+            <a:endParaRPr lang="en-US"/>
+          </a:p>
+        </p:txBody>
+      </p:sp>
+    </p:spTree>
+    <p:extLst>
+      <p:ext uri="{BB962C8B-B14F-4D97-AF65-F5344CB8AC3E}">
+        <p14:creationId xmlns:p14="http://schemas.microsoft.com/office/powerpoint/2010/main" val="1910577428"/>
+      </p:ext>
+    </p:extLst>
+  </p:cSld>
+  <p:clrMapOvr>
+    <a:masterClrMapping/>
+  </p:clrMapOvr>
+</p:notes>
 </file>
 
 <file path=ppt/slideLayouts/slideLayout1.xml><?xml version="1.0" encoding="utf-8"?>
@@ -7767,18 +7401,18 @@
           <p:nvPr>
             <p:extLst>
               <p:ext uri="{D42A27DB-BD31-4B8C-83A1-F6EECF244321}">
-                <p14:modId xmlns:p14="http://schemas.microsoft.com/office/powerpoint/2010/main" val="1605698979"/>
+                <p14:modId xmlns:p14="http://schemas.microsoft.com/office/powerpoint/2010/main" val="1250036488"/>
               </p:ext>
             </p:extLst>
           </p:nvPr>
         </p:nvGraphicFramePr>
         <p:xfrm>
-          <a:off x="10551705" y="7029276"/>
+          <a:off x="10551705" y="7464706"/>
           <a:ext cx="6124196" cy="6074228"/>
         </p:xfrm>
         <a:graphic>
           <a:graphicData uri="http://schemas.openxmlformats.org/drawingml/2006/chart">
-            <c:chart xmlns:c="http://schemas.openxmlformats.org/drawingml/2006/chart" xmlns:r="http://schemas.openxmlformats.org/officeDocument/2006/relationships" r:id="rId2"/>
+            <c:chart xmlns:c="http://schemas.openxmlformats.org/drawingml/2006/chart" xmlns:r="http://schemas.openxmlformats.org/officeDocument/2006/relationships" r:id="rId3"/>
           </a:graphicData>
         </a:graphic>
       </p:graphicFrame>
@@ -8086,7 +7720,7 @@
         </p:nvSpPr>
         <p:spPr>
           <a:xfrm>
-            <a:off x="6841439" y="4108735"/>
+            <a:off x="6841439" y="4239364"/>
             <a:ext cx="16593270" cy="1440312"/>
           </a:xfrm>
           <a:prstGeom prst="rect">
@@ -8186,7 +7820,7 @@
           <p:nvPr/>
         </p:nvPicPr>
         <p:blipFill rotWithShape="1">
-          <a:blip r:embed="rId3">
+          <a:blip r:embed="rId4">
             <a:extLst>
               <a:ext uri="{28A0092B-C50C-407E-A947-70E740481C1C}">
                 <a14:useLocalDpi xmlns:a14="http://schemas.microsoft.com/office/drawing/2010/main" val="0"/>
@@ -8411,7 +8045,7 @@
         </p:nvSpPr>
         <p:spPr>
           <a:xfrm rot="10800000">
-            <a:off x="954156" y="5361604"/>
+            <a:off x="954156" y="5622862"/>
             <a:ext cx="28346400" cy="457200"/>
           </a:xfrm>
           <a:prstGeom prst="rect">
@@ -8459,7 +8093,7 @@
         </p:nvSpPr>
         <p:spPr>
           <a:xfrm>
-            <a:off x="962526" y="5825428"/>
+            <a:off x="962526" y="6130229"/>
             <a:ext cx="7749673" cy="7494276"/>
           </a:xfrm>
           <a:prstGeom prst="rect">
@@ -8555,7 +8189,7 @@
         </p:nvSpPr>
         <p:spPr>
           <a:xfrm>
-            <a:off x="9169400" y="13765312"/>
+            <a:off x="9169400" y="14200742"/>
             <a:ext cx="20142200" cy="2797606"/>
           </a:xfrm>
           <a:prstGeom prst="rect">
@@ -8696,7 +8330,7 @@
         </p:nvSpPr>
         <p:spPr>
           <a:xfrm>
-            <a:off x="24790416" y="22769848"/>
+            <a:off x="24790416" y="32479905"/>
             <a:ext cx="3555983" cy="2279003"/>
           </a:xfrm>
           <a:prstGeom prst="rect">
@@ -8811,13 +8445,13 @@
           <p:nvPr>
             <p:extLst>
               <p:ext uri="{D42A27DB-BD31-4B8C-83A1-F6EECF244321}">
-                <p14:modId xmlns:p14="http://schemas.microsoft.com/office/powerpoint/2010/main" val="43377828"/>
+                <p14:modId xmlns:p14="http://schemas.microsoft.com/office/powerpoint/2010/main" val="238791985"/>
               </p:ext>
             </p:extLst>
           </p:nvPr>
         </p:nvGraphicFramePr>
         <p:xfrm>
-          <a:off x="9287410" y="22931542"/>
+          <a:off x="9287410" y="32641599"/>
           <a:ext cx="6128143" cy="5286086"/>
         </p:xfrm>
         <a:graphic>
@@ -10606,7 +10240,7 @@
         </p:nvSpPr>
         <p:spPr>
           <a:xfrm>
-            <a:off x="15605051" y="21954941"/>
+            <a:off x="15605051" y="31664998"/>
             <a:ext cx="7696199" cy="2797606"/>
           </a:xfrm>
           <a:prstGeom prst="rect">
@@ -10683,7 +10317,7 @@
         </p:nvSpPr>
         <p:spPr>
           <a:xfrm>
-            <a:off x="26575674" y="22693648"/>
+            <a:off x="26575674" y="32403705"/>
             <a:ext cx="2735926" cy="2668340"/>
           </a:xfrm>
           <a:prstGeom prst="rect">
@@ -10827,7 +10461,7 @@
         </p:nvSpPr>
         <p:spPr>
           <a:xfrm>
-            <a:off x="24150484" y="22079657"/>
+            <a:off x="24150484" y="31789714"/>
             <a:ext cx="4535567" cy="858614"/>
           </a:xfrm>
           <a:prstGeom prst="rect">
@@ -10879,7 +10513,7 @@
         </p:nvSpPr>
         <p:spPr>
           <a:xfrm>
-            <a:off x="9166831" y="21974426"/>
+            <a:off x="9166831" y="31684483"/>
             <a:ext cx="4013200" cy="858614"/>
           </a:xfrm>
           <a:prstGeom prst="rect">
@@ -10931,7 +10565,7 @@
         </p:nvSpPr>
         <p:spPr>
           <a:xfrm rot="10800000">
-            <a:off x="9079107" y="16517257"/>
+            <a:off x="9079107" y="16952687"/>
             <a:ext cx="20363688" cy="457200"/>
           </a:xfrm>
           <a:prstGeom prst="rect">
@@ -11027,7 +10661,7 @@
         </p:nvSpPr>
         <p:spPr>
           <a:xfrm>
-            <a:off x="16310973" y="25575288"/>
+            <a:off x="16310973" y="35285345"/>
             <a:ext cx="7696199" cy="1320279"/>
           </a:xfrm>
           <a:prstGeom prst="rect">
@@ -11104,7 +10738,7 @@
         </p:nvSpPr>
         <p:spPr>
           <a:xfrm>
-            <a:off x="9231086" y="17039314"/>
+            <a:off x="9231086" y="26749371"/>
             <a:ext cx="20073257" cy="1689611"/>
           </a:xfrm>
           <a:prstGeom prst="rect">
@@ -11181,7 +10815,7 @@
         </p:nvSpPr>
         <p:spPr>
           <a:xfrm rot="10800000">
-            <a:off x="9143999" y="13301645"/>
+            <a:off x="9143999" y="13737075"/>
             <a:ext cx="20146397" cy="544984"/>
           </a:xfrm>
           <a:prstGeom prst="rect">
@@ -11230,13 +10864,13 @@
           <p:nvPr>
             <p:extLst>
               <p:ext uri="{D42A27DB-BD31-4B8C-83A1-F6EECF244321}">
-                <p14:modId xmlns:p14="http://schemas.microsoft.com/office/powerpoint/2010/main" val="2104084939"/>
+                <p14:modId xmlns:p14="http://schemas.microsoft.com/office/powerpoint/2010/main" val="1877439299"/>
               </p:ext>
             </p:extLst>
           </p:nvPr>
         </p:nvGraphicFramePr>
         <p:xfrm>
-          <a:off x="9245925" y="19764693"/>
+          <a:off x="9245925" y="29474750"/>
           <a:ext cx="20134211" cy="1747520"/>
         </p:xfrm>
         <a:graphic>
@@ -15424,7 +15058,7 @@
         </p:nvSpPr>
         <p:spPr>
           <a:xfrm rot="10800000">
-            <a:off x="9079107" y="19481800"/>
+            <a:off x="9079107" y="29191857"/>
             <a:ext cx="20363688" cy="228600"/>
           </a:xfrm>
           <a:prstGeom prst="rect">
@@ -15472,7 +15106,7 @@
         </p:nvSpPr>
         <p:spPr>
           <a:xfrm rot="10800000">
-            <a:off x="9028307" y="21512213"/>
+            <a:off x="9142794" y="31309356"/>
             <a:ext cx="20363688" cy="457200"/>
           </a:xfrm>
           <a:prstGeom prst="rect">
@@ -15520,7 +15154,7 @@
         </p:nvSpPr>
         <p:spPr>
           <a:xfrm>
-            <a:off x="984297" y="13800222"/>
+            <a:off x="984297" y="14192109"/>
             <a:ext cx="7749673" cy="1631133"/>
           </a:xfrm>
           <a:prstGeom prst="rect">
@@ -15608,8 +15242,8 @@
         </p:nvSpPr>
         <p:spPr>
           <a:xfrm>
-            <a:off x="999509" y="23969456"/>
-            <a:ext cx="7749673" cy="2012776"/>
+            <a:off x="999509" y="24840321"/>
+            <a:ext cx="7749673" cy="1277190"/>
           </a:xfrm>
           <a:prstGeom prst="rect">
             <a:avLst/>
@@ -15633,14 +15267,14 @@
               </a:lnSpc>
             </a:pPr>
             <a:r>
-              <a:rPr lang="en-US" sz="3600" dirty="0">
+              <a:rPr lang="en-US" sz="3600" dirty="0" smtClean="0">
                 <a:solidFill>
                   <a:srgbClr val="2C3E50"/>
                 </a:solidFill>
                 <a:latin typeface="Gotham Medium"/>
                 <a:cs typeface="Gotham Medium"/>
               </a:rPr>
-              <a:t>Statistic 2</a:t>
+              <a:t>One Year of DRS Activity</a:t>
             </a:r>
             <a:endParaRPr lang="en-US" sz="3600" dirty="0" smtClean="0">
               <a:solidFill>
@@ -15668,7 +15302,7 @@
                 <a:ea typeface="Helvetica" charset="0"/>
                 <a:cs typeface="Helvetica" charset="0"/>
               </a:rPr>
-              <a:t>Regardless of the collection method, statistics gathered about repository usage are utilized by content owners to measure the use and impact.</a:t>
+              <a:t>Views, downloads, and streams per month.</a:t>
             </a:r>
             <a:endParaRPr lang="en-US" sz="2300" dirty="0">
               <a:latin typeface="Helvetica" charset="0"/>
@@ -15678,28 +15312,6 @@
           </a:p>
         </p:txBody>
       </p:sp>
-      <p:graphicFrame>
-        <p:nvGraphicFramePr>
-          <p:cNvPr id="45" name="Chart 44"/>
-          <p:cNvGraphicFramePr/>
-          <p:nvPr>
-            <p:extLst>
-              <p:ext uri="{D42A27DB-BD31-4B8C-83A1-F6EECF244321}">
-                <p14:modId xmlns:p14="http://schemas.microsoft.com/office/powerpoint/2010/main" val="775154398"/>
-              </p:ext>
-            </p:extLst>
-          </p:nvPr>
-        </p:nvGraphicFramePr>
-        <p:xfrm>
-          <a:off x="793940" y="26105016"/>
-          <a:ext cx="7495795" cy="6621400"/>
-        </p:xfrm>
-        <a:graphic>
-          <a:graphicData uri="http://schemas.openxmlformats.org/drawingml/2006/chart">
-            <c:chart xmlns:c="http://schemas.openxmlformats.org/drawingml/2006/chart" xmlns:r="http://schemas.openxmlformats.org/officeDocument/2006/relationships" r:id="rId4"/>
-          </a:graphicData>
-        </a:graphic>
-      </p:graphicFrame>
       <p:sp>
         <p:nvSpPr>
           <p:cNvPr id="46" name="TextBox 45"/>
@@ -15708,7 +15320,7 @@
         </p:nvSpPr>
         <p:spPr>
           <a:xfrm>
-            <a:off x="985656" y="33058041"/>
+            <a:off x="1203375" y="32709698"/>
             <a:ext cx="7749673" cy="2012776"/>
           </a:xfrm>
           <a:prstGeom prst="rect">
@@ -15788,13 +15400,13 @@
           <p:nvPr>
             <p:extLst>
               <p:ext uri="{D42A27DB-BD31-4B8C-83A1-F6EECF244321}">
-                <p14:modId xmlns:p14="http://schemas.microsoft.com/office/powerpoint/2010/main" val="345489385"/>
+                <p14:modId xmlns:p14="http://schemas.microsoft.com/office/powerpoint/2010/main" val="1935213370"/>
               </p:ext>
             </p:extLst>
           </p:nvPr>
         </p:nvGraphicFramePr>
         <p:xfrm>
-          <a:off x="793940" y="35318289"/>
+          <a:off x="1011659" y="34969946"/>
           <a:ext cx="7495795" cy="6621400"/>
         </p:xfrm>
         <a:graphic>
@@ -15811,8 +15423,8 @@
         </p:nvSpPr>
         <p:spPr>
           <a:xfrm>
-            <a:off x="9192985" y="5829300"/>
-            <a:ext cx="20111358" cy="10629900"/>
+            <a:off x="9192985" y="6052456"/>
+            <a:ext cx="20111358" cy="10406743"/>
           </a:xfrm>
           <a:prstGeom prst="rect">
             <a:avLst/>
@@ -15858,8 +15470,8 @@
         </p:nvSpPr>
         <p:spPr>
           <a:xfrm>
-            <a:off x="985156" y="5894613"/>
-            <a:ext cx="7679873" cy="35993615"/>
+            <a:off x="985156" y="6052457"/>
+            <a:ext cx="7679873" cy="35835771"/>
           </a:xfrm>
           <a:prstGeom prst="rect">
             <a:avLst/>
@@ -15999,7 +15611,7 @@
         </p:nvSpPr>
         <p:spPr>
           <a:xfrm>
-            <a:off x="14020801" y="5781886"/>
+            <a:off x="14020801" y="6086687"/>
             <a:ext cx="10689771" cy="858614"/>
           </a:xfrm>
           <a:prstGeom prst="rect">
@@ -16051,7 +15663,7 @@
         </p:nvSpPr>
         <p:spPr>
           <a:xfrm>
-            <a:off x="10646001" y="7411232"/>
+            <a:off x="10646001" y="7846662"/>
             <a:ext cx="1464356" cy="523220"/>
           </a:xfrm>
           <a:prstGeom prst="rect">
@@ -16081,7 +15693,7 @@
         </p:nvSpPr>
         <p:spPr>
           <a:xfrm>
-            <a:off x="10296751" y="7498543"/>
+            <a:off x="10296751" y="7933973"/>
             <a:ext cx="365760" cy="365760"/>
           </a:xfrm>
           <a:prstGeom prst="rect">
@@ -16129,7 +15741,7 @@
         </p:nvSpPr>
         <p:spPr>
           <a:xfrm>
-            <a:off x="10684781" y="6831395"/>
+            <a:off x="10684781" y="7266825"/>
             <a:ext cx="1042987" cy="523220"/>
           </a:xfrm>
           <a:prstGeom prst="rect">
@@ -16159,7 +15771,7 @@
         </p:nvSpPr>
         <p:spPr>
           <a:xfrm>
-            <a:off x="10317387" y="6911450"/>
+            <a:off x="10317387" y="7346880"/>
             <a:ext cx="365760" cy="365760"/>
           </a:xfrm>
           <a:prstGeom prst="rect">
@@ -16206,13 +15818,13 @@
           <p:nvPr>
             <p:extLst>
               <p:ext uri="{D42A27DB-BD31-4B8C-83A1-F6EECF244321}">
-                <p14:modId xmlns:p14="http://schemas.microsoft.com/office/powerpoint/2010/main" val="1081071765"/>
+                <p14:modId xmlns:p14="http://schemas.microsoft.com/office/powerpoint/2010/main" val="530735215"/>
               </p:ext>
             </p:extLst>
           </p:nvPr>
         </p:nvGraphicFramePr>
         <p:xfrm>
-          <a:off x="15010682" y="7034212"/>
+          <a:off x="15010682" y="7469642"/>
           <a:ext cx="8627911" cy="6019800"/>
         </p:xfrm>
         <a:graphic>
@@ -16228,13 +15840,13 @@
           <p:nvPr>
             <p:extLst>
               <p:ext uri="{D42A27DB-BD31-4B8C-83A1-F6EECF244321}">
-                <p14:modId xmlns:p14="http://schemas.microsoft.com/office/powerpoint/2010/main" val="57278762"/>
+                <p14:modId xmlns:p14="http://schemas.microsoft.com/office/powerpoint/2010/main" val="1567172514"/>
               </p:ext>
             </p:extLst>
           </p:nvPr>
         </p:nvGraphicFramePr>
         <p:xfrm>
-          <a:off x="21107736" y="7037632"/>
+          <a:off x="21107736" y="7473062"/>
           <a:ext cx="8627911" cy="6019800"/>
         </p:xfrm>
         <a:graphic>
@@ -16250,13 +15862,13 @@
           <p:nvPr>
             <p:extLst>
               <p:ext uri="{D42A27DB-BD31-4B8C-83A1-F6EECF244321}">
-                <p14:modId xmlns:p14="http://schemas.microsoft.com/office/powerpoint/2010/main" val="318932324"/>
+                <p14:modId xmlns:p14="http://schemas.microsoft.com/office/powerpoint/2010/main" val="586296831"/>
               </p:ext>
             </p:extLst>
           </p:nvPr>
         </p:nvGraphicFramePr>
         <p:xfrm>
-          <a:off x="783772" y="15781399"/>
+          <a:off x="783772" y="16173286"/>
           <a:ext cx="7670498" cy="8156286"/>
         </p:xfrm>
         <a:graphic>
@@ -16265,6 +15877,35 @@
           </a:graphicData>
         </a:graphic>
       </p:graphicFrame>
+      <p:pic>
+        <p:nvPicPr>
+          <p:cNvPr id="3" name="Picture 2"/>
+          <p:cNvPicPr>
+            <a:picLocks noChangeAspect="1"/>
+          </p:cNvPicPr>
+          <p:nvPr/>
+        </p:nvPicPr>
+        <p:blipFill rotWithShape="1">
+          <a:blip r:embed="rId9">
+            <a:extLst>
+              <a:ext uri="{28A0092B-C50C-407E-A947-70E740481C1C}">
+                <a14:useLocalDpi xmlns:a14="http://schemas.microsoft.com/office/drawing/2010/main" val="0"/>
+              </a:ext>
+            </a:extLst>
+          </a:blip>
+          <a:srcRect l="1510" t="3414" r="16073" b="4969"/>
+          <a:stretch/>
+        </p:blipFill>
+        <p:spPr>
+          <a:xfrm>
+            <a:off x="1084817" y="26253143"/>
+            <a:ext cx="7487683" cy="5947937"/>
+          </a:xfrm>
+          <a:prstGeom prst="rect">
+            <a:avLst/>
+          </a:prstGeom>
+        </p:spPr>
+      </p:pic>
     </p:spTree>
     <p:extLst>
       <p:ext uri="{BB962C8B-B14F-4D97-AF65-F5344CB8AC3E}">
@@ -17620,4 +17261,265 @@
     </a:ext>
   </a:extLst>
 </a:theme>
+</file>
+
+<file path=ppt/theme/theme2.xml><?xml version="1.0" encoding="utf-8"?>
+<a:theme xmlns:a="http://schemas.openxmlformats.org/drawingml/2006/main" name="Office Theme">
+  <a:themeElements>
+    <a:clrScheme name="Office">
+      <a:dk1>
+        <a:sysClr val="windowText" lastClr="000000"/>
+      </a:dk1>
+      <a:lt1>
+        <a:sysClr val="window" lastClr="FFFFFF"/>
+      </a:lt1>
+      <a:dk2>
+        <a:srgbClr val="44546A"/>
+      </a:dk2>
+      <a:lt2>
+        <a:srgbClr val="E7E6E6"/>
+      </a:lt2>
+      <a:accent1>
+        <a:srgbClr val="5B9BD5"/>
+      </a:accent1>
+      <a:accent2>
+        <a:srgbClr val="ED7D31"/>
+      </a:accent2>
+      <a:accent3>
+        <a:srgbClr val="A5A5A5"/>
+      </a:accent3>
+      <a:accent4>
+        <a:srgbClr val="FFC000"/>
+      </a:accent4>
+      <a:accent5>
+        <a:srgbClr val="4472C4"/>
+      </a:accent5>
+      <a:accent6>
+        <a:srgbClr val="70AD47"/>
+      </a:accent6>
+      <a:hlink>
+        <a:srgbClr val="0563C1"/>
+      </a:hlink>
+      <a:folHlink>
+        <a:srgbClr val="954F72"/>
+      </a:folHlink>
+    </a:clrScheme>
+    <a:fontScheme name="Office">
+      <a:majorFont>
+        <a:latin typeface="Calibri Light" panose="020F0302020204030204"/>
+        <a:ea typeface=""/>
+        <a:cs typeface=""/>
+        <a:font script="Jpan" typeface="Yu Gothic Light"/>
+        <a:font script="Hang" typeface="맑은 고딕"/>
+        <a:font script="Hans" typeface="DengXian Light"/>
+        <a:font script="Hant" typeface="新細明體"/>
+        <a:font script="Arab" typeface="Times New Roman"/>
+        <a:font script="Hebr" typeface="Times New Roman"/>
+        <a:font script="Thai" typeface="Angsana New"/>
+        <a:font script="Ethi" typeface="Nyala"/>
+        <a:font script="Beng" typeface="Vrinda"/>
+        <a:font script="Gujr" typeface="Shruti"/>
+        <a:font script="Khmr" typeface="MoolBoran"/>
+        <a:font script="Knda" typeface="Tunga"/>
+        <a:font script="Guru" typeface="Raavi"/>
+        <a:font script="Cans" typeface="Euphemia"/>
+        <a:font script="Cher" typeface="Plantagenet Cherokee"/>
+        <a:font script="Yiii" typeface="Microsoft Yi Baiti"/>
+        <a:font script="Tibt" typeface="Microsoft Himalaya"/>
+        <a:font script="Thaa" typeface="MV Boli"/>
+        <a:font script="Deva" typeface="Mangal"/>
+        <a:font script="Telu" typeface="Gautami"/>
+        <a:font script="Taml" typeface="Latha"/>
+        <a:font script="Syrc" typeface="Estrangelo Edessa"/>
+        <a:font script="Orya" typeface="Kalinga"/>
+        <a:font script="Mlym" typeface="Kartika"/>
+        <a:font script="Laoo" typeface="DokChampa"/>
+        <a:font script="Sinh" typeface="Iskoola Pota"/>
+        <a:font script="Mong" typeface="Mongolian Baiti"/>
+        <a:font script="Viet" typeface="Times New Roman"/>
+        <a:font script="Uigh" typeface="Microsoft Uighur"/>
+        <a:font script="Geor" typeface="Sylfaen"/>
+      </a:majorFont>
+      <a:minorFont>
+        <a:latin typeface="Calibri" panose="020F0502020204030204"/>
+        <a:ea typeface=""/>
+        <a:cs typeface=""/>
+        <a:font script="Jpan" typeface="Yu Gothic"/>
+        <a:font script="Hang" typeface="맑은 고딕"/>
+        <a:font script="Hans" typeface="DengXian"/>
+        <a:font script="Hant" typeface="新細明體"/>
+        <a:font script="Arab" typeface="Arial"/>
+        <a:font script="Hebr" typeface="Arial"/>
+        <a:font script="Thai" typeface="Cordia New"/>
+        <a:font script="Ethi" typeface="Nyala"/>
+        <a:font script="Beng" typeface="Vrinda"/>
+        <a:font script="Gujr" typeface="Shruti"/>
+        <a:font script="Khmr" typeface="DaunPenh"/>
+        <a:font script="Knda" typeface="Tunga"/>
+        <a:font script="Guru" typeface="Raavi"/>
+        <a:font script="Cans" typeface="Euphemia"/>
+        <a:font script="Cher" typeface="Plantagenet Cherokee"/>
+        <a:font script="Yiii" typeface="Microsoft Yi Baiti"/>
+        <a:font script="Tibt" typeface="Microsoft Himalaya"/>
+        <a:font script="Thaa" typeface="MV Boli"/>
+        <a:font script="Deva" typeface="Mangal"/>
+        <a:font script="Telu" typeface="Gautami"/>
+        <a:font script="Taml" typeface="Latha"/>
+        <a:font script="Syrc" typeface="Estrangelo Edessa"/>
+        <a:font script="Orya" typeface="Kalinga"/>
+        <a:font script="Mlym" typeface="Kartika"/>
+        <a:font script="Laoo" typeface="DokChampa"/>
+        <a:font script="Sinh" typeface="Iskoola Pota"/>
+        <a:font script="Mong" typeface="Mongolian Baiti"/>
+        <a:font script="Viet" typeface="Arial"/>
+        <a:font script="Uigh" typeface="Microsoft Uighur"/>
+        <a:font script="Geor" typeface="Sylfaen"/>
+      </a:minorFont>
+    </a:fontScheme>
+    <a:fmtScheme name="Office">
+      <a:fillStyleLst>
+        <a:solidFill>
+          <a:schemeClr val="phClr"/>
+        </a:solidFill>
+        <a:gradFill rotWithShape="1">
+          <a:gsLst>
+            <a:gs pos="0">
+              <a:schemeClr val="phClr">
+                <a:lumMod val="110000"/>
+                <a:satMod val="105000"/>
+                <a:tint val="67000"/>
+              </a:schemeClr>
+            </a:gs>
+            <a:gs pos="50000">
+              <a:schemeClr val="phClr">
+                <a:lumMod val="105000"/>
+                <a:satMod val="103000"/>
+                <a:tint val="73000"/>
+              </a:schemeClr>
+            </a:gs>
+            <a:gs pos="100000">
+              <a:schemeClr val="phClr">
+                <a:lumMod val="105000"/>
+                <a:satMod val="109000"/>
+                <a:tint val="81000"/>
+              </a:schemeClr>
+            </a:gs>
+          </a:gsLst>
+          <a:lin ang="5400000" scaled="0"/>
+        </a:gradFill>
+        <a:gradFill rotWithShape="1">
+          <a:gsLst>
+            <a:gs pos="0">
+              <a:schemeClr val="phClr">
+                <a:satMod val="103000"/>
+                <a:lumMod val="102000"/>
+                <a:tint val="94000"/>
+              </a:schemeClr>
+            </a:gs>
+            <a:gs pos="50000">
+              <a:schemeClr val="phClr">
+                <a:satMod val="110000"/>
+                <a:lumMod val="100000"/>
+                <a:shade val="100000"/>
+              </a:schemeClr>
+            </a:gs>
+            <a:gs pos="100000">
+              <a:schemeClr val="phClr">
+                <a:lumMod val="99000"/>
+                <a:satMod val="120000"/>
+                <a:shade val="78000"/>
+              </a:schemeClr>
+            </a:gs>
+          </a:gsLst>
+          <a:lin ang="5400000" scaled="0"/>
+        </a:gradFill>
+      </a:fillStyleLst>
+      <a:lnStyleLst>
+        <a:ln w="6350" cap="flat" cmpd="sng" algn="ctr">
+          <a:solidFill>
+            <a:schemeClr val="phClr"/>
+          </a:solidFill>
+          <a:prstDash val="solid"/>
+          <a:miter lim="800000"/>
+        </a:ln>
+        <a:ln w="12700" cap="flat" cmpd="sng" algn="ctr">
+          <a:solidFill>
+            <a:schemeClr val="phClr"/>
+          </a:solidFill>
+          <a:prstDash val="solid"/>
+          <a:miter lim="800000"/>
+        </a:ln>
+        <a:ln w="19050" cap="flat" cmpd="sng" algn="ctr">
+          <a:solidFill>
+            <a:schemeClr val="phClr"/>
+          </a:solidFill>
+          <a:prstDash val="solid"/>
+          <a:miter lim="800000"/>
+        </a:ln>
+      </a:lnStyleLst>
+      <a:effectStyleLst>
+        <a:effectStyle>
+          <a:effectLst/>
+        </a:effectStyle>
+        <a:effectStyle>
+          <a:effectLst/>
+        </a:effectStyle>
+        <a:effectStyle>
+          <a:effectLst>
+            <a:outerShdw blurRad="57150" dist="19050" dir="5400000" algn="ctr" rotWithShape="0">
+              <a:srgbClr val="000000">
+                <a:alpha val="63000"/>
+              </a:srgbClr>
+            </a:outerShdw>
+          </a:effectLst>
+        </a:effectStyle>
+      </a:effectStyleLst>
+      <a:bgFillStyleLst>
+        <a:solidFill>
+          <a:schemeClr val="phClr"/>
+        </a:solidFill>
+        <a:solidFill>
+          <a:schemeClr val="phClr">
+            <a:tint val="95000"/>
+            <a:satMod val="170000"/>
+          </a:schemeClr>
+        </a:solidFill>
+        <a:gradFill rotWithShape="1">
+          <a:gsLst>
+            <a:gs pos="0">
+              <a:schemeClr val="phClr">
+                <a:tint val="93000"/>
+                <a:satMod val="150000"/>
+                <a:shade val="98000"/>
+                <a:lumMod val="102000"/>
+              </a:schemeClr>
+            </a:gs>
+            <a:gs pos="50000">
+              <a:schemeClr val="phClr">
+                <a:tint val="98000"/>
+                <a:satMod val="130000"/>
+                <a:shade val="90000"/>
+                <a:lumMod val="103000"/>
+              </a:schemeClr>
+            </a:gs>
+            <a:gs pos="100000">
+              <a:schemeClr val="phClr">
+                <a:shade val="63000"/>
+                <a:satMod val="120000"/>
+              </a:schemeClr>
+            </a:gs>
+          </a:gsLst>
+          <a:lin ang="5400000" scaled="0"/>
+        </a:gradFill>
+      </a:bgFillStyleLst>
+    </a:fmtScheme>
+  </a:themeElements>
+  <a:objectDefaults/>
+  <a:extraClrSchemeLst/>
+  <a:extLst>
+    <a:ext uri="{05A4C25C-085E-4340-85A3-A5531E510DB2}">
+      <thm15:themeFamily xmlns:thm15="http://schemas.microsoft.com/office/thememl/2012/main" name="Office Theme" id="{62F939B6-93AF-4DB8-9C6B-D6C7DFDC589F}" vid="{4A3C46E8-61CC-4603-A589-7422A47A8E4A}"/>
+    </a:ext>
+  </a:extLst>
+</a:theme>
 </file>
--- a/Presentations/Open Repositories 2016/Statistics/SweeneySarahORstatistics33x46.pptx
+++ b/Presentations/Open Repositories 2016/Statistics/SweeneySarahORstatistics33x46.pptx
@@ -292,6 +292,61 @@
               <a:effectLst/>
             </c:spPr>
           </c:dPt>
+          <c:dLbls>
+            <c:spPr>
+              <a:noFill/>
+              <a:ln>
+                <a:noFill/>
+              </a:ln>
+              <a:effectLst/>
+            </c:spPr>
+            <c:txPr>
+              <a:bodyPr rot="0" spcFirstLastPara="1" vertOverflow="ellipsis" vert="horz" wrap="square" lIns="38100" tIns="19050" rIns="38100" bIns="19050" anchor="ctr" anchorCtr="1">
+                <a:spAutoFit/>
+              </a:bodyPr>
+              <a:lstStyle/>
+              <a:p>
+                <a:pPr>
+                  <a:defRPr sz="2000" b="1" i="0" u="none" strike="noStrike" kern="1200" baseline="0">
+                    <a:solidFill>
+                      <a:srgbClr val="ECF0F1"/>
+                    </a:solidFill>
+                    <a:latin typeface="Helvetica" charset="0"/>
+                    <a:ea typeface="Helvetica" charset="0"/>
+                    <a:cs typeface="Helvetica" charset="0"/>
+                  </a:defRPr>
+                </a:pPr>
+                <a:endParaRPr lang="en-US"/>
+              </a:p>
+            </c:txPr>
+            <c:dLblPos val="inEnd"/>
+            <c:showLegendKey val="0"/>
+            <c:showVal val="1"/>
+            <c:showCatName val="0"/>
+            <c:showSerName val="0"/>
+            <c:showPercent val="0"/>
+            <c:showBubbleSize val="0"/>
+            <c:showLeaderLines val="1"/>
+            <c:leaderLines>
+              <c:spPr>
+                <a:ln w="9525" cap="flat" cmpd="sng" algn="ctr">
+                  <a:solidFill>
+                    <a:schemeClr val="tx1">
+                      <a:lumMod val="35000"/>
+                      <a:lumOff val="65000"/>
+                    </a:schemeClr>
+                  </a:solidFill>
+                  <a:round/>
+                </a:ln>
+                <a:effectLst/>
+              </c:spPr>
+            </c:leaderLines>
+            <c:extLst>
+              <c:ext xmlns:c15="http://schemas.microsoft.com/office/drawing/2012/chart" uri="{CE6537A1-D6FC-4f65-9D91-7224C49458BB}">
+                <c15:layout/>
+              </c:ext>
+            </c:extLst>
+          </c:dLbls>
           <c:cat>
             <c:strRef>
               <c:f>Sheet1!$A$2:$A$5</c:f>
@@ -777,6 +832,61 @@
               <a:effectLst/>
             </c:spPr>
           </c:dPt>
+          <c:dLbls>
+            <c:spPr>
+              <a:noFill/>
+              <a:ln>
+                <a:noFill/>
+              </a:ln>
+              <a:effectLst/>
+            </c:spPr>
+            <c:txPr>
+              <a:bodyPr rot="0" spcFirstLastPara="1" vertOverflow="ellipsis" vert="horz" wrap="square" lIns="38100" tIns="19050" rIns="38100" bIns="19050" anchor="ctr" anchorCtr="1">
+                <a:spAutoFit/>
+              </a:bodyPr>
+              <a:lstStyle/>
+              <a:p>
+                <a:pPr>
+                  <a:defRPr sz="2000" b="1" i="0" u="none" strike="noStrike" kern="1200" baseline="0">
+                    <a:solidFill>
+                      <a:srgbClr val="ECF0F1"/>
+                    </a:solidFill>
+                    <a:latin typeface="Helvetica" charset="0"/>
+                    <a:ea typeface="Helvetica" charset="0"/>
+                    <a:cs typeface="Helvetica" charset="0"/>
+                  </a:defRPr>
+                </a:pPr>
+                <a:endParaRPr lang="en-US"/>
+              </a:p>
+            </c:txPr>
+            <c:dLblPos val="inEnd"/>
+            <c:showLegendKey val="0"/>
+            <c:showVal val="1"/>
+            <c:showCatName val="0"/>
+            <c:showSerName val="0"/>
+            <c:showPercent val="0"/>
+            <c:showBubbleSize val="0"/>
+            <c:showLeaderLines val="1"/>
+            <c:leaderLines>
+              <c:spPr>
+                <a:ln w="9525" cap="flat" cmpd="sng" algn="ctr">
+                  <a:solidFill>
+                    <a:schemeClr val="tx1">
+                      <a:lumMod val="35000"/>
+                      <a:lumOff val="65000"/>
+                    </a:schemeClr>
+                  </a:solidFill>
+                  <a:round/>
+                </a:ln>
+                <a:effectLst/>
+              </c:spPr>
+            </c:leaderLines>
+            <c:extLst>
+              <c:ext xmlns:c15="http://schemas.microsoft.com/office/drawing/2012/chart" uri="{CE6537A1-D6FC-4f65-9D91-7224C49458BB}">
+                <c15:layout/>
+              </c:ext>
+            </c:extLst>
+          </c:dLbls>
           <c:cat>
             <c:strRef>
               <c:f>Sheet1!$A$2:$A$5</c:f>
@@ -1010,6 +1120,61 @@
               <a:effectLst/>
             </c:spPr>
           </c:dPt>
+          <c:dLbls>
+            <c:spPr>
+              <a:noFill/>
+              <a:ln>
+                <a:noFill/>
+              </a:ln>
+              <a:effectLst/>
+            </c:spPr>
+            <c:txPr>
+              <a:bodyPr rot="0" spcFirstLastPara="1" vertOverflow="ellipsis" vert="horz" wrap="square" lIns="38100" tIns="19050" rIns="38100" bIns="19050" anchor="ctr" anchorCtr="1">
+                <a:spAutoFit/>
+              </a:bodyPr>
+              <a:lstStyle/>
+              <a:p>
+                <a:pPr>
+                  <a:defRPr sz="2000" b="1" i="0" u="none" strike="noStrike" kern="1200" baseline="0">
+                    <a:solidFill>
+                      <a:srgbClr val="ECF0F1"/>
+                    </a:solidFill>
+                    <a:latin typeface="Helvetica" charset="0"/>
+                    <a:ea typeface="Helvetica" charset="0"/>
+                    <a:cs typeface="Helvetica" charset="0"/>
+                  </a:defRPr>
+                </a:pPr>
+                <a:endParaRPr lang="en-US"/>
+              </a:p>
+            </c:txPr>
+            <c:dLblPos val="inEnd"/>
+            <c:showLegendKey val="0"/>
+            <c:showVal val="1"/>
+            <c:showCatName val="0"/>
+            <c:showSerName val="0"/>
+            <c:showPercent val="0"/>
+            <c:showBubbleSize val="0"/>
+            <c:showLeaderLines val="1"/>
+            <c:leaderLines>
+              <c:spPr>
+                <a:ln w="9525" cap="flat" cmpd="sng" algn="ctr">
+                  <a:solidFill>
+                    <a:schemeClr val="tx1">
+                      <a:lumMod val="35000"/>
+                      <a:lumOff val="65000"/>
+                    </a:schemeClr>
+                  </a:solidFill>
+                  <a:round/>
+                </a:ln>
+                <a:effectLst/>
+              </c:spPr>
+            </c:leaderLines>
+            <c:extLst>
+              <c:ext xmlns:c15="http://schemas.microsoft.com/office/drawing/2012/chart" uri="{CE6537A1-D6FC-4f65-9D91-7224C49458BB}">
+                <c15:layout/>
+              </c:ext>
+            </c:extLst>
+          </c:dLbls>
           <c:cat>
             <c:strRef>
               <c:f>Sheet1!$A$2:$A$5</c:f>
@@ -1181,6 +1346,61 @@
               <a:effectLst/>
             </c:spPr>
           </c:dPt>
+          <c:dLbls>
+            <c:spPr>
+              <a:noFill/>
+              <a:ln>
+                <a:noFill/>
+              </a:ln>
+              <a:effectLst/>
+            </c:spPr>
+            <c:txPr>
+              <a:bodyPr rot="0" spcFirstLastPara="1" vertOverflow="ellipsis" vert="horz" wrap="square" lIns="38100" tIns="19050" rIns="38100" bIns="19050" anchor="ctr" anchorCtr="1">
+                <a:spAutoFit/>
+              </a:bodyPr>
+              <a:lstStyle/>
+              <a:p>
+                <a:pPr>
+                  <a:defRPr sz="2000" b="1" i="0" u="none" strike="noStrike" kern="1200" baseline="0">
+                    <a:solidFill>
+                      <a:srgbClr val="ECF0F1"/>
+                    </a:solidFill>
+                    <a:latin typeface="Helvetica" charset="0"/>
+                    <a:ea typeface="Helvetica" charset="0"/>
+                    <a:cs typeface="Helvetica" charset="0"/>
+                  </a:defRPr>
+                </a:pPr>
+                <a:endParaRPr lang="en-US"/>
+              </a:p>
+            </c:txPr>
+            <c:dLblPos val="inEnd"/>
+            <c:showLegendKey val="0"/>
+            <c:showVal val="1"/>
+            <c:showCatName val="0"/>
+            <c:showSerName val="0"/>
+            <c:showPercent val="0"/>
+            <c:showBubbleSize val="0"/>
+            <c:showLeaderLines val="1"/>
+            <c:leaderLines>
+              <c:spPr>
+                <a:ln w="9525" cap="flat" cmpd="sng" algn="ctr">
+                  <a:solidFill>
+                    <a:schemeClr val="tx1">
+                      <a:lumMod val="35000"/>
+                      <a:lumOff val="65000"/>
+                    </a:schemeClr>
+                  </a:solidFill>
+                  <a:round/>
+                </a:ln>
+                <a:effectLst/>
+              </c:spPr>
+            </c:leaderLines>
+            <c:extLst>
+              <c:ext xmlns:c15="http://schemas.microsoft.com/office/drawing/2012/chart" uri="{CE6537A1-D6FC-4f65-9D91-7224C49458BB}">
+                <c15:layout/>
+              </c:ext>
+            </c:extLst>
+          </c:dLbls>
           <c:cat>
             <c:strRef>
               <c:f>Sheet1!$A$2:$A$5</c:f>
@@ -4175,7 +4395,7 @@
           <a:p>
             <a:fld id="{7F7A6B22-0AC0-E647-B4AB-610E8EE21CF0}" type="datetimeFigureOut">
               <a:rPr lang="en-US" smtClean="0"/>
-              <a:t>5/22/16</a:t>
+              <a:t>5/23/16</a:t>
             </a:fld>
             <a:endParaRPr lang="en-US"/>
           </a:p>
@@ -4658,7 +4878,7 @@
           <a:p>
             <a:fld id="{180E51A3-104B-B744-9E20-3025749670C7}" type="datetimeFigureOut">
               <a:rPr lang="en-US" smtClean="0"/>
-              <a:t>5/22/16</a:t>
+              <a:t>5/23/16</a:t>
             </a:fld>
             <a:endParaRPr lang="en-US"/>
           </a:p>
@@ -4828,7 +5048,7 @@
           <a:p>
             <a:fld id="{180E51A3-104B-B744-9E20-3025749670C7}" type="datetimeFigureOut">
               <a:rPr lang="en-US" smtClean="0"/>
-              <a:t>5/22/16</a:t>
+              <a:t>5/23/16</a:t>
             </a:fld>
             <a:endParaRPr lang="en-US"/>
           </a:p>
@@ -5008,7 +5228,7 @@
           <a:p>
             <a:fld id="{180E51A3-104B-B744-9E20-3025749670C7}" type="datetimeFigureOut">
               <a:rPr lang="en-US" smtClean="0"/>
-              <a:t>5/22/16</a:t>
+              <a:t>5/23/16</a:t>
             </a:fld>
             <a:endParaRPr lang="en-US"/>
           </a:p>
@@ -5178,7 +5398,7 @@
           <a:p>
             <a:fld id="{180E51A3-104B-B744-9E20-3025749670C7}" type="datetimeFigureOut">
               <a:rPr lang="en-US" smtClean="0"/>
-              <a:t>5/22/16</a:t>
+              <a:t>5/23/16</a:t>
             </a:fld>
             <a:endParaRPr lang="en-US"/>
           </a:p>
@@ -5422,7 +5642,7 @@
           <a:p>
             <a:fld id="{180E51A3-104B-B744-9E20-3025749670C7}" type="datetimeFigureOut">
               <a:rPr lang="en-US" smtClean="0"/>
-              <a:t>5/22/16</a:t>
+              <a:t>5/23/16</a:t>
             </a:fld>
             <a:endParaRPr lang="en-US"/>
           </a:p>
@@ -5654,7 +5874,7 @@
           <a:p>
             <a:fld id="{180E51A3-104B-B744-9E20-3025749670C7}" type="datetimeFigureOut">
               <a:rPr lang="en-US" smtClean="0"/>
-              <a:t>5/22/16</a:t>
+              <a:t>5/23/16</a:t>
             </a:fld>
             <a:endParaRPr lang="en-US"/>
           </a:p>
@@ -6021,7 +6241,7 @@
           <a:p>
             <a:fld id="{180E51A3-104B-B744-9E20-3025749670C7}" type="datetimeFigureOut">
               <a:rPr lang="en-US" smtClean="0"/>
-              <a:t>5/22/16</a:t>
+              <a:t>5/23/16</a:t>
             </a:fld>
             <a:endParaRPr lang="en-US"/>
           </a:p>
@@ -6139,7 +6359,7 @@
           <a:p>
             <a:fld id="{180E51A3-104B-B744-9E20-3025749670C7}" type="datetimeFigureOut">
               <a:rPr lang="en-US" smtClean="0"/>
-              <a:t>5/22/16</a:t>
+              <a:t>5/23/16</a:t>
             </a:fld>
             <a:endParaRPr lang="en-US"/>
           </a:p>
@@ -6234,7 +6454,7 @@
           <a:p>
             <a:fld id="{180E51A3-104B-B744-9E20-3025749670C7}" type="datetimeFigureOut">
               <a:rPr lang="en-US" smtClean="0"/>
-              <a:t>5/22/16</a:t>
+              <a:t>5/23/16</a:t>
             </a:fld>
             <a:endParaRPr lang="en-US"/>
           </a:p>
@@ -6511,7 +6731,7 @@
           <a:p>
             <a:fld id="{180E51A3-104B-B744-9E20-3025749670C7}" type="datetimeFigureOut">
               <a:rPr lang="en-US" smtClean="0"/>
-              <a:t>5/22/16</a:t>
+              <a:t>5/23/16</a:t>
             </a:fld>
             <a:endParaRPr lang="en-US"/>
           </a:p>
@@ -6768,7 +6988,7 @@
           <a:p>
             <a:fld id="{180E51A3-104B-B744-9E20-3025749670C7}" type="datetimeFigureOut">
               <a:rPr lang="en-US" smtClean="0"/>
-              <a:t>5/22/16</a:t>
+              <a:t>5/23/16</a:t>
             </a:fld>
             <a:endParaRPr lang="en-US"/>
           </a:p>
@@ -6981,7 +7201,7 @@
           <a:p>
             <a:fld id="{180E51A3-104B-B744-9E20-3025749670C7}" type="datetimeFigureOut">
               <a:rPr lang="en-US" smtClean="0"/>
-              <a:t>5/22/16</a:t>
+              <a:t>5/23/16</a:t>
             </a:fld>
             <a:endParaRPr lang="en-US"/>
           </a:p>
@@ -7401,13 +7621,13 @@
           <p:nvPr>
             <p:extLst>
               <p:ext uri="{D42A27DB-BD31-4B8C-83A1-F6EECF244321}">
-                <p14:modId xmlns:p14="http://schemas.microsoft.com/office/powerpoint/2010/main" val="1250036488"/>
+                <p14:modId xmlns:p14="http://schemas.microsoft.com/office/powerpoint/2010/main" val="1455660182"/>
               </p:ext>
             </p:extLst>
           </p:nvPr>
         </p:nvGraphicFramePr>
         <p:xfrm>
-          <a:off x="10551705" y="7464706"/>
+          <a:off x="10551705" y="8836305"/>
           <a:ext cx="6124196" cy="6074228"/>
         </p:xfrm>
         <a:graphic>
@@ -8189,7 +8409,7 @@
         </p:nvSpPr>
         <p:spPr>
           <a:xfrm>
-            <a:off x="9169400" y="14200742"/>
+            <a:off x="9169400" y="16057247"/>
             <a:ext cx="20142200" cy="2797606"/>
           </a:xfrm>
           <a:prstGeom prst="rect">
@@ -8263,7 +8483,7 @@
         </p:nvSpPr>
         <p:spPr>
           <a:xfrm>
-            <a:off x="18598896" y="36880775"/>
+            <a:off x="18598896" y="28762015"/>
             <a:ext cx="10753344" cy="2428274"/>
           </a:xfrm>
           <a:prstGeom prst="rect">
@@ -8330,7 +8550,7 @@
         </p:nvSpPr>
         <p:spPr>
           <a:xfrm>
-            <a:off x="24790416" y="32479905"/>
+            <a:off x="24790416" y="24361145"/>
             <a:ext cx="3555983" cy="2279003"/>
           </a:xfrm>
           <a:prstGeom prst="rect">
@@ -8445,13 +8665,13 @@
           <p:nvPr>
             <p:extLst>
               <p:ext uri="{D42A27DB-BD31-4B8C-83A1-F6EECF244321}">
-                <p14:modId xmlns:p14="http://schemas.microsoft.com/office/powerpoint/2010/main" val="238791985"/>
+                <p14:modId xmlns:p14="http://schemas.microsoft.com/office/powerpoint/2010/main" val="535762064"/>
               </p:ext>
             </p:extLst>
           </p:nvPr>
         </p:nvGraphicFramePr>
         <p:xfrm>
-          <a:off x="9287410" y="32641599"/>
+          <a:off x="9287410" y="24522839"/>
           <a:ext cx="6128143" cy="5286086"/>
         </p:xfrm>
         <a:graphic>
@@ -10240,7 +10460,7 @@
         </p:nvSpPr>
         <p:spPr>
           <a:xfrm>
-            <a:off x="15605051" y="31664998"/>
+            <a:off x="15605051" y="23546238"/>
             <a:ext cx="7696199" cy="2797606"/>
           </a:xfrm>
           <a:prstGeom prst="rect">
@@ -10317,7 +10537,7 @@
         </p:nvSpPr>
         <p:spPr>
           <a:xfrm>
-            <a:off x="26575674" y="32403705"/>
+            <a:off x="26575674" y="24284945"/>
             <a:ext cx="2735926" cy="2668340"/>
           </a:xfrm>
           <a:prstGeom prst="rect">
@@ -10461,7 +10681,7 @@
         </p:nvSpPr>
         <p:spPr>
           <a:xfrm>
-            <a:off x="24150484" y="31789714"/>
+            <a:off x="24150484" y="23670954"/>
             <a:ext cx="4535567" cy="858614"/>
           </a:xfrm>
           <a:prstGeom prst="rect">
@@ -10513,7 +10733,7 @@
         </p:nvSpPr>
         <p:spPr>
           <a:xfrm>
-            <a:off x="9166831" y="31684483"/>
+            <a:off x="9166831" y="23565723"/>
             <a:ext cx="4013200" cy="858614"/>
           </a:xfrm>
           <a:prstGeom prst="rect">
@@ -10565,7 +10785,7 @@
         </p:nvSpPr>
         <p:spPr>
           <a:xfrm rot="10800000">
-            <a:off x="9079107" y="16952687"/>
+            <a:off x="9079107" y="18227301"/>
             <a:ext cx="20363688" cy="457200"/>
           </a:xfrm>
           <a:prstGeom prst="rect">
@@ -10661,7 +10881,7 @@
         </p:nvSpPr>
         <p:spPr>
           <a:xfrm>
-            <a:off x="16310973" y="35285345"/>
+            <a:off x="16310973" y="27166585"/>
             <a:ext cx="7696199" cy="1320279"/>
           </a:xfrm>
           <a:prstGeom prst="rect">
@@ -10738,7 +10958,7 @@
         </p:nvSpPr>
         <p:spPr>
           <a:xfrm>
-            <a:off x="9231086" y="26749371"/>
+            <a:off x="9203376" y="18713734"/>
             <a:ext cx="20073257" cy="1689611"/>
           </a:xfrm>
           <a:prstGeom prst="rect">
@@ -10815,8 +11035,8 @@
         </p:nvSpPr>
         <p:spPr>
           <a:xfrm rot="10800000">
-            <a:off x="9143999" y="13737075"/>
-            <a:ext cx="20146397" cy="544984"/>
+            <a:off x="9251439" y="15369637"/>
+            <a:ext cx="20146397" cy="685800"/>
           </a:xfrm>
           <a:prstGeom prst="rect">
             <a:avLst/>
@@ -10864,13 +11084,13 @@
           <p:nvPr>
             <p:extLst>
               <p:ext uri="{D42A27DB-BD31-4B8C-83A1-F6EECF244321}">
-                <p14:modId xmlns:p14="http://schemas.microsoft.com/office/powerpoint/2010/main" val="1877439299"/>
+                <p14:modId xmlns:p14="http://schemas.microsoft.com/office/powerpoint/2010/main" val="1477048883"/>
               </p:ext>
             </p:extLst>
           </p:nvPr>
         </p:nvGraphicFramePr>
         <p:xfrm>
-          <a:off x="9245925" y="29474750"/>
+          <a:off x="9245925" y="21023477"/>
           <a:ext cx="20134211" cy="1747520"/>
         </p:xfrm>
         <a:graphic>
@@ -15058,7 +15278,7 @@
         </p:nvSpPr>
         <p:spPr>
           <a:xfrm rot="10800000">
-            <a:off x="9079107" y="29191857"/>
+            <a:off x="9079107" y="20491203"/>
             <a:ext cx="20363688" cy="228600"/>
           </a:xfrm>
           <a:prstGeom prst="rect">
@@ -15106,7 +15326,7 @@
         </p:nvSpPr>
         <p:spPr>
           <a:xfrm rot="10800000">
-            <a:off x="9142794" y="31309356"/>
+            <a:off x="9142794" y="23190596"/>
             <a:ext cx="20363688" cy="457200"/>
           </a:xfrm>
           <a:prstGeom prst="rect">
@@ -15154,7 +15374,7 @@
         </p:nvSpPr>
         <p:spPr>
           <a:xfrm>
-            <a:off x="984297" y="14192109"/>
+            <a:off x="956588" y="14108982"/>
             <a:ext cx="7749673" cy="1631133"/>
           </a:xfrm>
           <a:prstGeom prst="rect">
@@ -15276,13 +15496,6 @@
               </a:rPr>
               <a:t>One Year of DRS Activity</a:t>
             </a:r>
-            <a:endParaRPr lang="en-US" sz="3600" dirty="0" smtClean="0">
-              <a:solidFill>
-                <a:srgbClr val="2C3E50"/>
-              </a:solidFill>
-              <a:latin typeface="Gotham Medium"/>
-              <a:cs typeface="Gotham Medium"/>
-            </a:endParaRPr>
           </a:p>
           <a:p>
             <a:pPr algn="just">
@@ -15511,53 +15724,6 @@
       </p:sp>
       <p:sp>
         <p:nvSpPr>
-          <p:cNvPr id="48" name="Rectangle 47"/>
-          <p:cNvSpPr/>
-          <p:nvPr/>
-        </p:nvSpPr>
-        <p:spPr>
-          <a:xfrm>
-            <a:off x="9171214" y="16998042"/>
-            <a:ext cx="20046043" cy="12393388"/>
-          </a:xfrm>
-          <a:prstGeom prst="rect">
-            <a:avLst/>
-          </a:prstGeom>
-          <a:noFill/>
-          <a:ln w="12700">
-            <a:solidFill>
-              <a:srgbClr val="FFFF00"/>
-            </a:solidFill>
-            <a:prstDash val="dash"/>
-          </a:ln>
-        </p:spPr>
-        <p:style>
-          <a:lnRef idx="2">
-            <a:schemeClr val="accent1">
-              <a:shade val="50000"/>
-            </a:schemeClr>
-          </a:lnRef>
-          <a:fillRef idx="1">
-            <a:schemeClr val="accent1"/>
-          </a:fillRef>
-          <a:effectRef idx="0">
-            <a:schemeClr val="accent1"/>
-          </a:effectRef>
-          <a:fontRef idx="minor">
-            <a:schemeClr val="lt1"/>
-          </a:fontRef>
-        </p:style>
-        <p:txBody>
-          <a:bodyPr rtlCol="0" anchor="ctr"/>
-          <a:lstStyle/>
-          <a:p>
-            <a:pPr algn="ctr"/>
-            <a:endParaRPr lang="en-US"/>
-          </a:p>
-        </p:txBody>
-      </p:sp>
-      <p:sp>
-        <p:nvSpPr>
           <p:cNvPr id="49" name="Rectangle 48"/>
           <p:cNvSpPr/>
           <p:nvPr/>
@@ -15611,7 +15777,7 @@
         </p:nvSpPr>
         <p:spPr>
           <a:xfrm>
-            <a:off x="14020801" y="6086687"/>
+            <a:off x="14020801" y="6543885"/>
             <a:ext cx="10689771" cy="858614"/>
           </a:xfrm>
           <a:prstGeom prst="rect">
@@ -15663,7 +15829,7 @@
         </p:nvSpPr>
         <p:spPr>
           <a:xfrm>
-            <a:off x="10646001" y="7846662"/>
+            <a:off x="10368911" y="8179170"/>
             <a:ext cx="1464356" cy="523220"/>
           </a:xfrm>
           <a:prstGeom prst="rect">
@@ -15693,7 +15859,7 @@
         </p:nvSpPr>
         <p:spPr>
           <a:xfrm>
-            <a:off x="10296751" y="7933973"/>
+            <a:off x="10019661" y="8266481"/>
             <a:ext cx="365760" cy="365760"/>
           </a:xfrm>
           <a:prstGeom prst="rect">
@@ -15741,7 +15907,7 @@
         </p:nvSpPr>
         <p:spPr>
           <a:xfrm>
-            <a:off x="10684781" y="7266825"/>
+            <a:off x="10407691" y="7599333"/>
             <a:ext cx="1042987" cy="523220"/>
           </a:xfrm>
           <a:prstGeom prst="rect">
@@ -15771,7 +15937,7 @@
         </p:nvSpPr>
         <p:spPr>
           <a:xfrm>
-            <a:off x="10317387" y="7346880"/>
+            <a:off x="10040297" y="7679388"/>
             <a:ext cx="365760" cy="365760"/>
           </a:xfrm>
           <a:prstGeom prst="rect">
@@ -15818,13 +15984,13 @@
           <p:nvPr>
             <p:extLst>
               <p:ext uri="{D42A27DB-BD31-4B8C-83A1-F6EECF244321}">
-                <p14:modId xmlns:p14="http://schemas.microsoft.com/office/powerpoint/2010/main" val="530735215"/>
+                <p14:modId xmlns:p14="http://schemas.microsoft.com/office/powerpoint/2010/main" val="1146972250"/>
               </p:ext>
             </p:extLst>
           </p:nvPr>
         </p:nvGraphicFramePr>
         <p:xfrm>
-          <a:off x="15010682" y="7469642"/>
+          <a:off x="15010682" y="8841241"/>
           <a:ext cx="8627911" cy="6019800"/>
         </p:xfrm>
         <a:graphic>
@@ -15840,13 +16006,13 @@
           <p:nvPr>
             <p:extLst>
               <p:ext uri="{D42A27DB-BD31-4B8C-83A1-F6EECF244321}">
-                <p14:modId xmlns:p14="http://schemas.microsoft.com/office/powerpoint/2010/main" val="1567172514"/>
+                <p14:modId xmlns:p14="http://schemas.microsoft.com/office/powerpoint/2010/main" val="1349390278"/>
               </p:ext>
             </p:extLst>
           </p:nvPr>
         </p:nvGraphicFramePr>
         <p:xfrm>
-          <a:off x="21107736" y="7473062"/>
+          <a:off x="21107736" y="8844661"/>
           <a:ext cx="8627911" cy="6019800"/>
         </p:xfrm>
         <a:graphic>
@@ -15862,7 +16028,7 @@
           <p:nvPr>
             <p:extLst>
               <p:ext uri="{D42A27DB-BD31-4B8C-83A1-F6EECF244321}">
-                <p14:modId xmlns:p14="http://schemas.microsoft.com/office/powerpoint/2010/main" val="586296831"/>
+                <p14:modId xmlns:p14="http://schemas.microsoft.com/office/powerpoint/2010/main" val="1137223833"/>
               </p:ext>
             </p:extLst>
           </p:nvPr>
@@ -15906,6 +16072,54 @@
           </a:prstGeom>
         </p:spPr>
       </p:pic>
+      <p:sp>
+        <p:nvSpPr>
+          <p:cNvPr id="51" name="Rectangle 50"/>
+          <p:cNvSpPr/>
+          <p:nvPr/>
+        </p:nvSpPr>
+        <p:spPr>
+          <a:xfrm rot="10800000">
+            <a:off x="955961" y="13418127"/>
+            <a:ext cx="7800111" cy="685800"/>
+          </a:xfrm>
+          <a:prstGeom prst="rect">
+            <a:avLst/>
+          </a:prstGeom>
+          <a:solidFill>
+            <a:srgbClr val="1C2939"/>
+          </a:solidFill>
+          <a:ln>
+            <a:noFill/>
+          </a:ln>
+          <a:effectLst/>
+        </p:spPr>
+        <p:style>
+          <a:lnRef idx="1">
+            <a:schemeClr val="accent1"/>
+          </a:lnRef>
+          <a:fillRef idx="3">
+            <a:schemeClr val="accent1"/>
+          </a:fillRef>
+          <a:effectRef idx="2">
+            <a:schemeClr val="accent1"/>
+          </a:effectRef>
+          <a:fontRef idx="minor">
+            <a:schemeClr val="lt1"/>
+          </a:fontRef>
+        </p:style>
+        <p:txBody>
+          <a:bodyPr lIns="329104" tIns="164551" rIns="329104" bIns="164551" rtlCol="0" anchor="ctr"/>
+          <a:lstStyle/>
+          <a:p>
+            <a:pPr algn="ctr"/>
+            <a:endParaRPr lang="en-US">
+              <a:latin typeface="Helvetica"/>
+              <a:cs typeface="Helvetica"/>
+            </a:endParaRPr>
+          </a:p>
+        </p:txBody>
+      </p:sp>
     </p:spTree>
     <p:extLst>
       <p:ext uri="{BB962C8B-B14F-4D97-AF65-F5344CB8AC3E}">

--- a/Presentations/Open Repositories 2016/Statistics/SweeneySarahORstatistics33x46.pptx
+++ b/Presentations/Open Repositories 2016/Statistics/SweeneySarahORstatistics33x46.pptx
@@ -438,250 +438,6 @@
   </mc:AlternateContent>
   <c:chart>
     <c:title>
-      <c:layout/>
-      <c:overlay val="0"/>
-      <c:spPr>
-        <a:noFill/>
-        <a:ln>
-          <a:noFill/>
-        </a:ln>
-        <a:effectLst/>
-      </c:spPr>
-      <c:txPr>
-        <a:bodyPr rot="0" spcFirstLastPara="1" vertOverflow="ellipsis" vert="horz" wrap="square" anchor="ctr" anchorCtr="1"/>
-        <a:lstStyle/>
-        <a:p>
-          <a:pPr>
-            <a:defRPr sz="1862" b="0" i="0" u="none" strike="noStrike" kern="1200" spc="0" baseline="0">
-              <a:solidFill>
-                <a:schemeClr val="tx1">
-                  <a:lumMod val="65000"/>
-                  <a:lumOff val="35000"/>
-                </a:schemeClr>
-              </a:solidFill>
-              <a:latin typeface="+mn-lt"/>
-              <a:ea typeface="+mn-ea"/>
-              <a:cs typeface="+mn-cs"/>
-            </a:defRPr>
-          </a:pPr>
-          <a:endParaRPr lang="en-US"/>
-        </a:p>
-      </c:txPr>
-    </c:title>
-    <c:autoTitleDeleted val="0"/>
-    <c:plotArea>
-      <c:layout/>
-      <c:pieChart>
-        <c:varyColors val="1"/>
-        <c:ser>
-          <c:idx val="0"/>
-          <c:order val="0"/>
-          <c:tx>
-            <c:strRef>
-              <c:f>Sheet1!$B$1</c:f>
-              <c:strCache>
-                <c:ptCount val="1"/>
-                <c:pt idx="0">
-                  <c:v>Sales</c:v>
-                </c:pt>
-              </c:strCache>
-            </c:strRef>
-          </c:tx>
-          <c:dPt>
-            <c:idx val="0"/>
-            <c:bubble3D val="0"/>
-            <c:spPr>
-              <a:solidFill>
-                <a:schemeClr val="accent1"/>
-              </a:solidFill>
-              <a:ln w="19050">
-                <a:solidFill>
-                  <a:schemeClr val="lt1"/>
-                </a:solidFill>
-              </a:ln>
-              <a:effectLst/>
-            </c:spPr>
-          </c:dPt>
-          <c:dPt>
-            <c:idx val="1"/>
-            <c:bubble3D val="0"/>
-            <c:spPr>
-              <a:solidFill>
-                <a:schemeClr val="accent2"/>
-              </a:solidFill>
-              <a:ln w="19050">
-                <a:solidFill>
-                  <a:schemeClr val="lt1"/>
-                </a:solidFill>
-              </a:ln>
-              <a:effectLst/>
-            </c:spPr>
-          </c:dPt>
-          <c:dPt>
-            <c:idx val="2"/>
-            <c:bubble3D val="0"/>
-            <c:spPr>
-              <a:solidFill>
-                <a:schemeClr val="accent3"/>
-              </a:solidFill>
-              <a:ln w="19050">
-                <a:solidFill>
-                  <a:schemeClr val="lt1"/>
-                </a:solidFill>
-              </a:ln>
-              <a:effectLst/>
-            </c:spPr>
-          </c:dPt>
-          <c:dPt>
-            <c:idx val="3"/>
-            <c:bubble3D val="0"/>
-            <c:spPr>
-              <a:solidFill>
-                <a:schemeClr val="accent4"/>
-              </a:solidFill>
-              <a:ln w="19050">
-                <a:solidFill>
-                  <a:schemeClr val="lt1"/>
-                </a:solidFill>
-              </a:ln>
-              <a:effectLst/>
-            </c:spPr>
-          </c:dPt>
-          <c:cat>
-            <c:strRef>
-              <c:f>Sheet1!$A$2:$A$5</c:f>
-              <c:strCache>
-                <c:ptCount val="4"/>
-                <c:pt idx="0">
-                  <c:v>1st Qtr</c:v>
-                </c:pt>
-                <c:pt idx="1">
-                  <c:v>2nd Qtr</c:v>
-                </c:pt>
-                <c:pt idx="2">
-                  <c:v>3rd Qtr</c:v>
-                </c:pt>
-                <c:pt idx="3">
-                  <c:v>4th Qtr</c:v>
-                </c:pt>
-              </c:strCache>
-            </c:strRef>
-          </c:cat>
-          <c:val>
-            <c:numRef>
-              <c:f>Sheet1!$B$2:$B$5</c:f>
-              <c:numCache>
-                <c:formatCode>General</c:formatCode>
-                <c:ptCount val="4"/>
-                <c:pt idx="0">
-                  <c:v>8.2</c:v>
-                </c:pt>
-                <c:pt idx="1">
-                  <c:v>3.2</c:v>
-                </c:pt>
-                <c:pt idx="2">
-                  <c:v>1.4</c:v>
-                </c:pt>
-                <c:pt idx="3">
-                  <c:v>1.2</c:v>
-                </c:pt>
-              </c:numCache>
-            </c:numRef>
-          </c:val>
-        </c:ser>
-        <c:dLbls>
-          <c:showLegendKey val="0"/>
-          <c:showVal val="0"/>
-          <c:showCatName val="0"/>
-          <c:showSerName val="0"/>
-          <c:showPercent val="0"/>
-          <c:showBubbleSize val="0"/>
-          <c:showLeaderLines val="1"/>
-        </c:dLbls>
-        <c:firstSliceAng val="0"/>
-      </c:pieChart>
-      <c:spPr>
-        <a:noFill/>
-        <a:ln>
-          <a:noFill/>
-        </a:ln>
-        <a:effectLst/>
-      </c:spPr>
-    </c:plotArea>
-    <c:legend>
-      <c:legendPos val="b"/>
-      <c:layout/>
-      <c:overlay val="0"/>
-      <c:spPr>
-        <a:noFill/>
-        <a:ln>
-          <a:noFill/>
-        </a:ln>
-        <a:effectLst/>
-      </c:spPr>
-      <c:txPr>
-        <a:bodyPr rot="0" spcFirstLastPara="1" vertOverflow="ellipsis" vert="horz" wrap="square" anchor="ctr" anchorCtr="1"/>
-        <a:lstStyle/>
-        <a:p>
-          <a:pPr>
-            <a:defRPr sz="1197" b="0" i="0" u="none" strike="noStrike" kern="1200" baseline="0">
-              <a:solidFill>
-                <a:schemeClr val="tx1">
-                  <a:lumMod val="65000"/>
-                  <a:lumOff val="35000"/>
-                </a:schemeClr>
-              </a:solidFill>
-              <a:latin typeface="+mn-lt"/>
-              <a:ea typeface="+mn-ea"/>
-              <a:cs typeface="+mn-cs"/>
-            </a:defRPr>
-          </a:pPr>
-          <a:endParaRPr lang="en-US"/>
-        </a:p>
-      </c:txPr>
-    </c:legend>
-    <c:plotVisOnly val="1"/>
-    <c:dispBlanksAs val="gap"/>
-    <c:showDLblsOverMax val="0"/>
-  </c:chart>
-  <c:spPr>
-    <a:noFill/>
-    <a:ln>
-      <a:noFill/>
-    </a:ln>
-    <a:effectLst/>
-  </c:spPr>
-  <c:txPr>
-    <a:bodyPr/>
-    <a:lstStyle/>
-    <a:p>
-      <a:pPr>
-        <a:defRPr/>
-      </a:pPr>
-      <a:endParaRPr lang="en-US"/>
-    </a:p>
-  </c:txPr>
-  <c:externalData r:id="rId3">
-    <c:autoUpdate val="0"/>
-  </c:externalData>
-</c:chartSpace>
-</file>
-
-<file path=ppt/charts/chart3.xml><?xml version="1.0" encoding="utf-8"?>
-<c:chartSpace xmlns:c="http://schemas.openxmlformats.org/drawingml/2006/chart" xmlns:a="http://schemas.openxmlformats.org/drawingml/2006/main" xmlns:r="http://schemas.openxmlformats.org/officeDocument/2006/relationships">
-  <c:date1904 val="0"/>
-  <c:lang val="en-US"/>
-  <c:roundedCorners val="0"/>
-  <mc:AlternateContent xmlns:mc="http://schemas.openxmlformats.org/markup-compatibility/2006">
-    <mc:Choice xmlns:c14="http://schemas.microsoft.com/office/drawing/2007/8/2/chart" Requires="c14">
-      <c14:style val="102"/>
-    </mc:Choice>
-    <mc:Fallback>
-      <c:style val="2"/>
-    </mc:Fallback>
-  </mc:AlternateContent>
-  <c:chart>
-    <c:title>
       <c:tx>
         <c:rich>
           <a:bodyPr rot="0" spcFirstLastPara="1" vertOverflow="ellipsis" vert="horz" wrap="square" anchor="ctr" anchorCtr="1"/>
@@ -963,7 +719,7 @@
 </c:chartSpace>
 </file>
 
-<file path=ppt/charts/chart4.xml><?xml version="1.0" encoding="utf-8"?>
+<file path=ppt/charts/chart3.xml><?xml version="1.0" encoding="utf-8"?>
 <c:chartSpace xmlns:c="http://schemas.openxmlformats.org/drawingml/2006/chart" xmlns:a="http://schemas.openxmlformats.org/drawingml/2006/main" xmlns:r="http://schemas.openxmlformats.org/officeDocument/2006/relationships">
   <c:date1904 val="0"/>
   <c:lang val="en-US"/>
@@ -1251,7 +1007,7 @@
 </c:chartSpace>
 </file>
 
-<file path=ppt/charts/chart5.xml><?xml version="1.0" encoding="utf-8"?>
+<file path=ppt/charts/chart4.xml><?xml version="1.0" encoding="utf-8"?>
 <c:chartSpace xmlns:c="http://schemas.openxmlformats.org/drawingml/2006/chart" xmlns:a="http://schemas.openxmlformats.org/drawingml/2006/main" xmlns:r="http://schemas.openxmlformats.org/officeDocument/2006/relationships">
   <c:date1904 val="0"/>
   <c:lang val="en-US"/>
@@ -1642,46 +1398,6 @@
 </file>
 
 <file path=ppt/charts/colors4.xml><?xml version="1.0" encoding="utf-8"?>
-<cs:colorStyle xmlns:cs="http://schemas.microsoft.com/office/drawing/2012/chartStyle" xmlns:a="http://schemas.openxmlformats.org/drawingml/2006/main" meth="cycle" id="10">
-  <a:schemeClr val="accent1"/>
-  <a:schemeClr val="accent2"/>
-  <a:schemeClr val="accent3"/>
-  <a:schemeClr val="accent4"/>
-  <a:schemeClr val="accent5"/>
-  <a:schemeClr val="accent6"/>
-  <cs:variation/>
-  <cs:variation>
-    <a:lumMod val="60000"/>
-  </cs:variation>
-  <cs:variation>
-    <a:lumMod val="80000"/>
-    <a:lumOff val="20000"/>
-  </cs:variation>
-  <cs:variation>
-    <a:lumMod val="80000"/>
-  </cs:variation>
-  <cs:variation>
-    <a:lumMod val="60000"/>
-    <a:lumOff val="40000"/>
-  </cs:variation>
-  <cs:variation>
-    <a:lumMod val="50000"/>
-  </cs:variation>
-  <cs:variation>
-    <a:lumMod val="70000"/>
-    <a:lumOff val="30000"/>
-  </cs:variation>
-  <cs:variation>
-    <a:lumMod val="70000"/>
-  </cs:variation>
-  <cs:variation>
-    <a:lumMod val="50000"/>
-    <a:lumOff val="50000"/>
-  </cs:variation>
-</cs:colorStyle>
-</file>
-
-<file path=ppt/charts/colors5.xml><?xml version="1.0" encoding="utf-8"?>
 <cs:colorStyle xmlns:cs="http://schemas.microsoft.com/office/drawing/2012/chartStyle" xmlns:a="http://schemas.openxmlformats.org/drawingml/2006/main" meth="cycle" id="12">
   <a:schemeClr val="accent2"/>
   <a:schemeClr val="accent4"/>
@@ -3794,525 +3510,6 @@
 </cs:chartStyle>
 </file>
 
-<file path=ppt/charts/style5.xml><?xml version="1.0" encoding="utf-8"?>
-<cs:chartStyle xmlns:cs="http://schemas.microsoft.com/office/drawing/2012/chartStyle" xmlns:a="http://schemas.openxmlformats.org/drawingml/2006/main" id="251">
-  <cs:axisTitle>
-    <cs:lnRef idx="0"/>
-    <cs:fillRef idx="0"/>
-    <cs:effectRef idx="0"/>
-    <cs:fontRef idx="minor">
-      <a:schemeClr val="tx1">
-        <a:lumMod val="65000"/>
-        <a:lumOff val="35000"/>
-      </a:schemeClr>
-    </cs:fontRef>
-    <cs:defRPr sz="1330" kern="1200"/>
-  </cs:axisTitle>
-  <cs:categoryAxis>
-    <cs:lnRef idx="0"/>
-    <cs:fillRef idx="0"/>
-    <cs:effectRef idx="0"/>
-    <cs:fontRef idx="minor">
-      <a:schemeClr val="tx1">
-        <a:lumMod val="65000"/>
-        <a:lumOff val="35000"/>
-      </a:schemeClr>
-    </cs:fontRef>
-    <cs:spPr>
-      <a:ln w="9525" cap="flat" cmpd="sng" algn="ctr">
-        <a:solidFill>
-          <a:schemeClr val="tx1">
-            <a:lumMod val="15000"/>
-            <a:lumOff val="85000"/>
-          </a:schemeClr>
-        </a:solidFill>
-        <a:round/>
-      </a:ln>
-    </cs:spPr>
-    <cs:defRPr sz="1197" kern="1200"/>
-  </cs:categoryAxis>
-  <cs:chartArea mods="allowNoFillOverride allowNoLineOverride">
-    <cs:lnRef idx="0"/>
-    <cs:fillRef idx="0"/>
-    <cs:effectRef idx="0"/>
-    <cs:fontRef idx="minor">
-      <a:schemeClr val="tx1"/>
-    </cs:fontRef>
-    <cs:spPr>
-      <a:solidFill>
-        <a:schemeClr val="bg1"/>
-      </a:solidFill>
-      <a:ln w="9525" cap="flat" cmpd="sng" algn="ctr">
-        <a:solidFill>
-          <a:schemeClr val="tx1">
-            <a:lumMod val="15000"/>
-            <a:lumOff val="85000"/>
-          </a:schemeClr>
-        </a:solidFill>
-        <a:round/>
-      </a:ln>
-    </cs:spPr>
-    <cs:defRPr sz="1197" kern="1200"/>
-  </cs:chartArea>
-  <cs:dataLabel>
-    <cs:lnRef idx="0"/>
-    <cs:fillRef idx="0"/>
-    <cs:effectRef idx="0"/>
-    <cs:fontRef idx="minor">
-      <a:schemeClr val="tx1">
-        <a:lumMod val="75000"/>
-        <a:lumOff val="25000"/>
-      </a:schemeClr>
-    </cs:fontRef>
-    <cs:defRPr sz="1197" kern="1200"/>
-  </cs:dataLabel>
-  <cs:dataLabelCallout>
-    <cs:lnRef idx="0"/>
-    <cs:fillRef idx="0"/>
-    <cs:effectRef idx="0"/>
-    <cs:fontRef idx="minor">
-      <a:schemeClr val="dk1">
-        <a:lumMod val="65000"/>
-        <a:lumOff val="35000"/>
-      </a:schemeClr>
-    </cs:fontRef>
-    <cs:spPr>
-      <a:solidFill>
-        <a:schemeClr val="lt1"/>
-      </a:solidFill>
-      <a:ln>
-        <a:solidFill>
-          <a:schemeClr val="dk1">
-            <a:lumMod val="25000"/>
-            <a:lumOff val="75000"/>
-          </a:schemeClr>
-        </a:solidFill>
-      </a:ln>
-    </cs:spPr>
-    <cs:defRPr sz="1197" kern="1200"/>
-    <cs:bodyPr rot="0" spcFirstLastPara="1" vertOverflow="clip" horzOverflow="clip" vert="horz" wrap="square" lIns="36576" tIns="18288" rIns="36576" bIns="18288" anchor="ctr" anchorCtr="1">
-      <a:spAutoFit/>
-    </cs:bodyPr>
-  </cs:dataLabelCallout>
-  <cs:dataPoint>
-    <cs:lnRef idx="0"/>
-    <cs:fillRef idx="1">
-      <cs:styleClr val="auto"/>
-    </cs:fillRef>
-    <cs:effectRef idx="0"/>
-    <cs:fontRef idx="minor">
-      <a:schemeClr val="tx1"/>
-    </cs:fontRef>
-    <cs:spPr>
-      <a:ln w="19050">
-        <a:solidFill>
-          <a:schemeClr val="lt1"/>
-        </a:solidFill>
-      </a:ln>
-    </cs:spPr>
-  </cs:dataPoint>
-  <cs:dataPoint3D>
-    <cs:lnRef idx="0"/>
-    <cs:fillRef idx="1">
-      <cs:styleClr val="auto"/>
-    </cs:fillRef>
-    <cs:effectRef idx="0"/>
-    <cs:fontRef idx="minor">
-      <a:schemeClr val="tx1"/>
-    </cs:fontRef>
-    <cs:spPr>
-      <a:ln w="25400">
-        <a:solidFill>
-          <a:schemeClr val="lt1"/>
-        </a:solidFill>
-      </a:ln>
-    </cs:spPr>
-  </cs:dataPoint3D>
-  <cs:dataPointLine>
-    <cs:lnRef idx="0">
-      <cs:styleClr val="auto"/>
-    </cs:lnRef>
-    <cs:fillRef idx="0"/>
-    <cs:effectRef idx="0"/>
-    <cs:fontRef idx="minor">
-      <a:schemeClr val="tx1"/>
-    </cs:fontRef>
-    <cs:spPr>
-      <a:ln w="28575" cap="rnd">
-        <a:solidFill>
-          <a:schemeClr val="phClr"/>
-        </a:solidFill>
-        <a:round/>
-      </a:ln>
-    </cs:spPr>
-  </cs:dataPointLine>
-  <cs:dataPointMarker>
-    <cs:lnRef idx="0">
-      <cs:styleClr val="auto"/>
-    </cs:lnRef>
-    <cs:fillRef idx="1">
-      <cs:styleClr val="auto"/>
-    </cs:fillRef>
-    <cs:effectRef idx="0"/>
-    <cs:fontRef idx="minor">
-      <a:schemeClr val="tx1"/>
-    </cs:fontRef>
-    <cs:spPr>
-      <a:ln w="9525">
-        <a:solidFill>
-          <a:schemeClr val="phClr"/>
-        </a:solidFill>
-      </a:ln>
-    </cs:spPr>
-  </cs:dataPointMarker>
-  <cs:dataPointMarkerLayout symbol="circle" size="5"/>
-  <cs:dataPointWireframe>
-    <cs:lnRef idx="0">
-      <cs:styleClr val="auto"/>
-    </cs:lnRef>
-    <cs:fillRef idx="0"/>
-    <cs:effectRef idx="0"/>
-    <cs:fontRef idx="minor">
-      <a:schemeClr val="tx1"/>
-    </cs:fontRef>
-    <cs:spPr>
-      <a:ln w="9525" cap="rnd">
-        <a:solidFill>
-          <a:schemeClr val="phClr"/>
-        </a:solidFill>
-        <a:round/>
-      </a:ln>
-    </cs:spPr>
-  </cs:dataPointWireframe>
-  <cs:dataTable>
-    <cs:lnRef idx="0"/>
-    <cs:fillRef idx="0"/>
-    <cs:effectRef idx="0"/>
-    <cs:fontRef idx="minor">
-      <a:schemeClr val="tx1">
-        <a:lumMod val="65000"/>
-        <a:lumOff val="35000"/>
-      </a:schemeClr>
-    </cs:fontRef>
-    <cs:spPr>
-      <a:noFill/>
-      <a:ln w="9525" cap="flat" cmpd="sng" algn="ctr">
-        <a:solidFill>
-          <a:schemeClr val="tx1">
-            <a:lumMod val="15000"/>
-            <a:lumOff val="85000"/>
-          </a:schemeClr>
-        </a:solidFill>
-        <a:round/>
-      </a:ln>
-    </cs:spPr>
-    <cs:defRPr sz="1197" kern="1200"/>
-  </cs:dataTable>
-  <cs:downBar>
-    <cs:lnRef idx="0"/>
-    <cs:fillRef idx="0"/>
-    <cs:effectRef idx="0"/>
-    <cs:fontRef idx="minor">
-      <a:schemeClr val="tx1"/>
-    </cs:fontRef>
-    <cs:spPr>
-      <a:solidFill>
-        <a:schemeClr val="dk1">
-          <a:lumMod val="75000"/>
-          <a:lumOff val="25000"/>
-        </a:schemeClr>
-      </a:solidFill>
-      <a:ln w="9525" cap="flat" cmpd="sng" algn="ctr">
-        <a:solidFill>
-          <a:schemeClr val="tx1">
-            <a:lumMod val="65000"/>
-            <a:lumOff val="35000"/>
-          </a:schemeClr>
-        </a:solidFill>
-        <a:round/>
-      </a:ln>
-    </cs:spPr>
-  </cs:downBar>
-  <cs:dropLine>
-    <cs:lnRef idx="0"/>
-    <cs:fillRef idx="0"/>
-    <cs:effectRef idx="0"/>
-    <cs:fontRef idx="minor">
-      <a:schemeClr val="tx1"/>
-    </cs:fontRef>
-    <cs:spPr>
-      <a:ln w="9525" cap="flat" cmpd="sng" algn="ctr">
-        <a:solidFill>
-          <a:schemeClr val="tx1">
-            <a:lumMod val="35000"/>
-            <a:lumOff val="65000"/>
-          </a:schemeClr>
-        </a:solidFill>
-        <a:round/>
-      </a:ln>
-    </cs:spPr>
-  </cs:dropLine>
-  <cs:errorBar>
-    <cs:lnRef idx="0"/>
-    <cs:fillRef idx="0"/>
-    <cs:effectRef idx="0"/>
-    <cs:fontRef idx="minor">
-      <a:schemeClr val="tx1"/>
-    </cs:fontRef>
-    <cs:spPr>
-      <a:ln w="9525" cap="flat" cmpd="sng" algn="ctr">
-        <a:solidFill>
-          <a:schemeClr val="tx1">
-            <a:lumMod val="65000"/>
-            <a:lumOff val="35000"/>
-          </a:schemeClr>
-        </a:solidFill>
-        <a:round/>
-      </a:ln>
-    </cs:spPr>
-  </cs:errorBar>
-  <cs:floor>
-    <cs:lnRef idx="0"/>
-    <cs:fillRef idx="0"/>
-    <cs:effectRef idx="0"/>
-    <cs:fontRef idx="minor">
-      <a:schemeClr val="tx1"/>
-    </cs:fontRef>
-    <cs:spPr>
-      <a:noFill/>
-      <a:ln>
-        <a:noFill/>
-      </a:ln>
-    </cs:spPr>
-  </cs:floor>
-  <cs:gridlineMajor>
-    <cs:lnRef idx="0"/>
-    <cs:fillRef idx="0"/>
-    <cs:effectRef idx="0"/>
-    <cs:fontRef idx="minor">
-      <a:schemeClr val="tx1"/>
-    </cs:fontRef>
-    <cs:spPr>
-      <a:ln w="9525" cap="flat" cmpd="sng" algn="ctr">
-        <a:solidFill>
-          <a:schemeClr val="tx1">
-            <a:lumMod val="15000"/>
-            <a:lumOff val="85000"/>
-          </a:schemeClr>
-        </a:solidFill>
-        <a:round/>
-      </a:ln>
-    </cs:spPr>
-  </cs:gridlineMajor>
-  <cs:gridlineMinor>
-    <cs:lnRef idx="0"/>
-    <cs:fillRef idx="0"/>
-    <cs:effectRef idx="0"/>
-    <cs:fontRef idx="minor">
-      <a:schemeClr val="tx1"/>
-    </cs:fontRef>
-    <cs:spPr>
-      <a:ln w="9525" cap="flat" cmpd="sng" algn="ctr">
-        <a:solidFill>
-          <a:schemeClr val="tx1">
-            <a:lumMod val="5000"/>
-            <a:lumOff val="95000"/>
-          </a:schemeClr>
-        </a:solidFill>
-        <a:round/>
-      </a:ln>
-    </cs:spPr>
-  </cs:gridlineMinor>
-  <cs:hiLoLine>
-    <cs:lnRef idx="0"/>
-    <cs:fillRef idx="0"/>
-    <cs:effectRef idx="0"/>
-    <cs:fontRef idx="minor">
-      <a:schemeClr val="tx1"/>
-    </cs:fontRef>
-    <cs:spPr>
-      <a:ln w="9525" cap="flat" cmpd="sng" algn="ctr">
-        <a:solidFill>
-          <a:schemeClr val="tx1">
-            <a:lumMod val="50000"/>
-            <a:lumOff val="50000"/>
-          </a:schemeClr>
-        </a:solidFill>
-        <a:round/>
-      </a:ln>
-    </cs:spPr>
-  </cs:hiLoLine>
-  <cs:leaderLine>
-    <cs:lnRef idx="0"/>
-    <cs:fillRef idx="0"/>
-    <cs:effectRef idx="0"/>
-    <cs:fontRef idx="minor">
-      <a:schemeClr val="tx1"/>
-    </cs:fontRef>
-    <cs:spPr>
-      <a:ln w="9525" cap="flat" cmpd="sng" algn="ctr">
-        <a:solidFill>
-          <a:schemeClr val="tx1">
-            <a:lumMod val="35000"/>
-            <a:lumOff val="65000"/>
-          </a:schemeClr>
-        </a:solidFill>
-        <a:round/>
-      </a:ln>
-    </cs:spPr>
-  </cs:leaderLine>
-  <cs:legend>
-    <cs:lnRef idx="0"/>
-    <cs:fillRef idx="0"/>
-    <cs:effectRef idx="0"/>
-    <cs:fontRef idx="minor">
-      <a:schemeClr val="tx1">
-        <a:lumMod val="65000"/>
-        <a:lumOff val="35000"/>
-      </a:schemeClr>
-    </cs:fontRef>
-    <cs:defRPr sz="1197" kern="1200"/>
-  </cs:legend>
-  <cs:plotArea mods="allowNoFillOverride allowNoLineOverride">
-    <cs:lnRef idx="0"/>
-    <cs:fillRef idx="0"/>
-    <cs:effectRef idx="0"/>
-    <cs:fontRef idx="minor">
-      <a:schemeClr val="tx1"/>
-    </cs:fontRef>
-  </cs:plotArea>
-  <cs:plotArea3D mods="allowNoFillOverride allowNoLineOverride">
-    <cs:lnRef idx="0"/>
-    <cs:fillRef idx="0"/>
-    <cs:effectRef idx="0"/>
-    <cs:fontRef idx="minor">
-      <a:schemeClr val="tx1"/>
-    </cs:fontRef>
-  </cs:plotArea3D>
-  <cs:seriesAxis>
-    <cs:lnRef idx="0"/>
-    <cs:fillRef idx="0"/>
-    <cs:effectRef idx="0"/>
-    <cs:fontRef idx="minor">
-      <a:schemeClr val="tx1">
-        <a:lumMod val="65000"/>
-        <a:lumOff val="35000"/>
-      </a:schemeClr>
-    </cs:fontRef>
-    <cs:defRPr sz="1197" kern="1200"/>
-  </cs:seriesAxis>
-  <cs:seriesLine>
-    <cs:lnRef idx="0"/>
-    <cs:fillRef idx="0"/>
-    <cs:effectRef idx="0"/>
-    <cs:fontRef idx="minor">
-      <a:schemeClr val="tx1"/>
-    </cs:fontRef>
-    <cs:spPr>
-      <a:ln w="9525" cap="flat" cmpd="sng" algn="ctr">
-        <a:solidFill>
-          <a:schemeClr val="tx1">
-            <a:lumMod val="35000"/>
-            <a:lumOff val="65000"/>
-          </a:schemeClr>
-        </a:solidFill>
-        <a:round/>
-      </a:ln>
-    </cs:spPr>
-  </cs:seriesLine>
-  <cs:title>
-    <cs:lnRef idx="0"/>
-    <cs:fillRef idx="0"/>
-    <cs:effectRef idx="0"/>
-    <cs:fontRef idx="minor">
-      <a:schemeClr val="tx1">
-        <a:lumMod val="65000"/>
-        <a:lumOff val="35000"/>
-      </a:schemeClr>
-    </cs:fontRef>
-    <cs:defRPr sz="1862" b="0" kern="1200" spc="0" baseline="0"/>
-  </cs:title>
-  <cs:trendline>
-    <cs:lnRef idx="0">
-      <cs:styleClr val="auto"/>
-    </cs:lnRef>
-    <cs:fillRef idx="0"/>
-    <cs:effectRef idx="0"/>
-    <cs:fontRef idx="minor">
-      <a:schemeClr val="tx1"/>
-    </cs:fontRef>
-    <cs:spPr>
-      <a:ln w="19050" cap="rnd">
-        <a:solidFill>
-          <a:schemeClr val="phClr"/>
-        </a:solidFill>
-        <a:prstDash val="sysDot"/>
-      </a:ln>
-    </cs:spPr>
-  </cs:trendline>
-  <cs:trendlineLabel>
-    <cs:lnRef idx="0"/>
-    <cs:fillRef idx="0"/>
-    <cs:effectRef idx="0"/>
-    <cs:fontRef idx="minor">
-      <a:schemeClr val="tx1">
-        <a:lumMod val="65000"/>
-        <a:lumOff val="35000"/>
-      </a:schemeClr>
-    </cs:fontRef>
-    <cs:defRPr sz="1197" kern="1200"/>
-  </cs:trendlineLabel>
-  <cs:upBar>
-    <cs:lnRef idx="0"/>
-    <cs:fillRef idx="0"/>
-    <cs:effectRef idx="0"/>
-    <cs:fontRef idx="minor">
-      <a:schemeClr val="tx1"/>
-    </cs:fontRef>
-    <cs:spPr>
-      <a:solidFill>
-        <a:schemeClr val="lt1"/>
-      </a:solidFill>
-      <a:ln w="9525" cap="flat" cmpd="sng" algn="ctr">
-        <a:solidFill>
-          <a:schemeClr val="tx1">
-            <a:lumMod val="65000"/>
-            <a:lumOff val="35000"/>
-          </a:schemeClr>
-        </a:solidFill>
-        <a:round/>
-      </a:ln>
-    </cs:spPr>
-  </cs:upBar>
-  <cs:valueAxis>
-    <cs:lnRef idx="0"/>
-    <cs:fillRef idx="0"/>
-    <cs:effectRef idx="0"/>
-    <cs:fontRef idx="minor">
-      <a:schemeClr val="tx1">
-        <a:lumMod val="65000"/>
-        <a:lumOff val="35000"/>
-      </a:schemeClr>
-    </cs:fontRef>
-    <cs:defRPr sz="1197" kern="1200"/>
-  </cs:valueAxis>
-  <cs:wall>
-    <cs:lnRef idx="0"/>
-    <cs:fillRef idx="0"/>
-    <cs:effectRef idx="0"/>
-    <cs:fontRef idx="minor">
-      <a:schemeClr val="tx1"/>
-    </cs:fontRef>
-    <cs:spPr>
-      <a:noFill/>
-      <a:ln>
-        <a:noFill/>
-      </a:ln>
-    </cs:spPr>
-  </cs:wall>
-</cs:chartStyle>
-</file>
-
 <file path=ppt/notesMasters/notesMaster1.xml><?xml version="1.0" encoding="utf-8"?>
 <p:notesMaster xmlns:a="http://schemas.openxmlformats.org/drawingml/2006/main" xmlns:r="http://schemas.openxmlformats.org/officeDocument/2006/relationships" xmlns:p="http://schemas.openxmlformats.org/presentationml/2006/main">
   <p:cSld>
@@ -4395,7 +3592,7 @@
           <a:p>
             <a:fld id="{7F7A6B22-0AC0-E647-B4AB-610E8EE21CF0}" type="datetimeFigureOut">
               <a:rPr lang="en-US" smtClean="0"/>
-              <a:t>5/23/16</a:t>
+              <a:t>5/27/16</a:t>
             </a:fld>
             <a:endParaRPr lang="en-US"/>
           </a:p>
@@ -4878,7 +4075,7 @@
           <a:p>
             <a:fld id="{180E51A3-104B-B744-9E20-3025749670C7}" type="datetimeFigureOut">
               <a:rPr lang="en-US" smtClean="0"/>
-              <a:t>5/23/16</a:t>
+              <a:t>5/27/16</a:t>
             </a:fld>
             <a:endParaRPr lang="en-US"/>
           </a:p>
@@ -5048,7 +4245,7 @@
           <a:p>
             <a:fld id="{180E51A3-104B-B744-9E20-3025749670C7}" type="datetimeFigureOut">
               <a:rPr lang="en-US" smtClean="0"/>
-              <a:t>5/23/16</a:t>
+              <a:t>5/27/16</a:t>
             </a:fld>
             <a:endParaRPr lang="en-US"/>
           </a:p>
@@ -5228,7 +4425,7 @@
           <a:p>
             <a:fld id="{180E51A3-104B-B744-9E20-3025749670C7}" type="datetimeFigureOut">
               <a:rPr lang="en-US" smtClean="0"/>
-              <a:t>5/23/16</a:t>
+              <a:t>5/27/16</a:t>
             </a:fld>
             <a:endParaRPr lang="en-US"/>
           </a:p>
@@ -5398,7 +4595,7 @@
           <a:p>
             <a:fld id="{180E51A3-104B-B744-9E20-3025749670C7}" type="datetimeFigureOut">
               <a:rPr lang="en-US" smtClean="0"/>
-              <a:t>5/23/16</a:t>
+              <a:t>5/27/16</a:t>
             </a:fld>
             <a:endParaRPr lang="en-US"/>
           </a:p>
@@ -5642,7 +4839,7 @@
           <a:p>
             <a:fld id="{180E51A3-104B-B744-9E20-3025749670C7}" type="datetimeFigureOut">
               <a:rPr lang="en-US" smtClean="0"/>
-              <a:t>5/23/16</a:t>
+              <a:t>5/27/16</a:t>
             </a:fld>
             <a:endParaRPr lang="en-US"/>
           </a:p>
@@ -5874,7 +5071,7 @@
           <a:p>
             <a:fld id="{180E51A3-104B-B744-9E20-3025749670C7}" type="datetimeFigureOut">
               <a:rPr lang="en-US" smtClean="0"/>
-              <a:t>5/23/16</a:t>
+              <a:t>5/27/16</a:t>
             </a:fld>
             <a:endParaRPr lang="en-US"/>
           </a:p>
@@ -6241,7 +5438,7 @@
           <a:p>
             <a:fld id="{180E51A3-104B-B744-9E20-3025749670C7}" type="datetimeFigureOut">
               <a:rPr lang="en-US" smtClean="0"/>
-              <a:t>5/23/16</a:t>
+              <a:t>5/27/16</a:t>
             </a:fld>
             <a:endParaRPr lang="en-US"/>
           </a:p>
@@ -6359,7 +5556,7 @@
           <a:p>
             <a:fld id="{180E51A3-104B-B744-9E20-3025749670C7}" type="datetimeFigureOut">
               <a:rPr lang="en-US" smtClean="0"/>
-              <a:t>5/23/16</a:t>
+              <a:t>5/27/16</a:t>
             </a:fld>
             <a:endParaRPr lang="en-US"/>
           </a:p>
@@ -6454,7 +5651,7 @@
           <a:p>
             <a:fld id="{180E51A3-104B-B744-9E20-3025749670C7}" type="datetimeFigureOut">
               <a:rPr lang="en-US" smtClean="0"/>
-              <a:t>5/23/16</a:t>
+              <a:t>5/27/16</a:t>
             </a:fld>
             <a:endParaRPr lang="en-US"/>
           </a:p>
@@ -6731,7 +5928,7 @@
           <a:p>
             <a:fld id="{180E51A3-104B-B744-9E20-3025749670C7}" type="datetimeFigureOut">
               <a:rPr lang="en-US" smtClean="0"/>
-              <a:t>5/23/16</a:t>
+              <a:t>5/27/16</a:t>
             </a:fld>
             <a:endParaRPr lang="en-US"/>
           </a:p>
@@ -6988,7 +6185,7 @@
           <a:p>
             <a:fld id="{180E51A3-104B-B744-9E20-3025749670C7}" type="datetimeFigureOut">
               <a:rPr lang="en-US" smtClean="0"/>
-              <a:t>5/23/16</a:t>
+              <a:t>5/27/16</a:t>
             </a:fld>
             <a:endParaRPr lang="en-US"/>
           </a:p>
@@ -7201,7 +6398,7 @@
           <a:p>
             <a:fld id="{180E51A3-104B-B744-9E20-3025749670C7}" type="datetimeFigureOut">
               <a:rPr lang="en-US" smtClean="0"/>
-              <a:t>5/23/16</a:t>
+              <a:t>5/27/16</a:t>
             </a:fld>
             <a:endParaRPr lang="en-US"/>
           </a:p>
@@ -7621,13 +6818,13 @@
           <p:nvPr>
             <p:extLst>
               <p:ext uri="{D42A27DB-BD31-4B8C-83A1-F6EECF244321}">
-                <p14:modId xmlns:p14="http://schemas.microsoft.com/office/powerpoint/2010/main" val="1455660182"/>
+                <p14:modId xmlns:p14="http://schemas.microsoft.com/office/powerpoint/2010/main" val="740162664"/>
               </p:ext>
             </p:extLst>
           </p:nvPr>
         </p:nvGraphicFramePr>
         <p:xfrm>
-          <a:off x="10551705" y="8836305"/>
+          <a:off x="10551705" y="11971394"/>
           <a:ext cx="6124196" cy="6074228"/>
         </p:xfrm>
         <a:graphic>
@@ -7644,7 +6841,7 @@
         </p:nvSpPr>
         <p:spPr>
           <a:xfrm>
-            <a:off x="19937896" y="39796507"/>
+            <a:off x="19964021" y="39818279"/>
             <a:ext cx="9366288" cy="2020727"/>
           </a:xfrm>
           <a:prstGeom prst="rect">
@@ -8052,7 +7249,7 @@
         </p:blipFill>
         <p:spPr>
           <a:xfrm>
-            <a:off x="26279181" y="40369434"/>
+            <a:off x="26305306" y="40391206"/>
             <a:ext cx="3025003" cy="1066800"/>
           </a:xfrm>
           <a:prstGeom prst="rect">
@@ -8265,7 +7462,7 @@
         </p:nvSpPr>
         <p:spPr>
           <a:xfrm rot="10800000">
-            <a:off x="954156" y="5622862"/>
+            <a:off x="944108" y="5542472"/>
             <a:ext cx="28346400" cy="457200"/>
           </a:xfrm>
           <a:prstGeom prst="rect">
@@ -8409,7 +7606,7 @@
         </p:nvSpPr>
         <p:spPr>
           <a:xfrm>
-            <a:off x="9169400" y="16057247"/>
+            <a:off x="9169400" y="6173018"/>
             <a:ext cx="20142200" cy="2797606"/>
           </a:xfrm>
           <a:prstGeom prst="rect">
@@ -8483,8 +7680,8 @@
         </p:nvSpPr>
         <p:spPr>
           <a:xfrm>
-            <a:off x="18598896" y="28762015"/>
-            <a:ext cx="10753344" cy="2428274"/>
+            <a:off x="19511553" y="36175187"/>
+            <a:ext cx="9246326" cy="2797606"/>
           </a:xfrm>
           <a:prstGeom prst="rect">
             <a:avLst/>
@@ -8550,7 +7747,7 @@
         </p:nvSpPr>
         <p:spPr>
           <a:xfrm>
-            <a:off x="24790416" y="24361145"/>
+            <a:off x="9245615" y="26668917"/>
             <a:ext cx="3555983" cy="2279003"/>
           </a:xfrm>
           <a:prstGeom prst="rect">
@@ -8665,13 +7862,13 @@
           <p:nvPr>
             <p:extLst>
               <p:ext uri="{D42A27DB-BD31-4B8C-83A1-F6EECF244321}">
-                <p14:modId xmlns:p14="http://schemas.microsoft.com/office/powerpoint/2010/main" val="535762064"/>
+                <p14:modId xmlns:p14="http://schemas.microsoft.com/office/powerpoint/2010/main" val="376316145"/>
               </p:ext>
             </p:extLst>
           </p:nvPr>
         </p:nvGraphicFramePr>
         <p:xfrm>
-          <a:off x="9287410" y="24522839"/>
+          <a:off x="23177583" y="26699983"/>
           <a:ext cx="6128143" cy="5286086"/>
         </p:xfrm>
         <a:graphic>
@@ -10460,8 +9657,8 @@
         </p:nvSpPr>
         <p:spPr>
           <a:xfrm>
-            <a:off x="15605051" y="23546238"/>
-            <a:ext cx="7696199" cy="2797606"/>
+            <a:off x="9160709" y="18582353"/>
+            <a:ext cx="20143634" cy="2400574"/>
           </a:xfrm>
           <a:prstGeom prst="rect">
             <a:avLst/>
@@ -10517,9 +9714,37 @@
             </a:endParaRPr>
           </a:p>
           <a:p>
+            <a:pPr marL="342900" indent="-342900">
+              <a:buFont typeface="Arial" charset="0"/>
+              <a:buChar char="•"/>
+            </a:pPr>
             <a:r>
               <a:rPr lang="en-US" sz="2400" dirty="0" smtClean="0"/>
-              <a:t>When the impressions table is processed, the user agent value is compared against the known bots list. If a user agent matches a known bot, the impression’s public value is set to "false" and filtered out of the statistics that are displayed to users in the interface. </a:t>
+              <a:t>When the impressions table is processed, the user agent value is compared against the known bots list. </a:t>
+            </a:r>
+          </a:p>
+          <a:p>
+            <a:pPr marL="342900" indent="-342900">
+              <a:buFont typeface="Arial" charset="0"/>
+              <a:buChar char="•"/>
+            </a:pPr>
+            <a:r>
+              <a:rPr lang="en-US" sz="2400" dirty="0" smtClean="0"/>
+              <a:t>If a user agent matches a known bot, the impression’s public value is set to "false" and filtered out of the statistics that are displayed to users in the interface.</a:t>
+            </a:r>
+          </a:p>
+          <a:p>
+            <a:pPr marL="342900" indent="-342900">
+              <a:buFont typeface="Arial" charset="0"/>
+              <a:buChar char="•"/>
+            </a:pPr>
+            <a:r>
+              <a:rPr lang="en-US" sz="2400" dirty="0"/>
+              <a:t>Jobs are run nightly and weekly</a:t>
+            </a:r>
+            <a:r>
+              <a:rPr lang="en-US" sz="2400" dirty="0" smtClean="0"/>
+              <a:t>. </a:t>
             </a:r>
             <a:endParaRPr lang="en-US" sz="2300" dirty="0">
               <a:latin typeface="Helvetica" charset="0"/>
@@ -10537,7 +9762,7 @@
         </p:nvSpPr>
         <p:spPr>
           <a:xfrm>
-            <a:off x="26575674" y="24284945"/>
+            <a:off x="9245616" y="28726316"/>
             <a:ext cx="2735926" cy="2668340"/>
           </a:xfrm>
           <a:prstGeom prst="rect">
@@ -10681,7 +9906,7 @@
         </p:nvSpPr>
         <p:spPr>
           <a:xfrm>
-            <a:off x="24150484" y="23670954"/>
+            <a:off x="9171741" y="25717468"/>
             <a:ext cx="4535567" cy="858614"/>
           </a:xfrm>
           <a:prstGeom prst="rect">
@@ -10733,7 +9958,7 @@
         </p:nvSpPr>
         <p:spPr>
           <a:xfrm>
-            <a:off x="9166831" y="23565723"/>
+            <a:off x="25016432" y="25786409"/>
             <a:ext cx="4013200" cy="858614"/>
           </a:xfrm>
           <a:prstGeom prst="rect">
@@ -10875,90 +10100,13 @@
       </p:sp>
       <p:sp>
         <p:nvSpPr>
-          <p:cNvPr id="31" name="TextBox 30"/>
-          <p:cNvSpPr txBox="1"/>
-          <p:nvPr/>
-        </p:nvSpPr>
-        <p:spPr>
-          <a:xfrm>
-            <a:off x="16310973" y="27166585"/>
-            <a:ext cx="7696199" cy="1320279"/>
-          </a:xfrm>
-          <a:prstGeom prst="rect">
-            <a:avLst/>
-          </a:prstGeom>
-          <a:noFill/>
-          <a:ln w="28575" cmpd="sng">
-            <a:solidFill>
-              <a:schemeClr val="tx1"/>
-            </a:solidFill>
-          </a:ln>
-        </p:spPr>
-        <p:txBody>
-          <a:bodyPr wrap="square" lIns="329104" tIns="164551" rIns="329104" bIns="164551" rtlCol="0">
-            <a:spAutoFit/>
-          </a:bodyPr>
-          <a:lstStyle/>
-          <a:p>
-            <a:pPr>
-              <a:lnSpc>
-                <a:spcPct val="90000"/>
-              </a:lnSpc>
-            </a:pPr>
-            <a:r>
-              <a:rPr lang="en-US" sz="3600" dirty="0" smtClean="0">
-                <a:solidFill>
-                  <a:srgbClr val="2C3E50"/>
-                </a:solidFill>
-                <a:latin typeface="Gotham Medium"/>
-                <a:cs typeface="Gotham Medium"/>
-              </a:rPr>
-              <a:t>Frequency</a:t>
-            </a:r>
-            <a:endParaRPr lang="en-US" sz="3600" dirty="0">
-              <a:solidFill>
-                <a:srgbClr val="2C3E50"/>
-              </a:solidFill>
-              <a:latin typeface="Gotham Medium"/>
-              <a:cs typeface="Gotham Medium"/>
-            </a:endParaRPr>
-          </a:p>
-          <a:p>
-            <a:pPr algn="just">
-              <a:lnSpc>
-                <a:spcPct val="30000"/>
-              </a:lnSpc>
-            </a:pPr>
-            <a:endParaRPr lang="en-US" sz="2000" dirty="0" smtClean="0">
-              <a:solidFill>
-                <a:srgbClr val="2C3E50"/>
-              </a:solidFill>
-              <a:latin typeface="Gotham Book"/>
-              <a:cs typeface="Gotham Book"/>
-            </a:endParaRPr>
-          </a:p>
-          <a:p>
-            <a:r>
-              <a:rPr lang="en-US" sz="2400" dirty="0" smtClean="0"/>
-              <a:t>Jobs are run nightly and weekly.</a:t>
-            </a:r>
-            <a:endParaRPr lang="en-US" sz="2300" dirty="0">
-              <a:latin typeface="Helvetica" charset="0"/>
-              <a:ea typeface="Helvetica" charset="0"/>
-              <a:cs typeface="Helvetica" charset="0"/>
-            </a:endParaRPr>
-          </a:p>
-        </p:txBody>
-      </p:sp>
-      <p:sp>
-        <p:nvSpPr>
           <p:cNvPr id="37" name="TextBox 36"/>
           <p:cNvSpPr txBox="1"/>
           <p:nvPr/>
         </p:nvSpPr>
         <p:spPr>
           <a:xfrm>
-            <a:off x="9203376" y="18713734"/>
+            <a:off x="9116290" y="21369847"/>
             <a:ext cx="20073257" cy="1689611"/>
           </a:xfrm>
           <a:prstGeom prst="rect">
@@ -11035,7 +10183,7 @@
         </p:nvSpPr>
         <p:spPr>
           <a:xfrm rot="10800000">
-            <a:off x="9251439" y="15369637"/>
+            <a:off x="9033725" y="32177180"/>
             <a:ext cx="20146397" cy="685800"/>
           </a:xfrm>
           <a:prstGeom prst="rect">
@@ -11084,13 +10232,13 @@
           <p:nvPr>
             <p:extLst>
               <p:ext uri="{D42A27DB-BD31-4B8C-83A1-F6EECF244321}">
-                <p14:modId xmlns:p14="http://schemas.microsoft.com/office/powerpoint/2010/main" val="1477048883"/>
+                <p14:modId xmlns:p14="http://schemas.microsoft.com/office/powerpoint/2010/main" val="30088286"/>
               </p:ext>
             </p:extLst>
           </p:nvPr>
         </p:nvGraphicFramePr>
         <p:xfrm>
-          <a:off x="9245925" y="21023477"/>
+          <a:off x="9158839" y="23679590"/>
           <a:ext cx="20134211" cy="1747520"/>
         </p:xfrm>
         <a:graphic>
@@ -15278,7 +14426,7 @@
         </p:nvSpPr>
         <p:spPr>
           <a:xfrm rot="10800000">
-            <a:off x="9079107" y="20491203"/>
+            <a:off x="8992021" y="23147316"/>
             <a:ext cx="20363688" cy="228600"/>
           </a:xfrm>
           <a:prstGeom prst="rect">
@@ -15326,7 +14474,7 @@
         </p:nvSpPr>
         <p:spPr>
           <a:xfrm rot="10800000">
-            <a:off x="9142794" y="23190596"/>
+            <a:off x="9099252" y="20969910"/>
             <a:ext cx="20363688" cy="457200"/>
           </a:xfrm>
           <a:prstGeom prst="rect">
@@ -15374,7 +14522,7 @@
         </p:nvSpPr>
         <p:spPr>
           <a:xfrm>
-            <a:off x="956588" y="14108982"/>
+            <a:off x="938299" y="21910120"/>
             <a:ext cx="7749673" cy="1631133"/>
           </a:xfrm>
           <a:prstGeom prst="rect">
@@ -15462,7 +14610,7 @@
         </p:nvSpPr>
         <p:spPr>
           <a:xfrm>
-            <a:off x="999509" y="24840321"/>
+            <a:off x="868881" y="14128778"/>
             <a:ext cx="7749673" cy="1277190"/>
           </a:xfrm>
           <a:prstGeom prst="rect">
@@ -15533,8 +14681,8 @@
         </p:nvSpPr>
         <p:spPr>
           <a:xfrm>
-            <a:off x="1203375" y="32709698"/>
-            <a:ext cx="7749673" cy="2012776"/>
+            <a:off x="999594" y="32942217"/>
+            <a:ext cx="7749673" cy="1277190"/>
           </a:xfrm>
           <a:prstGeom prst="rect">
             <a:avLst/>
@@ -15558,16 +14706,6 @@
               </a:lnSpc>
             </a:pPr>
             <a:r>
-              <a:rPr lang="en-US" sz="3600" dirty="0">
-                <a:solidFill>
-                  <a:srgbClr val="2C3E50"/>
-                </a:solidFill>
-                <a:latin typeface="Gotham Medium"/>
-                <a:cs typeface="Gotham Medium"/>
-              </a:rPr>
-              <a:t>Statistic </a:t>
-            </a:r>
-            <a:r>
               <a:rPr lang="en-US" sz="3600" dirty="0" smtClean="0">
                 <a:solidFill>
                   <a:srgbClr val="2C3E50"/>
@@ -15575,7 +14713,7 @@
                 <a:latin typeface="Gotham Medium"/>
                 <a:cs typeface="Gotham Medium"/>
               </a:rPr>
-              <a:t>3</a:t>
+              <a:t>Popular Items</a:t>
             </a:r>
           </a:p>
           <a:p>
@@ -15596,176 +14734,13 @@
                 <a:ea typeface="Helvetica" charset="0"/>
                 <a:cs typeface="Helvetica" charset="0"/>
               </a:rPr>
-              <a:t>Regardless of the collection method, statistics gathered about repository usage are utilized by content owners to measure the use and impact.</a:t>
+              <a:t>Views, downloads, streams displayed per hour</a:t>
             </a:r>
             <a:endParaRPr lang="en-US" sz="2300" dirty="0">
               <a:latin typeface="Helvetica" charset="0"/>
               <a:ea typeface="Helvetica" charset="0"/>
               <a:cs typeface="Helvetica" charset="0"/>
             </a:endParaRPr>
-          </a:p>
-        </p:txBody>
-      </p:sp>
-      <p:graphicFrame>
-        <p:nvGraphicFramePr>
-          <p:cNvPr id="47" name="Chart 46"/>
-          <p:cNvGraphicFramePr/>
-          <p:nvPr>
-            <p:extLst>
-              <p:ext uri="{D42A27DB-BD31-4B8C-83A1-F6EECF244321}">
-                <p14:modId xmlns:p14="http://schemas.microsoft.com/office/powerpoint/2010/main" val="1935213370"/>
-              </p:ext>
-            </p:extLst>
-          </p:nvPr>
-        </p:nvGraphicFramePr>
-        <p:xfrm>
-          <a:off x="1011659" y="34969946"/>
-          <a:ext cx="7495795" cy="6621400"/>
-        </p:xfrm>
-        <a:graphic>
-          <a:graphicData uri="http://schemas.openxmlformats.org/drawingml/2006/chart">
-            <c:chart xmlns:c="http://schemas.openxmlformats.org/drawingml/2006/chart" xmlns:r="http://schemas.openxmlformats.org/officeDocument/2006/relationships" r:id="rId5"/>
-          </a:graphicData>
-        </a:graphic>
-      </p:graphicFrame>
-      <p:sp>
-        <p:nvSpPr>
-          <p:cNvPr id="42" name="Rectangle 41"/>
-          <p:cNvSpPr/>
-          <p:nvPr/>
-        </p:nvSpPr>
-        <p:spPr>
-          <a:xfrm>
-            <a:off x="9192985" y="6052456"/>
-            <a:ext cx="20111358" cy="10406743"/>
-          </a:xfrm>
-          <a:prstGeom prst="rect">
-            <a:avLst/>
-          </a:prstGeom>
-          <a:noFill/>
-          <a:ln w="12700">
-            <a:solidFill>
-              <a:srgbClr val="FFFF00"/>
-            </a:solidFill>
-            <a:prstDash val="dash"/>
-          </a:ln>
-        </p:spPr>
-        <p:style>
-          <a:lnRef idx="2">
-            <a:schemeClr val="accent1">
-              <a:shade val="50000"/>
-            </a:schemeClr>
-          </a:lnRef>
-          <a:fillRef idx="1">
-            <a:schemeClr val="accent1"/>
-          </a:fillRef>
-          <a:effectRef idx="0">
-            <a:schemeClr val="accent1"/>
-          </a:effectRef>
-          <a:fontRef idx="minor">
-            <a:schemeClr val="lt1"/>
-          </a:fontRef>
-        </p:style>
-        <p:txBody>
-          <a:bodyPr rtlCol="0" anchor="ctr"/>
-          <a:lstStyle/>
-          <a:p>
-            <a:pPr algn="ctr"/>
-            <a:endParaRPr lang="en-US"/>
-          </a:p>
-        </p:txBody>
-      </p:sp>
-      <p:sp>
-        <p:nvSpPr>
-          <p:cNvPr id="43" name="Rectangle 42"/>
-          <p:cNvSpPr/>
-          <p:nvPr/>
-        </p:nvSpPr>
-        <p:spPr>
-          <a:xfrm>
-            <a:off x="985156" y="6052457"/>
-            <a:ext cx="7679873" cy="35835771"/>
-          </a:xfrm>
-          <a:prstGeom prst="rect">
-            <a:avLst/>
-          </a:prstGeom>
-          <a:noFill/>
-          <a:ln w="12700">
-            <a:solidFill>
-              <a:srgbClr val="FFFF00"/>
-            </a:solidFill>
-            <a:prstDash val="dash"/>
-          </a:ln>
-        </p:spPr>
-        <p:style>
-          <a:lnRef idx="2">
-            <a:schemeClr val="accent1">
-              <a:shade val="50000"/>
-            </a:schemeClr>
-          </a:lnRef>
-          <a:fillRef idx="1">
-            <a:schemeClr val="accent1"/>
-          </a:fillRef>
-          <a:effectRef idx="0">
-            <a:schemeClr val="accent1"/>
-          </a:effectRef>
-          <a:fontRef idx="minor">
-            <a:schemeClr val="lt1"/>
-          </a:fontRef>
-        </p:style>
-        <p:txBody>
-          <a:bodyPr rtlCol="0" anchor="ctr"/>
-          <a:lstStyle/>
-          <a:p>
-            <a:pPr algn="ctr"/>
-            <a:endParaRPr lang="en-US"/>
-          </a:p>
-        </p:txBody>
-      </p:sp>
-      <p:sp>
-        <p:nvSpPr>
-          <p:cNvPr id="49" name="Rectangle 48"/>
-          <p:cNvSpPr/>
-          <p:nvPr/>
-        </p:nvSpPr>
-        <p:spPr>
-          <a:xfrm>
-            <a:off x="9127670" y="30088113"/>
-            <a:ext cx="20111358" cy="9514115"/>
-          </a:xfrm>
-          <a:prstGeom prst="rect">
-            <a:avLst/>
-          </a:prstGeom>
-          <a:noFill/>
-          <a:ln w="12700">
-            <a:solidFill>
-              <a:srgbClr val="FFFF00"/>
-            </a:solidFill>
-            <a:prstDash val="dash"/>
-          </a:ln>
-        </p:spPr>
-        <p:style>
-          <a:lnRef idx="2">
-            <a:schemeClr val="accent1">
-              <a:shade val="50000"/>
-            </a:schemeClr>
-          </a:lnRef>
-          <a:fillRef idx="1">
-            <a:schemeClr val="accent1"/>
-          </a:fillRef>
-          <a:effectRef idx="0">
-            <a:schemeClr val="accent1"/>
-          </a:effectRef>
-          <a:fontRef idx="minor">
-            <a:schemeClr val="lt1"/>
-          </a:fontRef>
-        </p:style>
-        <p:txBody>
-          <a:bodyPr rtlCol="0" anchor="ctr"/>
-          <a:lstStyle/>
-          <a:p>
-            <a:pPr algn="ctr"/>
-            <a:endParaRPr lang="en-US"/>
           </a:p>
         </p:txBody>
       </p:sp>
@@ -15777,7 +14752,7 @@
         </p:nvSpPr>
         <p:spPr>
           <a:xfrm>
-            <a:off x="14020801" y="6543885"/>
+            <a:off x="14020801" y="9678974"/>
             <a:ext cx="10689771" cy="858614"/>
           </a:xfrm>
           <a:prstGeom prst="rect">
@@ -15829,7 +14804,7 @@
         </p:nvSpPr>
         <p:spPr>
           <a:xfrm>
-            <a:off x="10368911" y="8179170"/>
+            <a:off x="10368911" y="11314259"/>
             <a:ext cx="1464356" cy="523220"/>
           </a:xfrm>
           <a:prstGeom prst="rect">
@@ -15859,7 +14834,7 @@
         </p:nvSpPr>
         <p:spPr>
           <a:xfrm>
-            <a:off x="10019661" y="8266481"/>
+            <a:off x="10019661" y="11401570"/>
             <a:ext cx="365760" cy="365760"/>
           </a:xfrm>
           <a:prstGeom prst="rect">
@@ -15907,7 +14882,7 @@
         </p:nvSpPr>
         <p:spPr>
           <a:xfrm>
-            <a:off x="10407691" y="7599333"/>
+            <a:off x="10407691" y="10734422"/>
             <a:ext cx="1042987" cy="523220"/>
           </a:xfrm>
           <a:prstGeom prst="rect">
@@ -15937,7 +14912,7 @@
         </p:nvSpPr>
         <p:spPr>
           <a:xfrm>
-            <a:off x="10040297" y="7679388"/>
+            <a:off x="10040297" y="10814477"/>
             <a:ext cx="365760" cy="365760"/>
           </a:xfrm>
           <a:prstGeom prst="rect">
@@ -15984,13 +14959,35 @@
           <p:nvPr>
             <p:extLst>
               <p:ext uri="{D42A27DB-BD31-4B8C-83A1-F6EECF244321}">
-                <p14:modId xmlns:p14="http://schemas.microsoft.com/office/powerpoint/2010/main" val="1146972250"/>
+                <p14:modId xmlns:p14="http://schemas.microsoft.com/office/powerpoint/2010/main" val="1688610424"/>
               </p:ext>
             </p:extLst>
           </p:nvPr>
         </p:nvGraphicFramePr>
         <p:xfrm>
-          <a:off x="15010682" y="8841241"/>
+          <a:off x="15010682" y="11976330"/>
+          <a:ext cx="8627911" cy="6019800"/>
+        </p:xfrm>
+        <a:graphic>
+          <a:graphicData uri="http://schemas.openxmlformats.org/drawingml/2006/chart">
+            <c:chart xmlns:c="http://schemas.openxmlformats.org/drawingml/2006/chart" xmlns:r="http://schemas.openxmlformats.org/officeDocument/2006/relationships" r:id="rId5"/>
+          </a:graphicData>
+        </a:graphic>
+      </p:graphicFrame>
+      <p:graphicFrame>
+        <p:nvGraphicFramePr>
+          <p:cNvPr id="56" name="Chart 55"/>
+          <p:cNvGraphicFramePr/>
+          <p:nvPr>
+            <p:extLst>
+              <p:ext uri="{D42A27DB-BD31-4B8C-83A1-F6EECF244321}">
+                <p14:modId xmlns:p14="http://schemas.microsoft.com/office/powerpoint/2010/main" val="1479001063"/>
+              </p:ext>
+            </p:extLst>
+          </p:nvPr>
+        </p:nvGraphicFramePr>
+        <p:xfrm>
+          <a:off x="21107736" y="11979750"/>
           <a:ext cx="8627911" cy="6019800"/>
         </p:xfrm>
         <a:graphic>
@@ -16001,45 +14998,23 @@
       </p:graphicFrame>
       <p:graphicFrame>
         <p:nvGraphicFramePr>
-          <p:cNvPr id="56" name="Chart 55"/>
+          <p:cNvPr id="25" name="Chart 24"/>
           <p:cNvGraphicFramePr/>
           <p:nvPr>
             <p:extLst>
               <p:ext uri="{D42A27DB-BD31-4B8C-83A1-F6EECF244321}">
-                <p14:modId xmlns:p14="http://schemas.microsoft.com/office/powerpoint/2010/main" val="1349390278"/>
+                <p14:modId xmlns:p14="http://schemas.microsoft.com/office/powerpoint/2010/main" val="1412166139"/>
               </p:ext>
             </p:extLst>
           </p:nvPr>
         </p:nvGraphicFramePr>
         <p:xfrm>
-          <a:off x="21107736" y="8844661"/>
-          <a:ext cx="8627911" cy="6019800"/>
+          <a:off x="1021515" y="24139016"/>
+          <a:ext cx="7670498" cy="8156286"/>
         </p:xfrm>
         <a:graphic>
           <a:graphicData uri="http://schemas.openxmlformats.org/drawingml/2006/chart">
             <c:chart xmlns:c="http://schemas.openxmlformats.org/drawingml/2006/chart" xmlns:r="http://schemas.openxmlformats.org/officeDocument/2006/relationships" r:id="rId7"/>
-          </a:graphicData>
-        </a:graphic>
-      </p:graphicFrame>
-      <p:graphicFrame>
-        <p:nvGraphicFramePr>
-          <p:cNvPr id="25" name="Chart 24"/>
-          <p:cNvGraphicFramePr/>
-          <p:nvPr>
-            <p:extLst>
-              <p:ext uri="{D42A27DB-BD31-4B8C-83A1-F6EECF244321}">
-                <p14:modId xmlns:p14="http://schemas.microsoft.com/office/powerpoint/2010/main" val="1137223833"/>
-              </p:ext>
-            </p:extLst>
-          </p:nvPr>
-        </p:nvGraphicFramePr>
-        <p:xfrm>
-          <a:off x="783772" y="16173286"/>
-          <a:ext cx="7670498" cy="8156286"/>
-        </p:xfrm>
-        <a:graphic>
-          <a:graphicData uri="http://schemas.openxmlformats.org/drawingml/2006/chart">
-            <c:chart xmlns:c="http://schemas.openxmlformats.org/drawingml/2006/chart" xmlns:r="http://schemas.openxmlformats.org/officeDocument/2006/relationships" r:id="rId8"/>
           </a:graphicData>
         </a:graphic>
       </p:graphicFrame>
@@ -16052,7 +15027,7 @@
           <p:nvPr/>
         </p:nvPicPr>
         <p:blipFill rotWithShape="1">
-          <a:blip r:embed="rId9">
+          <a:blip r:embed="rId8">
             <a:extLst>
               <a:ext uri="{28A0092B-C50C-407E-A947-70E740481C1C}">
                 <a14:useLocalDpi xmlns:a14="http://schemas.microsoft.com/office/drawing/2010/main" val="0"/>
@@ -16064,7 +15039,7 @@
         </p:blipFill>
         <p:spPr>
           <a:xfrm>
-            <a:off x="1084817" y="26253143"/>
+            <a:off x="954189" y="15541600"/>
             <a:ext cx="7487683" cy="5947937"/>
           </a:xfrm>
           <a:prstGeom prst="rect">
@@ -16082,6 +15057,323 @@
           <a:xfrm rot="10800000">
             <a:off x="955961" y="13418127"/>
             <a:ext cx="7800111" cy="685800"/>
+          </a:xfrm>
+          <a:prstGeom prst="rect">
+            <a:avLst/>
+          </a:prstGeom>
+          <a:solidFill>
+            <a:srgbClr val="1C2939"/>
+          </a:solidFill>
+          <a:ln>
+            <a:noFill/>
+          </a:ln>
+          <a:effectLst/>
+        </p:spPr>
+        <p:style>
+          <a:lnRef idx="1">
+            <a:schemeClr val="accent1"/>
+          </a:lnRef>
+          <a:fillRef idx="3">
+            <a:schemeClr val="accent1"/>
+          </a:fillRef>
+          <a:effectRef idx="2">
+            <a:schemeClr val="accent1"/>
+          </a:effectRef>
+          <a:fontRef idx="minor">
+            <a:schemeClr val="lt1"/>
+          </a:fontRef>
+        </p:style>
+        <p:txBody>
+          <a:bodyPr lIns="329104" tIns="164551" rIns="329104" bIns="164551" rtlCol="0" anchor="ctr"/>
+          <a:lstStyle/>
+          <a:p>
+            <a:pPr algn="ctr"/>
+            <a:endParaRPr lang="en-US">
+              <a:latin typeface="Helvetica"/>
+              <a:cs typeface="Helvetica"/>
+            </a:endParaRPr>
+          </a:p>
+        </p:txBody>
+      </p:sp>
+      <p:sp>
+        <p:nvSpPr>
+          <p:cNvPr id="48" name="TextBox 47"/>
+          <p:cNvSpPr txBox="1"/>
+          <p:nvPr/>
+        </p:nvSpPr>
+        <p:spPr>
+          <a:xfrm>
+            <a:off x="9448698" y="32701231"/>
+            <a:ext cx="9840788" cy="1985076"/>
+          </a:xfrm>
+          <a:prstGeom prst="rect">
+            <a:avLst/>
+          </a:prstGeom>
+          <a:noFill/>
+          <a:ln w="28575" cmpd="sng">
+            <a:solidFill>
+              <a:schemeClr val="tx1"/>
+            </a:solidFill>
+          </a:ln>
+        </p:spPr>
+        <p:txBody>
+          <a:bodyPr wrap="square" lIns="329104" tIns="164551" rIns="329104" bIns="164551" rtlCol="0">
+            <a:spAutoFit/>
+          </a:bodyPr>
+          <a:lstStyle/>
+          <a:p>
+            <a:pPr>
+              <a:lnSpc>
+                <a:spcPct val="90000"/>
+              </a:lnSpc>
+            </a:pPr>
+            <a:r>
+              <a:rPr lang="en-US" sz="3600" dirty="0" smtClean="0">
+                <a:solidFill>
+                  <a:srgbClr val="2C3E50"/>
+                </a:solidFill>
+                <a:latin typeface="Gotham Medium"/>
+                <a:cs typeface="Gotham Medium"/>
+              </a:rPr>
+              <a:t>Daily Activity Per Hour</a:t>
+            </a:r>
+          </a:p>
+          <a:p>
+            <a:pPr algn="just">
+              <a:lnSpc>
+                <a:spcPct val="30000"/>
+              </a:lnSpc>
+            </a:pPr>
+            <a:endParaRPr lang="en-US" sz="2000" dirty="0" smtClean="0">
+              <a:latin typeface="Gotham Book"/>
+              <a:cs typeface="Gotham Book"/>
+            </a:endParaRPr>
+          </a:p>
+          <a:p>
+            <a:r>
+              <a:rPr lang="en-US" sz="2300" dirty="0" smtClean="0">
+                <a:latin typeface="Helvetica" charset="0"/>
+                <a:ea typeface="Helvetica" charset="0"/>
+                <a:cs typeface="Helvetica" charset="0"/>
+              </a:rPr>
+              <a:t>Views, downloads, streams displayed per hour. Helps inform our decision about when to schedule deploys. (Best time, Saturday at 3am. Most reasonable time, Wednesdays, 7am.</a:t>
+            </a:r>
+            <a:endParaRPr lang="en-US" sz="2300" dirty="0">
+              <a:latin typeface="Helvetica" charset="0"/>
+              <a:ea typeface="Helvetica" charset="0"/>
+              <a:cs typeface="Helvetica" charset="0"/>
+            </a:endParaRPr>
+          </a:p>
+        </p:txBody>
+      </p:sp>
+      <p:sp>
+        <p:nvSpPr>
+          <p:cNvPr id="52" name="TextBox 51"/>
+          <p:cNvSpPr txBox="1"/>
+          <p:nvPr/>
+        </p:nvSpPr>
+        <p:spPr>
+          <a:xfrm>
+            <a:off x="19567450" y="33114343"/>
+            <a:ext cx="9225263" cy="1985076"/>
+          </a:xfrm>
+          <a:prstGeom prst="rect">
+            <a:avLst/>
+          </a:prstGeom>
+          <a:noFill/>
+          <a:ln w="28575" cmpd="sng">
+            <a:solidFill>
+              <a:schemeClr val="tx1"/>
+            </a:solidFill>
+          </a:ln>
+        </p:spPr>
+        <p:txBody>
+          <a:bodyPr wrap="square" lIns="329104" tIns="164551" rIns="329104" bIns="164551" rtlCol="0">
+            <a:spAutoFit/>
+          </a:bodyPr>
+          <a:lstStyle/>
+          <a:p>
+            <a:pPr>
+              <a:lnSpc>
+                <a:spcPct val="90000"/>
+              </a:lnSpc>
+            </a:pPr>
+            <a:r>
+              <a:rPr lang="en-US" sz="3600" dirty="0" smtClean="0">
+                <a:solidFill>
+                  <a:srgbClr val="2C3E50"/>
+                </a:solidFill>
+                <a:latin typeface="Gotham Medium"/>
+                <a:cs typeface="Gotham Medium"/>
+              </a:rPr>
+              <a:t>Next Steps</a:t>
+            </a:r>
+            <a:endParaRPr lang="en-US" sz="3600" dirty="0">
+              <a:solidFill>
+                <a:srgbClr val="2C3E50"/>
+              </a:solidFill>
+              <a:latin typeface="Gotham Medium"/>
+              <a:cs typeface="Gotham Medium"/>
+            </a:endParaRPr>
+          </a:p>
+          <a:p>
+            <a:pPr algn="just">
+              <a:lnSpc>
+                <a:spcPct val="30000"/>
+              </a:lnSpc>
+            </a:pPr>
+            <a:endParaRPr lang="en-US" sz="2000" dirty="0" smtClean="0">
+              <a:solidFill>
+                <a:srgbClr val="2C3E50"/>
+              </a:solidFill>
+              <a:latin typeface="Gotham Book"/>
+              <a:cs typeface="Gotham Book"/>
+            </a:endParaRPr>
+          </a:p>
+          <a:p>
+            <a:pPr marL="342900" indent="-342900">
+              <a:buFont typeface="Arial" charset="0"/>
+              <a:buChar char="•"/>
+            </a:pPr>
+            <a:r>
+              <a:rPr lang="en-US" sz="2300" dirty="0">
+                <a:latin typeface="Helvetica" charset="0"/>
+                <a:ea typeface="Helvetica" charset="0"/>
+                <a:cs typeface="Helvetica" charset="0"/>
+              </a:rPr>
+              <a:t>Regular processing/reviewing of agents list for new </a:t>
+            </a:r>
+            <a:r>
+              <a:rPr lang="en-US" sz="2300" dirty="0" smtClean="0">
+                <a:latin typeface="Helvetica" charset="0"/>
+                <a:ea typeface="Helvetica" charset="0"/>
+                <a:cs typeface="Helvetica" charset="0"/>
+              </a:rPr>
+              <a:t>bots</a:t>
+            </a:r>
+          </a:p>
+          <a:p>
+            <a:pPr marL="342900" indent="-342900">
+              <a:buFont typeface="Arial" charset="0"/>
+              <a:buChar char="•"/>
+            </a:pPr>
+            <a:r>
+              <a:rPr lang="en-US" sz="2300" dirty="0" smtClean="0">
+                <a:latin typeface="Helvetica" charset="0"/>
+                <a:ea typeface="Helvetica" charset="0"/>
+                <a:cs typeface="Helvetica" charset="0"/>
+              </a:rPr>
+              <a:t>Aggregated </a:t>
+            </a:r>
+            <a:r>
+              <a:rPr lang="en-US" sz="2300" dirty="0">
+                <a:latin typeface="Helvetica" charset="0"/>
+                <a:ea typeface="Helvetica" charset="0"/>
+                <a:cs typeface="Helvetica" charset="0"/>
+              </a:rPr>
+              <a:t>statistics for Curator's </a:t>
+            </a:r>
+            <a:r>
+              <a:rPr lang="en-US" sz="2300" dirty="0" smtClean="0">
+                <a:latin typeface="Helvetica" charset="0"/>
+                <a:ea typeface="Helvetica" charset="0"/>
+                <a:cs typeface="Helvetica" charset="0"/>
+              </a:rPr>
+              <a:t>Interface</a:t>
+            </a:r>
+          </a:p>
+          <a:p>
+            <a:pPr marL="342900" indent="-342900">
+              <a:buFont typeface="Arial" charset="0"/>
+              <a:buChar char="•"/>
+            </a:pPr>
+            <a:r>
+              <a:rPr lang="en-US" sz="2300" dirty="0" smtClean="0">
+                <a:latin typeface="Helvetica" charset="0"/>
+                <a:ea typeface="Helvetica" charset="0"/>
+                <a:cs typeface="Helvetica" charset="0"/>
+              </a:rPr>
+              <a:t>Google </a:t>
+            </a:r>
+            <a:r>
+              <a:rPr lang="en-US" sz="2300" dirty="0">
+                <a:latin typeface="Helvetica" charset="0"/>
+                <a:ea typeface="Helvetica" charset="0"/>
+                <a:cs typeface="Helvetica" charset="0"/>
+              </a:rPr>
+              <a:t>Indexing Workbench statistics</a:t>
+            </a:r>
+          </a:p>
+        </p:txBody>
+      </p:sp>
+      <p:pic>
+        <p:nvPicPr>
+          <p:cNvPr id="13" name="Picture 12"/>
+          <p:cNvPicPr>
+            <a:picLocks noChangeAspect="1"/>
+          </p:cNvPicPr>
+          <p:nvPr/>
+        </p:nvPicPr>
+        <p:blipFill rotWithShape="1">
+          <a:blip r:embed="rId9">
+            <a:extLst>
+              <a:ext uri="{28A0092B-C50C-407E-A947-70E740481C1C}">
+                <a14:useLocalDpi xmlns:a14="http://schemas.microsoft.com/office/drawing/2010/main" val="0"/>
+              </a:ext>
+            </a:extLst>
+          </a:blip>
+          <a:srcRect t="2964" r="13889" b="3449"/>
+          <a:stretch/>
+        </p:blipFill>
+        <p:spPr>
+          <a:xfrm>
+            <a:off x="9499600" y="34781067"/>
+            <a:ext cx="9779000" cy="6920818"/>
+          </a:xfrm>
+          <a:prstGeom prst="rect">
+            <a:avLst/>
+          </a:prstGeom>
+        </p:spPr>
+      </p:pic>
+      <p:pic>
+        <p:nvPicPr>
+          <p:cNvPr id="15" name="Picture 14"/>
+          <p:cNvPicPr>
+            <a:picLocks noChangeAspect="1"/>
+          </p:cNvPicPr>
+          <p:nvPr/>
+        </p:nvPicPr>
+        <p:blipFill rotWithShape="1">
+          <a:blip r:embed="rId10">
+            <a:extLst>
+              <a:ext uri="{28A0092B-C50C-407E-A947-70E740481C1C}">
+                <a14:useLocalDpi xmlns:a14="http://schemas.microsoft.com/office/drawing/2010/main" val="0"/>
+              </a:ext>
+            </a:extLst>
+          </a:blip>
+          <a:srcRect t="3065" r="18003" b="4750"/>
+          <a:stretch/>
+        </p:blipFill>
+        <p:spPr>
+          <a:xfrm>
+            <a:off x="1017237" y="34363152"/>
+            <a:ext cx="7481378" cy="7351775"/>
+          </a:xfrm>
+          <a:prstGeom prst="rect">
+            <a:avLst/>
+          </a:prstGeom>
+        </p:spPr>
+      </p:pic>
+      <p:sp>
+        <p:nvSpPr>
+          <p:cNvPr id="49" name="Rectangle 48"/>
+          <p:cNvSpPr/>
+          <p:nvPr/>
+        </p:nvSpPr>
+        <p:spPr>
+          <a:xfrm rot="10800000">
+            <a:off x="9100878" y="25476859"/>
+            <a:ext cx="20363688" cy="228600"/>
           </a:xfrm>
           <a:prstGeom prst="rect">
             <a:avLst/>

--- a/Presentations/Open Repositories 2016/Statistics/SweeneySarahORstatistics33x46.pptx
+++ b/Presentations/Open Repositories 2016/Statistics/SweeneySarahORstatistics33x46.pptx
@@ -111,12 +111,12 @@
   <p:extLst>
     <p:ext uri="{EFAFB233-063F-42B5-8137-9DF3F51BA10A}">
       <p15:sldGuideLst xmlns:p15="http://schemas.microsoft.com/office/powerpoint/2012/main">
-        <p15:guide id="1" orient="horz" pos="18927" userDrawn="1">
+        <p15:guide id="1" orient="horz" pos="18951" userDrawn="1">
           <p15:clr>
             <a:srgbClr val="A4A3A4"/>
           </p15:clr>
         </p15:guide>
-        <p15:guide id="2" pos="3101" userDrawn="1">
+        <p15:guide id="2" pos="8861" userDrawn="1">
           <p15:clr>
             <a:srgbClr val="A4A3A4"/>
           </p15:clr>
@@ -1041,7 +1041,7 @@
             <c:bubble3D val="0"/>
             <c:spPr>
               <a:solidFill>
-                <a:srgbClr val="E5ACAC"/>
+                <a:srgbClr val="D1A6AB"/>
               </a:solidFill>
               <a:ln w="19050">
                 <a:solidFill>
@@ -8435,14 +8435,14 @@
           <p:nvPr>
             <p:extLst>
               <p:ext uri="{D42A27DB-BD31-4B8C-83A1-F6EECF244321}">
-                <p14:modId xmlns:p14="http://schemas.microsoft.com/office/powerpoint/2010/main" val="1550149245"/>
+                <p14:modId xmlns:p14="http://schemas.microsoft.com/office/powerpoint/2010/main" val="1982229929"/>
               </p:ext>
             </p:extLst>
           </p:nvPr>
         </p:nvGraphicFramePr>
         <p:xfrm>
-          <a:off x="9250326" y="23394602"/>
-          <a:ext cx="19904148" cy="1747520"/>
+          <a:off x="9548036" y="23394602"/>
+          <a:ext cx="19458434" cy="1747520"/>
         </p:xfrm>
         <a:graphic>
           <a:graphicData uri="http://schemas.openxmlformats.org/drawingml/2006/table">
@@ -8451,18 +8451,18 @@
                 <a:tableStyleId>{5C22544A-7EE6-4342-B048-85BDC9FD1C3A}</a:tableStyleId>
               </a:tblPr>
               <a:tblGrid>
-                <a:gridCol w="932200"/>
-                <a:gridCol w="1420272"/>
-                <a:gridCol w="1602317"/>
-                <a:gridCol w="1233899"/>
-                <a:gridCol w="1743739"/>
-                <a:gridCol w="2662000"/>
-                <a:gridCol w="1476768"/>
-                <a:gridCol w="3586580"/>
-                <a:gridCol w="779972"/>
-                <a:gridCol w="1627427"/>
-                <a:gridCol w="1487754"/>
-                <a:gridCol w="1351220"/>
+                <a:gridCol w="942975"/>
+                <a:gridCol w="1436688"/>
+                <a:gridCol w="1620838"/>
+                <a:gridCol w="1184275"/>
+                <a:gridCol w="1619250"/>
+                <a:gridCol w="2222500"/>
+                <a:gridCol w="1493838"/>
+                <a:gridCol w="3577082"/>
+                <a:gridCol w="842963"/>
+                <a:gridCol w="1646238"/>
+                <a:gridCol w="1504950"/>
+                <a:gridCol w="1366837"/>
               </a:tblGrid>
               <a:tr h="370840">
                 <a:tc>
@@ -12841,7 +12841,7 @@
                 <a:ea typeface="Helvetica" charset="0"/>
                 <a:cs typeface="Helvetica" charset="0"/>
               </a:rPr>
-              <a:t>Views, downloads, streams displayed per hour</a:t>
+              <a:t>Top 10 files</a:t>
             </a:r>
             <a:endParaRPr lang="en-US" sz="2300" dirty="0">
               <a:latin typeface="Helvetica" charset="0"/>
@@ -13110,7 +13110,7 @@
           <p:nvPr>
             <p:extLst>
               <p:ext uri="{D42A27DB-BD31-4B8C-83A1-F6EECF244321}">
-                <p14:modId xmlns:p14="http://schemas.microsoft.com/office/powerpoint/2010/main" val="1341521424"/>
+                <p14:modId xmlns:p14="http://schemas.microsoft.com/office/powerpoint/2010/main" val="431095306"/>
               </p:ext>
             </p:extLst>
           </p:nvPr>
@@ -13289,61 +13289,14 @@
       </p:sp>
       <p:sp>
         <p:nvSpPr>
-          <p:cNvPr id="58" name="Rectangle 57"/>
-          <p:cNvSpPr/>
-          <p:nvPr/>
-        </p:nvSpPr>
-        <p:spPr>
-          <a:xfrm>
-            <a:off x="9190038" y="18738112"/>
-            <a:ext cx="20092027" cy="23119501"/>
-          </a:xfrm>
-          <a:prstGeom prst="rect">
-            <a:avLst/>
-          </a:prstGeom>
-          <a:noFill/>
-          <a:ln w="38100">
-            <a:solidFill>
-              <a:srgbClr val="998FB8"/>
-            </a:solidFill>
-            <a:prstDash val="sysDash"/>
-          </a:ln>
-        </p:spPr>
-        <p:style>
-          <a:lnRef idx="2">
-            <a:schemeClr val="accent1">
-              <a:shade val="50000"/>
-            </a:schemeClr>
-          </a:lnRef>
-          <a:fillRef idx="1">
-            <a:schemeClr val="accent1"/>
-          </a:fillRef>
-          <a:effectRef idx="0">
-            <a:schemeClr val="accent1"/>
-          </a:effectRef>
-          <a:fontRef idx="minor">
-            <a:schemeClr val="lt1"/>
-          </a:fontRef>
-        </p:style>
-        <p:txBody>
-          <a:bodyPr rtlCol="0" anchor="ctr"/>
-          <a:lstStyle/>
-          <a:p>
-            <a:pPr algn="ctr"/>
-            <a:endParaRPr lang="en-US"/>
-          </a:p>
-        </p:txBody>
-      </p:sp>
-      <p:sp>
-        <p:nvSpPr>
           <p:cNvPr id="59" name="TextBox 58"/>
           <p:cNvSpPr txBox="1"/>
           <p:nvPr/>
         </p:nvSpPr>
         <p:spPr>
           <a:xfrm>
-            <a:off x="14477621" y="39780179"/>
-            <a:ext cx="9366288" cy="2020727"/>
+            <a:off x="19964400" y="39902099"/>
+            <a:ext cx="9671374" cy="1914287"/>
           </a:xfrm>
           <a:prstGeom prst="rect">
             <a:avLst/>
@@ -13372,9 +13325,26 @@
                 <a:latin typeface="Gotham Medium"/>
                 <a:cs typeface="Gotham Medium"/>
               </a:rPr>
-              <a:t>Learn More</a:t>
-            </a:r>
-            <a:endParaRPr lang="en-US" sz="3800" dirty="0" smtClean="0">
+              <a:t>Learn </a:t>
+            </a:r>
+            <a:r>
+              <a:rPr lang="en-US" sz="3800" dirty="0" smtClean="0">
+                <a:solidFill>
+                  <a:srgbClr val="2C3E50"/>
+                </a:solidFill>
+                <a:latin typeface="Gotham Medium"/>
+                <a:cs typeface="Gotham Medium"/>
+              </a:rPr>
+              <a:t>More</a:t>
+            </a:r>
+          </a:p>
+          <a:p>
+            <a:pPr algn="ctr">
+              <a:lnSpc>
+                <a:spcPct val="90000"/>
+              </a:lnSpc>
+            </a:pPr>
+            <a:endParaRPr lang="en-US" sz="2000" dirty="0" smtClean="0">
               <a:solidFill>
                 <a:srgbClr val="2C3E50"/>
               </a:solidFill>
@@ -13393,15 +13363,15 @@
                 <a:latin typeface="Helvetica"/>
                 <a:cs typeface="Helvetica"/>
               </a:rPr>
-              <a:t>For more information about the DRS visit </a:t>
-            </a:r>
-          </a:p>
-          <a:p>
-            <a:pPr>
-              <a:lnSpc>
-                <a:spcPct val="110000"/>
-              </a:lnSpc>
-            </a:pPr>
+              <a:t>For </a:t>
+            </a:r>
+            <a:r>
+              <a:rPr lang="en-US" sz="2300" dirty="0" smtClean="0">
+                <a:latin typeface="Helvetica"/>
+                <a:cs typeface="Helvetica"/>
+              </a:rPr>
+              <a:t>more information about the DRS visit </a:t>
+            </a:r>
             <a:r>
               <a:rPr lang="en-US" sz="2300" dirty="0" err="1" smtClean="0">
                 <a:solidFill>
@@ -13413,7 +13383,7 @@
               <a:t>dsg.neu.edu</a:t>
             </a:r>
             <a:r>
-              <a:rPr lang="en-US" sz="2300" dirty="0">
+              <a:rPr lang="en-US" sz="2300" dirty="0" smtClean="0">
                 <a:solidFill>
                   <a:srgbClr val="2B84D2"/>
                 </a:solidFill>
@@ -13449,13 +13419,6 @@
               </a:rPr>
               <a:t>or  </a:t>
             </a:r>
-          </a:p>
-          <a:p>
-            <a:pPr>
-              <a:lnSpc>
-                <a:spcPct val="110000"/>
-              </a:lnSpc>
-            </a:pPr>
             <a:r>
               <a:rPr lang="en-US" sz="2300" dirty="0" err="1" smtClean="0">
                 <a:solidFill>
@@ -13467,7 +13430,7 @@
               <a:t>github.com</a:t>
             </a:r>
             <a:r>
-              <a:rPr lang="en-US" sz="2300" dirty="0">
+              <a:rPr lang="en-US" sz="2300" dirty="0" smtClean="0">
                 <a:solidFill>
                   <a:srgbClr val="2B84D2"/>
                 </a:solidFill>
@@ -13477,7 +13440,7 @@
               <a:t>/NEU-Libraries/</a:t>
             </a:r>
             <a:r>
-              <a:rPr lang="en-US" sz="2300" dirty="0" err="1">
+              <a:rPr lang="en-US" sz="2300" dirty="0" err="1" smtClean="0">
                 <a:solidFill>
                   <a:srgbClr val="2B84D2"/>
                 </a:solidFill>
@@ -13517,7 +13480,7 @@
         </p:blipFill>
         <p:spPr>
           <a:xfrm>
-            <a:off x="20780806" y="40315006"/>
+            <a:off x="10386378" y="40040686"/>
             <a:ext cx="3025003" cy="1066800"/>
           </a:xfrm>
           <a:prstGeom prst="rect">
@@ -13536,8 +13499,8 @@
         </p:nvSpPr>
         <p:spPr>
           <a:xfrm>
-            <a:off x="9193204" y="36970716"/>
-            <a:ext cx="10009196" cy="2428274"/>
+            <a:off x="9193204" y="37107876"/>
+            <a:ext cx="10009196" cy="1840421"/>
           </a:xfrm>
           <a:prstGeom prst="rect">
             <a:avLst/>
@@ -13557,23 +13520,6 @@
           <a:p>
             <a:pPr algn="just">
               <a:lnSpc>
-                <a:spcPct val="90000"/>
-              </a:lnSpc>
-            </a:pPr>
-            <a:r>
-              <a:rPr lang="en-US" sz="3800" dirty="0" smtClean="0">
-                <a:solidFill>
-                  <a:srgbClr val="2C3E50"/>
-                </a:solidFill>
-                <a:latin typeface="Gotham Medium"/>
-                <a:cs typeface="Gotham Medium"/>
-              </a:rPr>
-              <a:t>Conclusion</a:t>
-            </a:r>
-          </a:p>
-          <a:p>
-            <a:pPr algn="just">
-              <a:lnSpc>
                 <a:spcPct val="30000"/>
               </a:lnSpc>
             </a:pPr>
@@ -13603,7 +13549,7 @@
         </p:nvSpPr>
         <p:spPr>
           <a:xfrm>
-            <a:off x="9197558" y="34086026"/>
+            <a:off x="9197558" y="34497506"/>
             <a:ext cx="9986554" cy="1985076"/>
           </a:xfrm>
           <a:prstGeom prst="rect">
@@ -13628,7 +13574,7 @@
               </a:lnSpc>
             </a:pPr>
             <a:r>
-              <a:rPr lang="en-US" sz="3600" dirty="0" smtClean="0">
+              <a:rPr lang="en-US" sz="3200" dirty="0" smtClean="0">
                 <a:solidFill>
                   <a:srgbClr val="2C3E50"/>
                 </a:solidFill>
@@ -13674,8 +13620,8 @@
         </p:nvSpPr>
         <p:spPr>
           <a:xfrm>
-            <a:off x="9198864" y="31369363"/>
-            <a:ext cx="9985248" cy="2339019"/>
+            <a:off x="9198864" y="32375203"/>
+            <a:ext cx="9985248" cy="1748088"/>
           </a:xfrm>
           <a:prstGeom prst="rect">
             <a:avLst/>
@@ -13693,44 +13639,6 @@
           </a:bodyPr>
           <a:lstStyle/>
           <a:p>
-            <a:pPr>
-              <a:lnSpc>
-                <a:spcPct val="90000"/>
-              </a:lnSpc>
-            </a:pPr>
-            <a:r>
-              <a:rPr lang="en-US" sz="3600" dirty="0" smtClean="0">
-                <a:solidFill>
-                  <a:srgbClr val="2C3E50"/>
-                </a:solidFill>
-                <a:latin typeface="Gotham Medium"/>
-                <a:cs typeface="Gotham Medium"/>
-              </a:rPr>
-              <a:t>Next Steps</a:t>
-            </a:r>
-            <a:endParaRPr lang="en-US" sz="3600" dirty="0">
-              <a:solidFill>
-                <a:srgbClr val="2C3E50"/>
-              </a:solidFill>
-              <a:latin typeface="Gotham Medium"/>
-              <a:cs typeface="Gotham Medium"/>
-            </a:endParaRPr>
-          </a:p>
-          <a:p>
-            <a:pPr algn="just">
-              <a:lnSpc>
-                <a:spcPct val="30000"/>
-              </a:lnSpc>
-            </a:pPr>
-            <a:endParaRPr lang="en-US" sz="2000" dirty="0" smtClean="0">
-              <a:solidFill>
-                <a:srgbClr val="2C3E50"/>
-              </a:solidFill>
-              <a:latin typeface="Gotham Book"/>
-              <a:cs typeface="Gotham Book"/>
-            </a:endParaRPr>
-          </a:p>
-          <a:p>
             <a:pPr marL="342900" indent="-342900">
               <a:buFont typeface="Arial" charset="0"/>
               <a:buChar char="•"/>
@@ -13741,7 +13649,15 @@
                 <a:ea typeface="Helvetica" charset="0"/>
                 <a:cs typeface="Helvetica" charset="0"/>
               </a:rPr>
-              <a:t>Process more statistics to improve our process</a:t>
+              <a:t>Process </a:t>
+            </a:r>
+            <a:r>
+              <a:rPr lang="en-US" sz="2300" dirty="0" smtClean="0">
+                <a:latin typeface="Helvetica" charset="0"/>
+                <a:ea typeface="Helvetica" charset="0"/>
+                <a:cs typeface="Helvetica" charset="0"/>
+              </a:rPr>
+              <a:t>more statistics to improve our process</a:t>
             </a:r>
           </a:p>
           <a:p>
@@ -14362,56 +14278,8 @@
         </p:nvSpPr>
         <p:spPr>
           <a:xfrm rot="10800000">
-            <a:off x="9450542" y="29209853"/>
+            <a:off x="9450542" y="29188588"/>
             <a:ext cx="9144000" cy="228600"/>
-          </a:xfrm>
-          <a:prstGeom prst="rect">
-            <a:avLst/>
-          </a:prstGeom>
-          <a:solidFill>
-            <a:srgbClr val="1C2939"/>
-          </a:solidFill>
-          <a:ln>
-            <a:noFill/>
-          </a:ln>
-          <a:effectLst/>
-        </p:spPr>
-        <p:style>
-          <a:lnRef idx="1">
-            <a:schemeClr val="accent1"/>
-          </a:lnRef>
-          <a:fillRef idx="3">
-            <a:schemeClr val="accent1"/>
-          </a:fillRef>
-          <a:effectRef idx="2">
-            <a:schemeClr val="accent1"/>
-          </a:effectRef>
-          <a:fontRef idx="minor">
-            <a:schemeClr val="lt1"/>
-          </a:fontRef>
-        </p:style>
-        <p:txBody>
-          <a:bodyPr lIns="329104" tIns="164551" rIns="329104" bIns="164551" rtlCol="0" anchor="ctr"/>
-          <a:lstStyle/>
-          <a:p>
-            <a:pPr algn="ctr"/>
-            <a:endParaRPr lang="en-US">
-              <a:latin typeface="Helvetica"/>
-              <a:cs typeface="Helvetica"/>
-            </a:endParaRPr>
-          </a:p>
-        </p:txBody>
-      </p:sp>
-      <p:sp>
-        <p:nvSpPr>
-          <p:cNvPr id="79" name="Rectangle 78"/>
-          <p:cNvSpPr/>
-          <p:nvPr/>
-        </p:nvSpPr>
-        <p:spPr>
-          <a:xfrm rot="10800000">
-            <a:off x="9182100" y="31110934"/>
-            <a:ext cx="19999452" cy="228600"/>
           </a:xfrm>
           <a:prstGeom prst="rect">
             <a:avLst/>
@@ -14601,13 +14469,13 @@
           <p:nvPr>
             <p:extLst>
               <p:ext uri="{D42A27DB-BD31-4B8C-83A1-F6EECF244321}">
-                <p14:modId xmlns:p14="http://schemas.microsoft.com/office/powerpoint/2010/main" val="769796409"/>
+                <p14:modId xmlns:p14="http://schemas.microsoft.com/office/powerpoint/2010/main" val="986050572"/>
               </p:ext>
             </p:extLst>
           </p:nvPr>
         </p:nvGraphicFramePr>
         <p:xfrm>
-          <a:off x="20431768" y="25539931"/>
+          <a:off x="21071848" y="25539931"/>
           <a:ext cx="7435661" cy="5244869"/>
         </p:xfrm>
         <a:graphic>
@@ -14624,7 +14492,7 @@
         </p:nvSpPr>
         <p:spPr>
           <a:xfrm>
-            <a:off x="20147911" y="26828579"/>
+            <a:off x="20787991" y="26828579"/>
             <a:ext cx="1464356" cy="523220"/>
           </a:xfrm>
           <a:prstGeom prst="rect">
@@ -14654,7 +14522,7 @@
         </p:nvSpPr>
         <p:spPr>
           <a:xfrm>
-            <a:off x="19798661" y="26915890"/>
+            <a:off x="20438741" y="26915890"/>
             <a:ext cx="365760" cy="365760"/>
           </a:xfrm>
           <a:prstGeom prst="rect">
@@ -14702,7 +14570,7 @@
         </p:nvSpPr>
         <p:spPr>
           <a:xfrm>
-            <a:off x="20186691" y="26248742"/>
+            <a:off x="20826771" y="26248742"/>
             <a:ext cx="1042987" cy="523220"/>
           </a:xfrm>
           <a:prstGeom prst="rect">
@@ -14732,7 +14600,7 @@
         </p:nvSpPr>
         <p:spPr>
           <a:xfrm>
-            <a:off x="19819297" y="26328797"/>
+            <a:off x="20459377" y="26328797"/>
             <a:ext cx="365760" cy="365760"/>
           </a:xfrm>
           <a:prstGeom prst="rect">
@@ -14793,8 +14661,8 @@
         </p:blipFill>
         <p:spPr>
           <a:xfrm>
-            <a:off x="19621728" y="31399648"/>
-            <a:ext cx="9381897" cy="7957505"/>
+            <a:off x="20033209" y="31902569"/>
+            <a:ext cx="8582496" cy="7279472"/>
           </a:xfrm>
           <a:prstGeom prst="rect">
             <a:avLst/>
@@ -14809,7 +14677,7 @@
         </p:nvSpPr>
         <p:spPr>
           <a:xfrm>
-            <a:off x="21247368" y="32224488"/>
+            <a:off x="21475968" y="33321768"/>
             <a:ext cx="1855519" cy="523220"/>
           </a:xfrm>
           <a:prstGeom prst="rect">
@@ -14839,7 +14707,7 @@
         </p:nvSpPr>
         <p:spPr>
           <a:xfrm>
-            <a:off x="20910819" y="32311799"/>
+            <a:off x="21139419" y="33409079"/>
             <a:ext cx="365760" cy="365760"/>
           </a:xfrm>
           <a:prstGeom prst="rect">
@@ -14887,7 +14755,7 @@
         </p:nvSpPr>
         <p:spPr>
           <a:xfrm>
-            <a:off x="21286149" y="31644651"/>
+            <a:off x="21514749" y="32741931"/>
             <a:ext cx="1042987" cy="523220"/>
           </a:xfrm>
           <a:prstGeom prst="rect">
@@ -14917,7 +14785,7 @@
         </p:nvSpPr>
         <p:spPr>
           <a:xfrm>
-            <a:off x="20918755" y="31724706"/>
+            <a:off x="21147355" y="32821986"/>
             <a:ext cx="365760" cy="365760"/>
           </a:xfrm>
           <a:prstGeom prst="rect">
@@ -14965,7 +14833,7 @@
         </p:nvSpPr>
         <p:spPr>
           <a:xfrm>
-            <a:off x="21256893" y="32819801"/>
+            <a:off x="21485493" y="33917081"/>
             <a:ext cx="1855519" cy="523220"/>
           </a:xfrm>
           <a:prstGeom prst="rect">
@@ -14995,7 +14863,7 @@
         </p:nvSpPr>
         <p:spPr>
           <a:xfrm>
-            <a:off x="20907644" y="32907112"/>
+            <a:off x="21136244" y="34004392"/>
             <a:ext cx="365760" cy="365760"/>
           </a:xfrm>
           <a:prstGeom prst="rect">
@@ -15782,7 +15650,7 @@
             <a:avLst/>
           </a:prstGeom>
           <a:solidFill>
-            <a:srgbClr val="E5ACAC"/>
+            <a:srgbClr val="D1A6AB"/>
           </a:solidFill>
           <a:ln>
             <a:solidFill>
@@ -15812,6 +15680,395 @@
           <a:p>
             <a:pPr algn="ctr"/>
             <a:endParaRPr lang="en-US"/>
+          </a:p>
+        </p:txBody>
+      </p:sp>
+      <p:sp>
+        <p:nvSpPr>
+          <p:cNvPr id="105" name="Rectangle 104"/>
+          <p:cNvSpPr/>
+          <p:nvPr/>
+        </p:nvSpPr>
+        <p:spPr>
+          <a:xfrm>
+            <a:off x="9190038" y="31516320"/>
+            <a:ext cx="20092027" cy="7772400"/>
+          </a:xfrm>
+          <a:prstGeom prst="rect">
+            <a:avLst/>
+          </a:prstGeom>
+          <a:noFill/>
+          <a:ln w="38100">
+            <a:solidFill>
+              <a:srgbClr val="998FB8"/>
+            </a:solidFill>
+            <a:prstDash val="sysDash"/>
+          </a:ln>
+        </p:spPr>
+        <p:style>
+          <a:lnRef idx="2">
+            <a:schemeClr val="accent1">
+              <a:shade val="50000"/>
+            </a:schemeClr>
+          </a:lnRef>
+          <a:fillRef idx="1">
+            <a:schemeClr val="accent1"/>
+          </a:fillRef>
+          <a:effectRef idx="0">
+            <a:schemeClr val="accent1"/>
+          </a:effectRef>
+          <a:fontRef idx="minor">
+            <a:schemeClr val="lt1"/>
+          </a:fontRef>
+        </p:style>
+        <p:txBody>
+          <a:bodyPr rtlCol="0" anchor="ctr"/>
+          <a:lstStyle/>
+          <a:p>
+            <a:pPr algn="ctr"/>
+            <a:endParaRPr lang="en-US"/>
+          </a:p>
+        </p:txBody>
+      </p:sp>
+      <p:sp>
+        <p:nvSpPr>
+          <p:cNvPr id="106" name="Rectangle 105"/>
+          <p:cNvSpPr/>
+          <p:nvPr/>
+        </p:nvSpPr>
+        <p:spPr>
+          <a:xfrm>
+            <a:off x="9205278" y="39776400"/>
+            <a:ext cx="20092027" cy="2233613"/>
+          </a:xfrm>
+          <a:prstGeom prst="rect">
+            <a:avLst/>
+          </a:prstGeom>
+          <a:noFill/>
+          <a:ln w="38100">
+            <a:solidFill>
+              <a:srgbClr val="998FB8"/>
+            </a:solidFill>
+            <a:prstDash val="sysDash"/>
+          </a:ln>
+        </p:spPr>
+        <p:style>
+          <a:lnRef idx="2">
+            <a:schemeClr val="accent1">
+              <a:shade val="50000"/>
+            </a:schemeClr>
+          </a:lnRef>
+          <a:fillRef idx="1">
+            <a:schemeClr val="accent1"/>
+          </a:fillRef>
+          <a:effectRef idx="0">
+            <a:schemeClr val="accent1"/>
+          </a:effectRef>
+          <a:fontRef idx="minor">
+            <a:schemeClr val="lt1"/>
+          </a:fontRef>
+        </p:style>
+        <p:txBody>
+          <a:bodyPr rtlCol="0" anchor="ctr"/>
+          <a:lstStyle/>
+          <a:p>
+            <a:pPr algn="ctr"/>
+            <a:endParaRPr lang="en-US"/>
+          </a:p>
+        </p:txBody>
+      </p:sp>
+      <p:sp>
+        <p:nvSpPr>
+          <p:cNvPr id="107" name="Rectangle 106"/>
+          <p:cNvSpPr/>
+          <p:nvPr/>
+        </p:nvSpPr>
+        <p:spPr>
+          <a:xfrm rot="5400000">
+            <a:off x="19513613" y="28985806"/>
+            <a:ext cx="457201" cy="21104352"/>
+          </a:xfrm>
+          <a:prstGeom prst="rect">
+            <a:avLst/>
+          </a:prstGeom>
+          <a:solidFill>
+            <a:srgbClr val="1C2939"/>
+          </a:solidFill>
+          <a:ln>
+            <a:noFill/>
+          </a:ln>
+          <a:effectLst/>
+        </p:spPr>
+        <p:style>
+          <a:lnRef idx="1">
+            <a:schemeClr val="accent1"/>
+          </a:lnRef>
+          <a:fillRef idx="3">
+            <a:schemeClr val="accent1"/>
+          </a:fillRef>
+          <a:effectRef idx="2">
+            <a:schemeClr val="accent1"/>
+          </a:effectRef>
+          <a:fontRef idx="minor">
+            <a:schemeClr val="lt1"/>
+          </a:fontRef>
+        </p:style>
+        <p:txBody>
+          <a:bodyPr lIns="329104" tIns="164551" rIns="329104" bIns="164551" rtlCol="0" anchor="ctr"/>
+          <a:lstStyle/>
+          <a:p>
+            <a:pPr algn="ctr"/>
+            <a:endParaRPr lang="en-US">
+              <a:latin typeface="Helvetica"/>
+              <a:cs typeface="Helvetica"/>
+            </a:endParaRPr>
+          </a:p>
+        </p:txBody>
+      </p:sp>
+      <p:sp>
+        <p:nvSpPr>
+          <p:cNvPr id="112" name="Rectangle 111"/>
+          <p:cNvSpPr/>
+          <p:nvPr/>
+        </p:nvSpPr>
+        <p:spPr>
+          <a:xfrm>
+            <a:off x="9205278" y="18890513"/>
+            <a:ext cx="20092027" cy="12153367"/>
+          </a:xfrm>
+          <a:prstGeom prst="rect">
+            <a:avLst/>
+          </a:prstGeom>
+          <a:noFill/>
+          <a:ln w="38100">
+            <a:solidFill>
+              <a:srgbClr val="998FB8"/>
+            </a:solidFill>
+            <a:prstDash val="sysDash"/>
+          </a:ln>
+        </p:spPr>
+        <p:style>
+          <a:lnRef idx="2">
+            <a:schemeClr val="accent1">
+              <a:shade val="50000"/>
+            </a:schemeClr>
+          </a:lnRef>
+          <a:fillRef idx="1">
+            <a:schemeClr val="accent1"/>
+          </a:fillRef>
+          <a:effectRef idx="0">
+            <a:schemeClr val="accent1"/>
+          </a:effectRef>
+          <a:fontRef idx="minor">
+            <a:schemeClr val="lt1"/>
+          </a:fontRef>
+        </p:style>
+        <p:txBody>
+          <a:bodyPr rtlCol="0" anchor="ctr"/>
+          <a:lstStyle/>
+          <a:p>
+            <a:pPr algn="ctr"/>
+            <a:endParaRPr lang="en-US"/>
+          </a:p>
+        </p:txBody>
+      </p:sp>
+      <p:sp>
+        <p:nvSpPr>
+          <p:cNvPr id="113" name="TextBox 112"/>
+          <p:cNvSpPr txBox="1"/>
+          <p:nvPr/>
+        </p:nvSpPr>
+        <p:spPr>
+          <a:xfrm>
+            <a:off x="9217152" y="31502033"/>
+            <a:ext cx="20089368" cy="858614"/>
+          </a:xfrm>
+          <a:prstGeom prst="rect">
+            <a:avLst/>
+          </a:prstGeom>
+          <a:noFill/>
+          <a:ln w="28575" cmpd="sng">
+            <a:solidFill>
+              <a:schemeClr val="tx1"/>
+            </a:solidFill>
+          </a:ln>
+        </p:spPr>
+        <p:txBody>
+          <a:bodyPr wrap="square" lIns="329104" tIns="164551" rIns="329104" bIns="164551" rtlCol="0">
+            <a:spAutoFit/>
+          </a:bodyPr>
+          <a:lstStyle/>
+          <a:p>
+            <a:pPr algn="ctr">
+              <a:lnSpc>
+                <a:spcPct val="90000"/>
+              </a:lnSpc>
+            </a:pPr>
+            <a:r>
+              <a:rPr lang="en-US" sz="3800" dirty="0" smtClean="0">
+                <a:solidFill>
+                  <a:srgbClr val="2C3E50"/>
+                </a:solidFill>
+                <a:latin typeface="Gotham Medium"/>
+                <a:cs typeface="Gotham Medium"/>
+              </a:rPr>
+              <a:t>Leveraging the Data</a:t>
+            </a:r>
+            <a:endParaRPr lang="en-US" sz="3800" dirty="0">
+              <a:solidFill>
+                <a:srgbClr val="2C3E50"/>
+              </a:solidFill>
+              <a:latin typeface="Gotham Medium"/>
+              <a:cs typeface="Gotham Medium"/>
+            </a:endParaRPr>
+          </a:p>
+        </p:txBody>
+      </p:sp>
+      <p:sp>
+        <p:nvSpPr>
+          <p:cNvPr id="114" name="Rectangle 113"/>
+          <p:cNvSpPr/>
+          <p:nvPr/>
+        </p:nvSpPr>
+        <p:spPr>
+          <a:xfrm rot="5400000">
+            <a:off x="19486498" y="20771447"/>
+            <a:ext cx="457201" cy="21104352"/>
+          </a:xfrm>
+          <a:prstGeom prst="rect">
+            <a:avLst/>
+          </a:prstGeom>
+          <a:solidFill>
+            <a:srgbClr val="1C2939"/>
+          </a:solidFill>
+          <a:ln>
+            <a:noFill/>
+          </a:ln>
+          <a:effectLst/>
+        </p:spPr>
+        <p:style>
+          <a:lnRef idx="1">
+            <a:schemeClr val="accent1"/>
+          </a:lnRef>
+          <a:fillRef idx="3">
+            <a:schemeClr val="accent1"/>
+          </a:fillRef>
+          <a:effectRef idx="2">
+            <a:schemeClr val="accent1"/>
+          </a:effectRef>
+          <a:fontRef idx="minor">
+            <a:schemeClr val="lt1"/>
+          </a:fontRef>
+        </p:style>
+        <p:txBody>
+          <a:bodyPr lIns="329104" tIns="164551" rIns="329104" bIns="164551" rtlCol="0" anchor="ctr"/>
+          <a:lstStyle/>
+          <a:p>
+            <a:pPr algn="ctr"/>
+            <a:endParaRPr lang="en-US">
+              <a:latin typeface="Helvetica"/>
+              <a:cs typeface="Helvetica"/>
+            </a:endParaRPr>
+          </a:p>
+        </p:txBody>
+      </p:sp>
+      <p:sp>
+        <p:nvSpPr>
+          <p:cNvPr id="119" name="TextBox 118"/>
+          <p:cNvSpPr txBox="1"/>
+          <p:nvPr/>
+        </p:nvSpPr>
+        <p:spPr>
+          <a:xfrm>
+            <a:off x="13136880" y="40420258"/>
+            <a:ext cx="5090160" cy="747814"/>
+          </a:xfrm>
+          <a:prstGeom prst="rect">
+            <a:avLst/>
+          </a:prstGeom>
+          <a:noFill/>
+          <a:ln w="28575" cmpd="sng">
+            <a:noFill/>
+          </a:ln>
+        </p:spPr>
+        <p:txBody>
+          <a:bodyPr wrap="square" lIns="329104" tIns="164551" rIns="329104" bIns="164551" rtlCol="0">
+            <a:spAutoFit/>
+          </a:bodyPr>
+          <a:lstStyle/>
+          <a:p>
+            <a:pPr>
+              <a:lnSpc>
+                <a:spcPct val="90000"/>
+              </a:lnSpc>
+            </a:pPr>
+            <a:r>
+              <a:rPr lang="en-US" sz="3000" i="1" dirty="0" smtClean="0">
+                <a:solidFill>
+                  <a:srgbClr val="2C3E50"/>
+                </a:solidFill>
+                <a:latin typeface="Helvetica Neue" charset="0"/>
+                <a:ea typeface="Helvetica Neue" charset="0"/>
+                <a:cs typeface="Helvetica Neue" charset="0"/>
+              </a:rPr>
+              <a:t>Digital Repository Service</a:t>
+            </a:r>
+            <a:endParaRPr lang="en-US" sz="3000" i="1" dirty="0">
+              <a:solidFill>
+                <a:srgbClr val="2C3E50"/>
+              </a:solidFill>
+              <a:latin typeface="Helvetica Neue" charset="0"/>
+              <a:ea typeface="Helvetica Neue" charset="0"/>
+              <a:cs typeface="Helvetica Neue" charset="0"/>
+            </a:endParaRPr>
+          </a:p>
+        </p:txBody>
+      </p:sp>
+      <p:sp>
+        <p:nvSpPr>
+          <p:cNvPr id="121" name="TextBox 120"/>
+          <p:cNvSpPr txBox="1"/>
+          <p:nvPr/>
+        </p:nvSpPr>
+        <p:spPr>
+          <a:xfrm>
+            <a:off x="9645599" y="40868925"/>
+            <a:ext cx="8947201" cy="886314"/>
+          </a:xfrm>
+          <a:prstGeom prst="rect">
+            <a:avLst/>
+          </a:prstGeom>
+          <a:noFill/>
+          <a:ln w="28575">
+            <a:noFill/>
+          </a:ln>
+        </p:spPr>
+        <p:txBody>
+          <a:bodyPr wrap="square" lIns="329104" tIns="164551" rIns="329104" bIns="164551" numCol="1" rtlCol="0" anchor="ctr">
+            <a:spAutoFit/>
+          </a:bodyPr>
+          <a:lstStyle/>
+          <a:p>
+            <a:pPr algn="ctr"/>
+            <a:r>
+              <a:rPr lang="en-US" sz="3600" dirty="0" err="1" smtClean="0">
+                <a:solidFill>
+                  <a:srgbClr val="3498DB"/>
+                </a:solidFill>
+                <a:latin typeface="Helvetica Neue" charset="0"/>
+                <a:ea typeface="Helvetica Neue" charset="0"/>
+                <a:cs typeface="Helvetica Neue" charset="0"/>
+              </a:rPr>
+              <a:t>repository.library.northeastern.edu</a:t>
+            </a:r>
+            <a:endParaRPr lang="en-US" sz="3600" dirty="0">
+              <a:solidFill>
+                <a:srgbClr val="3498DB"/>
+              </a:solidFill>
+              <a:latin typeface="Helvetica Neue" charset="0"/>
+              <a:ea typeface="Helvetica Neue" charset="0"/>
+              <a:cs typeface="Helvetica Neue" charset="0"/>
+            </a:endParaRPr>
           </a:p>
         </p:txBody>
       </p:sp>

--- a/Presentations/Open Repositories 2016/Statistics/SweeneySarahORstatistics33x46.pptx
+++ b/Presentations/Open Repositories 2016/Statistics/SweeneySarahORstatistics33x46.pptx
@@ -111,12 +111,12 @@
   <p:extLst>
     <p:ext uri="{EFAFB233-063F-42B5-8137-9DF3F51BA10A}">
       <p15:sldGuideLst xmlns:p15="http://schemas.microsoft.com/office/powerpoint/2012/main">
-        <p15:guide id="1" orient="horz" pos="18951" userDrawn="1">
+        <p15:guide id="1" orient="horz" pos="26271" userDrawn="1">
           <p15:clr>
             <a:srgbClr val="A4A3A4"/>
           </p15:clr>
         </p15:guide>
-        <p15:guide id="2" pos="8861" userDrawn="1">
+        <p15:guide id="2" pos="3005" userDrawn="1">
           <p15:clr>
             <a:srgbClr val="A4A3A4"/>
           </p15:clr>
@@ -293,6 +293,27 @@
             </c:spPr>
           </c:dPt>
           <c:dLbls>
+            <c:dLbl>
+              <c:idx val="0"/>
+              <c:layout>
+                <c:manualLayout>
+                  <c:x val="-0.089783703852718"/>
+                  <c:y val="0.12313910508463"/>
+                </c:manualLayout>
+              </c:layout>
+              <c:dLblPos val="bestFit"/>
+              <c:showLegendKey val="0"/>
+              <c:showVal val="1"/>
+              <c:showCatName val="0"/>
+              <c:showSerName val="0"/>
+              <c:showPercent val="0"/>
+              <c:showBubbleSize val="0"/>
+              <c:extLst>
+                <c:ext xmlns:c15="http://schemas.microsoft.com/office/drawing/2012/chart" uri="{CE6537A1-D6FC-4f65-9D91-7224C49458BB}">
+                  <c15:layout/>
+                </c:ext>
+              </c:extLst>
+            </c:dLbl>
             <c:spPr>
               <a:noFill/>
               <a:ln>
@@ -319,7 +340,7 @@
                 <a:endParaRPr lang="en-US"/>
               </a:p>
             </c:txPr>
-            <c:dLblPos val="inEnd"/>
+            <c:dLblPos val="ctr"/>
             <c:showLegendKey val="0"/>
             <c:showVal val="1"/>
             <c:showCatName val="0"/>
@@ -615,7 +636,7 @@
                 <a:endParaRPr lang="en-US"/>
               </a:p>
             </c:txPr>
-            <c:dLblPos val="inEnd"/>
+            <c:dLblPos val="ctr"/>
             <c:showLegendKey val="0"/>
             <c:showVal val="1"/>
             <c:showCatName val="0"/>
@@ -674,8 +695,9 @@
           </c:val>
         </c:ser>
         <c:dLbls>
+          <c:dLblPos val="ctr"/>
           <c:showLegendKey val="0"/>
-          <c:showVal val="0"/>
+          <c:showVal val="1"/>
           <c:showCatName val="0"/>
           <c:showSerName val="0"/>
           <c:showPercent val="0"/>
@@ -903,7 +925,7 @@
                 <a:endParaRPr lang="en-US"/>
               </a:p>
             </c:txPr>
-            <c:dLblPos val="inEnd"/>
+            <c:dLblPos val="ctr"/>
             <c:showLegendKey val="0"/>
             <c:showVal val="1"/>
             <c:showCatName val="0"/>
@@ -1097,6 +1119,27 @@
             </c:spPr>
           </c:dPt>
           <c:dLbls>
+            <c:dLbl>
+              <c:idx val="0"/>
+              <c:layout>
+                <c:manualLayout>
+                  <c:x val="-0.057367555324478"/>
+                  <c:y val="0.0964129420014703"/>
+                </c:manualLayout>
+              </c:layout>
+              <c:dLblPos val="bestFit"/>
+              <c:showLegendKey val="0"/>
+              <c:showVal val="1"/>
+              <c:showCatName val="0"/>
+              <c:showSerName val="0"/>
+              <c:showPercent val="0"/>
+              <c:showBubbleSize val="0"/>
+              <c:extLst>
+                <c:ext xmlns:c15="http://schemas.microsoft.com/office/drawing/2012/chart" uri="{CE6537A1-D6FC-4f65-9D91-7224C49458BB}">
+                  <c15:layout/>
+                </c:ext>
+              </c:extLst>
+            </c:dLbl>
             <c:spPr>
               <a:noFill/>
               <a:ln>
@@ -1123,7 +1166,7 @@
                 <a:endParaRPr lang="en-US"/>
               </a:p>
             </c:txPr>
-            <c:dLblPos val="inEnd"/>
+            <c:dLblPos val="ctr"/>
             <c:showLegendKey val="0"/>
             <c:showVal val="1"/>
             <c:showCatName val="0"/>
@@ -1405,6 +1448,27 @@
             </c:spPr>
           </c:dPt>
           <c:dLbls>
+            <c:dLbl>
+              <c:idx val="0"/>
+              <c:layout>
+                <c:manualLayout>
+                  <c:x val="-0.114267043642791"/>
+                  <c:y val="0.153219651434573"/>
+                </c:manualLayout>
+              </c:layout>
+              <c:dLblPos val="bestFit"/>
+              <c:showLegendKey val="0"/>
+              <c:showVal val="1"/>
+              <c:showCatName val="0"/>
+              <c:showSerName val="0"/>
+              <c:showPercent val="0"/>
+              <c:showBubbleSize val="0"/>
+              <c:extLst>
+                <c:ext xmlns:c15="http://schemas.microsoft.com/office/drawing/2012/chart" uri="{CE6537A1-D6FC-4f65-9D91-7224C49458BB}">
+                  <c15:layout/>
+                </c:ext>
+              </c:extLst>
+            </c:dLbl>
             <c:spPr>
               <a:noFill/>
               <a:ln>
@@ -1484,6 +1548,291 @@
                 </c:pt>
                 <c:pt idx="1">
                   <c:v>943654.0</c:v>
+                </c:pt>
+              </c:numCache>
+            </c:numRef>
+          </c:val>
+        </c:ser>
+        <c:dLbls>
+          <c:showLegendKey val="0"/>
+          <c:showVal val="0"/>
+          <c:showCatName val="0"/>
+          <c:showSerName val="0"/>
+          <c:showPercent val="0"/>
+          <c:showBubbleSize val="0"/>
+          <c:showLeaderLines val="1"/>
+        </c:dLbls>
+        <c:firstSliceAng val="0"/>
+      </c:pieChart>
+      <c:spPr>
+        <a:noFill/>
+        <a:ln>
+          <a:noFill/>
+        </a:ln>
+        <a:effectLst/>
+      </c:spPr>
+    </c:plotArea>
+    <c:plotVisOnly val="1"/>
+    <c:dispBlanksAs val="gap"/>
+    <c:showDLblsOverMax val="0"/>
+  </c:chart>
+  <c:spPr>
+    <a:noFill/>
+    <a:ln>
+      <a:noFill/>
+    </a:ln>
+    <a:effectLst/>
+  </c:spPr>
+  <c:txPr>
+    <a:bodyPr/>
+    <a:lstStyle/>
+    <a:p>
+      <a:pPr>
+        <a:defRPr/>
+      </a:pPr>
+      <a:endParaRPr lang="en-US"/>
+    </a:p>
+  </c:txPr>
+  <c:externalData r:id="rId3">
+    <c:autoUpdate val="0"/>
+  </c:externalData>
+</c:chartSpace>
+</file>
+
+<file path=ppt/charts/chart6.xml><?xml version="1.0" encoding="utf-8"?>
+<c:chartSpace xmlns:c="http://schemas.openxmlformats.org/drawingml/2006/chart" xmlns:a="http://schemas.openxmlformats.org/drawingml/2006/main" xmlns:r="http://schemas.openxmlformats.org/officeDocument/2006/relationships">
+  <c:date1904 val="0"/>
+  <c:lang val="en-US"/>
+  <c:roundedCorners val="0"/>
+  <mc:AlternateContent xmlns:mc="http://schemas.openxmlformats.org/markup-compatibility/2006">
+    <mc:Choice xmlns:c14="http://schemas.microsoft.com/office/drawing/2007/8/2/chart" Requires="c14">
+      <c14:style val="102"/>
+    </mc:Choice>
+    <mc:Fallback>
+      <c:style val="2"/>
+    </mc:Fallback>
+  </mc:AlternateContent>
+  <c:chart>
+    <c:autoTitleDeleted val="1"/>
+    <c:plotArea>
+      <c:layout/>
+      <c:pieChart>
+        <c:varyColors val="1"/>
+        <c:ser>
+          <c:idx val="0"/>
+          <c:order val="0"/>
+          <c:tx>
+            <c:strRef>
+              <c:f>Sheet1!$B$1</c:f>
+              <c:strCache>
+                <c:ptCount val="1"/>
+                <c:pt idx="0">
+                  <c:v>Count</c:v>
+                </c:pt>
+              </c:strCache>
+            </c:strRef>
+          </c:tx>
+          <c:spPr>
+            <a:ln>
+              <a:solidFill>
+                <a:schemeClr val="bg1"/>
+              </a:solidFill>
+            </a:ln>
+          </c:spPr>
+          <c:dPt>
+            <c:idx val="0"/>
+            <c:bubble3D val="0"/>
+            <c:spPr>
+              <a:solidFill>
+                <a:srgbClr val="A8ACC4"/>
+              </a:solidFill>
+              <a:ln w="19050">
+                <a:solidFill>
+                  <a:schemeClr val="bg1"/>
+                </a:solidFill>
+              </a:ln>
+              <a:effectLst/>
+            </c:spPr>
+          </c:dPt>
+          <c:dPt>
+            <c:idx val="1"/>
+            <c:bubble3D val="0"/>
+            <c:spPr>
+              <a:solidFill>
+                <a:srgbClr val="B4A59E"/>
+              </a:solidFill>
+              <a:ln w="19050">
+                <a:solidFill>
+                  <a:schemeClr val="bg1"/>
+                </a:solidFill>
+              </a:ln>
+              <a:effectLst/>
+            </c:spPr>
+          </c:dPt>
+          <c:dPt>
+            <c:idx val="2"/>
+            <c:bubble3D val="0"/>
+            <c:spPr>
+              <a:solidFill>
+                <a:srgbClr val="A27082"/>
+              </a:solidFill>
+              <a:ln w="19050">
+                <a:solidFill>
+                  <a:schemeClr val="bg1"/>
+                </a:solidFill>
+              </a:ln>
+              <a:effectLst/>
+            </c:spPr>
+          </c:dPt>
+          <c:dPt>
+            <c:idx val="3"/>
+            <c:bubble3D val="0"/>
+            <c:spPr>
+              <a:solidFill>
+                <a:srgbClr val="8FA7AD"/>
+              </a:solidFill>
+              <a:ln w="19050">
+                <a:solidFill>
+                  <a:schemeClr val="bg1"/>
+                </a:solidFill>
+              </a:ln>
+              <a:effectLst/>
+            </c:spPr>
+          </c:dPt>
+          <c:dPt>
+            <c:idx val="4"/>
+            <c:bubble3D val="0"/>
+            <c:spPr>
+              <a:solidFill>
+                <a:srgbClr val="D1A6AB"/>
+              </a:solidFill>
+              <a:ln w="19050">
+                <a:solidFill>
+                  <a:schemeClr val="bg1"/>
+                </a:solidFill>
+              </a:ln>
+              <a:effectLst/>
+            </c:spPr>
+          </c:dPt>
+          <c:dPt>
+            <c:idx val="5"/>
+            <c:bubble3D val="0"/>
+            <c:spPr>
+              <a:solidFill>
+                <a:srgbClr val="8E8E9E"/>
+              </a:solidFill>
+              <a:ln w="19050">
+                <a:solidFill>
+                  <a:schemeClr val="bg1"/>
+                </a:solidFill>
+              </a:ln>
+              <a:effectLst/>
+            </c:spPr>
+          </c:dPt>
+          <c:dLbls>
+            <c:spPr>
+              <a:noFill/>
+              <a:ln>
+                <a:noFill/>
+              </a:ln>
+              <a:effectLst/>
+            </c:spPr>
+            <c:txPr>
+              <a:bodyPr rot="0" spcFirstLastPara="1" vertOverflow="ellipsis" vert="horz" wrap="square" lIns="38100" tIns="19050" rIns="38100" bIns="19050" anchor="ctr" anchorCtr="1">
+                <a:spAutoFit/>
+              </a:bodyPr>
+              <a:lstStyle/>
+              <a:p>
+                <a:pPr>
+                  <a:defRPr sz="2000" b="1" i="0" u="none" strike="noStrike" kern="1200" baseline="0">
+                    <a:solidFill>
+                      <a:srgbClr val="ECF0F1"/>
+                    </a:solidFill>
+                    <a:latin typeface="Helvetica" charset="0"/>
+                    <a:ea typeface="Helvetica" charset="0"/>
+                    <a:cs typeface="Helvetica" charset="0"/>
+                  </a:defRPr>
+                </a:pPr>
+                <a:endParaRPr lang="en-US"/>
+              </a:p>
+            </c:txPr>
+            <c:dLblPos val="ctr"/>
+            <c:showLegendKey val="0"/>
+            <c:showVal val="1"/>
+            <c:showCatName val="0"/>
+            <c:showSerName val="0"/>
+            <c:showPercent val="0"/>
+            <c:showBubbleSize val="0"/>
+            <c:showLeaderLines val="1"/>
+            <c:leaderLines>
+              <c:spPr>
+                <a:ln w="9525" cap="flat" cmpd="sng" algn="ctr">
+                  <a:solidFill>
+                    <a:schemeClr val="tx1">
+                      <a:lumMod val="35000"/>
+                      <a:lumOff val="65000"/>
+                    </a:schemeClr>
+                  </a:solidFill>
+                  <a:round/>
+                </a:ln>
+                <a:effectLst/>
+              </c:spPr>
+            </c:leaderLines>
+            <c:extLst>
+              <c:ext xmlns:c15="http://schemas.microsoft.com/office/drawing/2012/chart" uri="{CE6537A1-D6FC-4f65-9D91-7224C49458BB}">
+                <c15:layout/>
+              </c:ext>
+            </c:extLst>
+          </c:dLbls>
+          <c:cat>
+            <c:strRef>
+              <c:f>Sheet1!$A$2:$A$7</c:f>
+              <c:strCache>
+                <c:ptCount val="6"/>
+                <c:pt idx="0">
+                  <c:v>Exam</c:v>
+                </c:pt>
+                <c:pt idx="1">
+                  <c:v>Publication</c:v>
+                </c:pt>
+                <c:pt idx="2">
+                  <c:v>Report</c:v>
+                </c:pt>
+                <c:pt idx="3">
+                  <c:v>Newspaper Issue</c:v>
+                </c:pt>
+                <c:pt idx="4">
+                  <c:v>Faculty Research</c:v>
+                </c:pt>
+                <c:pt idx="5">
+                  <c:v>Thesis/Dissertation</c:v>
+                </c:pt>
+              </c:strCache>
+            </c:strRef>
+          </c:cat>
+          <c:val>
+            <c:numRef>
+              <c:f>Sheet1!$B$2:$B$7</c:f>
+              <c:numCache>
+                <c:formatCode>#,##0</c:formatCode>
+                <c:ptCount val="6"/>
+                <c:pt idx="0">
+                  <c:v>1.0</c:v>
+                </c:pt>
+                <c:pt idx="1">
+                  <c:v>1.0</c:v>
+                </c:pt>
+                <c:pt idx="2">
+                  <c:v>1.0</c:v>
+                </c:pt>
+                <c:pt idx="3">
+                  <c:v>3.0</c:v>
+                </c:pt>
+                <c:pt idx="4">
+                  <c:v>8.0</c:v>
+                </c:pt>
+                <c:pt idx="5">
+                  <c:v>11.0</c:v>
                 </c:pt>
               </c:numCache>
             </c:numRef>
@@ -1699,6 +2048,43 @@
   <a:schemeClr val="accent3"/>
   <a:schemeClr val="accent4"/>
   <a:schemeClr val="accent5"/>
+  <a:schemeClr val="accent6"/>
+  <cs:variation/>
+  <cs:variation>
+    <a:lumMod val="60000"/>
+  </cs:variation>
+  <cs:variation>
+    <a:lumMod val="80000"/>
+    <a:lumOff val="20000"/>
+  </cs:variation>
+  <cs:variation>
+    <a:lumMod val="80000"/>
+  </cs:variation>
+  <cs:variation>
+    <a:lumMod val="60000"/>
+    <a:lumOff val="40000"/>
+  </cs:variation>
+  <cs:variation>
+    <a:lumMod val="50000"/>
+  </cs:variation>
+  <cs:variation>
+    <a:lumMod val="70000"/>
+    <a:lumOff val="30000"/>
+  </cs:variation>
+  <cs:variation>
+    <a:lumMod val="70000"/>
+  </cs:variation>
+  <cs:variation>
+    <a:lumMod val="50000"/>
+    <a:lumOff val="50000"/>
+  </cs:variation>
+</cs:colorStyle>
+</file>
+
+<file path=ppt/charts/colors6.xml><?xml version="1.0" encoding="utf-8"?>
+<cs:colorStyle xmlns:cs="http://schemas.microsoft.com/office/drawing/2012/chartStyle" xmlns:a="http://schemas.openxmlformats.org/drawingml/2006/main" meth="cycle" id="12">
+  <a:schemeClr val="accent2"/>
+  <a:schemeClr val="accent4"/>
   <a:schemeClr val="accent6"/>
   <cs:variation/>
   <cs:variation>
@@ -4327,6 +4713,525 @@
 </cs:chartStyle>
 </file>
 
+<file path=ppt/charts/style6.xml><?xml version="1.0" encoding="utf-8"?>
+<cs:chartStyle xmlns:cs="http://schemas.microsoft.com/office/drawing/2012/chartStyle" xmlns:a="http://schemas.openxmlformats.org/drawingml/2006/main" id="251">
+  <cs:axisTitle>
+    <cs:lnRef idx="0"/>
+    <cs:fillRef idx="0"/>
+    <cs:effectRef idx="0"/>
+    <cs:fontRef idx="minor">
+      <a:schemeClr val="tx1">
+        <a:lumMod val="65000"/>
+        <a:lumOff val="35000"/>
+      </a:schemeClr>
+    </cs:fontRef>
+    <cs:defRPr sz="1330" kern="1200"/>
+  </cs:axisTitle>
+  <cs:categoryAxis>
+    <cs:lnRef idx="0"/>
+    <cs:fillRef idx="0"/>
+    <cs:effectRef idx="0"/>
+    <cs:fontRef idx="minor">
+      <a:schemeClr val="tx1">
+        <a:lumMod val="65000"/>
+        <a:lumOff val="35000"/>
+      </a:schemeClr>
+    </cs:fontRef>
+    <cs:spPr>
+      <a:ln w="9525" cap="flat" cmpd="sng" algn="ctr">
+        <a:solidFill>
+          <a:schemeClr val="tx1">
+            <a:lumMod val="15000"/>
+            <a:lumOff val="85000"/>
+          </a:schemeClr>
+        </a:solidFill>
+        <a:round/>
+      </a:ln>
+    </cs:spPr>
+    <cs:defRPr sz="1197" kern="1200"/>
+  </cs:categoryAxis>
+  <cs:chartArea mods="allowNoFillOverride allowNoLineOverride">
+    <cs:lnRef idx="0"/>
+    <cs:fillRef idx="0"/>
+    <cs:effectRef idx="0"/>
+    <cs:fontRef idx="minor">
+      <a:schemeClr val="tx1"/>
+    </cs:fontRef>
+    <cs:spPr>
+      <a:solidFill>
+        <a:schemeClr val="bg1"/>
+      </a:solidFill>
+      <a:ln w="9525" cap="flat" cmpd="sng" algn="ctr">
+        <a:solidFill>
+          <a:schemeClr val="tx1">
+            <a:lumMod val="15000"/>
+            <a:lumOff val="85000"/>
+          </a:schemeClr>
+        </a:solidFill>
+        <a:round/>
+      </a:ln>
+    </cs:spPr>
+    <cs:defRPr sz="1197" kern="1200"/>
+  </cs:chartArea>
+  <cs:dataLabel>
+    <cs:lnRef idx="0"/>
+    <cs:fillRef idx="0"/>
+    <cs:effectRef idx="0"/>
+    <cs:fontRef idx="minor">
+      <a:schemeClr val="tx1">
+        <a:lumMod val="75000"/>
+        <a:lumOff val="25000"/>
+      </a:schemeClr>
+    </cs:fontRef>
+    <cs:defRPr sz="1197" kern="1200"/>
+  </cs:dataLabel>
+  <cs:dataLabelCallout>
+    <cs:lnRef idx="0"/>
+    <cs:fillRef idx="0"/>
+    <cs:effectRef idx="0"/>
+    <cs:fontRef idx="minor">
+      <a:schemeClr val="dk1">
+        <a:lumMod val="65000"/>
+        <a:lumOff val="35000"/>
+      </a:schemeClr>
+    </cs:fontRef>
+    <cs:spPr>
+      <a:solidFill>
+        <a:schemeClr val="lt1"/>
+      </a:solidFill>
+      <a:ln>
+        <a:solidFill>
+          <a:schemeClr val="dk1">
+            <a:lumMod val="25000"/>
+            <a:lumOff val="75000"/>
+          </a:schemeClr>
+        </a:solidFill>
+      </a:ln>
+    </cs:spPr>
+    <cs:defRPr sz="1197" kern="1200"/>
+    <cs:bodyPr rot="0" spcFirstLastPara="1" vertOverflow="clip" horzOverflow="clip" vert="horz" wrap="square" lIns="36576" tIns="18288" rIns="36576" bIns="18288" anchor="ctr" anchorCtr="1">
+      <a:spAutoFit/>
+    </cs:bodyPr>
+  </cs:dataLabelCallout>
+  <cs:dataPoint>
+    <cs:lnRef idx="0"/>
+    <cs:fillRef idx="1">
+      <cs:styleClr val="auto"/>
+    </cs:fillRef>
+    <cs:effectRef idx="0"/>
+    <cs:fontRef idx="minor">
+      <a:schemeClr val="tx1"/>
+    </cs:fontRef>
+    <cs:spPr>
+      <a:ln w="19050">
+        <a:solidFill>
+          <a:schemeClr val="lt1"/>
+        </a:solidFill>
+      </a:ln>
+    </cs:spPr>
+  </cs:dataPoint>
+  <cs:dataPoint3D>
+    <cs:lnRef idx="0"/>
+    <cs:fillRef idx="1">
+      <cs:styleClr val="auto"/>
+    </cs:fillRef>
+    <cs:effectRef idx="0"/>
+    <cs:fontRef idx="minor">
+      <a:schemeClr val="tx1"/>
+    </cs:fontRef>
+    <cs:spPr>
+      <a:ln w="25400">
+        <a:solidFill>
+          <a:schemeClr val="lt1"/>
+        </a:solidFill>
+      </a:ln>
+    </cs:spPr>
+  </cs:dataPoint3D>
+  <cs:dataPointLine>
+    <cs:lnRef idx="0">
+      <cs:styleClr val="auto"/>
+    </cs:lnRef>
+    <cs:fillRef idx="0"/>
+    <cs:effectRef idx="0"/>
+    <cs:fontRef idx="minor">
+      <a:schemeClr val="tx1"/>
+    </cs:fontRef>
+    <cs:spPr>
+      <a:ln w="28575" cap="rnd">
+        <a:solidFill>
+          <a:schemeClr val="phClr"/>
+        </a:solidFill>
+        <a:round/>
+      </a:ln>
+    </cs:spPr>
+  </cs:dataPointLine>
+  <cs:dataPointMarker>
+    <cs:lnRef idx="0">
+      <cs:styleClr val="auto"/>
+    </cs:lnRef>
+    <cs:fillRef idx="1">
+      <cs:styleClr val="auto"/>
+    </cs:fillRef>
+    <cs:effectRef idx="0"/>
+    <cs:fontRef idx="minor">
+      <a:schemeClr val="tx1"/>
+    </cs:fontRef>
+    <cs:spPr>
+      <a:ln w="9525">
+        <a:solidFill>
+          <a:schemeClr val="phClr"/>
+        </a:solidFill>
+      </a:ln>
+    </cs:spPr>
+  </cs:dataPointMarker>
+  <cs:dataPointMarkerLayout symbol="circle" size="5"/>
+  <cs:dataPointWireframe>
+    <cs:lnRef idx="0">
+      <cs:styleClr val="auto"/>
+    </cs:lnRef>
+    <cs:fillRef idx="0"/>
+    <cs:effectRef idx="0"/>
+    <cs:fontRef idx="minor">
+      <a:schemeClr val="tx1"/>
+    </cs:fontRef>
+    <cs:spPr>
+      <a:ln w="9525" cap="rnd">
+        <a:solidFill>
+          <a:schemeClr val="phClr"/>
+        </a:solidFill>
+        <a:round/>
+      </a:ln>
+    </cs:spPr>
+  </cs:dataPointWireframe>
+  <cs:dataTable>
+    <cs:lnRef idx="0"/>
+    <cs:fillRef idx="0"/>
+    <cs:effectRef idx="0"/>
+    <cs:fontRef idx="minor">
+      <a:schemeClr val="tx1">
+        <a:lumMod val="65000"/>
+        <a:lumOff val="35000"/>
+      </a:schemeClr>
+    </cs:fontRef>
+    <cs:spPr>
+      <a:noFill/>
+      <a:ln w="9525" cap="flat" cmpd="sng" algn="ctr">
+        <a:solidFill>
+          <a:schemeClr val="tx1">
+            <a:lumMod val="15000"/>
+            <a:lumOff val="85000"/>
+          </a:schemeClr>
+        </a:solidFill>
+        <a:round/>
+      </a:ln>
+    </cs:spPr>
+    <cs:defRPr sz="1197" kern="1200"/>
+  </cs:dataTable>
+  <cs:downBar>
+    <cs:lnRef idx="0"/>
+    <cs:fillRef idx="0"/>
+    <cs:effectRef idx="0"/>
+    <cs:fontRef idx="minor">
+      <a:schemeClr val="tx1"/>
+    </cs:fontRef>
+    <cs:spPr>
+      <a:solidFill>
+        <a:schemeClr val="dk1">
+          <a:lumMod val="75000"/>
+          <a:lumOff val="25000"/>
+        </a:schemeClr>
+      </a:solidFill>
+      <a:ln w="9525" cap="flat" cmpd="sng" algn="ctr">
+        <a:solidFill>
+          <a:schemeClr val="tx1">
+            <a:lumMod val="65000"/>
+            <a:lumOff val="35000"/>
+          </a:schemeClr>
+        </a:solidFill>
+        <a:round/>
+      </a:ln>
+    </cs:spPr>
+  </cs:downBar>
+  <cs:dropLine>
+    <cs:lnRef idx="0"/>
+    <cs:fillRef idx="0"/>
+    <cs:effectRef idx="0"/>
+    <cs:fontRef idx="minor">
+      <a:schemeClr val="tx1"/>
+    </cs:fontRef>
+    <cs:spPr>
+      <a:ln w="9525" cap="flat" cmpd="sng" algn="ctr">
+        <a:solidFill>
+          <a:schemeClr val="tx1">
+            <a:lumMod val="35000"/>
+            <a:lumOff val="65000"/>
+          </a:schemeClr>
+        </a:solidFill>
+        <a:round/>
+      </a:ln>
+    </cs:spPr>
+  </cs:dropLine>
+  <cs:errorBar>
+    <cs:lnRef idx="0"/>
+    <cs:fillRef idx="0"/>
+    <cs:effectRef idx="0"/>
+    <cs:fontRef idx="minor">
+      <a:schemeClr val="tx1"/>
+    </cs:fontRef>
+    <cs:spPr>
+      <a:ln w="9525" cap="flat" cmpd="sng" algn="ctr">
+        <a:solidFill>
+          <a:schemeClr val="tx1">
+            <a:lumMod val="65000"/>
+            <a:lumOff val="35000"/>
+          </a:schemeClr>
+        </a:solidFill>
+        <a:round/>
+      </a:ln>
+    </cs:spPr>
+  </cs:errorBar>
+  <cs:floor>
+    <cs:lnRef idx="0"/>
+    <cs:fillRef idx="0"/>
+    <cs:effectRef idx="0"/>
+    <cs:fontRef idx="minor">
+      <a:schemeClr val="tx1"/>
+    </cs:fontRef>
+    <cs:spPr>
+      <a:noFill/>
+      <a:ln>
+        <a:noFill/>
+      </a:ln>
+    </cs:spPr>
+  </cs:floor>
+  <cs:gridlineMajor>
+    <cs:lnRef idx="0"/>
+    <cs:fillRef idx="0"/>
+    <cs:effectRef idx="0"/>
+    <cs:fontRef idx="minor">
+      <a:schemeClr val="tx1"/>
+    </cs:fontRef>
+    <cs:spPr>
+      <a:ln w="9525" cap="flat" cmpd="sng" algn="ctr">
+        <a:solidFill>
+          <a:schemeClr val="tx1">
+            <a:lumMod val="15000"/>
+            <a:lumOff val="85000"/>
+          </a:schemeClr>
+        </a:solidFill>
+        <a:round/>
+      </a:ln>
+    </cs:spPr>
+  </cs:gridlineMajor>
+  <cs:gridlineMinor>
+    <cs:lnRef idx="0"/>
+    <cs:fillRef idx="0"/>
+    <cs:effectRef idx="0"/>
+    <cs:fontRef idx="minor">
+      <a:schemeClr val="tx1"/>
+    </cs:fontRef>
+    <cs:spPr>
+      <a:ln w="9525" cap="flat" cmpd="sng" algn="ctr">
+        <a:solidFill>
+          <a:schemeClr val="tx1">
+            <a:lumMod val="5000"/>
+            <a:lumOff val="95000"/>
+          </a:schemeClr>
+        </a:solidFill>
+        <a:round/>
+      </a:ln>
+    </cs:spPr>
+  </cs:gridlineMinor>
+  <cs:hiLoLine>
+    <cs:lnRef idx="0"/>
+    <cs:fillRef idx="0"/>
+    <cs:effectRef idx="0"/>
+    <cs:fontRef idx="minor">
+      <a:schemeClr val="tx1"/>
+    </cs:fontRef>
+    <cs:spPr>
+      <a:ln w="9525" cap="flat" cmpd="sng" algn="ctr">
+        <a:solidFill>
+          <a:schemeClr val="tx1">
+            <a:lumMod val="50000"/>
+            <a:lumOff val="50000"/>
+          </a:schemeClr>
+        </a:solidFill>
+        <a:round/>
+      </a:ln>
+    </cs:spPr>
+  </cs:hiLoLine>
+  <cs:leaderLine>
+    <cs:lnRef idx="0"/>
+    <cs:fillRef idx="0"/>
+    <cs:effectRef idx="0"/>
+    <cs:fontRef idx="minor">
+      <a:schemeClr val="tx1"/>
+    </cs:fontRef>
+    <cs:spPr>
+      <a:ln w="9525" cap="flat" cmpd="sng" algn="ctr">
+        <a:solidFill>
+          <a:schemeClr val="tx1">
+            <a:lumMod val="35000"/>
+            <a:lumOff val="65000"/>
+          </a:schemeClr>
+        </a:solidFill>
+        <a:round/>
+      </a:ln>
+    </cs:spPr>
+  </cs:leaderLine>
+  <cs:legend>
+    <cs:lnRef idx="0"/>
+    <cs:fillRef idx="0"/>
+    <cs:effectRef idx="0"/>
+    <cs:fontRef idx="minor">
+      <a:schemeClr val="tx1">
+        <a:lumMod val="65000"/>
+        <a:lumOff val="35000"/>
+      </a:schemeClr>
+    </cs:fontRef>
+    <cs:defRPr sz="1197" kern="1200"/>
+  </cs:legend>
+  <cs:plotArea mods="allowNoFillOverride allowNoLineOverride">
+    <cs:lnRef idx="0"/>
+    <cs:fillRef idx="0"/>
+    <cs:effectRef idx="0"/>
+    <cs:fontRef idx="minor">
+      <a:schemeClr val="tx1"/>
+    </cs:fontRef>
+  </cs:plotArea>
+  <cs:plotArea3D mods="allowNoFillOverride allowNoLineOverride">
+    <cs:lnRef idx="0"/>
+    <cs:fillRef idx="0"/>
+    <cs:effectRef idx="0"/>
+    <cs:fontRef idx="minor">
+      <a:schemeClr val="tx1"/>
+    </cs:fontRef>
+  </cs:plotArea3D>
+  <cs:seriesAxis>
+    <cs:lnRef idx="0"/>
+    <cs:fillRef idx="0"/>
+    <cs:effectRef idx="0"/>
+    <cs:fontRef idx="minor">
+      <a:schemeClr val="tx1">
+        <a:lumMod val="65000"/>
+        <a:lumOff val="35000"/>
+      </a:schemeClr>
+    </cs:fontRef>
+    <cs:defRPr sz="1197" kern="1200"/>
+  </cs:seriesAxis>
+  <cs:seriesLine>
+    <cs:lnRef idx="0"/>
+    <cs:fillRef idx="0"/>
+    <cs:effectRef idx="0"/>
+    <cs:fontRef idx="minor">
+      <a:schemeClr val="tx1"/>
+    </cs:fontRef>
+    <cs:spPr>
+      <a:ln w="9525" cap="flat" cmpd="sng" algn="ctr">
+        <a:solidFill>
+          <a:schemeClr val="tx1">
+            <a:lumMod val="35000"/>
+            <a:lumOff val="65000"/>
+          </a:schemeClr>
+        </a:solidFill>
+        <a:round/>
+      </a:ln>
+    </cs:spPr>
+  </cs:seriesLine>
+  <cs:title>
+    <cs:lnRef idx="0"/>
+    <cs:fillRef idx="0"/>
+    <cs:effectRef idx="0"/>
+    <cs:fontRef idx="minor">
+      <a:schemeClr val="tx1">
+        <a:lumMod val="65000"/>
+        <a:lumOff val="35000"/>
+      </a:schemeClr>
+    </cs:fontRef>
+    <cs:defRPr sz="1862" b="0" kern="1200" spc="0" baseline="0"/>
+  </cs:title>
+  <cs:trendline>
+    <cs:lnRef idx="0">
+      <cs:styleClr val="auto"/>
+    </cs:lnRef>
+    <cs:fillRef idx="0"/>
+    <cs:effectRef idx="0"/>
+    <cs:fontRef idx="minor">
+      <a:schemeClr val="tx1"/>
+    </cs:fontRef>
+    <cs:spPr>
+      <a:ln w="19050" cap="rnd">
+        <a:solidFill>
+          <a:schemeClr val="phClr"/>
+        </a:solidFill>
+        <a:prstDash val="sysDot"/>
+      </a:ln>
+    </cs:spPr>
+  </cs:trendline>
+  <cs:trendlineLabel>
+    <cs:lnRef idx="0"/>
+    <cs:fillRef idx="0"/>
+    <cs:effectRef idx="0"/>
+    <cs:fontRef idx="minor">
+      <a:schemeClr val="tx1">
+        <a:lumMod val="65000"/>
+        <a:lumOff val="35000"/>
+      </a:schemeClr>
+    </cs:fontRef>
+    <cs:defRPr sz="1197" kern="1200"/>
+  </cs:trendlineLabel>
+  <cs:upBar>
+    <cs:lnRef idx="0"/>
+    <cs:fillRef idx="0"/>
+    <cs:effectRef idx="0"/>
+    <cs:fontRef idx="minor">
+      <a:schemeClr val="tx1"/>
+    </cs:fontRef>
+    <cs:spPr>
+      <a:solidFill>
+        <a:schemeClr val="lt1"/>
+      </a:solidFill>
+      <a:ln w="9525" cap="flat" cmpd="sng" algn="ctr">
+        <a:solidFill>
+          <a:schemeClr val="tx1">
+            <a:lumMod val="65000"/>
+            <a:lumOff val="35000"/>
+          </a:schemeClr>
+        </a:solidFill>
+        <a:round/>
+      </a:ln>
+    </cs:spPr>
+  </cs:upBar>
+  <cs:valueAxis>
+    <cs:lnRef idx="0"/>
+    <cs:fillRef idx="0"/>
+    <cs:effectRef idx="0"/>
+    <cs:fontRef idx="minor">
+      <a:schemeClr val="tx1">
+        <a:lumMod val="65000"/>
+        <a:lumOff val="35000"/>
+      </a:schemeClr>
+    </cs:fontRef>
+    <cs:defRPr sz="1197" kern="1200"/>
+  </cs:valueAxis>
+  <cs:wall>
+    <cs:lnRef idx="0"/>
+    <cs:fillRef idx="0"/>
+    <cs:effectRef idx="0"/>
+    <cs:fontRef idx="minor">
+      <a:schemeClr val="tx1"/>
+    </cs:fontRef>
+    <cs:spPr>
+      <a:noFill/>
+      <a:ln>
+        <a:noFill/>
+      </a:ln>
+    </cs:spPr>
+  </cs:wall>
+</cs:chartStyle>
+</file>
+
 <file path=ppt/notesMasters/notesMaster1.xml><?xml version="1.0" encoding="utf-8"?>
 <p:notesMaster xmlns:a="http://schemas.openxmlformats.org/drawingml/2006/main" xmlns:r="http://schemas.openxmlformats.org/officeDocument/2006/relationships" xmlns:p="http://schemas.openxmlformats.org/presentationml/2006/main">
   <p:cSld>
@@ -4409,7 +5314,7 @@
           <a:p>
             <a:fld id="{7F7A6B22-0AC0-E647-B4AB-610E8EE21CF0}" type="datetimeFigureOut">
               <a:rPr lang="en-US" smtClean="0"/>
-              <a:t>5/27/16</a:t>
+              <a:t>5/30/16</a:t>
             </a:fld>
             <a:endParaRPr lang="en-US"/>
           </a:p>
@@ -4892,7 +5797,7 @@
           <a:p>
             <a:fld id="{180E51A3-104B-B744-9E20-3025749670C7}" type="datetimeFigureOut">
               <a:rPr lang="en-US" smtClean="0"/>
-              <a:t>5/27/16</a:t>
+              <a:t>5/30/16</a:t>
             </a:fld>
             <a:endParaRPr lang="en-US"/>
           </a:p>
@@ -5062,7 +5967,7 @@
           <a:p>
             <a:fld id="{180E51A3-104B-B744-9E20-3025749670C7}" type="datetimeFigureOut">
               <a:rPr lang="en-US" smtClean="0"/>
-              <a:t>5/27/16</a:t>
+              <a:t>5/30/16</a:t>
             </a:fld>
             <a:endParaRPr lang="en-US"/>
           </a:p>
@@ -5242,7 +6147,7 @@
           <a:p>
             <a:fld id="{180E51A3-104B-B744-9E20-3025749670C7}" type="datetimeFigureOut">
               <a:rPr lang="en-US" smtClean="0"/>
-              <a:t>5/27/16</a:t>
+              <a:t>5/30/16</a:t>
             </a:fld>
             <a:endParaRPr lang="en-US"/>
           </a:p>
@@ -5412,7 +6317,7 @@
           <a:p>
             <a:fld id="{180E51A3-104B-B744-9E20-3025749670C7}" type="datetimeFigureOut">
               <a:rPr lang="en-US" smtClean="0"/>
-              <a:t>5/27/16</a:t>
+              <a:t>5/30/16</a:t>
             </a:fld>
             <a:endParaRPr lang="en-US"/>
           </a:p>
@@ -5656,7 +6561,7 @@
           <a:p>
             <a:fld id="{180E51A3-104B-B744-9E20-3025749670C7}" type="datetimeFigureOut">
               <a:rPr lang="en-US" smtClean="0"/>
-              <a:t>5/27/16</a:t>
+              <a:t>5/30/16</a:t>
             </a:fld>
             <a:endParaRPr lang="en-US"/>
           </a:p>
@@ -5888,7 +6793,7 @@
           <a:p>
             <a:fld id="{180E51A3-104B-B744-9E20-3025749670C7}" type="datetimeFigureOut">
               <a:rPr lang="en-US" smtClean="0"/>
-              <a:t>5/27/16</a:t>
+              <a:t>5/30/16</a:t>
             </a:fld>
             <a:endParaRPr lang="en-US"/>
           </a:p>
@@ -6255,7 +7160,7 @@
           <a:p>
             <a:fld id="{180E51A3-104B-B744-9E20-3025749670C7}" type="datetimeFigureOut">
               <a:rPr lang="en-US" smtClean="0"/>
-              <a:t>5/27/16</a:t>
+              <a:t>5/30/16</a:t>
             </a:fld>
             <a:endParaRPr lang="en-US"/>
           </a:p>
@@ -6373,7 +7278,7 @@
           <a:p>
             <a:fld id="{180E51A3-104B-B744-9E20-3025749670C7}" type="datetimeFigureOut">
               <a:rPr lang="en-US" smtClean="0"/>
-              <a:t>5/27/16</a:t>
+              <a:t>5/30/16</a:t>
             </a:fld>
             <a:endParaRPr lang="en-US"/>
           </a:p>
@@ -6468,7 +7373,7 @@
           <a:p>
             <a:fld id="{180E51A3-104B-B744-9E20-3025749670C7}" type="datetimeFigureOut">
               <a:rPr lang="en-US" smtClean="0"/>
-              <a:t>5/27/16</a:t>
+              <a:t>5/30/16</a:t>
             </a:fld>
             <a:endParaRPr lang="en-US"/>
           </a:p>
@@ -6745,7 +7650,7 @@
           <a:p>
             <a:fld id="{180E51A3-104B-B744-9E20-3025749670C7}" type="datetimeFigureOut">
               <a:rPr lang="en-US" smtClean="0"/>
-              <a:t>5/27/16</a:t>
+              <a:t>5/30/16</a:t>
             </a:fld>
             <a:endParaRPr lang="en-US"/>
           </a:p>
@@ -7002,7 +7907,7 @@
           <a:p>
             <a:fld id="{180E51A3-104B-B744-9E20-3025749670C7}" type="datetimeFigureOut">
               <a:rPr lang="en-US" smtClean="0"/>
-              <a:t>5/27/16</a:t>
+              <a:t>5/30/16</a:t>
             </a:fld>
             <a:endParaRPr lang="en-US"/>
           </a:p>
@@ -7215,7 +8120,7 @@
           <a:p>
             <a:fld id="{180E51A3-104B-B744-9E20-3025749670C7}" type="datetimeFigureOut">
               <a:rPr lang="en-US" smtClean="0"/>
-              <a:t>5/27/16</a:t>
+              <a:t>5/30/16</a:t>
             </a:fld>
             <a:endParaRPr lang="en-US"/>
           </a:p>
@@ -7635,13 +8540,13 @@
           <p:nvPr>
             <p:extLst>
               <p:ext uri="{D42A27DB-BD31-4B8C-83A1-F6EECF244321}">
-                <p14:modId xmlns:p14="http://schemas.microsoft.com/office/powerpoint/2010/main" val="37931297"/>
+                <p14:modId xmlns:p14="http://schemas.microsoft.com/office/powerpoint/2010/main" val="1126838995"/>
               </p:ext>
             </p:extLst>
           </p:nvPr>
         </p:nvGraphicFramePr>
         <p:xfrm>
-          <a:off x="10551705" y="11666594"/>
+          <a:off x="10551705" y="10464145"/>
           <a:ext cx="6124196" cy="6074228"/>
         </p:xfrm>
         <a:graphic>
@@ -7734,7 +8639,7 @@
         </p:nvSpPr>
         <p:spPr>
           <a:xfrm>
-            <a:off x="7950682" y="3339247"/>
+            <a:off x="7950682" y="3378583"/>
             <a:ext cx="14374784" cy="1163313"/>
           </a:xfrm>
           <a:prstGeom prst="rect">
@@ -7760,7 +8665,7 @@
                 <a:latin typeface="Gotham Bold"/>
                 <a:cs typeface="Gotham Bold"/>
               </a:rPr>
-              <a:t>Northeastern University Library</a:t>
+              <a:t>Sarah Sweeney sj.sweeney@neu.edu</a:t>
             </a:r>
             <a:endParaRPr lang="en-US" sz="5400" dirty="0">
               <a:solidFill>
@@ -7780,7 +8685,7 @@
         </p:nvSpPr>
         <p:spPr>
           <a:xfrm>
-            <a:off x="6841439" y="4239364"/>
+            <a:off x="6841439" y="4357992"/>
             <a:ext cx="16593270" cy="1440312"/>
           </a:xfrm>
           <a:prstGeom prst="rect">
@@ -7806,48 +8711,15 @@
                 <a:latin typeface="Gotham Medium"/>
                 <a:cs typeface="Gotham Medium"/>
               </a:rPr>
-              <a:t>Sarah Sweeney  </a:t>
-            </a:r>
-            <a:r>
-              <a:rPr lang="en-US" sz="3600" dirty="0" err="1" smtClean="0">
-                <a:solidFill>
-                  <a:srgbClr val="2C3E50"/>
-                </a:solidFill>
-                <a:latin typeface="Gotham Medium"/>
-                <a:cs typeface="Gotham Medium"/>
-              </a:rPr>
-              <a:t>sj.sweeney</a:t>
-            </a:r>
-            <a:r>
-              <a:rPr lang="en-US" sz="3600" dirty="0" err="1">
-                <a:solidFill>
-                  <a:srgbClr val="2C3E50"/>
-                </a:solidFill>
-                <a:latin typeface="Gotham Medium"/>
-                <a:cs typeface="Gotham Medium"/>
-              </a:rPr>
-              <a:t>@</a:t>
-            </a:r>
-            <a:r>
-              <a:rPr lang="en-US" sz="3600" dirty="0" err="1" smtClean="0">
-                <a:solidFill>
-                  <a:srgbClr val="2C3E50"/>
-                </a:solidFill>
-                <a:latin typeface="Gotham Medium"/>
-                <a:cs typeface="Gotham Medium"/>
-              </a:rPr>
-              <a:t>neu.edu</a:t>
-            </a:r>
-            <a:r>
-              <a:rPr lang="en-US" sz="3600" dirty="0" smtClean="0">
-                <a:solidFill>
-                  <a:srgbClr val="2C3E50"/>
-                </a:solidFill>
-                <a:latin typeface="Gotham Medium"/>
-                <a:cs typeface="Gotham Medium"/>
-              </a:rPr>
-              <a:t>  </a:t>
-            </a:r>
+              <a:t>Northeastern University Libraries</a:t>
+            </a:r>
+            <a:endParaRPr lang="en-US" sz="3600" dirty="0" smtClean="0">
+              <a:solidFill>
+                <a:srgbClr val="2C3E50"/>
+              </a:solidFill>
+              <a:latin typeface="Gotham Medium"/>
+              <a:cs typeface="Gotham Medium"/>
+            </a:endParaRPr>
           </a:p>
           <a:p>
             <a:pPr algn="ctr"/>
@@ -7868,198 +8740,6 @@
               <a:latin typeface="Gotham Medium"/>
               <a:cs typeface="Gotham Medium"/>
             </a:endParaRPr>
-          </a:p>
-        </p:txBody>
-      </p:sp>
-      <p:sp>
-        <p:nvSpPr>
-          <p:cNvPr id="9" name="Rectangle 8"/>
-          <p:cNvSpPr/>
-          <p:nvPr/>
-        </p:nvSpPr>
-        <p:spPr>
-          <a:xfrm>
-            <a:off x="1" y="0"/>
-            <a:ext cx="914399" cy="42794238"/>
-          </a:xfrm>
-          <a:prstGeom prst="rect">
-            <a:avLst/>
-          </a:prstGeom>
-          <a:solidFill>
-            <a:srgbClr val="3498DB"/>
-          </a:solidFill>
-          <a:ln>
-            <a:solidFill>
-              <a:srgbClr val="3498DB"/>
-            </a:solidFill>
-          </a:ln>
-        </p:spPr>
-        <p:style>
-          <a:lnRef idx="2">
-            <a:schemeClr val="accent1">
-              <a:shade val="50000"/>
-            </a:schemeClr>
-          </a:lnRef>
-          <a:fillRef idx="1">
-            <a:schemeClr val="accent1"/>
-          </a:fillRef>
-          <a:effectRef idx="0">
-            <a:schemeClr val="accent1"/>
-          </a:effectRef>
-          <a:fontRef idx="minor">
-            <a:schemeClr val="lt1"/>
-          </a:fontRef>
-        </p:style>
-        <p:txBody>
-          <a:bodyPr rtlCol="0" anchor="ctr"/>
-          <a:lstStyle/>
-          <a:p>
-            <a:pPr algn="ctr"/>
-            <a:endParaRPr lang="en-US"/>
-          </a:p>
-        </p:txBody>
-      </p:sp>
-      <p:sp>
-        <p:nvSpPr>
-          <p:cNvPr id="10" name="Rectangle 9"/>
-          <p:cNvSpPr/>
-          <p:nvPr/>
-        </p:nvSpPr>
-        <p:spPr>
-          <a:xfrm>
-            <a:off x="29352876" y="851398"/>
-            <a:ext cx="914399" cy="42794238"/>
-          </a:xfrm>
-          <a:prstGeom prst="rect">
-            <a:avLst/>
-          </a:prstGeom>
-          <a:solidFill>
-            <a:srgbClr val="3498DB"/>
-          </a:solidFill>
-          <a:ln>
-            <a:solidFill>
-              <a:srgbClr val="3498DB"/>
-            </a:solidFill>
-          </a:ln>
-        </p:spPr>
-        <p:style>
-          <a:lnRef idx="2">
-            <a:schemeClr val="accent1">
-              <a:shade val="50000"/>
-            </a:schemeClr>
-          </a:lnRef>
-          <a:fillRef idx="1">
-            <a:schemeClr val="accent1"/>
-          </a:fillRef>
-          <a:effectRef idx="0">
-            <a:schemeClr val="accent1"/>
-          </a:effectRef>
-          <a:fontRef idx="minor">
-            <a:schemeClr val="lt1"/>
-          </a:fontRef>
-        </p:style>
-        <p:txBody>
-          <a:bodyPr rtlCol="0" anchor="ctr"/>
-          <a:lstStyle/>
-          <a:p>
-            <a:pPr algn="ctr"/>
-            <a:endParaRPr lang="en-US"/>
-          </a:p>
-        </p:txBody>
-      </p:sp>
-      <p:sp>
-        <p:nvSpPr>
-          <p:cNvPr id="11" name="Rectangle 10"/>
-          <p:cNvSpPr/>
-          <p:nvPr/>
-        </p:nvSpPr>
-        <p:spPr>
-          <a:xfrm>
-            <a:off x="0" y="794"/>
-            <a:ext cx="30267275" cy="913606"/>
-          </a:xfrm>
-          <a:prstGeom prst="rect">
-            <a:avLst/>
-          </a:prstGeom>
-          <a:solidFill>
-            <a:srgbClr val="3498DB"/>
-          </a:solidFill>
-          <a:ln>
-            <a:solidFill>
-              <a:srgbClr val="3498DB"/>
-            </a:solidFill>
-          </a:ln>
-        </p:spPr>
-        <p:style>
-          <a:lnRef idx="2">
-            <a:schemeClr val="accent1">
-              <a:shade val="50000"/>
-            </a:schemeClr>
-          </a:lnRef>
-          <a:fillRef idx="1">
-            <a:schemeClr val="accent1"/>
-          </a:fillRef>
-          <a:effectRef idx="0">
-            <a:schemeClr val="accent1"/>
-          </a:effectRef>
-          <a:fontRef idx="minor">
-            <a:schemeClr val="lt1"/>
-          </a:fontRef>
-        </p:style>
-        <p:txBody>
-          <a:bodyPr rtlCol="0" anchor="ctr"/>
-          <a:lstStyle/>
-          <a:p>
-            <a:pPr algn="ctr"/>
-            <a:endParaRPr lang="en-US"/>
-          </a:p>
-        </p:txBody>
-      </p:sp>
-      <p:sp>
-        <p:nvSpPr>
-          <p:cNvPr id="12" name="Rectangle 11"/>
-          <p:cNvSpPr/>
-          <p:nvPr/>
-        </p:nvSpPr>
-        <p:spPr>
-          <a:xfrm>
-            <a:off x="0" y="41880632"/>
-            <a:ext cx="30267275" cy="913606"/>
-          </a:xfrm>
-          <a:prstGeom prst="rect">
-            <a:avLst/>
-          </a:prstGeom>
-          <a:solidFill>
-            <a:srgbClr val="3498DB"/>
-          </a:solidFill>
-          <a:ln>
-            <a:solidFill>
-              <a:srgbClr val="3498DB"/>
-            </a:solidFill>
-          </a:ln>
-        </p:spPr>
-        <p:style>
-          <a:lnRef idx="2">
-            <a:schemeClr val="accent1">
-              <a:shade val="50000"/>
-            </a:schemeClr>
-          </a:lnRef>
-          <a:fillRef idx="1">
-            <a:schemeClr val="accent1"/>
-          </a:fillRef>
-          <a:effectRef idx="0">
-            <a:schemeClr val="accent1"/>
-          </a:effectRef>
-          <a:fontRef idx="minor">
-            <a:schemeClr val="lt1"/>
-          </a:fontRef>
-        </p:style>
-        <p:txBody>
-          <a:bodyPr rtlCol="0" anchor="ctr"/>
-          <a:lstStyle/>
-          <a:p>
-            <a:pPr algn="ctr"/>
-            <a:endParaRPr lang="en-US"/>
           </a:p>
         </p:txBody>
       </p:sp>
@@ -8072,16 +8752,14 @@
         <p:spPr>
           <a:xfrm>
             <a:off x="962526" y="6038789"/>
-            <a:ext cx="7749673" cy="7494276"/>
+            <a:ext cx="7749673" cy="7263444"/>
           </a:xfrm>
           <a:prstGeom prst="rect">
             <a:avLst/>
           </a:prstGeom>
           <a:noFill/>
           <a:ln w="28575" cmpd="sng">
-            <a:solidFill>
-              <a:schemeClr val="tx1"/>
-            </a:solidFill>
+            <a:noFill/>
           </a:ln>
         </p:spPr>
         <p:txBody>
@@ -8103,8 +8781,25 @@
                 <a:latin typeface="Gotham Medium"/>
                 <a:cs typeface="Gotham Medium"/>
               </a:rPr>
-              <a:t>Usage Statistics in the Digital Repository Service</a:t>
-            </a:r>
+              <a:t>Usage Statistics in the Digital Repository </a:t>
+            </a:r>
+            <a:r>
+              <a:rPr lang="en-US" sz="3800" dirty="0" smtClean="0">
+                <a:solidFill>
+                  <a:srgbClr val="2C3E50"/>
+                </a:solidFill>
+                <a:latin typeface="Gotham Medium"/>
+                <a:cs typeface="Gotham Medium"/>
+              </a:rPr>
+              <a:t>Service</a:t>
+            </a:r>
+            <a:endParaRPr lang="en-US" sz="3800" dirty="0">
+              <a:solidFill>
+                <a:srgbClr val="2C3E50"/>
+              </a:solidFill>
+              <a:latin typeface="Gotham Medium"/>
+              <a:cs typeface="Gotham Medium"/>
+            </a:endParaRPr>
           </a:p>
           <a:p>
             <a:pPr algn="just">
@@ -8119,37 +8814,42 @@
           </a:p>
           <a:p>
             <a:r>
+              <a:rPr lang="en-US" sz="2300" dirty="0">
+                <a:latin typeface="Helvetica" charset="0"/>
+                <a:ea typeface="Helvetica" charset="0"/>
+                <a:cs typeface="Helvetica" charset="0"/>
+              </a:rPr>
+              <a:t>Repository usage statistics are utilized by content owners to measure the use and impact of repository materials and to measure the use of the repository as a whole. Given the value of these numbers, it is vital that we understand how repository statistics are gathered so we can sort genuine user interactions from automated bot traffic.</a:t>
+            </a:r>
+            <a:endParaRPr lang="en-US" sz="2300" dirty="0" smtClean="0">
+              <a:latin typeface="Helvetica" charset="0"/>
+              <a:ea typeface="Helvetica" charset="0"/>
+              <a:cs typeface="Helvetica" charset="0"/>
+            </a:endParaRPr>
+          </a:p>
+          <a:p>
+            <a:r>
               <a:rPr lang="en-US" sz="2300" dirty="0" smtClean="0">
                 <a:latin typeface="Helvetica" charset="0"/>
                 <a:ea typeface="Helvetica" charset="0"/>
                 <a:cs typeface="Helvetica" charset="0"/>
               </a:rPr>
-              <a:t>Regardless of the collection method, statistics gathered about repository usage are utilized by content owners to measure the use and impact of repository materials and to measure use of the repository as a whole. Therefore, it is vital that the usage data is gathered in a way that reflects genuine repository use and can be defended as an accurate representation of the value of the repository.</a:t>
-            </a:r>
-          </a:p>
-          <a:p>
-            <a:r>
-              <a:rPr lang="en-US" sz="2000" dirty="0" smtClean="0">
-                <a:latin typeface="Helvetica" charset="0"/>
-                <a:ea typeface="Helvetica" charset="0"/>
-                <a:cs typeface="Helvetica" charset="0"/>
-              </a:rPr>
               <a:t/>
             </a:r>
             <a:br>
-              <a:rPr lang="en-US" sz="2000" dirty="0" smtClean="0">
+              <a:rPr lang="en-US" sz="2300" dirty="0" smtClean="0">
                 <a:latin typeface="Helvetica" charset="0"/>
                 <a:ea typeface="Helvetica" charset="0"/>
                 <a:cs typeface="Helvetica" charset="0"/>
               </a:rPr>
             </a:br>
             <a:r>
-              <a:rPr lang="en-US" sz="2300" dirty="0" smtClean="0">
+              <a:rPr lang="en-US" sz="2300" dirty="0">
                 <a:latin typeface="Helvetica" charset="0"/>
                 <a:ea typeface="Helvetica" charset="0"/>
                 <a:cs typeface="Helvetica" charset="0"/>
               </a:rPr>
-              <a:t>A seemingly endless number of bots exist to crawl publicly available repository content for harvesting and indexing, which helps increase discovery of repository content, but can also greatly inflate usage statistics. Although users tend to prefer higher numbers regardless of the consumer, we want to be able to defend the statistics we are gathering and declare them to be a genuine record of the use of our content. </a:t>
+              <a:t>Early on in the DRS development process we decided not to leave our statistics in the hands of Google Analytics. While Google Analytics does a lot of valuable tracking, we cannot easily differentiate genuine user traffic from bot, crawler, or harvester traffic. To that end, we decided to limit what counts as use by disregarding counts generated by bots and other large consumers of our content. </a:t>
             </a:r>
             <a:endParaRPr lang="en-US" sz="2300" dirty="0">
               <a:latin typeface="Helvetica" charset="0"/>
@@ -8168,16 +8868,14 @@
         <p:spPr>
           <a:xfrm>
             <a:off x="9169400" y="6058718"/>
-            <a:ext cx="20142200" cy="3166938"/>
+            <a:ext cx="20142200" cy="2797606"/>
           </a:xfrm>
           <a:prstGeom prst="rect">
             <a:avLst/>
           </a:prstGeom>
           <a:noFill/>
           <a:ln w="28575" cmpd="sng">
-            <a:solidFill>
-              <a:schemeClr val="tx1"/>
-            </a:solidFill>
+            <a:noFill/>
           </a:ln>
         </p:spPr>
         <p:txBody>
@@ -8221,14 +8919,30 @@
             </a:endParaRPr>
           </a:p>
           <a:p>
+            <a:pPr algn="just">
+              <a:lnSpc>
+                <a:spcPct val="30000"/>
+              </a:lnSpc>
+            </a:pPr>
+            <a:endParaRPr lang="en-US" sz="2000" dirty="0" smtClean="0">
+              <a:latin typeface="Gotham Book"/>
+              <a:cs typeface="Gotham Book"/>
+            </a:endParaRPr>
+          </a:p>
+          <a:p>
             <a:r>
               <a:rPr lang="en-US" sz="2300" dirty="0">
                 <a:latin typeface="Helvetica" charset="0"/>
                 <a:ea typeface="Helvetica" charset="0"/>
                 <a:cs typeface="Helvetica" charset="0"/>
               </a:rPr>
-              <a:t>Early on in the DRS development process we decided not to leave our statistics in the hands of Google Analytics. While Google Analytics does a lot of valuable tracking, we can't easily differentiate genuine user traffic from bot, crawler, or harvester traffic. To that end, we decided to limit what counts as use by disregarding counts generated by bots and other large consumers of our content. We record all impressions (views, downloads, and streams), and we also record the agent or referrer responsible for the impression. We actively filter out agents that are known to be bots (or other agents that may not reflect genuine human use), which allows us to present accurate usage counts to users and enables us to more precisely measure repository activity.</a:t>
-            </a:r>
+              <a:t>A seemingly endless number of bots exist to crawl publicly available repository content for harvesting and indexing. These bots certainly help increase the discovery of repository content, but they can also greatly inflate usage statistics. Usage statistics are often gathered using third-party tools (often Google Analytics) which often do not report their collection methods, or simply do not differentiate bot indexing from human use. Although content owners tend to prefer higher numbers regardless of the consumer, we want to be able to defend the statistics we are gathering and declare them to be a genuine record of the use of our content by people, not bots.</a:t>
+            </a:r>
+            <a:endParaRPr lang="en-US" sz="2300" dirty="0">
+              <a:latin typeface="Helvetica" charset="0"/>
+              <a:ea typeface="Helvetica" charset="0"/>
+              <a:cs typeface="Helvetica" charset="0"/>
+            </a:endParaRPr>
           </a:p>
         </p:txBody>
       </p:sp>
@@ -8240,17 +8954,15 @@
         </p:nvSpPr>
         <p:spPr>
           <a:xfrm>
-            <a:off x="9198865" y="18772853"/>
-            <a:ext cx="20061936" cy="2428274"/>
+            <a:off x="9198865" y="17083725"/>
+            <a:ext cx="20061936" cy="2105109"/>
           </a:xfrm>
           <a:prstGeom prst="rect">
             <a:avLst/>
           </a:prstGeom>
           <a:noFill/>
           <a:ln w="28575" cmpd="sng">
-            <a:solidFill>
-              <a:schemeClr val="tx1"/>
-            </a:solidFill>
+            <a:noFill/>
           </a:ln>
         </p:spPr>
         <p:txBody>
@@ -8297,53 +9009,43 @@
             </a:endParaRPr>
           </a:p>
           <a:p>
-            <a:pPr marL="342900" indent="-342900">
-              <a:buFont typeface="Arial" charset="0"/>
-              <a:buChar char="•"/>
+            <a:pPr algn="just">
+              <a:lnSpc>
+                <a:spcPct val="30000"/>
+              </a:lnSpc>
             </a:pPr>
-            <a:r>
-              <a:rPr lang="en-US" sz="2300" dirty="0" smtClean="0">
-                <a:latin typeface="Helvetica" charset="0"/>
-                <a:ea typeface="Helvetica" charset="0"/>
-                <a:cs typeface="Helvetica" charset="0"/>
-              </a:rPr>
-              <a:t>When the impressions table is processed, the user agent value is compared against the known bots list. </a:t>
-            </a:r>
-          </a:p>
-          <a:p>
-            <a:pPr marL="342900" indent="-342900">
-              <a:buFont typeface="Arial" charset="0"/>
-              <a:buChar char="•"/>
-            </a:pPr>
-            <a:r>
-              <a:rPr lang="en-US" sz="2300" dirty="0" smtClean="0">
-                <a:latin typeface="Helvetica" charset="0"/>
-                <a:ea typeface="Helvetica" charset="0"/>
-                <a:cs typeface="Helvetica" charset="0"/>
-              </a:rPr>
-              <a:t>If a user agent matches a known bot, the impression’s public value is set to "false" and filtered out of the statistics that are displayed to users in the interface.</a:t>
-            </a:r>
-          </a:p>
-          <a:p>
-            <a:pPr marL="342900" indent="-342900">
-              <a:buFont typeface="Arial" charset="0"/>
-              <a:buChar char="•"/>
-            </a:pPr>
+            <a:endParaRPr lang="en-US" sz="2000" dirty="0" smtClean="0">
+              <a:solidFill>
+                <a:srgbClr val="2C3E50"/>
+              </a:solidFill>
+              <a:latin typeface="Gotham Book"/>
+              <a:cs typeface="Gotham Book"/>
+            </a:endParaRPr>
+          </a:p>
+          <a:p>
             <a:r>
               <a:rPr lang="en-US" sz="2300" dirty="0">
                 <a:latin typeface="Helvetica" charset="0"/>
                 <a:ea typeface="Helvetica" charset="0"/>
                 <a:cs typeface="Helvetica" charset="0"/>
               </a:rPr>
-              <a:t>Jobs are run nightly and weekly</a:t>
-            </a:r>
-            <a:r>
-              <a:rPr lang="en-US" sz="2300" dirty="0" smtClean="0">
+              <a:t>All impressions by all types of  users are stored in a </a:t>
+            </a:r>
+            <a:r>
+              <a:rPr lang="en-US" sz="2300" dirty="0" err="1">
                 <a:latin typeface="Helvetica" charset="0"/>
                 <a:ea typeface="Helvetica" charset="0"/>
                 <a:cs typeface="Helvetica" charset="0"/>
               </a:rPr>
-              <a:t>. </a:t>
+              <a:t>mySQL</a:t>
+            </a:r>
+            <a:r>
+              <a:rPr lang="en-US" sz="2300" dirty="0">
+                <a:latin typeface="Helvetica" charset="0"/>
+                <a:ea typeface="Helvetica" charset="0"/>
+                <a:cs typeface="Helvetica" charset="0"/>
+              </a:rPr>
+              <a:t> database: the impression tables. When the impressions table is processed, the user agent value is compared against the known bots list. A nightly processing job updates the table by marking impressions as “false” if the impression’s user agent matches a known bot. Impressions marked as generated by a bot are filtered out of the statistics that are displayed to users in the interface.</a:t>
             </a:r>
             <a:endParaRPr lang="en-US" sz="2300" dirty="0">
               <a:latin typeface="Helvetica" charset="0"/>
@@ -8361,17 +9063,15 @@
         </p:nvSpPr>
         <p:spPr>
           <a:xfrm>
-            <a:off x="9198864" y="21442999"/>
-            <a:ext cx="20054478" cy="1689611"/>
+            <a:off x="9198864" y="19394644"/>
+            <a:ext cx="20054478" cy="1985076"/>
           </a:xfrm>
           <a:prstGeom prst="rect">
             <a:avLst/>
           </a:prstGeom>
           <a:noFill/>
           <a:ln w="28575" cmpd="sng">
-            <a:solidFill>
-              <a:schemeClr val="tx1"/>
-            </a:solidFill>
+            <a:noFill/>
           </a:ln>
         </p:spPr>
         <p:txBody>
@@ -8393,14 +9093,21 @@
                 <a:latin typeface="Gotham Medium"/>
                 <a:cs typeface="Gotham Medium"/>
               </a:rPr>
-              <a:t>The Impressions Table</a:t>
-            </a:r>
-            <a:endParaRPr lang="en-US" sz="3600" dirty="0">
-              <a:solidFill>
-                <a:srgbClr val="2C3E50"/>
-              </a:solidFill>
-              <a:latin typeface="Gotham Medium"/>
-              <a:cs typeface="Gotham Medium"/>
+              <a:t>The Impressions </a:t>
+            </a:r>
+            <a:r>
+              <a:rPr lang="en-US" sz="3600" dirty="0" smtClean="0">
+                <a:solidFill>
+                  <a:srgbClr val="2C3E50"/>
+                </a:solidFill>
+                <a:latin typeface="Gotham Medium"/>
+                <a:cs typeface="Gotham Medium"/>
+              </a:rPr>
+              <a:t>Table</a:t>
+            </a:r>
+            <a:endParaRPr lang="en-US" sz="2000" dirty="0" smtClean="0">
+              <a:latin typeface="Gotham Book"/>
+              <a:cs typeface="Gotham Book"/>
             </a:endParaRPr>
           </a:p>
           <a:p>
@@ -8421,8 +9128,117 @@
                 <a:ea typeface="Helvetica" charset="0"/>
                 <a:cs typeface="Helvetica" charset="0"/>
               </a:rPr>
-              <a:t>When the impressions table is processed, the user agent value is compared against the known bots list. If a user agent matches a known bot, the impression’s public value is set to "false" and filtered out of the statistics that are displayed to users in the interface.</a:t>
-            </a:r>
+              <a:t>Every </a:t>
+            </a:r>
+            <a:r>
+              <a:rPr lang="en-US" sz="2300" dirty="0" smtClean="0">
+                <a:latin typeface="Helvetica" charset="0"/>
+                <a:ea typeface="Helvetica" charset="0"/>
+                <a:cs typeface="Helvetica" charset="0"/>
+              </a:rPr>
+              <a:t>file </a:t>
+            </a:r>
+            <a:r>
+              <a:rPr lang="en-US" sz="2300" dirty="0">
+                <a:latin typeface="Helvetica" charset="0"/>
+                <a:ea typeface="Helvetica" charset="0"/>
+                <a:cs typeface="Helvetica" charset="0"/>
+              </a:rPr>
+              <a:t>view, </a:t>
+            </a:r>
+            <a:r>
+              <a:rPr lang="en-US" sz="2300" dirty="0" smtClean="0">
+                <a:latin typeface="Helvetica" charset="0"/>
+                <a:ea typeface="Helvetica" charset="0"/>
+                <a:cs typeface="Helvetica" charset="0"/>
+              </a:rPr>
+              <a:t>download</a:t>
+            </a:r>
+            <a:r>
+              <a:rPr lang="en-US" sz="2300" dirty="0">
+                <a:latin typeface="Helvetica" charset="0"/>
+                <a:ea typeface="Helvetica" charset="0"/>
+                <a:cs typeface="Helvetica" charset="0"/>
+              </a:rPr>
+              <a:t>, and </a:t>
+            </a:r>
+            <a:r>
+              <a:rPr lang="en-US" sz="2300" dirty="0" smtClean="0">
+                <a:latin typeface="Helvetica" charset="0"/>
+                <a:ea typeface="Helvetica" charset="0"/>
+                <a:cs typeface="Helvetica" charset="0"/>
+              </a:rPr>
+              <a:t>stream </a:t>
+            </a:r>
+            <a:r>
+              <a:rPr lang="en-US" sz="2300" dirty="0">
+                <a:latin typeface="Helvetica" charset="0"/>
+                <a:ea typeface="Helvetica" charset="0"/>
+                <a:cs typeface="Helvetica" charset="0"/>
+              </a:rPr>
+              <a:t>is counted as an impression and recorded in a </a:t>
+            </a:r>
+            <a:r>
+              <a:rPr lang="en-US" sz="2300" dirty="0" err="1">
+                <a:latin typeface="Helvetica" charset="0"/>
+                <a:ea typeface="Helvetica" charset="0"/>
+                <a:cs typeface="Helvetica" charset="0"/>
+              </a:rPr>
+              <a:t>mySQL</a:t>
+            </a:r>
+            <a:r>
+              <a:rPr lang="en-US" sz="2300" dirty="0">
+                <a:latin typeface="Helvetica" charset="0"/>
+                <a:ea typeface="Helvetica" charset="0"/>
+                <a:cs typeface="Helvetica" charset="0"/>
+              </a:rPr>
+              <a:t> database. Along with the type of </a:t>
+            </a:r>
+            <a:r>
+              <a:rPr lang="en-US" sz="2300" dirty="0" smtClean="0">
+                <a:latin typeface="Helvetica" charset="0"/>
+                <a:ea typeface="Helvetica" charset="0"/>
+                <a:cs typeface="Helvetica" charset="0"/>
+              </a:rPr>
+              <a:t>impression, </a:t>
+            </a:r>
+            <a:r>
+              <a:rPr lang="en-US" sz="2300" dirty="0">
+                <a:latin typeface="Helvetica" charset="0"/>
+                <a:ea typeface="Helvetica" charset="0"/>
+                <a:cs typeface="Helvetica" charset="0"/>
+              </a:rPr>
+              <a:t>we also record the agent responsible for the impression, how they were referred to the file, the IP address, and the date of the impression. Frequency of impressions is limited to one </a:t>
+            </a:r>
+            <a:r>
+              <a:rPr lang="en-US" sz="2300" dirty="0" smtClean="0">
+                <a:latin typeface="Helvetica" charset="0"/>
+                <a:ea typeface="Helvetica" charset="0"/>
+                <a:cs typeface="Helvetica" charset="0"/>
+              </a:rPr>
+              <a:t>per </a:t>
+            </a:r>
+            <a:r>
+              <a:rPr lang="en-US" sz="2300" dirty="0">
+                <a:latin typeface="Helvetica" charset="0"/>
+                <a:ea typeface="Helvetica" charset="0"/>
+                <a:cs typeface="Helvetica" charset="0"/>
+              </a:rPr>
+              <a:t>file per IP address per hour, which helps reduce inflated numbers from </a:t>
+            </a:r>
+            <a:r>
+              <a:rPr lang="en-US" sz="2300" dirty="0" smtClean="0">
+                <a:latin typeface="Helvetica" charset="0"/>
+                <a:ea typeface="Helvetica" charset="0"/>
+                <a:cs typeface="Helvetica" charset="0"/>
+              </a:rPr>
+              <a:t>frequent clicking or page refreshing.</a:t>
+            </a:r>
+            <a:endParaRPr lang="en-US" sz="2300" dirty="0">
+              <a:latin typeface="Helvetica" charset="0"/>
+              <a:ea typeface="Helvetica" charset="0"/>
+              <a:cs typeface="Helvetica" charset="0"/>
+            </a:endParaRPr>
           </a:p>
         </p:txBody>
       </p:sp>
@@ -8435,13 +9251,13 @@
           <p:nvPr>
             <p:extLst>
               <p:ext uri="{D42A27DB-BD31-4B8C-83A1-F6EECF244321}">
-                <p14:modId xmlns:p14="http://schemas.microsoft.com/office/powerpoint/2010/main" val="1982229929"/>
+                <p14:modId xmlns:p14="http://schemas.microsoft.com/office/powerpoint/2010/main" val="886181075"/>
               </p:ext>
             </p:extLst>
           </p:nvPr>
         </p:nvGraphicFramePr>
         <p:xfrm>
-          <a:off x="9548036" y="23394602"/>
+          <a:off x="9548036" y="21672817"/>
           <a:ext cx="19458434" cy="1747520"/>
         </p:xfrm>
         <a:graphic>
@@ -12629,17 +13445,15 @@
         </p:nvSpPr>
         <p:spPr>
           <a:xfrm>
-            <a:off x="961631" y="21285043"/>
-            <a:ext cx="7749673" cy="1631133"/>
+            <a:off x="1069208" y="31977365"/>
+            <a:ext cx="7749673" cy="1292579"/>
           </a:xfrm>
           <a:prstGeom prst="rect">
             <a:avLst/>
           </a:prstGeom>
           <a:noFill/>
           <a:ln w="28575" cmpd="sng">
-            <a:solidFill>
-              <a:schemeClr val="tx1"/>
-            </a:solidFill>
+            <a:noFill/>
           </a:ln>
         </p:spPr>
         <p:txBody>
@@ -12648,7 +13462,7 @@
           </a:bodyPr>
           <a:lstStyle/>
           <a:p>
-            <a:pPr>
+            <a:pPr algn="ctr">
               <a:lnSpc>
                 <a:spcPct val="90000"/>
               </a:lnSpc>
@@ -12684,22 +13498,12 @@
           </a:p>
           <a:p>
             <a:r>
-              <a:rPr lang="en-US" sz="2300" dirty="0" smtClean="0">
+              <a:rPr lang="en-US" sz="2300" dirty="0">
                 <a:latin typeface="Helvetica" charset="0"/>
                 <a:ea typeface="Helvetica" charset="0"/>
                 <a:cs typeface="Helvetica" charset="0"/>
               </a:rPr>
-              <a:t>May 2015-May 2016</a:t>
-            </a:r>
-          </a:p>
-          <a:p>
-            <a:r>
-              <a:rPr lang="en-US" sz="2300" dirty="0" smtClean="0">
-                <a:latin typeface="Helvetica" charset="0"/>
-                <a:ea typeface="Helvetica" charset="0"/>
-                <a:cs typeface="Helvetica" charset="0"/>
-              </a:rPr>
-              <a:t>Based on files views</a:t>
+              <a:t>Top 5 agent referrers for page views.</a:t>
             </a:r>
             <a:endParaRPr lang="en-US" sz="2300" dirty="0">
               <a:latin typeface="Helvetica" charset="0"/>
@@ -12717,7 +13521,7 @@
         </p:nvSpPr>
         <p:spPr>
           <a:xfrm>
-            <a:off x="972229" y="13781306"/>
+            <a:off x="960437" y="24044129"/>
             <a:ext cx="7749673" cy="1277190"/>
           </a:xfrm>
           <a:prstGeom prst="rect">
@@ -12725,9 +13529,7 @@
           </a:prstGeom>
           <a:noFill/>
           <a:ln w="28575" cmpd="sng">
-            <a:solidFill>
-              <a:schemeClr val="tx1"/>
-            </a:solidFill>
+            <a:noFill/>
           </a:ln>
         </p:spPr>
         <p:txBody>
@@ -12736,7 +13538,7 @@
           </a:bodyPr>
           <a:lstStyle/>
           <a:p>
-            <a:pPr>
+            <a:pPr algn="ctr">
               <a:lnSpc>
                 <a:spcPct val="90000"/>
               </a:lnSpc>
@@ -12765,12 +13567,20 @@
           </a:p>
           <a:p>
             <a:r>
+              <a:rPr lang="en-US" sz="2300" dirty="0">
+                <a:latin typeface="Helvetica" charset="0"/>
+                <a:ea typeface="Helvetica" charset="0"/>
+                <a:cs typeface="Helvetica" charset="0"/>
+              </a:rPr>
+              <a:t>Total views, downloads, and streams per </a:t>
+            </a:r>
+            <a:r>
               <a:rPr lang="en-US" sz="2300" dirty="0" smtClean="0">
                 <a:latin typeface="Helvetica" charset="0"/>
                 <a:ea typeface="Helvetica" charset="0"/>
                 <a:cs typeface="Helvetica" charset="0"/>
               </a:rPr>
-              <a:t>Views, downloads, and streams per month.</a:t>
+              <a:t>month.</a:t>
             </a:r>
             <a:endParaRPr lang="en-US" sz="2300" dirty="0">
               <a:latin typeface="Helvetica" charset="0"/>
@@ -12788,17 +13598,15 @@
         </p:nvSpPr>
         <p:spPr>
           <a:xfrm>
-            <a:off x="975351" y="31363071"/>
-            <a:ext cx="7749673" cy="1277190"/>
+            <a:off x="987245" y="13393401"/>
+            <a:ext cx="7749673" cy="1292579"/>
           </a:xfrm>
           <a:prstGeom prst="rect">
             <a:avLst/>
           </a:prstGeom>
           <a:noFill/>
           <a:ln w="28575" cmpd="sng">
-            <a:solidFill>
-              <a:schemeClr val="tx1"/>
-            </a:solidFill>
+            <a:noFill/>
           </a:ln>
         </p:spPr>
         <p:txBody>
@@ -12807,7 +13615,7 @@
           </a:bodyPr>
           <a:lstStyle/>
           <a:p>
-            <a:pPr>
+            <a:pPr algn="ctr">
               <a:lnSpc>
                 <a:spcPct val="90000"/>
               </a:lnSpc>
@@ -12820,8 +13628,25 @@
                 <a:latin typeface="Gotham Medium"/>
                 <a:cs typeface="Gotham Medium"/>
               </a:rPr>
-              <a:t>Popular Items</a:t>
-            </a:r>
+              <a:t>Popular </a:t>
+            </a:r>
+            <a:r>
+              <a:rPr lang="en-US" sz="3600" dirty="0" smtClean="0">
+                <a:solidFill>
+                  <a:srgbClr val="2C3E50"/>
+                </a:solidFill>
+                <a:latin typeface="Gotham Medium"/>
+                <a:cs typeface="Gotham Medium"/>
+              </a:rPr>
+              <a:t>DRS Genres</a:t>
+            </a:r>
+            <a:endParaRPr lang="en-US" sz="3600" dirty="0" smtClean="0">
+              <a:solidFill>
+                <a:srgbClr val="2C3E50"/>
+              </a:solidFill>
+              <a:latin typeface="Gotham Medium"/>
+              <a:cs typeface="Gotham Medium"/>
+            </a:endParaRPr>
           </a:p>
           <a:p>
             <a:pPr algn="just">
@@ -12836,17 +13661,17 @@
           </a:p>
           <a:p>
             <a:r>
-              <a:rPr lang="en-US" sz="2300" dirty="0" smtClean="0">
-                <a:latin typeface="Helvetica" charset="0"/>
-                <a:ea typeface="Helvetica" charset="0"/>
-                <a:cs typeface="Helvetica" charset="0"/>
+              <a:rPr lang="en-US" sz="2300" dirty="0">
+                <a:latin typeface="Helvetica Neue" charset="0"/>
+                <a:ea typeface="Helvetica Neue" charset="0"/>
+                <a:cs typeface="Helvetica Neue" charset="0"/>
               </a:rPr>
-              <a:t>Top 10 files</a:t>
+              <a:t>Genre breakdown for top 25 DRS items.</a:t>
             </a:r>
             <a:endParaRPr lang="en-US" sz="2300" dirty="0">
-              <a:latin typeface="Helvetica" charset="0"/>
-              <a:ea typeface="Helvetica" charset="0"/>
-              <a:cs typeface="Helvetica" charset="0"/>
+              <a:latin typeface="Helvetica Neue" charset="0"/>
+              <a:ea typeface="Helvetica Neue" charset="0"/>
+              <a:cs typeface="Helvetica Neue" charset="0"/>
             </a:endParaRPr>
           </a:p>
         </p:txBody>
@@ -12859,7 +13684,7 @@
         </p:nvSpPr>
         <p:spPr>
           <a:xfrm>
-            <a:off x="14020801" y="9374174"/>
+            <a:off x="14020801" y="8851662"/>
             <a:ext cx="10689771" cy="858614"/>
           </a:xfrm>
           <a:prstGeom prst="rect">
@@ -12867,9 +13692,7 @@
           </a:prstGeom>
           <a:noFill/>
           <a:ln w="28575" cmpd="sng">
-            <a:solidFill>
-              <a:schemeClr val="tx1"/>
-            </a:solidFill>
+            <a:noFill/>
           </a:ln>
         </p:spPr>
         <p:txBody>
@@ -12911,7 +13734,7 @@
         </p:nvSpPr>
         <p:spPr>
           <a:xfrm>
-            <a:off x="10368911" y="11009459"/>
+            <a:off x="10368911" y="9947689"/>
             <a:ext cx="1464356" cy="523220"/>
           </a:xfrm>
           <a:prstGeom prst="rect">
@@ -12941,7 +13764,7 @@
         </p:nvSpPr>
         <p:spPr>
           <a:xfrm>
-            <a:off x="10019661" y="11096770"/>
+            <a:off x="10019661" y="10035000"/>
             <a:ext cx="365760" cy="365760"/>
           </a:xfrm>
           <a:prstGeom prst="rect">
@@ -12989,7 +13812,7 @@
         </p:nvSpPr>
         <p:spPr>
           <a:xfrm>
-            <a:off x="10407691" y="10429622"/>
+            <a:off x="10407691" y="9367852"/>
             <a:ext cx="1042987" cy="523220"/>
           </a:xfrm>
           <a:prstGeom prst="rect">
@@ -13019,7 +13842,7 @@
         </p:nvSpPr>
         <p:spPr>
           <a:xfrm>
-            <a:off x="10040297" y="10509677"/>
+            <a:off x="10040297" y="9447907"/>
             <a:ext cx="365760" cy="365760"/>
           </a:xfrm>
           <a:prstGeom prst="rect">
@@ -13066,13 +13889,13 @@
           <p:nvPr>
             <p:extLst>
               <p:ext uri="{D42A27DB-BD31-4B8C-83A1-F6EECF244321}">
-                <p14:modId xmlns:p14="http://schemas.microsoft.com/office/powerpoint/2010/main" val="153755932"/>
+                <p14:modId xmlns:p14="http://schemas.microsoft.com/office/powerpoint/2010/main" val="124706072"/>
               </p:ext>
             </p:extLst>
           </p:nvPr>
         </p:nvGraphicFramePr>
         <p:xfrm>
-          <a:off x="15010682" y="11671530"/>
+          <a:off x="15010682" y="10469081"/>
           <a:ext cx="8627911" cy="6019800"/>
         </p:xfrm>
         <a:graphic>
@@ -13088,13 +13911,13 @@
           <p:nvPr>
             <p:extLst>
               <p:ext uri="{D42A27DB-BD31-4B8C-83A1-F6EECF244321}">
-                <p14:modId xmlns:p14="http://schemas.microsoft.com/office/powerpoint/2010/main" val="1064750090"/>
+                <p14:modId xmlns:p14="http://schemas.microsoft.com/office/powerpoint/2010/main" val="2138396279"/>
               </p:ext>
             </p:extLst>
           </p:nvPr>
         </p:nvGraphicFramePr>
         <p:xfrm>
-          <a:off x="21107736" y="11674950"/>
+          <a:off x="21107736" y="10472501"/>
           <a:ext cx="8627911" cy="6019800"/>
         </p:xfrm>
         <a:graphic>
@@ -13110,13 +13933,13 @@
           <p:nvPr>
             <p:extLst>
               <p:ext uri="{D42A27DB-BD31-4B8C-83A1-F6EECF244321}">
-                <p14:modId xmlns:p14="http://schemas.microsoft.com/office/powerpoint/2010/main" val="431095306"/>
+                <p14:modId xmlns:p14="http://schemas.microsoft.com/office/powerpoint/2010/main" val="288555982"/>
               </p:ext>
             </p:extLst>
           </p:nvPr>
         </p:nvGraphicFramePr>
         <p:xfrm>
-          <a:off x="1468490" y="22970675"/>
+          <a:off x="1510753" y="33286112"/>
           <a:ext cx="6908696" cy="7075938"/>
         </p:xfrm>
         <a:graphic>
@@ -13146,50 +13969,14 @@
         </p:blipFill>
         <p:spPr>
           <a:xfrm>
-            <a:off x="1105065" y="15066112"/>
+            <a:off x="1093273" y="25394249"/>
             <a:ext cx="7487683" cy="5947937"/>
           </a:xfrm>
           <a:prstGeom prst="rect">
             <a:avLst/>
           </a:prstGeom>
           <a:ln>
-            <a:solidFill>
-              <a:schemeClr val="tx1"/>
-            </a:solidFill>
-          </a:ln>
-        </p:spPr>
-      </p:pic>
-      <p:pic>
-        <p:nvPicPr>
-          <p:cNvPr id="22" name="Picture 21"/>
-          <p:cNvPicPr>
-            <a:picLocks noChangeAspect="1"/>
-          </p:cNvPicPr>
-          <p:nvPr/>
-        </p:nvPicPr>
-        <p:blipFill rotWithShape="1">
-          <a:blip r:embed="rId8">
-            <a:extLst>
-              <a:ext uri="{28A0092B-C50C-407E-A947-70E740481C1C}">
-                <a14:useLocalDpi xmlns:a14="http://schemas.microsoft.com/office/drawing/2010/main" val="0"/>
-              </a:ext>
-            </a:extLst>
-          </a:blip>
-          <a:srcRect t="6163"/>
-          <a:stretch/>
-        </p:blipFill>
-        <p:spPr>
-          <a:xfrm>
-            <a:off x="987056" y="32644931"/>
-            <a:ext cx="7731642" cy="9158618"/>
-          </a:xfrm>
-          <a:prstGeom prst="rect">
-            <a:avLst/>
-          </a:prstGeom>
-          <a:ln>
-            <a:solidFill>
-              <a:schemeClr val="tx1"/>
-            </a:solidFill>
+            <a:noFill/>
           </a:ln>
         </p:spPr>
       </p:pic>
@@ -13248,8 +14035,8 @@
         </p:nvSpPr>
         <p:spPr>
           <a:xfrm>
-            <a:off x="9186530" y="6042837"/>
-            <a:ext cx="20138065" cy="12138838"/>
+            <a:off x="9186530" y="6042838"/>
+            <a:ext cx="20138065" cy="10546992"/>
           </a:xfrm>
           <a:prstGeom prst="rect">
             <a:avLst/>
@@ -13295,7 +14082,7 @@
         </p:nvSpPr>
         <p:spPr>
           <a:xfrm>
-            <a:off x="19964400" y="39902099"/>
+            <a:off x="18806160" y="39975954"/>
             <a:ext cx="9671374" cy="1914287"/>
           </a:xfrm>
           <a:prstGeom prst="rect">
@@ -13325,17 +14112,7 @@
                 <a:latin typeface="Gotham Medium"/>
                 <a:cs typeface="Gotham Medium"/>
               </a:rPr>
-              <a:t>Learn </a:t>
-            </a:r>
-            <a:r>
-              <a:rPr lang="en-US" sz="3800" dirty="0" smtClean="0">
-                <a:solidFill>
-                  <a:srgbClr val="2C3E50"/>
-                </a:solidFill>
-                <a:latin typeface="Gotham Medium"/>
-                <a:cs typeface="Gotham Medium"/>
-              </a:rPr>
-              <a:t>More</a:t>
+              <a:t>Learn More</a:t>
             </a:r>
           </a:p>
           <a:p>
@@ -13363,14 +14140,7 @@
                 <a:latin typeface="Helvetica"/>
                 <a:cs typeface="Helvetica"/>
               </a:rPr>
-              <a:t>For </a:t>
-            </a:r>
-            <a:r>
-              <a:rPr lang="en-US" sz="2300" dirty="0" smtClean="0">
-                <a:latin typeface="Helvetica"/>
-                <a:cs typeface="Helvetica"/>
-              </a:rPr>
-              <a:t>more information about the DRS visit </a:t>
+              <a:t>For more information about the DRS visit </a:t>
             </a:r>
             <a:r>
               <a:rPr lang="en-US" sz="2300" dirty="0" err="1" smtClean="0">
@@ -13468,7 +14238,7 @@
           <p:nvPr/>
         </p:nvPicPr>
         <p:blipFill rotWithShape="1">
-          <a:blip r:embed="rId9">
+          <a:blip r:embed="rId8">
             <a:extLst>
               <a:ext uri="{28A0092B-C50C-407E-A947-70E740481C1C}">
                 <a14:useLocalDpi xmlns:a14="http://schemas.microsoft.com/office/drawing/2010/main" val="0"/>
@@ -13493,23 +14263,21 @@
       </p:pic>
       <p:sp>
         <p:nvSpPr>
-          <p:cNvPr id="61" name="TextBox 60"/>
+          <p:cNvPr id="65" name="TextBox 64"/>
           <p:cNvSpPr txBox="1"/>
           <p:nvPr/>
         </p:nvSpPr>
         <p:spPr>
           <a:xfrm>
-            <a:off x="9193204" y="37107876"/>
-            <a:ext cx="10009196" cy="1840421"/>
+            <a:off x="9197558" y="34091106"/>
+            <a:ext cx="9965085" cy="1975843"/>
           </a:xfrm>
           <a:prstGeom prst="rect">
             <a:avLst/>
           </a:prstGeom>
           <a:noFill/>
           <a:ln w="28575" cmpd="sng">
-            <a:solidFill>
-              <a:schemeClr val="tx1"/>
-            </a:solidFill>
+            <a:noFill/>
           </a:ln>
         </p:spPr>
         <p:txBody>
@@ -13517,6 +14285,23 @@
             <a:spAutoFit/>
           </a:bodyPr>
           <a:lstStyle/>
+          <a:p>
+            <a:pPr>
+              <a:lnSpc>
+                <a:spcPct val="90000"/>
+              </a:lnSpc>
+            </a:pPr>
+            <a:r>
+              <a:rPr lang="en-US" sz="3200" dirty="0" smtClean="0">
+                <a:solidFill>
+                  <a:srgbClr val="2C3E50"/>
+                </a:solidFill>
+                <a:latin typeface="Gotham Medium"/>
+                <a:cs typeface="Gotham Medium"/>
+              </a:rPr>
+              <a:t>Improved Workflows</a:t>
+            </a:r>
+          </a:p>
           <a:p>
             <a:pPr algn="just">
               <a:lnSpc>
@@ -13530,79 +14315,12 @@
           </a:p>
           <a:p>
             <a:r>
-              <a:rPr lang="en-US" sz="2300" dirty="0"/>
-              <a:t>Measuring impact accurately is a difficult task, as is being able to confidently defend how measurements are recorded. There are several possible methods to measure use, but not all methods are transparent enough to explain to users exactly how use is being counted.</a:t>
-            </a:r>
-            <a:endParaRPr lang="en-US" sz="2300" dirty="0">
-              <a:latin typeface="Helvetica" charset="0"/>
-              <a:ea typeface="Helvetica" charset="0"/>
-              <a:cs typeface="Helvetica" charset="0"/>
-            </a:endParaRPr>
-          </a:p>
-        </p:txBody>
-      </p:sp>
-      <p:sp>
-        <p:nvSpPr>
-          <p:cNvPr id="65" name="TextBox 64"/>
-          <p:cNvSpPr txBox="1"/>
-          <p:nvPr/>
-        </p:nvSpPr>
-        <p:spPr>
-          <a:xfrm>
-            <a:off x="9197558" y="34497506"/>
-            <a:ext cx="9986554" cy="1985076"/>
-          </a:xfrm>
-          <a:prstGeom prst="rect">
-            <a:avLst/>
-          </a:prstGeom>
-          <a:noFill/>
-          <a:ln w="28575" cmpd="sng">
-            <a:solidFill>
-              <a:schemeClr val="tx1"/>
-            </a:solidFill>
-          </a:ln>
-        </p:spPr>
-        <p:txBody>
-          <a:bodyPr wrap="square" lIns="329104" tIns="164551" rIns="329104" bIns="164551" rtlCol="0">
-            <a:spAutoFit/>
-          </a:bodyPr>
-          <a:lstStyle/>
-          <a:p>
-            <a:pPr>
-              <a:lnSpc>
-                <a:spcPct val="90000"/>
-              </a:lnSpc>
-            </a:pPr>
-            <a:r>
-              <a:rPr lang="en-US" sz="3200" dirty="0" smtClean="0">
-                <a:solidFill>
-                  <a:srgbClr val="2C3E50"/>
-                </a:solidFill>
-                <a:latin typeface="Gotham Medium"/>
-                <a:cs typeface="Gotham Medium"/>
-              </a:rPr>
-              <a:t>Daily Activity Per Hour</a:t>
-            </a:r>
-          </a:p>
-          <a:p>
-            <a:pPr algn="just">
-              <a:lnSpc>
-                <a:spcPct val="30000"/>
-              </a:lnSpc>
-            </a:pPr>
-            <a:endParaRPr lang="en-US" sz="2000" dirty="0" smtClean="0">
-              <a:latin typeface="Gotham Book"/>
-              <a:cs typeface="Gotham Book"/>
-            </a:endParaRPr>
-          </a:p>
-          <a:p>
-            <a:r>
               <a:rPr lang="en-US" sz="2300" dirty="0" smtClean="0">
                 <a:latin typeface="Helvetica" charset="0"/>
                 <a:ea typeface="Helvetica" charset="0"/>
                 <a:cs typeface="Helvetica" charset="0"/>
               </a:rPr>
-              <a:t>Views, downloads, streams displayed per hour. Helps inform our decision about when to schedule deploys. (Best time, Saturday at 3am. Most reasonable time, Wednesdays, 7am.</a:t>
+              <a:t>We also would like to use the data to improve our workflows. For example, the chart on the right can tell us the best time of day to schedule system deploys.</a:t>
             </a:r>
             <a:endParaRPr lang="en-US" sz="2300" dirty="0">
               <a:latin typeface="Helvetica" charset="0"/>
@@ -13620,17 +14338,15 @@
         </p:nvSpPr>
         <p:spPr>
           <a:xfrm>
-            <a:off x="9198864" y="32375203"/>
-            <a:ext cx="9985248" cy="1748088"/>
+            <a:off x="9219184" y="30571803"/>
+            <a:ext cx="9943459" cy="3517803"/>
           </a:xfrm>
           <a:prstGeom prst="rect">
             <a:avLst/>
           </a:prstGeom>
           <a:noFill/>
           <a:ln w="28575" cmpd="sng">
-            <a:solidFill>
-              <a:schemeClr val="tx1"/>
-            </a:solidFill>
+            <a:noFill/>
           </a:ln>
         </p:spPr>
         <p:txBody>
@@ -13639,17 +14355,80 @@
           </a:bodyPr>
           <a:lstStyle/>
           <a:p>
-            <a:pPr marL="342900" indent="-342900">
-              <a:buFont typeface="Arial" charset="0"/>
-              <a:buChar char="•"/>
-            </a:pPr>
+            <a:r>
+              <a:rPr lang="en-US" sz="2300" dirty="0">
+                <a:latin typeface="Helvetica" charset="0"/>
+                <a:ea typeface="Helvetica" charset="0"/>
+                <a:cs typeface="Helvetica" charset="0"/>
+              </a:rPr>
+              <a:t>By categorizing our traffic and sharing our statistics gathering process, we have been able to more accurately track how the DRS is being used, and has enabled us to more confidently defend our usage statistics as genuine use of repository content. In 2016 we plan to improve our data gathering practices by</a:t>
+            </a:r>
             <a:r>
               <a:rPr lang="en-US" sz="2300" dirty="0" smtClean="0">
                 <a:latin typeface="Helvetica" charset="0"/>
                 <a:ea typeface="Helvetica" charset="0"/>
                 <a:cs typeface="Helvetica" charset="0"/>
               </a:rPr>
-              <a:t>Process </a:t>
+              <a:t>:</a:t>
+            </a:r>
+          </a:p>
+          <a:p>
+            <a:endParaRPr lang="en-US" sz="2000" dirty="0">
+              <a:latin typeface="Helvetica" charset="0"/>
+              <a:ea typeface="Helvetica" charset="0"/>
+              <a:cs typeface="Helvetica" charset="0"/>
+            </a:endParaRPr>
+          </a:p>
+          <a:p>
+            <a:pPr marL="342900" indent="-342900">
+              <a:buFont typeface="Arial" charset="0"/>
+              <a:buChar char="•"/>
+            </a:pPr>
+            <a:r>
+              <a:rPr lang="en-US" sz="2300" dirty="0">
+                <a:latin typeface="Helvetica" charset="0"/>
+                <a:ea typeface="Helvetica" charset="0"/>
+                <a:cs typeface="Helvetica" charset="0"/>
+              </a:rPr>
+              <a:t>Adding a new data point for easier statistical processing</a:t>
+            </a:r>
+            <a:endParaRPr lang="en-US" sz="2300" dirty="0">
+              <a:latin typeface="Helvetica" charset="0"/>
+              <a:ea typeface="Helvetica" charset="0"/>
+              <a:cs typeface="Helvetica" charset="0"/>
+            </a:endParaRPr>
+          </a:p>
+          <a:p>
+            <a:pPr marL="342900" indent="-342900">
+              <a:buFont typeface="Arial" charset="0"/>
+              <a:buChar char="•"/>
+            </a:pPr>
+            <a:r>
+              <a:rPr lang="en-US" sz="2300" dirty="0">
+                <a:latin typeface="Helvetica" charset="0"/>
+                <a:ea typeface="Helvetica" charset="0"/>
+                <a:cs typeface="Helvetica" charset="0"/>
+              </a:rPr>
+              <a:t>Operationalizing the process for adding new agents to the bot list</a:t>
+            </a:r>
+            <a:endParaRPr lang="en-US" sz="2300" dirty="0">
+              <a:latin typeface="Helvetica" charset="0"/>
+              <a:ea typeface="Helvetica" charset="0"/>
+              <a:cs typeface="Helvetica" charset="0"/>
+            </a:endParaRPr>
+          </a:p>
+          <a:p>
+            <a:pPr marL="342900" indent="-342900">
+              <a:buFont typeface="Arial" charset="0"/>
+              <a:buChar char="•"/>
+            </a:pPr>
+            <a:r>
+              <a:rPr lang="en-US" sz="2300" dirty="0">
+                <a:latin typeface="Helvetica" charset="0"/>
+                <a:ea typeface="Helvetica" charset="0"/>
+                <a:cs typeface="Helvetica" charset="0"/>
+              </a:rPr>
+              <a:t>Displaying aggregated statistics on collection and community </a:t>
             </a:r>
             <a:r>
               <a:rPr lang="en-US" sz="2300" dirty="0" smtClean="0">
@@ -13657,294 +14436,12 @@
                 <a:ea typeface="Helvetica" charset="0"/>
                 <a:cs typeface="Helvetica" charset="0"/>
               </a:rPr>
-              <a:t>more statistics to improve our process</a:t>
-            </a:r>
-          </a:p>
-          <a:p>
-            <a:pPr marL="342900" indent="-342900">
-              <a:buFont typeface="Arial" charset="0"/>
-              <a:buChar char="•"/>
-            </a:pPr>
-            <a:r>
-              <a:rPr lang="en-US" sz="2300" dirty="0" smtClean="0">
-                <a:latin typeface="Helvetica" charset="0"/>
-                <a:ea typeface="Helvetica" charset="0"/>
-                <a:cs typeface="Helvetica" charset="0"/>
-              </a:rPr>
-              <a:t>Regular </a:t>
-            </a:r>
-            <a:r>
-              <a:rPr lang="en-US" sz="2300" dirty="0">
-                <a:latin typeface="Helvetica" charset="0"/>
-                <a:ea typeface="Helvetica" charset="0"/>
-                <a:cs typeface="Helvetica" charset="0"/>
-              </a:rPr>
-              <a:t>processing/reviewing of agents list for new </a:t>
-            </a:r>
-            <a:r>
-              <a:rPr lang="en-US" sz="2300" dirty="0" smtClean="0">
-                <a:latin typeface="Helvetica" charset="0"/>
-                <a:ea typeface="Helvetica" charset="0"/>
-                <a:cs typeface="Helvetica" charset="0"/>
-              </a:rPr>
-              <a:t>bots</a:t>
-            </a:r>
-          </a:p>
-          <a:p>
-            <a:pPr marL="342900" indent="-342900">
-              <a:buFont typeface="Arial" charset="0"/>
-              <a:buChar char="•"/>
-            </a:pPr>
-            <a:r>
-              <a:rPr lang="en-US" sz="2300" dirty="0" smtClean="0">
-                <a:latin typeface="Helvetica" charset="0"/>
-                <a:ea typeface="Helvetica" charset="0"/>
-                <a:cs typeface="Helvetica" charset="0"/>
-              </a:rPr>
-              <a:t>Aggregated </a:t>
-            </a:r>
-            <a:r>
-              <a:rPr lang="en-US" sz="2300" dirty="0">
-                <a:latin typeface="Helvetica" charset="0"/>
-                <a:ea typeface="Helvetica" charset="0"/>
-                <a:cs typeface="Helvetica" charset="0"/>
-              </a:rPr>
-              <a:t>statistics for Curator's </a:t>
-            </a:r>
-            <a:r>
-              <a:rPr lang="en-US" sz="2300" dirty="0" smtClean="0">
-                <a:latin typeface="Helvetica" charset="0"/>
-                <a:ea typeface="Helvetica" charset="0"/>
-                <a:cs typeface="Helvetica" charset="0"/>
-              </a:rPr>
-              <a:t>Interface</a:t>
-            </a:r>
-          </a:p>
-          <a:p>
-            <a:pPr marL="342900" indent="-342900">
-              <a:buFont typeface="Arial" charset="0"/>
-              <a:buChar char="•"/>
-            </a:pPr>
-            <a:r>
-              <a:rPr lang="en-US" sz="2300" dirty="0" smtClean="0">
-                <a:latin typeface="Helvetica" charset="0"/>
-                <a:ea typeface="Helvetica" charset="0"/>
-                <a:cs typeface="Helvetica" charset="0"/>
-              </a:rPr>
-              <a:t>Google </a:t>
-            </a:r>
-            <a:r>
-              <a:rPr lang="en-US" sz="2300" dirty="0">
-                <a:latin typeface="Helvetica" charset="0"/>
-                <a:ea typeface="Helvetica" charset="0"/>
-                <a:cs typeface="Helvetica" charset="0"/>
-              </a:rPr>
-              <a:t>Indexing Workbench </a:t>
-            </a:r>
-            <a:r>
-              <a:rPr lang="en-US" sz="2300" dirty="0" smtClean="0">
-                <a:latin typeface="Helvetica" charset="0"/>
-                <a:ea typeface="Helvetica" charset="0"/>
-                <a:cs typeface="Helvetica" charset="0"/>
-              </a:rPr>
-              <a:t>statistics</a:t>
+              <a:t>pages</a:t>
             </a:r>
             <a:endParaRPr lang="en-US" sz="2300" dirty="0">
               <a:latin typeface="Helvetica" charset="0"/>
               <a:ea typeface="Helvetica" charset="0"/>
               <a:cs typeface="Helvetica" charset="0"/>
-            </a:endParaRPr>
-          </a:p>
-        </p:txBody>
-      </p:sp>
-      <p:sp>
-        <p:nvSpPr>
-          <p:cNvPr id="68" name="Rectangle 67"/>
-          <p:cNvSpPr/>
-          <p:nvPr/>
-        </p:nvSpPr>
-        <p:spPr>
-          <a:xfrm rot="5400000">
-            <a:off x="19061985" y="29544931"/>
-            <a:ext cx="457200" cy="20169028"/>
-          </a:xfrm>
-          <a:prstGeom prst="rect">
-            <a:avLst/>
-          </a:prstGeom>
-          <a:solidFill>
-            <a:srgbClr val="1C2939"/>
-          </a:solidFill>
-          <a:ln>
-            <a:noFill/>
-          </a:ln>
-          <a:effectLst/>
-        </p:spPr>
-        <p:style>
-          <a:lnRef idx="1">
-            <a:schemeClr val="accent1"/>
-          </a:lnRef>
-          <a:fillRef idx="3">
-            <a:schemeClr val="accent1"/>
-          </a:fillRef>
-          <a:effectRef idx="2">
-            <a:schemeClr val="accent1"/>
-          </a:effectRef>
-          <a:fontRef idx="minor">
-            <a:schemeClr val="lt1"/>
-          </a:fontRef>
-        </p:style>
-        <p:txBody>
-          <a:bodyPr lIns="329104" tIns="164551" rIns="329104" bIns="164551" rtlCol="0" anchor="ctr"/>
-          <a:lstStyle/>
-          <a:p>
-            <a:pPr algn="ctr"/>
-            <a:endParaRPr lang="en-US">
-              <a:latin typeface="Helvetica"/>
-              <a:cs typeface="Helvetica"/>
-            </a:endParaRPr>
-          </a:p>
-        </p:txBody>
-      </p:sp>
-      <p:sp>
-        <p:nvSpPr>
-          <p:cNvPr id="70" name="Rectangle 69"/>
-          <p:cNvSpPr/>
-          <p:nvPr/>
-        </p:nvSpPr>
-        <p:spPr>
-          <a:xfrm rot="10800000">
-            <a:off x="9207355" y="36740591"/>
-            <a:ext cx="10058400" cy="228600"/>
-          </a:xfrm>
-          <a:prstGeom prst="rect">
-            <a:avLst/>
-          </a:prstGeom>
-          <a:solidFill>
-            <a:srgbClr val="1C2939"/>
-          </a:solidFill>
-          <a:ln>
-            <a:noFill/>
-          </a:ln>
-          <a:effectLst/>
-        </p:spPr>
-        <p:style>
-          <a:lnRef idx="1">
-            <a:schemeClr val="accent1"/>
-          </a:lnRef>
-          <a:fillRef idx="3">
-            <a:schemeClr val="accent1"/>
-          </a:fillRef>
-          <a:effectRef idx="2">
-            <a:schemeClr val="accent1"/>
-          </a:effectRef>
-          <a:fontRef idx="minor">
-            <a:schemeClr val="lt1"/>
-          </a:fontRef>
-        </p:style>
-        <p:txBody>
-          <a:bodyPr lIns="329104" tIns="164551" rIns="329104" bIns="164551" rtlCol="0" anchor="ctr"/>
-          <a:lstStyle/>
-          <a:p>
-            <a:pPr algn="ctr"/>
-            <a:endParaRPr lang="en-US">
-              <a:latin typeface="Helvetica"/>
-              <a:cs typeface="Helvetica"/>
-            </a:endParaRPr>
-          </a:p>
-        </p:txBody>
-      </p:sp>
-      <p:sp>
-        <p:nvSpPr>
-          <p:cNvPr id="71" name="Rectangle 70"/>
-          <p:cNvSpPr/>
-          <p:nvPr/>
-        </p:nvSpPr>
-        <p:spPr>
-          <a:xfrm rot="16200000">
-            <a:off x="12413143" y="32392455"/>
-            <a:ext cx="13716000" cy="228600"/>
-          </a:xfrm>
-          <a:prstGeom prst="rect">
-            <a:avLst/>
-          </a:prstGeom>
-          <a:solidFill>
-            <a:srgbClr val="1C2939"/>
-          </a:solidFill>
-          <a:ln>
-            <a:noFill/>
-          </a:ln>
-          <a:effectLst/>
-        </p:spPr>
-        <p:style>
-          <a:lnRef idx="1">
-            <a:schemeClr val="accent1"/>
-          </a:lnRef>
-          <a:fillRef idx="3">
-            <a:schemeClr val="accent1"/>
-          </a:fillRef>
-          <a:effectRef idx="2">
-            <a:schemeClr val="accent1"/>
-          </a:effectRef>
-          <a:fontRef idx="minor">
-            <a:schemeClr val="lt1"/>
-          </a:fontRef>
-        </p:style>
-        <p:txBody>
-          <a:bodyPr lIns="329104" tIns="164551" rIns="329104" bIns="164551" rtlCol="0" anchor="ctr"/>
-          <a:lstStyle/>
-          <a:p>
-            <a:pPr algn="ctr"/>
-            <a:endParaRPr lang="en-US">
-              <a:latin typeface="Helvetica"/>
-              <a:cs typeface="Helvetica"/>
-            </a:endParaRPr>
-          </a:p>
-        </p:txBody>
-      </p:sp>
-      <p:sp>
-        <p:nvSpPr>
-          <p:cNvPr id="72" name="Rectangle 71"/>
-          <p:cNvSpPr/>
-          <p:nvPr/>
-        </p:nvSpPr>
-        <p:spPr>
-          <a:xfrm rot="10800000">
-            <a:off x="13205460" y="23161751"/>
-            <a:ext cx="10058400" cy="228600"/>
-          </a:xfrm>
-          <a:prstGeom prst="rect">
-            <a:avLst/>
-          </a:prstGeom>
-          <a:solidFill>
-            <a:srgbClr val="1C2939"/>
-          </a:solidFill>
-          <a:ln>
-            <a:noFill/>
-          </a:ln>
-          <a:effectLst/>
-        </p:spPr>
-        <p:style>
-          <a:lnRef idx="1">
-            <a:schemeClr val="accent1"/>
-          </a:lnRef>
-          <a:fillRef idx="3">
-            <a:schemeClr val="accent1"/>
-          </a:fillRef>
-          <a:effectRef idx="2">
-            <a:schemeClr val="accent1"/>
-          </a:effectRef>
-          <a:fontRef idx="minor">
-            <a:schemeClr val="lt1"/>
-          </a:fontRef>
-        </p:style>
-        <p:txBody>
-          <a:bodyPr lIns="329104" tIns="164551" rIns="329104" bIns="164551" rtlCol="0" anchor="ctr"/>
-          <a:lstStyle/>
-          <a:p>
-            <a:pPr algn="ctr"/>
-            <a:endParaRPr lang="en-US">
-              <a:latin typeface="Helvetica"/>
-              <a:cs typeface="Helvetica"/>
             </a:endParaRPr>
           </a:p>
         </p:txBody>
@@ -13957,17 +14454,15 @@
         </p:nvSpPr>
         <p:spPr>
           <a:xfrm>
-            <a:off x="9206401" y="29416022"/>
-            <a:ext cx="9959423" cy="1661911"/>
+            <a:off x="9206401" y="26774524"/>
+            <a:ext cx="9959423" cy="2431352"/>
           </a:xfrm>
           <a:prstGeom prst="rect">
             <a:avLst/>
           </a:prstGeom>
           <a:noFill/>
           <a:ln w="28575" cmpd="sng">
-            <a:solidFill>
-              <a:schemeClr val="tx1"/>
-            </a:solidFill>
+            <a:noFill/>
           </a:ln>
         </p:spPr>
         <p:txBody>
@@ -13989,8 +14484,22 @@
                 <a:latin typeface="Gotham Medium"/>
                 <a:cs typeface="Gotham Medium"/>
               </a:rPr>
-              <a:t>Ignored Agents</a:t>
-            </a:r>
+              <a:t>Ignored </a:t>
+            </a:r>
+            <a:r>
+              <a:rPr lang="en-US" sz="3600" dirty="0" smtClean="0">
+                <a:solidFill>
+                  <a:srgbClr val="2C3E50"/>
+                </a:solidFill>
+                <a:latin typeface="Gotham Medium"/>
+                <a:cs typeface="Gotham Medium"/>
+              </a:rPr>
+              <a:t>Agents</a:t>
+            </a:r>
+            <a:endParaRPr lang="en-US" sz="2000" dirty="0" smtClean="0">
+              <a:latin typeface="Gotham Book"/>
+              <a:cs typeface="Gotham Book"/>
+            </a:endParaRPr>
           </a:p>
           <a:p>
             <a:pPr algn="just">
@@ -14010,7 +14519,63 @@
                 <a:ea typeface="Helvetica" charset="0"/>
                 <a:cs typeface="Helvetica" charset="0"/>
               </a:rPr>
-              <a:t>*archive*, *bot*, *crawl*, *curl*, *java*, *lynx*, *</a:t>
+              <a:t>Agents listed in the impression table are compared against a list of keywords </a:t>
+            </a:r>
+            <a:r>
+              <a:rPr lang="en-US" sz="2300" dirty="0" smtClean="0">
+                <a:latin typeface="Helvetica" charset="0"/>
+                <a:ea typeface="Helvetica" charset="0"/>
+                <a:cs typeface="Helvetica" charset="0"/>
+              </a:rPr>
+              <a:t>associated with </a:t>
+            </a:r>
+            <a:r>
+              <a:rPr lang="en-US" sz="2300" dirty="0">
+                <a:latin typeface="Helvetica" charset="0"/>
+                <a:ea typeface="Helvetica" charset="0"/>
+                <a:cs typeface="Helvetica" charset="0"/>
+              </a:rPr>
+              <a:t>common bots, like the Google and Yahoo indexing bots. </a:t>
+            </a:r>
+            <a:r>
+              <a:rPr lang="en-US" sz="2300" dirty="0" smtClean="0">
+                <a:latin typeface="Helvetica" charset="0"/>
+                <a:ea typeface="Helvetica" charset="0"/>
+                <a:cs typeface="Helvetica" charset="0"/>
+              </a:rPr>
+              <a:t>Keywords </a:t>
+            </a:r>
+            <a:r>
+              <a:rPr lang="en-US" sz="2300" dirty="0">
+                <a:latin typeface="Helvetica" charset="0"/>
+                <a:ea typeface="Helvetica" charset="0"/>
+                <a:cs typeface="Helvetica" charset="0"/>
+              </a:rPr>
+              <a:t>include:</a:t>
+            </a:r>
+            <a:r>
+              <a:rPr lang="en-US" sz="2300" dirty="0" smtClean="0">
+                <a:latin typeface="Helvetica" charset="0"/>
+                <a:ea typeface="Helvetica" charset="0"/>
+                <a:cs typeface="Helvetica" charset="0"/>
+              </a:rPr>
+              <a:t> </a:t>
+            </a:r>
+            <a:r>
+              <a:rPr lang="en-US" sz="2300" dirty="0" smtClean="0">
+                <a:latin typeface="Helvetica" charset="0"/>
+                <a:ea typeface="Helvetica" charset="0"/>
+                <a:cs typeface="Helvetica" charset="0"/>
+              </a:rPr>
+              <a:t>*</a:t>
+            </a:r>
+            <a:r>
+              <a:rPr lang="en-US" sz="2300" dirty="0">
+                <a:latin typeface="Helvetica" charset="0"/>
+                <a:ea typeface="Helvetica" charset="0"/>
+                <a:cs typeface="Helvetica" charset="0"/>
+              </a:rPr>
+              <a:t>archive*, *bot*, *crawl*, *curl*, *java*, *lynx*, *</a:t>
             </a:r>
             <a:r>
               <a:rPr lang="en-US" sz="2300" dirty="0" err="1">
@@ -14055,17 +14620,15 @@
         </p:nvSpPr>
         <p:spPr>
           <a:xfrm>
-            <a:off x="9207925" y="25400282"/>
-            <a:ext cx="9957899" cy="3754791"/>
+            <a:off x="9207925" y="23711154"/>
+            <a:ext cx="9957899" cy="3046905"/>
           </a:xfrm>
           <a:prstGeom prst="rect">
             <a:avLst/>
           </a:prstGeom>
           <a:noFill/>
           <a:ln w="28575" cmpd="sng">
-            <a:solidFill>
-              <a:schemeClr val="tx1"/>
-            </a:solidFill>
+            <a:noFill/>
           </a:ln>
         </p:spPr>
         <p:txBody>
@@ -14087,8 +14650,25 @@
                 <a:latin typeface="Gotham Medium"/>
                 <a:cs typeface="Gotham Medium"/>
               </a:rPr>
-              <a:t>Important Processing Values</a:t>
-            </a:r>
+              <a:t>Important Processing </a:t>
+            </a:r>
+            <a:r>
+              <a:rPr lang="en-US" sz="3600" dirty="0" smtClean="0">
+                <a:solidFill>
+                  <a:srgbClr val="2C3E50"/>
+                </a:solidFill>
+                <a:latin typeface="Gotham Medium"/>
+                <a:cs typeface="Gotham Medium"/>
+              </a:rPr>
+              <a:t>Values</a:t>
+            </a:r>
+            <a:endParaRPr lang="en-US" sz="2000" dirty="0" smtClean="0">
+              <a:solidFill>
+                <a:srgbClr val="2C3E50"/>
+              </a:solidFill>
+              <a:latin typeface="Gotham Medium"/>
+              <a:cs typeface="Gotham Medium"/>
+            </a:endParaRPr>
           </a:p>
           <a:p>
             <a:pPr algn="just">
@@ -14120,8 +14700,21 @@
                 <a:ea typeface="Helvetica" charset="0"/>
                 <a:cs typeface="Helvetica" charset="0"/>
               </a:rPr>
-              <a:t>: Used to indicate that the impression status is complete, which to allow us to exclude items that are queued for download (incomplete).</a:t>
-            </a:r>
+              <a:t>: </a:t>
+            </a:r>
+            <a:r>
+              <a:rPr lang="en-US" sz="2300" dirty="0">
+                <a:latin typeface="Helvetica" charset="0"/>
+                <a:ea typeface="Helvetica" charset="0"/>
+                <a:cs typeface="Helvetica" charset="0"/>
+              </a:rPr>
+              <a:t>Files that are queued for download will be marked INCOMPLETE and are excluded until the download is complete.</a:t>
+            </a:r>
+            <a:endParaRPr lang="en-US" sz="2300" dirty="0" smtClean="0">
+              <a:latin typeface="Helvetica" charset="0"/>
+              <a:ea typeface="Helvetica" charset="0"/>
+              <a:cs typeface="Helvetica" charset="0"/>
+            </a:endParaRPr>
           </a:p>
           <a:p>
             <a:pPr marL="342900" indent="-342900">
@@ -14142,8 +14735,37 @@
                 <a:ea typeface="Helvetica" charset="0"/>
                 <a:cs typeface="Helvetica" charset="0"/>
               </a:rPr>
-              <a:t>: Impressions recorded by bots will be set to False. All other traffic is True.</a:t>
-            </a:r>
+              <a:t>: </a:t>
+            </a:r>
+            <a:r>
+              <a:rPr lang="en-US" sz="2300" dirty="0">
+                <a:latin typeface="Helvetica" charset="0"/>
+                <a:ea typeface="Helvetica" charset="0"/>
+                <a:cs typeface="Helvetica" charset="0"/>
+              </a:rPr>
+              <a:t>All impressions are set to TRUE. Impressions with agents on the bot </a:t>
+            </a:r>
+            <a:r>
+              <a:rPr lang="en-US" sz="2300" dirty="0" smtClean="0">
+                <a:latin typeface="Helvetica" charset="0"/>
+                <a:ea typeface="Helvetica" charset="0"/>
+                <a:cs typeface="Helvetica" charset="0"/>
+              </a:rPr>
+              <a:t>list are </a:t>
+            </a:r>
+            <a:r>
+              <a:rPr lang="en-US" sz="2300" dirty="0">
+                <a:latin typeface="Helvetica" charset="0"/>
+                <a:ea typeface="Helvetica" charset="0"/>
+                <a:cs typeface="Helvetica" charset="0"/>
+              </a:rPr>
+              <a:t>marked as FALSE during overnight processing.</a:t>
+            </a:r>
+            <a:endParaRPr lang="en-US" sz="2300" dirty="0" smtClean="0">
+              <a:latin typeface="Helvetica" charset="0"/>
+              <a:ea typeface="Helvetica" charset="0"/>
+              <a:cs typeface="Helvetica" charset="0"/>
+            </a:endParaRPr>
           </a:p>
           <a:p>
             <a:pPr marL="342900" indent="-342900">
@@ -14164,300 +14786,20 @@
                 <a:ea typeface="Helvetica" charset="0"/>
                 <a:cs typeface="Helvetica" charset="0"/>
               </a:rPr>
-              <a:t>: True indicates that the impression has been passed through the bot blacklist. False indicates the impression has not been reviewed, and is likely less than 24 hours old.</a:t>
+              <a:t>: </a:t>
+            </a:r>
+            <a:r>
+              <a:rPr lang="en-US" sz="2300" dirty="0">
+                <a:latin typeface="Helvetica" charset="0"/>
+                <a:ea typeface="Helvetica" charset="0"/>
+                <a:cs typeface="Helvetica" charset="0"/>
+              </a:rPr>
+              <a:t>All impressions are initially set to FALSE. The value is set to TRUE once the impression has been processed for bots. </a:t>
             </a:r>
             <a:endParaRPr lang="en-US" sz="2300" dirty="0">
               <a:latin typeface="Helvetica" charset="0"/>
               <a:ea typeface="Helvetica" charset="0"/>
               <a:cs typeface="Helvetica" charset="0"/>
-            </a:endParaRPr>
-          </a:p>
-        </p:txBody>
-      </p:sp>
-      <p:sp>
-        <p:nvSpPr>
-          <p:cNvPr id="76" name="Rectangle 75"/>
-          <p:cNvSpPr/>
-          <p:nvPr/>
-        </p:nvSpPr>
-        <p:spPr>
-          <a:xfrm rot="10800000">
-            <a:off x="9243060" y="25155142"/>
-            <a:ext cx="19999452" cy="228600"/>
-          </a:xfrm>
-          <a:prstGeom prst="rect">
-            <a:avLst/>
-          </a:prstGeom>
-          <a:solidFill>
-            <a:srgbClr val="1C2939"/>
-          </a:solidFill>
-          <a:ln>
-            <a:noFill/>
-          </a:ln>
-          <a:effectLst/>
-        </p:spPr>
-        <p:style>
-          <a:lnRef idx="1">
-            <a:schemeClr val="accent1"/>
-          </a:lnRef>
-          <a:fillRef idx="3">
-            <a:schemeClr val="accent1"/>
-          </a:fillRef>
-          <a:effectRef idx="2">
-            <a:schemeClr val="accent1"/>
-          </a:effectRef>
-          <a:fontRef idx="minor">
-            <a:schemeClr val="lt1"/>
-          </a:fontRef>
-        </p:style>
-        <p:txBody>
-          <a:bodyPr lIns="329104" tIns="164551" rIns="329104" bIns="164551" rtlCol="0" anchor="ctr"/>
-          <a:lstStyle/>
-          <a:p>
-            <a:pPr algn="ctr"/>
-            <a:endParaRPr lang="en-US">
-              <a:latin typeface="Helvetica"/>
-              <a:cs typeface="Helvetica"/>
-            </a:endParaRPr>
-          </a:p>
-        </p:txBody>
-      </p:sp>
-      <p:sp>
-        <p:nvSpPr>
-          <p:cNvPr id="77" name="Rectangle 76"/>
-          <p:cNvSpPr/>
-          <p:nvPr/>
-        </p:nvSpPr>
-        <p:spPr>
-          <a:xfrm rot="10800000">
-            <a:off x="12352020" y="21211031"/>
-            <a:ext cx="10058400" cy="228600"/>
-          </a:xfrm>
-          <a:prstGeom prst="rect">
-            <a:avLst/>
-          </a:prstGeom>
-          <a:solidFill>
-            <a:srgbClr val="1C2939"/>
-          </a:solidFill>
-          <a:ln>
-            <a:noFill/>
-          </a:ln>
-          <a:effectLst/>
-        </p:spPr>
-        <p:style>
-          <a:lnRef idx="1">
-            <a:schemeClr val="accent1"/>
-          </a:lnRef>
-          <a:fillRef idx="3">
-            <a:schemeClr val="accent1"/>
-          </a:fillRef>
-          <a:effectRef idx="2">
-            <a:schemeClr val="accent1"/>
-          </a:effectRef>
-          <a:fontRef idx="minor">
-            <a:schemeClr val="lt1"/>
-          </a:fontRef>
-        </p:style>
-        <p:txBody>
-          <a:bodyPr lIns="329104" tIns="164551" rIns="329104" bIns="164551" rtlCol="0" anchor="ctr"/>
-          <a:lstStyle/>
-          <a:p>
-            <a:pPr algn="ctr"/>
-            <a:endParaRPr lang="en-US">
-              <a:latin typeface="Helvetica"/>
-              <a:cs typeface="Helvetica"/>
-            </a:endParaRPr>
-          </a:p>
-        </p:txBody>
-      </p:sp>
-      <p:sp>
-        <p:nvSpPr>
-          <p:cNvPr id="78" name="Rectangle 77"/>
-          <p:cNvSpPr/>
-          <p:nvPr/>
-        </p:nvSpPr>
-        <p:spPr>
-          <a:xfrm rot="10800000">
-            <a:off x="9450542" y="29188588"/>
-            <a:ext cx="9144000" cy="228600"/>
-          </a:xfrm>
-          <a:prstGeom prst="rect">
-            <a:avLst/>
-          </a:prstGeom>
-          <a:solidFill>
-            <a:srgbClr val="1C2939"/>
-          </a:solidFill>
-          <a:ln>
-            <a:noFill/>
-          </a:ln>
-          <a:effectLst/>
-        </p:spPr>
-        <p:style>
-          <a:lnRef idx="1">
-            <a:schemeClr val="accent1"/>
-          </a:lnRef>
-          <a:fillRef idx="3">
-            <a:schemeClr val="accent1"/>
-          </a:fillRef>
-          <a:effectRef idx="2">
-            <a:schemeClr val="accent1"/>
-          </a:effectRef>
-          <a:fontRef idx="minor">
-            <a:schemeClr val="lt1"/>
-          </a:fontRef>
-        </p:style>
-        <p:txBody>
-          <a:bodyPr lIns="329104" tIns="164551" rIns="329104" bIns="164551" rtlCol="0" anchor="ctr"/>
-          <a:lstStyle/>
-          <a:p>
-            <a:pPr algn="ctr"/>
-            <a:endParaRPr lang="en-US">
-              <a:latin typeface="Helvetica"/>
-              <a:cs typeface="Helvetica"/>
-            </a:endParaRPr>
-          </a:p>
-        </p:txBody>
-      </p:sp>
-      <p:sp>
-        <p:nvSpPr>
-          <p:cNvPr id="47" name="Rectangle 46"/>
-          <p:cNvSpPr/>
-          <p:nvPr/>
-        </p:nvSpPr>
-        <p:spPr>
-          <a:xfrm rot="10800000">
-            <a:off x="946404" y="13554455"/>
-            <a:ext cx="8229600" cy="228600"/>
-          </a:xfrm>
-          <a:prstGeom prst="rect">
-            <a:avLst/>
-          </a:prstGeom>
-          <a:solidFill>
-            <a:srgbClr val="1C2939"/>
-          </a:solidFill>
-          <a:ln>
-            <a:noFill/>
-          </a:ln>
-          <a:effectLst/>
-        </p:spPr>
-        <p:style>
-          <a:lnRef idx="1">
-            <a:schemeClr val="accent1"/>
-          </a:lnRef>
-          <a:fillRef idx="3">
-            <a:schemeClr val="accent1"/>
-          </a:fillRef>
-          <a:effectRef idx="2">
-            <a:schemeClr val="accent1"/>
-          </a:effectRef>
-          <a:fontRef idx="minor">
-            <a:schemeClr val="lt1"/>
-          </a:fontRef>
-        </p:style>
-        <p:txBody>
-          <a:bodyPr lIns="329104" tIns="164551" rIns="329104" bIns="164551" rtlCol="0" anchor="ctr"/>
-          <a:lstStyle/>
-          <a:p>
-            <a:pPr algn="ctr"/>
-            <a:endParaRPr lang="en-US">
-              <a:latin typeface="Helvetica"/>
-              <a:cs typeface="Helvetica"/>
-            </a:endParaRPr>
-          </a:p>
-        </p:txBody>
-      </p:sp>
-      <p:sp>
-        <p:nvSpPr>
-          <p:cNvPr id="48" name="Rectangle 47"/>
-          <p:cNvSpPr/>
-          <p:nvPr/>
-        </p:nvSpPr>
-        <p:spPr>
-          <a:xfrm rot="10800000">
-            <a:off x="946404" y="21034247"/>
-            <a:ext cx="8229600" cy="228600"/>
-          </a:xfrm>
-          <a:prstGeom prst="rect">
-            <a:avLst/>
-          </a:prstGeom>
-          <a:solidFill>
-            <a:srgbClr val="1C2939"/>
-          </a:solidFill>
-          <a:ln>
-            <a:noFill/>
-          </a:ln>
-          <a:effectLst/>
-        </p:spPr>
-        <p:style>
-          <a:lnRef idx="1">
-            <a:schemeClr val="accent1"/>
-          </a:lnRef>
-          <a:fillRef idx="3">
-            <a:schemeClr val="accent1"/>
-          </a:fillRef>
-          <a:effectRef idx="2">
-            <a:schemeClr val="accent1"/>
-          </a:effectRef>
-          <a:fontRef idx="minor">
-            <a:schemeClr val="lt1"/>
-          </a:fontRef>
-        </p:style>
-        <p:txBody>
-          <a:bodyPr lIns="329104" tIns="164551" rIns="329104" bIns="164551" rtlCol="0" anchor="ctr"/>
-          <a:lstStyle/>
-          <a:p>
-            <a:pPr algn="ctr"/>
-            <a:endParaRPr lang="en-US">
-              <a:latin typeface="Helvetica"/>
-              <a:cs typeface="Helvetica"/>
-            </a:endParaRPr>
-          </a:p>
-        </p:txBody>
-      </p:sp>
-      <p:sp>
-        <p:nvSpPr>
-          <p:cNvPr id="49" name="Rectangle 48"/>
-          <p:cNvSpPr/>
-          <p:nvPr/>
-        </p:nvSpPr>
-        <p:spPr>
-          <a:xfrm rot="10800000">
-            <a:off x="970788" y="31117031"/>
-            <a:ext cx="8229600" cy="228600"/>
-          </a:xfrm>
-          <a:prstGeom prst="rect">
-            <a:avLst/>
-          </a:prstGeom>
-          <a:solidFill>
-            <a:srgbClr val="1C2939"/>
-          </a:solidFill>
-          <a:ln>
-            <a:noFill/>
-          </a:ln>
-          <a:effectLst/>
-        </p:spPr>
-        <p:style>
-          <a:lnRef idx="1">
-            <a:schemeClr val="accent1"/>
-          </a:lnRef>
-          <a:fillRef idx="3">
-            <a:schemeClr val="accent1"/>
-          </a:fillRef>
-          <a:effectRef idx="2">
-            <a:schemeClr val="accent1"/>
-          </a:effectRef>
-          <a:fontRef idx="minor">
-            <a:schemeClr val="lt1"/>
-          </a:fontRef>
-        </p:style>
-        <p:txBody>
-          <a:bodyPr lIns="329104" tIns="164551" rIns="329104" bIns="164551" rtlCol="0" anchor="ctr"/>
-          <a:lstStyle/>
-          <a:p>
-            <a:pPr algn="ctr"/>
-            <a:endParaRPr lang="en-US">
-              <a:latin typeface="Helvetica"/>
-              <a:cs typeface="Helvetica"/>
             </a:endParaRPr>
           </a:p>
         </p:txBody>
@@ -14469,18 +14811,18 @@
           <p:nvPr>
             <p:extLst>
               <p:ext uri="{D42A27DB-BD31-4B8C-83A1-F6EECF244321}">
-                <p14:modId xmlns:p14="http://schemas.microsoft.com/office/powerpoint/2010/main" val="986050572"/>
+                <p14:modId xmlns:p14="http://schemas.microsoft.com/office/powerpoint/2010/main" val="416959970"/>
               </p:ext>
             </p:extLst>
           </p:nvPr>
         </p:nvGraphicFramePr>
         <p:xfrm>
-          <a:off x="21071848" y="25539931"/>
+          <a:off x="21055107" y="23847023"/>
           <a:ext cx="7435661" cy="5244869"/>
         </p:xfrm>
         <a:graphic>
           <a:graphicData uri="http://schemas.openxmlformats.org/drawingml/2006/chart">
-            <c:chart xmlns:c="http://schemas.openxmlformats.org/drawingml/2006/chart" xmlns:r="http://schemas.openxmlformats.org/officeDocument/2006/relationships" r:id="rId10"/>
+            <c:chart xmlns:c="http://schemas.openxmlformats.org/drawingml/2006/chart" xmlns:r="http://schemas.openxmlformats.org/officeDocument/2006/relationships" r:id="rId9"/>
           </a:graphicData>
         </a:graphic>
       </p:graphicFrame>
@@ -14492,7 +14834,7 @@
         </p:nvSpPr>
         <p:spPr>
           <a:xfrm>
-            <a:off x="20787991" y="26828579"/>
+            <a:off x="20787991" y="25139451"/>
             <a:ext cx="1464356" cy="523220"/>
           </a:xfrm>
           <a:prstGeom prst="rect">
@@ -14522,7 +14864,7 @@
         </p:nvSpPr>
         <p:spPr>
           <a:xfrm>
-            <a:off x="20438741" y="26915890"/>
+            <a:off x="20438741" y="25226762"/>
             <a:ext cx="365760" cy="365760"/>
           </a:xfrm>
           <a:prstGeom prst="rect">
@@ -14570,7 +14912,7 @@
         </p:nvSpPr>
         <p:spPr>
           <a:xfrm>
-            <a:off x="20826771" y="26248742"/>
+            <a:off x="20826771" y="24559614"/>
             <a:ext cx="1042987" cy="523220"/>
           </a:xfrm>
           <a:prstGeom prst="rect">
@@ -14600,7 +14942,7 @@
         </p:nvSpPr>
         <p:spPr>
           <a:xfrm>
-            <a:off x="20459377" y="26328797"/>
+            <a:off x="20459377" y="24639669"/>
             <a:ext cx="365760" cy="365760"/>
           </a:xfrm>
           <a:prstGeom prst="rect">
@@ -14649,7 +14991,7 @@
           <p:nvPr/>
         </p:nvPicPr>
         <p:blipFill rotWithShape="1">
-          <a:blip r:embed="rId11">
+          <a:blip r:embed="rId10">
             <a:extLst>
               <a:ext uri="{28A0092B-C50C-407E-A947-70E740481C1C}">
                 <a14:useLocalDpi xmlns:a14="http://schemas.microsoft.com/office/drawing/2010/main" val="0"/>
@@ -14661,8 +15003,8 @@
         </p:blipFill>
         <p:spPr>
           <a:xfrm>
-            <a:off x="20033209" y="31902569"/>
-            <a:ext cx="8582496" cy="7279472"/>
+            <a:off x="19500573" y="30886536"/>
+            <a:ext cx="9557752" cy="8106661"/>
           </a:xfrm>
           <a:prstGeom prst="rect">
             <a:avLst/>
@@ -14677,7 +15019,7 @@
         </p:nvSpPr>
         <p:spPr>
           <a:xfrm>
-            <a:off x="21475968" y="33321768"/>
+            <a:off x="21475968" y="32534368"/>
             <a:ext cx="1855519" cy="523220"/>
           </a:xfrm>
           <a:prstGeom prst="rect">
@@ -14707,7 +15049,7 @@
         </p:nvSpPr>
         <p:spPr>
           <a:xfrm>
-            <a:off x="21139419" y="33409079"/>
+            <a:off x="21139419" y="32621679"/>
             <a:ext cx="365760" cy="365760"/>
           </a:xfrm>
           <a:prstGeom prst="rect">
@@ -14755,7 +15097,7 @@
         </p:nvSpPr>
         <p:spPr>
           <a:xfrm>
-            <a:off x="21514749" y="32741931"/>
+            <a:off x="21514749" y="31954531"/>
             <a:ext cx="1042987" cy="523220"/>
           </a:xfrm>
           <a:prstGeom prst="rect">
@@ -14785,7 +15127,7 @@
         </p:nvSpPr>
         <p:spPr>
           <a:xfrm>
-            <a:off x="21147355" y="32821986"/>
+            <a:off x="21147355" y="32034586"/>
             <a:ext cx="365760" cy="365760"/>
           </a:xfrm>
           <a:prstGeom prst="rect">
@@ -14833,7 +15175,7 @@
         </p:nvSpPr>
         <p:spPr>
           <a:xfrm>
-            <a:off x="21485493" y="33917081"/>
+            <a:off x="21485493" y="33129681"/>
             <a:ext cx="1855519" cy="523220"/>
           </a:xfrm>
           <a:prstGeom prst="rect">
@@ -14863,7 +15205,7 @@
         </p:nvSpPr>
         <p:spPr>
           <a:xfrm>
-            <a:off x="21136244" y="34004392"/>
+            <a:off x="21136244" y="33216992"/>
             <a:ext cx="365760" cy="365760"/>
           </a:xfrm>
           <a:prstGeom prst="rect">
@@ -14911,7 +15253,163 @@
         </p:nvSpPr>
         <p:spPr>
           <a:xfrm>
-            <a:off x="6769368" y="33245568"/>
+            <a:off x="1710598" y="22326882"/>
+            <a:ext cx="3296556" cy="523220"/>
+          </a:xfrm>
+          <a:prstGeom prst="rect">
+            <a:avLst/>
+          </a:prstGeom>
+          <a:noFill/>
+        </p:spPr>
+        <p:txBody>
+          <a:bodyPr wrap="square" rtlCol="0">
+            <a:spAutoFit/>
+          </a:bodyPr>
+          <a:lstStyle/>
+          <a:p>
+            <a:r>
+              <a:rPr lang="en-US" sz="2800" dirty="0" smtClean="0"/>
+              <a:t>Faculty Research</a:t>
+            </a:r>
+            <a:endParaRPr lang="en-US" sz="2800" dirty="0"/>
+          </a:p>
+        </p:txBody>
+      </p:sp>
+      <p:sp>
+        <p:nvSpPr>
+          <p:cNvPr id="85" name="Rectangle 84"/>
+          <p:cNvSpPr/>
+          <p:nvPr/>
+        </p:nvSpPr>
+        <p:spPr>
+          <a:xfrm>
+            <a:off x="1374049" y="22414193"/>
+            <a:ext cx="365760" cy="365760"/>
+          </a:xfrm>
+          <a:prstGeom prst="rect">
+            <a:avLst/>
+          </a:prstGeom>
+          <a:solidFill>
+            <a:srgbClr val="D1A6AA"/>
+          </a:solidFill>
+          <a:ln>
+            <a:solidFill>
+              <a:schemeClr val="bg1"/>
+            </a:solidFill>
+          </a:ln>
+        </p:spPr>
+        <p:style>
+          <a:lnRef idx="2">
+            <a:schemeClr val="accent1">
+              <a:shade val="50000"/>
+            </a:schemeClr>
+          </a:lnRef>
+          <a:fillRef idx="1">
+            <a:schemeClr val="accent1"/>
+          </a:fillRef>
+          <a:effectRef idx="0">
+            <a:schemeClr val="accent1"/>
+          </a:effectRef>
+          <a:fontRef idx="minor">
+            <a:schemeClr val="lt1"/>
+          </a:fontRef>
+        </p:style>
+        <p:txBody>
+          <a:bodyPr rtlCol="0" anchor="ctr"/>
+          <a:lstStyle/>
+          <a:p>
+            <a:pPr algn="ctr"/>
+            <a:endParaRPr lang="en-US"/>
+          </a:p>
+        </p:txBody>
+      </p:sp>
+      <p:sp>
+        <p:nvSpPr>
+          <p:cNvPr id="86" name="TextBox 85"/>
+          <p:cNvSpPr txBox="1"/>
+          <p:nvPr/>
+        </p:nvSpPr>
+        <p:spPr>
+          <a:xfrm>
+            <a:off x="1745856" y="21728462"/>
+            <a:ext cx="3526062" cy="523220"/>
+          </a:xfrm>
+          <a:prstGeom prst="rect">
+            <a:avLst/>
+          </a:prstGeom>
+          <a:noFill/>
+        </p:spPr>
+        <p:txBody>
+          <a:bodyPr wrap="square" rtlCol="0">
+            <a:spAutoFit/>
+          </a:bodyPr>
+          <a:lstStyle/>
+          <a:p>
+            <a:r>
+              <a:rPr lang="en-US" sz="2800" dirty="0" smtClean="0"/>
+              <a:t>Thesis or Dissertation</a:t>
+            </a:r>
+            <a:endParaRPr lang="en-US" sz="2800" dirty="0"/>
+          </a:p>
+        </p:txBody>
+      </p:sp>
+      <p:sp>
+        <p:nvSpPr>
+          <p:cNvPr id="87" name="Rectangle 86"/>
+          <p:cNvSpPr/>
+          <p:nvPr/>
+        </p:nvSpPr>
+        <p:spPr>
+          <a:xfrm>
+            <a:off x="1378462" y="21808517"/>
+            <a:ext cx="365760" cy="365760"/>
+          </a:xfrm>
+          <a:prstGeom prst="rect">
+            <a:avLst/>
+          </a:prstGeom>
+          <a:solidFill>
+            <a:srgbClr val="8E8E9E"/>
+          </a:solidFill>
+          <a:ln>
+            <a:solidFill>
+              <a:schemeClr val="bg1"/>
+            </a:solidFill>
+          </a:ln>
+        </p:spPr>
+        <p:style>
+          <a:lnRef idx="2">
+            <a:schemeClr val="accent1">
+              <a:shade val="50000"/>
+            </a:schemeClr>
+          </a:lnRef>
+          <a:fillRef idx="1">
+            <a:schemeClr val="accent1"/>
+          </a:fillRef>
+          <a:effectRef idx="0">
+            <a:schemeClr val="accent1"/>
+          </a:effectRef>
+          <a:fontRef idx="minor">
+            <a:schemeClr val="lt1"/>
+          </a:fontRef>
+        </p:style>
+        <p:txBody>
+          <a:bodyPr rtlCol="0" anchor="ctr"/>
+          <a:lstStyle/>
+          <a:p>
+            <a:pPr algn="ctr"/>
+            <a:endParaRPr lang="en-US"/>
+          </a:p>
+        </p:txBody>
+      </p:sp>
+      <p:sp>
+        <p:nvSpPr>
+          <p:cNvPr id="88" name="TextBox 87"/>
+          <p:cNvSpPr txBox="1"/>
+          <p:nvPr/>
+        </p:nvSpPr>
+        <p:spPr>
+          <a:xfrm>
+            <a:off x="6049414" y="21715936"/>
             <a:ext cx="1855519" cy="523220"/>
           </a:xfrm>
           <a:prstGeom prst="rect">
@@ -14927,7 +15425,7 @@
           <a:p>
             <a:r>
               <a:rPr lang="en-US" sz="2800" dirty="0" smtClean="0"/>
-              <a:t>Downloads</a:t>
+              <a:t>Exam</a:t>
             </a:r>
             <a:endParaRPr lang="en-US" sz="2800" dirty="0"/>
           </a:p>
@@ -14935,13 +15433,91 @@
       </p:sp>
       <p:sp>
         <p:nvSpPr>
-          <p:cNvPr id="85" name="Rectangle 84"/>
+          <p:cNvPr id="89" name="Rectangle 88"/>
           <p:cNvSpPr/>
           <p:nvPr/>
         </p:nvSpPr>
         <p:spPr>
           <a:xfrm>
-            <a:off x="6432819" y="33332879"/>
+            <a:off x="5700165" y="21803247"/>
+            <a:ext cx="365760" cy="365760"/>
+          </a:xfrm>
+          <a:prstGeom prst="rect">
+            <a:avLst/>
+          </a:prstGeom>
+          <a:solidFill>
+            <a:srgbClr val="A27082"/>
+          </a:solidFill>
+          <a:ln>
+            <a:solidFill>
+              <a:schemeClr val="bg1"/>
+            </a:solidFill>
+          </a:ln>
+        </p:spPr>
+        <p:style>
+          <a:lnRef idx="2">
+            <a:schemeClr val="accent1">
+              <a:shade val="50000"/>
+            </a:schemeClr>
+          </a:lnRef>
+          <a:fillRef idx="1">
+            <a:schemeClr val="accent1"/>
+          </a:fillRef>
+          <a:effectRef idx="0">
+            <a:schemeClr val="accent1"/>
+          </a:effectRef>
+          <a:fontRef idx="minor">
+            <a:schemeClr val="lt1"/>
+          </a:fontRef>
+        </p:style>
+        <p:txBody>
+          <a:bodyPr rtlCol="0" anchor="ctr"/>
+          <a:lstStyle/>
+          <a:p>
+            <a:pPr algn="ctr"/>
+            <a:endParaRPr lang="en-US"/>
+          </a:p>
+        </p:txBody>
+      </p:sp>
+      <p:sp>
+        <p:nvSpPr>
+          <p:cNvPr id="90" name="TextBox 89"/>
+          <p:cNvSpPr txBox="1"/>
+          <p:nvPr/>
+        </p:nvSpPr>
+        <p:spPr>
+          <a:xfrm>
+            <a:off x="2094136" y="26340530"/>
+            <a:ext cx="1855519" cy="523220"/>
+          </a:xfrm>
+          <a:prstGeom prst="rect">
+            <a:avLst/>
+          </a:prstGeom>
+          <a:noFill/>
+        </p:spPr>
+        <p:txBody>
+          <a:bodyPr wrap="square" rtlCol="0">
+            <a:spAutoFit/>
+          </a:bodyPr>
+          <a:lstStyle/>
+          <a:p>
+            <a:r>
+              <a:rPr lang="en-US" sz="2800" dirty="0" smtClean="0"/>
+              <a:t>Downloads</a:t>
+            </a:r>
+            <a:endParaRPr lang="en-US" sz="2800" dirty="0"/>
+          </a:p>
+        </p:txBody>
+      </p:sp>
+      <p:sp>
+        <p:nvSpPr>
+          <p:cNvPr id="91" name="Rectangle 90"/>
+          <p:cNvSpPr/>
+          <p:nvPr/>
+        </p:nvSpPr>
+        <p:spPr>
+          <a:xfrm>
+            <a:off x="1757587" y="26427841"/>
             <a:ext cx="365760" cy="365760"/>
           </a:xfrm>
           <a:prstGeom prst="rect">
@@ -14983,13 +15559,13 @@
       </p:sp>
       <p:sp>
         <p:nvSpPr>
-          <p:cNvPr id="86" name="TextBox 85"/>
+          <p:cNvPr id="92" name="TextBox 91"/>
           <p:cNvSpPr txBox="1"/>
           <p:nvPr/>
         </p:nvSpPr>
         <p:spPr>
           <a:xfrm>
-            <a:off x="6808149" y="32665731"/>
+            <a:off x="2132917" y="25760693"/>
             <a:ext cx="1042987" cy="523220"/>
           </a:xfrm>
           <a:prstGeom prst="rect">
@@ -15013,13 +15589,13 @@
       </p:sp>
       <p:sp>
         <p:nvSpPr>
-          <p:cNvPr id="87" name="Rectangle 86"/>
+          <p:cNvPr id="93" name="Rectangle 92"/>
           <p:cNvSpPr/>
           <p:nvPr/>
         </p:nvSpPr>
         <p:spPr>
           <a:xfrm>
-            <a:off x="6440755" y="32745786"/>
+            <a:off x="1765523" y="25840748"/>
             <a:ext cx="365760" cy="365760"/>
           </a:xfrm>
           <a:prstGeom prst="rect">
@@ -15061,13 +15637,13 @@
       </p:sp>
       <p:sp>
         <p:nvSpPr>
-          <p:cNvPr id="88" name="TextBox 87"/>
+          <p:cNvPr id="94" name="TextBox 93"/>
           <p:cNvSpPr txBox="1"/>
           <p:nvPr/>
         </p:nvSpPr>
         <p:spPr>
           <a:xfrm>
-            <a:off x="6778893" y="33840881"/>
+            <a:off x="2103661" y="26935843"/>
             <a:ext cx="1855519" cy="523220"/>
           </a:xfrm>
           <a:prstGeom prst="rect">
@@ -15091,13 +15667,13 @@
       </p:sp>
       <p:sp>
         <p:nvSpPr>
-          <p:cNvPr id="89" name="Rectangle 88"/>
+          <p:cNvPr id="95" name="Rectangle 94"/>
           <p:cNvSpPr/>
           <p:nvPr/>
         </p:nvSpPr>
         <p:spPr>
           <a:xfrm>
-            <a:off x="6429644" y="33928192"/>
+            <a:off x="1754412" y="27023154"/>
             <a:ext cx="365760" cy="365760"/>
           </a:xfrm>
           <a:prstGeom prst="rect">
@@ -15139,13 +15715,13 @@
       </p:sp>
       <p:sp>
         <p:nvSpPr>
-          <p:cNvPr id="90" name="TextBox 89"/>
+          <p:cNvPr id="96" name="TextBox 95"/>
           <p:cNvSpPr txBox="1"/>
           <p:nvPr/>
         </p:nvSpPr>
         <p:spPr>
           <a:xfrm>
-            <a:off x="2105928" y="15849108"/>
+            <a:off x="1954256" y="40860580"/>
             <a:ext cx="1855519" cy="523220"/>
           </a:xfrm>
           <a:prstGeom prst="rect">
@@ -15161,240 +15737,6 @@
           <a:p>
             <a:r>
               <a:rPr lang="en-US" sz="2800" dirty="0" smtClean="0"/>
-              <a:t>Downloads</a:t>
-            </a:r>
-            <a:endParaRPr lang="en-US" sz="2800" dirty="0"/>
-          </a:p>
-        </p:txBody>
-      </p:sp>
-      <p:sp>
-        <p:nvSpPr>
-          <p:cNvPr id="91" name="Rectangle 90"/>
-          <p:cNvSpPr/>
-          <p:nvPr/>
-        </p:nvSpPr>
-        <p:spPr>
-          <a:xfrm>
-            <a:off x="1769379" y="15936419"/>
-            <a:ext cx="365760" cy="365760"/>
-          </a:xfrm>
-          <a:prstGeom prst="rect">
-            <a:avLst/>
-          </a:prstGeom>
-          <a:solidFill>
-            <a:srgbClr val="E0BAD1"/>
-          </a:solidFill>
-          <a:ln>
-            <a:solidFill>
-              <a:schemeClr val="bg1"/>
-            </a:solidFill>
-          </a:ln>
-        </p:spPr>
-        <p:style>
-          <a:lnRef idx="2">
-            <a:schemeClr val="accent1">
-              <a:shade val="50000"/>
-            </a:schemeClr>
-          </a:lnRef>
-          <a:fillRef idx="1">
-            <a:schemeClr val="accent1"/>
-          </a:fillRef>
-          <a:effectRef idx="0">
-            <a:schemeClr val="accent1"/>
-          </a:effectRef>
-          <a:fontRef idx="minor">
-            <a:schemeClr val="lt1"/>
-          </a:fontRef>
-        </p:style>
-        <p:txBody>
-          <a:bodyPr rtlCol="0" anchor="ctr"/>
-          <a:lstStyle/>
-          <a:p>
-            <a:pPr algn="ctr"/>
-            <a:endParaRPr lang="en-US"/>
-          </a:p>
-        </p:txBody>
-      </p:sp>
-      <p:sp>
-        <p:nvSpPr>
-          <p:cNvPr id="92" name="TextBox 91"/>
-          <p:cNvSpPr txBox="1"/>
-          <p:nvPr/>
-        </p:nvSpPr>
-        <p:spPr>
-          <a:xfrm>
-            <a:off x="2144709" y="15269271"/>
-            <a:ext cx="1042987" cy="523220"/>
-          </a:xfrm>
-          <a:prstGeom prst="rect">
-            <a:avLst/>
-          </a:prstGeom>
-          <a:noFill/>
-        </p:spPr>
-        <p:txBody>
-          <a:bodyPr wrap="square" rtlCol="0">
-            <a:spAutoFit/>
-          </a:bodyPr>
-          <a:lstStyle/>
-          <a:p>
-            <a:r>
-              <a:rPr lang="en-US" sz="2800" dirty="0" smtClean="0"/>
-              <a:t>Views</a:t>
-            </a:r>
-            <a:endParaRPr lang="en-US" sz="2800" dirty="0"/>
-          </a:p>
-        </p:txBody>
-      </p:sp>
-      <p:sp>
-        <p:nvSpPr>
-          <p:cNvPr id="93" name="Rectangle 92"/>
-          <p:cNvSpPr/>
-          <p:nvPr/>
-        </p:nvSpPr>
-        <p:spPr>
-          <a:xfrm>
-            <a:off x="1777315" y="15349326"/>
-            <a:ext cx="365760" cy="365760"/>
-          </a:xfrm>
-          <a:prstGeom prst="rect">
-            <a:avLst/>
-          </a:prstGeom>
-          <a:solidFill>
-            <a:srgbClr val="BA92B2"/>
-          </a:solidFill>
-          <a:ln>
-            <a:solidFill>
-              <a:schemeClr val="bg1"/>
-            </a:solidFill>
-          </a:ln>
-        </p:spPr>
-        <p:style>
-          <a:lnRef idx="2">
-            <a:schemeClr val="accent1">
-              <a:shade val="50000"/>
-            </a:schemeClr>
-          </a:lnRef>
-          <a:fillRef idx="1">
-            <a:schemeClr val="accent1"/>
-          </a:fillRef>
-          <a:effectRef idx="0">
-            <a:schemeClr val="accent1"/>
-          </a:effectRef>
-          <a:fontRef idx="minor">
-            <a:schemeClr val="lt1"/>
-          </a:fontRef>
-        </p:style>
-        <p:txBody>
-          <a:bodyPr rtlCol="0" anchor="ctr"/>
-          <a:lstStyle/>
-          <a:p>
-            <a:pPr algn="ctr"/>
-            <a:endParaRPr lang="en-US"/>
-          </a:p>
-        </p:txBody>
-      </p:sp>
-      <p:sp>
-        <p:nvSpPr>
-          <p:cNvPr id="94" name="TextBox 93"/>
-          <p:cNvSpPr txBox="1"/>
-          <p:nvPr/>
-        </p:nvSpPr>
-        <p:spPr>
-          <a:xfrm>
-            <a:off x="2115453" y="16444421"/>
-            <a:ext cx="1855519" cy="523220"/>
-          </a:xfrm>
-          <a:prstGeom prst="rect">
-            <a:avLst/>
-          </a:prstGeom>
-          <a:noFill/>
-        </p:spPr>
-        <p:txBody>
-          <a:bodyPr wrap="square" rtlCol="0">
-            <a:spAutoFit/>
-          </a:bodyPr>
-          <a:lstStyle/>
-          <a:p>
-            <a:r>
-              <a:rPr lang="en-US" sz="2800" dirty="0" smtClean="0"/>
-              <a:t>Streams</a:t>
-            </a:r>
-            <a:endParaRPr lang="en-US" sz="2800" dirty="0"/>
-          </a:p>
-        </p:txBody>
-      </p:sp>
-      <p:sp>
-        <p:nvSpPr>
-          <p:cNvPr id="95" name="Rectangle 94"/>
-          <p:cNvSpPr/>
-          <p:nvPr/>
-        </p:nvSpPr>
-        <p:spPr>
-          <a:xfrm>
-            <a:off x="1766204" y="16531732"/>
-            <a:ext cx="365760" cy="365760"/>
-          </a:xfrm>
-          <a:prstGeom prst="rect">
-            <a:avLst/>
-          </a:prstGeom>
-          <a:solidFill>
-            <a:srgbClr val="AC66D8"/>
-          </a:solidFill>
-          <a:ln>
-            <a:solidFill>
-              <a:schemeClr val="bg1"/>
-            </a:solidFill>
-          </a:ln>
-        </p:spPr>
-        <p:style>
-          <a:lnRef idx="2">
-            <a:schemeClr val="accent1">
-              <a:shade val="50000"/>
-            </a:schemeClr>
-          </a:lnRef>
-          <a:fillRef idx="1">
-            <a:schemeClr val="accent1"/>
-          </a:fillRef>
-          <a:effectRef idx="0">
-            <a:schemeClr val="accent1"/>
-          </a:effectRef>
-          <a:fontRef idx="minor">
-            <a:schemeClr val="lt1"/>
-          </a:fontRef>
-        </p:style>
-        <p:txBody>
-          <a:bodyPr rtlCol="0" anchor="ctr"/>
-          <a:lstStyle/>
-          <a:p>
-            <a:pPr algn="ctr"/>
-            <a:endParaRPr lang="en-US"/>
-          </a:p>
-        </p:txBody>
-      </p:sp>
-      <p:sp>
-        <p:nvSpPr>
-          <p:cNvPr id="96" name="TextBox 95"/>
-          <p:cNvSpPr txBox="1"/>
-          <p:nvPr/>
-        </p:nvSpPr>
-        <p:spPr>
-          <a:xfrm>
-            <a:off x="1846679" y="30545141"/>
-            <a:ext cx="1855519" cy="523220"/>
-          </a:xfrm>
-          <a:prstGeom prst="rect">
-            <a:avLst/>
-          </a:prstGeom>
-          <a:noFill/>
-        </p:spPr>
-        <p:txBody>
-          <a:bodyPr wrap="square" rtlCol="0">
-            <a:spAutoFit/>
-          </a:bodyPr>
-          <a:lstStyle/>
-          <a:p>
-            <a:r>
-              <a:rPr lang="en-US" sz="2800" dirty="0" smtClean="0"/>
               <a:t>Direct URL</a:t>
             </a:r>
             <a:endParaRPr lang="en-US" sz="2800" dirty="0"/>
@@ -15409,7 +15751,7 @@
         </p:nvSpPr>
         <p:spPr>
           <a:xfrm>
-            <a:off x="1510130" y="30632452"/>
+            <a:off x="1617707" y="40947891"/>
             <a:ext cx="365760" cy="365760"/>
           </a:xfrm>
           <a:prstGeom prst="rect">
@@ -15457,7 +15799,7 @@
         </p:nvSpPr>
         <p:spPr>
           <a:xfrm>
-            <a:off x="1856884" y="29965304"/>
+            <a:off x="1964461" y="40280743"/>
             <a:ext cx="3684591" cy="523220"/>
           </a:xfrm>
           <a:prstGeom prst="rect">
@@ -15487,14 +15829,14 @@
         </p:nvSpPr>
         <p:spPr>
           <a:xfrm>
-            <a:off x="1506191" y="30045359"/>
+            <a:off x="1613768" y="40360798"/>
             <a:ext cx="365760" cy="365760"/>
           </a:xfrm>
           <a:prstGeom prst="rect">
             <a:avLst/>
           </a:prstGeom>
           <a:solidFill>
-            <a:srgbClr val="A15265"/>
+            <a:srgbClr val="A27082"/>
           </a:solidFill>
           <a:ln>
             <a:solidFill>
@@ -15535,7 +15877,7 @@
         </p:nvSpPr>
         <p:spPr>
           <a:xfrm>
-            <a:off x="5890322" y="29957946"/>
+            <a:off x="5997899" y="40273385"/>
             <a:ext cx="1855519" cy="523220"/>
           </a:xfrm>
           <a:prstGeom prst="rect">
@@ -15565,7 +15907,7 @@
         </p:nvSpPr>
         <p:spPr>
           <a:xfrm>
-            <a:off x="5543486" y="30045257"/>
+            <a:off x="5651063" y="40360696"/>
             <a:ext cx="365760" cy="365760"/>
           </a:xfrm>
           <a:prstGeom prst="rect">
@@ -15613,7 +15955,7 @@
         </p:nvSpPr>
         <p:spPr>
           <a:xfrm>
-            <a:off x="5882702" y="30547356"/>
+            <a:off x="5990279" y="40862795"/>
             <a:ext cx="1855519" cy="523220"/>
           </a:xfrm>
           <a:prstGeom prst="rect">
@@ -15643,7 +15985,7 @@
         </p:nvSpPr>
         <p:spPr>
           <a:xfrm>
-            <a:off x="5547741" y="30634667"/>
+            <a:off x="5655318" y="40950106"/>
             <a:ext cx="365760" cy="365760"/>
           </a:xfrm>
           <a:prstGeom prst="rect">
@@ -15691,8 +16033,8 @@
         </p:nvSpPr>
         <p:spPr>
           <a:xfrm>
-            <a:off x="9190038" y="31516320"/>
-            <a:ext cx="20092027" cy="7772400"/>
+            <a:off x="9190038" y="29667200"/>
+            <a:ext cx="20092027" cy="9621520"/>
           </a:xfrm>
           <a:prstGeom prst="rect">
             <a:avLst/>
@@ -15738,8 +16080,8 @@
         </p:nvSpPr>
         <p:spPr>
           <a:xfrm>
-            <a:off x="9205278" y="39776400"/>
-            <a:ext cx="20092027" cy="2233613"/>
+            <a:off x="9205278" y="39776401"/>
+            <a:ext cx="20092027" cy="2072639"/>
           </a:xfrm>
           <a:prstGeom prst="rect">
             <a:avLst/>
@@ -15779,62 +16121,14 @@
       </p:sp>
       <p:sp>
         <p:nvSpPr>
-          <p:cNvPr id="107" name="Rectangle 106"/>
-          <p:cNvSpPr/>
-          <p:nvPr/>
-        </p:nvSpPr>
-        <p:spPr>
-          <a:xfrm rot="5400000">
-            <a:off x="19513613" y="28985806"/>
-            <a:ext cx="457201" cy="21104352"/>
-          </a:xfrm>
-          <a:prstGeom prst="rect">
-            <a:avLst/>
-          </a:prstGeom>
-          <a:solidFill>
-            <a:srgbClr val="1C2939"/>
-          </a:solidFill>
-          <a:ln>
-            <a:noFill/>
-          </a:ln>
-          <a:effectLst/>
-        </p:spPr>
-        <p:style>
-          <a:lnRef idx="1">
-            <a:schemeClr val="accent1"/>
-          </a:lnRef>
-          <a:fillRef idx="3">
-            <a:schemeClr val="accent1"/>
-          </a:fillRef>
-          <a:effectRef idx="2">
-            <a:schemeClr val="accent1"/>
-          </a:effectRef>
-          <a:fontRef idx="minor">
-            <a:schemeClr val="lt1"/>
-          </a:fontRef>
-        </p:style>
-        <p:txBody>
-          <a:bodyPr lIns="329104" tIns="164551" rIns="329104" bIns="164551" rtlCol="0" anchor="ctr"/>
-          <a:lstStyle/>
-          <a:p>
-            <a:pPr algn="ctr"/>
-            <a:endParaRPr lang="en-US">
-              <a:latin typeface="Helvetica"/>
-              <a:cs typeface="Helvetica"/>
-            </a:endParaRPr>
-          </a:p>
-        </p:txBody>
-      </p:sp>
-      <p:sp>
-        <p:nvSpPr>
           <p:cNvPr id="112" name="Rectangle 111"/>
           <p:cNvSpPr/>
           <p:nvPr/>
         </p:nvSpPr>
         <p:spPr>
           <a:xfrm>
-            <a:off x="9205278" y="18890513"/>
-            <a:ext cx="20092027" cy="12153367"/>
+            <a:off x="9205278" y="17091234"/>
+            <a:ext cx="20092027" cy="12063240"/>
           </a:xfrm>
           <a:prstGeom prst="rect">
             <a:avLst/>
@@ -15880,7 +16174,7 @@
         </p:nvSpPr>
         <p:spPr>
           <a:xfrm>
-            <a:off x="9217152" y="31502033"/>
+            <a:off x="9196832" y="29698633"/>
             <a:ext cx="20089368" cy="858614"/>
           </a:xfrm>
           <a:prstGeom prst="rect">
@@ -15888,9 +16182,7 @@
           </a:prstGeom>
           <a:noFill/>
           <a:ln w="28575" cmpd="sng">
-            <a:solidFill>
-              <a:schemeClr val="tx1"/>
-            </a:solidFill>
+            <a:noFill/>
           </a:ln>
         </p:spPr>
         <p:txBody>
@@ -15920,54 +16212,6 @@
               </a:solidFill>
               <a:latin typeface="Gotham Medium"/>
               <a:cs typeface="Gotham Medium"/>
-            </a:endParaRPr>
-          </a:p>
-        </p:txBody>
-      </p:sp>
-      <p:sp>
-        <p:nvSpPr>
-          <p:cNvPr id="114" name="Rectangle 113"/>
-          <p:cNvSpPr/>
-          <p:nvPr/>
-        </p:nvSpPr>
-        <p:spPr>
-          <a:xfrm rot="5400000">
-            <a:off x="19486498" y="20771447"/>
-            <a:ext cx="457201" cy="21104352"/>
-          </a:xfrm>
-          <a:prstGeom prst="rect">
-            <a:avLst/>
-          </a:prstGeom>
-          <a:solidFill>
-            <a:srgbClr val="1C2939"/>
-          </a:solidFill>
-          <a:ln>
-            <a:noFill/>
-          </a:ln>
-          <a:effectLst/>
-        </p:spPr>
-        <p:style>
-          <a:lnRef idx="1">
-            <a:schemeClr val="accent1"/>
-          </a:lnRef>
-          <a:fillRef idx="3">
-            <a:schemeClr val="accent1"/>
-          </a:fillRef>
-          <a:effectRef idx="2">
-            <a:schemeClr val="accent1"/>
-          </a:effectRef>
-          <a:fontRef idx="minor">
-            <a:schemeClr val="lt1"/>
-          </a:fontRef>
-        </p:style>
-        <p:txBody>
-          <a:bodyPr lIns="329104" tIns="164551" rIns="329104" bIns="164551" rtlCol="0" anchor="ctr"/>
-          <a:lstStyle/>
-          <a:p>
-            <a:pPr algn="ctr"/>
-            <a:endParaRPr lang="en-US">
-              <a:latin typeface="Helvetica"/>
-              <a:cs typeface="Helvetica"/>
             </a:endParaRPr>
           </a:p>
         </p:txBody>
@@ -16072,6 +16316,429 @@
           </a:p>
         </p:txBody>
       </p:sp>
+      <p:sp>
+        <p:nvSpPr>
+          <p:cNvPr id="116" name="TextBox 115"/>
+          <p:cNvSpPr txBox="1"/>
+          <p:nvPr/>
+        </p:nvSpPr>
+        <p:spPr>
+          <a:xfrm>
+            <a:off x="9465716" y="36453934"/>
+            <a:ext cx="9577396" cy="2208214"/>
+          </a:xfrm>
+          <a:prstGeom prst="rect">
+            <a:avLst/>
+          </a:prstGeom>
+          <a:noFill/>
+          <a:ln w="38100" cmpd="sng">
+            <a:solidFill>
+              <a:srgbClr val="998FB8"/>
+            </a:solidFill>
+            <a:prstDash val="sysDash"/>
+          </a:ln>
+        </p:spPr>
+        <p:txBody>
+          <a:bodyPr wrap="square" lIns="329104" tIns="164551" rIns="329104" bIns="164551" rtlCol="0">
+            <a:spAutoFit/>
+          </a:bodyPr>
+          <a:lstStyle/>
+          <a:p>
+            <a:pPr algn="just">
+              <a:lnSpc>
+                <a:spcPct val="30000"/>
+              </a:lnSpc>
+            </a:pPr>
+            <a:endParaRPr lang="en-US" sz="2300" dirty="0" smtClean="0">
+              <a:latin typeface="Helvetica" charset="0"/>
+              <a:ea typeface="Helvetica" charset="0"/>
+              <a:cs typeface="Helvetica" charset="0"/>
+            </a:endParaRPr>
+          </a:p>
+          <a:p>
+            <a:r>
+              <a:rPr lang="en-US" sz="2300" dirty="0">
+                <a:latin typeface="Helvetica" charset="0"/>
+                <a:ea typeface="Helvetica" charset="0"/>
+                <a:cs typeface="Helvetica" charset="0"/>
+              </a:rPr>
+              <a:t>Measuring impact accurately is a difficult task, as is being able to confidently defend how measurements are recorded. Although there is important statistical value in recording automated bot traffic, measuring and reporting genuine use can improve our ability to communicate the true value of repository content</a:t>
+            </a:r>
+            <a:r>
+              <a:rPr lang="en-US" sz="2300" dirty="0" smtClean="0">
+                <a:latin typeface="Helvetica" charset="0"/>
+                <a:ea typeface="Helvetica" charset="0"/>
+                <a:cs typeface="Helvetica" charset="0"/>
+              </a:rPr>
+              <a:t>.</a:t>
+            </a:r>
+          </a:p>
+        </p:txBody>
+      </p:sp>
+      <p:graphicFrame>
+        <p:nvGraphicFramePr>
+          <p:cNvPr id="118" name="Chart 117"/>
+          <p:cNvGraphicFramePr/>
+          <p:nvPr>
+            <p:extLst>
+              <p:ext uri="{D42A27DB-BD31-4B8C-83A1-F6EECF244321}">
+                <p14:modId xmlns:p14="http://schemas.microsoft.com/office/powerpoint/2010/main" val="403013862"/>
+              </p:ext>
+            </p:extLst>
+          </p:nvPr>
+        </p:nvGraphicFramePr>
+        <p:xfrm>
+          <a:off x="1506590" y="14716846"/>
+          <a:ext cx="6908696" cy="7075938"/>
+        </p:xfrm>
+        <a:graphic>
+          <a:graphicData uri="http://schemas.openxmlformats.org/drawingml/2006/chart">
+            <c:chart xmlns:c="http://schemas.openxmlformats.org/drawingml/2006/chart" xmlns:r="http://schemas.openxmlformats.org/officeDocument/2006/relationships" r:id="rId11"/>
+          </a:graphicData>
+        </a:graphic>
+      </p:graphicFrame>
+      <p:sp>
+        <p:nvSpPr>
+          <p:cNvPr id="124" name="TextBox 123"/>
+          <p:cNvSpPr txBox="1"/>
+          <p:nvPr/>
+        </p:nvSpPr>
+        <p:spPr>
+          <a:xfrm>
+            <a:off x="6058939" y="22349753"/>
+            <a:ext cx="1855519" cy="523220"/>
+          </a:xfrm>
+          <a:prstGeom prst="rect">
+            <a:avLst/>
+          </a:prstGeom>
+          <a:noFill/>
+        </p:spPr>
+        <p:txBody>
+          <a:bodyPr wrap="square" rtlCol="0">
+            <a:spAutoFit/>
+          </a:bodyPr>
+          <a:lstStyle/>
+          <a:p>
+            <a:r>
+              <a:rPr lang="en-US" sz="2800" dirty="0" smtClean="0"/>
+              <a:t>Publication</a:t>
+            </a:r>
+            <a:endParaRPr lang="en-US" sz="2800" dirty="0"/>
+          </a:p>
+        </p:txBody>
+      </p:sp>
+      <p:sp>
+        <p:nvSpPr>
+          <p:cNvPr id="125" name="Rectangle 124"/>
+          <p:cNvSpPr/>
+          <p:nvPr/>
+        </p:nvSpPr>
+        <p:spPr>
+          <a:xfrm>
+            <a:off x="5709690" y="22437064"/>
+            <a:ext cx="365760" cy="345866"/>
+          </a:xfrm>
+          <a:prstGeom prst="rect">
+            <a:avLst/>
+          </a:prstGeom>
+          <a:solidFill>
+            <a:srgbClr val="B5A59E"/>
+          </a:solidFill>
+          <a:ln>
+            <a:solidFill>
+              <a:schemeClr val="bg1"/>
+            </a:solidFill>
+          </a:ln>
+        </p:spPr>
+        <p:style>
+          <a:lnRef idx="2">
+            <a:schemeClr val="accent1">
+              <a:shade val="50000"/>
+            </a:schemeClr>
+          </a:lnRef>
+          <a:fillRef idx="1">
+            <a:schemeClr val="accent1"/>
+          </a:fillRef>
+          <a:effectRef idx="0">
+            <a:schemeClr val="accent1"/>
+          </a:effectRef>
+          <a:fontRef idx="minor">
+            <a:schemeClr val="lt1"/>
+          </a:fontRef>
+        </p:style>
+        <p:txBody>
+          <a:bodyPr rtlCol="0" anchor="ctr"/>
+          <a:lstStyle/>
+          <a:p>
+            <a:pPr algn="ctr"/>
+            <a:endParaRPr lang="en-US"/>
+          </a:p>
+        </p:txBody>
+      </p:sp>
+      <p:sp>
+        <p:nvSpPr>
+          <p:cNvPr id="126" name="TextBox 125"/>
+          <p:cNvSpPr txBox="1"/>
+          <p:nvPr/>
+        </p:nvSpPr>
+        <p:spPr>
+          <a:xfrm>
+            <a:off x="1725716" y="22946305"/>
+            <a:ext cx="3256386" cy="523220"/>
+          </a:xfrm>
+          <a:prstGeom prst="rect">
+            <a:avLst/>
+          </a:prstGeom>
+          <a:noFill/>
+        </p:spPr>
+        <p:txBody>
+          <a:bodyPr wrap="square" rtlCol="0">
+            <a:spAutoFit/>
+          </a:bodyPr>
+          <a:lstStyle/>
+          <a:p>
+            <a:r>
+              <a:rPr lang="en-US" sz="2800" dirty="0" smtClean="0"/>
+              <a:t>Newspaper Issue</a:t>
+            </a:r>
+            <a:endParaRPr lang="en-US" sz="2800" dirty="0"/>
+          </a:p>
+        </p:txBody>
+      </p:sp>
+      <p:sp>
+        <p:nvSpPr>
+          <p:cNvPr id="127" name="Rectangle 126"/>
+          <p:cNvSpPr/>
+          <p:nvPr/>
+        </p:nvSpPr>
+        <p:spPr>
+          <a:xfrm>
+            <a:off x="1376467" y="23033616"/>
+            <a:ext cx="365760" cy="365760"/>
+          </a:xfrm>
+          <a:prstGeom prst="rect">
+            <a:avLst/>
+          </a:prstGeom>
+          <a:solidFill>
+            <a:srgbClr val="8FA7AD"/>
+          </a:solidFill>
+          <a:ln>
+            <a:solidFill>
+              <a:schemeClr val="bg1"/>
+            </a:solidFill>
+          </a:ln>
+        </p:spPr>
+        <p:style>
+          <a:lnRef idx="2">
+            <a:schemeClr val="accent1">
+              <a:shade val="50000"/>
+            </a:schemeClr>
+          </a:lnRef>
+          <a:fillRef idx="1">
+            <a:schemeClr val="accent1"/>
+          </a:fillRef>
+          <a:effectRef idx="0">
+            <a:schemeClr val="accent1"/>
+          </a:effectRef>
+          <a:fontRef idx="minor">
+            <a:schemeClr val="lt1"/>
+          </a:fontRef>
+        </p:style>
+        <p:txBody>
+          <a:bodyPr rtlCol="0" anchor="ctr"/>
+          <a:lstStyle/>
+          <a:p>
+            <a:pPr algn="ctr"/>
+            <a:endParaRPr lang="en-US"/>
+          </a:p>
+        </p:txBody>
+      </p:sp>
+      <p:sp>
+        <p:nvSpPr>
+          <p:cNvPr id="128" name="TextBox 127"/>
+          <p:cNvSpPr txBox="1"/>
+          <p:nvPr/>
+        </p:nvSpPr>
+        <p:spPr>
+          <a:xfrm>
+            <a:off x="6061941" y="22908205"/>
+            <a:ext cx="1855519" cy="523220"/>
+          </a:xfrm>
+          <a:prstGeom prst="rect">
+            <a:avLst/>
+          </a:prstGeom>
+          <a:noFill/>
+        </p:spPr>
+        <p:txBody>
+          <a:bodyPr wrap="square" rtlCol="0">
+            <a:spAutoFit/>
+          </a:bodyPr>
+          <a:lstStyle/>
+          <a:p>
+            <a:r>
+              <a:rPr lang="en-US" sz="2800" dirty="0" smtClean="0"/>
+              <a:t>Report</a:t>
+            </a:r>
+            <a:endParaRPr lang="en-US" sz="2800" dirty="0"/>
+          </a:p>
+        </p:txBody>
+      </p:sp>
+      <p:sp>
+        <p:nvSpPr>
+          <p:cNvPr id="129" name="Rectangle 128"/>
+          <p:cNvSpPr/>
+          <p:nvPr/>
+        </p:nvSpPr>
+        <p:spPr>
+          <a:xfrm>
+            <a:off x="5712692" y="22995516"/>
+            <a:ext cx="365760" cy="365760"/>
+          </a:xfrm>
+          <a:prstGeom prst="rect">
+            <a:avLst/>
+          </a:prstGeom>
+          <a:solidFill>
+            <a:srgbClr val="A8ACC4"/>
+          </a:solidFill>
+          <a:ln>
+            <a:solidFill>
+              <a:schemeClr val="bg1"/>
+            </a:solidFill>
+          </a:ln>
+        </p:spPr>
+        <p:style>
+          <a:lnRef idx="2">
+            <a:schemeClr val="accent1">
+              <a:shade val="50000"/>
+            </a:schemeClr>
+          </a:lnRef>
+          <a:fillRef idx="1">
+            <a:schemeClr val="accent1"/>
+          </a:fillRef>
+          <a:effectRef idx="0">
+            <a:schemeClr val="accent1"/>
+          </a:effectRef>
+          <a:fontRef idx="minor">
+            <a:schemeClr val="lt1"/>
+          </a:fontRef>
+        </p:style>
+        <p:txBody>
+          <a:bodyPr rtlCol="0" anchor="ctr"/>
+          <a:lstStyle/>
+          <a:p>
+            <a:pPr algn="ctr"/>
+            <a:endParaRPr lang="en-US"/>
+          </a:p>
+        </p:txBody>
+      </p:sp>
+      <p:cxnSp>
+        <p:nvCxnSpPr>
+          <p:cNvPr id="15" name="Straight Connector 14"/>
+          <p:cNvCxnSpPr/>
+          <p:nvPr/>
+        </p:nvCxnSpPr>
+        <p:spPr>
+          <a:xfrm>
+            <a:off x="2106201" y="13252521"/>
+            <a:ext cx="5486400" cy="4640"/>
+          </a:xfrm>
+          <a:prstGeom prst="line">
+            <a:avLst/>
+          </a:prstGeom>
+          <a:ln w="38100">
+            <a:solidFill>
+              <a:srgbClr val="998FB8"/>
+            </a:solidFill>
+            <a:prstDash val="sysDash"/>
+          </a:ln>
+        </p:spPr>
+        <p:style>
+          <a:lnRef idx="1">
+            <a:schemeClr val="accent1"/>
+          </a:lnRef>
+          <a:fillRef idx="0">
+            <a:schemeClr val="accent1"/>
+          </a:fillRef>
+          <a:effectRef idx="0">
+            <a:schemeClr val="accent1"/>
+          </a:effectRef>
+          <a:fontRef idx="minor">
+            <a:schemeClr val="tx1"/>
+          </a:fontRef>
+        </p:style>
+      </p:cxnSp>
+      <p:cxnSp>
+        <p:nvCxnSpPr>
+          <p:cNvPr id="137" name="Straight Connector 136"/>
+          <p:cNvCxnSpPr/>
+          <p:nvPr/>
+        </p:nvCxnSpPr>
+        <p:spPr>
+          <a:xfrm>
+            <a:off x="2141538" y="23824834"/>
+            <a:ext cx="5486400" cy="4640"/>
+          </a:xfrm>
+          <a:prstGeom prst="line">
+            <a:avLst/>
+          </a:prstGeom>
+          <a:ln w="38100">
+            <a:solidFill>
+              <a:srgbClr val="998FB8"/>
+            </a:solidFill>
+            <a:prstDash val="sysDash"/>
+          </a:ln>
+        </p:spPr>
+        <p:style>
+          <a:lnRef idx="1">
+            <a:schemeClr val="accent1"/>
+          </a:lnRef>
+          <a:fillRef idx="0">
+            <a:schemeClr val="accent1"/>
+          </a:fillRef>
+          <a:effectRef idx="0">
+            <a:schemeClr val="accent1"/>
+          </a:effectRef>
+          <a:fontRef idx="minor">
+            <a:schemeClr val="tx1"/>
+          </a:fontRef>
+        </p:style>
+      </p:cxnSp>
+      <p:cxnSp>
+        <p:nvCxnSpPr>
+          <p:cNvPr id="138" name="Straight Connector 137"/>
+          <p:cNvCxnSpPr/>
+          <p:nvPr/>
+        </p:nvCxnSpPr>
+        <p:spPr>
+          <a:xfrm>
+            <a:off x="2141538" y="31749634"/>
+            <a:ext cx="5486400" cy="4640"/>
+          </a:xfrm>
+          <a:prstGeom prst="line">
+            <a:avLst/>
+          </a:prstGeom>
+          <a:ln w="38100">
+            <a:solidFill>
+              <a:srgbClr val="998FB8"/>
+            </a:solidFill>
+            <a:prstDash val="sysDash"/>
+          </a:ln>
+        </p:spPr>
+        <p:style>
+          <a:lnRef idx="1">
+            <a:schemeClr val="accent1"/>
+          </a:lnRef>
+          <a:fillRef idx="0">
+            <a:schemeClr val="accent1"/>
+          </a:fillRef>
+          <a:effectRef idx="0">
+            <a:schemeClr val="accent1"/>
+          </a:effectRef>
+          <a:fontRef idx="minor">
+            <a:schemeClr val="tx1"/>
+          </a:fontRef>
+        </p:style>
+      </p:cxnSp>
     </p:spTree>
     <p:extLst>
       <p:ext uri="{BB962C8B-B14F-4D97-AF65-F5344CB8AC3E}">
@@ -16403,20 +17070,10 @@
                 <a:latin typeface="Gotham Medium"/>
                 <a:cs typeface="Gotham Medium"/>
               </a:rPr>
-              <a:t>Sarah Sweeney  </a:t>
-            </a:r>
-            <a:r>
-              <a:rPr lang="en-US" sz="3600" dirty="0" err="1" smtClean="0">
-                <a:solidFill>
-                  <a:srgbClr val="2C3E50"/>
-                </a:solidFill>
-                <a:latin typeface="Gotham Medium"/>
-                <a:cs typeface="Gotham Medium"/>
-              </a:rPr>
-              <a:t>sj.sweeney</a:t>
-            </a:r>
-            <a:r>
-              <a:rPr lang="en-US" sz="3600" dirty="0" err="1">
+              <a:t>Sarah Sweeney  sj.sweeney</a:t>
+            </a:r>
+            <a:r>
+              <a:rPr lang="en-US" sz="3600" dirty="0">
                 <a:solidFill>
                   <a:srgbClr val="2C3E50"/>
                 </a:solidFill>
@@ -16426,16 +17083,6 @@
               <a:t>@</a:t>
             </a:r>
             <a:r>
-              <a:rPr lang="en-US" sz="3600" dirty="0" err="1" smtClean="0">
-                <a:solidFill>
-                  <a:srgbClr val="2C3E50"/>
-                </a:solidFill>
-                <a:latin typeface="Gotham Medium"/>
-                <a:cs typeface="Gotham Medium"/>
-              </a:rPr>
-              <a:t>neu.edu</a:t>
-            </a:r>
-            <a:r>
               <a:rPr lang="en-US" sz="3600" dirty="0" smtClean="0">
                 <a:solidFill>
                   <a:srgbClr val="2C3E50"/>
@@ -16443,7 +17090,7 @@
                 <a:latin typeface="Gotham Medium"/>
                 <a:cs typeface="Gotham Medium"/>
               </a:rPr>
-              <a:t>  </a:t>
+              <a:t>neu.edu  </a:t>
             </a:r>
           </a:p>
           <a:p>

--- a/Presentations/Open Repositories 2016/Statistics/SweeneySarahORstatistics33x46.pptx
+++ b/Presentations/Open Repositories 2016/Statistics/SweeneySarahORstatistics33x46.pptx
@@ -116,7 +116,7 @@
             <a:srgbClr val="A4A3A4"/>
           </p15:clr>
         </p15:guide>
-        <p15:guide id="2" pos="3005" userDrawn="1">
+        <p15:guide id="2" pos="9533" userDrawn="1">
           <p15:clr>
             <a:srgbClr val="A4A3A4"/>
           </p15:clr>
@@ -5314,7 +5314,7 @@
           <a:p>
             <a:fld id="{7F7A6B22-0AC0-E647-B4AB-610E8EE21CF0}" type="datetimeFigureOut">
               <a:rPr lang="en-US" smtClean="0"/>
-              <a:t>5/30/16</a:t>
+              <a:t>5/31/16</a:t>
             </a:fld>
             <a:endParaRPr lang="en-US"/>
           </a:p>
@@ -5797,7 +5797,7 @@
           <a:p>
             <a:fld id="{180E51A3-104B-B744-9E20-3025749670C7}" type="datetimeFigureOut">
               <a:rPr lang="en-US" smtClean="0"/>
-              <a:t>5/30/16</a:t>
+              <a:t>5/31/16</a:t>
             </a:fld>
             <a:endParaRPr lang="en-US"/>
           </a:p>
@@ -5967,7 +5967,7 @@
           <a:p>
             <a:fld id="{180E51A3-104B-B744-9E20-3025749670C7}" type="datetimeFigureOut">
               <a:rPr lang="en-US" smtClean="0"/>
-              <a:t>5/30/16</a:t>
+              <a:t>5/31/16</a:t>
             </a:fld>
             <a:endParaRPr lang="en-US"/>
           </a:p>
@@ -6147,7 +6147,7 @@
           <a:p>
             <a:fld id="{180E51A3-104B-B744-9E20-3025749670C7}" type="datetimeFigureOut">
               <a:rPr lang="en-US" smtClean="0"/>
-              <a:t>5/30/16</a:t>
+              <a:t>5/31/16</a:t>
             </a:fld>
             <a:endParaRPr lang="en-US"/>
           </a:p>
@@ -6317,7 +6317,7 @@
           <a:p>
             <a:fld id="{180E51A3-104B-B744-9E20-3025749670C7}" type="datetimeFigureOut">
               <a:rPr lang="en-US" smtClean="0"/>
-              <a:t>5/30/16</a:t>
+              <a:t>5/31/16</a:t>
             </a:fld>
             <a:endParaRPr lang="en-US"/>
           </a:p>
@@ -6561,7 +6561,7 @@
           <a:p>
             <a:fld id="{180E51A3-104B-B744-9E20-3025749670C7}" type="datetimeFigureOut">
               <a:rPr lang="en-US" smtClean="0"/>
-              <a:t>5/30/16</a:t>
+              <a:t>5/31/16</a:t>
             </a:fld>
             <a:endParaRPr lang="en-US"/>
           </a:p>
@@ -6793,7 +6793,7 @@
           <a:p>
             <a:fld id="{180E51A3-104B-B744-9E20-3025749670C7}" type="datetimeFigureOut">
               <a:rPr lang="en-US" smtClean="0"/>
-              <a:t>5/30/16</a:t>
+              <a:t>5/31/16</a:t>
             </a:fld>
             <a:endParaRPr lang="en-US"/>
           </a:p>
@@ -7160,7 +7160,7 @@
           <a:p>
             <a:fld id="{180E51A3-104B-B744-9E20-3025749670C7}" type="datetimeFigureOut">
               <a:rPr lang="en-US" smtClean="0"/>
-              <a:t>5/30/16</a:t>
+              <a:t>5/31/16</a:t>
             </a:fld>
             <a:endParaRPr lang="en-US"/>
           </a:p>
@@ -7278,7 +7278,7 @@
           <a:p>
             <a:fld id="{180E51A3-104B-B744-9E20-3025749670C7}" type="datetimeFigureOut">
               <a:rPr lang="en-US" smtClean="0"/>
-              <a:t>5/30/16</a:t>
+              <a:t>5/31/16</a:t>
             </a:fld>
             <a:endParaRPr lang="en-US"/>
           </a:p>
@@ -7373,7 +7373,7 @@
           <a:p>
             <a:fld id="{180E51A3-104B-B744-9E20-3025749670C7}" type="datetimeFigureOut">
               <a:rPr lang="en-US" smtClean="0"/>
-              <a:t>5/30/16</a:t>
+              <a:t>5/31/16</a:t>
             </a:fld>
             <a:endParaRPr lang="en-US"/>
           </a:p>
@@ -7650,7 +7650,7 @@
           <a:p>
             <a:fld id="{180E51A3-104B-B744-9E20-3025749670C7}" type="datetimeFigureOut">
               <a:rPr lang="en-US" smtClean="0"/>
-              <a:t>5/30/16</a:t>
+              <a:t>5/31/16</a:t>
             </a:fld>
             <a:endParaRPr lang="en-US"/>
           </a:p>
@@ -7907,7 +7907,7 @@
           <a:p>
             <a:fld id="{180E51A3-104B-B744-9E20-3025749670C7}" type="datetimeFigureOut">
               <a:rPr lang="en-US" smtClean="0"/>
-              <a:t>5/30/16</a:t>
+              <a:t>5/31/16</a:t>
             </a:fld>
             <a:endParaRPr lang="en-US"/>
           </a:p>
@@ -8120,7 +8120,7 @@
           <a:p>
             <a:fld id="{180E51A3-104B-B744-9E20-3025749670C7}" type="datetimeFigureOut">
               <a:rPr lang="en-US" smtClean="0"/>
-              <a:t>5/30/16</a:t>
+              <a:t>5/31/16</a:t>
             </a:fld>
             <a:endParaRPr lang="en-US"/>
           </a:p>
@@ -8639,8 +8639,8 @@
         </p:nvSpPr>
         <p:spPr>
           <a:xfrm>
-            <a:off x="7950682" y="3378583"/>
-            <a:ext cx="14374784" cy="1163313"/>
+            <a:off x="5989879" y="4089782"/>
+            <a:ext cx="18338318" cy="1163313"/>
           </a:xfrm>
           <a:prstGeom prst="rect">
             <a:avLst/>
@@ -8662,17 +8662,41 @@
                 <a:solidFill>
                   <a:srgbClr val="2C3E50"/>
                 </a:solidFill>
-                <a:latin typeface="Gotham Bold"/>
-                <a:cs typeface="Gotham Bold"/>
+                <a:latin typeface="Gotham Book" charset="0"/>
+                <a:ea typeface="Gotham Book" charset="0"/>
+                <a:cs typeface="Gotham Book" charset="0"/>
               </a:rPr>
-              <a:t>Sarah Sweeney sj.sweeney@neu.edu</a:t>
+              <a:t>Northeastern </a:t>
+            </a:r>
+            <a:r>
+              <a:rPr lang="en-US" sz="5400" dirty="0">
+                <a:solidFill>
+                  <a:srgbClr val="2C3E50"/>
+                </a:solidFill>
+                <a:latin typeface="Gotham Book" charset="0"/>
+                <a:ea typeface="Gotham Book" charset="0"/>
+                <a:cs typeface="Gotham Book" charset="0"/>
+              </a:rPr>
+              <a:t>University </a:t>
+            </a:r>
+            <a:r>
+              <a:rPr lang="en-US" sz="5400" dirty="0" smtClean="0">
+                <a:solidFill>
+                  <a:srgbClr val="2C3E50"/>
+                </a:solidFill>
+                <a:latin typeface="Gotham Book" charset="0"/>
+                <a:ea typeface="Gotham Book" charset="0"/>
+                <a:cs typeface="Gotham Book" charset="0"/>
+              </a:rPr>
+              <a:t>Libraries</a:t>
             </a:r>
             <a:endParaRPr lang="en-US" sz="5400" dirty="0">
               <a:solidFill>
                 <a:srgbClr val="2C3E50"/>
               </a:solidFill>
-              <a:latin typeface="Gotham Bold"/>
-              <a:cs typeface="Gotham Bold"/>
+              <a:latin typeface="Gotham Book" charset="0"/>
+              <a:ea typeface="Gotham Book" charset="0"/>
+              <a:cs typeface="Gotham Book" charset="0"/>
             </a:endParaRPr>
           </a:p>
         </p:txBody>
@@ -8685,8 +8709,8 @@
         </p:nvSpPr>
         <p:spPr>
           <a:xfrm>
-            <a:off x="6841439" y="4357992"/>
-            <a:ext cx="16593270" cy="1440312"/>
+            <a:off x="6862403" y="4888991"/>
+            <a:ext cx="16593270" cy="886314"/>
           </a:xfrm>
           <a:prstGeom prst="rect">
             <a:avLst/>
@@ -8704,29 +8728,9 @@
           <a:p>
             <a:pPr algn="ctr"/>
             <a:r>
-              <a:rPr lang="en-US" sz="3600" dirty="0" smtClean="0">
+              <a:rPr lang="en-US" sz="3600" dirty="0" err="1" smtClean="0">
                 <a:solidFill>
-                  <a:srgbClr val="2C3E50"/>
-                </a:solidFill>
-                <a:latin typeface="Gotham Medium"/>
-                <a:cs typeface="Gotham Medium"/>
-              </a:rPr>
-              <a:t>Northeastern University Libraries</a:t>
-            </a:r>
-            <a:endParaRPr lang="en-US" sz="3600" dirty="0" smtClean="0">
-              <a:solidFill>
-                <a:srgbClr val="2C3E50"/>
-              </a:solidFill>
-              <a:latin typeface="Gotham Medium"/>
-              <a:cs typeface="Gotham Medium"/>
-            </a:endParaRPr>
-          </a:p>
-          <a:p>
-            <a:pPr algn="ctr"/>
-            <a:r>
-              <a:rPr lang="en-US" sz="3600" dirty="0" smtClean="0">
-                <a:solidFill>
-                  <a:srgbClr val="2C3E50"/>
+                  <a:srgbClr val="3498DB"/>
                 </a:solidFill>
                 <a:latin typeface="Gotham Medium"/>
                 <a:cs typeface="Gotham Medium"/>
@@ -8735,7 +8739,7 @@
             </a:r>
             <a:endParaRPr lang="en-US" sz="3600" dirty="0">
               <a:solidFill>
-                <a:srgbClr val="2C3E50"/>
+                <a:srgbClr val="3498DB"/>
               </a:solidFill>
               <a:latin typeface="Gotham Medium"/>
               <a:cs typeface="Gotham Medium"/>
@@ -8752,7 +8756,7 @@
         <p:spPr>
           <a:xfrm>
             <a:off x="962526" y="6038789"/>
-            <a:ext cx="7749673" cy="7263444"/>
+            <a:ext cx="7749673" cy="7140333"/>
           </a:xfrm>
           <a:prstGeom prst="rect">
             <a:avLst/>
@@ -8819,13 +8823,40 @@
                 <a:ea typeface="Helvetica" charset="0"/>
                 <a:cs typeface="Helvetica" charset="0"/>
               </a:rPr>
-              <a:t>Repository usage statistics are utilized by content owners to measure the use and impact of repository materials and to measure the use of the repository as a whole. Given the value of these numbers, it is vital that we understand how repository statistics are gathered so we can sort genuine user interactions from automated bot traffic.</a:t>
-            </a:r>
-            <a:endParaRPr lang="en-US" sz="2300" dirty="0" smtClean="0">
-              <a:latin typeface="Helvetica" charset="0"/>
-              <a:ea typeface="Helvetica" charset="0"/>
-              <a:cs typeface="Helvetica" charset="0"/>
-            </a:endParaRPr>
+              <a:t>Repository usage statistics are utilized by content owners to measure the use and impact of repository materials and to measure the use of the repository as a whole. Given the value of these </a:t>
+            </a:r>
+            <a:r>
+              <a:rPr lang="en-US" sz="2300" dirty="0" smtClean="0">
+                <a:latin typeface="Helvetica" charset="0"/>
+                <a:ea typeface="Helvetica" charset="0"/>
+                <a:cs typeface="Helvetica" charset="0"/>
+              </a:rPr>
+              <a:t>metrics, </a:t>
+            </a:r>
+            <a:r>
+              <a:rPr lang="en-US" sz="2300" dirty="0">
+                <a:latin typeface="Helvetica" charset="0"/>
+                <a:ea typeface="Helvetica" charset="0"/>
+                <a:cs typeface="Helvetica" charset="0"/>
+              </a:rPr>
+              <a:t>it is vital that we understand how repository statistics are gathered so we can sort genuine user interactions from automated </a:t>
+            </a:r>
+            <a:r>
+              <a:rPr lang="en-US" sz="2300" dirty="0" smtClean="0">
+                <a:latin typeface="Helvetica" charset="0"/>
+                <a:ea typeface="Helvetica" charset="0"/>
+                <a:cs typeface="Helvetica" charset="0"/>
+              </a:rPr>
+              <a:t>traffic</a:t>
+            </a:r>
+            <a:r>
+              <a:rPr lang="en-US" sz="2300" dirty="0" smtClean="0">
+                <a:latin typeface="Helvetica" charset="0"/>
+                <a:ea typeface="Helvetica" charset="0"/>
+                <a:cs typeface="Helvetica" charset="0"/>
+              </a:rPr>
+              <a:t>.</a:t>
+            </a:r>
           </a:p>
           <a:p>
             <a:r>
@@ -8849,7 +8880,71 @@
                 <a:ea typeface="Helvetica" charset="0"/>
                 <a:cs typeface="Helvetica" charset="0"/>
               </a:rPr>
-              <a:t>Early on in the DRS development process we decided not to leave our statistics in the hands of Google Analytics. While Google Analytics does a lot of valuable tracking, we cannot easily differentiate genuine user traffic from bot, crawler, or harvester traffic. To that end, we decided to limit what counts as use by disregarding counts generated by bots and other large consumers of our content. </a:t>
+              <a:t>Early on in the Digital Repository Service (DRS) development process we decided not to rely on Google Analytics to collect statistics. While Google Analytics does a lot of valuable tracking, we cannot easily </a:t>
+            </a:r>
+            <a:r>
+              <a:rPr lang="en-US" sz="2300" dirty="0" smtClean="0">
+                <a:latin typeface="Helvetica" charset="0"/>
+                <a:ea typeface="Helvetica" charset="0"/>
+                <a:cs typeface="Helvetica" charset="0"/>
+              </a:rPr>
+              <a:t>distinguish genuine user </a:t>
+            </a:r>
+            <a:r>
+              <a:rPr lang="en-US" sz="2300" dirty="0">
+                <a:latin typeface="Helvetica" charset="0"/>
+                <a:ea typeface="Helvetica" charset="0"/>
+                <a:cs typeface="Helvetica" charset="0"/>
+              </a:rPr>
+              <a:t>traffic from bots or crawlers. </a:t>
+            </a:r>
+            <a:r>
+              <a:rPr lang="en-US" sz="2300" dirty="0" smtClean="0">
+                <a:latin typeface="Helvetica" charset="0"/>
+                <a:ea typeface="Helvetica" charset="0"/>
+                <a:cs typeface="Helvetica" charset="0"/>
+              </a:rPr>
+              <a:t>We decided </a:t>
+            </a:r>
+            <a:r>
+              <a:rPr lang="en-US" sz="2300" dirty="0">
+                <a:latin typeface="Helvetica" charset="0"/>
+                <a:ea typeface="Helvetica" charset="0"/>
+                <a:cs typeface="Helvetica" charset="0"/>
+              </a:rPr>
+              <a:t>to record and process our own </a:t>
+            </a:r>
+            <a:r>
+              <a:rPr lang="en-US" sz="2300" dirty="0" smtClean="0">
+                <a:latin typeface="Helvetica" charset="0"/>
+                <a:ea typeface="Helvetica" charset="0"/>
+                <a:cs typeface="Helvetica" charset="0"/>
+              </a:rPr>
+              <a:t>statistics so we could disregard </a:t>
+            </a:r>
+            <a:r>
+              <a:rPr lang="en-US" sz="2300" dirty="0">
+                <a:latin typeface="Helvetica" charset="0"/>
+                <a:ea typeface="Helvetica" charset="0"/>
+                <a:cs typeface="Helvetica" charset="0"/>
+              </a:rPr>
+              <a:t>statistics generated by bots and other large consumers of our </a:t>
+            </a:r>
+            <a:r>
+              <a:rPr lang="en-US" sz="2300" dirty="0" smtClean="0">
+                <a:latin typeface="Helvetica" charset="0"/>
+                <a:ea typeface="Helvetica" charset="0"/>
+                <a:cs typeface="Helvetica" charset="0"/>
+              </a:rPr>
+              <a:t>content</a:t>
+            </a:r>
+            <a:r>
+              <a:rPr lang="en-US" sz="2300" dirty="0" smtClean="0">
+                <a:latin typeface="Helvetica" charset="0"/>
+                <a:ea typeface="Helvetica" charset="0"/>
+                <a:cs typeface="Helvetica" charset="0"/>
+              </a:rPr>
+              <a:t>. </a:t>
             </a:r>
             <a:endParaRPr lang="en-US" sz="2300" dirty="0">
               <a:latin typeface="Helvetica" charset="0"/>
@@ -8868,7 +8963,7 @@
         <p:spPr>
           <a:xfrm>
             <a:off x="9169400" y="6058718"/>
-            <a:ext cx="20142200" cy="2797606"/>
+            <a:ext cx="20142200" cy="2889939"/>
           </a:xfrm>
           <a:prstGeom prst="rect">
             <a:avLst/>
@@ -8936,7 +9031,23 @@
                 <a:ea typeface="Helvetica" charset="0"/>
                 <a:cs typeface="Helvetica" charset="0"/>
               </a:rPr>
-              <a:t>A seemingly endless number of bots exist to crawl publicly available repository content for harvesting and indexing. These bots certainly help increase the discovery of repository content, but they can also greatly inflate usage statistics. Usage statistics are often gathered using third-party tools (often Google Analytics) which often do not report their collection methods, or simply do not differentiate bot indexing from human use. Although content owners tend to prefer higher numbers regardless of the consumer, we want to be able to defend the statistics we are gathering and declare them to be a genuine record of the use of our content by people, not bots.</a:t>
+              <a:t>A seemingly endless number of bots exist to crawl publicly available repository content for harvesting and indexing. These bots help increase the discovery of repository content, but they can also greatly inflate usage statistics. Usage statistics are often gathered using third-party tools, like Google Analytics, which may or may not report their collection methods, and may not be aware of the difference between human and bot consumption. Although content owners tend to prefer higher numbers regardless of the consumer, we want to be able to defend the statistics we are gathering in the DRS and declare them to be a genuine record of the use of our content by people, not </a:t>
+            </a:r>
+            <a:r>
+              <a:rPr lang="en-US" sz="2300" dirty="0" smtClean="0">
+                <a:latin typeface="Helvetica" charset="0"/>
+                <a:ea typeface="Helvetica" charset="0"/>
+                <a:cs typeface="Helvetica" charset="0"/>
+              </a:rPr>
+              <a:t>bots</a:t>
+            </a:r>
+            <a:r>
+              <a:rPr lang="en-US" sz="2300" dirty="0" smtClean="0">
+                <a:latin typeface="Helvetica" charset="0"/>
+                <a:ea typeface="Helvetica" charset="0"/>
+                <a:cs typeface="Helvetica" charset="0"/>
+              </a:rPr>
+              <a:t>.</a:t>
             </a:r>
             <a:endParaRPr lang="en-US" sz="2300" dirty="0">
               <a:latin typeface="Helvetica" charset="0"/>
@@ -8955,7 +9066,7 @@
         <p:spPr>
           <a:xfrm>
             <a:off x="9198865" y="17083725"/>
-            <a:ext cx="20061936" cy="2105109"/>
+            <a:ext cx="20061936" cy="2520607"/>
           </a:xfrm>
           <a:prstGeom prst="rect">
             <a:avLst/>
@@ -9029,7 +9140,23 @@
                 <a:ea typeface="Helvetica" charset="0"/>
                 <a:cs typeface="Helvetica" charset="0"/>
               </a:rPr>
-              <a:t>All impressions by all types of  users are stored in a </a:t>
+              <a:t>We designed a simple method for collecting and processing our repository </a:t>
+            </a:r>
+            <a:r>
+              <a:rPr lang="en-US" sz="2300" dirty="0" smtClean="0">
+                <a:latin typeface="Helvetica" charset="0"/>
+                <a:ea typeface="Helvetica" charset="0"/>
+                <a:cs typeface="Helvetica" charset="0"/>
+              </a:rPr>
+              <a:t>usage statistics </a:t>
+            </a:r>
+            <a:r>
+              <a:rPr lang="en-US" sz="2300" dirty="0">
+                <a:latin typeface="Helvetica" charset="0"/>
+                <a:ea typeface="Helvetica" charset="0"/>
+                <a:cs typeface="Helvetica" charset="0"/>
+              </a:rPr>
+              <a:t>that allows us to filter out non-human consumption of our content. Raw, unfiltered DRS usage statistics are stored in a </a:t>
             </a:r>
             <a:r>
               <a:rPr lang="en-US" sz="2300" dirty="0" err="1">
@@ -9045,7 +9172,15 @@
                 <a:ea typeface="Helvetica" charset="0"/>
                 <a:cs typeface="Helvetica" charset="0"/>
               </a:rPr>
-              <a:t> database: the impression tables. When the impressions table is processed, the user agent value is compared against the known bots list. A nightly processing job updates the table by marking impressions as “false” if the impression’s user agent matches a known bot. Impressions marked as generated by a bot are filtered out of the statistics that are displayed to users in the interface.</a:t>
+              <a:t> database, known as the impressions table. A nightly job processes this table by comparing the agent responsible for the impression against a list of keywords associated with known bots. Impressions made by agents that match any keyword are marked as FALSE and are filtered out of the statistics displayed to users in the </a:t>
+            </a:r>
+            <a:r>
+              <a:rPr lang="en-US" sz="2300" dirty="0" smtClean="0">
+                <a:latin typeface="Helvetica" charset="0"/>
+                <a:ea typeface="Helvetica" charset="0"/>
+                <a:cs typeface="Helvetica" charset="0"/>
+              </a:rPr>
+              <a:t>interface.</a:t>
             </a:r>
             <a:endParaRPr lang="en-US" sz="2300" dirty="0">
               <a:latin typeface="Helvetica" charset="0"/>
@@ -9063,7 +9198,7 @@
         </p:nvSpPr>
         <p:spPr>
           <a:xfrm>
-            <a:off x="9198864" y="19394644"/>
+            <a:off x="9198864" y="19470844"/>
             <a:ext cx="20054478" cy="1985076"/>
           </a:xfrm>
           <a:prstGeom prst="rect">
@@ -9093,17 +9228,7 @@
                 <a:latin typeface="Gotham Medium"/>
                 <a:cs typeface="Gotham Medium"/>
               </a:rPr>
-              <a:t>The Impressions </a:t>
-            </a:r>
-            <a:r>
-              <a:rPr lang="en-US" sz="3600" dirty="0" smtClean="0">
-                <a:solidFill>
-                  <a:srgbClr val="2C3E50"/>
-                </a:solidFill>
-                <a:latin typeface="Gotham Medium"/>
-                <a:cs typeface="Gotham Medium"/>
-              </a:rPr>
-              <a:t>Table</a:t>
+              <a:t>The Impressions Table</a:t>
             </a:r>
             <a:endParaRPr lang="en-US" sz="2000" dirty="0" smtClean="0">
               <a:latin typeface="Gotham Book"/>
@@ -9128,7 +9253,7 @@
                 <a:ea typeface="Helvetica" charset="0"/>
                 <a:cs typeface="Helvetica" charset="0"/>
               </a:rPr>
-              <a:t>Every </a:t>
+              <a:t>Every file view, download, and stream is counted as an impression and recorded in the impressions table. Along with the type of impression, we also record the agent responsible for the impression, how the agent was referred to the file, the agent’s IP address, and the date of the impression. Impression frequency is limited to one per file per IP address per hour, which helps reduce inflated numbers from frequent clicking or page </a:t>
             </a:r>
             <a:r>
               <a:rPr lang="en-US" sz="2300" dirty="0" smtClean="0">
@@ -9136,103 +9261,7 @@
                 <a:ea typeface="Helvetica" charset="0"/>
                 <a:cs typeface="Helvetica" charset="0"/>
               </a:rPr>
-              <a:t>file </a:t>
-            </a:r>
-            <a:r>
-              <a:rPr lang="en-US" sz="2300" dirty="0">
-                <a:latin typeface="Helvetica" charset="0"/>
-                <a:ea typeface="Helvetica" charset="0"/>
-                <a:cs typeface="Helvetica" charset="0"/>
-              </a:rPr>
-              <a:t>view, </a:t>
-            </a:r>
-            <a:r>
-              <a:rPr lang="en-US" sz="2300" dirty="0" smtClean="0">
-                <a:latin typeface="Helvetica" charset="0"/>
-                <a:ea typeface="Helvetica" charset="0"/>
-                <a:cs typeface="Helvetica" charset="0"/>
-              </a:rPr>
-              <a:t>download</a:t>
-            </a:r>
-            <a:r>
-              <a:rPr lang="en-US" sz="2300" dirty="0">
-                <a:latin typeface="Helvetica" charset="0"/>
-                <a:ea typeface="Helvetica" charset="0"/>
-                <a:cs typeface="Helvetica" charset="0"/>
-              </a:rPr>
-              <a:t>, and </a:t>
-            </a:r>
-            <a:r>
-              <a:rPr lang="en-US" sz="2300" dirty="0" smtClean="0">
-                <a:latin typeface="Helvetica" charset="0"/>
-                <a:ea typeface="Helvetica" charset="0"/>
-                <a:cs typeface="Helvetica" charset="0"/>
-              </a:rPr>
-              <a:t>stream </a:t>
-            </a:r>
-            <a:r>
-              <a:rPr lang="en-US" sz="2300" dirty="0">
-                <a:latin typeface="Helvetica" charset="0"/>
-                <a:ea typeface="Helvetica" charset="0"/>
-                <a:cs typeface="Helvetica" charset="0"/>
-              </a:rPr>
-              <a:t>is counted as an impression and recorded in a </a:t>
-            </a:r>
-            <a:r>
-              <a:rPr lang="en-US" sz="2300" dirty="0" err="1">
-                <a:latin typeface="Helvetica" charset="0"/>
-                <a:ea typeface="Helvetica" charset="0"/>
-                <a:cs typeface="Helvetica" charset="0"/>
-              </a:rPr>
-              <a:t>mySQL</a:t>
-            </a:r>
-            <a:r>
-              <a:rPr lang="en-US" sz="2300" dirty="0">
-                <a:latin typeface="Helvetica" charset="0"/>
-                <a:ea typeface="Helvetica" charset="0"/>
-                <a:cs typeface="Helvetica" charset="0"/>
-              </a:rPr>
-              <a:t> database. Along with the type of </a:t>
-            </a:r>
-            <a:r>
-              <a:rPr lang="en-US" sz="2300" dirty="0" smtClean="0">
-                <a:latin typeface="Helvetica" charset="0"/>
-                <a:ea typeface="Helvetica" charset="0"/>
-                <a:cs typeface="Helvetica" charset="0"/>
-              </a:rPr>
-              <a:t>impression, </a:t>
-            </a:r>
-            <a:r>
-              <a:rPr lang="en-US" sz="2300" dirty="0">
-                <a:latin typeface="Helvetica" charset="0"/>
-                <a:ea typeface="Helvetica" charset="0"/>
-                <a:cs typeface="Helvetica" charset="0"/>
-              </a:rPr>
-              <a:t>we also record the agent responsible for the impression, how they were referred to the file, the IP address, and the date of the impression. Frequency of impressions is limited to one </a:t>
-            </a:r>
-            <a:r>
-              <a:rPr lang="en-US" sz="2300" dirty="0" smtClean="0">
-                <a:latin typeface="Helvetica" charset="0"/>
-                <a:ea typeface="Helvetica" charset="0"/>
-                <a:cs typeface="Helvetica" charset="0"/>
-              </a:rPr>
-              <a:t>per </a:t>
-            </a:r>
-            <a:r>
-              <a:rPr lang="en-US" sz="2300" dirty="0">
-                <a:latin typeface="Helvetica" charset="0"/>
-                <a:ea typeface="Helvetica" charset="0"/>
-                <a:cs typeface="Helvetica" charset="0"/>
-              </a:rPr>
-              <a:t>file per IP address per hour, which helps reduce inflated numbers from </a:t>
-            </a:r>
-            <a:r>
-              <a:rPr lang="en-US" sz="2300" dirty="0" smtClean="0">
-                <a:latin typeface="Helvetica" charset="0"/>
-                <a:ea typeface="Helvetica" charset="0"/>
-                <a:cs typeface="Helvetica" charset="0"/>
-              </a:rPr>
-              <a:t>frequent clicking or page refreshing.</a:t>
+              <a:t>refreshing.</a:t>
             </a:r>
             <a:endParaRPr lang="en-US" sz="2300" dirty="0">
               <a:latin typeface="Helvetica" charset="0"/>
@@ -9251,13 +9280,13 @@
           <p:nvPr>
             <p:extLst>
               <p:ext uri="{D42A27DB-BD31-4B8C-83A1-F6EECF244321}">
-                <p14:modId xmlns:p14="http://schemas.microsoft.com/office/powerpoint/2010/main" val="886181075"/>
+                <p14:modId xmlns:p14="http://schemas.microsoft.com/office/powerpoint/2010/main" val="606100655"/>
               </p:ext>
             </p:extLst>
           </p:nvPr>
         </p:nvGraphicFramePr>
         <p:xfrm>
-          <a:off x="9548036" y="21672817"/>
+          <a:off x="9548036" y="21622017"/>
           <a:ext cx="19458434" cy="1747520"/>
         </p:xfrm>
         <a:graphic>
@@ -13503,7 +13532,15 @@
                 <a:ea typeface="Helvetica" charset="0"/>
                 <a:cs typeface="Helvetica" charset="0"/>
               </a:rPr>
-              <a:t>Top 5 agent referrers for page views.</a:t>
+              <a:t>Top 5 page view </a:t>
+            </a:r>
+            <a:r>
+              <a:rPr lang="en-US" sz="2300" dirty="0" smtClean="0">
+                <a:latin typeface="Helvetica" charset="0"/>
+                <a:ea typeface="Helvetica" charset="0"/>
+                <a:cs typeface="Helvetica" charset="0"/>
+              </a:rPr>
+              <a:t>referrers.</a:t>
             </a:r>
             <a:endParaRPr lang="en-US" sz="2300" dirty="0">
               <a:latin typeface="Helvetica" charset="0"/>
@@ -13522,7 +13559,7 @@
         <p:spPr>
           <a:xfrm>
             <a:off x="960437" y="24044129"/>
-            <a:ext cx="7749673" cy="1277190"/>
+            <a:ext cx="7749673" cy="1292579"/>
           </a:xfrm>
           <a:prstGeom prst="rect">
             <a:avLst/>
@@ -13572,7 +13609,7 @@
                 <a:ea typeface="Helvetica" charset="0"/>
                 <a:cs typeface="Helvetica" charset="0"/>
               </a:rPr>
-              <a:t>Total views, downloads, and streams per </a:t>
+              <a:t>Total views, downloads, and streams per month</a:t>
             </a:r>
             <a:r>
               <a:rPr lang="en-US" sz="2300" dirty="0" smtClean="0">
@@ -13580,7 +13617,7 @@
                 <a:ea typeface="Helvetica" charset="0"/>
                 <a:cs typeface="Helvetica" charset="0"/>
               </a:rPr>
-              <a:t>month.</a:t>
+              <a:t>.</a:t>
             </a:r>
             <a:endParaRPr lang="en-US" sz="2300" dirty="0">
               <a:latin typeface="Helvetica" charset="0"/>
@@ -13628,25 +13665,8 @@
                 <a:latin typeface="Gotham Medium"/>
                 <a:cs typeface="Gotham Medium"/>
               </a:rPr>
-              <a:t>Popular </a:t>
-            </a:r>
-            <a:r>
-              <a:rPr lang="en-US" sz="3600" dirty="0" smtClean="0">
-                <a:solidFill>
-                  <a:srgbClr val="2C3E50"/>
-                </a:solidFill>
-                <a:latin typeface="Gotham Medium"/>
-                <a:cs typeface="Gotham Medium"/>
-              </a:rPr>
-              <a:t>DRS Genres</a:t>
-            </a:r>
-            <a:endParaRPr lang="en-US" sz="3600" dirty="0" smtClean="0">
-              <a:solidFill>
-                <a:srgbClr val="2C3E50"/>
-              </a:solidFill>
-              <a:latin typeface="Gotham Medium"/>
-              <a:cs typeface="Gotham Medium"/>
-            </a:endParaRPr>
+              <a:t>Popular DRS Genres</a:t>
+            </a:r>
           </a:p>
           <a:p>
             <a:pPr algn="just">
@@ -13662,11 +13682,19 @@
           <a:p>
             <a:r>
               <a:rPr lang="en-US" sz="2300" dirty="0">
+                <a:latin typeface="Helvetica" charset="0"/>
+                <a:ea typeface="Helvetica" charset="0"/>
+                <a:cs typeface="Helvetica" charset="0"/>
+              </a:rPr>
+              <a:t>Top 25 DRS items by genre</a:t>
+            </a:r>
+            <a:r>
+              <a:rPr lang="en-US" sz="2300" dirty="0" smtClean="0">
                 <a:latin typeface="Helvetica Neue" charset="0"/>
                 <a:ea typeface="Helvetica Neue" charset="0"/>
                 <a:cs typeface="Helvetica Neue" charset="0"/>
               </a:rPr>
-              <a:t>Genre breakdown for top 25 DRS items.</a:t>
+              <a:t>.</a:t>
             </a:r>
             <a:endParaRPr lang="en-US" sz="2300" dirty="0">
               <a:latin typeface="Helvetica Neue" charset="0"/>
@@ -14083,7 +14111,7 @@
         <p:spPr>
           <a:xfrm>
             <a:off x="18806160" y="39975954"/>
-            <a:ext cx="9671374" cy="1914287"/>
+            <a:ext cx="9671374" cy="1706538"/>
           </a:xfrm>
           <a:prstGeom prst="rect">
             <a:avLst/>
@@ -14112,7 +14140,17 @@
                 <a:latin typeface="Gotham Medium"/>
                 <a:cs typeface="Gotham Medium"/>
               </a:rPr>
-              <a:t>Learn More</a:t>
+              <a:t>Learn </a:t>
+            </a:r>
+            <a:r>
+              <a:rPr lang="en-US" sz="3800" dirty="0" smtClean="0">
+                <a:solidFill>
+                  <a:srgbClr val="2C3E50"/>
+                </a:solidFill>
+                <a:latin typeface="Gotham Medium"/>
+                <a:cs typeface="Gotham Medium"/>
+              </a:rPr>
+              <a:t>More</a:t>
             </a:r>
           </a:p>
           <a:p>
@@ -14121,7 +14159,7 @@
                 <a:spcPct val="90000"/>
               </a:lnSpc>
             </a:pPr>
-            <a:endParaRPr lang="en-US" sz="2000" dirty="0" smtClean="0">
+            <a:endParaRPr lang="en-US" sz="500" dirty="0" smtClean="0">
               <a:solidFill>
                 <a:srgbClr val="2C3E50"/>
               </a:solidFill>
@@ -14269,7 +14307,7 @@
         </p:nvSpPr>
         <p:spPr>
           <a:xfrm>
-            <a:off x="9197558" y="34091106"/>
+            <a:off x="9197558" y="34319706"/>
             <a:ext cx="9965085" cy="1975843"/>
           </a:xfrm>
           <a:prstGeom prst="rect">
@@ -14339,7 +14377,7 @@
         <p:spPr>
           <a:xfrm>
             <a:off x="9219184" y="30571803"/>
-            <a:ext cx="9943459" cy="3517803"/>
+            <a:ext cx="9943459" cy="3902524"/>
           </a:xfrm>
           <a:prstGeom prst="rect">
             <a:avLst/>
@@ -14361,7 +14399,7 @@
                 <a:ea typeface="Helvetica" charset="0"/>
                 <a:cs typeface="Helvetica" charset="0"/>
               </a:rPr>
-              <a:t>By categorizing our traffic and sharing our statistics gathering process, we have been able to more accurately track how the DRS is being used, and has enabled us to more confidently defend our usage statistics as genuine use of repository content. In 2016 we plan to improve our data gathering practices by</a:t>
+              <a:t>Categorizing our traffic and sharing our statistics gathering process has enabled us to more accurately track how the DRS is being used and more confidently defend our usage statistics as genuine use of repository content. In 2016 we plan to improve our data gathering practices by</a:t>
             </a:r>
             <a:r>
               <a:rPr lang="en-US" sz="2300" dirty="0" smtClean="0">
@@ -14371,9 +14409,14 @@
               </a:rPr>
               <a:t>:</a:t>
             </a:r>
-          </a:p>
-          <a:p>
-            <a:endParaRPr lang="en-US" sz="2000" dirty="0">
+            <a:endParaRPr lang="en-US" sz="2300" dirty="0" smtClean="0">
+              <a:latin typeface="Helvetica" charset="0"/>
+              <a:ea typeface="Helvetica" charset="0"/>
+              <a:cs typeface="Helvetica" charset="0"/>
+            </a:endParaRPr>
+          </a:p>
+          <a:p>
+            <a:endParaRPr lang="en-US" sz="2300" dirty="0">
               <a:latin typeface="Helvetica" charset="0"/>
               <a:ea typeface="Helvetica" charset="0"/>
               <a:cs typeface="Helvetica" charset="0"/>
@@ -14390,45 +14433,91 @@
                 <a:ea typeface="Helvetica" charset="0"/>
                 <a:cs typeface="Helvetica" charset="0"/>
               </a:rPr>
-              <a:t>Adding a new data point for easier statistical processing</a:t>
-            </a:r>
-            <a:endParaRPr lang="en-US" sz="2300" dirty="0">
-              <a:latin typeface="Helvetica" charset="0"/>
-              <a:ea typeface="Helvetica" charset="0"/>
-              <a:cs typeface="Helvetica" charset="0"/>
-            </a:endParaRPr>
+              <a:t>Inserting additional data points </a:t>
+            </a:r>
+            <a:r>
+              <a:rPr lang="en-US" sz="2300" dirty="0" smtClean="0">
+                <a:latin typeface="Helvetica" charset="0"/>
+                <a:ea typeface="Helvetica" charset="0"/>
+                <a:cs typeface="Helvetica" charset="0"/>
+              </a:rPr>
+              <a:t>into </a:t>
+            </a:r>
+            <a:r>
+              <a:rPr lang="en-US" sz="2300">
+                <a:latin typeface="Helvetica" charset="0"/>
+                <a:ea typeface="Helvetica" charset="0"/>
+                <a:cs typeface="Helvetica" charset="0"/>
+              </a:rPr>
+              <a:t>the </a:t>
+            </a:r>
+            <a:r>
+              <a:rPr lang="en-US" sz="2300" smtClean="0">
+                <a:latin typeface="Helvetica" charset="0"/>
+                <a:ea typeface="Helvetica" charset="0"/>
+                <a:cs typeface="Helvetica" charset="0"/>
+              </a:rPr>
+              <a:t>impressions </a:t>
+            </a:r>
+            <a:r>
+              <a:rPr lang="en-US" sz="2300" dirty="0" smtClean="0">
+                <a:latin typeface="Helvetica" charset="0"/>
+                <a:ea typeface="Helvetica" charset="0"/>
+                <a:cs typeface="Helvetica" charset="0"/>
+              </a:rPr>
+              <a:t>table</a:t>
+            </a:r>
           </a:p>
           <a:p>
             <a:pPr marL="342900" indent="-342900">
               <a:buFont typeface="Arial" charset="0"/>
               <a:buChar char="•"/>
             </a:pPr>
+            <a:r>
+              <a:rPr lang="en-US" sz="2300" dirty="0" smtClean="0">
+                <a:latin typeface="Helvetica" charset="0"/>
+                <a:ea typeface="Helvetica" charset="0"/>
+                <a:cs typeface="Helvetica" charset="0"/>
+              </a:rPr>
+              <a:t>Operationalizing the process for adding new agents to the bot list</a:t>
+            </a:r>
+          </a:p>
+          <a:p>
+            <a:pPr marL="342900" indent="-342900">
+              <a:buFont typeface="Arial" charset="0"/>
+              <a:buChar char="•"/>
+            </a:pPr>
+            <a:r>
+              <a:rPr lang="en-US" sz="2300" dirty="0" smtClean="0">
+                <a:latin typeface="Helvetica" charset="0"/>
+                <a:ea typeface="Helvetica" charset="0"/>
+                <a:cs typeface="Helvetica" charset="0"/>
+              </a:rPr>
+              <a:t>Using </a:t>
+            </a:r>
             <a:r>
               <a:rPr lang="en-US" sz="2300" dirty="0">
                 <a:latin typeface="Helvetica" charset="0"/>
                 <a:ea typeface="Helvetica" charset="0"/>
                 <a:cs typeface="Helvetica" charset="0"/>
               </a:rPr>
-              <a:t>Operationalizing the process for adding new agents to the bot list</a:t>
-            </a:r>
-            <a:endParaRPr lang="en-US" sz="2300" dirty="0">
-              <a:latin typeface="Helvetica" charset="0"/>
-              <a:ea typeface="Helvetica" charset="0"/>
-              <a:cs typeface="Helvetica" charset="0"/>
-            </a:endParaRPr>
-          </a:p>
-          <a:p>
-            <a:pPr marL="342900" indent="-342900">
-              <a:buFont typeface="Arial" charset="0"/>
-              <a:buChar char="•"/>
-            </a:pPr>
+              <a:t>IP </a:t>
+            </a:r>
+            <a:r>
+              <a:rPr lang="en-US" sz="2300" dirty="0" smtClean="0">
+                <a:latin typeface="Helvetica" charset="0"/>
+                <a:ea typeface="Helvetica" charset="0"/>
+                <a:cs typeface="Helvetica" charset="0"/>
+              </a:rPr>
+              <a:t>addresses to </a:t>
+            </a:r>
             <a:r>
               <a:rPr lang="en-US" sz="2300" dirty="0">
                 <a:latin typeface="Helvetica" charset="0"/>
                 <a:ea typeface="Helvetica" charset="0"/>
                 <a:cs typeface="Helvetica" charset="0"/>
               </a:rPr>
-              <a:t>Displaying aggregated statistics on collection and community </a:t>
+              <a:t>display geographic </a:t>
             </a:r>
             <a:r>
               <a:rPr lang="en-US" sz="2300" dirty="0" smtClean="0">
@@ -14436,7 +14525,29 @@
                 <a:ea typeface="Helvetica" charset="0"/>
                 <a:cs typeface="Helvetica" charset="0"/>
               </a:rPr>
-              <a:t>pages</a:t>
+              <a:t>visualizations</a:t>
+            </a:r>
+          </a:p>
+          <a:p>
+            <a:pPr marL="342900" indent="-342900">
+              <a:buFont typeface="Arial" charset="0"/>
+              <a:buChar char="•"/>
+            </a:pPr>
+            <a:r>
+              <a:rPr lang="en-US" sz="2300" dirty="0" smtClean="0">
+                <a:latin typeface="Helvetica" charset="0"/>
+                <a:ea typeface="Helvetica" charset="0"/>
+                <a:cs typeface="Helvetica" charset="0"/>
+              </a:rPr>
+              <a:t>Displaying </a:t>
+            </a:r>
+            <a:r>
+              <a:rPr lang="en-US" sz="2300" dirty="0">
+                <a:latin typeface="Helvetica" charset="0"/>
+                <a:ea typeface="Helvetica" charset="0"/>
+                <a:cs typeface="Helvetica" charset="0"/>
+              </a:rPr>
+              <a:t>aggregated statistics on collection and community pages</a:t>
             </a:r>
             <a:endParaRPr lang="en-US" sz="2300" dirty="0">
               <a:latin typeface="Helvetica" charset="0"/>
@@ -14454,8 +14565,8 @@
         </p:nvSpPr>
         <p:spPr>
           <a:xfrm>
-            <a:off x="9206401" y="26774524"/>
-            <a:ext cx="9959423" cy="2431352"/>
+            <a:off x="9206401" y="26418924"/>
+            <a:ext cx="9959423" cy="2692962"/>
           </a:xfrm>
           <a:prstGeom prst="rect">
             <a:avLst/>
@@ -14484,17 +14595,7 @@
                 <a:latin typeface="Gotham Medium"/>
                 <a:cs typeface="Gotham Medium"/>
               </a:rPr>
-              <a:t>Ignored </a:t>
-            </a:r>
-            <a:r>
-              <a:rPr lang="en-US" sz="3600" dirty="0" smtClean="0">
-                <a:solidFill>
-                  <a:srgbClr val="2C3E50"/>
-                </a:solidFill>
-                <a:latin typeface="Gotham Medium"/>
-                <a:cs typeface="Gotham Medium"/>
-              </a:rPr>
-              <a:t>Agents</a:t>
+              <a:t>Ignored Agents</a:t>
             </a:r>
             <a:endParaRPr lang="en-US" sz="2000" dirty="0" smtClean="0">
               <a:latin typeface="Gotham Book"/>
@@ -14519,7 +14620,7 @@
                 <a:ea typeface="Helvetica" charset="0"/>
                 <a:cs typeface="Helvetica" charset="0"/>
               </a:rPr>
-              <a:t>Agents listed in the impression table are compared against a list of keywords </a:t>
+              <a:t>When the impressions table is processed, the agent responsible for each impression is compared against a list of common keywords associated with bots and crawlers is used to filter out agents from the impressions table</a:t>
             </a:r>
             <a:r>
               <a:rPr lang="en-US" sz="2300" dirty="0" smtClean="0">
@@ -14527,7 +14628,7 @@
                 <a:ea typeface="Helvetica" charset="0"/>
                 <a:cs typeface="Helvetica" charset="0"/>
               </a:rPr>
-              <a:t>associated with </a:t>
+              <a:t>. </a:t>
             </a:r>
             <a:r>
               <a:rPr lang="en-US" sz="2300" dirty="0">
@@ -14535,23 +14636,7 @@
                 <a:ea typeface="Helvetica" charset="0"/>
                 <a:cs typeface="Helvetica" charset="0"/>
               </a:rPr>
-              <a:t>common bots, like the Google and Yahoo indexing bots. </a:t>
-            </a:r>
-            <a:r>
-              <a:rPr lang="en-US" sz="2300" dirty="0" smtClean="0">
-                <a:latin typeface="Helvetica" charset="0"/>
-                <a:ea typeface="Helvetica" charset="0"/>
-                <a:cs typeface="Helvetica" charset="0"/>
-              </a:rPr>
-              <a:t>Keywords </a:t>
-            </a:r>
-            <a:r>
-              <a:rPr lang="en-US" sz="2300" dirty="0">
-                <a:latin typeface="Helvetica" charset="0"/>
-                <a:ea typeface="Helvetica" charset="0"/>
-                <a:cs typeface="Helvetica" charset="0"/>
-              </a:rPr>
-              <a:t>include:</a:t>
+              <a:t>These keywords include:</a:t>
             </a:r>
             <a:r>
               <a:rPr lang="en-US" sz="2300" dirty="0" smtClean="0">
@@ -14620,8 +14705,8 @@
         </p:nvSpPr>
         <p:spPr>
           <a:xfrm>
-            <a:off x="9207925" y="23711154"/>
-            <a:ext cx="9957899" cy="3046905"/>
+            <a:off x="9207925" y="23482554"/>
+            <a:ext cx="9957899" cy="3139238"/>
           </a:xfrm>
           <a:prstGeom prst="rect">
             <a:avLst/>
@@ -14650,17 +14735,7 @@
                 <a:latin typeface="Gotham Medium"/>
                 <a:cs typeface="Gotham Medium"/>
               </a:rPr>
-              <a:t>Important Processing </a:t>
-            </a:r>
-            <a:r>
-              <a:rPr lang="en-US" sz="3600" dirty="0" smtClean="0">
-                <a:solidFill>
-                  <a:srgbClr val="2C3E50"/>
-                </a:solidFill>
-                <a:latin typeface="Gotham Medium"/>
-                <a:cs typeface="Gotham Medium"/>
-              </a:rPr>
-              <a:t>Values</a:t>
+              <a:t>Important Processing Values</a:t>
             </a:r>
             <a:endParaRPr lang="en-US" sz="2000" dirty="0" smtClean="0">
               <a:solidFill>
@@ -14708,7 +14783,23 @@
                 <a:ea typeface="Helvetica" charset="0"/>
                 <a:cs typeface="Helvetica" charset="0"/>
               </a:rPr>
-              <a:t>Files that are queued for download will be marked INCOMPLETE and are excluded until the download is complete.</a:t>
+              <a:t>Files that are queued for download will be marked INCOMPLETE and are excluded until the download is </a:t>
+            </a:r>
+            <a:r>
+              <a:rPr lang="en-US" sz="2300" dirty="0" smtClean="0">
+                <a:latin typeface="Helvetica" charset="0"/>
+                <a:ea typeface="Helvetica" charset="0"/>
+                <a:cs typeface="Helvetica" charset="0"/>
+              </a:rPr>
+              <a:t>finished</a:t>
+            </a:r>
+            <a:r>
+              <a:rPr lang="en-US" sz="2300" dirty="0" smtClean="0">
+                <a:latin typeface="Helvetica" charset="0"/>
+                <a:ea typeface="Helvetica" charset="0"/>
+                <a:cs typeface="Helvetica" charset="0"/>
+              </a:rPr>
+              <a:t>.</a:t>
             </a:r>
             <a:endParaRPr lang="en-US" sz="2300" dirty="0" smtClean="0">
               <a:latin typeface="Helvetica" charset="0"/>
@@ -14743,7 +14834,7 @@
                 <a:ea typeface="Helvetica" charset="0"/>
                 <a:cs typeface="Helvetica" charset="0"/>
               </a:rPr>
-              <a:t>All impressions are set to TRUE. Impressions with agents on the bot </a:t>
+              <a:t>All impressions are initially set to TRUE. Once processed, impressions with agents on the bot list are marked as FALSE</a:t>
             </a:r>
             <a:r>
               <a:rPr lang="en-US" sz="2300" dirty="0" smtClean="0">
@@ -14751,15 +14842,7 @@
                 <a:ea typeface="Helvetica" charset="0"/>
                 <a:cs typeface="Helvetica" charset="0"/>
               </a:rPr>
-              <a:t>list are </a:t>
-            </a:r>
-            <a:r>
-              <a:rPr lang="en-US" sz="2300" dirty="0">
-                <a:latin typeface="Helvetica" charset="0"/>
-                <a:ea typeface="Helvetica" charset="0"/>
-                <a:cs typeface="Helvetica" charset="0"/>
-              </a:rPr>
-              <a:t>marked as FALSE during overnight processing.</a:t>
+              <a:t>.</a:t>
             </a:r>
             <a:endParaRPr lang="en-US" sz="2300" dirty="0" smtClean="0">
               <a:latin typeface="Helvetica" charset="0"/>
@@ -14794,7 +14877,15 @@
                 <a:ea typeface="Helvetica" charset="0"/>
                 <a:cs typeface="Helvetica" charset="0"/>
               </a:rPr>
-              <a:t>All impressions are initially set to FALSE. The value is set to TRUE once the impression has been processed for bots. </a:t>
+              <a:t>All impressions are initially set to FALSE. Once processed, the value is set to TRUE</a:t>
+            </a:r>
+            <a:r>
+              <a:rPr lang="en-US" sz="2300" dirty="0" smtClean="0">
+                <a:latin typeface="Helvetica" charset="0"/>
+                <a:ea typeface="Helvetica" charset="0"/>
+                <a:cs typeface="Helvetica" charset="0"/>
+              </a:rPr>
+              <a:t>. </a:t>
             </a:r>
             <a:endParaRPr lang="en-US" sz="2300" dirty="0">
               <a:latin typeface="Helvetica" charset="0"/>
@@ -14811,13 +14902,13 @@
           <p:nvPr>
             <p:extLst>
               <p:ext uri="{D42A27DB-BD31-4B8C-83A1-F6EECF244321}">
-                <p14:modId xmlns:p14="http://schemas.microsoft.com/office/powerpoint/2010/main" val="416959970"/>
+                <p14:modId xmlns:p14="http://schemas.microsoft.com/office/powerpoint/2010/main" val="1819921901"/>
               </p:ext>
             </p:extLst>
           </p:nvPr>
         </p:nvGraphicFramePr>
         <p:xfrm>
-          <a:off x="21055107" y="23847023"/>
+          <a:off x="21055107" y="23618423"/>
           <a:ext cx="7435661" cy="5244869"/>
         </p:xfrm>
         <a:graphic>
@@ -14834,7 +14925,7 @@
         </p:nvSpPr>
         <p:spPr>
           <a:xfrm>
-            <a:off x="20787991" y="25139451"/>
+            <a:off x="20848637" y="24902319"/>
             <a:ext cx="1464356" cy="523220"/>
           </a:xfrm>
           <a:prstGeom prst="rect">
@@ -14864,7 +14955,7 @@
         </p:nvSpPr>
         <p:spPr>
           <a:xfrm>
-            <a:off x="20438741" y="25226762"/>
+            <a:off x="20499387" y="24989630"/>
             <a:ext cx="365760" cy="365760"/>
           </a:xfrm>
           <a:prstGeom prst="rect">
@@ -14912,7 +15003,7 @@
         </p:nvSpPr>
         <p:spPr>
           <a:xfrm>
-            <a:off x="20826771" y="24559614"/>
+            <a:off x="20887417" y="24322482"/>
             <a:ext cx="1042987" cy="523220"/>
           </a:xfrm>
           <a:prstGeom prst="rect">
@@ -14942,7 +15033,7 @@
         </p:nvSpPr>
         <p:spPr>
           <a:xfrm>
-            <a:off x="20459377" y="24639669"/>
+            <a:off x="20520023" y="24402537"/>
             <a:ext cx="365760" cy="365760"/>
           </a:xfrm>
           <a:prstGeom prst="rect">
@@ -16204,7 +16295,17 @@
                 <a:latin typeface="Gotham Medium"/>
                 <a:cs typeface="Gotham Medium"/>
               </a:rPr>
-              <a:t>Leveraging the Data</a:t>
+              <a:t>Using the </a:t>
+            </a:r>
+            <a:r>
+              <a:rPr lang="en-US" sz="3800" dirty="0" smtClean="0">
+                <a:solidFill>
+                  <a:srgbClr val="2C3E50"/>
+                </a:solidFill>
+                <a:latin typeface="Gotham Medium"/>
+                <a:cs typeface="Gotham Medium"/>
+              </a:rPr>
+              <a:t>Data</a:t>
             </a:r>
             <a:endParaRPr lang="en-US" sz="3800" dirty="0">
               <a:solidFill>
@@ -16324,7 +16425,7 @@
         </p:nvSpPr>
         <p:spPr>
           <a:xfrm>
-            <a:off x="9465716" y="36453934"/>
+            <a:off x="9694316" y="36580934"/>
             <a:ext cx="9577396" cy="2208214"/>
           </a:xfrm>
           <a:prstGeom prst="rect">
@@ -16362,7 +16463,23 @@
                 <a:ea typeface="Helvetica" charset="0"/>
                 <a:cs typeface="Helvetica" charset="0"/>
               </a:rPr>
-              <a:t>Measuring impact accurately is a difficult task, as is being able to confidently defend how measurements are recorded. Although there is important statistical value in recording automated bot traffic, measuring and reporting genuine use can improve our ability to communicate the true value of repository content</a:t>
+              <a:t>Measuring impact accurately is a difficult task, as is being able to confidently defend how measurements are recorded. Although there is important statistical value in recording automated bot traffic, measuring and reporting genuine use can improve our ability to communicate the true </a:t>
+            </a:r>
+            <a:r>
+              <a:rPr lang="en-US" sz="2300" dirty="0" smtClean="0">
+                <a:latin typeface="Helvetica" charset="0"/>
+                <a:ea typeface="Helvetica" charset="0"/>
+                <a:cs typeface="Helvetica" charset="0"/>
+              </a:rPr>
+              <a:t>impact of </a:t>
+            </a:r>
+            <a:r>
+              <a:rPr lang="en-US" sz="2300" dirty="0">
+                <a:latin typeface="Helvetica" charset="0"/>
+                <a:ea typeface="Helvetica" charset="0"/>
+                <a:cs typeface="Helvetica" charset="0"/>
+              </a:rPr>
+              <a:t>repository content</a:t>
             </a:r>
             <a:r>
               <a:rPr lang="en-US" sz="2300" dirty="0" smtClean="0">
@@ -16739,6 +16856,76 @@
           </a:fontRef>
         </p:style>
       </p:cxnSp>
+      <p:sp>
+        <p:nvSpPr>
+          <p:cNvPr id="104" name="TextBox 103"/>
+          <p:cNvSpPr txBox="1"/>
+          <p:nvPr/>
+        </p:nvSpPr>
+        <p:spPr>
+          <a:xfrm>
+            <a:off x="5989879" y="3302382"/>
+            <a:ext cx="18338318" cy="1163313"/>
+          </a:xfrm>
+          <a:prstGeom prst="rect">
+            <a:avLst/>
+          </a:prstGeom>
+          <a:noFill/>
+          <a:ln w="28575">
+            <a:noFill/>
+          </a:ln>
+        </p:spPr>
+        <p:txBody>
+          <a:bodyPr wrap="square" lIns="329104" tIns="164551" rIns="329104" bIns="164551" numCol="1" rtlCol="0" anchor="ctr">
+            <a:spAutoFit/>
+          </a:bodyPr>
+          <a:lstStyle/>
+          <a:p>
+            <a:pPr algn="ctr"/>
+            <a:r>
+              <a:rPr lang="en-US" sz="5400" dirty="0" smtClean="0">
+                <a:solidFill>
+                  <a:srgbClr val="2C3E50"/>
+                </a:solidFill>
+                <a:latin typeface="Gotham Book" charset="0"/>
+                <a:ea typeface="Gotham Book" charset="0"/>
+                <a:cs typeface="Gotham Book" charset="0"/>
+              </a:rPr>
+              <a:t>Sarah </a:t>
+            </a:r>
+            <a:r>
+              <a:rPr lang="en-US" sz="5400" dirty="0" smtClean="0">
+                <a:solidFill>
+                  <a:srgbClr val="2C3E50"/>
+                </a:solidFill>
+                <a:latin typeface="Gotham Book" charset="0"/>
+                <a:ea typeface="Gotham Book" charset="0"/>
+                <a:cs typeface="Gotham Book" charset="0"/>
+              </a:rPr>
+              <a:t>Sweeney, </a:t>
+            </a:r>
+            <a:r>
+              <a:rPr lang="en-US" sz="5400" dirty="0" err="1">
+                <a:solidFill>
+                  <a:srgbClr val="2C3E50"/>
+                </a:solidFill>
+                <a:latin typeface="Gotham Book" charset="0"/>
+                <a:ea typeface="Gotham Book" charset="0"/>
+                <a:cs typeface="Gotham Book" charset="0"/>
+              </a:rPr>
+              <a:t>sj.sweeney@neu.edu</a:t>
+            </a:r>
+            <a:endParaRPr lang="en-US" sz="5400" dirty="0">
+              <a:solidFill>
+                <a:srgbClr val="2C3E50"/>
+              </a:solidFill>
+              <a:latin typeface="Gotham Book" charset="0"/>
+              <a:ea typeface="Gotham Book" charset="0"/>
+              <a:cs typeface="Gotham Book" charset="0"/>
+            </a:endParaRPr>
+          </a:p>
+        </p:txBody>
+      </p:sp>
     </p:spTree>
     <p:extLst>
       <p:ext uri="{BB962C8B-B14F-4D97-AF65-F5344CB8AC3E}">

--- a/Presentations/Open Repositories 2016/Statistics/SweeneySarahORstatistics33x46.pptx
+++ b/Presentations/Open Repositories 2016/Statistics/SweeneySarahORstatistics33x46.pptx
@@ -8823,52 +8823,25 @@
                 <a:ea typeface="Helvetica" charset="0"/>
                 <a:cs typeface="Helvetica" charset="0"/>
               </a:rPr>
-              <a:t>Repository usage statistics are utilized by content owners to measure the use and impact of repository materials and to measure the use of the repository as a whole. Given the value of these </a:t>
-            </a:r>
-            <a:r>
-              <a:rPr lang="en-US" sz="2300" dirty="0" smtClean="0">
-                <a:latin typeface="Helvetica" charset="0"/>
-                <a:ea typeface="Helvetica" charset="0"/>
-                <a:cs typeface="Helvetica" charset="0"/>
-              </a:rPr>
-              <a:t>metrics, </a:t>
-            </a:r>
+              <a:t>Repository usage statistics are utilized by content owners to measure the impact of repository materials and to measure the use of the repository as a whole. Given the value of these metrics, it is vital that we understand how repository statistics are gathered so we can sort genuine user interactions from automated traffic.</a:t>
+            </a:r>
+            <a:endParaRPr lang="en-US" sz="2300" dirty="0">
+              <a:latin typeface="Helvetica" charset="0"/>
+              <a:ea typeface="Helvetica" charset="0"/>
+              <a:cs typeface="Helvetica" charset="0"/>
+            </a:endParaRPr>
+          </a:p>
+          <a:p>
             <a:r>
               <a:rPr lang="en-US" sz="2300" dirty="0">
                 <a:latin typeface="Helvetica" charset="0"/>
                 <a:ea typeface="Helvetica" charset="0"/>
                 <a:cs typeface="Helvetica" charset="0"/>
               </a:rPr>
-              <a:t>it is vital that we understand how repository statistics are gathered so we can sort genuine user interactions from automated </a:t>
-            </a:r>
-            <a:r>
-              <a:rPr lang="en-US" sz="2300" dirty="0" smtClean="0">
-                <a:latin typeface="Helvetica" charset="0"/>
-                <a:ea typeface="Helvetica" charset="0"/>
-                <a:cs typeface="Helvetica" charset="0"/>
-              </a:rPr>
-              <a:t>traffic</a:t>
-            </a:r>
-            <a:r>
-              <a:rPr lang="en-US" sz="2300" dirty="0" smtClean="0">
-                <a:latin typeface="Helvetica" charset="0"/>
-                <a:ea typeface="Helvetica" charset="0"/>
-                <a:cs typeface="Helvetica" charset="0"/>
-              </a:rPr>
-              <a:t>.</a:t>
-            </a:r>
-          </a:p>
-          <a:p>
-            <a:r>
-              <a:rPr lang="en-US" sz="2300" dirty="0" smtClean="0">
-                <a:latin typeface="Helvetica" charset="0"/>
-                <a:ea typeface="Helvetica" charset="0"/>
-                <a:cs typeface="Helvetica" charset="0"/>
-              </a:rPr>
               <a:t/>
             </a:r>
             <a:br>
-              <a:rPr lang="en-US" sz="2300" dirty="0" smtClean="0">
+              <a:rPr lang="en-US" sz="2300" dirty="0">
                 <a:latin typeface="Helvetica" charset="0"/>
                 <a:ea typeface="Helvetica" charset="0"/>
                 <a:cs typeface="Helvetica" charset="0"/>
@@ -8880,71 +8853,7 @@
                 <a:ea typeface="Helvetica" charset="0"/>
                 <a:cs typeface="Helvetica" charset="0"/>
               </a:rPr>
-              <a:t>Early on in the Digital Repository Service (DRS) development process we decided not to rely on Google Analytics to collect statistics. While Google Analytics does a lot of valuable tracking, we cannot easily </a:t>
-            </a:r>
-            <a:r>
-              <a:rPr lang="en-US" sz="2300" dirty="0" smtClean="0">
-                <a:latin typeface="Helvetica" charset="0"/>
-                <a:ea typeface="Helvetica" charset="0"/>
-                <a:cs typeface="Helvetica" charset="0"/>
-              </a:rPr>
-              <a:t>distinguish genuine user </a:t>
-            </a:r>
-            <a:r>
-              <a:rPr lang="en-US" sz="2300" dirty="0">
-                <a:latin typeface="Helvetica" charset="0"/>
-                <a:ea typeface="Helvetica" charset="0"/>
-                <a:cs typeface="Helvetica" charset="0"/>
-              </a:rPr>
-              <a:t>traffic from bots or crawlers. </a:t>
-            </a:r>
-            <a:r>
-              <a:rPr lang="en-US" sz="2300" dirty="0" smtClean="0">
-                <a:latin typeface="Helvetica" charset="0"/>
-                <a:ea typeface="Helvetica" charset="0"/>
-                <a:cs typeface="Helvetica" charset="0"/>
-              </a:rPr>
-              <a:t>We decided </a:t>
-            </a:r>
-            <a:r>
-              <a:rPr lang="en-US" sz="2300" dirty="0">
-                <a:latin typeface="Helvetica" charset="0"/>
-                <a:ea typeface="Helvetica" charset="0"/>
-                <a:cs typeface="Helvetica" charset="0"/>
-              </a:rPr>
-              <a:t>to record and process our own </a:t>
-            </a:r>
-            <a:r>
-              <a:rPr lang="en-US" sz="2300" dirty="0" smtClean="0">
-                <a:latin typeface="Helvetica" charset="0"/>
-                <a:ea typeface="Helvetica" charset="0"/>
-                <a:cs typeface="Helvetica" charset="0"/>
-              </a:rPr>
-              <a:t>statistics so we could disregard </a:t>
-            </a:r>
-            <a:r>
-              <a:rPr lang="en-US" sz="2300" dirty="0">
-                <a:latin typeface="Helvetica" charset="0"/>
-                <a:ea typeface="Helvetica" charset="0"/>
-                <a:cs typeface="Helvetica" charset="0"/>
-              </a:rPr>
-              <a:t>statistics generated by bots and other large consumers of our </a:t>
-            </a:r>
-            <a:r>
-              <a:rPr lang="en-US" sz="2300" dirty="0" smtClean="0">
-                <a:latin typeface="Helvetica" charset="0"/>
-                <a:ea typeface="Helvetica" charset="0"/>
-                <a:cs typeface="Helvetica" charset="0"/>
-              </a:rPr>
-              <a:t>content</a:t>
-            </a:r>
-            <a:r>
-              <a:rPr lang="en-US" sz="2300" dirty="0" smtClean="0">
-                <a:latin typeface="Helvetica" charset="0"/>
-                <a:ea typeface="Helvetica" charset="0"/>
-                <a:cs typeface="Helvetica" charset="0"/>
-              </a:rPr>
-              <a:t>. </a:t>
+              <a:t>Early on in the Digital Repository Service development process we decided not to rely on Google Analytics to collect statistics. While Google Analytics does a lot of valuable tracking, we cannot easily distinguish genuine user traffic from bots or crawlers. We decided to record and process our own statistics so we could isolate genuine use and ignore statistics generated by bots and other large automated consumers of our content.</a:t>
             </a:r>
             <a:endParaRPr lang="en-US" sz="2300" dirty="0">
               <a:latin typeface="Helvetica" charset="0"/>
@@ -9031,23 +8940,7 @@
                 <a:ea typeface="Helvetica" charset="0"/>
                 <a:cs typeface="Helvetica" charset="0"/>
               </a:rPr>
-              <a:t>A seemingly endless number of bots exist to crawl publicly available repository content for harvesting and indexing. These bots help increase the discovery of repository content, but they can also greatly inflate usage statistics. Usage statistics are often gathered using third-party tools, like Google Analytics, which may or may not report their collection methods, and may not be aware of the difference between human and bot consumption. Although content owners tend to prefer higher numbers regardless of the consumer, we want to be able to defend the statistics we are gathering in the DRS and declare them to be a genuine record of the use of our content by people, not </a:t>
-            </a:r>
-            <a:r>
-              <a:rPr lang="en-US" sz="2300" dirty="0" smtClean="0">
-                <a:latin typeface="Helvetica" charset="0"/>
-                <a:ea typeface="Helvetica" charset="0"/>
-                <a:cs typeface="Helvetica" charset="0"/>
-              </a:rPr>
-              <a:t>bots</a:t>
-            </a:r>
-            <a:r>
-              <a:rPr lang="en-US" sz="2300" dirty="0" smtClean="0">
-                <a:latin typeface="Helvetica" charset="0"/>
-                <a:ea typeface="Helvetica" charset="0"/>
-                <a:cs typeface="Helvetica" charset="0"/>
-              </a:rPr>
-              <a:t>.</a:t>
+              <a:t>A seemingly endless number of bots exist to crawl publicly available repository content for harvesting and indexing. These bots help increase the discovery of repository content, but they can also greatly inflate usage statistics. Usage statistics are often gathered using third-party tools, like Google Analytics, which may or may not report their collection methods, and may not be aware of the difference between human and bot consumption. Although content owners tend to prefer higher numbers regardless of the consumer, we want to be able to defend the statistics we are gathering for our repository and declare them to be a genuine reflection of the use of our content by people, not bots.</a:t>
             </a:r>
             <a:endParaRPr lang="en-US" sz="2300" dirty="0">
               <a:latin typeface="Helvetica" charset="0"/>
@@ -9140,23 +9033,7 @@
                 <a:ea typeface="Helvetica" charset="0"/>
                 <a:cs typeface="Helvetica" charset="0"/>
               </a:rPr>
-              <a:t>We designed a simple method for collecting and processing our repository </a:t>
-            </a:r>
-            <a:r>
-              <a:rPr lang="en-US" sz="2300" dirty="0" smtClean="0">
-                <a:latin typeface="Helvetica" charset="0"/>
-                <a:ea typeface="Helvetica" charset="0"/>
-                <a:cs typeface="Helvetica" charset="0"/>
-              </a:rPr>
-              <a:t>usage statistics </a:t>
-            </a:r>
-            <a:r>
-              <a:rPr lang="en-US" sz="2300" dirty="0">
-                <a:latin typeface="Helvetica" charset="0"/>
-                <a:ea typeface="Helvetica" charset="0"/>
-                <a:cs typeface="Helvetica" charset="0"/>
-              </a:rPr>
-              <a:t>that allows us to filter out non-human consumption of our content. Raw, unfiltered DRS usage statistics are stored in a </a:t>
+              <a:t>We designed a simple method for collecting and processing our usage statistics that allows us to filter out the non-human consumption of our content. Raw, unfiltered DRS usage statistics are stored in a </a:t>
             </a:r>
             <a:r>
               <a:rPr lang="en-US" sz="2300" dirty="0" err="1">
@@ -9172,15 +9049,7 @@
                 <a:ea typeface="Helvetica" charset="0"/>
                 <a:cs typeface="Helvetica" charset="0"/>
               </a:rPr>
-              <a:t> database, known as the impressions table. A nightly job processes this table by comparing the agent responsible for the impression against a list of keywords associated with known bots. Impressions made by agents that match any keyword are marked as FALSE and are filtered out of the statistics displayed to users in the </a:t>
-            </a:r>
-            <a:r>
-              <a:rPr lang="en-US" sz="2300" dirty="0" smtClean="0">
-                <a:latin typeface="Helvetica" charset="0"/>
-                <a:ea typeface="Helvetica" charset="0"/>
-                <a:cs typeface="Helvetica" charset="0"/>
-              </a:rPr>
-              <a:t>interface.</a:t>
+              <a:t> database, known as the impressions table. A nightly job processes this table by comparing the agent responsible for the impression against a list of keywords associated with known bots. Impressions made by agents that match any keyword are marked as FALSE and are filtered out of the statistics displayed to users in the interface.</a:t>
             </a:r>
             <a:endParaRPr lang="en-US" sz="2300" dirty="0">
               <a:latin typeface="Helvetica" charset="0"/>
@@ -9253,15 +9122,7 @@
                 <a:ea typeface="Helvetica" charset="0"/>
                 <a:cs typeface="Helvetica" charset="0"/>
               </a:rPr>
-              <a:t>Every file view, download, and stream is counted as an impression and recorded in the impressions table. Along with the type of impression, we also record the agent responsible for the impression, how the agent was referred to the file, the agent’s IP address, and the date of the impression. Impression frequency is limited to one per file per IP address per hour, which helps reduce inflated numbers from frequent clicking or page </a:t>
-            </a:r>
-            <a:r>
-              <a:rPr lang="en-US" sz="2300" dirty="0" smtClean="0">
-                <a:latin typeface="Helvetica" charset="0"/>
-                <a:ea typeface="Helvetica" charset="0"/>
-                <a:cs typeface="Helvetica" charset="0"/>
-              </a:rPr>
-              <a:t>refreshing.</a:t>
+              <a:t>Every file view, download, and stream is counted as an impression and recorded in the impressions table. Along with the type of impression, we also record the agent responsible for the impression, how the agent was referred to the file, the agent’s IP address, and the date of the impression. Impression frequency is limited to one per file per IP address per hour, which helps reduce inflated numbers from repeated clicks or page refreshes.</a:t>
             </a:r>
             <a:endParaRPr lang="en-US" sz="2300" dirty="0">
               <a:latin typeface="Helvetica" charset="0"/>
@@ -13532,15 +13393,7 @@
                 <a:ea typeface="Helvetica" charset="0"/>
                 <a:cs typeface="Helvetica" charset="0"/>
               </a:rPr>
-              <a:t>Top 5 page view </a:t>
-            </a:r>
-            <a:r>
-              <a:rPr lang="en-US" sz="2300" dirty="0" smtClean="0">
-                <a:latin typeface="Helvetica" charset="0"/>
-                <a:ea typeface="Helvetica" charset="0"/>
-                <a:cs typeface="Helvetica" charset="0"/>
-              </a:rPr>
-              <a:t>referrers.</a:t>
+              <a:t>Top 5 referrers for page views</a:t>
             </a:r>
             <a:endParaRPr lang="en-US" sz="2300" dirty="0">
               <a:latin typeface="Helvetica" charset="0"/>
@@ -14140,17 +13993,7 @@
                 <a:latin typeface="Gotham Medium"/>
                 <a:cs typeface="Gotham Medium"/>
               </a:rPr>
-              <a:t>Learn </a:t>
-            </a:r>
-            <a:r>
-              <a:rPr lang="en-US" sz="3800" dirty="0" smtClean="0">
-                <a:solidFill>
-                  <a:srgbClr val="2C3E50"/>
-                </a:solidFill>
-                <a:latin typeface="Gotham Medium"/>
-                <a:cs typeface="Gotham Medium"/>
-              </a:rPr>
-              <a:t>More</a:t>
+              <a:t>Learn More</a:t>
             </a:r>
           </a:p>
           <a:p>
@@ -14353,12 +14196,12 @@
           </a:p>
           <a:p>
             <a:r>
-              <a:rPr lang="en-US" sz="2300" dirty="0" smtClean="0">
+              <a:rPr lang="en-US" sz="2300" dirty="0">
                 <a:latin typeface="Helvetica" charset="0"/>
                 <a:ea typeface="Helvetica" charset="0"/>
                 <a:cs typeface="Helvetica" charset="0"/>
               </a:rPr>
-              <a:t>We also would like to use the data to improve our workflows. For example, the chart on the right can tell us the best time of day to schedule system deploys.</a:t>
+              <a:t>We also would like to use the data to improve our workflows. For example, the chart on the right can tell us the best time of day to schedule system deploys (5am).</a:t>
             </a:r>
             <a:endParaRPr lang="en-US" sz="2300" dirty="0">
               <a:latin typeface="Helvetica" charset="0"/>
@@ -14377,7 +14220,7 @@
         <p:spPr>
           <a:xfrm>
             <a:off x="9219184" y="30571803"/>
-            <a:ext cx="9943459" cy="3902524"/>
+            <a:ext cx="9943459" cy="3871746"/>
           </a:xfrm>
           <a:prstGeom prst="rect">
             <a:avLst/>
@@ -14399,7 +14242,7 @@
                 <a:ea typeface="Helvetica" charset="0"/>
                 <a:cs typeface="Helvetica" charset="0"/>
               </a:rPr>
-              <a:t>Categorizing our traffic and sharing our statistics gathering process has enabled us to more accurately track how the DRS is being used and more confidently defend our usage statistics as genuine use of repository content. In 2016 we plan to improve our data gathering practices by</a:t>
+              <a:t>Categorizing our traffic and sharing our statistics gathering process has enabled us to more accurately track how the DRS is being used and more confidently defend our usage statistics as a reflection of genuine use of repository content. In 2016 we plan to improve our data gathering practices by</a:t>
             </a:r>
             <a:r>
               <a:rPr lang="en-US" sz="2300" dirty="0" smtClean="0">
@@ -14409,11 +14252,6 @@
               </a:rPr>
               <a:t>:</a:t>
             </a:r>
-            <a:endParaRPr lang="en-US" sz="2300" dirty="0" smtClean="0">
-              <a:latin typeface="Helvetica" charset="0"/>
-              <a:ea typeface="Helvetica" charset="0"/>
-              <a:cs typeface="Helvetica" charset="0"/>
-            </a:endParaRPr>
           </a:p>
           <a:p>
             <a:endParaRPr lang="en-US" sz="2300" dirty="0">
@@ -14433,40 +14271,13 @@
                 <a:ea typeface="Helvetica" charset="0"/>
                 <a:cs typeface="Helvetica" charset="0"/>
               </a:rPr>
-              <a:t>Inserting additional data points </a:t>
-            </a:r>
-            <a:r>
-              <a:rPr lang="en-US" sz="2300" dirty="0" smtClean="0">
-                <a:latin typeface="Helvetica" charset="0"/>
-                <a:ea typeface="Helvetica" charset="0"/>
-                <a:cs typeface="Helvetica" charset="0"/>
-              </a:rPr>
-              <a:t>into </a:t>
-            </a:r>
-            <a:r>
-              <a:rPr lang="en-US" sz="2300">
-                <a:latin typeface="Helvetica" charset="0"/>
-                <a:ea typeface="Helvetica" charset="0"/>
-                <a:cs typeface="Helvetica" charset="0"/>
-              </a:rPr>
-              <a:t>the </a:t>
-            </a:r>
-            <a:r>
-              <a:rPr lang="en-US" sz="2300" smtClean="0">
-                <a:latin typeface="Helvetica" charset="0"/>
-                <a:ea typeface="Helvetica" charset="0"/>
-                <a:cs typeface="Helvetica" charset="0"/>
-              </a:rPr>
-              <a:t>impressions </a:t>
-            </a:r>
-            <a:r>
-              <a:rPr lang="en-US" sz="2300" dirty="0" smtClean="0">
-                <a:latin typeface="Helvetica" charset="0"/>
-                <a:ea typeface="Helvetica" charset="0"/>
-                <a:cs typeface="Helvetica" charset="0"/>
-              </a:rPr>
-              <a:t>table</a:t>
-            </a:r>
+              <a:t>Inserting additional data points into the impressions table</a:t>
+            </a:r>
+            <a:endParaRPr lang="en-US" sz="2300" dirty="0">
+              <a:latin typeface="Helvetica" charset="0"/>
+              <a:ea typeface="Helvetica" charset="0"/>
+              <a:cs typeface="Helvetica" charset="0"/>
+            </a:endParaRPr>
           </a:p>
           <a:p>
             <a:pPr marL="342900" indent="-342900">
@@ -14474,80 +14285,31 @@
               <a:buChar char="•"/>
             </a:pPr>
             <a:r>
-              <a:rPr lang="en-US" sz="2300" dirty="0" smtClean="0">
+              <a:rPr lang="en-US" sz="2300" dirty="0">
                 <a:latin typeface="Helvetica" charset="0"/>
                 <a:ea typeface="Helvetica" charset="0"/>
                 <a:cs typeface="Helvetica" charset="0"/>
               </a:rPr>
               <a:t>Operationalizing the process for adding new agents to the bot list</a:t>
             </a:r>
+            <a:endParaRPr lang="en-US" sz="2300" dirty="0">
+              <a:latin typeface="Helvetica" charset="0"/>
+              <a:ea typeface="Helvetica" charset="0"/>
+              <a:cs typeface="Helvetica" charset="0"/>
+            </a:endParaRPr>
           </a:p>
           <a:p>
             <a:pPr marL="342900" indent="-342900">
               <a:buFont typeface="Arial" charset="0"/>
               <a:buChar char="•"/>
             </a:pPr>
-            <a:r>
-              <a:rPr lang="en-US" sz="2300" dirty="0" smtClean="0">
-                <a:latin typeface="Helvetica" charset="0"/>
-                <a:ea typeface="Helvetica" charset="0"/>
-                <a:cs typeface="Helvetica" charset="0"/>
-              </a:rPr>
-              <a:t>Using </a:t>
-            </a:r>
             <a:r>
               <a:rPr lang="en-US" sz="2300" dirty="0">
                 <a:latin typeface="Helvetica" charset="0"/>
                 <a:ea typeface="Helvetica" charset="0"/>
                 <a:cs typeface="Helvetica" charset="0"/>
               </a:rPr>
-              <a:t>IP </a:t>
-            </a:r>
-            <a:r>
-              <a:rPr lang="en-US" sz="2300" dirty="0" smtClean="0">
-                <a:latin typeface="Helvetica" charset="0"/>
-                <a:ea typeface="Helvetica" charset="0"/>
-                <a:cs typeface="Helvetica" charset="0"/>
-              </a:rPr>
-              <a:t>addresses to </a:t>
-            </a:r>
-            <a:r>
-              <a:rPr lang="en-US" sz="2300" dirty="0">
-                <a:latin typeface="Helvetica" charset="0"/>
-                <a:ea typeface="Helvetica" charset="0"/>
-                <a:cs typeface="Helvetica" charset="0"/>
-              </a:rPr>
-              <a:t>display geographic </a:t>
-            </a:r>
-            <a:r>
-              <a:rPr lang="en-US" sz="2300" dirty="0" smtClean="0">
-                <a:latin typeface="Helvetica" charset="0"/>
-                <a:ea typeface="Helvetica" charset="0"/>
-                <a:cs typeface="Helvetica" charset="0"/>
-              </a:rPr>
-              <a:t>visualizations</a:t>
-            </a:r>
-          </a:p>
-          <a:p>
-            <a:pPr marL="342900" indent="-342900">
-              <a:buFont typeface="Arial" charset="0"/>
-              <a:buChar char="•"/>
-            </a:pPr>
-            <a:r>
-              <a:rPr lang="en-US" sz="2300" dirty="0" smtClean="0">
-                <a:latin typeface="Helvetica" charset="0"/>
-                <a:ea typeface="Helvetica" charset="0"/>
-                <a:cs typeface="Helvetica" charset="0"/>
-              </a:rPr>
-              <a:t>Displaying </a:t>
-            </a:r>
-            <a:r>
-              <a:rPr lang="en-US" sz="2300" dirty="0">
-                <a:latin typeface="Helvetica" charset="0"/>
-                <a:ea typeface="Helvetica" charset="0"/>
-                <a:cs typeface="Helvetica" charset="0"/>
-              </a:rPr>
-              <a:t>aggregated statistics on collection and community pages</a:t>
+              <a:t>Improving our statistical displays, including aggregated statistics and geographic visualizations</a:t>
             </a:r>
             <a:endParaRPr lang="en-US" sz="2300" dirty="0">
               <a:latin typeface="Helvetica" charset="0"/>
@@ -14566,7 +14328,7 @@
         <p:spPr>
           <a:xfrm>
             <a:off x="9206401" y="26418924"/>
-            <a:ext cx="9959423" cy="2692962"/>
+            <a:ext cx="10859737" cy="2769906"/>
           </a:xfrm>
           <a:prstGeom prst="rect">
             <a:avLst/>
@@ -14620,7 +14382,7 @@
                 <a:ea typeface="Helvetica" charset="0"/>
                 <a:cs typeface="Helvetica" charset="0"/>
               </a:rPr>
-              <a:t>When the impressions table is processed, the agent responsible for each impression is compared against a list of common keywords associated with bots and crawlers is used to filter out agents from the impressions table</a:t>
+              <a:t>When the impressions table is processed, the agent responsible for each impression is compared against a list of common keywords associated with bots and crawlers, which is used to filter out agents from the impressions table. These keywords include</a:t>
             </a:r>
             <a:r>
               <a:rPr lang="en-US" sz="2300" dirty="0" smtClean="0">
@@ -14628,31 +14390,7 @@
                 <a:ea typeface="Helvetica" charset="0"/>
                 <a:cs typeface="Helvetica" charset="0"/>
               </a:rPr>
-              <a:t>. </a:t>
-            </a:r>
-            <a:r>
-              <a:rPr lang="en-US" sz="2300" dirty="0">
-                <a:latin typeface="Helvetica" charset="0"/>
-                <a:ea typeface="Helvetica" charset="0"/>
-                <a:cs typeface="Helvetica" charset="0"/>
-              </a:rPr>
-              <a:t>These keywords include:</a:t>
-            </a:r>
-            <a:r>
-              <a:rPr lang="en-US" sz="2300" dirty="0" smtClean="0">
-                <a:latin typeface="Helvetica" charset="0"/>
-                <a:ea typeface="Helvetica" charset="0"/>
-                <a:cs typeface="Helvetica" charset="0"/>
-              </a:rPr>
-              <a:t> </a:t>
-            </a:r>
-            <a:r>
-              <a:rPr lang="en-US" sz="2300" dirty="0" smtClean="0">
-                <a:latin typeface="Helvetica" charset="0"/>
-                <a:ea typeface="Helvetica" charset="0"/>
-                <a:cs typeface="Helvetica" charset="0"/>
-              </a:rPr>
-              <a:t>*</a:t>
+              <a:t>: *</a:t>
             </a:r>
             <a:r>
               <a:rPr lang="en-US" sz="2300" dirty="0">
@@ -14692,8 +14430,13 @@
                 <a:ea typeface="Helvetica" charset="0"/>
                 <a:cs typeface="Helvetica" charset="0"/>
               </a:rPr>
-              <a:t>*, *slurp*, *spider*</a:t>
-            </a:r>
+              <a:t>*, *slurp*, and *spider*</a:t>
+            </a:r>
+            <a:endParaRPr lang="en-US" sz="2300" dirty="0">
+              <a:latin typeface="Helvetica" charset="0"/>
+              <a:ea typeface="Helvetica" charset="0"/>
+              <a:cs typeface="Helvetica" charset="0"/>
+            </a:endParaRPr>
           </a:p>
         </p:txBody>
       </p:sp>
@@ -14706,7 +14449,7 @@
         <p:spPr>
           <a:xfrm>
             <a:off x="9207925" y="23482554"/>
-            <a:ext cx="9957899" cy="3139238"/>
+            <a:ext cx="10858075" cy="3046905"/>
           </a:xfrm>
           <a:prstGeom prst="rect">
             <a:avLst/>
@@ -14762,7 +14505,7 @@
               <a:buChar char="•"/>
             </a:pPr>
             <a:r>
-              <a:rPr lang="en-US" sz="2300" b="1" dirty="0" smtClean="0">
+              <a:rPr lang="en-US" sz="2300" b="1" dirty="0">
                 <a:latin typeface="Helvetica" charset="0"/>
                 <a:ea typeface="Helvetica" charset="0"/>
                 <a:cs typeface="Helvetica" charset="0"/>
@@ -14770,12 +14513,74 @@
               <a:t>Status</a:t>
             </a:r>
             <a:r>
+              <a:rPr lang="en-US" sz="2300" dirty="0">
+                <a:latin typeface="Helvetica" charset="0"/>
+                <a:ea typeface="Helvetica" charset="0"/>
+                <a:cs typeface="Helvetica" charset="0"/>
+              </a:rPr>
+              <a:t>: Files that are queued for download will be marked INCOMPLETE and are ignored until the download is finished.</a:t>
+            </a:r>
+            <a:endParaRPr lang="en-US" sz="2300" dirty="0">
+              <a:latin typeface="Helvetica" charset="0"/>
+              <a:ea typeface="Helvetica" charset="0"/>
+              <a:cs typeface="Helvetica" charset="0"/>
+            </a:endParaRPr>
+          </a:p>
+          <a:p>
+            <a:pPr marL="342900" indent="-342900">
+              <a:buFont typeface="Arial" charset="0"/>
+              <a:buChar char="•"/>
+            </a:pPr>
+            <a:r>
+              <a:rPr lang="en-US" sz="2300" b="1" dirty="0">
+                <a:latin typeface="Helvetica" charset="0"/>
+                <a:ea typeface="Helvetica" charset="0"/>
+                <a:cs typeface="Helvetica" charset="0"/>
+              </a:rPr>
+              <a:t>Public</a:t>
+            </a:r>
+            <a:r>
+              <a:rPr lang="en-US" sz="2300" dirty="0">
+                <a:latin typeface="Helvetica" charset="0"/>
+                <a:ea typeface="Helvetica" charset="0"/>
+                <a:cs typeface="Helvetica" charset="0"/>
+              </a:rPr>
+              <a:t>: All impressions are initially set to TRUE. Once processed, impressions with agents on the bot list are marked as FALSE.</a:t>
+            </a:r>
+            <a:endParaRPr lang="en-US" sz="2300" dirty="0">
+              <a:latin typeface="Helvetica" charset="0"/>
+              <a:ea typeface="Helvetica" charset="0"/>
+              <a:cs typeface="Helvetica" charset="0"/>
+            </a:endParaRPr>
+          </a:p>
+          <a:p>
+            <a:pPr marL="342900" indent="-342900">
+              <a:buFont typeface="Arial" charset="0"/>
+              <a:buChar char="•"/>
+            </a:pPr>
+            <a:r>
+              <a:rPr lang="en-US" sz="2300" b="1" dirty="0">
+                <a:latin typeface="Helvetica" charset="0"/>
+                <a:ea typeface="Helvetica" charset="0"/>
+                <a:cs typeface="Helvetica" charset="0"/>
+              </a:rPr>
+              <a:t>Processed</a:t>
+            </a:r>
+            <a:r>
+              <a:rPr lang="en-US" sz="2300" dirty="0">
+                <a:latin typeface="Helvetica" charset="0"/>
+                <a:ea typeface="Helvetica" charset="0"/>
+                <a:cs typeface="Helvetica" charset="0"/>
+              </a:rPr>
+              <a:t>: </a:t>
+            </a:r>
+            <a:r>
               <a:rPr lang="en-US" sz="2300" dirty="0" smtClean="0">
                 <a:latin typeface="Helvetica" charset="0"/>
                 <a:ea typeface="Helvetica" charset="0"/>
                 <a:cs typeface="Helvetica" charset="0"/>
               </a:rPr>
-              <a:t>: </a:t>
+              <a:t>All </a:t>
             </a:r>
             <a:r>
               <a:rPr lang="en-US" sz="2300" dirty="0">
@@ -14783,109 +14588,7 @@
                 <a:ea typeface="Helvetica" charset="0"/>
                 <a:cs typeface="Helvetica" charset="0"/>
               </a:rPr>
-              <a:t>Files that are queued for download will be marked INCOMPLETE and are excluded until the download is </a:t>
-            </a:r>
-            <a:r>
-              <a:rPr lang="en-US" sz="2300" dirty="0" smtClean="0">
-                <a:latin typeface="Helvetica" charset="0"/>
-                <a:ea typeface="Helvetica" charset="0"/>
-                <a:cs typeface="Helvetica" charset="0"/>
-              </a:rPr>
-              <a:t>finished</a:t>
-            </a:r>
-            <a:r>
-              <a:rPr lang="en-US" sz="2300" dirty="0" smtClean="0">
-                <a:latin typeface="Helvetica" charset="0"/>
-                <a:ea typeface="Helvetica" charset="0"/>
-                <a:cs typeface="Helvetica" charset="0"/>
-              </a:rPr>
-              <a:t>.</a:t>
-            </a:r>
-            <a:endParaRPr lang="en-US" sz="2300" dirty="0" smtClean="0">
-              <a:latin typeface="Helvetica" charset="0"/>
-              <a:ea typeface="Helvetica" charset="0"/>
-              <a:cs typeface="Helvetica" charset="0"/>
-            </a:endParaRPr>
-          </a:p>
-          <a:p>
-            <a:pPr marL="342900" indent="-342900">
-              <a:buFont typeface="Arial" charset="0"/>
-              <a:buChar char="•"/>
-            </a:pPr>
-            <a:r>
-              <a:rPr lang="en-US" sz="2300" b="1" dirty="0" smtClean="0">
-                <a:latin typeface="Helvetica" charset="0"/>
-                <a:ea typeface="Helvetica" charset="0"/>
-                <a:cs typeface="Helvetica" charset="0"/>
-              </a:rPr>
-              <a:t>Public</a:t>
-            </a:r>
-            <a:r>
-              <a:rPr lang="en-US" sz="2300" dirty="0" smtClean="0">
-                <a:latin typeface="Helvetica" charset="0"/>
-                <a:ea typeface="Helvetica" charset="0"/>
-                <a:cs typeface="Helvetica" charset="0"/>
-              </a:rPr>
-              <a:t>: </a:t>
-            </a:r>
-            <a:r>
-              <a:rPr lang="en-US" sz="2300" dirty="0">
-                <a:latin typeface="Helvetica" charset="0"/>
-                <a:ea typeface="Helvetica" charset="0"/>
-                <a:cs typeface="Helvetica" charset="0"/>
-              </a:rPr>
-              <a:t>All impressions are initially set to TRUE. Once processed, impressions with agents on the bot list are marked as FALSE</a:t>
-            </a:r>
-            <a:r>
-              <a:rPr lang="en-US" sz="2300" dirty="0" smtClean="0">
-                <a:latin typeface="Helvetica" charset="0"/>
-                <a:ea typeface="Helvetica" charset="0"/>
-                <a:cs typeface="Helvetica" charset="0"/>
-              </a:rPr>
-              <a:t>.</a:t>
-            </a:r>
-            <a:endParaRPr lang="en-US" sz="2300" dirty="0" smtClean="0">
-              <a:latin typeface="Helvetica" charset="0"/>
-              <a:ea typeface="Helvetica" charset="0"/>
-              <a:cs typeface="Helvetica" charset="0"/>
-            </a:endParaRPr>
-          </a:p>
-          <a:p>
-            <a:pPr marL="342900" indent="-342900">
-              <a:buFont typeface="Arial" charset="0"/>
-              <a:buChar char="•"/>
-            </a:pPr>
-            <a:r>
-              <a:rPr lang="en-US" sz="2300" b="1" dirty="0" smtClean="0">
-                <a:latin typeface="Helvetica" charset="0"/>
-                <a:ea typeface="Helvetica" charset="0"/>
-                <a:cs typeface="Helvetica" charset="0"/>
-              </a:rPr>
-              <a:t>Processed</a:t>
-            </a:r>
-            <a:r>
-              <a:rPr lang="en-US" sz="2300" dirty="0" smtClean="0">
-                <a:latin typeface="Helvetica" charset="0"/>
-                <a:ea typeface="Helvetica" charset="0"/>
-                <a:cs typeface="Helvetica" charset="0"/>
-              </a:rPr>
-              <a:t>: </a:t>
-            </a:r>
-            <a:r>
-              <a:rPr lang="en-US" sz="2300" dirty="0">
-                <a:latin typeface="Helvetica" charset="0"/>
-                <a:ea typeface="Helvetica" charset="0"/>
-                <a:cs typeface="Helvetica" charset="0"/>
-              </a:rPr>
-              <a:t>All impressions are initially set to FALSE. Once processed, the value is set to TRUE</a:t>
-            </a:r>
-            <a:r>
-              <a:rPr lang="en-US" sz="2300" dirty="0" smtClean="0">
-                <a:latin typeface="Helvetica" charset="0"/>
-                <a:ea typeface="Helvetica" charset="0"/>
-                <a:cs typeface="Helvetica" charset="0"/>
-              </a:rPr>
-              <a:t>. </a:t>
+              <a:t>impressions are initially set to FALSE. Once processed, the value is set to TRUE.</a:t>
             </a:r>
             <a:endParaRPr lang="en-US" sz="2300" dirty="0">
               <a:latin typeface="Helvetica" charset="0"/>
@@ -16295,17 +15998,7 @@
                 <a:latin typeface="Gotham Medium"/>
                 <a:cs typeface="Gotham Medium"/>
               </a:rPr>
-              <a:t>Using the </a:t>
-            </a:r>
-            <a:r>
-              <a:rPr lang="en-US" sz="3800" dirty="0" smtClean="0">
-                <a:solidFill>
-                  <a:srgbClr val="2C3E50"/>
-                </a:solidFill>
-                <a:latin typeface="Gotham Medium"/>
-                <a:cs typeface="Gotham Medium"/>
-              </a:rPr>
-              <a:t>Data</a:t>
+              <a:t>Using the Data</a:t>
             </a:r>
             <a:endParaRPr lang="en-US" sz="3800" dirty="0">
               <a:solidFill>
@@ -16463,32 +16156,13 @@
                 <a:ea typeface="Helvetica" charset="0"/>
                 <a:cs typeface="Helvetica" charset="0"/>
               </a:rPr>
-              <a:t>Measuring impact accurately is a difficult task, as is being able to confidently defend how measurements are recorded. Although there is important statistical value in recording automated bot traffic, measuring and reporting genuine use can improve our ability to communicate the true </a:t>
-            </a:r>
-            <a:r>
-              <a:rPr lang="en-US" sz="2300" dirty="0" smtClean="0">
-                <a:latin typeface="Helvetica" charset="0"/>
-                <a:ea typeface="Helvetica" charset="0"/>
-                <a:cs typeface="Helvetica" charset="0"/>
-              </a:rPr>
-              <a:t>impact of </a:t>
-            </a:r>
-            <a:r>
-              <a:rPr lang="en-US" sz="2300" dirty="0">
-                <a:latin typeface="Helvetica" charset="0"/>
-                <a:ea typeface="Helvetica" charset="0"/>
-                <a:cs typeface="Helvetica" charset="0"/>
-              </a:rPr>
-              <a:t>repository content</a:t>
-            </a:r>
-            <a:r>
-              <a:rPr lang="en-US" sz="2300" dirty="0" smtClean="0">
-                <a:latin typeface="Helvetica" charset="0"/>
-                <a:ea typeface="Helvetica" charset="0"/>
-                <a:cs typeface="Helvetica" charset="0"/>
-              </a:rPr>
-              <a:t>.</a:t>
-            </a:r>
+              <a:t>Measuring impact accurately is a difficult task, as is being able to confidently defend how measurements are recorded. Although there is important statistical value in recording automated bot traffic, measuring and reporting genuine repository use can improve our ability to communicate the true impact of repository content.</a:t>
+            </a:r>
+            <a:endParaRPr lang="en-US" sz="2300" dirty="0" smtClean="0">
+              <a:latin typeface="Helvetica" charset="0"/>
+              <a:ea typeface="Helvetica" charset="0"/>
+              <a:cs typeface="Helvetica" charset="0"/>
+            </a:endParaRPr>
           </a:p>
         </p:txBody>
       </p:sp>
@@ -16891,18 +16565,7 @@
                 <a:ea typeface="Gotham Book" charset="0"/>
                 <a:cs typeface="Gotham Book" charset="0"/>
               </a:rPr>
-              <a:t>Sarah </a:t>
-            </a:r>
-            <a:r>
-              <a:rPr lang="en-US" sz="5400" dirty="0" smtClean="0">
-                <a:solidFill>
-                  <a:srgbClr val="2C3E50"/>
-                </a:solidFill>
-                <a:latin typeface="Gotham Book" charset="0"/>
-                <a:ea typeface="Gotham Book" charset="0"/>
-                <a:cs typeface="Gotham Book" charset="0"/>
-              </a:rPr>
-              <a:t>Sweeney, </a:t>
+              <a:t>Sarah Sweeney, </a:t>
             </a:r>
             <a:r>
               <a:rPr lang="en-US" sz="5400" dirty="0" err="1">

--- a/Presentations/Open Repositories 2016/Statistics/SweeneySarahORstatistics33x46.pptx
+++ b/Presentations/Open Repositories 2016/Statistics/SweeneySarahORstatistics33x46.pptx
@@ -116,7 +116,7 @@
             <a:srgbClr val="A4A3A4"/>
           </p15:clr>
         </p15:guide>
-        <p15:guide id="2" pos="9533" userDrawn="1">
+        <p15:guide id="2" pos="12149" userDrawn="1">
           <p15:clr>
             <a:srgbClr val="A4A3A4"/>
           </p15:clr>
@@ -8540,13 +8540,13 @@
           <p:nvPr>
             <p:extLst>
               <p:ext uri="{D42A27DB-BD31-4B8C-83A1-F6EECF244321}">
-                <p14:modId xmlns:p14="http://schemas.microsoft.com/office/powerpoint/2010/main" val="1126838995"/>
+                <p14:modId xmlns:p14="http://schemas.microsoft.com/office/powerpoint/2010/main" val="650263343"/>
               </p:ext>
             </p:extLst>
           </p:nvPr>
         </p:nvGraphicFramePr>
         <p:xfrm>
-          <a:off x="10551705" y="10464145"/>
+          <a:off x="10551705" y="10184745"/>
           <a:ext cx="6124196" cy="6074228"/>
         </p:xfrm>
         <a:graphic>
@@ -8825,11 +8825,6 @@
               </a:rPr>
               <a:t>Repository usage statistics are utilized by content owners to measure the impact of repository materials and to measure the use of the repository as a whole. Given the value of these metrics, it is vital that we understand how repository statistics are gathered so we can sort genuine user interactions from automated traffic.</a:t>
             </a:r>
-            <a:endParaRPr lang="en-US" sz="2300" dirty="0">
-              <a:latin typeface="Helvetica" charset="0"/>
-              <a:ea typeface="Helvetica" charset="0"/>
-              <a:cs typeface="Helvetica" charset="0"/>
-            </a:endParaRPr>
           </a:p>
           <a:p>
             <a:r>
@@ -8853,13 +8848,24 @@
                 <a:ea typeface="Helvetica" charset="0"/>
                 <a:cs typeface="Helvetica" charset="0"/>
               </a:rPr>
-              <a:t>Early on in the Digital Repository Service development process we decided not to rely on Google Analytics to collect statistics. While Google Analytics does a lot of valuable tracking, we cannot easily distinguish genuine user traffic from bots or crawlers. We decided to record and process our own statistics so we could isolate genuine use and ignore statistics generated by bots and other large automated consumers of our content.</a:t>
-            </a:r>
-            <a:endParaRPr lang="en-US" sz="2300" dirty="0">
-              <a:latin typeface="Helvetica" charset="0"/>
-              <a:ea typeface="Helvetica" charset="0"/>
-              <a:cs typeface="Helvetica" charset="0"/>
-            </a:endParaRPr>
+              <a:t>Early on in the Digital Repository Service development process we decided not to rely on Google Analytics to collect statistics. While Google Analytics </a:t>
+            </a:r>
+            <a:r>
+              <a:rPr lang="en-US" sz="2300" dirty="0" smtClean="0">
+                <a:latin typeface="Helvetica" charset="0"/>
+                <a:ea typeface="Helvetica" charset="0"/>
+                <a:cs typeface="Helvetica" charset="0"/>
+              </a:rPr>
+              <a:t>provides valuable </a:t>
+            </a:r>
+            <a:r>
+              <a:rPr lang="en-US" sz="2300" dirty="0">
+                <a:latin typeface="Helvetica" charset="0"/>
+                <a:ea typeface="Helvetica" charset="0"/>
+                <a:cs typeface="Helvetica" charset="0"/>
+              </a:rPr>
+              <a:t>tracking, we cannot easily distinguish genuine user traffic from bots or crawlers. We decided to record and process our own statistics so we could isolate genuine use and ignore statistics generated by bots and other large automated consumers of our content.</a:t>
+            </a:r>
           </a:p>
         </p:txBody>
       </p:sp>
@@ -8942,11 +8948,6 @@
               </a:rPr>
               <a:t>A seemingly endless number of bots exist to crawl publicly available repository content for harvesting and indexing. These bots help increase the discovery of repository content, but they can also greatly inflate usage statistics. Usage statistics are often gathered using third-party tools, like Google Analytics, which may or may not report their collection methods, and may not be aware of the difference between human and bot consumption. Although content owners tend to prefer higher numbers regardless of the consumer, we want to be able to defend the statistics we are gathering for our repository and declare them to be a genuine reflection of the use of our content by people, not bots.</a:t>
             </a:r>
-            <a:endParaRPr lang="en-US" sz="2300" dirty="0">
-              <a:latin typeface="Helvetica" charset="0"/>
-              <a:ea typeface="Helvetica" charset="0"/>
-              <a:cs typeface="Helvetica" charset="0"/>
-            </a:endParaRPr>
           </a:p>
         </p:txBody>
       </p:sp>
@@ -9033,15 +9034,15 @@
                 <a:ea typeface="Helvetica" charset="0"/>
                 <a:cs typeface="Helvetica" charset="0"/>
               </a:rPr>
-              <a:t>We designed a simple method for collecting and processing our usage statistics that allows us to filter out the non-human consumption of our content. Raw, unfiltered DRS usage statistics are stored in a </a:t>
-            </a:r>
-            <a:r>
-              <a:rPr lang="en-US" sz="2300" dirty="0" err="1">
+              <a:t>We designed a simple method for collecting and processing our usage statistics that allows us to filter out the non-human consumption of our content. Raw, unfiltered DRS usage statistics are stored in </a:t>
+            </a:r>
+            <a:r>
+              <a:rPr lang="en-US" sz="2300" smtClean="0">
                 <a:latin typeface="Helvetica" charset="0"/>
                 <a:ea typeface="Helvetica" charset="0"/>
                 <a:cs typeface="Helvetica" charset="0"/>
               </a:rPr>
-              <a:t>mySQL</a:t>
+              <a:t>an impressions table in a SQL database. </a:t>
             </a:r>
             <a:r>
               <a:rPr lang="en-US" sz="2300" dirty="0">
@@ -9049,13 +9050,8 @@
                 <a:ea typeface="Helvetica" charset="0"/>
                 <a:cs typeface="Helvetica" charset="0"/>
               </a:rPr>
-              <a:t> database, known as the impressions table. A nightly job processes this table by comparing the agent responsible for the impression against a list of keywords associated with known bots. Impressions made by agents that match any keyword are marked as FALSE and are filtered out of the statistics displayed to users in the interface.</a:t>
-            </a:r>
-            <a:endParaRPr lang="en-US" sz="2300" dirty="0">
-              <a:latin typeface="Helvetica" charset="0"/>
-              <a:ea typeface="Helvetica" charset="0"/>
-              <a:cs typeface="Helvetica" charset="0"/>
-            </a:endParaRPr>
+              <a:t>A nightly job processes this table by comparing the agent responsible for the impression against a list of keywords associated with known bots. Impressions made by agents that match any keyword are marked as FALSE and are filtered out of the statistics displayed to users in the interface.</a:t>
+            </a:r>
           </a:p>
         </p:txBody>
       </p:sp>
@@ -9124,11 +9120,6 @@
               </a:rPr>
               <a:t>Every file view, download, and stream is counted as an impression and recorded in the impressions table. Along with the type of impression, we also record the agent responsible for the impression, how the agent was referred to the file, the agent’s IP address, and the date of the impression. Impression frequency is limited to one per file per IP address per hour, which helps reduce inflated numbers from repeated clicks or page refreshes.</a:t>
             </a:r>
-            <a:endParaRPr lang="en-US" sz="2300" dirty="0">
-              <a:latin typeface="Helvetica" charset="0"/>
-              <a:ea typeface="Helvetica" charset="0"/>
-              <a:cs typeface="Helvetica" charset="0"/>
-            </a:endParaRPr>
           </a:p>
         </p:txBody>
       </p:sp>
@@ -13387,19 +13378,31 @@
             </a:endParaRPr>
           </a:p>
           <a:p>
+            <a:pPr algn="ctr"/>
             <a:r>
               <a:rPr lang="en-US" sz="2300" dirty="0">
                 <a:latin typeface="Helvetica" charset="0"/>
                 <a:ea typeface="Helvetica" charset="0"/>
                 <a:cs typeface="Helvetica" charset="0"/>
               </a:rPr>
-              <a:t>Top 5 referrers for page views</a:t>
-            </a:r>
-            <a:endParaRPr lang="en-US" sz="2300" dirty="0">
-              <a:latin typeface="Helvetica" charset="0"/>
-              <a:ea typeface="Helvetica" charset="0"/>
-              <a:cs typeface="Helvetica" charset="0"/>
-            </a:endParaRPr>
+              <a:t>Top 5 referrers </a:t>
+            </a:r>
+            <a:r>
+              <a:rPr lang="en-US" sz="2300" dirty="0" smtClean="0">
+                <a:latin typeface="Helvetica" charset="0"/>
+                <a:ea typeface="Helvetica" charset="0"/>
+                <a:cs typeface="Helvetica" charset="0"/>
+              </a:rPr>
+              <a:t>by number of page </a:t>
+            </a:r>
+            <a:r>
+              <a:rPr lang="en-US" sz="2300" dirty="0">
+                <a:latin typeface="Helvetica" charset="0"/>
+                <a:ea typeface="Helvetica" charset="0"/>
+                <a:cs typeface="Helvetica" charset="0"/>
+              </a:rPr>
+              <a:t>views</a:t>
+            </a:r>
           </a:p>
         </p:txBody>
       </p:sp>
@@ -13456,6 +13459,7 @@
             </a:endParaRPr>
           </a:p>
           <a:p>
+            <a:pPr algn="ctr"/>
             <a:r>
               <a:rPr lang="en-US" sz="2300" dirty="0">
                 <a:latin typeface="Helvetica" charset="0"/>
@@ -13533,13 +13537,38 @@
             </a:endParaRPr>
           </a:p>
           <a:p>
+            <a:pPr algn="ctr"/>
             <a:r>
               <a:rPr lang="en-US" sz="2300" dirty="0">
                 <a:latin typeface="Helvetica" charset="0"/>
                 <a:ea typeface="Helvetica" charset="0"/>
                 <a:cs typeface="Helvetica" charset="0"/>
               </a:rPr>
-              <a:t>Top 25 DRS items by genre</a:t>
+              <a:t>Top 25 </a:t>
+            </a:r>
+            <a:r>
+              <a:rPr lang="en-US" sz="2300" dirty="0" smtClean="0">
+                <a:latin typeface="Helvetica" charset="0"/>
+                <a:ea typeface="Helvetica" charset="0"/>
+                <a:cs typeface="Helvetica" charset="0"/>
+              </a:rPr>
+              <a:t>viewed </a:t>
+            </a:r>
+            <a:r>
+              <a:rPr lang="en-US" sz="2300" dirty="0" smtClean="0">
+                <a:latin typeface="Helvetica" charset="0"/>
+                <a:ea typeface="Helvetica" charset="0"/>
+                <a:cs typeface="Helvetica" charset="0"/>
+              </a:rPr>
+              <a:t>files by </a:t>
+            </a:r>
+            <a:r>
+              <a:rPr lang="en-US" sz="2300" dirty="0">
+                <a:latin typeface="Helvetica" charset="0"/>
+                <a:ea typeface="Helvetica" charset="0"/>
+                <a:cs typeface="Helvetica" charset="0"/>
+              </a:rPr>
+              <a:t>genre</a:t>
             </a:r>
             <a:r>
               <a:rPr lang="en-US" sz="2300" dirty="0" smtClean="0">
@@ -13565,7 +13594,7 @@
         </p:nvSpPr>
         <p:spPr>
           <a:xfrm>
-            <a:off x="14020801" y="8851662"/>
+            <a:off x="14020801" y="9283462"/>
             <a:ext cx="10689771" cy="858614"/>
           </a:xfrm>
           <a:prstGeom prst="rect">
@@ -13770,13 +13799,13 @@
           <p:nvPr>
             <p:extLst>
               <p:ext uri="{D42A27DB-BD31-4B8C-83A1-F6EECF244321}">
-                <p14:modId xmlns:p14="http://schemas.microsoft.com/office/powerpoint/2010/main" val="124706072"/>
+                <p14:modId xmlns:p14="http://schemas.microsoft.com/office/powerpoint/2010/main" val="431726218"/>
               </p:ext>
             </p:extLst>
           </p:nvPr>
         </p:nvGraphicFramePr>
         <p:xfrm>
-          <a:off x="15010682" y="10469081"/>
+          <a:off x="15010682" y="10189681"/>
           <a:ext cx="8627911" cy="6019800"/>
         </p:xfrm>
         <a:graphic>
@@ -13792,13 +13821,13 @@
           <p:nvPr>
             <p:extLst>
               <p:ext uri="{D42A27DB-BD31-4B8C-83A1-F6EECF244321}">
-                <p14:modId xmlns:p14="http://schemas.microsoft.com/office/powerpoint/2010/main" val="2138396279"/>
+                <p14:modId xmlns:p14="http://schemas.microsoft.com/office/powerpoint/2010/main" val="1822786360"/>
               </p:ext>
             </p:extLst>
           </p:nvPr>
         </p:nvGraphicFramePr>
         <p:xfrm>
-          <a:off x="21107736" y="10472501"/>
+          <a:off x="21107736" y="10193101"/>
           <a:ext cx="8627911" cy="6019800"/>
         </p:xfrm>
         <a:graphic>
@@ -14151,7 +14180,7 @@
         <p:spPr>
           <a:xfrm>
             <a:off x="9197558" y="34319706"/>
-            <a:ext cx="9965085" cy="1975843"/>
+            <a:ext cx="10354466" cy="1975843"/>
           </a:xfrm>
           <a:prstGeom prst="rect">
             <a:avLst/>
@@ -14201,13 +14230,32 @@
                 <a:ea typeface="Helvetica" charset="0"/>
                 <a:cs typeface="Helvetica" charset="0"/>
               </a:rPr>
-              <a:t>We also would like to use the data to improve our workflows. For example, the chart on the right can tell us the best time of day to schedule system deploys (5am).</a:t>
-            </a:r>
-            <a:endParaRPr lang="en-US" sz="2300" dirty="0">
-              <a:latin typeface="Helvetica" charset="0"/>
-              <a:ea typeface="Helvetica" charset="0"/>
-              <a:cs typeface="Helvetica" charset="0"/>
-            </a:endParaRPr>
+              <a:t>We also would like to use the data to improve our workflows. For example, the chart on the right can tell us the best time of day to schedule system deploys </a:t>
+            </a:r>
+            <a:r>
+              <a:rPr lang="en-US" sz="2300" dirty="0" smtClean="0">
+                <a:latin typeface="Helvetica" charset="0"/>
+                <a:ea typeface="Helvetica" charset="0"/>
+                <a:cs typeface="Helvetica" charset="0"/>
+              </a:rPr>
+              <a:t>(between midnight and </a:t>
+            </a:r>
+            <a:r>
+              <a:rPr lang="en-US" sz="2300" dirty="0" smtClean="0">
+                <a:latin typeface="Helvetica" charset="0"/>
+                <a:ea typeface="Helvetica" charset="0"/>
+                <a:cs typeface="Helvetica" charset="0"/>
+              </a:rPr>
+              <a:t>6 am</a:t>
+            </a:r>
+            <a:r>
+              <a:rPr lang="en-US" sz="2300" dirty="0">
+                <a:latin typeface="Helvetica" charset="0"/>
+                <a:ea typeface="Helvetica" charset="0"/>
+                <a:cs typeface="Helvetica" charset="0"/>
+              </a:rPr>
+              <a:t>).</a:t>
+            </a:r>
           </a:p>
         </p:txBody>
       </p:sp>
@@ -14220,7 +14268,7 @@
         <p:spPr>
           <a:xfrm>
             <a:off x="9219184" y="30571803"/>
-            <a:ext cx="9943459" cy="3871746"/>
+            <a:ext cx="10067354" cy="3871746"/>
           </a:xfrm>
           <a:prstGeom prst="rect">
             <a:avLst/>
@@ -14273,11 +14321,6 @@
               </a:rPr>
               <a:t>Inserting additional data points into the impressions table</a:t>
             </a:r>
-            <a:endParaRPr lang="en-US" sz="2300" dirty="0">
-              <a:latin typeface="Helvetica" charset="0"/>
-              <a:ea typeface="Helvetica" charset="0"/>
-              <a:cs typeface="Helvetica" charset="0"/>
-            </a:endParaRPr>
           </a:p>
           <a:p>
             <a:pPr marL="342900" indent="-342900">
@@ -14292,11 +14335,6 @@
               </a:rPr>
               <a:t>Operationalizing the process for adding new agents to the bot list</a:t>
             </a:r>
-            <a:endParaRPr lang="en-US" sz="2300" dirty="0">
-              <a:latin typeface="Helvetica" charset="0"/>
-              <a:ea typeface="Helvetica" charset="0"/>
-              <a:cs typeface="Helvetica" charset="0"/>
-            </a:endParaRPr>
           </a:p>
           <a:p>
             <a:pPr marL="342900" indent="-342900">
@@ -14311,11 +14349,6 @@
               </a:rPr>
               <a:t>Improving our statistical displays, including aggregated statistics and geographic visualizations</a:t>
             </a:r>
-            <a:endParaRPr lang="en-US" sz="2300" dirty="0">
-              <a:latin typeface="Helvetica" charset="0"/>
-              <a:ea typeface="Helvetica" charset="0"/>
-              <a:cs typeface="Helvetica" charset="0"/>
-            </a:endParaRPr>
           </a:p>
         </p:txBody>
       </p:sp>
@@ -14328,7 +14361,7 @@
         <p:spPr>
           <a:xfrm>
             <a:off x="9206401" y="26418924"/>
-            <a:ext cx="10859737" cy="2769906"/>
+            <a:ext cx="10080137" cy="2769906"/>
           </a:xfrm>
           <a:prstGeom prst="rect">
             <a:avLst/>
@@ -14432,11 +14465,6 @@
               </a:rPr>
               <a:t>*, *slurp*, and *spider*</a:t>
             </a:r>
-            <a:endParaRPr lang="en-US" sz="2300" dirty="0">
-              <a:latin typeface="Helvetica" charset="0"/>
-              <a:ea typeface="Helvetica" charset="0"/>
-              <a:cs typeface="Helvetica" charset="0"/>
-            </a:endParaRPr>
           </a:p>
         </p:txBody>
       </p:sp>
@@ -14449,7 +14477,7 @@
         <p:spPr>
           <a:xfrm>
             <a:off x="9207925" y="23482554"/>
-            <a:ext cx="10858075" cy="3046905"/>
+            <a:ext cx="10798039" cy="3046905"/>
           </a:xfrm>
           <a:prstGeom prst="rect">
             <a:avLst/>
@@ -14478,7 +14506,17 @@
                 <a:latin typeface="Gotham Medium"/>
                 <a:cs typeface="Gotham Medium"/>
               </a:rPr>
-              <a:t>Important Processing Values</a:t>
+              <a:t>Significant Processing </a:t>
+            </a:r>
+            <a:r>
+              <a:rPr lang="en-US" sz="3600" dirty="0" smtClean="0">
+                <a:solidFill>
+                  <a:srgbClr val="2C3E50"/>
+                </a:solidFill>
+                <a:latin typeface="Gotham Medium"/>
+                <a:cs typeface="Gotham Medium"/>
+              </a:rPr>
+              <a:t>Values</a:t>
             </a:r>
             <a:endParaRPr lang="en-US" sz="2000" dirty="0" smtClean="0">
               <a:solidFill>
@@ -14505,12 +14543,20 @@
               <a:buChar char="•"/>
             </a:pPr>
             <a:r>
-              <a:rPr lang="en-US" sz="2300" b="1" dirty="0">
+              <a:rPr lang="en-US" sz="2300" b="1" dirty="0" smtClean="0">
                 <a:latin typeface="Helvetica" charset="0"/>
                 <a:ea typeface="Helvetica" charset="0"/>
                 <a:cs typeface="Helvetica" charset="0"/>
               </a:rPr>
-              <a:t>Status</a:t>
+              <a:t>"status"</a:t>
+            </a:r>
+            <a:r>
+              <a:rPr lang="en-US" sz="2300" dirty="0" smtClean="0">
+                <a:latin typeface="Helvetica" charset="0"/>
+                <a:ea typeface="Helvetica" charset="0"/>
+                <a:cs typeface="Helvetica" charset="0"/>
+              </a:rPr>
+              <a:t>: </a:t>
             </a:r>
             <a:r>
               <a:rPr lang="en-US" sz="2300" dirty="0">
@@ -14518,13 +14564,8 @@
                 <a:ea typeface="Helvetica" charset="0"/>
                 <a:cs typeface="Helvetica" charset="0"/>
               </a:rPr>
-              <a:t>: Files that are queued for download will be marked INCOMPLETE and are ignored until the download is finished.</a:t>
-            </a:r>
-            <a:endParaRPr lang="en-US" sz="2300" dirty="0">
-              <a:latin typeface="Helvetica" charset="0"/>
-              <a:ea typeface="Helvetica" charset="0"/>
-              <a:cs typeface="Helvetica" charset="0"/>
-            </a:endParaRPr>
+              <a:t>Files that are queued for download will be marked INCOMPLETE and are ignored until the download is finished.</a:t>
+            </a:r>
           </a:p>
           <a:p>
             <a:pPr marL="342900" indent="-342900">
@@ -14532,12 +14573,20 @@
               <a:buChar char="•"/>
             </a:pPr>
             <a:r>
-              <a:rPr lang="en-US" sz="2300" b="1" dirty="0">
+              <a:rPr lang="en-US" sz="2300" b="1" dirty="0" smtClean="0">
                 <a:latin typeface="Helvetica" charset="0"/>
                 <a:ea typeface="Helvetica" charset="0"/>
                 <a:cs typeface="Helvetica" charset="0"/>
               </a:rPr>
-              <a:t>Public</a:t>
+              <a:t>"public"</a:t>
+            </a:r>
+            <a:r>
+              <a:rPr lang="en-US" sz="2300" dirty="0" smtClean="0">
+                <a:latin typeface="Helvetica" charset="0"/>
+                <a:ea typeface="Helvetica" charset="0"/>
+                <a:cs typeface="Helvetica" charset="0"/>
+              </a:rPr>
+              <a:t>: </a:t>
             </a:r>
             <a:r>
               <a:rPr lang="en-US" sz="2300" dirty="0">
@@ -14545,13 +14594,8 @@
                 <a:ea typeface="Helvetica" charset="0"/>
                 <a:cs typeface="Helvetica" charset="0"/>
               </a:rPr>
-              <a:t>: All impressions are initially set to TRUE. Once processed, impressions with agents on the bot list are marked as FALSE.</a:t>
-            </a:r>
-            <a:endParaRPr lang="en-US" sz="2300" dirty="0">
-              <a:latin typeface="Helvetica" charset="0"/>
-              <a:ea typeface="Helvetica" charset="0"/>
-              <a:cs typeface="Helvetica" charset="0"/>
-            </a:endParaRPr>
+              <a:t>All impressions are initially set to TRUE. Once processed, impressions with agents on the bot list are marked as FALSE.</a:t>
+            </a:r>
           </a:p>
           <a:p>
             <a:pPr marL="342900" indent="-342900">
@@ -14559,20 +14603,12 @@
               <a:buChar char="•"/>
             </a:pPr>
             <a:r>
-              <a:rPr lang="en-US" sz="2300" b="1" dirty="0">
+              <a:rPr lang="en-US" sz="2300" b="1" dirty="0" smtClean="0">
                 <a:latin typeface="Helvetica" charset="0"/>
                 <a:ea typeface="Helvetica" charset="0"/>
                 <a:cs typeface="Helvetica" charset="0"/>
               </a:rPr>
-              <a:t>Processed</a:t>
-            </a:r>
-            <a:r>
-              <a:rPr lang="en-US" sz="2300" dirty="0">
-                <a:latin typeface="Helvetica" charset="0"/>
-                <a:ea typeface="Helvetica" charset="0"/>
-                <a:cs typeface="Helvetica" charset="0"/>
-              </a:rPr>
-              <a:t>: </a:t>
+              <a:t>"processed"</a:t>
             </a:r>
             <a:r>
               <a:rPr lang="en-US" sz="2300" dirty="0" smtClean="0">
@@ -14580,7 +14616,7 @@
                 <a:ea typeface="Helvetica" charset="0"/>
                 <a:cs typeface="Helvetica" charset="0"/>
               </a:rPr>
-              <a:t>All </a:t>
+              <a:t>: All </a:t>
             </a:r>
             <a:r>
               <a:rPr lang="en-US" sz="2300" dirty="0">
@@ -14590,11 +14626,6 @@
               </a:rPr>
               <a:t>impressions are initially set to FALSE. Once processed, the value is set to TRUE.</a:t>
             </a:r>
-            <a:endParaRPr lang="en-US" sz="2300" dirty="0">
-              <a:latin typeface="Helvetica" charset="0"/>
-              <a:ea typeface="Helvetica" charset="0"/>
-              <a:cs typeface="Helvetica" charset="0"/>
-            </a:endParaRPr>
           </a:p>
         </p:txBody>
       </p:sp>

--- a/Presentations/Open Repositories 2016/Statistics/SweeneySarahORstatistics33x46.pptx
+++ b/Presentations/Open Repositories 2016/Statistics/SweeneySarahORstatistics33x46.pptx
@@ -227,7 +227,7 @@
             </c:strRef>
           </c:tx>
           <c:spPr>
-            <a:ln>
+            <a:ln w="38100">
               <a:solidFill>
                 <a:srgbClr val="ECF0F1"/>
               </a:solidFill>
@@ -240,7 +240,7 @@
               <a:solidFill>
                 <a:srgbClr val="998FB8"/>
               </a:solidFill>
-              <a:ln w="19050">
+              <a:ln w="38100">
                 <a:solidFill>
                   <a:srgbClr val="ECF0F1"/>
                 </a:solidFill>
@@ -255,7 +255,7 @@
               <a:solidFill>
                 <a:srgbClr val="8FA7AD"/>
               </a:solidFill>
-              <a:ln w="19050">
+              <a:ln w="38100">
                 <a:solidFill>
                   <a:srgbClr val="ECF0F1"/>
                 </a:solidFill>
@@ -270,7 +270,7 @@
               <a:solidFill>
                 <a:schemeClr val="accent3"/>
               </a:solidFill>
-              <a:ln w="19050">
+              <a:ln w="38100">
                 <a:solidFill>
                   <a:srgbClr val="ECF0F1"/>
                 </a:solidFill>
@@ -285,7 +285,7 @@
               <a:solidFill>
                 <a:schemeClr val="accent4"/>
               </a:solidFill>
-              <a:ln w="19050">
+              <a:ln w="38100">
                 <a:solidFill>
                   <a:srgbClr val="ECF0F1"/>
                 </a:solidFill>
@@ -1399,7 +1399,7 @@
             </c:strRef>
           </c:tx>
           <c:spPr>
-            <a:ln>
+            <a:ln w="38100">
               <a:solidFill>
                 <a:srgbClr val="ECF0F1"/>
               </a:solidFill>
@@ -1412,7 +1412,7 @@
               <a:solidFill>
                 <a:srgbClr val="998FB8"/>
               </a:solidFill>
-              <a:ln w="19050">
+              <a:ln w="38100">
                 <a:solidFill>
                   <a:srgbClr val="ECF0F1"/>
                 </a:solidFill>
@@ -1427,7 +1427,7 @@
               <a:solidFill>
                 <a:srgbClr val="8FA7AD"/>
               </a:solidFill>
-              <a:ln w="19050">
+              <a:ln w="38100">
                 <a:solidFill>
                   <a:srgbClr val="ECF0F1"/>
                 </a:solidFill>
@@ -1442,7 +1442,7 @@
               <a:solidFill>
                 <a:schemeClr val="accent3"/>
               </a:solidFill>
-              <a:ln w="19050">
+              <a:ln w="38100">
                 <a:solidFill>
                   <a:srgbClr val="ECF0F1"/>
                 </a:solidFill>
@@ -1457,7 +1457,7 @@
               <a:solidFill>
                 <a:schemeClr val="accent4"/>
               </a:solidFill>
-              <a:ln w="19050">
+              <a:ln w="38100">
                 <a:solidFill>
                   <a:srgbClr val="ECF0F1"/>
                 </a:solidFill>
@@ -1688,7 +1688,7 @@
             </c:strRef>
           </c:tx>
           <c:spPr>
-            <a:ln>
+            <a:ln w="38100">
               <a:solidFill>
                 <a:srgbClr val="ECF0F1"/>
               </a:solidFill>
@@ -1701,7 +1701,7 @@
               <a:solidFill>
                 <a:srgbClr val="998FB8"/>
               </a:solidFill>
-              <a:ln w="19050">
+              <a:ln w="38100">
                 <a:solidFill>
                   <a:srgbClr val="ECF0F1"/>
                 </a:solidFill>
@@ -1716,7 +1716,7 @@
               <a:solidFill>
                 <a:srgbClr val="8FA7AD"/>
               </a:solidFill>
-              <a:ln w="19050">
+              <a:ln w="38100">
                 <a:solidFill>
                   <a:srgbClr val="ECF0F1"/>
                 </a:solidFill>
@@ -1731,7 +1731,7 @@
               <a:solidFill>
                 <a:schemeClr val="accent3"/>
               </a:solidFill>
-              <a:ln w="19050">
+              <a:ln w="38100">
                 <a:solidFill>
                   <a:srgbClr val="ECF0F1"/>
                 </a:solidFill>
@@ -1746,7 +1746,7 @@
               <a:solidFill>
                 <a:schemeClr val="accent4"/>
               </a:solidFill>
-              <a:ln w="19050">
+              <a:ln w="38100">
                 <a:solidFill>
                   <a:srgbClr val="ECF0F1"/>
                 </a:solidFill>
@@ -1908,7 +1908,7 @@
           <c:idx val="0"/>
           <c:order val="0"/>
           <c:spPr>
-            <a:ln>
+            <a:ln w="38100">
               <a:solidFill>
                 <a:schemeClr val="bg1"/>
               </a:solidFill>
@@ -1921,7 +1921,7 @@
               <a:solidFill>
                 <a:srgbClr val="D1A6AB"/>
               </a:solidFill>
-              <a:ln w="19050">
+              <a:ln w="38100">
                 <a:solidFill>
                   <a:schemeClr val="bg1"/>
                 </a:solidFill>
@@ -1936,7 +1936,7 @@
               <a:solidFill>
                 <a:srgbClr val="A8ACC4"/>
               </a:solidFill>
-              <a:ln w="19050">
+              <a:ln w="38100">
                 <a:solidFill>
                   <a:schemeClr val="bg1"/>
                 </a:solidFill>
@@ -1951,7 +1951,7 @@
               <a:solidFill>
                 <a:srgbClr val="B4A59E"/>
               </a:solidFill>
-              <a:ln w="19050">
+              <a:ln w="38100">
                 <a:solidFill>
                   <a:schemeClr val="bg1"/>
                 </a:solidFill>
@@ -1966,7 +1966,7 @@
               <a:solidFill>
                 <a:srgbClr val="A27082"/>
               </a:solidFill>
-              <a:ln w="19050">
+              <a:ln w="38100">
                 <a:solidFill>
                   <a:schemeClr val="bg1"/>
                 </a:solidFill>
@@ -2489,7 +2489,7 @@
             </c:strRef>
           </c:tx>
           <c:spPr>
-            <a:ln>
+            <a:ln w="38100">
               <a:solidFill>
                 <a:schemeClr val="bg1"/>
               </a:solidFill>
@@ -2502,7 +2502,7 @@
               <a:solidFill>
                 <a:srgbClr val="A8ACC4"/>
               </a:solidFill>
-              <a:ln w="19050">
+              <a:ln w="38100">
                 <a:solidFill>
                   <a:schemeClr val="bg1"/>
                 </a:solidFill>
@@ -2517,7 +2517,7 @@
               <a:solidFill>
                 <a:srgbClr val="B4A59E"/>
               </a:solidFill>
-              <a:ln w="19050">
+              <a:ln w="38100">
                 <a:solidFill>
                   <a:schemeClr val="bg1"/>
                 </a:solidFill>
@@ -2532,7 +2532,7 @@
               <a:solidFill>
                 <a:srgbClr val="A27082"/>
               </a:solidFill>
-              <a:ln w="19050">
+              <a:ln w="38100">
                 <a:solidFill>
                   <a:schemeClr val="bg1"/>
                 </a:solidFill>
@@ -2547,7 +2547,7 @@
               <a:solidFill>
                 <a:srgbClr val="8FA7AD"/>
               </a:solidFill>
-              <a:ln w="19050">
+              <a:ln w="38100">
                 <a:solidFill>
                   <a:schemeClr val="bg1"/>
                 </a:solidFill>
@@ -2562,7 +2562,7 @@
               <a:solidFill>
                 <a:srgbClr val="D1A6AB"/>
               </a:solidFill>
-              <a:ln w="19050">
+              <a:ln w="38100">
                 <a:solidFill>
                   <a:schemeClr val="bg1"/>
                 </a:solidFill>
@@ -2577,7 +2577,7 @@
               <a:solidFill>
                 <a:srgbClr val="8E8E9E"/>
               </a:solidFill>
-              <a:ln w="19050">
+              <a:ln w="38100">
                 <a:solidFill>
                   <a:schemeClr val="bg1"/>
                 </a:solidFill>
@@ -13759,7 +13759,7 @@
           <p:nvPr>
             <p:extLst>
               <p:ext uri="{D42A27DB-BD31-4B8C-83A1-F6EECF244321}">
-                <p14:modId xmlns:p14="http://schemas.microsoft.com/office/powerpoint/2010/main" val="650263343"/>
+                <p14:modId xmlns:p14="http://schemas.microsoft.com/office/powerpoint/2010/main" val="848645842"/>
               </p:ext>
             </p:extLst>
           </p:nvPr>
@@ -19010,7 +19010,7 @@
           <p:nvPr>
             <p:extLst>
               <p:ext uri="{D42A27DB-BD31-4B8C-83A1-F6EECF244321}">
-                <p14:modId xmlns:p14="http://schemas.microsoft.com/office/powerpoint/2010/main" val="431726218"/>
+                <p14:modId xmlns:p14="http://schemas.microsoft.com/office/powerpoint/2010/main" val="546674574"/>
               </p:ext>
             </p:extLst>
           </p:nvPr>
@@ -19032,7 +19032,7 @@
           <p:nvPr>
             <p:extLst>
               <p:ext uri="{D42A27DB-BD31-4B8C-83A1-F6EECF244321}">
-                <p14:modId xmlns:p14="http://schemas.microsoft.com/office/powerpoint/2010/main" val="1822786360"/>
+                <p14:modId xmlns:p14="http://schemas.microsoft.com/office/powerpoint/2010/main" val="2119466331"/>
               </p:ext>
             </p:extLst>
           </p:nvPr>
@@ -19054,7 +19054,7 @@
           <p:nvPr>
             <p:extLst>
               <p:ext uri="{D42A27DB-BD31-4B8C-83A1-F6EECF244321}">
-                <p14:modId xmlns:p14="http://schemas.microsoft.com/office/powerpoint/2010/main" val="288555982"/>
+                <p14:modId xmlns:p14="http://schemas.microsoft.com/office/powerpoint/2010/main" val="1733391166"/>
               </p:ext>
             </p:extLst>
           </p:nvPr>
@@ -21134,7 +21134,7 @@
           <p:nvPr>
             <p:extLst>
               <p:ext uri="{D42A27DB-BD31-4B8C-83A1-F6EECF244321}">
-                <p14:modId xmlns:p14="http://schemas.microsoft.com/office/powerpoint/2010/main" val="403013862"/>
+                <p14:modId xmlns:p14="http://schemas.microsoft.com/office/powerpoint/2010/main" val="445305669"/>
               </p:ext>
             </p:extLst>
           </p:nvPr>

--- a/Presentations/Open Repositories 2016/Statistics/SweeneySarahORstatistics33x46.pptx
+++ b/Presentations/Open Repositories 2016/Statistics/SweeneySarahORstatistics33x46.pptx
@@ -10387,7 +10387,7 @@
             </a:lvl1pPr>
           </a:lstStyle>
           <a:p>
-            <a:endParaRPr lang="en-US"/>
+            <a:endParaRPr lang="en-US" dirty="0"/>
           </a:p>
         </p:txBody>
       </p:sp>
@@ -10420,9 +10420,9 @@
           <a:p>
             <a:fld id="{7F7A6B22-0AC0-E647-B4AB-610E8EE21CF0}" type="datetimeFigureOut">
               <a:rPr lang="en-US" smtClean="0"/>
-              <a:t>6/1/16</a:t>
+              <a:t>6/2/16</a:t>
             </a:fld>
-            <a:endParaRPr lang="en-US"/>
+            <a:endParaRPr lang="en-US" dirty="0"/>
           </a:p>
         </p:txBody>
       </p:sp>
@@ -10455,7 +10455,7 @@
           <a:bodyPr vert="horz" lIns="91440" tIns="45720" rIns="91440" bIns="45720" rtlCol="0" anchor="ctr"/>
           <a:lstStyle/>
           <a:p>
-            <a:endParaRPr lang="en-US"/>
+            <a:endParaRPr lang="en-US" dirty="0"/>
           </a:p>
         </p:txBody>
       </p:sp>
@@ -10546,7 +10546,7 @@
             </a:lvl1pPr>
           </a:lstStyle>
           <a:p>
-            <a:endParaRPr lang="en-US"/>
+            <a:endParaRPr lang="en-US" dirty="0"/>
           </a:p>
         </p:txBody>
       </p:sp>
@@ -10581,7 +10581,7 @@
               <a:rPr lang="en-US" smtClean="0"/>
               <a:t>‹#›</a:t>
             </a:fld>
-            <a:endParaRPr lang="en-US"/>
+            <a:endParaRPr lang="en-US" dirty="0"/>
           </a:p>
         </p:txBody>
       </p:sp>
@@ -10755,7 +10755,7 @@
               <a:rPr lang="en-US" smtClean="0"/>
               <a:t>1</a:t>
             </a:fld>
-            <a:endParaRPr lang="en-US"/>
+            <a:endParaRPr lang="en-US" dirty="0"/>
           </a:p>
         </p:txBody>
       </p:sp>
@@ -10839,7 +10839,7 @@
               <a:rPr lang="en-US" smtClean="0"/>
               <a:t>2</a:t>
             </a:fld>
-            <a:endParaRPr lang="en-US"/>
+            <a:endParaRPr lang="en-US" dirty="0"/>
           </a:p>
         </p:txBody>
       </p:sp>
@@ -10987,9 +10987,9 @@
           <a:p>
             <a:fld id="{180E51A3-104B-B744-9E20-3025749670C7}" type="datetimeFigureOut">
               <a:rPr lang="en-US" smtClean="0"/>
-              <a:t>6/1/16</a:t>
+              <a:t>6/2/16</a:t>
             </a:fld>
-            <a:endParaRPr lang="en-US"/>
+            <a:endParaRPr lang="en-US" dirty="0"/>
           </a:p>
         </p:txBody>
       </p:sp>
@@ -11008,7 +11008,7 @@
           <a:bodyPr/>
           <a:lstStyle/>
           <a:p>
-            <a:endParaRPr lang="en-US"/>
+            <a:endParaRPr lang="en-US" dirty="0"/>
           </a:p>
         </p:txBody>
       </p:sp>
@@ -11031,7 +11031,7 @@
               <a:rPr lang="en-US" smtClean="0"/>
               <a:t>‹#›</a:t>
             </a:fld>
-            <a:endParaRPr lang="en-US"/>
+            <a:endParaRPr lang="en-US" dirty="0"/>
           </a:p>
         </p:txBody>
       </p:sp>
@@ -11157,9 +11157,9 @@
           <a:p>
             <a:fld id="{180E51A3-104B-B744-9E20-3025749670C7}" type="datetimeFigureOut">
               <a:rPr lang="en-US" smtClean="0"/>
-              <a:t>6/1/16</a:t>
+              <a:t>6/2/16</a:t>
             </a:fld>
-            <a:endParaRPr lang="en-US"/>
+            <a:endParaRPr lang="en-US" dirty="0"/>
           </a:p>
         </p:txBody>
       </p:sp>
@@ -11178,7 +11178,7 @@
           <a:bodyPr/>
           <a:lstStyle/>
           <a:p>
-            <a:endParaRPr lang="en-US"/>
+            <a:endParaRPr lang="en-US" dirty="0"/>
           </a:p>
         </p:txBody>
       </p:sp>
@@ -11201,7 +11201,7 @@
               <a:rPr lang="en-US" smtClean="0"/>
               <a:t>‹#›</a:t>
             </a:fld>
-            <a:endParaRPr lang="en-US"/>
+            <a:endParaRPr lang="en-US" dirty="0"/>
           </a:p>
         </p:txBody>
       </p:sp>
@@ -11337,9 +11337,9 @@
           <a:p>
             <a:fld id="{180E51A3-104B-B744-9E20-3025749670C7}" type="datetimeFigureOut">
               <a:rPr lang="en-US" smtClean="0"/>
-              <a:t>6/1/16</a:t>
+              <a:t>6/2/16</a:t>
             </a:fld>
-            <a:endParaRPr lang="en-US"/>
+            <a:endParaRPr lang="en-US" dirty="0"/>
           </a:p>
         </p:txBody>
       </p:sp>
@@ -11358,7 +11358,7 @@
           <a:bodyPr/>
           <a:lstStyle/>
           <a:p>
-            <a:endParaRPr lang="en-US"/>
+            <a:endParaRPr lang="en-US" dirty="0"/>
           </a:p>
         </p:txBody>
       </p:sp>
@@ -11381,7 +11381,7 @@
               <a:rPr lang="en-US" smtClean="0"/>
               <a:t>‹#›</a:t>
             </a:fld>
-            <a:endParaRPr lang="en-US"/>
+            <a:endParaRPr lang="en-US" dirty="0"/>
           </a:p>
         </p:txBody>
       </p:sp>
@@ -11507,9 +11507,9 @@
           <a:p>
             <a:fld id="{180E51A3-104B-B744-9E20-3025749670C7}" type="datetimeFigureOut">
               <a:rPr lang="en-US" smtClean="0"/>
-              <a:t>6/1/16</a:t>
+              <a:t>6/2/16</a:t>
             </a:fld>
-            <a:endParaRPr lang="en-US"/>
+            <a:endParaRPr lang="en-US" dirty="0"/>
           </a:p>
         </p:txBody>
       </p:sp>
@@ -11528,7 +11528,7 @@
           <a:bodyPr/>
           <a:lstStyle/>
           <a:p>
-            <a:endParaRPr lang="en-US"/>
+            <a:endParaRPr lang="en-US" dirty="0"/>
           </a:p>
         </p:txBody>
       </p:sp>
@@ -11551,7 +11551,7 @@
               <a:rPr lang="en-US" smtClean="0"/>
               <a:t>‹#›</a:t>
             </a:fld>
-            <a:endParaRPr lang="en-US"/>
+            <a:endParaRPr lang="en-US" dirty="0"/>
           </a:p>
         </p:txBody>
       </p:sp>
@@ -11751,9 +11751,9 @@
           <a:p>
             <a:fld id="{180E51A3-104B-B744-9E20-3025749670C7}" type="datetimeFigureOut">
               <a:rPr lang="en-US" smtClean="0"/>
-              <a:t>6/1/16</a:t>
+              <a:t>6/2/16</a:t>
             </a:fld>
-            <a:endParaRPr lang="en-US"/>
+            <a:endParaRPr lang="en-US" dirty="0"/>
           </a:p>
         </p:txBody>
       </p:sp>
@@ -11772,7 +11772,7 @@
           <a:bodyPr/>
           <a:lstStyle/>
           <a:p>
-            <a:endParaRPr lang="en-US"/>
+            <a:endParaRPr lang="en-US" dirty="0"/>
           </a:p>
         </p:txBody>
       </p:sp>
@@ -11795,7 +11795,7 @@
               <a:rPr lang="en-US" smtClean="0"/>
               <a:t>‹#›</a:t>
             </a:fld>
-            <a:endParaRPr lang="en-US"/>
+            <a:endParaRPr lang="en-US" dirty="0"/>
           </a:p>
         </p:txBody>
       </p:sp>
@@ -11983,9 +11983,9 @@
           <a:p>
             <a:fld id="{180E51A3-104B-B744-9E20-3025749670C7}" type="datetimeFigureOut">
               <a:rPr lang="en-US" smtClean="0"/>
-              <a:t>6/1/16</a:t>
+              <a:t>6/2/16</a:t>
             </a:fld>
-            <a:endParaRPr lang="en-US"/>
+            <a:endParaRPr lang="en-US" dirty="0"/>
           </a:p>
         </p:txBody>
       </p:sp>
@@ -12004,7 +12004,7 @@
           <a:bodyPr/>
           <a:lstStyle/>
           <a:p>
-            <a:endParaRPr lang="en-US"/>
+            <a:endParaRPr lang="en-US" dirty="0"/>
           </a:p>
         </p:txBody>
       </p:sp>
@@ -12027,7 +12027,7 @@
               <a:rPr lang="en-US" smtClean="0"/>
               <a:t>‹#›</a:t>
             </a:fld>
-            <a:endParaRPr lang="en-US"/>
+            <a:endParaRPr lang="en-US" dirty="0"/>
           </a:p>
         </p:txBody>
       </p:sp>
@@ -12350,9 +12350,9 @@
           <a:p>
             <a:fld id="{180E51A3-104B-B744-9E20-3025749670C7}" type="datetimeFigureOut">
               <a:rPr lang="en-US" smtClean="0"/>
-              <a:t>6/1/16</a:t>
+              <a:t>6/2/16</a:t>
             </a:fld>
-            <a:endParaRPr lang="en-US"/>
+            <a:endParaRPr lang="en-US" dirty="0"/>
           </a:p>
         </p:txBody>
       </p:sp>
@@ -12371,7 +12371,7 @@
           <a:bodyPr/>
           <a:lstStyle/>
           <a:p>
-            <a:endParaRPr lang="en-US"/>
+            <a:endParaRPr lang="en-US" dirty="0"/>
           </a:p>
         </p:txBody>
       </p:sp>
@@ -12394,7 +12394,7 @@
               <a:rPr lang="en-US" smtClean="0"/>
               <a:t>‹#›</a:t>
             </a:fld>
-            <a:endParaRPr lang="en-US"/>
+            <a:endParaRPr lang="en-US" dirty="0"/>
           </a:p>
         </p:txBody>
       </p:sp>
@@ -12468,9 +12468,9 @@
           <a:p>
             <a:fld id="{180E51A3-104B-B744-9E20-3025749670C7}" type="datetimeFigureOut">
               <a:rPr lang="en-US" smtClean="0"/>
-              <a:t>6/1/16</a:t>
+              <a:t>6/2/16</a:t>
             </a:fld>
-            <a:endParaRPr lang="en-US"/>
+            <a:endParaRPr lang="en-US" dirty="0"/>
           </a:p>
         </p:txBody>
       </p:sp>
@@ -12489,7 +12489,7 @@
           <a:bodyPr/>
           <a:lstStyle/>
           <a:p>
-            <a:endParaRPr lang="en-US"/>
+            <a:endParaRPr lang="en-US" dirty="0"/>
           </a:p>
         </p:txBody>
       </p:sp>
@@ -12512,7 +12512,7 @@
               <a:rPr lang="en-US" smtClean="0"/>
               <a:t>‹#›</a:t>
             </a:fld>
-            <a:endParaRPr lang="en-US"/>
+            <a:endParaRPr lang="en-US" dirty="0"/>
           </a:p>
         </p:txBody>
       </p:sp>
@@ -12563,9 +12563,9 @@
           <a:p>
             <a:fld id="{180E51A3-104B-B744-9E20-3025749670C7}" type="datetimeFigureOut">
               <a:rPr lang="en-US" smtClean="0"/>
-              <a:t>6/1/16</a:t>
+              <a:t>6/2/16</a:t>
             </a:fld>
-            <a:endParaRPr lang="en-US"/>
+            <a:endParaRPr lang="en-US" dirty="0"/>
           </a:p>
         </p:txBody>
       </p:sp>
@@ -12584,7 +12584,7 @@
           <a:bodyPr/>
           <a:lstStyle/>
           <a:p>
-            <a:endParaRPr lang="en-US"/>
+            <a:endParaRPr lang="en-US" dirty="0"/>
           </a:p>
         </p:txBody>
       </p:sp>
@@ -12607,7 +12607,7 @@
               <a:rPr lang="en-US" smtClean="0"/>
               <a:t>‹#›</a:t>
             </a:fld>
-            <a:endParaRPr lang="en-US"/>
+            <a:endParaRPr lang="en-US" dirty="0"/>
           </a:p>
         </p:txBody>
       </p:sp>
@@ -12840,9 +12840,9 @@
           <a:p>
             <a:fld id="{180E51A3-104B-B744-9E20-3025749670C7}" type="datetimeFigureOut">
               <a:rPr lang="en-US" smtClean="0"/>
-              <a:t>6/1/16</a:t>
+              <a:t>6/2/16</a:t>
             </a:fld>
-            <a:endParaRPr lang="en-US"/>
+            <a:endParaRPr lang="en-US" dirty="0"/>
           </a:p>
         </p:txBody>
       </p:sp>
@@ -12861,7 +12861,7 @@
           <a:bodyPr/>
           <a:lstStyle/>
           <a:p>
-            <a:endParaRPr lang="en-US"/>
+            <a:endParaRPr lang="en-US" dirty="0"/>
           </a:p>
         </p:txBody>
       </p:sp>
@@ -12884,7 +12884,7 @@
               <a:rPr lang="en-US" smtClean="0"/>
               <a:t>‹#›</a:t>
             </a:fld>
-            <a:endParaRPr lang="en-US"/>
+            <a:endParaRPr lang="en-US" dirty="0"/>
           </a:p>
         </p:txBody>
       </p:sp>
@@ -13008,7 +13008,7 @@
           </a:lstStyle>
           <a:p>
             <a:r>
-              <a:rPr lang="en-US" smtClean="0"/>
+              <a:rPr lang="en-US" dirty="0" smtClean="0"/>
               <a:t>Drag picture to placeholder or click icon to add</a:t>
             </a:r>
             <a:endParaRPr lang="en-US" dirty="0"/>
@@ -13097,9 +13097,9 @@
           <a:p>
             <a:fld id="{180E51A3-104B-B744-9E20-3025749670C7}" type="datetimeFigureOut">
               <a:rPr lang="en-US" smtClean="0"/>
-              <a:t>6/1/16</a:t>
+              <a:t>6/2/16</a:t>
             </a:fld>
-            <a:endParaRPr lang="en-US"/>
+            <a:endParaRPr lang="en-US" dirty="0"/>
           </a:p>
         </p:txBody>
       </p:sp>
@@ -13118,7 +13118,7 @@
           <a:bodyPr/>
           <a:lstStyle/>
           <a:p>
-            <a:endParaRPr lang="en-US"/>
+            <a:endParaRPr lang="en-US" dirty="0"/>
           </a:p>
         </p:txBody>
       </p:sp>
@@ -13141,7 +13141,7 @@
               <a:rPr lang="en-US" smtClean="0"/>
               <a:t>‹#›</a:t>
             </a:fld>
-            <a:endParaRPr lang="en-US"/>
+            <a:endParaRPr lang="en-US" dirty="0"/>
           </a:p>
         </p:txBody>
       </p:sp>
@@ -13310,9 +13310,9 @@
           <a:p>
             <a:fld id="{180E51A3-104B-B744-9E20-3025749670C7}" type="datetimeFigureOut">
               <a:rPr lang="en-US" smtClean="0"/>
-              <a:t>6/1/16</a:t>
+              <a:t>6/2/16</a:t>
             </a:fld>
-            <a:endParaRPr lang="en-US"/>
+            <a:endParaRPr lang="en-US" dirty="0"/>
           </a:p>
         </p:txBody>
       </p:sp>
@@ -13349,7 +13349,7 @@
             </a:lvl1pPr>
           </a:lstStyle>
           <a:p>
-            <a:endParaRPr lang="en-US"/>
+            <a:endParaRPr lang="en-US" dirty="0"/>
           </a:p>
         </p:txBody>
       </p:sp>
@@ -13390,7 +13390,7 @@
               <a:rPr lang="en-US" smtClean="0"/>
               <a:t>‹#›</a:t>
             </a:fld>
-            <a:endParaRPr lang="en-US"/>
+            <a:endParaRPr lang="en-US" dirty="0"/>
           </a:p>
         </p:txBody>
       </p:sp>
@@ -13947,7 +13947,7 @@
           <a:p>
             <a:pPr algn="ctr"/>
             <a:r>
-              <a:rPr lang="en-US" sz="3600" dirty="0" err="1" smtClean="0">
+              <a:rPr lang="en-US" sz="3600" dirty="0" smtClean="0">
                 <a:solidFill>
                   <a:srgbClr val="3498DB"/>
                 </a:solidFill>
@@ -13975,7 +13975,7 @@
         <p:spPr>
           <a:xfrm>
             <a:off x="962526" y="6038789"/>
-            <a:ext cx="7749673" cy="7140333"/>
+            <a:ext cx="7749673" cy="7494276"/>
           </a:xfrm>
           <a:prstGeom prst="rect">
             <a:avLst/>
@@ -14067,7 +14067,23 @@
                 <a:ea typeface="Helvetica" charset="0"/>
                 <a:cs typeface="Helvetica" charset="0"/>
               </a:rPr>
-              <a:t>Early on in the Digital Repository Service development process we decided not to rely on Google Analytics to collect statistics. While Google Analytics </a:t>
+              <a:t>Early on in the Digital Repository Service </a:t>
+            </a:r>
+            <a:r>
+              <a:rPr lang="en-US" sz="2300" dirty="0" smtClean="0">
+                <a:latin typeface="Helvetica" charset="0"/>
+                <a:ea typeface="Helvetica" charset="0"/>
+                <a:cs typeface="Helvetica" charset="0"/>
+              </a:rPr>
+              <a:t>(DRS) development </a:t>
+            </a:r>
+            <a:r>
+              <a:rPr lang="en-US" sz="2300" dirty="0">
+                <a:latin typeface="Helvetica" charset="0"/>
+                <a:ea typeface="Helvetica" charset="0"/>
+                <a:cs typeface="Helvetica" charset="0"/>
+              </a:rPr>
+              <a:t>process we decided not to rely on Google Analytics to collect statistics. While Google Analytics </a:t>
             </a:r>
             <a:r>
               <a:rPr lang="en-US" sz="2300" dirty="0" smtClean="0">
@@ -14165,7 +14181,55 @@
                 <a:ea typeface="Helvetica" charset="0"/>
                 <a:cs typeface="Helvetica" charset="0"/>
               </a:rPr>
-              <a:t>A seemingly endless number of bots exist to crawl publicly available repository content for harvesting and indexing. These bots help increase the discovery of repository content, but they can also greatly inflate usage statistics. Usage statistics are often gathered using third-party tools, like Google Analytics, which may or may not report their collection methods, and may not be aware of the difference between human and bot consumption. Although content owners tend to prefer higher numbers regardless of the consumer, we want to be able to defend the statistics we are gathering for our repository and declare them to be a genuine reflection of the use of our content by people, not bots.</a:t>
+              <a:t>A seemingly endless number of bots exist to crawl publicly available repository content for harvesting and indexing. These bots help increase the discovery of repository content, but they can also greatly inflate usage statistics. Usage statistics are often gathered </a:t>
+            </a:r>
+            <a:r>
+              <a:rPr lang="en-US" sz="2300" dirty="0" smtClean="0">
+                <a:latin typeface="Helvetica" charset="0"/>
+                <a:ea typeface="Helvetica" charset="0"/>
+                <a:cs typeface="Helvetica" charset="0"/>
+              </a:rPr>
+              <a:t>and analyzed using </a:t>
+            </a:r>
+            <a:r>
+              <a:rPr lang="en-US" sz="2300" dirty="0">
+                <a:latin typeface="Helvetica" charset="0"/>
+                <a:ea typeface="Helvetica" charset="0"/>
+                <a:cs typeface="Helvetica" charset="0"/>
+              </a:rPr>
+              <a:t>third-party tools, like Google Analytics, which may or may not </a:t>
+            </a:r>
+            <a:r>
+              <a:rPr lang="en-US" sz="2300" dirty="0" smtClean="0">
+                <a:latin typeface="Helvetica" charset="0"/>
+                <a:ea typeface="Helvetica" charset="0"/>
+                <a:cs typeface="Helvetica" charset="0"/>
+              </a:rPr>
+              <a:t>be open about its </a:t>
+            </a:r>
+            <a:r>
+              <a:rPr lang="en-US" sz="2300" dirty="0">
+                <a:latin typeface="Helvetica" charset="0"/>
+                <a:ea typeface="Helvetica" charset="0"/>
+                <a:cs typeface="Helvetica" charset="0"/>
+              </a:rPr>
+              <a:t>collection methods, and may not </a:t>
+            </a:r>
+            <a:r>
+              <a:rPr lang="en-US" sz="2300" dirty="0" smtClean="0">
+                <a:latin typeface="Helvetica" charset="0"/>
+                <a:ea typeface="Helvetica" charset="0"/>
+                <a:cs typeface="Helvetica" charset="0"/>
+              </a:rPr>
+              <a:t>differentiate </a:t>
+            </a:r>
+            <a:r>
+              <a:rPr lang="en-US" sz="2300" dirty="0">
+                <a:latin typeface="Helvetica" charset="0"/>
+                <a:ea typeface="Helvetica" charset="0"/>
+                <a:cs typeface="Helvetica" charset="0"/>
+              </a:rPr>
+              <a:t>human and bot consumption. Although content owners tend to prefer higher numbers regardless of the consumer, we want to be able to defend the statistics we are gathering for our repository and declare them to be a genuine reflection of the use of our content by people, not bots.</a:t>
             </a:r>
           </a:p>
         </p:txBody>
@@ -14253,10 +14317,26 @@
                 <a:ea typeface="Helvetica" charset="0"/>
                 <a:cs typeface="Helvetica" charset="0"/>
               </a:rPr>
-              <a:t>We designed a simple method for collecting and processing our usage statistics that allows us to filter out the non-human consumption of our content. Raw, unfiltered DRS usage statistics are stored in </a:t>
+              <a:t>We designed a simple method for collecting and processing our usage statistics that allows us to filter out the non-human consumption of our content. Raw, unfiltered </a:t>
             </a:r>
             <a:r>
-              <a:rPr lang="en-US" sz="2300" smtClean="0">
+              <a:rPr lang="en-US" sz="2300">
+                <a:latin typeface="Helvetica" charset="0"/>
+                <a:ea typeface="Helvetica" charset="0"/>
+                <a:cs typeface="Helvetica" charset="0"/>
+              </a:rPr>
+              <a:t>DRS</a:t>
+            </a:r>
+            <a:r>
+              <a:rPr lang="en-US" sz="2300" dirty="0">
+                <a:latin typeface="Helvetica" charset="0"/>
+                <a:ea typeface="Helvetica" charset="0"/>
+                <a:cs typeface="Helvetica" charset="0"/>
+              </a:rPr>
+              <a:t> usage statistics are stored in </a:t>
+            </a:r>
+            <a:r>
+              <a:rPr lang="en-US" sz="2300" dirty="0" smtClean="0">
                 <a:latin typeface="Helvetica" charset="0"/>
                 <a:ea typeface="Helvetica" charset="0"/>
                 <a:cs typeface="Helvetica" charset="0"/>
@@ -14351,7 +14431,7 @@
           <p:nvPr>
             <p:extLst>
               <p:ext uri="{D42A27DB-BD31-4B8C-83A1-F6EECF244321}">
-                <p14:modId xmlns:p14="http://schemas.microsoft.com/office/powerpoint/2010/main" val="606100655"/>
+                <p14:modId xmlns:p14="http://schemas.microsoft.com/office/powerpoint/2010/main" val="448767735"/>
               </p:ext>
             </p:extLst>
           </p:nvPr>
@@ -14530,7 +14610,7 @@
                     <a:p>
                       <a:pPr algn="ctr" fontAlgn="b"/>
                       <a:r>
-                        <a:rPr lang="en-US" sz="2000" b="1" i="0" u="none" strike="noStrike" dirty="0" err="1">
+                        <a:rPr lang="en-US" sz="2000" b="1" i="0" u="none" strike="noStrike">
                           <a:solidFill>
                             <a:srgbClr val="2C3E50"/>
                           </a:solidFill>
@@ -14663,7 +14743,7 @@
                     <a:p>
                       <a:pPr algn="ctr" fontAlgn="b"/>
                       <a:r>
-                        <a:rPr lang="en-US" sz="2000" b="1" i="0" u="none" strike="noStrike" dirty="0" err="1">
+                        <a:rPr lang="en-US" sz="2000" b="1" i="0" u="none" strike="noStrike">
                           <a:solidFill>
                             <a:srgbClr val="2C3E50"/>
                           </a:solidFill>
@@ -14858,7 +14938,7 @@
                     <a:p>
                       <a:pPr algn="ctr" fontAlgn="b"/>
                       <a:r>
-                        <a:rPr lang="en-US" sz="2000" b="1" i="0" u="none" strike="noStrike" dirty="0" err="1">
+                        <a:rPr lang="en-US" sz="2000" b="1" i="0" u="none" strike="noStrike">
                           <a:solidFill>
                             <a:srgbClr val="2C3E50"/>
                           </a:solidFill>
@@ -14991,7 +15071,7 @@
                     <a:p>
                       <a:pPr algn="ctr" fontAlgn="b"/>
                       <a:r>
-                        <a:rPr lang="en-US" sz="2000" b="1" i="0" u="none" strike="noStrike" dirty="0" err="1">
+                        <a:rPr lang="en-US" sz="2000" b="1" i="0" u="none" strike="noStrike">
                           <a:solidFill>
                             <a:srgbClr val="2C3E50"/>
                           </a:solidFill>
@@ -15062,7 +15142,7 @@
                     <a:p>
                       <a:pPr algn="ctr" fontAlgn="b"/>
                       <a:r>
-                        <a:rPr lang="en-US" sz="2000" b="1" i="0" u="none" strike="noStrike" dirty="0">
+                        <a:rPr lang="en-US" sz="2000" b="1" i="0" u="none" strike="noStrike">
                           <a:solidFill>
                             <a:srgbClr val="2C3E50"/>
                           </a:solidFill>
@@ -15073,6 +15153,15 @@
                         </a:rPr>
                         <a:t>updated_at</a:t>
                       </a:r>
+                      <a:endParaRPr lang="en-US" sz="2000" b="1" i="0" u="none" strike="noStrike" dirty="0">
+                        <a:solidFill>
+                          <a:srgbClr val="2C3E50"/>
+                        </a:solidFill>
+                        <a:effectLst/>
+                        <a:latin typeface="Helvetica" charset="0"/>
+                        <a:ea typeface="Helvetica" charset="0"/>
+                        <a:cs typeface="Helvetica" charset="0"/>
+                      </a:endParaRPr>
                     </a:p>
                   </a:txBody>
                   <a:tcPr marL="12700" marR="12700" marT="12700" marB="0" anchor="ctr">
@@ -15188,7 +15277,7 @@
                     <a:p>
                       <a:pPr algn="l" fontAlgn="b"/>
                       <a:r>
-                        <a:rPr lang="is-IS" sz="2000" b="0" i="0" u="none" strike="noStrike" dirty="0">
+                        <a:rPr lang="is-IS" sz="2000" b="0" i="0" u="none" strike="noStrike">
                           <a:solidFill>
                             <a:srgbClr val="000000"/>
                           </a:solidFill>
@@ -15324,7 +15413,7 @@
                         <a:t>5f79a9934</a:t>
                       </a:r>
                       <a:r>
-                        <a:rPr lang="is-IS" sz="2000" b="0" i="0" u="none" strike="noStrike" dirty="0" smtClean="0">
+                        <a:rPr lang="is-IS" sz="2000" b="0" i="0" u="none" strike="noStrike" smtClean="0">
                           <a:solidFill>
                             <a:srgbClr val="000000"/>
                           </a:solidFill>
@@ -15469,7 +15558,7 @@
                         <a:t>108.20.51</a:t>
                       </a:r>
                       <a:r>
-                        <a:rPr lang="is-IS" sz="2000" b="0" i="0" u="none" strike="noStrike" dirty="0" smtClean="0">
+                        <a:rPr lang="is-IS" sz="2000" b="0" i="0" u="none" strike="noStrike" smtClean="0">
                           <a:solidFill>
                             <a:srgbClr val="000000"/>
                           </a:solidFill>
@@ -15688,7 +15777,7 @@
                         <a:t>iPad; CPU OS</a:t>
                       </a:r>
                       <a:r>
-                        <a:rPr lang="is-IS" sz="2000" b="0" i="0" u="none" strike="noStrike" dirty="0" smtClean="0">
+                        <a:rPr lang="is-IS" sz="2000" b="0" i="0" u="none" strike="noStrike" smtClean="0">
                           <a:solidFill>
                             <a:srgbClr val="000000"/>
                           </a:solidFill>
@@ -16009,7 +16098,7 @@
                     <a:p>
                       <a:pPr algn="l" fontAlgn="b"/>
                       <a:r>
-                        <a:rPr lang="is-IS" sz="2000" b="0" i="0" u="none" strike="noStrike" dirty="0">
+                        <a:rPr lang="is-IS" sz="2000" b="0" i="0" u="none" strike="noStrike">
                           <a:solidFill>
                             <a:srgbClr val="000000"/>
                           </a:solidFill>
@@ -16145,7 +16234,7 @@
                         <a:t>a745a871e</a:t>
                       </a:r>
                       <a:r>
-                        <a:rPr lang="is-IS" sz="2000" b="0" i="0" u="none" strike="noStrike" dirty="0" smtClean="0">
+                        <a:rPr lang="is-IS" sz="2000" b="0" i="0" u="none" strike="noStrike" smtClean="0">
                           <a:solidFill>
                             <a:srgbClr val="000000"/>
                           </a:solidFill>
@@ -16216,7 +16305,7 @@
                     <a:p>
                       <a:pPr algn="l" fontAlgn="b"/>
                       <a:r>
-                        <a:rPr lang="en-US" sz="2000" b="0" i="0" u="none" strike="noStrike">
+                        <a:rPr lang="en-US" sz="2000" b="0" i="0" u="none" strike="noStrike" dirty="0">
                           <a:solidFill>
                             <a:srgbClr val="000000"/>
                           </a:solidFill>
@@ -16290,7 +16379,7 @@
                         <a:t>129.10.107</a:t>
                       </a:r>
                       <a:r>
-                        <a:rPr lang="is-IS" sz="2000" b="0" i="0" u="none" strike="noStrike" dirty="0" smtClean="0">
+                        <a:rPr lang="is-IS" sz="2000" b="0" i="0" u="none" strike="noStrike" smtClean="0">
                           <a:solidFill>
                             <a:srgbClr val="000000"/>
                           </a:solidFill>
@@ -16361,7 +16450,7 @@
                     <a:p>
                       <a:pPr algn="l" fontAlgn="b"/>
                       <a:r>
-                        <a:rPr lang="en-US" sz="2000" b="0" i="0" u="none" strike="noStrike">
+                        <a:rPr lang="en-US" sz="2000" b="0" i="0" u="none" strike="noStrike" dirty="0">
                           <a:solidFill>
                             <a:srgbClr val="000000"/>
                           </a:solidFill>
@@ -16423,7 +16512,7 @@
                     <a:p>
                       <a:pPr algn="l" fontAlgn="b"/>
                       <a:r>
-                        <a:rPr lang="en-US" sz="2000" b="0" i="0" u="none" strike="noStrike">
+                        <a:rPr lang="en-US" sz="2000" b="0" i="0" u="none" strike="noStrike" dirty="0">
                           <a:solidFill>
                             <a:srgbClr val="000000"/>
                           </a:solidFill>
@@ -16485,18 +16574,6 @@
                     <a:p>
                       <a:pPr algn="l" fontAlgn="b"/>
                       <a:r>
-                        <a:rPr lang="it-IT" sz="2000" b="0" i="0" u="none" strike="noStrike" dirty="0" err="1">
-                          <a:solidFill>
-                            <a:srgbClr val="000000"/>
-                          </a:solidFill>
-                          <a:effectLst/>
-                          <a:latin typeface="Helvetica" charset="0"/>
-                          <a:ea typeface="Helvetica" charset="0"/>
-                          <a:cs typeface="Helvetica" charset="0"/>
-                        </a:rPr>
-                        <a:t>Mozilla</a:t>
-                      </a:r>
-                      <a:r>
                         <a:rPr lang="it-IT" sz="2000" b="0" i="0" u="none" strike="noStrike" dirty="0">
                           <a:solidFill>
                             <a:srgbClr val="000000"/>
@@ -16506,7 +16583,7 @@
                           <a:ea typeface="Helvetica" charset="0"/>
                           <a:cs typeface="Helvetica" charset="0"/>
                         </a:rPr>
-                        <a:t>/5.0 (Windows NT </a:t>
+                        <a:t>Mozilla/5.0 (Windows NT </a:t>
                       </a:r>
                       <a:r>
                         <a:rPr lang="it-IT" sz="2000" b="0" i="0" u="none" strike="noStrike" dirty="0" smtClean="0">
@@ -16521,7 +16598,7 @@
                         <a:t>6.1</a:t>
                       </a:r>
                       <a:r>
-                        <a:rPr lang="is-IS" sz="2000" b="0" i="0" u="none" strike="noStrike" dirty="0" smtClean="0">
+                        <a:rPr lang="is-IS" sz="2000" b="0" i="0" u="none" strike="noStrike" smtClean="0">
                           <a:solidFill>
                             <a:srgbClr val="000000"/>
                           </a:solidFill>
@@ -16541,192 +16618,6 @@
                         <a:ea typeface="Helvetica" charset="0"/>
                         <a:cs typeface="Helvetica" charset="0"/>
                       </a:endParaRPr>
-                    </a:p>
-                  </a:txBody>
-                  <a:tcPr marL="12700" marR="12700" marT="12700" marB="0" anchor="ctr">
-                    <a:lnL w="12700" cap="flat" cmpd="sng" algn="ctr">
-                      <a:solidFill>
-                        <a:schemeClr val="tx1"/>
-                      </a:solidFill>
-                      <a:prstDash val="solid"/>
-                      <a:round/>
-                      <a:headEnd type="none" w="med" len="med"/>
-                      <a:tailEnd type="none" w="med" len="med"/>
-                    </a:lnL>
-                    <a:lnR w="12700" cap="flat" cmpd="sng" algn="ctr">
-                      <a:solidFill>
-                        <a:schemeClr val="tx1"/>
-                      </a:solidFill>
-                      <a:prstDash val="solid"/>
-                      <a:round/>
-                      <a:headEnd type="none" w="med" len="med"/>
-                      <a:tailEnd type="none" w="med" len="med"/>
-                    </a:lnR>
-                    <a:lnT w="12700" cap="flat" cmpd="sng" algn="ctr">
-                      <a:solidFill>
-                        <a:schemeClr val="tx1"/>
-                      </a:solidFill>
-                      <a:prstDash val="solid"/>
-                      <a:round/>
-                      <a:headEnd type="none" w="med" len="med"/>
-                      <a:tailEnd type="none" w="med" len="med"/>
-                    </a:lnT>
-                    <a:lnB w="12700" cap="flat" cmpd="sng" algn="ctr">
-                      <a:solidFill>
-                        <a:schemeClr val="tx1"/>
-                      </a:solidFill>
-                      <a:prstDash val="solid"/>
-                      <a:round/>
-                      <a:headEnd type="none" w="med" len="med"/>
-                      <a:tailEnd type="none" w="med" len="med"/>
-                    </a:lnB>
-                    <a:solidFill>
-                      <a:srgbClr val="ECF0F1"/>
-                    </a:solidFill>
-                  </a:tcPr>
-                </a:tc>
-                <a:tc>
-                  <a:txBody>
-                    <a:bodyPr/>
-                    <a:lstStyle/>
-                    <a:p>
-                      <a:pPr algn="l" fontAlgn="b"/>
-                      <a:r>
-                        <a:rPr lang="en-US" sz="2000" b="0" i="0" u="none" strike="noStrike">
-                          <a:solidFill>
-                            <a:srgbClr val="000000"/>
-                          </a:solidFill>
-                          <a:effectLst/>
-                          <a:latin typeface="Helvetica" charset="0"/>
-                          <a:ea typeface="Helvetica" charset="0"/>
-                          <a:cs typeface="Helvetica" charset="0"/>
-                        </a:rPr>
-                        <a:t>TRUE</a:t>
-                      </a:r>
-                    </a:p>
-                  </a:txBody>
-                  <a:tcPr marL="12700" marR="12700" marT="12700" marB="0" anchor="ctr">
-                    <a:lnL w="12700" cap="flat" cmpd="sng" algn="ctr">
-                      <a:solidFill>
-                        <a:schemeClr val="tx1"/>
-                      </a:solidFill>
-                      <a:prstDash val="solid"/>
-                      <a:round/>
-                      <a:headEnd type="none" w="med" len="med"/>
-                      <a:tailEnd type="none" w="med" len="med"/>
-                    </a:lnL>
-                    <a:lnR w="12700" cap="flat" cmpd="sng" algn="ctr">
-                      <a:solidFill>
-                        <a:schemeClr val="tx1"/>
-                      </a:solidFill>
-                      <a:prstDash val="solid"/>
-                      <a:round/>
-                      <a:headEnd type="none" w="med" len="med"/>
-                      <a:tailEnd type="none" w="med" len="med"/>
-                    </a:lnR>
-                    <a:lnT w="12700" cap="flat" cmpd="sng" algn="ctr">
-                      <a:solidFill>
-                        <a:schemeClr val="tx1"/>
-                      </a:solidFill>
-                      <a:prstDash val="solid"/>
-                      <a:round/>
-                      <a:headEnd type="none" w="med" len="med"/>
-                      <a:tailEnd type="none" w="med" len="med"/>
-                    </a:lnT>
-                    <a:lnB w="12700" cap="flat" cmpd="sng" algn="ctr">
-                      <a:solidFill>
-                        <a:schemeClr val="tx1"/>
-                      </a:solidFill>
-                      <a:prstDash val="solid"/>
-                      <a:round/>
-                      <a:headEnd type="none" w="med" len="med"/>
-                      <a:tailEnd type="none" w="med" len="med"/>
-                    </a:lnB>
-                    <a:solidFill>
-                      <a:srgbClr val="ECF0F1"/>
-                    </a:solidFill>
-                  </a:tcPr>
-                </a:tc>
-                <a:tc>
-                  <a:txBody>
-                    <a:bodyPr/>
-                    <a:lstStyle/>
-                    <a:p>
-                      <a:pPr algn="l" fontAlgn="b"/>
-                      <a:r>
-                        <a:rPr lang="en-US" sz="2000" b="0" i="0" u="none" strike="noStrike">
-                          <a:solidFill>
-                            <a:srgbClr val="000000"/>
-                          </a:solidFill>
-                          <a:effectLst/>
-                          <a:latin typeface="Helvetica" charset="0"/>
-                          <a:ea typeface="Helvetica" charset="0"/>
-                          <a:cs typeface="Helvetica" charset="0"/>
-                        </a:rPr>
-                        <a:t>5/21/15 12:32</a:t>
-                      </a:r>
-                    </a:p>
-                  </a:txBody>
-                  <a:tcPr marL="12700" marR="12700" marT="12700" marB="0" anchor="ctr">
-                    <a:lnL w="12700" cap="flat" cmpd="sng" algn="ctr">
-                      <a:solidFill>
-                        <a:schemeClr val="tx1"/>
-                      </a:solidFill>
-                      <a:prstDash val="solid"/>
-                      <a:round/>
-                      <a:headEnd type="none" w="med" len="med"/>
-                      <a:tailEnd type="none" w="med" len="med"/>
-                    </a:lnL>
-                    <a:lnR w="12700" cap="flat" cmpd="sng" algn="ctr">
-                      <a:solidFill>
-                        <a:schemeClr val="tx1"/>
-                      </a:solidFill>
-                      <a:prstDash val="solid"/>
-                      <a:round/>
-                      <a:headEnd type="none" w="med" len="med"/>
-                      <a:tailEnd type="none" w="med" len="med"/>
-                    </a:lnR>
-                    <a:lnT w="12700" cap="flat" cmpd="sng" algn="ctr">
-                      <a:solidFill>
-                        <a:schemeClr val="tx1"/>
-                      </a:solidFill>
-                      <a:prstDash val="solid"/>
-                      <a:round/>
-                      <a:headEnd type="none" w="med" len="med"/>
-                      <a:tailEnd type="none" w="med" len="med"/>
-                    </a:lnT>
-                    <a:lnB w="12700" cap="flat" cmpd="sng" algn="ctr">
-                      <a:solidFill>
-                        <a:schemeClr val="tx1"/>
-                      </a:solidFill>
-                      <a:prstDash val="solid"/>
-                      <a:round/>
-                      <a:headEnd type="none" w="med" len="med"/>
-                      <a:tailEnd type="none" w="med" len="med"/>
-                    </a:lnB>
-                    <a:solidFill>
-                      <a:srgbClr val="ECF0F1"/>
-                    </a:solidFill>
-                  </a:tcPr>
-                </a:tc>
-                <a:tc>
-                  <a:txBody>
-                    <a:bodyPr/>
-                    <a:lstStyle/>
-                    <a:p>
-                      <a:pPr algn="l" fontAlgn="b"/>
-                      <a:r>
-                        <a:rPr lang="bg-BG" sz="2000" b="0" i="0" u="none" strike="noStrike">
-                          <a:solidFill>
-                            <a:srgbClr val="000000"/>
-                          </a:solidFill>
-                          <a:effectLst/>
-                          <a:latin typeface="Helvetica" charset="0"/>
-                          <a:ea typeface="Helvetica" charset="0"/>
-                          <a:cs typeface="Helvetica" charset="0"/>
-                        </a:rPr>
-                        <a:t>1/22/16 1:58</a:t>
-                      </a:r>
                     </a:p>
                   </a:txBody>
                   <a:tcPr marL="12700" marR="12700" marT="12700" marB="0" anchor="ctr">
@@ -16833,6 +16724,192 @@
                     </a:solidFill>
                   </a:tcPr>
                 </a:tc>
+                <a:tc>
+                  <a:txBody>
+                    <a:bodyPr/>
+                    <a:lstStyle/>
+                    <a:p>
+                      <a:pPr algn="l" fontAlgn="b"/>
+                      <a:r>
+                        <a:rPr lang="en-US" sz="2000" b="0" i="0" u="none" strike="noStrike" dirty="0">
+                          <a:solidFill>
+                            <a:srgbClr val="000000"/>
+                          </a:solidFill>
+                          <a:effectLst/>
+                          <a:latin typeface="Helvetica" charset="0"/>
+                          <a:ea typeface="Helvetica" charset="0"/>
+                          <a:cs typeface="Helvetica" charset="0"/>
+                        </a:rPr>
+                        <a:t>5/21/15 12:32</a:t>
+                      </a:r>
+                    </a:p>
+                  </a:txBody>
+                  <a:tcPr marL="12700" marR="12700" marT="12700" marB="0" anchor="ctr">
+                    <a:lnL w="12700" cap="flat" cmpd="sng" algn="ctr">
+                      <a:solidFill>
+                        <a:schemeClr val="tx1"/>
+                      </a:solidFill>
+                      <a:prstDash val="solid"/>
+                      <a:round/>
+                      <a:headEnd type="none" w="med" len="med"/>
+                      <a:tailEnd type="none" w="med" len="med"/>
+                    </a:lnL>
+                    <a:lnR w="12700" cap="flat" cmpd="sng" algn="ctr">
+                      <a:solidFill>
+                        <a:schemeClr val="tx1"/>
+                      </a:solidFill>
+                      <a:prstDash val="solid"/>
+                      <a:round/>
+                      <a:headEnd type="none" w="med" len="med"/>
+                      <a:tailEnd type="none" w="med" len="med"/>
+                    </a:lnR>
+                    <a:lnT w="12700" cap="flat" cmpd="sng" algn="ctr">
+                      <a:solidFill>
+                        <a:schemeClr val="tx1"/>
+                      </a:solidFill>
+                      <a:prstDash val="solid"/>
+                      <a:round/>
+                      <a:headEnd type="none" w="med" len="med"/>
+                      <a:tailEnd type="none" w="med" len="med"/>
+                    </a:lnT>
+                    <a:lnB w="12700" cap="flat" cmpd="sng" algn="ctr">
+                      <a:solidFill>
+                        <a:schemeClr val="tx1"/>
+                      </a:solidFill>
+                      <a:prstDash val="solid"/>
+                      <a:round/>
+                      <a:headEnd type="none" w="med" len="med"/>
+                      <a:tailEnd type="none" w="med" len="med"/>
+                    </a:lnB>
+                    <a:solidFill>
+                      <a:srgbClr val="ECF0F1"/>
+                    </a:solidFill>
+                  </a:tcPr>
+                </a:tc>
+                <a:tc>
+                  <a:txBody>
+                    <a:bodyPr/>
+                    <a:lstStyle/>
+                    <a:p>
+                      <a:pPr algn="l" fontAlgn="b"/>
+                      <a:r>
+                        <a:rPr lang="bg-BG" sz="2000" b="0" i="0" u="none" strike="noStrike" dirty="0">
+                          <a:solidFill>
+                            <a:srgbClr val="000000"/>
+                          </a:solidFill>
+                          <a:effectLst/>
+                          <a:latin typeface="Helvetica" charset="0"/>
+                          <a:ea typeface="Helvetica" charset="0"/>
+                          <a:cs typeface="Helvetica" charset="0"/>
+                        </a:rPr>
+                        <a:t>1/22/16 1:58</a:t>
+                      </a:r>
+                    </a:p>
+                  </a:txBody>
+                  <a:tcPr marL="12700" marR="12700" marT="12700" marB="0" anchor="ctr">
+                    <a:lnL w="12700" cap="flat" cmpd="sng" algn="ctr">
+                      <a:solidFill>
+                        <a:schemeClr val="tx1"/>
+                      </a:solidFill>
+                      <a:prstDash val="solid"/>
+                      <a:round/>
+                      <a:headEnd type="none" w="med" len="med"/>
+                      <a:tailEnd type="none" w="med" len="med"/>
+                    </a:lnL>
+                    <a:lnR w="12700" cap="flat" cmpd="sng" algn="ctr">
+                      <a:solidFill>
+                        <a:schemeClr val="tx1"/>
+                      </a:solidFill>
+                      <a:prstDash val="solid"/>
+                      <a:round/>
+                      <a:headEnd type="none" w="med" len="med"/>
+                      <a:tailEnd type="none" w="med" len="med"/>
+                    </a:lnR>
+                    <a:lnT w="12700" cap="flat" cmpd="sng" algn="ctr">
+                      <a:solidFill>
+                        <a:schemeClr val="tx1"/>
+                      </a:solidFill>
+                      <a:prstDash val="solid"/>
+                      <a:round/>
+                      <a:headEnd type="none" w="med" len="med"/>
+                      <a:tailEnd type="none" w="med" len="med"/>
+                    </a:lnT>
+                    <a:lnB w="12700" cap="flat" cmpd="sng" algn="ctr">
+                      <a:solidFill>
+                        <a:schemeClr val="tx1"/>
+                      </a:solidFill>
+                      <a:prstDash val="solid"/>
+                      <a:round/>
+                      <a:headEnd type="none" w="med" len="med"/>
+                      <a:tailEnd type="none" w="med" len="med"/>
+                    </a:lnB>
+                    <a:solidFill>
+                      <a:srgbClr val="ECF0F1"/>
+                    </a:solidFill>
+                  </a:tcPr>
+                </a:tc>
+                <a:tc>
+                  <a:txBody>
+                    <a:bodyPr/>
+                    <a:lstStyle/>
+                    <a:p>
+                      <a:pPr algn="l" fontAlgn="b"/>
+                      <a:r>
+                        <a:rPr lang="en-US" sz="2000" b="0" i="0" u="none" strike="noStrike" dirty="0">
+                          <a:solidFill>
+                            <a:srgbClr val="000000"/>
+                          </a:solidFill>
+                          <a:effectLst/>
+                          <a:latin typeface="Helvetica" charset="0"/>
+                          <a:ea typeface="Helvetica" charset="0"/>
+                          <a:cs typeface="Helvetica" charset="0"/>
+                        </a:rPr>
+                        <a:t>TRUE</a:t>
+                      </a:r>
+                    </a:p>
+                  </a:txBody>
+                  <a:tcPr marL="12700" marR="12700" marT="12700" marB="0" anchor="ctr">
+                    <a:lnL w="12700" cap="flat" cmpd="sng" algn="ctr">
+                      <a:solidFill>
+                        <a:schemeClr val="tx1"/>
+                      </a:solidFill>
+                      <a:prstDash val="solid"/>
+                      <a:round/>
+                      <a:headEnd type="none" w="med" len="med"/>
+                      <a:tailEnd type="none" w="med" len="med"/>
+                    </a:lnL>
+                    <a:lnR w="12700" cap="flat" cmpd="sng" algn="ctr">
+                      <a:solidFill>
+                        <a:schemeClr val="tx1"/>
+                      </a:solidFill>
+                      <a:prstDash val="solid"/>
+                      <a:round/>
+                      <a:headEnd type="none" w="med" len="med"/>
+                      <a:tailEnd type="none" w="med" len="med"/>
+                    </a:lnR>
+                    <a:lnT w="12700" cap="flat" cmpd="sng" algn="ctr">
+                      <a:solidFill>
+                        <a:schemeClr val="tx1"/>
+                      </a:solidFill>
+                      <a:prstDash val="solid"/>
+                      <a:round/>
+                      <a:headEnd type="none" w="med" len="med"/>
+                      <a:tailEnd type="none" w="med" len="med"/>
+                    </a:lnT>
+                    <a:lnB w="12700" cap="flat" cmpd="sng" algn="ctr">
+                      <a:solidFill>
+                        <a:schemeClr val="tx1"/>
+                      </a:solidFill>
+                      <a:prstDash val="solid"/>
+                      <a:round/>
+                      <a:headEnd type="none" w="med" len="med"/>
+                      <a:tailEnd type="none" w="med" len="med"/>
+                    </a:lnB>
+                    <a:solidFill>
+                      <a:srgbClr val="ECF0F1"/>
+                    </a:solidFill>
+                  </a:tcPr>
+                </a:tc>
               </a:tr>
               <a:tr h="257408">
                 <a:tc>
@@ -16842,7 +16919,7 @@
                     <a:p>
                       <a:pPr algn="l" fontAlgn="b"/>
                       <a:r>
-                        <a:rPr lang="is-IS" sz="2000" b="0" i="0" u="none" strike="noStrike" dirty="0">
+                        <a:rPr lang="is-IS" sz="2000" b="0" i="0" u="none" strike="noStrike">
                           <a:solidFill>
                             <a:srgbClr val="000000"/>
                           </a:solidFill>
@@ -16978,7 +17055,7 @@
                         <a:t>a745a8715</a:t>
                       </a:r>
                       <a:r>
-                        <a:rPr lang="is-IS" sz="2000" b="0" i="0" u="none" strike="noStrike" dirty="0" smtClean="0">
+                        <a:rPr lang="is-IS" sz="2000" b="0" i="0" u="none" strike="noStrike" smtClean="0">
                           <a:solidFill>
                             <a:srgbClr val="000000"/>
                           </a:solidFill>
@@ -17049,7 +17126,7 @@
                     <a:p>
                       <a:pPr algn="l" fontAlgn="b"/>
                       <a:r>
-                        <a:rPr lang="en-US" sz="2000" b="0" i="0" u="none" strike="noStrike">
+                        <a:rPr lang="en-US" sz="2000" b="0" i="0" u="none" strike="noStrike" dirty="0">
                           <a:solidFill>
                             <a:srgbClr val="000000"/>
                           </a:solidFill>
@@ -17123,7 +17200,7 @@
                         <a:t>129.10.107</a:t>
                       </a:r>
                       <a:r>
-                        <a:rPr lang="is-IS" sz="2000" b="0" i="0" u="none" strike="noStrike" dirty="0" smtClean="0">
+                        <a:rPr lang="is-IS" sz="2000" b="0" i="0" u="none" strike="noStrike" smtClean="0">
                           <a:solidFill>
                             <a:srgbClr val="000000"/>
                           </a:solidFill>
@@ -17256,7 +17333,7 @@
                     <a:p>
                       <a:pPr algn="l" fontAlgn="b"/>
                       <a:r>
-                        <a:rPr lang="en-US" sz="2000" b="0" i="0" u="none" strike="noStrike">
+                        <a:rPr lang="en-US" sz="2000" b="0" i="0" u="none" strike="noStrike" dirty="0">
                           <a:solidFill>
                             <a:srgbClr val="000000"/>
                           </a:solidFill>
@@ -17318,18 +17395,6 @@
                     <a:p>
                       <a:pPr algn="l" fontAlgn="b"/>
                       <a:r>
-                        <a:rPr lang="it-IT" sz="2000" b="0" i="0" u="none" strike="noStrike" dirty="0" err="1">
-                          <a:solidFill>
-                            <a:srgbClr val="000000"/>
-                          </a:solidFill>
-                          <a:effectLst/>
-                          <a:latin typeface="Helvetica" charset="0"/>
-                          <a:ea typeface="Helvetica" charset="0"/>
-                          <a:cs typeface="Helvetica" charset="0"/>
-                        </a:rPr>
-                        <a:t>Mozilla</a:t>
-                      </a:r>
-                      <a:r>
                         <a:rPr lang="it-IT" sz="2000" b="0" i="0" u="none" strike="noStrike" dirty="0">
                           <a:solidFill>
                             <a:srgbClr val="000000"/>
@@ -17339,7 +17404,7 @@
                           <a:ea typeface="Helvetica" charset="0"/>
                           <a:cs typeface="Helvetica" charset="0"/>
                         </a:rPr>
-                        <a:t>/5.0 (Windows NT </a:t>
+                        <a:t>Mozilla/5.0 (Windows NT </a:t>
                       </a:r>
                       <a:r>
                         <a:rPr lang="it-IT" sz="2000" b="0" i="0" u="none" strike="noStrike" dirty="0" smtClean="0">
@@ -17354,7 +17419,7 @@
                         <a:t>6.1</a:t>
                       </a:r>
                       <a:r>
-                        <a:rPr lang="is-IS" sz="2000" b="0" i="0" u="none" strike="noStrike" dirty="0" smtClean="0">
+                        <a:rPr lang="is-IS" sz="2000" b="0" i="0" u="none" strike="noStrike" smtClean="0">
                           <a:solidFill>
                             <a:srgbClr val="000000"/>
                           </a:solidFill>
@@ -17675,7 +17740,7 @@
                     <a:p>
                       <a:pPr algn="l" fontAlgn="b"/>
                       <a:r>
-                        <a:rPr lang="is-IS" sz="2000" b="0" i="0" u="none" strike="noStrike" dirty="0">
+                        <a:rPr lang="is-IS" sz="2000" b="0" i="0" u="none" strike="noStrike">
                           <a:solidFill>
                             <a:srgbClr val="000000"/>
                           </a:solidFill>
@@ -17811,7 +17876,7 @@
                         <a:t>e5d85e81e</a:t>
                       </a:r>
                       <a:r>
-                        <a:rPr lang="is-IS" sz="2000" b="0" i="0" u="none" strike="noStrike" dirty="0" smtClean="0">
+                        <a:rPr lang="is-IS" sz="2000" b="0" i="0" u="none" strike="noStrike" smtClean="0">
                           <a:solidFill>
                             <a:srgbClr val="000000"/>
                           </a:solidFill>
@@ -17956,7 +18021,7 @@
                         <a:t>129.10.106</a:t>
                       </a:r>
                       <a:r>
-                        <a:rPr lang="is-IS" sz="2000" b="0" i="0" u="none" strike="noStrike" dirty="0" smtClean="0">
+                        <a:rPr lang="is-IS" sz="2000" b="0" i="0" u="none" strike="noStrike" smtClean="0">
                           <a:solidFill>
                             <a:srgbClr val="000000"/>
                           </a:solidFill>
@@ -18051,7 +18116,7 @@
                         <a:t>repository</a:t>
                       </a:r>
                       <a:r>
-                        <a:rPr lang="is-IS" sz="2000" b="0" i="0" u="none" strike="noStrike" dirty="0" smtClean="0">
+                        <a:rPr lang="is-IS" sz="2000" b="0" i="0" u="none" strike="noStrike" smtClean="0">
                           <a:solidFill>
                             <a:srgbClr val="000000"/>
                           </a:solidFill>
@@ -18184,18 +18249,6 @@
                     <a:p>
                       <a:pPr algn="l" fontAlgn="b"/>
                       <a:r>
-                        <a:rPr lang="it-IT" sz="2000" b="0" i="0" u="none" strike="noStrike" dirty="0" err="1">
-                          <a:solidFill>
-                            <a:srgbClr val="000000"/>
-                          </a:solidFill>
-                          <a:effectLst/>
-                          <a:latin typeface="Helvetica" charset="0"/>
-                          <a:ea typeface="Helvetica" charset="0"/>
-                          <a:cs typeface="Helvetica" charset="0"/>
-                        </a:rPr>
-                        <a:t>Mozilla</a:t>
-                      </a:r>
-                      <a:r>
                         <a:rPr lang="it-IT" sz="2000" b="0" i="0" u="none" strike="noStrike" dirty="0">
                           <a:solidFill>
                             <a:srgbClr val="000000"/>
@@ -18205,7 +18258,7 @@
                           <a:ea typeface="Helvetica" charset="0"/>
                           <a:cs typeface="Helvetica" charset="0"/>
                         </a:rPr>
-                        <a:t>/5.0 (Windows NT </a:t>
+                        <a:t>Mozilla/5.0 (Windows NT </a:t>
                       </a:r>
                       <a:r>
                         <a:rPr lang="it-IT" sz="2000" b="0" i="0" u="none" strike="noStrike" dirty="0" smtClean="0">
@@ -18220,7 +18273,7 @@
                         <a:t>6.1</a:t>
                       </a:r>
                       <a:r>
-                        <a:rPr lang="is-IS" sz="2000" b="0" i="0" u="none" strike="noStrike" dirty="0" smtClean="0">
+                        <a:rPr lang="is-IS" sz="2000" b="0" i="0" u="none" strike="noStrike" smtClean="0">
                           <a:solidFill>
                             <a:srgbClr val="000000"/>
                           </a:solidFill>
@@ -18663,7 +18716,27 @@
                 <a:latin typeface="Gotham Medium"/>
                 <a:cs typeface="Gotham Medium"/>
               </a:rPr>
-              <a:t>One Year of DRS Activity</a:t>
+              <a:t>One Year of </a:t>
+            </a:r>
+            <a:r>
+              <a:rPr lang="en-US" sz="3600" smtClean="0">
+                <a:solidFill>
+                  <a:srgbClr val="2C3E50"/>
+                </a:solidFill>
+                <a:latin typeface="Gotham Medium"/>
+                <a:cs typeface="Gotham Medium"/>
+              </a:rPr>
+              <a:t>DRS</a:t>
+            </a:r>
+            <a:r>
+              <a:rPr lang="en-US" sz="3600" dirty="0" smtClean="0">
+                <a:solidFill>
+                  <a:srgbClr val="2C3E50"/>
+                </a:solidFill>
+                <a:latin typeface="Gotham Medium"/>
+                <a:cs typeface="Gotham Medium"/>
+              </a:rPr>
+              <a:t> Activity</a:t>
             </a:r>
           </a:p>
           <a:p>
@@ -18741,7 +18814,27 @@
                 <a:latin typeface="Gotham Medium"/>
                 <a:cs typeface="Gotham Medium"/>
               </a:rPr>
-              <a:t>Popular DRS Genres</a:t>
+              <a:t>Popular </a:t>
+            </a:r>
+            <a:r>
+              <a:rPr lang="en-US" sz="3600" smtClean="0">
+                <a:solidFill>
+                  <a:srgbClr val="2C3E50"/>
+                </a:solidFill>
+                <a:latin typeface="Gotham Medium"/>
+                <a:cs typeface="Gotham Medium"/>
+              </a:rPr>
+              <a:t>DRS</a:t>
+            </a:r>
+            <a:r>
+              <a:rPr lang="en-US" sz="3600" dirty="0" smtClean="0">
+                <a:solidFill>
+                  <a:srgbClr val="2C3E50"/>
+                </a:solidFill>
+                <a:latin typeface="Gotham Medium"/>
+                <a:cs typeface="Gotham Medium"/>
+              </a:rPr>
+              <a:t> Genres</a:t>
             </a:r>
           </a:p>
           <a:p>
@@ -18835,7 +18928,27 @@
                 <a:latin typeface="Gotham Medium"/>
                 <a:cs typeface="Gotham Medium"/>
               </a:rPr>
-              <a:t>April 2016 DRS Activity: Humans vs. Bots</a:t>
+              <a:t>April 2016 </a:t>
+            </a:r>
+            <a:r>
+              <a:rPr lang="en-US" sz="3800" smtClean="0">
+                <a:solidFill>
+                  <a:srgbClr val="2C3E50"/>
+                </a:solidFill>
+                <a:latin typeface="Gotham Medium"/>
+                <a:cs typeface="Gotham Medium"/>
+              </a:rPr>
+              <a:t>DRS</a:t>
+            </a:r>
+            <a:r>
+              <a:rPr lang="en-US" sz="3800" dirty="0" smtClean="0">
+                <a:solidFill>
+                  <a:srgbClr val="2C3E50"/>
+                </a:solidFill>
+                <a:latin typeface="Gotham Medium"/>
+                <a:cs typeface="Gotham Medium"/>
+              </a:rPr>
+              <a:t> Activity: Humans vs. Bots</a:t>
             </a:r>
             <a:endParaRPr lang="en-US" sz="3800" dirty="0">
               <a:solidFill>
@@ -18921,7 +19034,7 @@
           <a:lstStyle/>
           <a:p>
             <a:pPr algn="ctr"/>
-            <a:endParaRPr lang="en-US"/>
+            <a:endParaRPr lang="en-US" dirty="0"/>
           </a:p>
         </p:txBody>
       </p:sp>
@@ -18999,7 +19112,7 @@
           <a:lstStyle/>
           <a:p>
             <a:pPr algn="ctr"/>
-            <a:endParaRPr lang="en-US"/>
+            <a:endParaRPr lang="en-US" dirty="0"/>
           </a:p>
         </p:txBody>
       </p:sp>
@@ -19144,7 +19257,7 @@
           <a:lstStyle/>
           <a:p>
             <a:pPr algn="ctr"/>
-            <a:endParaRPr lang="en-US"/>
+            <a:endParaRPr lang="en-US" dirty="0"/>
           </a:p>
         </p:txBody>
       </p:sp>
@@ -19191,7 +19304,7 @@
           <a:lstStyle/>
           <a:p>
             <a:pPr algn="ctr"/>
-            <a:endParaRPr lang="en-US"/>
+            <a:endParaRPr lang="en-US" dirty="0"/>
           </a:p>
         </p:txBody>
       </p:sp>
@@ -19264,14 +19377,21 @@
               <a:t>For more information about the DRS visit </a:t>
             </a:r>
             <a:r>
-              <a:rPr lang="en-US" sz="2300" dirty="0" err="1" smtClean="0">
+              <a:rPr lang="en-US" sz="2300" dirty="0" smtClean="0">
                 <a:solidFill>
                   <a:srgbClr val="2B84D2"/>
                 </a:solidFill>
                 <a:latin typeface="Helvetica"/>
                 <a:cs typeface="Helvetica"/>
               </a:rPr>
-              <a:t>dsg.neu.edu</a:t>
+              <a:t>dsg.neu.edu/resources/drs </a:t>
+            </a:r>
+            <a:r>
+              <a:rPr lang="en-US" sz="2300" dirty="0" smtClean="0">
+                <a:latin typeface="Helvetica"/>
+                <a:cs typeface="Helvetica"/>
+              </a:rPr>
+              <a:t>or  </a:t>
             </a:r>
             <a:r>
               <a:rPr lang="en-US" sz="2300" dirty="0" smtClean="0">
@@ -19281,64 +19401,7 @@
                 <a:latin typeface="Helvetica"/>
                 <a:cs typeface="Helvetica"/>
               </a:rPr>
-              <a:t>/resources/</a:t>
-            </a:r>
-            <a:r>
-              <a:rPr lang="en-US" sz="2300" dirty="0" err="1" smtClean="0">
-                <a:solidFill>
-                  <a:srgbClr val="2B84D2"/>
-                </a:solidFill>
-                <a:latin typeface="Helvetica"/>
-                <a:cs typeface="Helvetica"/>
-              </a:rPr>
-              <a:t>drs</a:t>
-            </a:r>
-            <a:r>
-              <a:rPr lang="en-US" sz="2300" dirty="0" smtClean="0">
-                <a:solidFill>
-                  <a:srgbClr val="2B84D2"/>
-                </a:solidFill>
-                <a:latin typeface="Helvetica"/>
-                <a:cs typeface="Helvetica"/>
-              </a:rPr>
-              <a:t> </a:t>
-            </a:r>
-            <a:r>
-              <a:rPr lang="en-US" sz="2300" dirty="0" smtClean="0">
-                <a:latin typeface="Helvetica"/>
-                <a:cs typeface="Helvetica"/>
-              </a:rPr>
-              <a:t>or  </a:t>
-            </a:r>
-            <a:r>
-              <a:rPr lang="en-US" sz="2300" dirty="0" err="1" smtClean="0">
-                <a:solidFill>
-                  <a:srgbClr val="2B84D2"/>
-                </a:solidFill>
-                <a:latin typeface="Helvetica"/>
-                <a:cs typeface="Helvetica"/>
-              </a:rPr>
-              <a:t>github.com</a:t>
-            </a:r>
-            <a:r>
-              <a:rPr lang="en-US" sz="2300" dirty="0" smtClean="0">
-                <a:solidFill>
-                  <a:srgbClr val="2B84D2"/>
-                </a:solidFill>
-                <a:latin typeface="Helvetica"/>
-                <a:cs typeface="Helvetica"/>
-              </a:rPr>
-              <a:t>/NEU-Libraries/</a:t>
-            </a:r>
-            <a:r>
-              <a:rPr lang="en-US" sz="2300" dirty="0" err="1" smtClean="0">
-                <a:solidFill>
-                  <a:srgbClr val="2B84D2"/>
-                </a:solidFill>
-                <a:latin typeface="Helvetica"/>
-                <a:cs typeface="Helvetica"/>
-              </a:rPr>
-              <a:t>cerberus</a:t>
+              <a:t>github.com/NEU-Libraries/cerberus</a:t>
             </a:r>
             <a:endParaRPr lang="en-US" sz="2300" dirty="0">
               <a:solidFill>
@@ -19634,39 +19697,7 @@
                 <a:ea typeface="Helvetica" charset="0"/>
                 <a:cs typeface="Helvetica" charset="0"/>
               </a:rPr>
-              <a:t>archive*, *bot*, *crawl*, *curl*, *java*, *lynx*, *</a:t>
-            </a:r>
-            <a:r>
-              <a:rPr lang="en-US" sz="2300" dirty="0" err="1">
-                <a:latin typeface="Helvetica" charset="0"/>
-                <a:ea typeface="Helvetica" charset="0"/>
-                <a:cs typeface="Helvetica" charset="0"/>
-              </a:rPr>
-              <a:t>nutch</a:t>
-            </a:r>
-            <a:r>
-              <a:rPr lang="en-US" sz="2300" dirty="0">
-                <a:latin typeface="Helvetica" charset="0"/>
-                <a:ea typeface="Helvetica" charset="0"/>
-                <a:cs typeface="Helvetica" charset="0"/>
-              </a:rPr>
-              <a:t>*, *scrape*, *</a:t>
-            </a:r>
-            <a:r>
-              <a:rPr lang="en-US" sz="2300" dirty="0" err="1">
-                <a:latin typeface="Helvetica" charset="0"/>
-                <a:ea typeface="Helvetica" charset="0"/>
-                <a:cs typeface="Helvetica" charset="0"/>
-              </a:rPr>
-              <a:t>scrapy</a:t>
-            </a:r>
-            <a:r>
-              <a:rPr lang="en-US" sz="2300" dirty="0">
-                <a:latin typeface="Helvetica" charset="0"/>
-                <a:ea typeface="Helvetica" charset="0"/>
-                <a:cs typeface="Helvetica" charset="0"/>
-              </a:rPr>
-              <a:t>*, *slurp*, and *spider*</a:t>
+              <a:t>archive*, *bot*, *crawl*, *curl*, *java*, *lynx*, *nutch*, *scrape*, *scrapy*, *slurp*, and *spider*</a:t>
             </a:r>
           </a:p>
         </p:txBody>
@@ -19918,7 +19949,7 @@
           <a:lstStyle/>
           <a:p>
             <a:pPr algn="ctr"/>
-            <a:endParaRPr lang="en-US"/>
+            <a:endParaRPr lang="en-US" dirty="0"/>
           </a:p>
         </p:txBody>
       </p:sp>
@@ -19996,7 +20027,7 @@
           <a:lstStyle/>
           <a:p>
             <a:pPr algn="ctr"/>
-            <a:endParaRPr lang="en-US"/>
+            <a:endParaRPr lang="en-US" dirty="0"/>
           </a:p>
         </p:txBody>
       </p:sp>
@@ -20074,7 +20105,7 @@
           <a:lstStyle/>
           <a:p>
             <a:pPr algn="ctr"/>
-            <a:endParaRPr lang="en-US"/>
+            <a:endParaRPr lang="en-US" dirty="0"/>
           </a:p>
         </p:txBody>
       </p:sp>
@@ -20152,7 +20183,7 @@
           <a:lstStyle/>
           <a:p>
             <a:pPr algn="ctr"/>
-            <a:endParaRPr lang="en-US"/>
+            <a:endParaRPr lang="en-US" dirty="0"/>
           </a:p>
         </p:txBody>
       </p:sp>
@@ -20230,7 +20261,7 @@
           <a:lstStyle/>
           <a:p>
             <a:pPr algn="ctr"/>
-            <a:endParaRPr lang="en-US"/>
+            <a:endParaRPr lang="en-US" dirty="0"/>
           </a:p>
         </p:txBody>
       </p:sp>
@@ -20308,7 +20339,7 @@
           <a:lstStyle/>
           <a:p>
             <a:pPr algn="ctr"/>
-            <a:endParaRPr lang="en-US"/>
+            <a:endParaRPr lang="en-US" dirty="0"/>
           </a:p>
         </p:txBody>
       </p:sp>
@@ -20386,7 +20417,7 @@
           <a:lstStyle/>
           <a:p>
             <a:pPr algn="ctr"/>
-            <a:endParaRPr lang="en-US"/>
+            <a:endParaRPr lang="en-US" dirty="0"/>
           </a:p>
         </p:txBody>
       </p:sp>
@@ -20464,7 +20495,7 @@
           <a:lstStyle/>
           <a:p>
             <a:pPr algn="ctr"/>
-            <a:endParaRPr lang="en-US"/>
+            <a:endParaRPr lang="en-US" dirty="0"/>
           </a:p>
         </p:txBody>
       </p:sp>
@@ -20542,7 +20573,7 @@
           <a:lstStyle/>
           <a:p>
             <a:pPr algn="ctr"/>
-            <a:endParaRPr lang="en-US"/>
+            <a:endParaRPr lang="en-US" dirty="0"/>
           </a:p>
         </p:txBody>
       </p:sp>
@@ -20620,7 +20651,7 @@
           <a:lstStyle/>
           <a:p>
             <a:pPr algn="ctr"/>
-            <a:endParaRPr lang="en-US"/>
+            <a:endParaRPr lang="en-US" dirty="0"/>
           </a:p>
         </p:txBody>
       </p:sp>
@@ -20698,7 +20729,7 @@
           <a:lstStyle/>
           <a:p>
             <a:pPr algn="ctr"/>
-            <a:endParaRPr lang="en-US"/>
+            <a:endParaRPr lang="en-US" dirty="0"/>
           </a:p>
         </p:txBody>
       </p:sp>
@@ -20776,7 +20807,7 @@
           <a:lstStyle/>
           <a:p>
             <a:pPr algn="ctr"/>
-            <a:endParaRPr lang="en-US"/>
+            <a:endParaRPr lang="en-US" dirty="0"/>
           </a:p>
         </p:txBody>
       </p:sp>
@@ -20823,7 +20854,7 @@
           <a:lstStyle/>
           <a:p>
             <a:pPr algn="ctr"/>
-            <a:endParaRPr lang="en-US"/>
+            <a:endParaRPr lang="en-US" dirty="0"/>
           </a:p>
         </p:txBody>
       </p:sp>
@@ -20870,7 +20901,7 @@
           <a:lstStyle/>
           <a:p>
             <a:pPr algn="ctr"/>
-            <a:endParaRPr lang="en-US"/>
+            <a:endParaRPr lang="en-US" dirty="0"/>
           </a:p>
         </p:txBody>
       </p:sp>
@@ -20917,7 +20948,7 @@
           <a:lstStyle/>
           <a:p>
             <a:pPr algn="ctr"/>
-            <a:endParaRPr lang="en-US"/>
+            <a:endParaRPr lang="en-US" dirty="0"/>
           </a:p>
         </p:txBody>
       </p:sp>
@@ -21050,7 +21081,7 @@
           <a:p>
             <a:pPr algn="ctr"/>
             <a:r>
-              <a:rPr lang="en-US" sz="3600" dirty="0" err="1" smtClean="0">
+              <a:rPr lang="en-US" sz="3600" dirty="0" smtClean="0">
                 <a:solidFill>
                   <a:srgbClr val="3498DB"/>
                 </a:solidFill>
@@ -21223,7 +21254,7 @@
           <a:lstStyle/>
           <a:p>
             <a:pPr algn="ctr"/>
-            <a:endParaRPr lang="en-US"/>
+            <a:endParaRPr lang="en-US" dirty="0"/>
           </a:p>
         </p:txBody>
       </p:sp>
@@ -21301,7 +21332,7 @@
           <a:lstStyle/>
           <a:p>
             <a:pPr algn="ctr"/>
-            <a:endParaRPr lang="en-US"/>
+            <a:endParaRPr lang="en-US" dirty="0"/>
           </a:p>
         </p:txBody>
       </p:sp>
@@ -21379,7 +21410,7 @@
           <a:lstStyle/>
           <a:p>
             <a:pPr algn="ctr"/>
-            <a:endParaRPr lang="en-US"/>
+            <a:endParaRPr lang="en-US" dirty="0"/>
           </a:p>
         </p:txBody>
       </p:sp>
@@ -21529,7 +21560,7 @@
               <a:t>Sarah Sweeney, </a:t>
             </a:r>
             <a:r>
-              <a:rPr lang="en-US" sz="5400" dirty="0" err="1">
+              <a:rPr lang="en-US" sz="5400" dirty="0">
                 <a:solidFill>
                   <a:srgbClr val="2C3E50"/>
                 </a:solidFill>
@@ -21539,14 +21570,6 @@
               </a:rPr>
               <a:t>sj.sweeney@neu.edu</a:t>
             </a:r>
-            <a:endParaRPr lang="en-US" sz="5400" dirty="0">
-              <a:solidFill>
-                <a:srgbClr val="2C3E50"/>
-              </a:solidFill>
-              <a:latin typeface="Gotham Book" charset="0"/>
-              <a:ea typeface="Gotham Book" charset="0"/>
-              <a:cs typeface="Gotham Book" charset="0"/>
-            </a:endParaRPr>
           </a:p>
         </p:txBody>
       </p:sp>
@@ -21624,7 +21647,7 @@
           <a:lstStyle/>
           <a:p>
             <a:pPr algn="ctr"/>
-            <a:endParaRPr lang="en-US"/>
+            <a:endParaRPr lang="en-US" dirty="0"/>
           </a:p>
         </p:txBody>
       </p:sp>
@@ -21702,7 +21725,7 @@
           <a:lstStyle/>
           <a:p>
             <a:pPr algn="ctr"/>
-            <a:endParaRPr lang="en-US"/>
+            <a:endParaRPr lang="en-US" dirty="0"/>
           </a:p>
         </p:txBody>
       </p:sp>
@@ -21780,7 +21803,7 @@
           <a:lstStyle/>
           <a:p>
             <a:pPr algn="ctr"/>
-            <a:endParaRPr lang="en-US"/>
+            <a:endParaRPr lang="en-US" dirty="0"/>
           </a:p>
         </p:txBody>
       </p:sp>
@@ -22024,7 +22047,7 @@
           <a:p>
             <a:pPr algn="ctr"/>
             <a:r>
-              <a:rPr lang="en-US" sz="3600" dirty="0" err="1" smtClean="0">
+              <a:rPr lang="en-US" sz="3600" dirty="0" smtClean="0">
                 <a:solidFill>
                   <a:srgbClr val="3498DB"/>
                 </a:solidFill>
@@ -22333,7 +22356,7 @@
               <a:t>We designed a simple method for collecting and processing our usage statistics that allows us to filter out the non-human consumption of our content. Raw, unfiltered DRS usage statistics are stored in </a:t>
             </a:r>
             <a:r>
-              <a:rPr lang="en-US" sz="2300" smtClean="0">
+              <a:rPr lang="en-US" sz="2300" dirty="0" smtClean="0">
                 <a:latin typeface="Helvetica" charset="0"/>
                 <a:ea typeface="Helvetica" charset="0"/>
                 <a:cs typeface="Helvetica" charset="0"/>
@@ -22607,7 +22630,7 @@
                     <a:p>
                       <a:pPr algn="ctr" fontAlgn="b"/>
                       <a:r>
-                        <a:rPr lang="en-US" sz="2000" b="1" i="0" u="none" strike="noStrike" dirty="0" err="1">
+                        <a:rPr lang="en-US" sz="2000" b="1" i="0" u="none" strike="noStrike" dirty="0">
                           <a:solidFill>
                             <a:srgbClr val="2C3E50"/>
                           </a:solidFill>
@@ -22618,15 +22641,6 @@
                         </a:rPr>
                         <a:t>session_id</a:t>
                       </a:r>
-                      <a:endParaRPr lang="en-US" sz="2000" b="1" i="0" u="none" strike="noStrike" dirty="0">
-                        <a:solidFill>
-                          <a:srgbClr val="2C3E50"/>
-                        </a:solidFill>
-                        <a:effectLst/>
-                        <a:latin typeface="Helvetica" charset="0"/>
-                        <a:ea typeface="Helvetica" charset="0"/>
-                        <a:cs typeface="Helvetica" charset="0"/>
-                      </a:endParaRPr>
                     </a:p>
                   </a:txBody>
                   <a:tcPr marL="12700" marR="12700" marT="12700" marB="0" anchor="ctr">
@@ -22740,7 +22754,7 @@
                     <a:p>
                       <a:pPr algn="ctr" fontAlgn="b"/>
                       <a:r>
-                        <a:rPr lang="en-US" sz="2000" b="1" i="0" u="none" strike="noStrike" dirty="0" err="1">
+                        <a:rPr lang="en-US" sz="2000" b="1" i="0" u="none" strike="noStrike" dirty="0">
                           <a:solidFill>
                             <a:srgbClr val="2C3E50"/>
                           </a:solidFill>
@@ -22751,15 +22765,6 @@
                         </a:rPr>
                         <a:t>ip_address</a:t>
                       </a:r>
-                      <a:endParaRPr lang="en-US" sz="2000" b="1" i="0" u="none" strike="noStrike" dirty="0">
-                        <a:solidFill>
-                          <a:srgbClr val="2C3E50"/>
-                        </a:solidFill>
-                        <a:effectLst/>
-                        <a:latin typeface="Helvetica" charset="0"/>
-                        <a:ea typeface="Helvetica" charset="0"/>
-                        <a:cs typeface="Helvetica" charset="0"/>
-                      </a:endParaRPr>
                     </a:p>
                   </a:txBody>
                   <a:tcPr marL="12700" marR="12700" marT="12700" marB="0" anchor="ctr">
@@ -22935,7 +22940,7 @@
                     <a:p>
                       <a:pPr algn="ctr" fontAlgn="b"/>
                       <a:r>
-                        <a:rPr lang="en-US" sz="2000" b="1" i="0" u="none" strike="noStrike" dirty="0" err="1">
+                        <a:rPr lang="en-US" sz="2000" b="1" i="0" u="none" strike="noStrike" dirty="0">
                           <a:solidFill>
                             <a:srgbClr val="2C3E50"/>
                           </a:solidFill>
@@ -22946,15 +22951,6 @@
                         </a:rPr>
                         <a:t>user_agent</a:t>
                       </a:r>
-                      <a:endParaRPr lang="en-US" sz="2000" b="1" i="0" u="none" strike="noStrike" dirty="0">
-                        <a:solidFill>
-                          <a:srgbClr val="2C3E50"/>
-                        </a:solidFill>
-                        <a:effectLst/>
-                        <a:latin typeface="Helvetica" charset="0"/>
-                        <a:ea typeface="Helvetica" charset="0"/>
-                        <a:cs typeface="Helvetica" charset="0"/>
-                      </a:endParaRPr>
                     </a:p>
                   </a:txBody>
                   <a:tcPr marL="12700" marR="12700" marT="12700" marB="0" anchor="ctr">
@@ -23068,7 +23064,7 @@
                     <a:p>
                       <a:pPr algn="ctr" fontAlgn="b"/>
                       <a:r>
-                        <a:rPr lang="en-US" sz="2000" b="1" i="0" u="none" strike="noStrike" dirty="0" err="1">
+                        <a:rPr lang="en-US" sz="2000" b="1" i="0" u="none" strike="noStrike" dirty="0">
                           <a:solidFill>
                             <a:srgbClr val="2C3E50"/>
                           </a:solidFill>
@@ -23079,15 +23075,6 @@
                         </a:rPr>
                         <a:t>created_at</a:t>
                       </a:r>
-                      <a:endParaRPr lang="en-US" sz="2000" b="1" i="0" u="none" strike="noStrike" dirty="0">
-                        <a:solidFill>
-                          <a:srgbClr val="2C3E50"/>
-                        </a:solidFill>
-                        <a:effectLst/>
-                        <a:latin typeface="Helvetica" charset="0"/>
-                        <a:ea typeface="Helvetica" charset="0"/>
-                        <a:cs typeface="Helvetica" charset="0"/>
-                      </a:endParaRPr>
                     </a:p>
                   </a:txBody>
                   <a:tcPr marL="12700" marR="12700" marT="12700" marB="0" anchor="ctr">
@@ -23265,7 +23252,7 @@
                     <a:p>
                       <a:pPr algn="l" fontAlgn="b"/>
                       <a:r>
-                        <a:rPr lang="is-IS" sz="2000" b="0" i="0" u="none" strike="noStrike" dirty="0">
+                        <a:rPr lang="is-IS" sz="2000" b="0" i="0" u="none" strike="noStrike">
                           <a:solidFill>
                             <a:srgbClr val="000000"/>
                           </a:solidFill>
@@ -23401,7 +23388,7 @@
                         <a:t>5f79a9934</a:t>
                       </a:r>
                       <a:r>
-                        <a:rPr lang="is-IS" sz="2000" b="0" i="0" u="none" strike="noStrike" dirty="0" smtClean="0">
+                        <a:rPr lang="is-IS" sz="2000" b="0" i="0" u="none" strike="noStrike" smtClean="0">
                           <a:solidFill>
                             <a:srgbClr val="000000"/>
                           </a:solidFill>
@@ -23546,7 +23533,7 @@
                         <a:t>108.20.51</a:t>
                       </a:r>
                       <a:r>
-                        <a:rPr lang="is-IS" sz="2000" b="0" i="0" u="none" strike="noStrike" dirty="0" smtClean="0">
+                        <a:rPr lang="is-IS" sz="2000" b="0" i="0" u="none" strike="noStrike" smtClean="0">
                           <a:solidFill>
                             <a:srgbClr val="000000"/>
                           </a:solidFill>
@@ -23765,7 +23752,7 @@
                         <a:t>iPad; CPU OS</a:t>
                       </a:r>
                       <a:r>
-                        <a:rPr lang="is-IS" sz="2000" b="0" i="0" u="none" strike="noStrike" dirty="0" smtClean="0">
+                        <a:rPr lang="is-IS" sz="2000" b="0" i="0" u="none" strike="noStrike" smtClean="0">
                           <a:solidFill>
                             <a:srgbClr val="000000"/>
                           </a:solidFill>
@@ -24086,7 +24073,7 @@
                     <a:p>
                       <a:pPr algn="l" fontAlgn="b"/>
                       <a:r>
-                        <a:rPr lang="is-IS" sz="2000" b="0" i="0" u="none" strike="noStrike" dirty="0">
+                        <a:rPr lang="is-IS" sz="2000" b="0" i="0" u="none" strike="noStrike">
                           <a:solidFill>
                             <a:srgbClr val="000000"/>
                           </a:solidFill>
@@ -24222,7 +24209,7 @@
                         <a:t>a745a871e</a:t>
                       </a:r>
                       <a:r>
-                        <a:rPr lang="is-IS" sz="2000" b="0" i="0" u="none" strike="noStrike" dirty="0" smtClean="0">
+                        <a:rPr lang="is-IS" sz="2000" b="0" i="0" u="none" strike="noStrike" smtClean="0">
                           <a:solidFill>
                             <a:srgbClr val="000000"/>
                           </a:solidFill>
@@ -24293,7 +24280,7 @@
                     <a:p>
                       <a:pPr algn="l" fontAlgn="b"/>
                       <a:r>
-                        <a:rPr lang="en-US" sz="2000" b="0" i="0" u="none" strike="noStrike">
+                        <a:rPr lang="en-US" sz="2000" b="0" i="0" u="none" strike="noStrike" dirty="0">
                           <a:solidFill>
                             <a:srgbClr val="000000"/>
                           </a:solidFill>
@@ -24367,7 +24354,7 @@
                         <a:t>129.10.107</a:t>
                       </a:r>
                       <a:r>
-                        <a:rPr lang="is-IS" sz="2000" b="0" i="0" u="none" strike="noStrike" dirty="0" smtClean="0">
+                        <a:rPr lang="is-IS" sz="2000" b="0" i="0" u="none" strike="noStrike" smtClean="0">
                           <a:solidFill>
                             <a:srgbClr val="000000"/>
                           </a:solidFill>
@@ -24438,7 +24425,7 @@
                     <a:p>
                       <a:pPr algn="l" fontAlgn="b"/>
                       <a:r>
-                        <a:rPr lang="en-US" sz="2000" b="0" i="0" u="none" strike="noStrike">
+                        <a:rPr lang="en-US" sz="2000" b="0" i="0" u="none" strike="noStrike" dirty="0">
                           <a:solidFill>
                             <a:srgbClr val="000000"/>
                           </a:solidFill>
@@ -24500,7 +24487,7 @@
                     <a:p>
                       <a:pPr algn="l" fontAlgn="b"/>
                       <a:r>
-                        <a:rPr lang="en-US" sz="2000" b="0" i="0" u="none" strike="noStrike">
+                        <a:rPr lang="en-US" sz="2000" b="0" i="0" u="none" strike="noStrike" dirty="0">
                           <a:solidFill>
                             <a:srgbClr val="000000"/>
                           </a:solidFill>
@@ -24562,18 +24549,6 @@
                     <a:p>
                       <a:pPr algn="l" fontAlgn="b"/>
                       <a:r>
-                        <a:rPr lang="it-IT" sz="2000" b="0" i="0" u="none" strike="noStrike" dirty="0" err="1">
-                          <a:solidFill>
-                            <a:srgbClr val="000000"/>
-                          </a:solidFill>
-                          <a:effectLst/>
-                          <a:latin typeface="Helvetica" charset="0"/>
-                          <a:ea typeface="Helvetica" charset="0"/>
-                          <a:cs typeface="Helvetica" charset="0"/>
-                        </a:rPr>
-                        <a:t>Mozilla</a:t>
-                      </a:r>
-                      <a:r>
                         <a:rPr lang="it-IT" sz="2000" b="0" i="0" u="none" strike="noStrike" dirty="0">
                           <a:solidFill>
                             <a:srgbClr val="000000"/>
@@ -24583,7 +24558,7 @@
                           <a:ea typeface="Helvetica" charset="0"/>
                           <a:cs typeface="Helvetica" charset="0"/>
                         </a:rPr>
-                        <a:t>/5.0 (Windows NT </a:t>
+                        <a:t>Mozilla/5.0 (Windows NT </a:t>
                       </a:r>
                       <a:r>
                         <a:rPr lang="it-IT" sz="2000" b="0" i="0" u="none" strike="noStrike" dirty="0" smtClean="0">
@@ -24598,7 +24573,7 @@
                         <a:t>6.1</a:t>
                       </a:r>
                       <a:r>
-                        <a:rPr lang="is-IS" sz="2000" b="0" i="0" u="none" strike="noStrike" dirty="0" smtClean="0">
+                        <a:rPr lang="is-IS" sz="2000" b="0" i="0" u="none" strike="noStrike" smtClean="0">
                           <a:solidFill>
                             <a:srgbClr val="000000"/>
                           </a:solidFill>
@@ -24618,192 +24593,6 @@
                         <a:ea typeface="Helvetica" charset="0"/>
                         <a:cs typeface="Helvetica" charset="0"/>
                       </a:endParaRPr>
-                    </a:p>
-                  </a:txBody>
-                  <a:tcPr marL="12700" marR="12700" marT="12700" marB="0" anchor="ctr">
-                    <a:lnL w="12700" cap="flat" cmpd="sng" algn="ctr">
-                      <a:solidFill>
-                        <a:schemeClr val="tx1"/>
-                      </a:solidFill>
-                      <a:prstDash val="solid"/>
-                      <a:round/>
-                      <a:headEnd type="none" w="med" len="med"/>
-                      <a:tailEnd type="none" w="med" len="med"/>
-                    </a:lnL>
-                    <a:lnR w="12700" cap="flat" cmpd="sng" algn="ctr">
-                      <a:solidFill>
-                        <a:schemeClr val="tx1"/>
-                      </a:solidFill>
-                      <a:prstDash val="solid"/>
-                      <a:round/>
-                      <a:headEnd type="none" w="med" len="med"/>
-                      <a:tailEnd type="none" w="med" len="med"/>
-                    </a:lnR>
-                    <a:lnT w="12700" cap="flat" cmpd="sng" algn="ctr">
-                      <a:solidFill>
-                        <a:schemeClr val="tx1"/>
-                      </a:solidFill>
-                      <a:prstDash val="solid"/>
-                      <a:round/>
-                      <a:headEnd type="none" w="med" len="med"/>
-                      <a:tailEnd type="none" w="med" len="med"/>
-                    </a:lnT>
-                    <a:lnB w="12700" cap="flat" cmpd="sng" algn="ctr">
-                      <a:solidFill>
-                        <a:schemeClr val="tx1"/>
-                      </a:solidFill>
-                      <a:prstDash val="solid"/>
-                      <a:round/>
-                      <a:headEnd type="none" w="med" len="med"/>
-                      <a:tailEnd type="none" w="med" len="med"/>
-                    </a:lnB>
-                    <a:solidFill>
-                      <a:srgbClr val="ECF0F1"/>
-                    </a:solidFill>
-                  </a:tcPr>
-                </a:tc>
-                <a:tc>
-                  <a:txBody>
-                    <a:bodyPr/>
-                    <a:lstStyle/>
-                    <a:p>
-                      <a:pPr algn="l" fontAlgn="b"/>
-                      <a:r>
-                        <a:rPr lang="en-US" sz="2000" b="0" i="0" u="none" strike="noStrike">
-                          <a:solidFill>
-                            <a:srgbClr val="000000"/>
-                          </a:solidFill>
-                          <a:effectLst/>
-                          <a:latin typeface="Helvetica" charset="0"/>
-                          <a:ea typeface="Helvetica" charset="0"/>
-                          <a:cs typeface="Helvetica" charset="0"/>
-                        </a:rPr>
-                        <a:t>TRUE</a:t>
-                      </a:r>
-                    </a:p>
-                  </a:txBody>
-                  <a:tcPr marL="12700" marR="12700" marT="12700" marB="0" anchor="ctr">
-                    <a:lnL w="12700" cap="flat" cmpd="sng" algn="ctr">
-                      <a:solidFill>
-                        <a:schemeClr val="tx1"/>
-                      </a:solidFill>
-                      <a:prstDash val="solid"/>
-                      <a:round/>
-                      <a:headEnd type="none" w="med" len="med"/>
-                      <a:tailEnd type="none" w="med" len="med"/>
-                    </a:lnL>
-                    <a:lnR w="12700" cap="flat" cmpd="sng" algn="ctr">
-                      <a:solidFill>
-                        <a:schemeClr val="tx1"/>
-                      </a:solidFill>
-                      <a:prstDash val="solid"/>
-                      <a:round/>
-                      <a:headEnd type="none" w="med" len="med"/>
-                      <a:tailEnd type="none" w="med" len="med"/>
-                    </a:lnR>
-                    <a:lnT w="12700" cap="flat" cmpd="sng" algn="ctr">
-                      <a:solidFill>
-                        <a:schemeClr val="tx1"/>
-                      </a:solidFill>
-                      <a:prstDash val="solid"/>
-                      <a:round/>
-                      <a:headEnd type="none" w="med" len="med"/>
-                      <a:tailEnd type="none" w="med" len="med"/>
-                    </a:lnT>
-                    <a:lnB w="12700" cap="flat" cmpd="sng" algn="ctr">
-                      <a:solidFill>
-                        <a:schemeClr val="tx1"/>
-                      </a:solidFill>
-                      <a:prstDash val="solid"/>
-                      <a:round/>
-                      <a:headEnd type="none" w="med" len="med"/>
-                      <a:tailEnd type="none" w="med" len="med"/>
-                    </a:lnB>
-                    <a:solidFill>
-                      <a:srgbClr val="ECF0F1"/>
-                    </a:solidFill>
-                  </a:tcPr>
-                </a:tc>
-                <a:tc>
-                  <a:txBody>
-                    <a:bodyPr/>
-                    <a:lstStyle/>
-                    <a:p>
-                      <a:pPr algn="l" fontAlgn="b"/>
-                      <a:r>
-                        <a:rPr lang="en-US" sz="2000" b="0" i="0" u="none" strike="noStrike">
-                          <a:solidFill>
-                            <a:srgbClr val="000000"/>
-                          </a:solidFill>
-                          <a:effectLst/>
-                          <a:latin typeface="Helvetica" charset="0"/>
-                          <a:ea typeface="Helvetica" charset="0"/>
-                          <a:cs typeface="Helvetica" charset="0"/>
-                        </a:rPr>
-                        <a:t>5/21/15 12:32</a:t>
-                      </a:r>
-                    </a:p>
-                  </a:txBody>
-                  <a:tcPr marL="12700" marR="12700" marT="12700" marB="0" anchor="ctr">
-                    <a:lnL w="12700" cap="flat" cmpd="sng" algn="ctr">
-                      <a:solidFill>
-                        <a:schemeClr val="tx1"/>
-                      </a:solidFill>
-                      <a:prstDash val="solid"/>
-                      <a:round/>
-                      <a:headEnd type="none" w="med" len="med"/>
-                      <a:tailEnd type="none" w="med" len="med"/>
-                    </a:lnL>
-                    <a:lnR w="12700" cap="flat" cmpd="sng" algn="ctr">
-                      <a:solidFill>
-                        <a:schemeClr val="tx1"/>
-                      </a:solidFill>
-                      <a:prstDash val="solid"/>
-                      <a:round/>
-                      <a:headEnd type="none" w="med" len="med"/>
-                      <a:tailEnd type="none" w="med" len="med"/>
-                    </a:lnR>
-                    <a:lnT w="12700" cap="flat" cmpd="sng" algn="ctr">
-                      <a:solidFill>
-                        <a:schemeClr val="tx1"/>
-                      </a:solidFill>
-                      <a:prstDash val="solid"/>
-                      <a:round/>
-                      <a:headEnd type="none" w="med" len="med"/>
-                      <a:tailEnd type="none" w="med" len="med"/>
-                    </a:lnT>
-                    <a:lnB w="12700" cap="flat" cmpd="sng" algn="ctr">
-                      <a:solidFill>
-                        <a:schemeClr val="tx1"/>
-                      </a:solidFill>
-                      <a:prstDash val="solid"/>
-                      <a:round/>
-                      <a:headEnd type="none" w="med" len="med"/>
-                      <a:tailEnd type="none" w="med" len="med"/>
-                    </a:lnB>
-                    <a:solidFill>
-                      <a:srgbClr val="ECF0F1"/>
-                    </a:solidFill>
-                  </a:tcPr>
-                </a:tc>
-                <a:tc>
-                  <a:txBody>
-                    <a:bodyPr/>
-                    <a:lstStyle/>
-                    <a:p>
-                      <a:pPr algn="l" fontAlgn="b"/>
-                      <a:r>
-                        <a:rPr lang="bg-BG" sz="2000" b="0" i="0" u="none" strike="noStrike">
-                          <a:solidFill>
-                            <a:srgbClr val="000000"/>
-                          </a:solidFill>
-                          <a:effectLst/>
-                          <a:latin typeface="Helvetica" charset="0"/>
-                          <a:ea typeface="Helvetica" charset="0"/>
-                          <a:cs typeface="Helvetica" charset="0"/>
-                        </a:rPr>
-                        <a:t>1/22/16 1:58</a:t>
-                      </a:r>
                     </a:p>
                   </a:txBody>
                   <a:tcPr marL="12700" marR="12700" marT="12700" marB="0" anchor="ctr">
@@ -24910,6 +24699,192 @@
                     </a:solidFill>
                   </a:tcPr>
                 </a:tc>
+                <a:tc>
+                  <a:txBody>
+                    <a:bodyPr/>
+                    <a:lstStyle/>
+                    <a:p>
+                      <a:pPr algn="l" fontAlgn="b"/>
+                      <a:r>
+                        <a:rPr lang="en-US" sz="2000" b="0" i="0" u="none" strike="noStrike" dirty="0">
+                          <a:solidFill>
+                            <a:srgbClr val="000000"/>
+                          </a:solidFill>
+                          <a:effectLst/>
+                          <a:latin typeface="Helvetica" charset="0"/>
+                          <a:ea typeface="Helvetica" charset="0"/>
+                          <a:cs typeface="Helvetica" charset="0"/>
+                        </a:rPr>
+                        <a:t>5/21/15 12:32</a:t>
+                      </a:r>
+                    </a:p>
+                  </a:txBody>
+                  <a:tcPr marL="12700" marR="12700" marT="12700" marB="0" anchor="ctr">
+                    <a:lnL w="12700" cap="flat" cmpd="sng" algn="ctr">
+                      <a:solidFill>
+                        <a:schemeClr val="tx1"/>
+                      </a:solidFill>
+                      <a:prstDash val="solid"/>
+                      <a:round/>
+                      <a:headEnd type="none" w="med" len="med"/>
+                      <a:tailEnd type="none" w="med" len="med"/>
+                    </a:lnL>
+                    <a:lnR w="12700" cap="flat" cmpd="sng" algn="ctr">
+                      <a:solidFill>
+                        <a:schemeClr val="tx1"/>
+                      </a:solidFill>
+                      <a:prstDash val="solid"/>
+                      <a:round/>
+                      <a:headEnd type="none" w="med" len="med"/>
+                      <a:tailEnd type="none" w="med" len="med"/>
+                    </a:lnR>
+                    <a:lnT w="12700" cap="flat" cmpd="sng" algn="ctr">
+                      <a:solidFill>
+                        <a:schemeClr val="tx1"/>
+                      </a:solidFill>
+                      <a:prstDash val="solid"/>
+                      <a:round/>
+                      <a:headEnd type="none" w="med" len="med"/>
+                      <a:tailEnd type="none" w="med" len="med"/>
+                    </a:lnT>
+                    <a:lnB w="12700" cap="flat" cmpd="sng" algn="ctr">
+                      <a:solidFill>
+                        <a:schemeClr val="tx1"/>
+                      </a:solidFill>
+                      <a:prstDash val="solid"/>
+                      <a:round/>
+                      <a:headEnd type="none" w="med" len="med"/>
+                      <a:tailEnd type="none" w="med" len="med"/>
+                    </a:lnB>
+                    <a:solidFill>
+                      <a:srgbClr val="ECF0F1"/>
+                    </a:solidFill>
+                  </a:tcPr>
+                </a:tc>
+                <a:tc>
+                  <a:txBody>
+                    <a:bodyPr/>
+                    <a:lstStyle/>
+                    <a:p>
+                      <a:pPr algn="l" fontAlgn="b"/>
+                      <a:r>
+                        <a:rPr lang="bg-BG" sz="2000" b="0" i="0" u="none" strike="noStrike" dirty="0">
+                          <a:solidFill>
+                            <a:srgbClr val="000000"/>
+                          </a:solidFill>
+                          <a:effectLst/>
+                          <a:latin typeface="Helvetica" charset="0"/>
+                          <a:ea typeface="Helvetica" charset="0"/>
+                          <a:cs typeface="Helvetica" charset="0"/>
+                        </a:rPr>
+                        <a:t>1/22/16 1:58</a:t>
+                      </a:r>
+                    </a:p>
+                  </a:txBody>
+                  <a:tcPr marL="12700" marR="12700" marT="12700" marB="0" anchor="ctr">
+                    <a:lnL w="12700" cap="flat" cmpd="sng" algn="ctr">
+                      <a:solidFill>
+                        <a:schemeClr val="tx1"/>
+                      </a:solidFill>
+                      <a:prstDash val="solid"/>
+                      <a:round/>
+                      <a:headEnd type="none" w="med" len="med"/>
+                      <a:tailEnd type="none" w="med" len="med"/>
+                    </a:lnL>
+                    <a:lnR w="12700" cap="flat" cmpd="sng" algn="ctr">
+                      <a:solidFill>
+                        <a:schemeClr val="tx1"/>
+                      </a:solidFill>
+                      <a:prstDash val="solid"/>
+                      <a:round/>
+                      <a:headEnd type="none" w="med" len="med"/>
+                      <a:tailEnd type="none" w="med" len="med"/>
+                    </a:lnR>
+                    <a:lnT w="12700" cap="flat" cmpd="sng" algn="ctr">
+                      <a:solidFill>
+                        <a:schemeClr val="tx1"/>
+                      </a:solidFill>
+                      <a:prstDash val="solid"/>
+                      <a:round/>
+                      <a:headEnd type="none" w="med" len="med"/>
+                      <a:tailEnd type="none" w="med" len="med"/>
+                    </a:lnT>
+                    <a:lnB w="12700" cap="flat" cmpd="sng" algn="ctr">
+                      <a:solidFill>
+                        <a:schemeClr val="tx1"/>
+                      </a:solidFill>
+                      <a:prstDash val="solid"/>
+                      <a:round/>
+                      <a:headEnd type="none" w="med" len="med"/>
+                      <a:tailEnd type="none" w="med" len="med"/>
+                    </a:lnB>
+                    <a:solidFill>
+                      <a:srgbClr val="ECF0F1"/>
+                    </a:solidFill>
+                  </a:tcPr>
+                </a:tc>
+                <a:tc>
+                  <a:txBody>
+                    <a:bodyPr/>
+                    <a:lstStyle/>
+                    <a:p>
+                      <a:pPr algn="l" fontAlgn="b"/>
+                      <a:r>
+                        <a:rPr lang="en-US" sz="2000" b="0" i="0" u="none" strike="noStrike" dirty="0">
+                          <a:solidFill>
+                            <a:srgbClr val="000000"/>
+                          </a:solidFill>
+                          <a:effectLst/>
+                          <a:latin typeface="Helvetica" charset="0"/>
+                          <a:ea typeface="Helvetica" charset="0"/>
+                          <a:cs typeface="Helvetica" charset="0"/>
+                        </a:rPr>
+                        <a:t>TRUE</a:t>
+                      </a:r>
+                    </a:p>
+                  </a:txBody>
+                  <a:tcPr marL="12700" marR="12700" marT="12700" marB="0" anchor="ctr">
+                    <a:lnL w="12700" cap="flat" cmpd="sng" algn="ctr">
+                      <a:solidFill>
+                        <a:schemeClr val="tx1"/>
+                      </a:solidFill>
+                      <a:prstDash val="solid"/>
+                      <a:round/>
+                      <a:headEnd type="none" w="med" len="med"/>
+                      <a:tailEnd type="none" w="med" len="med"/>
+                    </a:lnL>
+                    <a:lnR w="12700" cap="flat" cmpd="sng" algn="ctr">
+                      <a:solidFill>
+                        <a:schemeClr val="tx1"/>
+                      </a:solidFill>
+                      <a:prstDash val="solid"/>
+                      <a:round/>
+                      <a:headEnd type="none" w="med" len="med"/>
+                      <a:tailEnd type="none" w="med" len="med"/>
+                    </a:lnR>
+                    <a:lnT w="12700" cap="flat" cmpd="sng" algn="ctr">
+                      <a:solidFill>
+                        <a:schemeClr val="tx1"/>
+                      </a:solidFill>
+                      <a:prstDash val="solid"/>
+                      <a:round/>
+                      <a:headEnd type="none" w="med" len="med"/>
+                      <a:tailEnd type="none" w="med" len="med"/>
+                    </a:lnT>
+                    <a:lnB w="12700" cap="flat" cmpd="sng" algn="ctr">
+                      <a:solidFill>
+                        <a:schemeClr val="tx1"/>
+                      </a:solidFill>
+                      <a:prstDash val="solid"/>
+                      <a:round/>
+                      <a:headEnd type="none" w="med" len="med"/>
+                      <a:tailEnd type="none" w="med" len="med"/>
+                    </a:lnB>
+                    <a:solidFill>
+                      <a:srgbClr val="ECF0F1"/>
+                    </a:solidFill>
+                  </a:tcPr>
+                </a:tc>
               </a:tr>
               <a:tr h="257408">
                 <a:tc>
@@ -24919,7 +24894,7 @@
                     <a:p>
                       <a:pPr algn="l" fontAlgn="b"/>
                       <a:r>
-                        <a:rPr lang="is-IS" sz="2000" b="0" i="0" u="none" strike="noStrike" dirty="0">
+                        <a:rPr lang="is-IS" sz="2000" b="0" i="0" u="none" strike="noStrike">
                           <a:solidFill>
                             <a:srgbClr val="000000"/>
                           </a:solidFill>
@@ -25055,7 +25030,7 @@
                         <a:t>a745a8715</a:t>
                       </a:r>
                       <a:r>
-                        <a:rPr lang="is-IS" sz="2000" b="0" i="0" u="none" strike="noStrike" dirty="0" smtClean="0">
+                        <a:rPr lang="is-IS" sz="2000" b="0" i="0" u="none" strike="noStrike" smtClean="0">
                           <a:solidFill>
                             <a:srgbClr val="000000"/>
                           </a:solidFill>
@@ -25126,7 +25101,7 @@
                     <a:p>
                       <a:pPr algn="l" fontAlgn="b"/>
                       <a:r>
-                        <a:rPr lang="en-US" sz="2000" b="0" i="0" u="none" strike="noStrike">
+                        <a:rPr lang="en-US" sz="2000" b="0" i="0" u="none" strike="noStrike" dirty="0">
                           <a:solidFill>
                             <a:srgbClr val="000000"/>
                           </a:solidFill>
@@ -25200,7 +25175,7 @@
                         <a:t>129.10.107</a:t>
                       </a:r>
                       <a:r>
-                        <a:rPr lang="is-IS" sz="2000" b="0" i="0" u="none" strike="noStrike" dirty="0" smtClean="0">
+                        <a:rPr lang="is-IS" sz="2000" b="0" i="0" u="none" strike="noStrike" smtClean="0">
                           <a:solidFill>
                             <a:srgbClr val="000000"/>
                           </a:solidFill>
@@ -25333,7 +25308,7 @@
                     <a:p>
                       <a:pPr algn="l" fontAlgn="b"/>
                       <a:r>
-                        <a:rPr lang="en-US" sz="2000" b="0" i="0" u="none" strike="noStrike">
+                        <a:rPr lang="en-US" sz="2000" b="0" i="0" u="none" strike="noStrike" dirty="0">
                           <a:solidFill>
                             <a:srgbClr val="000000"/>
                           </a:solidFill>
@@ -25395,18 +25370,6 @@
                     <a:p>
                       <a:pPr algn="l" fontAlgn="b"/>
                       <a:r>
-                        <a:rPr lang="it-IT" sz="2000" b="0" i="0" u="none" strike="noStrike" dirty="0" err="1">
-                          <a:solidFill>
-                            <a:srgbClr val="000000"/>
-                          </a:solidFill>
-                          <a:effectLst/>
-                          <a:latin typeface="Helvetica" charset="0"/>
-                          <a:ea typeface="Helvetica" charset="0"/>
-                          <a:cs typeface="Helvetica" charset="0"/>
-                        </a:rPr>
-                        <a:t>Mozilla</a:t>
-                      </a:r>
-                      <a:r>
                         <a:rPr lang="it-IT" sz="2000" b="0" i="0" u="none" strike="noStrike" dirty="0">
                           <a:solidFill>
                             <a:srgbClr val="000000"/>
@@ -25416,7 +25379,7 @@
                           <a:ea typeface="Helvetica" charset="0"/>
                           <a:cs typeface="Helvetica" charset="0"/>
                         </a:rPr>
-                        <a:t>/5.0 (Windows NT </a:t>
+                        <a:t>Mozilla/5.0 (Windows NT </a:t>
                       </a:r>
                       <a:r>
                         <a:rPr lang="it-IT" sz="2000" b="0" i="0" u="none" strike="noStrike" dirty="0" smtClean="0">
@@ -25431,7 +25394,7 @@
                         <a:t>6.1</a:t>
                       </a:r>
                       <a:r>
-                        <a:rPr lang="is-IS" sz="2000" b="0" i="0" u="none" strike="noStrike" dirty="0" smtClean="0">
+                        <a:rPr lang="is-IS" sz="2000" b="0" i="0" u="none" strike="noStrike" smtClean="0">
                           <a:solidFill>
                             <a:srgbClr val="000000"/>
                           </a:solidFill>
@@ -25752,7 +25715,7 @@
                     <a:p>
                       <a:pPr algn="l" fontAlgn="b"/>
                       <a:r>
-                        <a:rPr lang="is-IS" sz="2000" b="0" i="0" u="none" strike="noStrike" dirty="0">
+                        <a:rPr lang="is-IS" sz="2000" b="0" i="0" u="none" strike="noStrike">
                           <a:solidFill>
                             <a:srgbClr val="000000"/>
                           </a:solidFill>
@@ -25888,7 +25851,7 @@
                         <a:t>e5d85e81e</a:t>
                       </a:r>
                       <a:r>
-                        <a:rPr lang="is-IS" sz="2000" b="0" i="0" u="none" strike="noStrike" dirty="0" smtClean="0">
+                        <a:rPr lang="is-IS" sz="2000" b="0" i="0" u="none" strike="noStrike" smtClean="0">
                           <a:solidFill>
                             <a:srgbClr val="000000"/>
                           </a:solidFill>
@@ -26033,7 +25996,7 @@
                         <a:t>129.10.106</a:t>
                       </a:r>
                       <a:r>
-                        <a:rPr lang="is-IS" sz="2000" b="0" i="0" u="none" strike="noStrike" dirty="0" smtClean="0">
+                        <a:rPr lang="is-IS" sz="2000" b="0" i="0" u="none" strike="noStrike" smtClean="0">
                           <a:solidFill>
                             <a:srgbClr val="000000"/>
                           </a:solidFill>
@@ -26128,7 +26091,7 @@
                         <a:t>repository</a:t>
                       </a:r>
                       <a:r>
-                        <a:rPr lang="is-IS" sz="2000" b="0" i="0" u="none" strike="noStrike" dirty="0" smtClean="0">
+                        <a:rPr lang="is-IS" sz="2000" b="0" i="0" u="none" strike="noStrike" smtClean="0">
                           <a:solidFill>
                             <a:srgbClr val="000000"/>
                           </a:solidFill>
@@ -26261,18 +26224,6 @@
                     <a:p>
                       <a:pPr algn="l" fontAlgn="b"/>
                       <a:r>
-                        <a:rPr lang="it-IT" sz="2000" b="0" i="0" u="none" strike="noStrike" dirty="0" err="1">
-                          <a:solidFill>
-                            <a:srgbClr val="000000"/>
-                          </a:solidFill>
-                          <a:effectLst/>
-                          <a:latin typeface="Helvetica" charset="0"/>
-                          <a:ea typeface="Helvetica" charset="0"/>
-                          <a:cs typeface="Helvetica" charset="0"/>
-                        </a:rPr>
-                        <a:t>Mozilla</a:t>
-                      </a:r>
-                      <a:r>
                         <a:rPr lang="it-IT" sz="2000" b="0" i="0" u="none" strike="noStrike" dirty="0">
                           <a:solidFill>
                             <a:srgbClr val="000000"/>
@@ -26282,7 +26233,7 @@
                           <a:ea typeface="Helvetica" charset="0"/>
                           <a:cs typeface="Helvetica" charset="0"/>
                         </a:rPr>
-                        <a:t>/5.0 (Windows NT </a:t>
+                        <a:t>Mozilla/5.0 (Windows NT </a:t>
                       </a:r>
                       <a:r>
                         <a:rPr lang="it-IT" sz="2000" b="0" i="0" u="none" strike="noStrike" dirty="0" smtClean="0">
@@ -26297,7 +26248,7 @@
                         <a:t>6.1</a:t>
                       </a:r>
                       <a:r>
-                        <a:rPr lang="is-IS" sz="2000" b="0" i="0" u="none" strike="noStrike" dirty="0" smtClean="0">
+                        <a:rPr lang="is-IS" sz="2000" b="0" i="0" u="none" strike="noStrike" smtClean="0">
                           <a:solidFill>
                             <a:srgbClr val="000000"/>
                           </a:solidFill>
@@ -26998,7 +26949,7 @@
           <a:lstStyle/>
           <a:p>
             <a:pPr algn="ctr"/>
-            <a:endParaRPr lang="en-US"/>
+            <a:endParaRPr lang="en-US" dirty="0"/>
           </a:p>
         </p:txBody>
       </p:sp>
@@ -27076,7 +27027,7 @@
           <a:lstStyle/>
           <a:p>
             <a:pPr algn="ctr"/>
-            <a:endParaRPr lang="en-US"/>
+            <a:endParaRPr lang="en-US" dirty="0"/>
           </a:p>
         </p:txBody>
       </p:sp>
@@ -27221,7 +27172,7 @@
           <a:lstStyle/>
           <a:p>
             <a:pPr algn="ctr"/>
-            <a:endParaRPr lang="en-US"/>
+            <a:endParaRPr lang="en-US" dirty="0"/>
           </a:p>
         </p:txBody>
       </p:sp>
@@ -27268,7 +27219,7 @@
           <a:lstStyle/>
           <a:p>
             <a:pPr algn="ctr"/>
-            <a:endParaRPr lang="en-US"/>
+            <a:endParaRPr lang="en-US" dirty="0"/>
           </a:p>
         </p:txBody>
       </p:sp>
@@ -27341,14 +27292,21 @@
               <a:t>For more information about the DRS visit </a:t>
             </a:r>
             <a:r>
-              <a:rPr lang="en-US" sz="2300" dirty="0" err="1" smtClean="0">
+              <a:rPr lang="en-US" sz="2300" dirty="0" smtClean="0">
                 <a:solidFill>
                   <a:srgbClr val="2B84D2"/>
                 </a:solidFill>
                 <a:latin typeface="Helvetica"/>
                 <a:cs typeface="Helvetica"/>
               </a:rPr>
-              <a:t>dsg.neu.edu</a:t>
+              <a:t>dsg.neu.edu/resources/drs </a:t>
+            </a:r>
+            <a:r>
+              <a:rPr lang="en-US" sz="2300" dirty="0" smtClean="0">
+                <a:latin typeface="Helvetica"/>
+                <a:cs typeface="Helvetica"/>
+              </a:rPr>
+              <a:t>or  </a:t>
             </a:r>
             <a:r>
               <a:rPr lang="en-US" sz="2300" dirty="0" smtClean="0">
@@ -27358,64 +27316,7 @@
                 <a:latin typeface="Helvetica"/>
                 <a:cs typeface="Helvetica"/>
               </a:rPr>
-              <a:t>/resources/</a:t>
-            </a:r>
-            <a:r>
-              <a:rPr lang="en-US" sz="2300" dirty="0" err="1" smtClean="0">
-                <a:solidFill>
-                  <a:srgbClr val="2B84D2"/>
-                </a:solidFill>
-                <a:latin typeface="Helvetica"/>
-                <a:cs typeface="Helvetica"/>
-              </a:rPr>
-              <a:t>drs</a:t>
-            </a:r>
-            <a:r>
-              <a:rPr lang="en-US" sz="2300" dirty="0" smtClean="0">
-                <a:solidFill>
-                  <a:srgbClr val="2B84D2"/>
-                </a:solidFill>
-                <a:latin typeface="Helvetica"/>
-                <a:cs typeface="Helvetica"/>
-              </a:rPr>
-              <a:t> </a:t>
-            </a:r>
-            <a:r>
-              <a:rPr lang="en-US" sz="2300" dirty="0" smtClean="0">
-                <a:latin typeface="Helvetica"/>
-                <a:cs typeface="Helvetica"/>
-              </a:rPr>
-              <a:t>or  </a:t>
-            </a:r>
-            <a:r>
-              <a:rPr lang="en-US" sz="2300" dirty="0" err="1" smtClean="0">
-                <a:solidFill>
-                  <a:srgbClr val="2B84D2"/>
-                </a:solidFill>
-                <a:latin typeface="Helvetica"/>
-                <a:cs typeface="Helvetica"/>
-              </a:rPr>
-              <a:t>github.com</a:t>
-            </a:r>
-            <a:r>
-              <a:rPr lang="en-US" sz="2300" dirty="0" smtClean="0">
-                <a:solidFill>
-                  <a:srgbClr val="2B84D2"/>
-                </a:solidFill>
-                <a:latin typeface="Helvetica"/>
-                <a:cs typeface="Helvetica"/>
-              </a:rPr>
-              <a:t>/NEU-Libraries/</a:t>
-            </a:r>
-            <a:r>
-              <a:rPr lang="en-US" sz="2300" dirty="0" err="1" smtClean="0">
-                <a:solidFill>
-                  <a:srgbClr val="2B84D2"/>
-                </a:solidFill>
-                <a:latin typeface="Helvetica"/>
-                <a:cs typeface="Helvetica"/>
-              </a:rPr>
-              <a:t>cerberus</a:t>
+              <a:t>github.com/NEU-Libraries/cerberus</a:t>
             </a:r>
             <a:endParaRPr lang="en-US" sz="2300" dirty="0">
               <a:solidFill>
@@ -27711,39 +27612,7 @@
                 <a:ea typeface="Helvetica" charset="0"/>
                 <a:cs typeface="Helvetica" charset="0"/>
               </a:rPr>
-              <a:t>archive*, *bot*, *crawl*, *curl*, *java*, *lynx*, *</a:t>
-            </a:r>
-            <a:r>
-              <a:rPr lang="en-US" sz="2300" dirty="0" err="1">
-                <a:latin typeface="Helvetica" charset="0"/>
-                <a:ea typeface="Helvetica" charset="0"/>
-                <a:cs typeface="Helvetica" charset="0"/>
-              </a:rPr>
-              <a:t>nutch</a:t>
-            </a:r>
-            <a:r>
-              <a:rPr lang="en-US" sz="2300" dirty="0">
-                <a:latin typeface="Helvetica" charset="0"/>
-                <a:ea typeface="Helvetica" charset="0"/>
-                <a:cs typeface="Helvetica" charset="0"/>
-              </a:rPr>
-              <a:t>*, *scrape*, *</a:t>
-            </a:r>
-            <a:r>
-              <a:rPr lang="en-US" sz="2300" dirty="0" err="1">
-                <a:latin typeface="Helvetica" charset="0"/>
-                <a:ea typeface="Helvetica" charset="0"/>
-                <a:cs typeface="Helvetica" charset="0"/>
-              </a:rPr>
-              <a:t>scrapy</a:t>
-            </a:r>
-            <a:r>
-              <a:rPr lang="en-US" sz="2300" dirty="0">
-                <a:latin typeface="Helvetica" charset="0"/>
-                <a:ea typeface="Helvetica" charset="0"/>
-                <a:cs typeface="Helvetica" charset="0"/>
-              </a:rPr>
-              <a:t>*, *slurp*, and *spider*</a:t>
+              <a:t>archive*, *bot*, *crawl*, *curl*, *java*, *lynx*, *nutch*, *scrape*, *scrapy*, *slurp*, and *spider*</a:t>
             </a:r>
           </a:p>
         </p:txBody>
@@ -27995,7 +27864,7 @@
           <a:lstStyle/>
           <a:p>
             <a:pPr algn="ctr"/>
-            <a:endParaRPr lang="en-US"/>
+            <a:endParaRPr lang="en-US" dirty="0"/>
           </a:p>
         </p:txBody>
       </p:sp>
@@ -28073,7 +27942,7 @@
           <a:lstStyle/>
           <a:p>
             <a:pPr algn="ctr"/>
-            <a:endParaRPr lang="en-US"/>
+            <a:endParaRPr lang="en-US" dirty="0"/>
           </a:p>
         </p:txBody>
       </p:sp>
@@ -28180,7 +28049,7 @@
           <a:lstStyle/>
           <a:p>
             <a:pPr algn="ctr"/>
-            <a:endParaRPr lang="en-US"/>
+            <a:endParaRPr lang="en-US" dirty="0"/>
           </a:p>
         </p:txBody>
       </p:sp>
@@ -28258,7 +28127,7 @@
           <a:lstStyle/>
           <a:p>
             <a:pPr algn="ctr"/>
-            <a:endParaRPr lang="en-US"/>
+            <a:endParaRPr lang="en-US" dirty="0"/>
           </a:p>
         </p:txBody>
       </p:sp>
@@ -28336,7 +28205,7 @@
           <a:lstStyle/>
           <a:p>
             <a:pPr algn="ctr"/>
-            <a:endParaRPr lang="en-US"/>
+            <a:endParaRPr lang="en-US" dirty="0"/>
           </a:p>
         </p:txBody>
       </p:sp>
@@ -28414,7 +28283,7 @@
           <a:lstStyle/>
           <a:p>
             <a:pPr algn="ctr"/>
-            <a:endParaRPr lang="en-US"/>
+            <a:endParaRPr lang="en-US" dirty="0"/>
           </a:p>
         </p:txBody>
       </p:sp>
@@ -28492,7 +28361,7 @@
           <a:lstStyle/>
           <a:p>
             <a:pPr algn="ctr"/>
-            <a:endParaRPr lang="en-US"/>
+            <a:endParaRPr lang="en-US" dirty="0"/>
           </a:p>
         </p:txBody>
       </p:sp>
@@ -28570,7 +28439,7 @@
           <a:lstStyle/>
           <a:p>
             <a:pPr algn="ctr"/>
-            <a:endParaRPr lang="en-US"/>
+            <a:endParaRPr lang="en-US" dirty="0"/>
           </a:p>
         </p:txBody>
       </p:sp>
@@ -28648,7 +28517,7 @@
           <a:lstStyle/>
           <a:p>
             <a:pPr algn="ctr"/>
-            <a:endParaRPr lang="en-US"/>
+            <a:endParaRPr lang="en-US" dirty="0"/>
           </a:p>
         </p:txBody>
       </p:sp>
@@ -28726,7 +28595,7 @@
           <a:lstStyle/>
           <a:p>
             <a:pPr algn="ctr"/>
-            <a:endParaRPr lang="en-US"/>
+            <a:endParaRPr lang="en-US" dirty="0"/>
           </a:p>
         </p:txBody>
       </p:sp>
@@ -28804,7 +28673,7 @@
           <a:lstStyle/>
           <a:p>
             <a:pPr algn="ctr"/>
-            <a:endParaRPr lang="en-US"/>
+            <a:endParaRPr lang="en-US" dirty="0"/>
           </a:p>
         </p:txBody>
       </p:sp>
@@ -28882,7 +28751,7 @@
           <a:lstStyle/>
           <a:p>
             <a:pPr algn="ctr"/>
-            <a:endParaRPr lang="en-US"/>
+            <a:endParaRPr lang="en-US" dirty="0"/>
           </a:p>
         </p:txBody>
       </p:sp>
@@ -28960,7 +28829,7 @@
           <a:lstStyle/>
           <a:p>
             <a:pPr algn="ctr"/>
-            <a:endParaRPr lang="en-US"/>
+            <a:endParaRPr lang="en-US" dirty="0"/>
           </a:p>
         </p:txBody>
       </p:sp>
@@ -29038,7 +28907,7 @@
           <a:lstStyle/>
           <a:p>
             <a:pPr algn="ctr"/>
-            <a:endParaRPr lang="en-US"/>
+            <a:endParaRPr lang="en-US" dirty="0"/>
           </a:p>
         </p:txBody>
       </p:sp>
@@ -29116,7 +28985,7 @@
           <a:lstStyle/>
           <a:p>
             <a:pPr algn="ctr"/>
-            <a:endParaRPr lang="en-US"/>
+            <a:endParaRPr lang="en-US" dirty="0"/>
           </a:p>
         </p:txBody>
       </p:sp>
@@ -29163,7 +29032,7 @@
           <a:lstStyle/>
           <a:p>
             <a:pPr algn="ctr"/>
-            <a:endParaRPr lang="en-US"/>
+            <a:endParaRPr lang="en-US" dirty="0"/>
           </a:p>
         </p:txBody>
       </p:sp>
@@ -29210,7 +29079,7 @@
           <a:lstStyle/>
           <a:p>
             <a:pPr algn="ctr"/>
-            <a:endParaRPr lang="en-US"/>
+            <a:endParaRPr lang="en-US" dirty="0"/>
           </a:p>
         </p:txBody>
       </p:sp>
@@ -29257,7 +29126,7 @@
           <a:lstStyle/>
           <a:p>
             <a:pPr algn="ctr"/>
-            <a:endParaRPr lang="en-US"/>
+            <a:endParaRPr lang="en-US" dirty="0"/>
           </a:p>
         </p:txBody>
       </p:sp>
@@ -29390,7 +29259,7 @@
           <a:p>
             <a:pPr algn="ctr"/>
             <a:r>
-              <a:rPr lang="en-US" sz="3600" dirty="0" err="1" smtClean="0">
+              <a:rPr lang="en-US" sz="3600" dirty="0" smtClean="0">
                 <a:solidFill>
                   <a:srgbClr val="3498DB"/>
                 </a:solidFill>
@@ -29563,7 +29432,7 @@
           <a:lstStyle/>
           <a:p>
             <a:pPr algn="ctr"/>
-            <a:endParaRPr lang="en-US"/>
+            <a:endParaRPr lang="en-US" dirty="0"/>
           </a:p>
         </p:txBody>
       </p:sp>
@@ -29641,7 +29510,7 @@
           <a:lstStyle/>
           <a:p>
             <a:pPr algn="ctr"/>
-            <a:endParaRPr lang="en-US"/>
+            <a:endParaRPr lang="en-US" dirty="0"/>
           </a:p>
         </p:txBody>
       </p:sp>
@@ -29719,7 +29588,7 @@
           <a:lstStyle/>
           <a:p>
             <a:pPr algn="ctr"/>
-            <a:endParaRPr lang="en-US"/>
+            <a:endParaRPr lang="en-US" dirty="0"/>
           </a:p>
         </p:txBody>
       </p:sp>
@@ -29869,7 +29738,7 @@
               <a:t>Sarah Sweeney, </a:t>
             </a:r>
             <a:r>
-              <a:rPr lang="en-US" sz="5400" dirty="0" err="1">
+              <a:rPr lang="en-US" sz="5400" dirty="0">
                 <a:solidFill>
                   <a:srgbClr val="2C3E50"/>
                 </a:solidFill>
@@ -29879,14 +29748,6 @@
               </a:rPr>
               <a:t>sj.sweeney@neu.edu</a:t>
             </a:r>
-            <a:endParaRPr lang="en-US" sz="5400" dirty="0">
-              <a:solidFill>
-                <a:srgbClr val="2C3E50"/>
-              </a:solidFill>
-              <a:latin typeface="Gotham Book" charset="0"/>
-              <a:ea typeface="Gotham Book" charset="0"/>
-              <a:cs typeface="Gotham Book" charset="0"/>
-            </a:endParaRPr>
           </a:p>
         </p:txBody>
       </p:sp>
@@ -30003,7 +29864,7 @@
               </a:lnSpc>
             </a:pPr>
             <a:r>
-              <a:rPr lang="en-US" sz="2300" dirty="0" err="1" smtClean="0">
+              <a:rPr lang="en-US" sz="2300" dirty="0" smtClean="0">
                 <a:solidFill>
                   <a:srgbClr val="2B84D2"/>
                 </a:solidFill>
@@ -30023,16 +29884,6 @@
               <a:t>/resources/</a:t>
             </a:r>
             <a:r>
-              <a:rPr lang="en-US" sz="2300" dirty="0" err="1" smtClean="0">
-                <a:solidFill>
-                  <a:srgbClr val="2B84D2"/>
-                </a:solidFill>
-                <a:latin typeface="Helvetica"/>
-                <a:cs typeface="Helvetica"/>
-              </a:rPr>
-              <a:t>drs</a:t>
-            </a:r>
-            <a:r>
               <a:rPr lang="en-US" sz="2300" dirty="0" smtClean="0">
                 <a:solidFill>
                   <a:srgbClr val="2B84D2"/>
@@ -30040,7 +29891,7 @@
                 <a:latin typeface="Helvetica"/>
                 <a:cs typeface="Helvetica"/>
               </a:rPr>
-              <a:t> </a:t>
+              <a:t>drs </a:t>
             </a:r>
             <a:r>
               <a:rPr lang="en-US" sz="2300" dirty="0" smtClean="0">
@@ -30057,7 +29908,7 @@
               </a:lnSpc>
             </a:pPr>
             <a:r>
-              <a:rPr lang="en-US" sz="2300" dirty="0" err="1" smtClean="0">
+              <a:rPr lang="en-US" sz="2300" dirty="0" smtClean="0">
                 <a:solidFill>
                   <a:srgbClr val="2B84D2"/>
                 </a:solidFill>
@@ -30074,25 +29925,8 @@
                 <a:latin typeface="Helvetica"/>
                 <a:cs typeface="Helvetica"/>
               </a:rPr>
-              <a:t>/NEU-Libraries/</a:t>
+              <a:t>/NEU-Libraries/cerberus</a:t>
             </a:r>
-            <a:r>
-              <a:rPr lang="en-US" sz="2300" dirty="0" err="1">
-                <a:solidFill>
-                  <a:srgbClr val="2B84D2"/>
-                </a:solidFill>
-                <a:latin typeface="Helvetica"/>
-                <a:cs typeface="Helvetica"/>
-              </a:rPr>
-              <a:t>cerberus</a:t>
-            </a:r>
-            <a:endParaRPr lang="en-US" sz="2300" dirty="0">
-              <a:solidFill>
-                <a:srgbClr val="2B84D2"/>
-              </a:solidFill>
-              <a:latin typeface="Helvetica"/>
-              <a:cs typeface="Helvetica"/>
-            </a:endParaRPr>
           </a:p>
         </p:txBody>
       </p:sp>
@@ -30344,7 +30178,7 @@
           <a:lstStyle/>
           <a:p>
             <a:pPr algn="ctr"/>
-            <a:endParaRPr lang="en-US"/>
+            <a:endParaRPr lang="en-US" dirty="0"/>
           </a:p>
         </p:txBody>
       </p:sp>
@@ -30392,7 +30226,7 @@
           <a:lstStyle/>
           <a:p>
             <a:pPr algn="ctr"/>
-            <a:endParaRPr lang="en-US"/>
+            <a:endParaRPr lang="en-US" dirty="0"/>
           </a:p>
         </p:txBody>
       </p:sp>
@@ -30440,7 +30274,7 @@
           <a:lstStyle/>
           <a:p>
             <a:pPr algn="ctr"/>
-            <a:endParaRPr lang="en-US"/>
+            <a:endParaRPr lang="en-US" dirty="0"/>
           </a:p>
         </p:txBody>
       </p:sp>
@@ -30488,7 +30322,7 @@
           <a:lstStyle/>
           <a:p>
             <a:pPr algn="ctr"/>
-            <a:endParaRPr lang="en-US"/>
+            <a:endParaRPr lang="en-US" dirty="0"/>
           </a:p>
         </p:txBody>
       </p:sp>
@@ -30795,7 +30629,7 @@
           <a:lstStyle/>
           <a:p>
             <a:pPr algn="ctr"/>
-            <a:endParaRPr lang="en-US">
+            <a:endParaRPr lang="en-US" dirty="0">
               <a:latin typeface="Helvetica"/>
               <a:cs typeface="Helvetica"/>
             </a:endParaRPr>
@@ -30843,7 +30677,7 @@
           <a:lstStyle/>
           <a:p>
             <a:pPr algn="ctr"/>
-            <a:endParaRPr lang="en-US">
+            <a:endParaRPr lang="en-US" dirty="0">
               <a:latin typeface="Helvetica"/>
               <a:cs typeface="Helvetica"/>
             </a:endParaRPr>
@@ -30891,7 +30725,7 @@
           <a:lstStyle/>
           <a:p>
             <a:pPr algn="ctr"/>
-            <a:endParaRPr lang="en-US">
+            <a:endParaRPr lang="en-US" dirty="0">
               <a:latin typeface="Helvetica"/>
               <a:cs typeface="Helvetica"/>
             </a:endParaRPr>
@@ -30939,7 +30773,7 @@
           <a:lstStyle/>
           <a:p>
             <a:pPr algn="ctr"/>
-            <a:endParaRPr lang="en-US">
+            <a:endParaRPr lang="en-US" dirty="0">
               <a:latin typeface="Helvetica"/>
               <a:cs typeface="Helvetica"/>
             </a:endParaRPr>
